--- a/conteudoBandtecBachega/CicloDeVidaDeDesenvolvimento.pptx
+++ b/conteudoBandtecBachega/CicloDeVidaDeDesenvolvimento.pptx
@@ -109,6 +109,11 @@
       </a:defRPr>
     </a:lvl9pPr>
   </p:defaultTextStyle>
+  <p:extLst>
+    <p:ext uri="{EFAFB233-063F-42B5-8137-9DF3F51BA10A}">
+      <p15:sldGuideLst xmlns:p15="http://schemas.microsoft.com/office/powerpoint/2012/main"/>
+    </p:ext>
+  </p:extLst>
 </p:presentation>
 </file>
 
@@ -1070,6 +1075,13 @@
         </dgm:presLayoutVars>
       </dgm:prSet>
       <dgm:spPr/>
+      <dgm:t>
+        <a:bodyPr/>
+        <a:lstStyle/>
+        <a:p>
+          <a:endParaRPr lang="pt-BR"/>
+        </a:p>
+      </dgm:t>
     </dgm:pt>
     <dgm:pt modelId="{368E8C2D-DB0C-4BFD-A3BD-2293FF6A357B}" type="pres">
       <dgm:prSet presAssocID="{2D49F7EB-0A44-4377-8BCD-F2959ADBDCF0}" presName="node" presStyleLbl="node1" presStyleIdx="0" presStyleCnt="5">
@@ -1093,6 +1105,13 @@
     <dgm:pt modelId="{71076EE0-44A3-4805-80E2-24CD5A8E48B5}" type="pres">
       <dgm:prSet presAssocID="{49663F29-AD21-4EFD-AA2D-C419E74F0A33}" presName="sibTrans" presStyleLbl="sibTrans1D1" presStyleIdx="0" presStyleCnt="5"/>
       <dgm:spPr/>
+      <dgm:t>
+        <a:bodyPr/>
+        <a:lstStyle/>
+        <a:p>
+          <a:endParaRPr lang="pt-BR"/>
+        </a:p>
+      </dgm:t>
     </dgm:pt>
     <dgm:pt modelId="{EBDFA3BE-07DB-49F5-8388-1DD7165DA4C1}" type="pres">
       <dgm:prSet presAssocID="{6EF85EBB-734A-4B7A-8D65-D094B7E43070}" presName="node" presStyleLbl="node1" presStyleIdx="1" presStyleCnt="5">
@@ -1116,6 +1135,13 @@
     <dgm:pt modelId="{F23C175D-5DC7-4F94-A40A-24760AA95530}" type="pres">
       <dgm:prSet presAssocID="{08649474-CC22-4C4A-9D83-6DDF0DFCB530}" presName="sibTrans" presStyleLbl="sibTrans1D1" presStyleIdx="1" presStyleCnt="5"/>
       <dgm:spPr/>
+      <dgm:t>
+        <a:bodyPr/>
+        <a:lstStyle/>
+        <a:p>
+          <a:endParaRPr lang="pt-BR"/>
+        </a:p>
+      </dgm:t>
     </dgm:pt>
     <dgm:pt modelId="{995CA4DA-E300-4BA1-9E61-63EA3205C482}" type="pres">
       <dgm:prSet presAssocID="{E22DBDAD-1BB1-45DB-A3C6-40A97F702500}" presName="node" presStyleLbl="node1" presStyleIdx="2" presStyleCnt="5">
@@ -1139,6 +1165,13 @@
     <dgm:pt modelId="{0749F7E2-46C9-4DE4-B45C-0CEA47903C59}" type="pres">
       <dgm:prSet presAssocID="{F6F260D4-52FA-4A32-88C5-7A282A26EDC4}" presName="sibTrans" presStyleLbl="sibTrans1D1" presStyleIdx="2" presStyleCnt="5"/>
       <dgm:spPr/>
+      <dgm:t>
+        <a:bodyPr/>
+        <a:lstStyle/>
+        <a:p>
+          <a:endParaRPr lang="pt-BR"/>
+        </a:p>
+      </dgm:t>
     </dgm:pt>
     <dgm:pt modelId="{9D865140-78F2-4150-B794-13BD99C1FDDC}" type="pres">
       <dgm:prSet presAssocID="{1C2886AB-A016-42AF-8375-8C4ABCF5E9EC}" presName="node" presStyleLbl="node1" presStyleIdx="3" presStyleCnt="5">
@@ -1162,6 +1195,13 @@
     <dgm:pt modelId="{4EFF039D-932D-410F-8A0B-E91C1B6224F3}" type="pres">
       <dgm:prSet presAssocID="{29783491-3787-4339-877E-10911F25396F}" presName="sibTrans" presStyleLbl="sibTrans1D1" presStyleIdx="3" presStyleCnt="5"/>
       <dgm:spPr/>
+      <dgm:t>
+        <a:bodyPr/>
+        <a:lstStyle/>
+        <a:p>
+          <a:endParaRPr lang="pt-BR"/>
+        </a:p>
+      </dgm:t>
     </dgm:pt>
     <dgm:pt modelId="{B03DAA97-F9E0-45A6-89EE-B695A36292D5}" type="pres">
       <dgm:prSet presAssocID="{27DAC954-2044-42E3-9BA3-1CDCF67EA56E}" presName="node" presStyleLbl="node1" presStyleIdx="4" presStyleCnt="5">
@@ -1185,25 +1225,32 @@
     <dgm:pt modelId="{F55A06DB-1B38-4074-B67C-56508C8C180D}" type="pres">
       <dgm:prSet presAssocID="{2C1B8019-86DD-4419-BB1B-D104FB000E31}" presName="sibTrans" presStyleLbl="sibTrans1D1" presStyleIdx="4" presStyleCnt="5"/>
       <dgm:spPr/>
+      <dgm:t>
+        <a:bodyPr/>
+        <a:lstStyle/>
+        <a:p>
+          <a:endParaRPr lang="pt-BR"/>
+        </a:p>
+      </dgm:t>
     </dgm:pt>
   </dgm:ptLst>
   <dgm:cxnLst>
+    <dgm:cxn modelId="{48B82D3C-A222-4F67-9B62-721E4218B836}" type="presOf" srcId="{1C2886AB-A016-42AF-8375-8C4ABCF5E9EC}" destId="{9D865140-78F2-4150-B794-13BD99C1FDDC}" srcOrd="0" destOrd="0" presId="urn:microsoft.com/office/officeart/2005/8/layout/cycle5"/>
     <dgm:cxn modelId="{E05B15BC-CFF6-410A-8F0D-C0B1885581CF}" type="presOf" srcId="{E22DBDAD-1BB1-45DB-A3C6-40A97F702500}" destId="{995CA4DA-E300-4BA1-9E61-63EA3205C482}" srcOrd="0" destOrd="0" presId="urn:microsoft.com/office/officeart/2005/8/layout/cycle5"/>
+    <dgm:cxn modelId="{B11E74CD-93D8-4B78-AEF4-5885178663A8}" type="presOf" srcId="{27DAC954-2044-42E3-9BA3-1CDCF67EA56E}" destId="{B03DAA97-F9E0-45A6-89EE-B695A36292D5}" srcOrd="0" destOrd="0" presId="urn:microsoft.com/office/officeart/2005/8/layout/cycle5"/>
+    <dgm:cxn modelId="{459C5B4F-9195-4078-AEA1-C54EA7D9B7E7}" type="presOf" srcId="{2C1B8019-86DD-4419-BB1B-D104FB000E31}" destId="{F55A06DB-1B38-4074-B67C-56508C8C180D}" srcOrd="0" destOrd="0" presId="urn:microsoft.com/office/officeart/2005/8/layout/cycle5"/>
+    <dgm:cxn modelId="{936F5FA3-7730-407D-8D9A-23146DFD9643}" srcId="{D29D8A3D-BE99-4936-BF2D-4BE2B4C8294E}" destId="{27DAC954-2044-42E3-9BA3-1CDCF67EA56E}" srcOrd="4" destOrd="0" parTransId="{303B6E5C-3E48-441C-87CC-E0B270B1871D}" sibTransId="{2C1B8019-86DD-4419-BB1B-D104FB000E31}"/>
+    <dgm:cxn modelId="{653F4367-61CB-4632-82B5-1CAACF122420}" type="presOf" srcId="{D29D8A3D-BE99-4936-BF2D-4BE2B4C8294E}" destId="{9B9817C9-24B5-4141-A543-2DC63259C17C}" srcOrd="0" destOrd="0" presId="urn:microsoft.com/office/officeart/2005/8/layout/cycle5"/>
+    <dgm:cxn modelId="{6E15A94A-3AAC-49BF-9AF0-D216C1964150}" srcId="{D29D8A3D-BE99-4936-BF2D-4BE2B4C8294E}" destId="{2D49F7EB-0A44-4377-8BCD-F2959ADBDCF0}" srcOrd="0" destOrd="0" parTransId="{FE955194-9103-43ED-8C37-DF6FCB7EC35A}" sibTransId="{49663F29-AD21-4EFD-AA2D-C419E74F0A33}"/>
+    <dgm:cxn modelId="{1F737987-1401-4105-95E3-EA2AAAF36BC6}" srcId="{D29D8A3D-BE99-4936-BF2D-4BE2B4C8294E}" destId="{1C2886AB-A016-42AF-8375-8C4ABCF5E9EC}" srcOrd="3" destOrd="0" parTransId="{636624E0-304C-4024-91FD-5033BA3B9291}" sibTransId="{29783491-3787-4339-877E-10911F25396F}"/>
+    <dgm:cxn modelId="{7493AF96-7084-44FA-B6CF-3237515CAC5F}" type="presOf" srcId="{49663F29-AD21-4EFD-AA2D-C419E74F0A33}" destId="{71076EE0-44A3-4805-80E2-24CD5A8E48B5}" srcOrd="0" destOrd="0" presId="urn:microsoft.com/office/officeart/2005/8/layout/cycle5"/>
+    <dgm:cxn modelId="{78D4CA97-32C9-4DA8-8252-3F20E15A942D}" type="presOf" srcId="{29783491-3787-4339-877E-10911F25396F}" destId="{4EFF039D-932D-410F-8A0B-E91C1B6224F3}" srcOrd="0" destOrd="0" presId="urn:microsoft.com/office/officeart/2005/8/layout/cycle5"/>
+    <dgm:cxn modelId="{C8BBF2F2-602F-4EF0-AD5A-04DFB501C7EC}" type="presOf" srcId="{6EF85EBB-734A-4B7A-8D65-D094B7E43070}" destId="{EBDFA3BE-07DB-49F5-8388-1DD7165DA4C1}" srcOrd="0" destOrd="0" presId="urn:microsoft.com/office/officeart/2005/8/layout/cycle5"/>
+    <dgm:cxn modelId="{C27FAD27-14A2-4B7B-932E-F559CC9168DE}" type="presOf" srcId="{2D49F7EB-0A44-4377-8BCD-F2959ADBDCF0}" destId="{368E8C2D-DB0C-4BFD-A3BD-2293FF6A357B}" srcOrd="0" destOrd="0" presId="urn:microsoft.com/office/officeart/2005/8/layout/cycle5"/>
+    <dgm:cxn modelId="{F33AD265-9A7F-430C-8EFA-CD2ED9A5FB97}" type="presOf" srcId="{F6F260D4-52FA-4A32-88C5-7A282A26EDC4}" destId="{0749F7E2-46C9-4DE4-B45C-0CEA47903C59}" srcOrd="0" destOrd="0" presId="urn:microsoft.com/office/officeart/2005/8/layout/cycle5"/>
+    <dgm:cxn modelId="{C136F3DA-9BDE-4614-B806-C3D8CEE821F2}" srcId="{D29D8A3D-BE99-4936-BF2D-4BE2B4C8294E}" destId="{6EF85EBB-734A-4B7A-8D65-D094B7E43070}" srcOrd="1" destOrd="0" parTransId="{4072753C-C5B3-428C-BB4F-0CB4476BF4FE}" sibTransId="{08649474-CC22-4C4A-9D83-6DDF0DFCB530}"/>
     <dgm:cxn modelId="{92F33EE6-FFEB-49EB-B106-48495FC08BAE}" type="presOf" srcId="{08649474-CC22-4C4A-9D83-6DDF0DFCB530}" destId="{F23C175D-5DC7-4F94-A40A-24760AA95530}" srcOrd="0" destOrd="0" presId="urn:microsoft.com/office/officeart/2005/8/layout/cycle5"/>
-    <dgm:cxn modelId="{C27FAD27-14A2-4B7B-932E-F559CC9168DE}" type="presOf" srcId="{2D49F7EB-0A44-4377-8BCD-F2959ADBDCF0}" destId="{368E8C2D-DB0C-4BFD-A3BD-2293FF6A357B}" srcOrd="0" destOrd="0" presId="urn:microsoft.com/office/officeart/2005/8/layout/cycle5"/>
-    <dgm:cxn modelId="{7493AF96-7084-44FA-B6CF-3237515CAC5F}" type="presOf" srcId="{49663F29-AD21-4EFD-AA2D-C419E74F0A33}" destId="{71076EE0-44A3-4805-80E2-24CD5A8E48B5}" srcOrd="0" destOrd="0" presId="urn:microsoft.com/office/officeart/2005/8/layout/cycle5"/>
-    <dgm:cxn modelId="{C8BBF2F2-602F-4EF0-AD5A-04DFB501C7EC}" type="presOf" srcId="{6EF85EBB-734A-4B7A-8D65-D094B7E43070}" destId="{EBDFA3BE-07DB-49F5-8388-1DD7165DA4C1}" srcOrd="0" destOrd="0" presId="urn:microsoft.com/office/officeart/2005/8/layout/cycle5"/>
-    <dgm:cxn modelId="{1F737987-1401-4105-95E3-EA2AAAF36BC6}" srcId="{D29D8A3D-BE99-4936-BF2D-4BE2B4C8294E}" destId="{1C2886AB-A016-42AF-8375-8C4ABCF5E9EC}" srcOrd="3" destOrd="0" parTransId="{636624E0-304C-4024-91FD-5033BA3B9291}" sibTransId="{29783491-3787-4339-877E-10911F25396F}"/>
-    <dgm:cxn modelId="{48B82D3C-A222-4F67-9B62-721E4218B836}" type="presOf" srcId="{1C2886AB-A016-42AF-8375-8C4ABCF5E9EC}" destId="{9D865140-78F2-4150-B794-13BD99C1FDDC}" srcOrd="0" destOrd="0" presId="urn:microsoft.com/office/officeart/2005/8/layout/cycle5"/>
-    <dgm:cxn modelId="{459C5B4F-9195-4078-AEA1-C54EA7D9B7E7}" type="presOf" srcId="{2C1B8019-86DD-4419-BB1B-D104FB000E31}" destId="{F55A06DB-1B38-4074-B67C-56508C8C180D}" srcOrd="0" destOrd="0" presId="urn:microsoft.com/office/officeart/2005/8/layout/cycle5"/>
-    <dgm:cxn modelId="{B11E74CD-93D8-4B78-AEF4-5885178663A8}" type="presOf" srcId="{27DAC954-2044-42E3-9BA3-1CDCF67EA56E}" destId="{B03DAA97-F9E0-45A6-89EE-B695A36292D5}" srcOrd="0" destOrd="0" presId="urn:microsoft.com/office/officeart/2005/8/layout/cycle5"/>
     <dgm:cxn modelId="{58585D3D-616E-4301-8F15-7D88E20CBD36}" srcId="{D29D8A3D-BE99-4936-BF2D-4BE2B4C8294E}" destId="{E22DBDAD-1BB1-45DB-A3C6-40A97F702500}" srcOrd="2" destOrd="0" parTransId="{A3E1FEF6-6166-4B6C-A9B0-FB7FE895AD39}" sibTransId="{F6F260D4-52FA-4A32-88C5-7A282A26EDC4}"/>
-    <dgm:cxn modelId="{F33AD265-9A7F-430C-8EFA-CD2ED9A5FB97}" type="presOf" srcId="{F6F260D4-52FA-4A32-88C5-7A282A26EDC4}" destId="{0749F7E2-46C9-4DE4-B45C-0CEA47903C59}" srcOrd="0" destOrd="0" presId="urn:microsoft.com/office/officeart/2005/8/layout/cycle5"/>
-    <dgm:cxn modelId="{653F4367-61CB-4632-82B5-1CAACF122420}" type="presOf" srcId="{D29D8A3D-BE99-4936-BF2D-4BE2B4C8294E}" destId="{9B9817C9-24B5-4141-A543-2DC63259C17C}" srcOrd="0" destOrd="0" presId="urn:microsoft.com/office/officeart/2005/8/layout/cycle5"/>
-    <dgm:cxn modelId="{936F5FA3-7730-407D-8D9A-23146DFD9643}" srcId="{D29D8A3D-BE99-4936-BF2D-4BE2B4C8294E}" destId="{27DAC954-2044-42E3-9BA3-1CDCF67EA56E}" srcOrd="4" destOrd="0" parTransId="{303B6E5C-3E48-441C-87CC-E0B270B1871D}" sibTransId="{2C1B8019-86DD-4419-BB1B-D104FB000E31}"/>
-    <dgm:cxn modelId="{C136F3DA-9BDE-4614-B806-C3D8CEE821F2}" srcId="{D29D8A3D-BE99-4936-BF2D-4BE2B4C8294E}" destId="{6EF85EBB-734A-4B7A-8D65-D094B7E43070}" srcOrd="1" destOrd="0" parTransId="{4072753C-C5B3-428C-BB4F-0CB4476BF4FE}" sibTransId="{08649474-CC22-4C4A-9D83-6DDF0DFCB530}"/>
-    <dgm:cxn modelId="{6E15A94A-3AAC-49BF-9AF0-D216C1964150}" srcId="{D29D8A3D-BE99-4936-BF2D-4BE2B4C8294E}" destId="{2D49F7EB-0A44-4377-8BCD-F2959ADBDCF0}" srcOrd="0" destOrd="0" parTransId="{FE955194-9103-43ED-8C37-DF6FCB7EC35A}" sibTransId="{49663F29-AD21-4EFD-AA2D-C419E74F0A33}"/>
-    <dgm:cxn modelId="{78D4CA97-32C9-4DA8-8252-3F20E15A942D}" type="presOf" srcId="{29783491-3787-4339-877E-10911F25396F}" destId="{4EFF039D-932D-410F-8A0B-E91C1B6224F3}" srcOrd="0" destOrd="0" presId="urn:microsoft.com/office/officeart/2005/8/layout/cycle5"/>
     <dgm:cxn modelId="{C95F1326-44E4-4335-81F0-7D8145F497CD}" type="presParOf" srcId="{9B9817C9-24B5-4141-A543-2DC63259C17C}" destId="{368E8C2D-DB0C-4BFD-A3BD-2293FF6A357B}" srcOrd="0" destOrd="0" presId="urn:microsoft.com/office/officeart/2005/8/layout/cycle5"/>
     <dgm:cxn modelId="{CA107B83-207F-4285-98F5-D8B1938D99B9}" type="presParOf" srcId="{9B9817C9-24B5-4141-A543-2DC63259C17C}" destId="{00E06A08-9533-4A9A-B59C-E107495416F7}" srcOrd="1" destOrd="0" presId="urn:microsoft.com/office/officeart/2005/8/layout/cycle5"/>
     <dgm:cxn modelId="{54C80224-27E2-48BC-9DEA-E3190F77CEAE}" type="presParOf" srcId="{9B9817C9-24B5-4141-A543-2DC63259C17C}" destId="{71076EE0-44A3-4805-80E2-24CD5A8E48B5}" srcOrd="2" destOrd="0" presId="urn:microsoft.com/office/officeart/2005/8/layout/cycle5"/>
@@ -3323,7 +3370,7 @@
           <a:p>
             <a:fld id="{9DD0FF0E-39BA-4DB1-BA43-D9AC5DF8E0E1}" type="datetimeFigureOut">
               <a:rPr lang="pt-BR" smtClean="0"/>
-              <a:t>03/10/2019</a:t>
+              <a:t>04/10/2019</a:t>
             </a:fld>
             <a:endParaRPr lang="pt-BR"/>
           </a:p>
@@ -3621,7 +3668,7 @@
           <a:p>
             <a:fld id="{9DD0FF0E-39BA-4DB1-BA43-D9AC5DF8E0E1}" type="datetimeFigureOut">
               <a:rPr lang="pt-BR" smtClean="0"/>
-              <a:t>03/10/2019</a:t>
+              <a:t>04/10/2019</a:t>
             </a:fld>
             <a:endParaRPr lang="pt-BR"/>
           </a:p>
@@ -3813,7 +3860,7 @@
           <a:p>
             <a:fld id="{9DD0FF0E-39BA-4DB1-BA43-D9AC5DF8E0E1}" type="datetimeFigureOut">
               <a:rPr lang="pt-BR" smtClean="0"/>
-              <a:t>03/10/2019</a:t>
+              <a:t>04/10/2019</a:t>
             </a:fld>
             <a:endParaRPr lang="pt-BR"/>
           </a:p>
@@ -4074,7 +4121,7 @@
           <a:p>
             <a:fld id="{9DD0FF0E-39BA-4DB1-BA43-D9AC5DF8E0E1}" type="datetimeFigureOut">
               <a:rPr lang="pt-BR" smtClean="0"/>
-              <a:t>03/10/2019</a:t>
+              <a:t>04/10/2019</a:t>
             </a:fld>
             <a:endParaRPr lang="pt-BR"/>
           </a:p>
@@ -4498,7 +4545,7 @@
           <a:p>
             <a:fld id="{9DD0FF0E-39BA-4DB1-BA43-D9AC5DF8E0E1}" type="datetimeFigureOut">
               <a:rPr lang="pt-BR" smtClean="0"/>
-              <a:t>03/10/2019</a:t>
+              <a:t>04/10/2019</a:t>
             </a:fld>
             <a:endParaRPr lang="pt-BR"/>
           </a:p>
@@ -5035,7 +5082,7 @@
           <a:p>
             <a:fld id="{9DD0FF0E-39BA-4DB1-BA43-D9AC5DF8E0E1}" type="datetimeFigureOut">
               <a:rPr lang="pt-BR" smtClean="0"/>
-              <a:t>03/10/2019</a:t>
+              <a:t>04/10/2019</a:t>
             </a:fld>
             <a:endParaRPr lang="pt-BR"/>
           </a:p>
@@ -5899,7 +5946,7 @@
           <a:p>
             <a:fld id="{9DD0FF0E-39BA-4DB1-BA43-D9AC5DF8E0E1}" type="datetimeFigureOut">
               <a:rPr lang="pt-BR" smtClean="0"/>
-              <a:t>03/10/2019</a:t>
+              <a:t>04/10/2019</a:t>
             </a:fld>
             <a:endParaRPr lang="pt-BR"/>
           </a:p>
@@ -6069,7 +6116,7 @@
           <a:p>
             <a:fld id="{9DD0FF0E-39BA-4DB1-BA43-D9AC5DF8E0E1}" type="datetimeFigureOut">
               <a:rPr lang="pt-BR" smtClean="0"/>
-              <a:t>03/10/2019</a:t>
+              <a:t>04/10/2019</a:t>
             </a:fld>
             <a:endParaRPr lang="pt-BR"/>
           </a:p>
@@ -6253,7 +6300,7 @@
           <a:p>
             <a:fld id="{9DD0FF0E-39BA-4DB1-BA43-D9AC5DF8E0E1}" type="datetimeFigureOut">
               <a:rPr lang="pt-BR" smtClean="0"/>
-              <a:t>03/10/2019</a:t>
+              <a:t>04/10/2019</a:t>
             </a:fld>
             <a:endParaRPr lang="pt-BR"/>
           </a:p>
@@ -6423,7 +6470,7 @@
           <a:p>
             <a:fld id="{9DD0FF0E-39BA-4DB1-BA43-D9AC5DF8E0E1}" type="datetimeFigureOut">
               <a:rPr lang="pt-BR" smtClean="0"/>
-              <a:t>03/10/2019</a:t>
+              <a:t>04/10/2019</a:t>
             </a:fld>
             <a:endParaRPr lang="pt-BR"/>
           </a:p>
@@ -6667,7 +6714,7 @@
           <a:p>
             <a:fld id="{9DD0FF0E-39BA-4DB1-BA43-D9AC5DF8E0E1}" type="datetimeFigureOut">
               <a:rPr lang="pt-BR" smtClean="0"/>
-              <a:t>03/10/2019</a:t>
+              <a:t>04/10/2019</a:t>
             </a:fld>
             <a:endParaRPr lang="pt-BR"/>
           </a:p>
@@ -6903,7 +6950,7 @@
           <a:p>
             <a:fld id="{9DD0FF0E-39BA-4DB1-BA43-D9AC5DF8E0E1}" type="datetimeFigureOut">
               <a:rPr lang="pt-BR" smtClean="0"/>
-              <a:t>03/10/2019</a:t>
+              <a:t>04/10/2019</a:t>
             </a:fld>
             <a:endParaRPr lang="pt-BR"/>
           </a:p>
@@ -7369,7 +7416,7 @@
           <a:p>
             <a:fld id="{9DD0FF0E-39BA-4DB1-BA43-D9AC5DF8E0E1}" type="datetimeFigureOut">
               <a:rPr lang="pt-BR" smtClean="0"/>
-              <a:t>03/10/2019</a:t>
+              <a:t>04/10/2019</a:t>
             </a:fld>
             <a:endParaRPr lang="pt-BR"/>
           </a:p>
@@ -7487,7 +7534,7 @@
           <a:p>
             <a:fld id="{9DD0FF0E-39BA-4DB1-BA43-D9AC5DF8E0E1}" type="datetimeFigureOut">
               <a:rPr lang="pt-BR" smtClean="0"/>
-              <a:t>03/10/2019</a:t>
+              <a:t>04/10/2019</a:t>
             </a:fld>
             <a:endParaRPr lang="pt-BR"/>
           </a:p>
@@ -7582,7 +7629,7 @@
           <a:p>
             <a:fld id="{9DD0FF0E-39BA-4DB1-BA43-D9AC5DF8E0E1}" type="datetimeFigureOut">
               <a:rPr lang="pt-BR" smtClean="0"/>
-              <a:t>03/10/2019</a:t>
+              <a:t>04/10/2019</a:t>
             </a:fld>
             <a:endParaRPr lang="pt-BR"/>
           </a:p>
@@ -7837,7 +7884,7 @@
           <a:p>
             <a:fld id="{9DD0FF0E-39BA-4DB1-BA43-D9AC5DF8E0E1}" type="datetimeFigureOut">
               <a:rPr lang="pt-BR" smtClean="0"/>
-              <a:t>03/10/2019</a:t>
+              <a:t>04/10/2019</a:t>
             </a:fld>
             <a:endParaRPr lang="pt-BR"/>
           </a:p>
@@ -8137,7 +8184,7 @@
           <a:p>
             <a:fld id="{9DD0FF0E-39BA-4DB1-BA43-D9AC5DF8E0E1}" type="datetimeFigureOut">
               <a:rPr lang="pt-BR" smtClean="0"/>
-              <a:t>03/10/2019</a:t>
+              <a:t>04/10/2019</a:t>
             </a:fld>
             <a:endParaRPr lang="pt-BR"/>
           </a:p>
@@ -8371,7 +8418,7 @@
           <a:p>
             <a:fld id="{9DD0FF0E-39BA-4DB1-BA43-D9AC5DF8E0E1}" type="datetimeFigureOut">
               <a:rPr lang="pt-BR" smtClean="0"/>
-              <a:t>03/10/2019</a:t>
+              <a:t>04/10/2019</a:t>
             </a:fld>
             <a:endParaRPr lang="pt-BR"/>
           </a:p>
@@ -9405,7 +9452,7 @@
         </p:nvSpPr>
         <p:spPr>
           <a:xfrm>
-            <a:off x="4839290" y="1849860"/>
+            <a:off x="5092650" y="2271397"/>
             <a:ext cx="1914006" cy="1661125"/>
           </a:xfrm>
           <a:prstGeom prst="rect">
@@ -9449,7 +9496,7 @@
         </p:nvSpPr>
         <p:spPr>
           <a:xfrm>
-            <a:off x="1869804" y="2357692"/>
+            <a:off x="1776902" y="2322839"/>
             <a:ext cx="1707776" cy="645459"/>
           </a:xfrm>
           <a:prstGeom prst="rect">
@@ -9479,7 +9526,7 @@
             <a:pPr algn="ctr"/>
             <a:r>
               <a:rPr lang="pt-BR" dirty="0" smtClean="0"/>
-              <a:t>Especificação de usuário.</a:t>
+              <a:t>Abrir Site Web.</a:t>
             </a:r>
             <a:endParaRPr lang="pt-BR" dirty="0"/>
           </a:p>
@@ -9490,14 +9537,13 @@
           <p:cNvPr id="9" name="Conector de Seta Reta 8"/>
           <p:cNvCxnSpPr>
             <a:stCxn id="7" idx="3"/>
-            <a:endCxn id="6" idx="1"/>
           </p:cNvCxnSpPr>
           <p:nvPr/>
         </p:nvCxnSpPr>
         <p:spPr>
-          <a:xfrm>
-            <a:off x="3577580" y="2680422"/>
-            <a:ext cx="1261710" cy="1"/>
+          <a:xfrm flipV="1">
+            <a:off x="3484678" y="2645568"/>
+            <a:ext cx="1584025" cy="1"/>
           </a:xfrm>
           <a:prstGeom prst="straightConnector1">
             <a:avLst/>
@@ -9529,7 +9575,7 @@
         </p:nvSpPr>
         <p:spPr>
           <a:xfrm>
-            <a:off x="8133272" y="2407021"/>
+            <a:off x="8374656" y="2273834"/>
             <a:ext cx="2005810" cy="645459"/>
           </a:xfrm>
           <a:prstGeom prst="rect">
@@ -9573,7 +9619,7 @@
         </p:nvCxnSpPr>
         <p:spPr>
           <a:xfrm>
-            <a:off x="6741500" y="2729750"/>
+            <a:off x="7006656" y="2596563"/>
             <a:ext cx="1368000" cy="0"/>
           </a:xfrm>
           <a:prstGeom prst="straightConnector1">
@@ -9605,9 +9651,9 @@
           <p:nvPr/>
         </p:nvCxnSpPr>
         <p:spPr>
-          <a:xfrm flipH="1">
-            <a:off x="9136177" y="3052480"/>
-            <a:ext cx="9006" cy="914402"/>
+          <a:xfrm>
+            <a:off x="10367581" y="2919292"/>
+            <a:ext cx="12885" cy="2002327"/>
           </a:xfrm>
           <a:prstGeom prst="straightConnector1">
             <a:avLst/>
@@ -9639,7 +9685,7 @@
         </p:nvSpPr>
         <p:spPr>
           <a:xfrm>
-            <a:off x="8282288" y="3953433"/>
+            <a:off x="8368546" y="4921620"/>
             <a:ext cx="2461911" cy="1143002"/>
           </a:xfrm>
           <a:prstGeom prst="rect">
@@ -9683,7 +9729,7 @@
         </p:nvCxnSpPr>
         <p:spPr>
           <a:xfrm flipH="1" flipV="1">
-            <a:off x="6854400" y="4276162"/>
+            <a:off x="6940657" y="5930370"/>
             <a:ext cx="1427889" cy="4479"/>
           </a:xfrm>
           <a:prstGeom prst="straightConnector1">
@@ -9716,7 +9762,7 @@
         </p:nvSpPr>
         <p:spPr>
           <a:xfrm>
-            <a:off x="5009952" y="3927411"/>
+            <a:off x="5092650" y="5607640"/>
             <a:ext cx="1850309" cy="645459"/>
           </a:xfrm>
           <a:prstGeom prst="rect">
@@ -9760,7 +9806,7 @@
         </p:nvCxnSpPr>
         <p:spPr>
           <a:xfrm flipH="1" flipV="1">
-            <a:off x="3582063" y="4276162"/>
+            <a:off x="3634704" y="5930125"/>
             <a:ext cx="1427889" cy="4479"/>
           </a:xfrm>
           <a:prstGeom prst="straightConnector1">
@@ -9793,7 +9839,7 @@
         </p:nvSpPr>
         <p:spPr>
           <a:xfrm>
-            <a:off x="1737615" y="3855257"/>
+            <a:off x="1794739" y="5461933"/>
             <a:ext cx="1839965" cy="841810"/>
           </a:xfrm>
           <a:prstGeom prst="rect">
@@ -9850,20 +9896,12 @@
           <a:lstStyle/>
           <a:p>
             <a:r>
-              <a:rPr lang="pt-BR" sz="4800" u="sng" dirty="0">
-                <a:solidFill>
-                  <a:schemeClr val="accent1"/>
-                </a:solidFill>
-              </a:rPr>
-              <a:t>H</a:t>
-            </a:r>
-            <a:r>
               <a:rPr lang="pt-BR" sz="4800" u="sng" dirty="0" smtClean="0">
                 <a:solidFill>
                   <a:schemeClr val="accent1"/>
                 </a:solidFill>
               </a:rPr>
-              <a:t>LD</a:t>
+              <a:t>HLD</a:t>
             </a:r>
             <a:endParaRPr lang="pt-BR" sz="4800" u="sng" dirty="0">
               <a:solidFill>
@@ -9873,6 +9911,258 @@
           </a:p>
         </p:txBody>
       </p:sp>
+      <p:pic>
+        <p:nvPicPr>
+          <p:cNvPr id="1026" name="Picture 2" descr="ícone Web página inicial"/>
+          <p:cNvPicPr>
+            <a:picLocks noChangeAspect="1" noChangeArrowheads="1"/>
+          </p:cNvPicPr>
+          <p:nvPr/>
+        </p:nvPicPr>
+        <p:blipFill>
+          <a:blip r:embed="rId2">
+            <a:extLst>
+              <a:ext uri="{28A0092B-C50C-407E-A947-70E740481C1C}">
+                <a14:useLocalDpi xmlns:a14="http://schemas.microsoft.com/office/drawing/2010/main" val="0"/>
+              </a:ext>
+            </a:extLst>
+          </a:blip>
+          <a:srcRect/>
+          <a:stretch>
+            <a:fillRect/>
+          </a:stretch>
+        </p:blipFill>
+        <p:spPr bwMode="auto">
+          <a:xfrm>
+            <a:off x="2021190" y="1052196"/>
+            <a:ext cx="1219200" cy="1219201"/>
+          </a:xfrm>
+          <a:prstGeom prst="rect">
+            <a:avLst/>
+          </a:prstGeom>
+          <a:noFill/>
+          <a:extLst>
+            <a:ext uri="{909E8E84-426E-40DD-AFC4-6F175D3DCCD1}">
+              <a14:hiddenFill xmlns:a14="http://schemas.microsoft.com/office/drawing/2010/main">
+                <a:solidFill>
+                  <a:srgbClr val="FFFFFF"/>
+                </a:solidFill>
+              </a14:hiddenFill>
+            </a:ext>
+          </a:extLst>
+        </p:spPr>
+      </p:pic>
+      <p:pic>
+        <p:nvPicPr>
+          <p:cNvPr id="1028" name="Picture 4" descr="ícone Registar"/>
+          <p:cNvPicPr>
+            <a:picLocks noChangeAspect="1" noChangeArrowheads="1"/>
+          </p:cNvPicPr>
+          <p:nvPr/>
+        </p:nvPicPr>
+        <p:blipFill>
+          <a:blip r:embed="rId3">
+            <a:biLevel thresh="75000"/>
+            <a:extLst>
+              <a:ext uri="{BEBA8EAE-BF5A-486C-A8C5-ECC9F3942E4B}">
+                <a14:imgProps xmlns:a14="http://schemas.microsoft.com/office/drawing/2010/main">
+                  <a14:imgLayer r:embed="rId4">
+                    <a14:imgEffect>
+                      <a14:colorTemperature colorTemp="4700"/>
+                    </a14:imgEffect>
+                    <a14:imgEffect>
+                      <a14:saturation sat="0"/>
+                    </a14:imgEffect>
+                  </a14:imgLayer>
+                </a14:imgProps>
+              </a:ext>
+              <a:ext uri="{28A0092B-C50C-407E-A947-70E740481C1C}">
+                <a14:useLocalDpi xmlns:a14="http://schemas.microsoft.com/office/drawing/2010/main" val="0"/>
+              </a:ext>
+            </a:extLst>
+          </a:blip>
+          <a:srcRect/>
+          <a:stretch>
+            <a:fillRect/>
+          </a:stretch>
+        </p:blipFill>
+        <p:spPr bwMode="auto">
+          <a:xfrm>
+            <a:off x="5440053" y="1052196"/>
+            <a:ext cx="1219200" cy="1219201"/>
+          </a:xfrm>
+          <a:prstGeom prst="rect">
+            <a:avLst/>
+          </a:prstGeom>
+          <a:noFill/>
+        </p:spPr>
+      </p:pic>
+      <p:pic>
+        <p:nvPicPr>
+          <p:cNvPr id="1030" name="Picture 6" descr="ícone Banco de dados, o pedido"/>
+          <p:cNvPicPr>
+            <a:picLocks noChangeAspect="1" noChangeArrowheads="1"/>
+          </p:cNvPicPr>
+          <p:nvPr/>
+        </p:nvPicPr>
+        <p:blipFill>
+          <a:blip r:embed="rId5">
+            <a:biLevel thresh="75000"/>
+            <a:extLst>
+              <a:ext uri="{28A0092B-C50C-407E-A947-70E740481C1C}">
+                <a14:useLocalDpi xmlns:a14="http://schemas.microsoft.com/office/drawing/2010/main" val="0"/>
+              </a:ext>
+            </a:extLst>
+          </a:blip>
+          <a:srcRect/>
+          <a:stretch>
+            <a:fillRect/>
+          </a:stretch>
+        </p:blipFill>
+        <p:spPr bwMode="auto">
+          <a:xfrm>
+            <a:off x="8767961" y="970450"/>
+            <a:ext cx="1219200" cy="1219201"/>
+          </a:xfrm>
+          <a:prstGeom prst="rect">
+            <a:avLst/>
+          </a:prstGeom>
+          <a:noFill/>
+          <a:extLst>
+            <a:ext uri="{909E8E84-426E-40DD-AFC4-6F175D3DCCD1}">
+              <a14:hiddenFill xmlns:a14="http://schemas.microsoft.com/office/drawing/2010/main">
+                <a:solidFill>
+                  <a:srgbClr val="FFFFFF"/>
+                </a:solidFill>
+              </a14:hiddenFill>
+            </a:ext>
+          </a:extLst>
+        </p:spPr>
+      </p:pic>
+      <p:pic>
+        <p:nvPicPr>
+          <p:cNvPr id="1032" name="Picture 8" descr="ícone Assistente, educador, professor, mostrar, ensino"/>
+          <p:cNvPicPr>
+            <a:picLocks noChangeAspect="1" noChangeArrowheads="1"/>
+          </p:cNvPicPr>
+          <p:nvPr/>
+        </p:nvPicPr>
+        <p:blipFill>
+          <a:blip r:embed="rId6">
+            <a:extLst>
+              <a:ext uri="{28A0092B-C50C-407E-A947-70E740481C1C}">
+                <a14:useLocalDpi xmlns:a14="http://schemas.microsoft.com/office/drawing/2010/main" val="0"/>
+              </a:ext>
+            </a:extLst>
+          </a:blip>
+          <a:srcRect/>
+          <a:stretch>
+            <a:fillRect/>
+          </a:stretch>
+        </p:blipFill>
+        <p:spPr bwMode="auto">
+          <a:xfrm>
+            <a:off x="1833262" y="4124091"/>
+            <a:ext cx="1595056" cy="1595057"/>
+          </a:xfrm>
+          <a:prstGeom prst="rect">
+            <a:avLst/>
+          </a:prstGeom>
+          <a:noFill/>
+          <a:extLst>
+            <a:ext uri="{909E8E84-426E-40DD-AFC4-6F175D3DCCD1}">
+              <a14:hiddenFill xmlns:a14="http://schemas.microsoft.com/office/drawing/2010/main">
+                <a:solidFill>
+                  <a:srgbClr val="FFFFFF"/>
+                </a:solidFill>
+              </a14:hiddenFill>
+            </a:ext>
+          </a:extLst>
+        </p:spPr>
+      </p:pic>
+      <p:pic>
+        <p:nvPicPr>
+          <p:cNvPr id="1034" name="Picture 10" descr="ícone Adicionar usuario, añadir"/>
+          <p:cNvPicPr>
+            <a:picLocks noChangeAspect="1" noChangeArrowheads="1"/>
+          </p:cNvPicPr>
+          <p:nvPr/>
+        </p:nvPicPr>
+        <p:blipFill>
+          <a:blip r:embed="rId7">
+            <a:biLevel thresh="75000"/>
+            <a:extLst>
+              <a:ext uri="{28A0092B-C50C-407E-A947-70E740481C1C}">
+                <a14:useLocalDpi xmlns:a14="http://schemas.microsoft.com/office/drawing/2010/main" val="0"/>
+              </a:ext>
+            </a:extLst>
+          </a:blip>
+          <a:srcRect/>
+          <a:stretch>
+            <a:fillRect/>
+          </a:stretch>
+        </p:blipFill>
+        <p:spPr bwMode="auto">
+          <a:xfrm>
+            <a:off x="8919043" y="3613076"/>
+            <a:ext cx="1219200" cy="1219201"/>
+          </a:xfrm>
+          <a:prstGeom prst="rect">
+            <a:avLst/>
+          </a:prstGeom>
+          <a:noFill/>
+          <a:extLst>
+            <a:ext uri="{909E8E84-426E-40DD-AFC4-6F175D3DCCD1}">
+              <a14:hiddenFill xmlns:a14="http://schemas.microsoft.com/office/drawing/2010/main">
+                <a:solidFill>
+                  <a:srgbClr val="FFFFFF"/>
+                </a:solidFill>
+              </a14:hiddenFill>
+            </a:ext>
+          </a:extLst>
+        </p:spPr>
+      </p:pic>
+      <p:pic>
+        <p:nvPicPr>
+          <p:cNvPr id="1036" name="Picture 12" descr="ícone Calendario, com, uma, relogio, tempo, ferramentas"/>
+          <p:cNvPicPr>
+            <a:picLocks noChangeAspect="1" noChangeArrowheads="1"/>
+          </p:cNvPicPr>
+          <p:nvPr/>
+        </p:nvPicPr>
+        <p:blipFill>
+          <a:blip r:embed="rId8">
+            <a:extLst>
+              <a:ext uri="{28A0092B-C50C-407E-A947-70E740481C1C}">
+                <a14:useLocalDpi xmlns:a14="http://schemas.microsoft.com/office/drawing/2010/main" val="0"/>
+              </a:ext>
+            </a:extLst>
+          </a:blip>
+          <a:srcRect/>
+          <a:stretch>
+            <a:fillRect/>
+          </a:stretch>
+        </p:blipFill>
+        <p:spPr bwMode="auto">
+          <a:xfrm>
+            <a:off x="5414401" y="4028306"/>
+            <a:ext cx="1483548" cy="1483549"/>
+          </a:xfrm>
+          <a:prstGeom prst="rect">
+            <a:avLst/>
+          </a:prstGeom>
+          <a:noFill/>
+          <a:extLst>
+            <a:ext uri="{909E8E84-426E-40DD-AFC4-6F175D3DCCD1}">
+              <a14:hiddenFill xmlns:a14="http://schemas.microsoft.com/office/drawing/2010/main">
+                <a:solidFill>
+                  <a:srgbClr val="FFFFFF"/>
+                </a:solidFill>
+              </a14:hiddenFill>
+            </a:ext>
+          </a:extLst>
+        </p:spPr>
+      </p:pic>
     </p:spTree>
     <p:extLst>
       <p:ext uri="{BB962C8B-B14F-4D97-AF65-F5344CB8AC3E}">

--- a/conteudoBandtecBachega/CicloDeVidaDeDesenvolvimento.pptx
+++ b/conteudoBandtecBachega/CicloDeVidaDeDesenvolvimento.pptx
@@ -11,6 +11,7 @@
     <p:sldId id="258" r:id="rId5"/>
     <p:sldId id="259" r:id="rId6"/>
     <p:sldId id="260" r:id="rId7"/>
+    <p:sldId id="262" r:id="rId8"/>
   </p:sldIdLst>
   <p:sldSz cx="12192000" cy="6858000"/>
   <p:notesSz cx="6858000" cy="9144000"/>
@@ -864,11 +865,1505 @@
 </dgm:colorsDef>
 </file>
 
+<file path=ppt/diagrams/colors2.xml><?xml version="1.0" encoding="utf-8"?>
+<dgm:colorsDef xmlns:dgm="http://schemas.openxmlformats.org/drawingml/2006/diagram" xmlns:a="http://schemas.openxmlformats.org/drawingml/2006/main" uniqueId="urn:microsoft.com/office/officeart/2005/8/colors/accent1_2">
+  <dgm:title val=""/>
+  <dgm:desc val=""/>
+  <dgm:catLst>
+    <dgm:cat type="accent1" pri="11200"/>
+  </dgm:catLst>
+  <dgm:styleLbl name="node0">
+    <dgm:fillClrLst meth="repeat">
+      <a:schemeClr val="accent1"/>
+    </dgm:fillClrLst>
+    <dgm:linClrLst meth="repeat">
+      <a:schemeClr val="lt1"/>
+    </dgm:linClrLst>
+    <dgm:effectClrLst/>
+    <dgm:txLinClrLst/>
+    <dgm:txFillClrLst/>
+    <dgm:txEffectClrLst/>
+  </dgm:styleLbl>
+  <dgm:styleLbl name="alignNode1">
+    <dgm:fillClrLst meth="repeat">
+      <a:schemeClr val="accent1"/>
+    </dgm:fillClrLst>
+    <dgm:linClrLst meth="repeat">
+      <a:schemeClr val="accent1"/>
+    </dgm:linClrLst>
+    <dgm:effectClrLst/>
+    <dgm:txLinClrLst/>
+    <dgm:txFillClrLst/>
+    <dgm:txEffectClrLst/>
+  </dgm:styleLbl>
+  <dgm:styleLbl name="node1">
+    <dgm:fillClrLst meth="repeat">
+      <a:schemeClr val="accent1"/>
+    </dgm:fillClrLst>
+    <dgm:linClrLst meth="repeat">
+      <a:schemeClr val="lt1"/>
+    </dgm:linClrLst>
+    <dgm:effectClrLst/>
+    <dgm:txLinClrLst/>
+    <dgm:txFillClrLst/>
+    <dgm:txEffectClrLst/>
+  </dgm:styleLbl>
+  <dgm:styleLbl name="lnNode1">
+    <dgm:fillClrLst meth="repeat">
+      <a:schemeClr val="accent1"/>
+    </dgm:fillClrLst>
+    <dgm:linClrLst meth="repeat">
+      <a:schemeClr val="lt1"/>
+    </dgm:linClrLst>
+    <dgm:effectClrLst/>
+    <dgm:txLinClrLst/>
+    <dgm:txFillClrLst/>
+    <dgm:txEffectClrLst/>
+  </dgm:styleLbl>
+  <dgm:styleLbl name="vennNode1">
+    <dgm:fillClrLst meth="repeat">
+      <a:schemeClr val="accent1">
+        <a:alpha val="50000"/>
+      </a:schemeClr>
+    </dgm:fillClrLst>
+    <dgm:linClrLst meth="repeat">
+      <a:schemeClr val="lt1"/>
+    </dgm:linClrLst>
+    <dgm:effectClrLst/>
+    <dgm:txLinClrLst/>
+    <dgm:txFillClrLst/>
+    <dgm:txEffectClrLst/>
+  </dgm:styleLbl>
+  <dgm:styleLbl name="node2">
+    <dgm:fillClrLst meth="repeat">
+      <a:schemeClr val="accent1"/>
+    </dgm:fillClrLst>
+    <dgm:linClrLst meth="repeat">
+      <a:schemeClr val="lt1"/>
+    </dgm:linClrLst>
+    <dgm:effectClrLst/>
+    <dgm:txLinClrLst/>
+    <dgm:txFillClrLst/>
+    <dgm:txEffectClrLst/>
+  </dgm:styleLbl>
+  <dgm:styleLbl name="node3">
+    <dgm:fillClrLst meth="repeat">
+      <a:schemeClr val="accent1"/>
+    </dgm:fillClrLst>
+    <dgm:linClrLst meth="repeat">
+      <a:schemeClr val="lt1"/>
+    </dgm:linClrLst>
+    <dgm:effectClrLst/>
+    <dgm:txLinClrLst/>
+    <dgm:txFillClrLst/>
+    <dgm:txEffectClrLst/>
+  </dgm:styleLbl>
+  <dgm:styleLbl name="node4">
+    <dgm:fillClrLst meth="repeat">
+      <a:schemeClr val="accent1"/>
+    </dgm:fillClrLst>
+    <dgm:linClrLst meth="repeat">
+      <a:schemeClr val="lt1"/>
+    </dgm:linClrLst>
+    <dgm:effectClrLst/>
+    <dgm:txLinClrLst/>
+    <dgm:txFillClrLst/>
+    <dgm:txEffectClrLst/>
+  </dgm:styleLbl>
+  <dgm:styleLbl name="fgImgPlace1">
+    <dgm:fillClrLst meth="repeat">
+      <a:schemeClr val="accent1">
+        <a:tint val="50000"/>
+      </a:schemeClr>
+    </dgm:fillClrLst>
+    <dgm:linClrLst meth="repeat">
+      <a:schemeClr val="lt1"/>
+    </dgm:linClrLst>
+    <dgm:effectClrLst/>
+    <dgm:txLinClrLst/>
+    <dgm:txFillClrLst meth="repeat">
+      <a:schemeClr val="lt1"/>
+    </dgm:txFillClrLst>
+    <dgm:txEffectClrLst/>
+  </dgm:styleLbl>
+  <dgm:styleLbl name="alignImgPlace1">
+    <dgm:fillClrLst meth="repeat">
+      <a:schemeClr val="accent1">
+        <a:tint val="50000"/>
+      </a:schemeClr>
+    </dgm:fillClrLst>
+    <dgm:linClrLst meth="repeat">
+      <a:schemeClr val="lt1"/>
+    </dgm:linClrLst>
+    <dgm:effectClrLst/>
+    <dgm:txLinClrLst/>
+    <dgm:txFillClrLst meth="repeat">
+      <a:schemeClr val="lt1"/>
+    </dgm:txFillClrLst>
+    <dgm:txEffectClrLst/>
+  </dgm:styleLbl>
+  <dgm:styleLbl name="bgImgPlace1">
+    <dgm:fillClrLst meth="repeat">
+      <a:schemeClr val="accent1">
+        <a:tint val="50000"/>
+      </a:schemeClr>
+    </dgm:fillClrLst>
+    <dgm:linClrLst meth="repeat">
+      <a:schemeClr val="lt1"/>
+    </dgm:linClrLst>
+    <dgm:effectClrLst/>
+    <dgm:txLinClrLst/>
+    <dgm:txFillClrLst meth="repeat">
+      <a:schemeClr val="lt1"/>
+    </dgm:txFillClrLst>
+    <dgm:txEffectClrLst/>
+  </dgm:styleLbl>
+  <dgm:styleLbl name="sibTrans2D1">
+    <dgm:fillClrLst meth="repeat">
+      <a:schemeClr val="accent1">
+        <a:tint val="60000"/>
+      </a:schemeClr>
+    </dgm:fillClrLst>
+    <dgm:linClrLst meth="repeat">
+      <a:schemeClr val="accent1">
+        <a:tint val="60000"/>
+      </a:schemeClr>
+    </dgm:linClrLst>
+    <dgm:effectClrLst/>
+    <dgm:txLinClrLst/>
+    <dgm:txFillClrLst/>
+    <dgm:txEffectClrLst/>
+  </dgm:styleLbl>
+  <dgm:styleLbl name="fgSibTrans2D1">
+    <dgm:fillClrLst meth="repeat">
+      <a:schemeClr val="accent1">
+        <a:tint val="60000"/>
+      </a:schemeClr>
+    </dgm:fillClrLst>
+    <dgm:linClrLst meth="repeat">
+      <a:schemeClr val="accent1">
+        <a:tint val="60000"/>
+      </a:schemeClr>
+    </dgm:linClrLst>
+    <dgm:effectClrLst/>
+    <dgm:txLinClrLst/>
+    <dgm:txFillClrLst/>
+    <dgm:txEffectClrLst/>
+  </dgm:styleLbl>
+  <dgm:styleLbl name="bgSibTrans2D1">
+    <dgm:fillClrLst meth="repeat">
+      <a:schemeClr val="accent1">
+        <a:tint val="60000"/>
+      </a:schemeClr>
+    </dgm:fillClrLst>
+    <dgm:linClrLst meth="repeat">
+      <a:schemeClr val="accent1">
+        <a:tint val="60000"/>
+      </a:schemeClr>
+    </dgm:linClrLst>
+    <dgm:effectClrLst/>
+    <dgm:txLinClrLst/>
+    <dgm:txFillClrLst/>
+    <dgm:txEffectClrLst/>
+  </dgm:styleLbl>
+  <dgm:styleLbl name="sibTrans1D1">
+    <dgm:fillClrLst meth="repeat">
+      <a:schemeClr val="accent1"/>
+    </dgm:fillClrLst>
+    <dgm:linClrLst meth="repeat">
+      <a:schemeClr val="accent1"/>
+    </dgm:linClrLst>
+    <dgm:effectClrLst/>
+    <dgm:txLinClrLst/>
+    <dgm:txFillClrLst meth="repeat">
+      <a:schemeClr val="tx1"/>
+    </dgm:txFillClrLst>
+    <dgm:txEffectClrLst/>
+  </dgm:styleLbl>
+  <dgm:styleLbl name="callout">
+    <dgm:fillClrLst meth="repeat">
+      <a:schemeClr val="accent1"/>
+    </dgm:fillClrLst>
+    <dgm:linClrLst meth="repeat">
+      <a:schemeClr val="accent1">
+        <a:tint val="50000"/>
+      </a:schemeClr>
+    </dgm:linClrLst>
+    <dgm:effectClrLst/>
+    <dgm:txLinClrLst/>
+    <dgm:txFillClrLst meth="repeat">
+      <a:schemeClr val="tx1"/>
+    </dgm:txFillClrLst>
+    <dgm:txEffectClrLst/>
+  </dgm:styleLbl>
+  <dgm:styleLbl name="asst0">
+    <dgm:fillClrLst meth="repeat">
+      <a:schemeClr val="accent1"/>
+    </dgm:fillClrLst>
+    <dgm:linClrLst meth="repeat">
+      <a:schemeClr val="lt1"/>
+    </dgm:linClrLst>
+    <dgm:effectClrLst/>
+    <dgm:txLinClrLst/>
+    <dgm:txFillClrLst/>
+    <dgm:txEffectClrLst/>
+  </dgm:styleLbl>
+  <dgm:styleLbl name="asst1">
+    <dgm:fillClrLst meth="repeat">
+      <a:schemeClr val="accent1"/>
+    </dgm:fillClrLst>
+    <dgm:linClrLst meth="repeat">
+      <a:schemeClr val="lt1"/>
+    </dgm:linClrLst>
+    <dgm:effectClrLst/>
+    <dgm:txLinClrLst/>
+    <dgm:txFillClrLst/>
+    <dgm:txEffectClrLst/>
+  </dgm:styleLbl>
+  <dgm:styleLbl name="asst2">
+    <dgm:fillClrLst meth="repeat">
+      <a:schemeClr val="accent1"/>
+    </dgm:fillClrLst>
+    <dgm:linClrLst meth="repeat">
+      <a:schemeClr val="lt1"/>
+    </dgm:linClrLst>
+    <dgm:effectClrLst/>
+    <dgm:txLinClrLst/>
+    <dgm:txFillClrLst/>
+    <dgm:txEffectClrLst/>
+  </dgm:styleLbl>
+  <dgm:styleLbl name="asst3">
+    <dgm:fillClrLst meth="repeat">
+      <a:schemeClr val="accent1"/>
+    </dgm:fillClrLst>
+    <dgm:linClrLst meth="repeat">
+      <a:schemeClr val="lt1"/>
+    </dgm:linClrLst>
+    <dgm:effectClrLst/>
+    <dgm:txLinClrLst/>
+    <dgm:txFillClrLst/>
+    <dgm:txEffectClrLst/>
+  </dgm:styleLbl>
+  <dgm:styleLbl name="asst4">
+    <dgm:fillClrLst meth="repeat">
+      <a:schemeClr val="accent1"/>
+    </dgm:fillClrLst>
+    <dgm:linClrLst meth="repeat">
+      <a:schemeClr val="lt1"/>
+    </dgm:linClrLst>
+    <dgm:effectClrLst/>
+    <dgm:txLinClrLst/>
+    <dgm:txFillClrLst/>
+    <dgm:txEffectClrLst/>
+  </dgm:styleLbl>
+  <dgm:styleLbl name="parChTrans2D1">
+    <dgm:fillClrLst meth="repeat">
+      <a:schemeClr val="accent1">
+        <a:tint val="60000"/>
+      </a:schemeClr>
+    </dgm:fillClrLst>
+    <dgm:linClrLst meth="repeat">
+      <a:schemeClr val="accent1">
+        <a:tint val="60000"/>
+      </a:schemeClr>
+    </dgm:linClrLst>
+    <dgm:effectClrLst/>
+    <dgm:txLinClrLst/>
+    <dgm:txFillClrLst meth="repeat">
+      <a:schemeClr val="lt1"/>
+    </dgm:txFillClrLst>
+    <dgm:txEffectClrLst/>
+  </dgm:styleLbl>
+  <dgm:styleLbl name="parChTrans2D2">
+    <dgm:fillClrLst meth="repeat">
+      <a:schemeClr val="accent1"/>
+    </dgm:fillClrLst>
+    <dgm:linClrLst meth="repeat">
+      <a:schemeClr val="accent1"/>
+    </dgm:linClrLst>
+    <dgm:effectClrLst/>
+    <dgm:txLinClrLst/>
+    <dgm:txFillClrLst meth="repeat">
+      <a:schemeClr val="lt1"/>
+    </dgm:txFillClrLst>
+    <dgm:txEffectClrLst/>
+  </dgm:styleLbl>
+  <dgm:styleLbl name="parChTrans2D3">
+    <dgm:fillClrLst meth="repeat">
+      <a:schemeClr val="accent1"/>
+    </dgm:fillClrLst>
+    <dgm:linClrLst meth="repeat">
+      <a:schemeClr val="accent1"/>
+    </dgm:linClrLst>
+    <dgm:effectClrLst/>
+    <dgm:txLinClrLst/>
+    <dgm:txFillClrLst meth="repeat">
+      <a:schemeClr val="lt1"/>
+    </dgm:txFillClrLst>
+    <dgm:txEffectClrLst/>
+  </dgm:styleLbl>
+  <dgm:styleLbl name="parChTrans2D4">
+    <dgm:fillClrLst meth="repeat">
+      <a:schemeClr val="accent1"/>
+    </dgm:fillClrLst>
+    <dgm:linClrLst meth="repeat">
+      <a:schemeClr val="accent1"/>
+    </dgm:linClrLst>
+    <dgm:effectClrLst/>
+    <dgm:txLinClrLst/>
+    <dgm:txFillClrLst meth="repeat">
+      <a:schemeClr val="lt1"/>
+    </dgm:txFillClrLst>
+    <dgm:txEffectClrLst/>
+  </dgm:styleLbl>
+  <dgm:styleLbl name="parChTrans1D1">
+    <dgm:fillClrLst meth="repeat">
+      <a:schemeClr val="accent1"/>
+    </dgm:fillClrLst>
+    <dgm:linClrLst meth="repeat">
+      <a:schemeClr val="accent1">
+        <a:shade val="60000"/>
+      </a:schemeClr>
+    </dgm:linClrLst>
+    <dgm:effectClrLst/>
+    <dgm:txLinClrLst/>
+    <dgm:txFillClrLst meth="repeat">
+      <a:schemeClr val="tx1"/>
+    </dgm:txFillClrLst>
+    <dgm:txEffectClrLst/>
+  </dgm:styleLbl>
+  <dgm:styleLbl name="parChTrans1D2">
+    <dgm:fillClrLst meth="repeat">
+      <a:schemeClr val="accent1"/>
+    </dgm:fillClrLst>
+    <dgm:linClrLst meth="repeat">
+      <a:schemeClr val="accent1">
+        <a:shade val="60000"/>
+      </a:schemeClr>
+    </dgm:linClrLst>
+    <dgm:effectClrLst/>
+    <dgm:txLinClrLst/>
+    <dgm:txFillClrLst meth="repeat">
+      <a:schemeClr val="tx1"/>
+    </dgm:txFillClrLst>
+    <dgm:txEffectClrLst/>
+  </dgm:styleLbl>
+  <dgm:styleLbl name="parChTrans1D3">
+    <dgm:fillClrLst meth="repeat">
+      <a:schemeClr val="accent1"/>
+    </dgm:fillClrLst>
+    <dgm:linClrLst meth="repeat">
+      <a:schemeClr val="accent1">
+        <a:shade val="80000"/>
+      </a:schemeClr>
+    </dgm:linClrLst>
+    <dgm:effectClrLst/>
+    <dgm:txLinClrLst/>
+    <dgm:txFillClrLst meth="repeat">
+      <a:schemeClr val="tx1"/>
+    </dgm:txFillClrLst>
+    <dgm:txEffectClrLst/>
+  </dgm:styleLbl>
+  <dgm:styleLbl name="parChTrans1D4">
+    <dgm:fillClrLst meth="repeat">
+      <a:schemeClr val="accent1"/>
+    </dgm:fillClrLst>
+    <dgm:linClrLst meth="repeat">
+      <a:schemeClr val="accent1">
+        <a:shade val="80000"/>
+      </a:schemeClr>
+    </dgm:linClrLst>
+    <dgm:effectClrLst/>
+    <dgm:txLinClrLst/>
+    <dgm:txFillClrLst meth="repeat">
+      <a:schemeClr val="tx1"/>
+    </dgm:txFillClrLst>
+    <dgm:txEffectClrLst/>
+  </dgm:styleLbl>
+  <dgm:styleLbl name="fgAcc1">
+    <dgm:fillClrLst meth="repeat">
+      <a:schemeClr val="lt1">
+        <a:alpha val="90000"/>
+      </a:schemeClr>
+    </dgm:fillClrLst>
+    <dgm:linClrLst meth="repeat">
+      <a:schemeClr val="accent1"/>
+    </dgm:linClrLst>
+    <dgm:effectClrLst/>
+    <dgm:txLinClrLst/>
+    <dgm:txFillClrLst meth="repeat">
+      <a:schemeClr val="dk1"/>
+    </dgm:txFillClrLst>
+    <dgm:txEffectClrLst/>
+  </dgm:styleLbl>
+  <dgm:styleLbl name="conFgAcc1">
+    <dgm:fillClrLst meth="repeat">
+      <a:schemeClr val="lt1">
+        <a:alpha val="90000"/>
+      </a:schemeClr>
+    </dgm:fillClrLst>
+    <dgm:linClrLst meth="repeat">
+      <a:schemeClr val="accent1"/>
+    </dgm:linClrLst>
+    <dgm:effectClrLst/>
+    <dgm:txLinClrLst/>
+    <dgm:txFillClrLst meth="repeat">
+      <a:schemeClr val="dk1"/>
+    </dgm:txFillClrLst>
+    <dgm:txEffectClrLst/>
+  </dgm:styleLbl>
+  <dgm:styleLbl name="alignAcc1">
+    <dgm:fillClrLst meth="repeat">
+      <a:schemeClr val="lt1">
+        <a:alpha val="90000"/>
+      </a:schemeClr>
+    </dgm:fillClrLst>
+    <dgm:linClrLst meth="repeat">
+      <a:schemeClr val="accent1"/>
+    </dgm:linClrLst>
+    <dgm:effectClrLst/>
+    <dgm:txLinClrLst/>
+    <dgm:txFillClrLst meth="repeat">
+      <a:schemeClr val="dk1"/>
+    </dgm:txFillClrLst>
+    <dgm:txEffectClrLst/>
+  </dgm:styleLbl>
+  <dgm:styleLbl name="trAlignAcc1">
+    <dgm:fillClrLst meth="repeat">
+      <a:schemeClr val="lt1">
+        <a:alpha val="40000"/>
+      </a:schemeClr>
+    </dgm:fillClrLst>
+    <dgm:linClrLst meth="repeat">
+      <a:schemeClr val="accent1"/>
+    </dgm:linClrLst>
+    <dgm:effectClrLst/>
+    <dgm:txLinClrLst/>
+    <dgm:txFillClrLst meth="repeat">
+      <a:schemeClr val="dk1"/>
+    </dgm:txFillClrLst>
+    <dgm:txEffectClrLst/>
+  </dgm:styleLbl>
+  <dgm:styleLbl name="bgAcc1">
+    <dgm:fillClrLst meth="repeat">
+      <a:schemeClr val="lt1">
+        <a:alpha val="90000"/>
+      </a:schemeClr>
+    </dgm:fillClrLst>
+    <dgm:linClrLst meth="repeat">
+      <a:schemeClr val="accent1"/>
+    </dgm:linClrLst>
+    <dgm:effectClrLst/>
+    <dgm:txLinClrLst/>
+    <dgm:txFillClrLst meth="repeat">
+      <a:schemeClr val="dk1"/>
+    </dgm:txFillClrLst>
+    <dgm:txEffectClrLst/>
+  </dgm:styleLbl>
+  <dgm:styleLbl name="solidFgAcc1">
+    <dgm:fillClrLst meth="repeat">
+      <a:schemeClr val="lt1"/>
+    </dgm:fillClrLst>
+    <dgm:linClrLst meth="repeat">
+      <a:schemeClr val="accent1"/>
+    </dgm:linClrLst>
+    <dgm:effectClrLst/>
+    <dgm:txLinClrLst/>
+    <dgm:txFillClrLst meth="repeat">
+      <a:schemeClr val="dk1"/>
+    </dgm:txFillClrLst>
+    <dgm:txEffectClrLst/>
+  </dgm:styleLbl>
+  <dgm:styleLbl name="solidAlignAcc1">
+    <dgm:fillClrLst meth="repeat">
+      <a:schemeClr val="lt1"/>
+    </dgm:fillClrLst>
+    <dgm:linClrLst meth="repeat">
+      <a:schemeClr val="accent1"/>
+    </dgm:linClrLst>
+    <dgm:effectClrLst/>
+    <dgm:txLinClrLst/>
+    <dgm:txFillClrLst meth="repeat">
+      <a:schemeClr val="dk1"/>
+    </dgm:txFillClrLst>
+    <dgm:txEffectClrLst/>
+  </dgm:styleLbl>
+  <dgm:styleLbl name="solidBgAcc1">
+    <dgm:fillClrLst meth="repeat">
+      <a:schemeClr val="lt1"/>
+    </dgm:fillClrLst>
+    <dgm:linClrLst meth="repeat">
+      <a:schemeClr val="accent1"/>
+    </dgm:linClrLst>
+    <dgm:effectClrLst/>
+    <dgm:txLinClrLst/>
+    <dgm:txFillClrLst meth="repeat">
+      <a:schemeClr val="dk1"/>
+    </dgm:txFillClrLst>
+    <dgm:txEffectClrLst/>
+  </dgm:styleLbl>
+  <dgm:styleLbl name="fgAccFollowNode1">
+    <dgm:fillClrLst meth="repeat">
+      <a:schemeClr val="accent1">
+        <a:alpha val="90000"/>
+        <a:tint val="40000"/>
+      </a:schemeClr>
+    </dgm:fillClrLst>
+    <dgm:linClrLst meth="repeat">
+      <a:schemeClr val="accent1">
+        <a:alpha val="90000"/>
+        <a:tint val="40000"/>
+      </a:schemeClr>
+    </dgm:linClrLst>
+    <dgm:effectClrLst/>
+    <dgm:txLinClrLst/>
+    <dgm:txFillClrLst meth="repeat">
+      <a:schemeClr val="dk1"/>
+    </dgm:txFillClrLst>
+    <dgm:txEffectClrLst/>
+  </dgm:styleLbl>
+  <dgm:styleLbl name="alignAccFollowNode1">
+    <dgm:fillClrLst meth="repeat">
+      <a:schemeClr val="accent1">
+        <a:alpha val="90000"/>
+        <a:tint val="40000"/>
+      </a:schemeClr>
+    </dgm:fillClrLst>
+    <dgm:linClrLst meth="repeat">
+      <a:schemeClr val="accent1">
+        <a:alpha val="90000"/>
+        <a:tint val="40000"/>
+      </a:schemeClr>
+    </dgm:linClrLst>
+    <dgm:effectClrLst/>
+    <dgm:txLinClrLst/>
+    <dgm:txFillClrLst meth="repeat">
+      <a:schemeClr val="dk1"/>
+    </dgm:txFillClrLst>
+    <dgm:txEffectClrLst/>
+  </dgm:styleLbl>
+  <dgm:styleLbl name="bgAccFollowNode1">
+    <dgm:fillClrLst meth="repeat">
+      <a:schemeClr val="accent1">
+        <a:alpha val="90000"/>
+        <a:tint val="40000"/>
+      </a:schemeClr>
+    </dgm:fillClrLst>
+    <dgm:linClrLst meth="repeat">
+      <a:schemeClr val="accent1">
+        <a:alpha val="90000"/>
+        <a:tint val="40000"/>
+      </a:schemeClr>
+    </dgm:linClrLst>
+    <dgm:effectClrLst/>
+    <dgm:txLinClrLst/>
+    <dgm:txFillClrLst meth="repeat">
+      <a:schemeClr val="dk1"/>
+    </dgm:txFillClrLst>
+    <dgm:txEffectClrLst/>
+  </dgm:styleLbl>
+  <dgm:styleLbl name="fgAcc0">
+    <dgm:fillClrLst meth="repeat">
+      <a:schemeClr val="lt1">
+        <a:alpha val="90000"/>
+      </a:schemeClr>
+    </dgm:fillClrLst>
+    <dgm:linClrLst meth="repeat">
+      <a:schemeClr val="accent1"/>
+    </dgm:linClrLst>
+    <dgm:effectClrLst/>
+    <dgm:txLinClrLst/>
+    <dgm:txFillClrLst meth="repeat">
+      <a:schemeClr val="dk1"/>
+    </dgm:txFillClrLst>
+    <dgm:txEffectClrLst/>
+  </dgm:styleLbl>
+  <dgm:styleLbl name="fgAcc2">
+    <dgm:fillClrLst meth="repeat">
+      <a:schemeClr val="lt1">
+        <a:alpha val="90000"/>
+      </a:schemeClr>
+    </dgm:fillClrLst>
+    <dgm:linClrLst meth="repeat">
+      <a:schemeClr val="accent1"/>
+    </dgm:linClrLst>
+    <dgm:effectClrLst/>
+    <dgm:txLinClrLst/>
+    <dgm:txFillClrLst meth="repeat">
+      <a:schemeClr val="dk1"/>
+    </dgm:txFillClrLst>
+    <dgm:txEffectClrLst/>
+  </dgm:styleLbl>
+  <dgm:styleLbl name="fgAcc3">
+    <dgm:fillClrLst meth="repeat">
+      <a:schemeClr val="lt1">
+        <a:alpha val="90000"/>
+      </a:schemeClr>
+    </dgm:fillClrLst>
+    <dgm:linClrLst meth="repeat">
+      <a:schemeClr val="accent1"/>
+    </dgm:linClrLst>
+    <dgm:effectClrLst/>
+    <dgm:txLinClrLst/>
+    <dgm:txFillClrLst meth="repeat">
+      <a:schemeClr val="dk1"/>
+    </dgm:txFillClrLst>
+    <dgm:txEffectClrLst/>
+  </dgm:styleLbl>
+  <dgm:styleLbl name="fgAcc4">
+    <dgm:fillClrLst meth="repeat">
+      <a:schemeClr val="lt1">
+        <a:alpha val="90000"/>
+      </a:schemeClr>
+    </dgm:fillClrLst>
+    <dgm:linClrLst meth="repeat">
+      <a:schemeClr val="accent1"/>
+    </dgm:linClrLst>
+    <dgm:effectClrLst/>
+    <dgm:txLinClrLst/>
+    <dgm:txFillClrLst meth="repeat">
+      <a:schemeClr val="dk1"/>
+    </dgm:txFillClrLst>
+    <dgm:txEffectClrLst/>
+  </dgm:styleLbl>
+  <dgm:styleLbl name="bgShp">
+    <dgm:fillClrLst meth="repeat">
+      <a:schemeClr val="accent1">
+        <a:tint val="40000"/>
+      </a:schemeClr>
+    </dgm:fillClrLst>
+    <dgm:linClrLst meth="repeat">
+      <a:schemeClr val="accent1"/>
+    </dgm:linClrLst>
+    <dgm:effectClrLst/>
+    <dgm:txLinClrLst/>
+    <dgm:txFillClrLst meth="repeat">
+      <a:schemeClr val="dk1"/>
+    </dgm:txFillClrLst>
+    <dgm:txEffectClrLst/>
+  </dgm:styleLbl>
+  <dgm:styleLbl name="dkBgShp">
+    <dgm:fillClrLst meth="repeat">
+      <a:schemeClr val="accent1">
+        <a:shade val="80000"/>
+      </a:schemeClr>
+    </dgm:fillClrLst>
+    <dgm:linClrLst meth="repeat">
+      <a:schemeClr val="accent1"/>
+    </dgm:linClrLst>
+    <dgm:effectClrLst/>
+    <dgm:txLinClrLst/>
+    <dgm:txFillClrLst meth="repeat">
+      <a:schemeClr val="lt1"/>
+    </dgm:txFillClrLst>
+    <dgm:txEffectClrLst/>
+  </dgm:styleLbl>
+  <dgm:styleLbl name="trBgShp">
+    <dgm:fillClrLst meth="repeat">
+      <a:schemeClr val="accent1">
+        <a:tint val="50000"/>
+        <a:alpha val="40000"/>
+      </a:schemeClr>
+    </dgm:fillClrLst>
+    <dgm:linClrLst meth="repeat">
+      <a:schemeClr val="accent1"/>
+    </dgm:linClrLst>
+    <dgm:effectClrLst/>
+    <dgm:txLinClrLst/>
+    <dgm:txFillClrLst meth="repeat">
+      <a:schemeClr val="lt1"/>
+    </dgm:txFillClrLst>
+    <dgm:txEffectClrLst/>
+  </dgm:styleLbl>
+  <dgm:styleLbl name="fgShp">
+    <dgm:fillClrLst meth="repeat">
+      <a:schemeClr val="accent1">
+        <a:tint val="60000"/>
+      </a:schemeClr>
+    </dgm:fillClrLst>
+    <dgm:linClrLst meth="repeat">
+      <a:schemeClr val="lt1"/>
+    </dgm:linClrLst>
+    <dgm:effectClrLst/>
+    <dgm:txLinClrLst/>
+    <dgm:txFillClrLst meth="repeat">
+      <a:schemeClr val="dk1"/>
+    </dgm:txFillClrLst>
+    <dgm:txEffectClrLst/>
+  </dgm:styleLbl>
+  <dgm:styleLbl name="revTx">
+    <dgm:fillClrLst meth="repeat">
+      <a:schemeClr val="lt1">
+        <a:alpha val="0"/>
+      </a:schemeClr>
+    </dgm:fillClrLst>
+    <dgm:linClrLst meth="repeat">
+      <a:schemeClr val="dk1">
+        <a:alpha val="0"/>
+      </a:schemeClr>
+    </dgm:linClrLst>
+    <dgm:effectClrLst/>
+    <dgm:txLinClrLst/>
+    <dgm:txFillClrLst meth="repeat">
+      <a:schemeClr val="tx1"/>
+    </dgm:txFillClrLst>
+    <dgm:txEffectClrLst/>
+  </dgm:styleLbl>
+</dgm:colorsDef>
+</file>
+
+<file path=ppt/diagrams/colors3.xml><?xml version="1.0" encoding="utf-8"?>
+<dgm:colorsDef xmlns:dgm="http://schemas.openxmlformats.org/drawingml/2006/diagram" xmlns:a="http://schemas.openxmlformats.org/drawingml/2006/main" uniqueId="urn:microsoft.com/office/officeart/2005/8/colors/accent1_2">
+  <dgm:title val=""/>
+  <dgm:desc val=""/>
+  <dgm:catLst>
+    <dgm:cat type="accent1" pri="11200"/>
+  </dgm:catLst>
+  <dgm:styleLbl name="node0">
+    <dgm:fillClrLst meth="repeat">
+      <a:schemeClr val="accent1"/>
+    </dgm:fillClrLst>
+    <dgm:linClrLst meth="repeat">
+      <a:schemeClr val="lt1"/>
+    </dgm:linClrLst>
+    <dgm:effectClrLst/>
+    <dgm:txLinClrLst/>
+    <dgm:txFillClrLst/>
+    <dgm:txEffectClrLst/>
+  </dgm:styleLbl>
+  <dgm:styleLbl name="alignNode1">
+    <dgm:fillClrLst meth="repeat">
+      <a:schemeClr val="accent1"/>
+    </dgm:fillClrLst>
+    <dgm:linClrLst meth="repeat">
+      <a:schemeClr val="accent1"/>
+    </dgm:linClrLst>
+    <dgm:effectClrLst/>
+    <dgm:txLinClrLst/>
+    <dgm:txFillClrLst/>
+    <dgm:txEffectClrLst/>
+  </dgm:styleLbl>
+  <dgm:styleLbl name="node1">
+    <dgm:fillClrLst meth="repeat">
+      <a:schemeClr val="accent1"/>
+    </dgm:fillClrLst>
+    <dgm:linClrLst meth="repeat">
+      <a:schemeClr val="lt1"/>
+    </dgm:linClrLst>
+    <dgm:effectClrLst/>
+    <dgm:txLinClrLst/>
+    <dgm:txFillClrLst/>
+    <dgm:txEffectClrLst/>
+  </dgm:styleLbl>
+  <dgm:styleLbl name="lnNode1">
+    <dgm:fillClrLst meth="repeat">
+      <a:schemeClr val="accent1"/>
+    </dgm:fillClrLst>
+    <dgm:linClrLst meth="repeat">
+      <a:schemeClr val="lt1"/>
+    </dgm:linClrLst>
+    <dgm:effectClrLst/>
+    <dgm:txLinClrLst/>
+    <dgm:txFillClrLst/>
+    <dgm:txEffectClrLst/>
+  </dgm:styleLbl>
+  <dgm:styleLbl name="vennNode1">
+    <dgm:fillClrLst meth="repeat">
+      <a:schemeClr val="accent1">
+        <a:alpha val="50000"/>
+      </a:schemeClr>
+    </dgm:fillClrLst>
+    <dgm:linClrLst meth="repeat">
+      <a:schemeClr val="lt1"/>
+    </dgm:linClrLst>
+    <dgm:effectClrLst/>
+    <dgm:txLinClrLst/>
+    <dgm:txFillClrLst/>
+    <dgm:txEffectClrLst/>
+  </dgm:styleLbl>
+  <dgm:styleLbl name="node2">
+    <dgm:fillClrLst meth="repeat">
+      <a:schemeClr val="accent1"/>
+    </dgm:fillClrLst>
+    <dgm:linClrLst meth="repeat">
+      <a:schemeClr val="lt1"/>
+    </dgm:linClrLst>
+    <dgm:effectClrLst/>
+    <dgm:txLinClrLst/>
+    <dgm:txFillClrLst/>
+    <dgm:txEffectClrLst/>
+  </dgm:styleLbl>
+  <dgm:styleLbl name="node3">
+    <dgm:fillClrLst meth="repeat">
+      <a:schemeClr val="accent1"/>
+    </dgm:fillClrLst>
+    <dgm:linClrLst meth="repeat">
+      <a:schemeClr val="lt1"/>
+    </dgm:linClrLst>
+    <dgm:effectClrLst/>
+    <dgm:txLinClrLst/>
+    <dgm:txFillClrLst/>
+    <dgm:txEffectClrLst/>
+  </dgm:styleLbl>
+  <dgm:styleLbl name="node4">
+    <dgm:fillClrLst meth="repeat">
+      <a:schemeClr val="accent1"/>
+    </dgm:fillClrLst>
+    <dgm:linClrLst meth="repeat">
+      <a:schemeClr val="lt1"/>
+    </dgm:linClrLst>
+    <dgm:effectClrLst/>
+    <dgm:txLinClrLst/>
+    <dgm:txFillClrLst/>
+    <dgm:txEffectClrLst/>
+  </dgm:styleLbl>
+  <dgm:styleLbl name="fgImgPlace1">
+    <dgm:fillClrLst meth="repeat">
+      <a:schemeClr val="accent1">
+        <a:tint val="50000"/>
+      </a:schemeClr>
+    </dgm:fillClrLst>
+    <dgm:linClrLst meth="repeat">
+      <a:schemeClr val="lt1"/>
+    </dgm:linClrLst>
+    <dgm:effectClrLst/>
+    <dgm:txLinClrLst/>
+    <dgm:txFillClrLst meth="repeat">
+      <a:schemeClr val="lt1"/>
+    </dgm:txFillClrLst>
+    <dgm:txEffectClrLst/>
+  </dgm:styleLbl>
+  <dgm:styleLbl name="alignImgPlace1">
+    <dgm:fillClrLst meth="repeat">
+      <a:schemeClr val="accent1">
+        <a:tint val="50000"/>
+      </a:schemeClr>
+    </dgm:fillClrLst>
+    <dgm:linClrLst meth="repeat">
+      <a:schemeClr val="lt1"/>
+    </dgm:linClrLst>
+    <dgm:effectClrLst/>
+    <dgm:txLinClrLst/>
+    <dgm:txFillClrLst meth="repeat">
+      <a:schemeClr val="lt1"/>
+    </dgm:txFillClrLst>
+    <dgm:txEffectClrLst/>
+  </dgm:styleLbl>
+  <dgm:styleLbl name="bgImgPlace1">
+    <dgm:fillClrLst meth="repeat">
+      <a:schemeClr val="accent1">
+        <a:tint val="50000"/>
+      </a:schemeClr>
+    </dgm:fillClrLst>
+    <dgm:linClrLst meth="repeat">
+      <a:schemeClr val="lt1"/>
+    </dgm:linClrLst>
+    <dgm:effectClrLst/>
+    <dgm:txLinClrLst/>
+    <dgm:txFillClrLst meth="repeat">
+      <a:schemeClr val="lt1"/>
+    </dgm:txFillClrLst>
+    <dgm:txEffectClrLst/>
+  </dgm:styleLbl>
+  <dgm:styleLbl name="sibTrans2D1">
+    <dgm:fillClrLst meth="repeat">
+      <a:schemeClr val="accent1">
+        <a:tint val="60000"/>
+      </a:schemeClr>
+    </dgm:fillClrLst>
+    <dgm:linClrLst meth="repeat">
+      <a:schemeClr val="accent1">
+        <a:tint val="60000"/>
+      </a:schemeClr>
+    </dgm:linClrLst>
+    <dgm:effectClrLst/>
+    <dgm:txLinClrLst/>
+    <dgm:txFillClrLst/>
+    <dgm:txEffectClrLst/>
+  </dgm:styleLbl>
+  <dgm:styleLbl name="fgSibTrans2D1">
+    <dgm:fillClrLst meth="repeat">
+      <a:schemeClr val="accent1">
+        <a:tint val="60000"/>
+      </a:schemeClr>
+    </dgm:fillClrLst>
+    <dgm:linClrLst meth="repeat">
+      <a:schemeClr val="accent1">
+        <a:tint val="60000"/>
+      </a:schemeClr>
+    </dgm:linClrLst>
+    <dgm:effectClrLst/>
+    <dgm:txLinClrLst/>
+    <dgm:txFillClrLst/>
+    <dgm:txEffectClrLst/>
+  </dgm:styleLbl>
+  <dgm:styleLbl name="bgSibTrans2D1">
+    <dgm:fillClrLst meth="repeat">
+      <a:schemeClr val="accent1">
+        <a:tint val="60000"/>
+      </a:schemeClr>
+    </dgm:fillClrLst>
+    <dgm:linClrLst meth="repeat">
+      <a:schemeClr val="accent1">
+        <a:tint val="60000"/>
+      </a:schemeClr>
+    </dgm:linClrLst>
+    <dgm:effectClrLst/>
+    <dgm:txLinClrLst/>
+    <dgm:txFillClrLst/>
+    <dgm:txEffectClrLst/>
+  </dgm:styleLbl>
+  <dgm:styleLbl name="sibTrans1D1">
+    <dgm:fillClrLst meth="repeat">
+      <a:schemeClr val="accent1"/>
+    </dgm:fillClrLst>
+    <dgm:linClrLst meth="repeat">
+      <a:schemeClr val="accent1"/>
+    </dgm:linClrLst>
+    <dgm:effectClrLst/>
+    <dgm:txLinClrLst/>
+    <dgm:txFillClrLst meth="repeat">
+      <a:schemeClr val="tx1"/>
+    </dgm:txFillClrLst>
+    <dgm:txEffectClrLst/>
+  </dgm:styleLbl>
+  <dgm:styleLbl name="callout">
+    <dgm:fillClrLst meth="repeat">
+      <a:schemeClr val="accent1"/>
+    </dgm:fillClrLst>
+    <dgm:linClrLst meth="repeat">
+      <a:schemeClr val="accent1">
+        <a:tint val="50000"/>
+      </a:schemeClr>
+    </dgm:linClrLst>
+    <dgm:effectClrLst/>
+    <dgm:txLinClrLst/>
+    <dgm:txFillClrLst meth="repeat">
+      <a:schemeClr val="tx1"/>
+    </dgm:txFillClrLst>
+    <dgm:txEffectClrLst/>
+  </dgm:styleLbl>
+  <dgm:styleLbl name="asst0">
+    <dgm:fillClrLst meth="repeat">
+      <a:schemeClr val="accent1"/>
+    </dgm:fillClrLst>
+    <dgm:linClrLst meth="repeat">
+      <a:schemeClr val="lt1"/>
+    </dgm:linClrLst>
+    <dgm:effectClrLst/>
+    <dgm:txLinClrLst/>
+    <dgm:txFillClrLst/>
+    <dgm:txEffectClrLst/>
+  </dgm:styleLbl>
+  <dgm:styleLbl name="asst1">
+    <dgm:fillClrLst meth="repeat">
+      <a:schemeClr val="accent1"/>
+    </dgm:fillClrLst>
+    <dgm:linClrLst meth="repeat">
+      <a:schemeClr val="lt1"/>
+    </dgm:linClrLst>
+    <dgm:effectClrLst/>
+    <dgm:txLinClrLst/>
+    <dgm:txFillClrLst/>
+    <dgm:txEffectClrLst/>
+  </dgm:styleLbl>
+  <dgm:styleLbl name="asst2">
+    <dgm:fillClrLst meth="repeat">
+      <a:schemeClr val="accent1"/>
+    </dgm:fillClrLst>
+    <dgm:linClrLst meth="repeat">
+      <a:schemeClr val="lt1"/>
+    </dgm:linClrLst>
+    <dgm:effectClrLst/>
+    <dgm:txLinClrLst/>
+    <dgm:txFillClrLst/>
+    <dgm:txEffectClrLst/>
+  </dgm:styleLbl>
+  <dgm:styleLbl name="asst3">
+    <dgm:fillClrLst meth="repeat">
+      <a:schemeClr val="accent1"/>
+    </dgm:fillClrLst>
+    <dgm:linClrLst meth="repeat">
+      <a:schemeClr val="lt1"/>
+    </dgm:linClrLst>
+    <dgm:effectClrLst/>
+    <dgm:txLinClrLst/>
+    <dgm:txFillClrLst/>
+    <dgm:txEffectClrLst/>
+  </dgm:styleLbl>
+  <dgm:styleLbl name="asst4">
+    <dgm:fillClrLst meth="repeat">
+      <a:schemeClr val="accent1"/>
+    </dgm:fillClrLst>
+    <dgm:linClrLst meth="repeat">
+      <a:schemeClr val="lt1"/>
+    </dgm:linClrLst>
+    <dgm:effectClrLst/>
+    <dgm:txLinClrLst/>
+    <dgm:txFillClrLst/>
+    <dgm:txEffectClrLst/>
+  </dgm:styleLbl>
+  <dgm:styleLbl name="parChTrans2D1">
+    <dgm:fillClrLst meth="repeat">
+      <a:schemeClr val="accent1">
+        <a:tint val="60000"/>
+      </a:schemeClr>
+    </dgm:fillClrLst>
+    <dgm:linClrLst meth="repeat">
+      <a:schemeClr val="accent1">
+        <a:tint val="60000"/>
+      </a:schemeClr>
+    </dgm:linClrLst>
+    <dgm:effectClrLst/>
+    <dgm:txLinClrLst/>
+    <dgm:txFillClrLst meth="repeat">
+      <a:schemeClr val="lt1"/>
+    </dgm:txFillClrLst>
+    <dgm:txEffectClrLst/>
+  </dgm:styleLbl>
+  <dgm:styleLbl name="parChTrans2D2">
+    <dgm:fillClrLst meth="repeat">
+      <a:schemeClr val="accent1"/>
+    </dgm:fillClrLst>
+    <dgm:linClrLst meth="repeat">
+      <a:schemeClr val="accent1"/>
+    </dgm:linClrLst>
+    <dgm:effectClrLst/>
+    <dgm:txLinClrLst/>
+    <dgm:txFillClrLst meth="repeat">
+      <a:schemeClr val="lt1"/>
+    </dgm:txFillClrLst>
+    <dgm:txEffectClrLst/>
+  </dgm:styleLbl>
+  <dgm:styleLbl name="parChTrans2D3">
+    <dgm:fillClrLst meth="repeat">
+      <a:schemeClr val="accent1"/>
+    </dgm:fillClrLst>
+    <dgm:linClrLst meth="repeat">
+      <a:schemeClr val="accent1"/>
+    </dgm:linClrLst>
+    <dgm:effectClrLst/>
+    <dgm:txLinClrLst/>
+    <dgm:txFillClrLst meth="repeat">
+      <a:schemeClr val="lt1"/>
+    </dgm:txFillClrLst>
+    <dgm:txEffectClrLst/>
+  </dgm:styleLbl>
+  <dgm:styleLbl name="parChTrans2D4">
+    <dgm:fillClrLst meth="repeat">
+      <a:schemeClr val="accent1"/>
+    </dgm:fillClrLst>
+    <dgm:linClrLst meth="repeat">
+      <a:schemeClr val="accent1"/>
+    </dgm:linClrLst>
+    <dgm:effectClrLst/>
+    <dgm:txLinClrLst/>
+    <dgm:txFillClrLst meth="repeat">
+      <a:schemeClr val="lt1"/>
+    </dgm:txFillClrLst>
+    <dgm:txEffectClrLst/>
+  </dgm:styleLbl>
+  <dgm:styleLbl name="parChTrans1D1">
+    <dgm:fillClrLst meth="repeat">
+      <a:schemeClr val="accent1"/>
+    </dgm:fillClrLst>
+    <dgm:linClrLst meth="repeat">
+      <a:schemeClr val="accent1">
+        <a:shade val="60000"/>
+      </a:schemeClr>
+    </dgm:linClrLst>
+    <dgm:effectClrLst/>
+    <dgm:txLinClrLst/>
+    <dgm:txFillClrLst meth="repeat">
+      <a:schemeClr val="tx1"/>
+    </dgm:txFillClrLst>
+    <dgm:txEffectClrLst/>
+  </dgm:styleLbl>
+  <dgm:styleLbl name="parChTrans1D2">
+    <dgm:fillClrLst meth="repeat">
+      <a:schemeClr val="accent1"/>
+    </dgm:fillClrLst>
+    <dgm:linClrLst meth="repeat">
+      <a:schemeClr val="accent1">
+        <a:shade val="60000"/>
+      </a:schemeClr>
+    </dgm:linClrLst>
+    <dgm:effectClrLst/>
+    <dgm:txLinClrLst/>
+    <dgm:txFillClrLst meth="repeat">
+      <a:schemeClr val="tx1"/>
+    </dgm:txFillClrLst>
+    <dgm:txEffectClrLst/>
+  </dgm:styleLbl>
+  <dgm:styleLbl name="parChTrans1D3">
+    <dgm:fillClrLst meth="repeat">
+      <a:schemeClr val="accent1"/>
+    </dgm:fillClrLst>
+    <dgm:linClrLst meth="repeat">
+      <a:schemeClr val="accent1">
+        <a:shade val="80000"/>
+      </a:schemeClr>
+    </dgm:linClrLst>
+    <dgm:effectClrLst/>
+    <dgm:txLinClrLst/>
+    <dgm:txFillClrLst meth="repeat">
+      <a:schemeClr val="tx1"/>
+    </dgm:txFillClrLst>
+    <dgm:txEffectClrLst/>
+  </dgm:styleLbl>
+  <dgm:styleLbl name="parChTrans1D4">
+    <dgm:fillClrLst meth="repeat">
+      <a:schemeClr val="accent1"/>
+    </dgm:fillClrLst>
+    <dgm:linClrLst meth="repeat">
+      <a:schemeClr val="accent1">
+        <a:shade val="80000"/>
+      </a:schemeClr>
+    </dgm:linClrLst>
+    <dgm:effectClrLst/>
+    <dgm:txLinClrLst/>
+    <dgm:txFillClrLst meth="repeat">
+      <a:schemeClr val="tx1"/>
+    </dgm:txFillClrLst>
+    <dgm:txEffectClrLst/>
+  </dgm:styleLbl>
+  <dgm:styleLbl name="fgAcc1">
+    <dgm:fillClrLst meth="repeat">
+      <a:schemeClr val="lt1">
+        <a:alpha val="90000"/>
+      </a:schemeClr>
+    </dgm:fillClrLst>
+    <dgm:linClrLst meth="repeat">
+      <a:schemeClr val="accent1"/>
+    </dgm:linClrLst>
+    <dgm:effectClrLst/>
+    <dgm:txLinClrLst/>
+    <dgm:txFillClrLst meth="repeat">
+      <a:schemeClr val="dk1"/>
+    </dgm:txFillClrLst>
+    <dgm:txEffectClrLst/>
+  </dgm:styleLbl>
+  <dgm:styleLbl name="conFgAcc1">
+    <dgm:fillClrLst meth="repeat">
+      <a:schemeClr val="lt1">
+        <a:alpha val="90000"/>
+      </a:schemeClr>
+    </dgm:fillClrLst>
+    <dgm:linClrLst meth="repeat">
+      <a:schemeClr val="accent1"/>
+    </dgm:linClrLst>
+    <dgm:effectClrLst/>
+    <dgm:txLinClrLst/>
+    <dgm:txFillClrLst meth="repeat">
+      <a:schemeClr val="dk1"/>
+    </dgm:txFillClrLst>
+    <dgm:txEffectClrLst/>
+  </dgm:styleLbl>
+  <dgm:styleLbl name="alignAcc1">
+    <dgm:fillClrLst meth="repeat">
+      <a:schemeClr val="lt1">
+        <a:alpha val="90000"/>
+      </a:schemeClr>
+    </dgm:fillClrLst>
+    <dgm:linClrLst meth="repeat">
+      <a:schemeClr val="accent1"/>
+    </dgm:linClrLst>
+    <dgm:effectClrLst/>
+    <dgm:txLinClrLst/>
+    <dgm:txFillClrLst meth="repeat">
+      <a:schemeClr val="dk1"/>
+    </dgm:txFillClrLst>
+    <dgm:txEffectClrLst/>
+  </dgm:styleLbl>
+  <dgm:styleLbl name="trAlignAcc1">
+    <dgm:fillClrLst meth="repeat">
+      <a:schemeClr val="lt1">
+        <a:alpha val="40000"/>
+      </a:schemeClr>
+    </dgm:fillClrLst>
+    <dgm:linClrLst meth="repeat">
+      <a:schemeClr val="accent1"/>
+    </dgm:linClrLst>
+    <dgm:effectClrLst/>
+    <dgm:txLinClrLst/>
+    <dgm:txFillClrLst meth="repeat">
+      <a:schemeClr val="dk1"/>
+    </dgm:txFillClrLst>
+    <dgm:txEffectClrLst/>
+  </dgm:styleLbl>
+  <dgm:styleLbl name="bgAcc1">
+    <dgm:fillClrLst meth="repeat">
+      <a:schemeClr val="lt1">
+        <a:alpha val="90000"/>
+      </a:schemeClr>
+    </dgm:fillClrLst>
+    <dgm:linClrLst meth="repeat">
+      <a:schemeClr val="accent1"/>
+    </dgm:linClrLst>
+    <dgm:effectClrLst/>
+    <dgm:txLinClrLst/>
+    <dgm:txFillClrLst meth="repeat">
+      <a:schemeClr val="dk1"/>
+    </dgm:txFillClrLst>
+    <dgm:txEffectClrLst/>
+  </dgm:styleLbl>
+  <dgm:styleLbl name="solidFgAcc1">
+    <dgm:fillClrLst meth="repeat">
+      <a:schemeClr val="lt1"/>
+    </dgm:fillClrLst>
+    <dgm:linClrLst meth="repeat">
+      <a:schemeClr val="accent1"/>
+    </dgm:linClrLst>
+    <dgm:effectClrLst/>
+    <dgm:txLinClrLst/>
+    <dgm:txFillClrLst meth="repeat">
+      <a:schemeClr val="dk1"/>
+    </dgm:txFillClrLst>
+    <dgm:txEffectClrLst/>
+  </dgm:styleLbl>
+  <dgm:styleLbl name="solidAlignAcc1">
+    <dgm:fillClrLst meth="repeat">
+      <a:schemeClr val="lt1"/>
+    </dgm:fillClrLst>
+    <dgm:linClrLst meth="repeat">
+      <a:schemeClr val="accent1"/>
+    </dgm:linClrLst>
+    <dgm:effectClrLst/>
+    <dgm:txLinClrLst/>
+    <dgm:txFillClrLst meth="repeat">
+      <a:schemeClr val="dk1"/>
+    </dgm:txFillClrLst>
+    <dgm:txEffectClrLst/>
+  </dgm:styleLbl>
+  <dgm:styleLbl name="solidBgAcc1">
+    <dgm:fillClrLst meth="repeat">
+      <a:schemeClr val="lt1"/>
+    </dgm:fillClrLst>
+    <dgm:linClrLst meth="repeat">
+      <a:schemeClr val="accent1"/>
+    </dgm:linClrLst>
+    <dgm:effectClrLst/>
+    <dgm:txLinClrLst/>
+    <dgm:txFillClrLst meth="repeat">
+      <a:schemeClr val="dk1"/>
+    </dgm:txFillClrLst>
+    <dgm:txEffectClrLst/>
+  </dgm:styleLbl>
+  <dgm:styleLbl name="fgAccFollowNode1">
+    <dgm:fillClrLst meth="repeat">
+      <a:schemeClr val="accent1">
+        <a:alpha val="90000"/>
+        <a:tint val="40000"/>
+      </a:schemeClr>
+    </dgm:fillClrLst>
+    <dgm:linClrLst meth="repeat">
+      <a:schemeClr val="accent1">
+        <a:alpha val="90000"/>
+        <a:tint val="40000"/>
+      </a:schemeClr>
+    </dgm:linClrLst>
+    <dgm:effectClrLst/>
+    <dgm:txLinClrLst/>
+    <dgm:txFillClrLst meth="repeat">
+      <a:schemeClr val="dk1"/>
+    </dgm:txFillClrLst>
+    <dgm:txEffectClrLst/>
+  </dgm:styleLbl>
+  <dgm:styleLbl name="alignAccFollowNode1">
+    <dgm:fillClrLst meth="repeat">
+      <a:schemeClr val="accent1">
+        <a:alpha val="90000"/>
+        <a:tint val="40000"/>
+      </a:schemeClr>
+    </dgm:fillClrLst>
+    <dgm:linClrLst meth="repeat">
+      <a:schemeClr val="accent1">
+        <a:alpha val="90000"/>
+        <a:tint val="40000"/>
+      </a:schemeClr>
+    </dgm:linClrLst>
+    <dgm:effectClrLst/>
+    <dgm:txLinClrLst/>
+    <dgm:txFillClrLst meth="repeat">
+      <a:schemeClr val="dk1"/>
+    </dgm:txFillClrLst>
+    <dgm:txEffectClrLst/>
+  </dgm:styleLbl>
+  <dgm:styleLbl name="bgAccFollowNode1">
+    <dgm:fillClrLst meth="repeat">
+      <a:schemeClr val="accent1">
+        <a:alpha val="90000"/>
+        <a:tint val="40000"/>
+      </a:schemeClr>
+    </dgm:fillClrLst>
+    <dgm:linClrLst meth="repeat">
+      <a:schemeClr val="accent1">
+        <a:alpha val="90000"/>
+        <a:tint val="40000"/>
+      </a:schemeClr>
+    </dgm:linClrLst>
+    <dgm:effectClrLst/>
+    <dgm:txLinClrLst/>
+    <dgm:txFillClrLst meth="repeat">
+      <a:schemeClr val="dk1"/>
+    </dgm:txFillClrLst>
+    <dgm:txEffectClrLst/>
+  </dgm:styleLbl>
+  <dgm:styleLbl name="fgAcc0">
+    <dgm:fillClrLst meth="repeat">
+      <a:schemeClr val="lt1">
+        <a:alpha val="90000"/>
+      </a:schemeClr>
+    </dgm:fillClrLst>
+    <dgm:linClrLst meth="repeat">
+      <a:schemeClr val="accent1"/>
+    </dgm:linClrLst>
+    <dgm:effectClrLst/>
+    <dgm:txLinClrLst/>
+    <dgm:txFillClrLst meth="repeat">
+      <a:schemeClr val="dk1"/>
+    </dgm:txFillClrLst>
+    <dgm:txEffectClrLst/>
+  </dgm:styleLbl>
+  <dgm:styleLbl name="fgAcc2">
+    <dgm:fillClrLst meth="repeat">
+      <a:schemeClr val="lt1">
+        <a:alpha val="90000"/>
+      </a:schemeClr>
+    </dgm:fillClrLst>
+    <dgm:linClrLst meth="repeat">
+      <a:schemeClr val="accent1"/>
+    </dgm:linClrLst>
+    <dgm:effectClrLst/>
+    <dgm:txLinClrLst/>
+    <dgm:txFillClrLst meth="repeat">
+      <a:schemeClr val="dk1"/>
+    </dgm:txFillClrLst>
+    <dgm:txEffectClrLst/>
+  </dgm:styleLbl>
+  <dgm:styleLbl name="fgAcc3">
+    <dgm:fillClrLst meth="repeat">
+      <a:schemeClr val="lt1">
+        <a:alpha val="90000"/>
+      </a:schemeClr>
+    </dgm:fillClrLst>
+    <dgm:linClrLst meth="repeat">
+      <a:schemeClr val="accent1"/>
+    </dgm:linClrLst>
+    <dgm:effectClrLst/>
+    <dgm:txLinClrLst/>
+    <dgm:txFillClrLst meth="repeat">
+      <a:schemeClr val="dk1"/>
+    </dgm:txFillClrLst>
+    <dgm:txEffectClrLst/>
+  </dgm:styleLbl>
+  <dgm:styleLbl name="fgAcc4">
+    <dgm:fillClrLst meth="repeat">
+      <a:schemeClr val="lt1">
+        <a:alpha val="90000"/>
+      </a:schemeClr>
+    </dgm:fillClrLst>
+    <dgm:linClrLst meth="repeat">
+      <a:schemeClr val="accent1"/>
+    </dgm:linClrLst>
+    <dgm:effectClrLst/>
+    <dgm:txLinClrLst/>
+    <dgm:txFillClrLst meth="repeat">
+      <a:schemeClr val="dk1"/>
+    </dgm:txFillClrLst>
+    <dgm:txEffectClrLst/>
+  </dgm:styleLbl>
+  <dgm:styleLbl name="bgShp">
+    <dgm:fillClrLst meth="repeat">
+      <a:schemeClr val="accent1">
+        <a:tint val="40000"/>
+      </a:schemeClr>
+    </dgm:fillClrLst>
+    <dgm:linClrLst meth="repeat">
+      <a:schemeClr val="accent1"/>
+    </dgm:linClrLst>
+    <dgm:effectClrLst/>
+    <dgm:txLinClrLst/>
+    <dgm:txFillClrLst meth="repeat">
+      <a:schemeClr val="dk1"/>
+    </dgm:txFillClrLst>
+    <dgm:txEffectClrLst/>
+  </dgm:styleLbl>
+  <dgm:styleLbl name="dkBgShp">
+    <dgm:fillClrLst meth="repeat">
+      <a:schemeClr val="accent1">
+        <a:shade val="80000"/>
+      </a:schemeClr>
+    </dgm:fillClrLst>
+    <dgm:linClrLst meth="repeat">
+      <a:schemeClr val="accent1"/>
+    </dgm:linClrLst>
+    <dgm:effectClrLst/>
+    <dgm:txLinClrLst/>
+    <dgm:txFillClrLst meth="repeat">
+      <a:schemeClr val="lt1"/>
+    </dgm:txFillClrLst>
+    <dgm:txEffectClrLst/>
+  </dgm:styleLbl>
+  <dgm:styleLbl name="trBgShp">
+    <dgm:fillClrLst meth="repeat">
+      <a:schemeClr val="accent1">
+        <a:tint val="50000"/>
+        <a:alpha val="40000"/>
+      </a:schemeClr>
+    </dgm:fillClrLst>
+    <dgm:linClrLst meth="repeat">
+      <a:schemeClr val="accent1"/>
+    </dgm:linClrLst>
+    <dgm:effectClrLst/>
+    <dgm:txLinClrLst/>
+    <dgm:txFillClrLst meth="repeat">
+      <a:schemeClr val="lt1"/>
+    </dgm:txFillClrLst>
+    <dgm:txEffectClrLst/>
+  </dgm:styleLbl>
+  <dgm:styleLbl name="fgShp">
+    <dgm:fillClrLst meth="repeat">
+      <a:schemeClr val="accent1">
+        <a:tint val="60000"/>
+      </a:schemeClr>
+    </dgm:fillClrLst>
+    <dgm:linClrLst meth="repeat">
+      <a:schemeClr val="lt1"/>
+    </dgm:linClrLst>
+    <dgm:effectClrLst/>
+    <dgm:txLinClrLst/>
+    <dgm:txFillClrLst meth="repeat">
+      <a:schemeClr val="dk1"/>
+    </dgm:txFillClrLst>
+    <dgm:txEffectClrLst/>
+  </dgm:styleLbl>
+  <dgm:styleLbl name="revTx">
+    <dgm:fillClrLst meth="repeat">
+      <a:schemeClr val="lt1">
+        <a:alpha val="0"/>
+      </a:schemeClr>
+    </dgm:fillClrLst>
+    <dgm:linClrLst meth="repeat">
+      <a:schemeClr val="dk1">
+        <a:alpha val="0"/>
+      </a:schemeClr>
+    </dgm:linClrLst>
+    <dgm:effectClrLst/>
+    <dgm:txLinClrLst/>
+    <dgm:txFillClrLst meth="repeat">
+      <a:schemeClr val="tx1"/>
+    </dgm:txFillClrLst>
+    <dgm:txEffectClrLst/>
+  </dgm:styleLbl>
+</dgm:colorsDef>
+</file>
+
 <file path=ppt/diagrams/data1.xml><?xml version="1.0" encoding="utf-8"?>
 <dgm:dataModel xmlns:dgm="http://schemas.openxmlformats.org/drawingml/2006/diagram" xmlns:a="http://schemas.openxmlformats.org/drawingml/2006/main">
   <dgm:ptLst>
-    <dgm:pt modelId="{D29D8A3D-BE99-4936-BF2D-4BE2B4C8294E}" type="doc">
-      <dgm:prSet loTypeId="urn:microsoft.com/office/officeart/2005/8/layout/cycle5" loCatId="cycle" qsTypeId="urn:microsoft.com/office/officeart/2005/8/quickstyle/simple1" qsCatId="simple" csTypeId="urn:microsoft.com/office/officeart/2005/8/colors/accent1_2" csCatId="accent1" phldr="1"/>
+    <dgm:pt modelId="{596AD02C-1F93-4742-AC8C-8497D90C194C}" type="doc">
+      <dgm:prSet loTypeId="urn:microsoft.com/office/officeart/2005/8/layout/hProcess10" loCatId="process" qsTypeId="urn:microsoft.com/office/officeart/2005/8/quickstyle/simple1" qsCatId="simple" csTypeId="urn:microsoft.com/office/officeart/2005/8/colors/accent1_2" csCatId="accent1" phldr="1"/>
       <dgm:spPr/>
       <dgm:t>
         <a:bodyPr/>
@@ -878,7 +2373,7 @@
         </a:p>
       </dgm:t>
     </dgm:pt>
-    <dgm:pt modelId="{2D49F7EB-0A44-4377-8BCD-F2959ADBDCF0}">
+    <dgm:pt modelId="{29EEB783-64C7-4C8D-BD69-0F8603086ABD}">
       <dgm:prSet phldrT="[Texto]"/>
       <dgm:spPr/>
       <dgm:t>
@@ -893,7 +2388,7 @@
         </a:p>
       </dgm:t>
     </dgm:pt>
-    <dgm:pt modelId="{FE955194-9103-43ED-8C37-DF6FCB7EC35A}" type="parTrans" cxnId="{6E15A94A-3AAC-49BF-9AF0-D216C1964150}">
+    <dgm:pt modelId="{0BFE7F49-5EDA-48F9-A2FC-4AEE3582129D}" type="parTrans" cxnId="{B2177D0C-B7D0-4FD6-9BB4-31A346C1F711}">
       <dgm:prSet/>
       <dgm:spPr/>
       <dgm:t>
@@ -904,7 +2399,7 @@
         </a:p>
       </dgm:t>
     </dgm:pt>
-    <dgm:pt modelId="{49663F29-AD21-4EFD-AA2D-C419E74F0A33}" type="sibTrans" cxnId="{6E15A94A-3AAC-49BF-9AF0-D216C1964150}">
+    <dgm:pt modelId="{497FCB64-7FE4-4BCC-96F3-CA693717CC9E}" type="sibTrans" cxnId="{B2177D0C-B7D0-4FD6-9BB4-31A346C1F711}">
       <dgm:prSet/>
       <dgm:spPr/>
       <dgm:t>
@@ -915,7 +2410,7 @@
         </a:p>
       </dgm:t>
     </dgm:pt>
-    <dgm:pt modelId="{6EF85EBB-734A-4B7A-8D65-D094B7E43070}">
+    <dgm:pt modelId="{4A421E73-C1B8-4C16-8D73-1A9E39F048B9}">
       <dgm:prSet phldrT="[Texto]"/>
       <dgm:spPr/>
       <dgm:t>
@@ -930,7 +2425,7 @@
         </a:p>
       </dgm:t>
     </dgm:pt>
-    <dgm:pt modelId="{4072753C-C5B3-428C-BB4F-0CB4476BF4FE}" type="parTrans" cxnId="{C136F3DA-9BDE-4614-B806-C3D8CEE821F2}">
+    <dgm:pt modelId="{469F059F-F324-4A28-877F-2AD935073B17}" type="parTrans" cxnId="{A85DB1F4-13CF-4420-8DC3-9F801671CAAA}">
       <dgm:prSet/>
       <dgm:spPr/>
       <dgm:t>
@@ -941,7 +2436,7 @@
         </a:p>
       </dgm:t>
     </dgm:pt>
-    <dgm:pt modelId="{08649474-CC22-4C4A-9D83-6DDF0DFCB530}" type="sibTrans" cxnId="{C136F3DA-9BDE-4614-B806-C3D8CEE821F2}">
+    <dgm:pt modelId="{103C4F4C-FB2F-496B-A1FC-715428B079AF}" type="sibTrans" cxnId="{A85DB1F4-13CF-4420-8DC3-9F801671CAAA}">
       <dgm:prSet/>
       <dgm:spPr/>
       <dgm:t>
@@ -952,81 +2447,7 @@
         </a:p>
       </dgm:t>
     </dgm:pt>
-    <dgm:pt modelId="{27DAC954-2044-42E3-9BA3-1CDCF67EA56E}">
-      <dgm:prSet phldrT="[Texto]"/>
-      <dgm:spPr/>
-      <dgm:t>
-        <a:bodyPr/>
-        <a:lstStyle/>
-        <a:p>
-          <a:r>
-            <a:rPr lang="pt-BR" dirty="0" smtClean="0"/>
-            <a:t>Testar se após a conclusão de cadastro o usuário recebe suas informações corretamente.</a:t>
-          </a:r>
-          <a:endParaRPr lang="pt-BR" dirty="0"/>
-        </a:p>
-      </dgm:t>
-    </dgm:pt>
-    <dgm:pt modelId="{2C1B8019-86DD-4419-BB1B-D104FB000E31}" type="sibTrans" cxnId="{936F5FA3-7730-407D-8D9A-23146DFD9643}">
-      <dgm:prSet/>
-      <dgm:spPr/>
-      <dgm:t>
-        <a:bodyPr/>
-        <a:lstStyle/>
-        <a:p>
-          <a:endParaRPr lang="pt-BR"/>
-        </a:p>
-      </dgm:t>
-    </dgm:pt>
-    <dgm:pt modelId="{303B6E5C-3E48-441C-87CC-E0B270B1871D}" type="parTrans" cxnId="{936F5FA3-7730-407D-8D9A-23146DFD9643}">
-      <dgm:prSet/>
-      <dgm:spPr/>
-      <dgm:t>
-        <a:bodyPr/>
-        <a:lstStyle/>
-        <a:p>
-          <a:endParaRPr lang="pt-BR"/>
-        </a:p>
-      </dgm:t>
-    </dgm:pt>
-    <dgm:pt modelId="{1C2886AB-A016-42AF-8375-8C4ABCF5E9EC}">
-      <dgm:prSet phldrT="[Texto]"/>
-      <dgm:spPr/>
-      <dgm:t>
-        <a:bodyPr/>
-        <a:lstStyle/>
-        <a:p>
-          <a:r>
-            <a:rPr lang="pt-BR" dirty="0" smtClean="0"/>
-            <a:t>Testar a fluidez de navegação entre as funções da aplicação Web.</a:t>
-          </a:r>
-          <a:endParaRPr lang="pt-BR" dirty="0"/>
-        </a:p>
-      </dgm:t>
-    </dgm:pt>
-    <dgm:pt modelId="{29783491-3787-4339-877E-10911F25396F}" type="sibTrans" cxnId="{1F737987-1401-4105-95E3-EA2AAAF36BC6}">
-      <dgm:prSet/>
-      <dgm:spPr/>
-      <dgm:t>
-        <a:bodyPr/>
-        <a:lstStyle/>
-        <a:p>
-          <a:endParaRPr lang="pt-BR"/>
-        </a:p>
-      </dgm:t>
-    </dgm:pt>
-    <dgm:pt modelId="{636624E0-304C-4024-91FD-5033BA3B9291}" type="parTrans" cxnId="{1F737987-1401-4105-95E3-EA2AAAF36BC6}">
-      <dgm:prSet/>
-      <dgm:spPr/>
-      <dgm:t>
-        <a:bodyPr/>
-        <a:lstStyle/>
-        <a:p>
-          <a:endParaRPr lang="pt-BR"/>
-        </a:p>
-      </dgm:t>
-    </dgm:pt>
-    <dgm:pt modelId="{E22DBDAD-1BB1-45DB-A3C6-40A97F702500}">
+    <dgm:pt modelId="{FF1A0D38-6DD6-48D6-ACB7-D22D3AB42675}">
       <dgm:prSet phldrT="[Texto]"/>
       <dgm:spPr/>
       <dgm:t>
@@ -1045,7 +2466,7 @@
         </a:p>
       </dgm:t>
     </dgm:pt>
-    <dgm:pt modelId="{F6F260D4-52FA-4A32-88C5-7A282A26EDC4}" type="sibTrans" cxnId="{58585D3D-616E-4301-8F15-7D88E20CBD36}">
+    <dgm:pt modelId="{6151453F-E0E5-4049-9425-714B1975C1FD}" type="parTrans" cxnId="{8A8E7D9A-CD7C-4774-8385-A985FB6A3DFC}">
       <dgm:prSet/>
       <dgm:spPr/>
       <dgm:t>
@@ -1056,7 +2477,7 @@
         </a:p>
       </dgm:t>
     </dgm:pt>
-    <dgm:pt modelId="{A3E1FEF6-6166-4B6C-A9B0-FB7FE895AD39}" type="parTrans" cxnId="{58585D3D-616E-4301-8F15-7D88E20CBD36}">
+    <dgm:pt modelId="{429718B5-A3D9-4849-8B39-B4885BDCF666}" type="sibTrans" cxnId="{8A8E7D9A-CD7C-4774-8385-A985FB6A3DFC}">
       <dgm:prSet/>
       <dgm:spPr/>
       <dgm:t>
@@ -1067,8 +2488,82 @@
         </a:p>
       </dgm:t>
     </dgm:pt>
-    <dgm:pt modelId="{9B9817C9-24B5-4141-A543-2DC63259C17C}" type="pres">
-      <dgm:prSet presAssocID="{D29D8A3D-BE99-4936-BF2D-4BE2B4C8294E}" presName="cycle" presStyleCnt="0">
+    <dgm:pt modelId="{BA868E7F-BBCD-45FF-AA29-6C9E2EEE6394}">
+      <dgm:prSet phldrT="[Texto]"/>
+      <dgm:spPr/>
+      <dgm:t>
+        <a:bodyPr/>
+        <a:lstStyle/>
+        <a:p>
+          <a:r>
+            <a:rPr lang="pt-BR" dirty="0" smtClean="0"/>
+            <a:t>Teste de stress de navegação entre as funções da aplicação Web.</a:t>
+          </a:r>
+          <a:endParaRPr lang="pt-BR" dirty="0"/>
+        </a:p>
+      </dgm:t>
+    </dgm:pt>
+    <dgm:pt modelId="{E9B977FA-412A-4F8A-A930-1FF95655D482}" type="parTrans" cxnId="{5AC479B3-50AF-4B96-A198-CC09D766269D}">
+      <dgm:prSet/>
+      <dgm:spPr/>
+      <dgm:t>
+        <a:bodyPr/>
+        <a:lstStyle/>
+        <a:p>
+          <a:endParaRPr lang="pt-BR"/>
+        </a:p>
+      </dgm:t>
+    </dgm:pt>
+    <dgm:pt modelId="{0972397D-F603-4E09-9C9F-17AA05733FF7}" type="sibTrans" cxnId="{5AC479B3-50AF-4B96-A198-CC09D766269D}">
+      <dgm:prSet/>
+      <dgm:spPr/>
+      <dgm:t>
+        <a:bodyPr/>
+        <a:lstStyle/>
+        <a:p>
+          <a:endParaRPr lang="pt-BR"/>
+        </a:p>
+      </dgm:t>
+    </dgm:pt>
+    <dgm:pt modelId="{DC030ACB-0383-4541-9040-FBA031E83E34}">
+      <dgm:prSet phldrT="[Texto]"/>
+      <dgm:spPr/>
+      <dgm:t>
+        <a:bodyPr/>
+        <a:lstStyle/>
+        <a:p>
+          <a:r>
+            <a:rPr lang="pt-BR" dirty="0" smtClean="0"/>
+            <a:t>Testar se após a conclusão de cadastro o usuário recebe suas informações corretamente.</a:t>
+          </a:r>
+          <a:endParaRPr lang="pt-BR" dirty="0"/>
+        </a:p>
+      </dgm:t>
+    </dgm:pt>
+    <dgm:pt modelId="{B84A5172-3255-47B1-8EE3-19D449A508B4}" type="parTrans" cxnId="{9ACF9B4E-CC91-4664-BAF0-BA19213093AD}">
+      <dgm:prSet/>
+      <dgm:spPr/>
+      <dgm:t>
+        <a:bodyPr/>
+        <a:lstStyle/>
+        <a:p>
+          <a:endParaRPr lang="pt-BR"/>
+        </a:p>
+      </dgm:t>
+    </dgm:pt>
+    <dgm:pt modelId="{1F89C39F-C830-4566-987E-E26DB8D9BBD6}" type="sibTrans" cxnId="{9ACF9B4E-CC91-4664-BAF0-BA19213093AD}">
+      <dgm:prSet/>
+      <dgm:spPr/>
+      <dgm:t>
+        <a:bodyPr/>
+        <a:lstStyle/>
+        <a:p>
+          <a:endParaRPr lang="pt-BR"/>
+        </a:p>
+      </dgm:t>
+    </dgm:pt>
+    <dgm:pt modelId="{42E7B45A-DA09-4184-876E-84EFDB4AA5FD}" type="pres">
+      <dgm:prSet presAssocID="{596AD02C-1F93-4742-AC8C-8497D90C194C}" presName="Name0" presStyleCnt="0">
         <dgm:presLayoutVars>
           <dgm:dir/>
           <dgm:resizeHandles val="exact"/>
@@ -1083,8 +2578,30 @@
         </a:p>
       </dgm:t>
     </dgm:pt>
-    <dgm:pt modelId="{368E8C2D-DB0C-4BFD-A3BD-2293FF6A357B}" type="pres">
-      <dgm:prSet presAssocID="{2D49F7EB-0A44-4377-8BCD-F2959ADBDCF0}" presName="node" presStyleLbl="node1" presStyleIdx="0" presStyleCnt="5">
+    <dgm:pt modelId="{ECA6DBE5-F220-482D-BD3D-9865C6BD0FC1}" type="pres">
+      <dgm:prSet presAssocID="{29EEB783-64C7-4C8D-BD69-0F8603086ABD}" presName="composite" presStyleCnt="0"/>
+      <dgm:spPr/>
+    </dgm:pt>
+    <dgm:pt modelId="{A428F73F-AA75-4A8D-AA29-36BF2BB3CC33}" type="pres">
+      <dgm:prSet presAssocID="{29EEB783-64C7-4C8D-BD69-0F8603086ABD}" presName="imagSh" presStyleLbl="bgImgPlace1" presStyleIdx="0" presStyleCnt="5"/>
+      <dgm:spPr>
+        <a:blipFill>
+          <a:blip xmlns:r="http://schemas.openxmlformats.org/officeDocument/2006/relationships" r:embed="rId1">
+            <a:extLst>
+              <a:ext uri="{28A0092B-C50C-407E-A947-70E740481C1C}">
+                <a14:useLocalDpi xmlns:a14="http://schemas.microsoft.com/office/drawing/2010/main" val="0"/>
+              </a:ext>
+            </a:extLst>
+          </a:blip>
+          <a:srcRect/>
+          <a:stretch>
+            <a:fillRect/>
+          </a:stretch>
+        </a:blipFill>
+      </dgm:spPr>
+    </dgm:pt>
+    <dgm:pt modelId="{65DE840F-F77B-4670-B786-236B25661145}" type="pres">
+      <dgm:prSet presAssocID="{29EEB783-64C7-4C8D-BD69-0F8603086ABD}" presName="txNode" presStyleLbl="node1" presStyleIdx="0" presStyleCnt="5">
         <dgm:presLayoutVars>
           <dgm:bulletEnabled val="1"/>
         </dgm:presLayoutVars>
@@ -1098,12 +2615,8 @@
         </a:p>
       </dgm:t>
     </dgm:pt>
-    <dgm:pt modelId="{00E06A08-9533-4A9A-B59C-E107495416F7}" type="pres">
-      <dgm:prSet presAssocID="{2D49F7EB-0A44-4377-8BCD-F2959ADBDCF0}" presName="spNode" presStyleCnt="0"/>
-      <dgm:spPr/>
-    </dgm:pt>
-    <dgm:pt modelId="{71076EE0-44A3-4805-80E2-24CD5A8E48B5}" type="pres">
-      <dgm:prSet presAssocID="{49663F29-AD21-4EFD-AA2D-C419E74F0A33}" presName="sibTrans" presStyleLbl="sibTrans1D1" presStyleIdx="0" presStyleCnt="5"/>
+    <dgm:pt modelId="{351F910D-D5B1-4243-B0EB-4B9C47CE4176}" type="pres">
+      <dgm:prSet presAssocID="{497FCB64-7FE4-4BCC-96F3-CA693717CC9E}" presName="sibTrans" presStyleLbl="sibTrans2D1" presStyleIdx="0" presStyleCnt="4"/>
       <dgm:spPr/>
       <dgm:t>
         <a:bodyPr/>
@@ -1113,8 +2626,41 @@
         </a:p>
       </dgm:t>
     </dgm:pt>
-    <dgm:pt modelId="{EBDFA3BE-07DB-49F5-8388-1DD7165DA4C1}" type="pres">
-      <dgm:prSet presAssocID="{6EF85EBB-734A-4B7A-8D65-D094B7E43070}" presName="node" presStyleLbl="node1" presStyleIdx="1" presStyleCnt="5">
+    <dgm:pt modelId="{ABEC0040-1D6C-4B03-B497-DBBB3518531C}" type="pres">
+      <dgm:prSet presAssocID="{497FCB64-7FE4-4BCC-96F3-CA693717CC9E}" presName="connTx" presStyleLbl="sibTrans2D1" presStyleIdx="0" presStyleCnt="4"/>
+      <dgm:spPr/>
+      <dgm:t>
+        <a:bodyPr/>
+        <a:lstStyle/>
+        <a:p>
+          <a:endParaRPr lang="pt-BR"/>
+        </a:p>
+      </dgm:t>
+    </dgm:pt>
+    <dgm:pt modelId="{1BAE906F-33BC-4D1C-AC43-D345113BCC6B}" type="pres">
+      <dgm:prSet presAssocID="{4A421E73-C1B8-4C16-8D73-1A9E39F048B9}" presName="composite" presStyleCnt="0"/>
+      <dgm:spPr/>
+    </dgm:pt>
+    <dgm:pt modelId="{69D5F7B0-E0D7-49A7-A67F-898A79945B5D}" type="pres">
+      <dgm:prSet presAssocID="{4A421E73-C1B8-4C16-8D73-1A9E39F048B9}" presName="imagSh" presStyleLbl="bgImgPlace1" presStyleIdx="1" presStyleCnt="5"/>
+      <dgm:spPr>
+        <a:blipFill>
+          <a:blip xmlns:r="http://schemas.openxmlformats.org/officeDocument/2006/relationships" r:embed="rId2">
+            <a:extLst>
+              <a:ext uri="{28A0092B-C50C-407E-A947-70E740481C1C}">
+                <a14:useLocalDpi xmlns:a14="http://schemas.microsoft.com/office/drawing/2010/main" val="0"/>
+              </a:ext>
+            </a:extLst>
+          </a:blip>
+          <a:srcRect/>
+          <a:stretch>
+            <a:fillRect/>
+          </a:stretch>
+        </a:blipFill>
+      </dgm:spPr>
+    </dgm:pt>
+    <dgm:pt modelId="{158AB9B2-2093-476A-BE53-D1C6D4EDB9D5}" type="pres">
+      <dgm:prSet presAssocID="{4A421E73-C1B8-4C16-8D73-1A9E39F048B9}" presName="txNode" presStyleLbl="node1" presStyleIdx="1" presStyleCnt="5">
         <dgm:presLayoutVars>
           <dgm:bulletEnabled val="1"/>
         </dgm:presLayoutVars>
@@ -1128,12 +2674,8 @@
         </a:p>
       </dgm:t>
     </dgm:pt>
-    <dgm:pt modelId="{154EA305-7A3C-4F80-9D17-4810B35C0886}" type="pres">
-      <dgm:prSet presAssocID="{6EF85EBB-734A-4B7A-8D65-D094B7E43070}" presName="spNode" presStyleCnt="0"/>
-      <dgm:spPr/>
-    </dgm:pt>
-    <dgm:pt modelId="{F23C175D-5DC7-4F94-A40A-24760AA95530}" type="pres">
-      <dgm:prSet presAssocID="{08649474-CC22-4C4A-9D83-6DDF0DFCB530}" presName="sibTrans" presStyleLbl="sibTrans1D1" presStyleIdx="1" presStyleCnt="5"/>
+    <dgm:pt modelId="{FECA5E5E-3D7D-43D0-A46A-C2BDAF5DFEF8}" type="pres">
+      <dgm:prSet presAssocID="{103C4F4C-FB2F-496B-A1FC-715428B079AF}" presName="sibTrans" presStyleLbl="sibTrans2D1" presStyleIdx="1" presStyleCnt="4"/>
       <dgm:spPr/>
       <dgm:t>
         <a:bodyPr/>
@@ -1143,8 +2685,41 @@
         </a:p>
       </dgm:t>
     </dgm:pt>
-    <dgm:pt modelId="{995CA4DA-E300-4BA1-9E61-63EA3205C482}" type="pres">
-      <dgm:prSet presAssocID="{E22DBDAD-1BB1-45DB-A3C6-40A97F702500}" presName="node" presStyleLbl="node1" presStyleIdx="2" presStyleCnt="5">
+    <dgm:pt modelId="{56882926-EB8D-481B-AEBB-704CB974743B}" type="pres">
+      <dgm:prSet presAssocID="{103C4F4C-FB2F-496B-A1FC-715428B079AF}" presName="connTx" presStyleLbl="sibTrans2D1" presStyleIdx="1" presStyleCnt="4"/>
+      <dgm:spPr/>
+      <dgm:t>
+        <a:bodyPr/>
+        <a:lstStyle/>
+        <a:p>
+          <a:endParaRPr lang="pt-BR"/>
+        </a:p>
+      </dgm:t>
+    </dgm:pt>
+    <dgm:pt modelId="{C7B18027-CFDC-416C-AD98-6CBF407B07A8}" type="pres">
+      <dgm:prSet presAssocID="{FF1A0D38-6DD6-48D6-ACB7-D22D3AB42675}" presName="composite" presStyleCnt="0"/>
+      <dgm:spPr/>
+    </dgm:pt>
+    <dgm:pt modelId="{E4B91B1E-1534-4034-AC8A-52CD7802DD95}" type="pres">
+      <dgm:prSet presAssocID="{FF1A0D38-6DD6-48D6-ACB7-D22D3AB42675}" presName="imagSh" presStyleLbl="bgImgPlace1" presStyleIdx="2" presStyleCnt="5"/>
+      <dgm:spPr>
+        <a:blipFill>
+          <a:blip xmlns:r="http://schemas.openxmlformats.org/officeDocument/2006/relationships" r:embed="rId3">
+            <a:extLst>
+              <a:ext uri="{28A0092B-C50C-407E-A947-70E740481C1C}">
+                <a14:useLocalDpi xmlns:a14="http://schemas.microsoft.com/office/drawing/2010/main" val="0"/>
+              </a:ext>
+            </a:extLst>
+          </a:blip>
+          <a:srcRect/>
+          <a:stretch>
+            <a:fillRect/>
+          </a:stretch>
+        </a:blipFill>
+      </dgm:spPr>
+    </dgm:pt>
+    <dgm:pt modelId="{256A46AB-BA06-4151-BC81-1A467179CC6E}" type="pres">
+      <dgm:prSet presAssocID="{FF1A0D38-6DD6-48D6-ACB7-D22D3AB42675}" presName="txNode" presStyleLbl="node1" presStyleIdx="2" presStyleCnt="5">
         <dgm:presLayoutVars>
           <dgm:bulletEnabled val="1"/>
         </dgm:presLayoutVars>
@@ -1158,12 +2733,8 @@
         </a:p>
       </dgm:t>
     </dgm:pt>
-    <dgm:pt modelId="{D1B11399-83EA-4087-81D7-104073E3B938}" type="pres">
-      <dgm:prSet presAssocID="{E22DBDAD-1BB1-45DB-A3C6-40A97F702500}" presName="spNode" presStyleCnt="0"/>
-      <dgm:spPr/>
-    </dgm:pt>
-    <dgm:pt modelId="{0749F7E2-46C9-4DE4-B45C-0CEA47903C59}" type="pres">
-      <dgm:prSet presAssocID="{F6F260D4-52FA-4A32-88C5-7A282A26EDC4}" presName="sibTrans" presStyleLbl="sibTrans1D1" presStyleIdx="2" presStyleCnt="5"/>
+    <dgm:pt modelId="{60C87C32-264D-474A-9B4B-17B875BD9144}" type="pres">
+      <dgm:prSet presAssocID="{429718B5-A3D9-4849-8B39-B4885BDCF666}" presName="sibTrans" presStyleLbl="sibTrans2D1" presStyleIdx="2" presStyleCnt="4"/>
       <dgm:spPr/>
       <dgm:t>
         <a:bodyPr/>
@@ -1173,8 +2744,41 @@
         </a:p>
       </dgm:t>
     </dgm:pt>
-    <dgm:pt modelId="{9D865140-78F2-4150-B794-13BD99C1FDDC}" type="pres">
-      <dgm:prSet presAssocID="{1C2886AB-A016-42AF-8375-8C4ABCF5E9EC}" presName="node" presStyleLbl="node1" presStyleIdx="3" presStyleCnt="5">
+    <dgm:pt modelId="{281F13E3-EBE2-4660-852D-8B42FD743206}" type="pres">
+      <dgm:prSet presAssocID="{429718B5-A3D9-4849-8B39-B4885BDCF666}" presName="connTx" presStyleLbl="sibTrans2D1" presStyleIdx="2" presStyleCnt="4"/>
+      <dgm:spPr/>
+      <dgm:t>
+        <a:bodyPr/>
+        <a:lstStyle/>
+        <a:p>
+          <a:endParaRPr lang="pt-BR"/>
+        </a:p>
+      </dgm:t>
+    </dgm:pt>
+    <dgm:pt modelId="{6078A033-45D8-4C36-BEC6-B0452F347478}" type="pres">
+      <dgm:prSet presAssocID="{BA868E7F-BBCD-45FF-AA29-6C9E2EEE6394}" presName="composite" presStyleCnt="0"/>
+      <dgm:spPr/>
+    </dgm:pt>
+    <dgm:pt modelId="{F6E69D25-583B-4512-8591-6B6FE3052422}" type="pres">
+      <dgm:prSet presAssocID="{BA868E7F-BBCD-45FF-AA29-6C9E2EEE6394}" presName="imagSh" presStyleLbl="bgImgPlace1" presStyleIdx="3" presStyleCnt="5"/>
+      <dgm:spPr>
+        <a:blipFill>
+          <a:blip xmlns:r="http://schemas.openxmlformats.org/officeDocument/2006/relationships" r:embed="rId4">
+            <a:extLst>
+              <a:ext uri="{28A0092B-C50C-407E-A947-70E740481C1C}">
+                <a14:useLocalDpi xmlns:a14="http://schemas.microsoft.com/office/drawing/2010/main" val="0"/>
+              </a:ext>
+            </a:extLst>
+          </a:blip>
+          <a:srcRect/>
+          <a:stretch>
+            <a:fillRect/>
+          </a:stretch>
+        </a:blipFill>
+      </dgm:spPr>
+    </dgm:pt>
+    <dgm:pt modelId="{6E0F8FFA-AE60-4274-9843-26B9784FB67D}" type="pres">
+      <dgm:prSet presAssocID="{BA868E7F-BBCD-45FF-AA29-6C9E2EEE6394}" presName="txNode" presStyleLbl="node1" presStyleIdx="3" presStyleCnt="5">
         <dgm:presLayoutVars>
           <dgm:bulletEnabled val="1"/>
         </dgm:presLayoutVars>
@@ -1188,12 +2792,8 @@
         </a:p>
       </dgm:t>
     </dgm:pt>
-    <dgm:pt modelId="{1FD3999D-B95F-4595-BF55-D2D1B30E38D1}" type="pres">
-      <dgm:prSet presAssocID="{1C2886AB-A016-42AF-8375-8C4ABCF5E9EC}" presName="spNode" presStyleCnt="0"/>
-      <dgm:spPr/>
-    </dgm:pt>
-    <dgm:pt modelId="{4EFF039D-932D-410F-8A0B-E91C1B6224F3}" type="pres">
-      <dgm:prSet presAssocID="{29783491-3787-4339-877E-10911F25396F}" presName="sibTrans" presStyleLbl="sibTrans1D1" presStyleIdx="3" presStyleCnt="5"/>
+    <dgm:pt modelId="{790AB561-B2A6-499E-9BB7-924558EE33E5}" type="pres">
+      <dgm:prSet presAssocID="{0972397D-F603-4E09-9C9F-17AA05733FF7}" presName="sibTrans" presStyleLbl="sibTrans2D1" presStyleIdx="3" presStyleCnt="4"/>
       <dgm:spPr/>
       <dgm:t>
         <a:bodyPr/>
@@ -1203,8 +2803,41 @@
         </a:p>
       </dgm:t>
     </dgm:pt>
-    <dgm:pt modelId="{B03DAA97-F9E0-45A6-89EE-B695A36292D5}" type="pres">
-      <dgm:prSet presAssocID="{27DAC954-2044-42E3-9BA3-1CDCF67EA56E}" presName="node" presStyleLbl="node1" presStyleIdx="4" presStyleCnt="5">
+    <dgm:pt modelId="{691ECBDE-243E-4154-9C19-D89504AD23A3}" type="pres">
+      <dgm:prSet presAssocID="{0972397D-F603-4E09-9C9F-17AA05733FF7}" presName="connTx" presStyleLbl="sibTrans2D1" presStyleIdx="3" presStyleCnt="4"/>
+      <dgm:spPr/>
+      <dgm:t>
+        <a:bodyPr/>
+        <a:lstStyle/>
+        <a:p>
+          <a:endParaRPr lang="pt-BR"/>
+        </a:p>
+      </dgm:t>
+    </dgm:pt>
+    <dgm:pt modelId="{FEC03CE5-8BEF-4D28-9BAF-CFB7FF151D81}" type="pres">
+      <dgm:prSet presAssocID="{DC030ACB-0383-4541-9040-FBA031E83E34}" presName="composite" presStyleCnt="0"/>
+      <dgm:spPr/>
+    </dgm:pt>
+    <dgm:pt modelId="{ACA43685-E356-4065-8C5B-486B768A1C7A}" type="pres">
+      <dgm:prSet presAssocID="{DC030ACB-0383-4541-9040-FBA031E83E34}" presName="imagSh" presStyleLbl="bgImgPlace1" presStyleIdx="4" presStyleCnt="5"/>
+      <dgm:spPr>
+        <a:blipFill>
+          <a:blip xmlns:r="http://schemas.openxmlformats.org/officeDocument/2006/relationships" r:embed="rId5">
+            <a:extLst>
+              <a:ext uri="{28A0092B-C50C-407E-A947-70E740481C1C}">
+                <a14:useLocalDpi xmlns:a14="http://schemas.microsoft.com/office/drawing/2010/main" val="0"/>
+              </a:ext>
+            </a:extLst>
+          </a:blip>
+          <a:srcRect/>
+          <a:stretch>
+            <a:fillRect/>
+          </a:stretch>
+        </a:blipFill>
+      </dgm:spPr>
+    </dgm:pt>
+    <dgm:pt modelId="{53D70CC0-9405-4FF3-8C28-7B9FC835DE10}" type="pres">
+      <dgm:prSet presAssocID="{DC030ACB-0383-4541-9040-FBA031E83E34}" presName="txNode" presStyleLbl="node1" presStyleIdx="4" presStyleCnt="5">
         <dgm:presLayoutVars>
           <dgm:bulletEnabled val="1"/>
         </dgm:presLayoutVars>
@@ -1218,12 +2851,232 @@
         </a:p>
       </dgm:t>
     </dgm:pt>
-    <dgm:pt modelId="{0409535D-B0F5-4C7E-AB19-C1257642AE11}" type="pres">
-      <dgm:prSet presAssocID="{27DAC954-2044-42E3-9BA3-1CDCF67EA56E}" presName="spNode" presStyleCnt="0"/>
+  </dgm:ptLst>
+  <dgm:cxnLst>
+    <dgm:cxn modelId="{5AC479B3-50AF-4B96-A198-CC09D766269D}" srcId="{596AD02C-1F93-4742-AC8C-8497D90C194C}" destId="{BA868E7F-BBCD-45FF-AA29-6C9E2EEE6394}" srcOrd="3" destOrd="0" parTransId="{E9B977FA-412A-4F8A-A930-1FF95655D482}" sibTransId="{0972397D-F603-4E09-9C9F-17AA05733FF7}"/>
+    <dgm:cxn modelId="{2F91E27D-43E1-4015-BAAB-45458F2ADAB1}" type="presOf" srcId="{103C4F4C-FB2F-496B-A1FC-715428B079AF}" destId="{56882926-EB8D-481B-AEBB-704CB974743B}" srcOrd="1" destOrd="0" presId="urn:microsoft.com/office/officeart/2005/8/layout/hProcess10"/>
+    <dgm:cxn modelId="{2C8FF91C-AA73-44D3-A02A-6E6E6DDA9685}" type="presOf" srcId="{FF1A0D38-6DD6-48D6-ACB7-D22D3AB42675}" destId="{256A46AB-BA06-4151-BC81-1A467179CC6E}" srcOrd="0" destOrd="0" presId="urn:microsoft.com/office/officeart/2005/8/layout/hProcess10"/>
+    <dgm:cxn modelId="{9ACF9B4E-CC91-4664-BAF0-BA19213093AD}" srcId="{596AD02C-1F93-4742-AC8C-8497D90C194C}" destId="{DC030ACB-0383-4541-9040-FBA031E83E34}" srcOrd="4" destOrd="0" parTransId="{B84A5172-3255-47B1-8EE3-19D449A508B4}" sibTransId="{1F89C39F-C830-4566-987E-E26DB8D9BBD6}"/>
+    <dgm:cxn modelId="{2B904834-5479-445F-9EE6-E12B6C9C5F5F}" type="presOf" srcId="{0972397D-F603-4E09-9C9F-17AA05733FF7}" destId="{790AB561-B2A6-499E-9BB7-924558EE33E5}" srcOrd="0" destOrd="0" presId="urn:microsoft.com/office/officeart/2005/8/layout/hProcess10"/>
+    <dgm:cxn modelId="{594F2E9C-BD32-4E6A-AB1B-1E95BECD03B6}" type="presOf" srcId="{497FCB64-7FE4-4BCC-96F3-CA693717CC9E}" destId="{351F910D-D5B1-4243-B0EB-4B9C47CE4176}" srcOrd="0" destOrd="0" presId="urn:microsoft.com/office/officeart/2005/8/layout/hProcess10"/>
+    <dgm:cxn modelId="{8A8E7D9A-CD7C-4774-8385-A985FB6A3DFC}" srcId="{596AD02C-1F93-4742-AC8C-8497D90C194C}" destId="{FF1A0D38-6DD6-48D6-ACB7-D22D3AB42675}" srcOrd="2" destOrd="0" parTransId="{6151453F-E0E5-4049-9425-714B1975C1FD}" sibTransId="{429718B5-A3D9-4849-8B39-B4885BDCF666}"/>
+    <dgm:cxn modelId="{6B299B1B-8078-478D-A8A0-8A05F69A52A4}" type="presOf" srcId="{DC030ACB-0383-4541-9040-FBA031E83E34}" destId="{53D70CC0-9405-4FF3-8C28-7B9FC835DE10}" srcOrd="0" destOrd="0" presId="urn:microsoft.com/office/officeart/2005/8/layout/hProcess10"/>
+    <dgm:cxn modelId="{874DF7FC-A186-4348-AD7A-44F51BB60F48}" type="presOf" srcId="{4A421E73-C1B8-4C16-8D73-1A9E39F048B9}" destId="{158AB9B2-2093-476A-BE53-D1C6D4EDB9D5}" srcOrd="0" destOrd="0" presId="urn:microsoft.com/office/officeart/2005/8/layout/hProcess10"/>
+    <dgm:cxn modelId="{613AF060-2EF6-465B-B9FA-734EF7CBED2C}" type="presOf" srcId="{596AD02C-1F93-4742-AC8C-8497D90C194C}" destId="{42E7B45A-DA09-4184-876E-84EFDB4AA5FD}" srcOrd="0" destOrd="0" presId="urn:microsoft.com/office/officeart/2005/8/layout/hProcess10"/>
+    <dgm:cxn modelId="{B2177D0C-B7D0-4FD6-9BB4-31A346C1F711}" srcId="{596AD02C-1F93-4742-AC8C-8497D90C194C}" destId="{29EEB783-64C7-4C8D-BD69-0F8603086ABD}" srcOrd="0" destOrd="0" parTransId="{0BFE7F49-5EDA-48F9-A2FC-4AEE3582129D}" sibTransId="{497FCB64-7FE4-4BCC-96F3-CA693717CC9E}"/>
+    <dgm:cxn modelId="{915AECE2-3CD6-42D3-AF33-91E4B07F89B5}" type="presOf" srcId="{429718B5-A3D9-4849-8B39-B4885BDCF666}" destId="{281F13E3-EBE2-4660-852D-8B42FD743206}" srcOrd="1" destOrd="0" presId="urn:microsoft.com/office/officeart/2005/8/layout/hProcess10"/>
+    <dgm:cxn modelId="{A28E9F00-8F82-4A91-A4A2-53025318505C}" type="presOf" srcId="{429718B5-A3D9-4849-8B39-B4885BDCF666}" destId="{60C87C32-264D-474A-9B4B-17B875BD9144}" srcOrd="0" destOrd="0" presId="urn:microsoft.com/office/officeart/2005/8/layout/hProcess10"/>
+    <dgm:cxn modelId="{7B88FBF1-B539-455E-AA96-7322C4D687AA}" type="presOf" srcId="{29EEB783-64C7-4C8D-BD69-0F8603086ABD}" destId="{65DE840F-F77B-4670-B786-236B25661145}" srcOrd="0" destOrd="0" presId="urn:microsoft.com/office/officeart/2005/8/layout/hProcess10"/>
+    <dgm:cxn modelId="{77A1F796-B71D-4FD3-B072-10B8B67F4755}" type="presOf" srcId="{0972397D-F603-4E09-9C9F-17AA05733FF7}" destId="{691ECBDE-243E-4154-9C19-D89504AD23A3}" srcOrd="1" destOrd="0" presId="urn:microsoft.com/office/officeart/2005/8/layout/hProcess10"/>
+    <dgm:cxn modelId="{A85DB1F4-13CF-4420-8DC3-9F801671CAAA}" srcId="{596AD02C-1F93-4742-AC8C-8497D90C194C}" destId="{4A421E73-C1B8-4C16-8D73-1A9E39F048B9}" srcOrd="1" destOrd="0" parTransId="{469F059F-F324-4A28-877F-2AD935073B17}" sibTransId="{103C4F4C-FB2F-496B-A1FC-715428B079AF}"/>
+    <dgm:cxn modelId="{31ACC051-8E2D-4AE1-881F-BD3A5D3594C7}" type="presOf" srcId="{BA868E7F-BBCD-45FF-AA29-6C9E2EEE6394}" destId="{6E0F8FFA-AE60-4274-9843-26B9784FB67D}" srcOrd="0" destOrd="0" presId="urn:microsoft.com/office/officeart/2005/8/layout/hProcess10"/>
+    <dgm:cxn modelId="{0DF1F891-C9FF-41E1-B97D-A4BBC881C35E}" type="presOf" srcId="{497FCB64-7FE4-4BCC-96F3-CA693717CC9E}" destId="{ABEC0040-1D6C-4B03-B497-DBBB3518531C}" srcOrd="1" destOrd="0" presId="urn:microsoft.com/office/officeart/2005/8/layout/hProcess10"/>
+    <dgm:cxn modelId="{7CFDA2AE-29BC-48EA-BDE2-0ECA7AFAB80D}" type="presOf" srcId="{103C4F4C-FB2F-496B-A1FC-715428B079AF}" destId="{FECA5E5E-3D7D-43D0-A46A-C2BDAF5DFEF8}" srcOrd="0" destOrd="0" presId="urn:microsoft.com/office/officeart/2005/8/layout/hProcess10"/>
+    <dgm:cxn modelId="{23B4A69F-2E69-418F-A960-9F049C45155E}" type="presParOf" srcId="{42E7B45A-DA09-4184-876E-84EFDB4AA5FD}" destId="{ECA6DBE5-F220-482D-BD3D-9865C6BD0FC1}" srcOrd="0" destOrd="0" presId="urn:microsoft.com/office/officeart/2005/8/layout/hProcess10"/>
+    <dgm:cxn modelId="{93CC7FDA-D030-486E-8A44-04AC25669872}" type="presParOf" srcId="{ECA6DBE5-F220-482D-BD3D-9865C6BD0FC1}" destId="{A428F73F-AA75-4A8D-AA29-36BF2BB3CC33}" srcOrd="0" destOrd="0" presId="urn:microsoft.com/office/officeart/2005/8/layout/hProcess10"/>
+    <dgm:cxn modelId="{905E7739-AF75-460D-9F81-A74992E9F8C3}" type="presParOf" srcId="{ECA6DBE5-F220-482D-BD3D-9865C6BD0FC1}" destId="{65DE840F-F77B-4670-B786-236B25661145}" srcOrd="1" destOrd="0" presId="urn:microsoft.com/office/officeart/2005/8/layout/hProcess10"/>
+    <dgm:cxn modelId="{5753C00E-6235-4EB0-8CDF-D1F87AE77C69}" type="presParOf" srcId="{42E7B45A-DA09-4184-876E-84EFDB4AA5FD}" destId="{351F910D-D5B1-4243-B0EB-4B9C47CE4176}" srcOrd="1" destOrd="0" presId="urn:microsoft.com/office/officeart/2005/8/layout/hProcess10"/>
+    <dgm:cxn modelId="{857145F1-27B8-40FA-B638-122C907CC3AF}" type="presParOf" srcId="{351F910D-D5B1-4243-B0EB-4B9C47CE4176}" destId="{ABEC0040-1D6C-4B03-B497-DBBB3518531C}" srcOrd="0" destOrd="0" presId="urn:microsoft.com/office/officeart/2005/8/layout/hProcess10"/>
+    <dgm:cxn modelId="{C183DADC-B9D2-4788-BB62-397EEE73937A}" type="presParOf" srcId="{42E7B45A-DA09-4184-876E-84EFDB4AA5FD}" destId="{1BAE906F-33BC-4D1C-AC43-D345113BCC6B}" srcOrd="2" destOrd="0" presId="urn:microsoft.com/office/officeart/2005/8/layout/hProcess10"/>
+    <dgm:cxn modelId="{72BCB3FC-7991-42D8-BB0E-12AA9C49AD8C}" type="presParOf" srcId="{1BAE906F-33BC-4D1C-AC43-D345113BCC6B}" destId="{69D5F7B0-E0D7-49A7-A67F-898A79945B5D}" srcOrd="0" destOrd="0" presId="urn:microsoft.com/office/officeart/2005/8/layout/hProcess10"/>
+    <dgm:cxn modelId="{AFC68625-A093-436C-83BA-46806E0CD7CC}" type="presParOf" srcId="{1BAE906F-33BC-4D1C-AC43-D345113BCC6B}" destId="{158AB9B2-2093-476A-BE53-D1C6D4EDB9D5}" srcOrd="1" destOrd="0" presId="urn:microsoft.com/office/officeart/2005/8/layout/hProcess10"/>
+    <dgm:cxn modelId="{7C24E4D8-4846-467B-80F0-F9AC6CF27171}" type="presParOf" srcId="{42E7B45A-DA09-4184-876E-84EFDB4AA5FD}" destId="{FECA5E5E-3D7D-43D0-A46A-C2BDAF5DFEF8}" srcOrd="3" destOrd="0" presId="urn:microsoft.com/office/officeart/2005/8/layout/hProcess10"/>
+    <dgm:cxn modelId="{958A6B17-52E5-447C-BF21-490A3C3A94E8}" type="presParOf" srcId="{FECA5E5E-3D7D-43D0-A46A-C2BDAF5DFEF8}" destId="{56882926-EB8D-481B-AEBB-704CB974743B}" srcOrd="0" destOrd="0" presId="urn:microsoft.com/office/officeart/2005/8/layout/hProcess10"/>
+    <dgm:cxn modelId="{2F9375ED-54B3-4025-A357-4B2C19CFE097}" type="presParOf" srcId="{42E7B45A-DA09-4184-876E-84EFDB4AA5FD}" destId="{C7B18027-CFDC-416C-AD98-6CBF407B07A8}" srcOrd="4" destOrd="0" presId="urn:microsoft.com/office/officeart/2005/8/layout/hProcess10"/>
+    <dgm:cxn modelId="{65076A5E-BB6B-4828-A333-E67FB83007E6}" type="presParOf" srcId="{C7B18027-CFDC-416C-AD98-6CBF407B07A8}" destId="{E4B91B1E-1534-4034-AC8A-52CD7802DD95}" srcOrd="0" destOrd="0" presId="urn:microsoft.com/office/officeart/2005/8/layout/hProcess10"/>
+    <dgm:cxn modelId="{08990094-943D-474D-A354-E8F99CB59D5F}" type="presParOf" srcId="{C7B18027-CFDC-416C-AD98-6CBF407B07A8}" destId="{256A46AB-BA06-4151-BC81-1A467179CC6E}" srcOrd="1" destOrd="0" presId="urn:microsoft.com/office/officeart/2005/8/layout/hProcess10"/>
+    <dgm:cxn modelId="{027324BF-900A-490B-B644-E0D812327AAE}" type="presParOf" srcId="{42E7B45A-DA09-4184-876E-84EFDB4AA5FD}" destId="{60C87C32-264D-474A-9B4B-17B875BD9144}" srcOrd="5" destOrd="0" presId="urn:microsoft.com/office/officeart/2005/8/layout/hProcess10"/>
+    <dgm:cxn modelId="{B23B6195-9B89-415F-A2DD-B683E937F0EF}" type="presParOf" srcId="{60C87C32-264D-474A-9B4B-17B875BD9144}" destId="{281F13E3-EBE2-4660-852D-8B42FD743206}" srcOrd="0" destOrd="0" presId="urn:microsoft.com/office/officeart/2005/8/layout/hProcess10"/>
+    <dgm:cxn modelId="{5F70AFD6-192B-4D95-A7CA-44C48592CFFD}" type="presParOf" srcId="{42E7B45A-DA09-4184-876E-84EFDB4AA5FD}" destId="{6078A033-45D8-4C36-BEC6-B0452F347478}" srcOrd="6" destOrd="0" presId="urn:microsoft.com/office/officeart/2005/8/layout/hProcess10"/>
+    <dgm:cxn modelId="{6623822D-DE08-4754-AD47-85D381FCACEA}" type="presParOf" srcId="{6078A033-45D8-4C36-BEC6-B0452F347478}" destId="{F6E69D25-583B-4512-8591-6B6FE3052422}" srcOrd="0" destOrd="0" presId="urn:microsoft.com/office/officeart/2005/8/layout/hProcess10"/>
+    <dgm:cxn modelId="{ABDCAB27-EE0B-4B7A-960A-AB4A35664A67}" type="presParOf" srcId="{6078A033-45D8-4C36-BEC6-B0452F347478}" destId="{6E0F8FFA-AE60-4274-9843-26B9784FB67D}" srcOrd="1" destOrd="0" presId="urn:microsoft.com/office/officeart/2005/8/layout/hProcess10"/>
+    <dgm:cxn modelId="{0CB28892-9340-47E3-AA19-EFB2BA882035}" type="presParOf" srcId="{42E7B45A-DA09-4184-876E-84EFDB4AA5FD}" destId="{790AB561-B2A6-499E-9BB7-924558EE33E5}" srcOrd="7" destOrd="0" presId="urn:microsoft.com/office/officeart/2005/8/layout/hProcess10"/>
+    <dgm:cxn modelId="{F955BA24-65CD-43E1-B5AC-0AF8FB7DD767}" type="presParOf" srcId="{790AB561-B2A6-499E-9BB7-924558EE33E5}" destId="{691ECBDE-243E-4154-9C19-D89504AD23A3}" srcOrd="0" destOrd="0" presId="urn:microsoft.com/office/officeart/2005/8/layout/hProcess10"/>
+    <dgm:cxn modelId="{9E081BDA-5AF3-43EC-996D-B15B781E97FD}" type="presParOf" srcId="{42E7B45A-DA09-4184-876E-84EFDB4AA5FD}" destId="{FEC03CE5-8BEF-4D28-9BAF-CFB7FF151D81}" srcOrd="8" destOrd="0" presId="urn:microsoft.com/office/officeart/2005/8/layout/hProcess10"/>
+    <dgm:cxn modelId="{68DB9C08-0D8C-438D-B7B2-7C67E4BDAA03}" type="presParOf" srcId="{FEC03CE5-8BEF-4D28-9BAF-CFB7FF151D81}" destId="{ACA43685-E356-4065-8C5B-486B768A1C7A}" srcOrd="0" destOrd="0" presId="urn:microsoft.com/office/officeart/2005/8/layout/hProcess10"/>
+    <dgm:cxn modelId="{00F76B25-0504-4BC8-9748-D45283F7F506}" type="presParOf" srcId="{FEC03CE5-8BEF-4D28-9BAF-CFB7FF151D81}" destId="{53D70CC0-9405-4FF3-8C28-7B9FC835DE10}" srcOrd="1" destOrd="0" presId="urn:microsoft.com/office/officeart/2005/8/layout/hProcess10"/>
+  </dgm:cxnLst>
+  <dgm:bg/>
+  <dgm:whole/>
+  <dgm:extLst>
+    <a:ext uri="http://schemas.microsoft.com/office/drawing/2008/diagram">
+      <dsp:dataModelExt xmlns:dsp="http://schemas.microsoft.com/office/drawing/2008/diagram" relId="rId6" minVer="http://schemas.openxmlformats.org/drawingml/2006/diagram"/>
+    </a:ext>
+  </dgm:extLst>
+</dgm:dataModel>
+</file>
+
+<file path=ppt/diagrams/data2.xml><?xml version="1.0" encoding="utf-8"?>
+<dgm:dataModel xmlns:dgm="http://schemas.openxmlformats.org/drawingml/2006/diagram" xmlns:a="http://schemas.openxmlformats.org/drawingml/2006/main">
+  <dgm:ptLst>
+    <dgm:pt modelId="{7A077F54-C41A-4FA9-81C2-855ABB7D9AB2}" type="doc">
+      <dgm:prSet loTypeId="urn:microsoft.com/office/officeart/2005/8/layout/hChevron3" loCatId="process" qsTypeId="urn:microsoft.com/office/officeart/2005/8/quickstyle/simple1" qsCatId="simple" csTypeId="urn:microsoft.com/office/officeart/2005/8/colors/accent1_2" csCatId="accent1" phldr="1"/>
       <dgm:spPr/>
     </dgm:pt>
-    <dgm:pt modelId="{F55A06DB-1B38-4074-B67C-56508C8C180D}" type="pres">
-      <dgm:prSet presAssocID="{2C1B8019-86DD-4419-BB1B-D104FB000E31}" presName="sibTrans" presStyleLbl="sibTrans1D1" presStyleIdx="4" presStyleCnt="5"/>
+    <dgm:pt modelId="{DF3BD593-77E7-4763-9222-24E044683DBF}">
+      <dgm:prSet phldrT="[Texto]"/>
+      <dgm:spPr/>
+      <dgm:t>
+        <a:bodyPr/>
+        <a:lstStyle/>
+        <a:p>
+          <a:r>
+            <a:rPr lang="pt-BR" dirty="0" smtClean="0"/>
+            <a:t>Cliente acessar a página sem nenhum tipo de problema.</a:t>
+          </a:r>
+          <a:endParaRPr lang="pt-BR" dirty="0"/>
+        </a:p>
+      </dgm:t>
+    </dgm:pt>
+    <dgm:pt modelId="{BEB5FC43-FD00-4BE0-B7D2-547225A27DFD}" type="parTrans" cxnId="{5CCA6056-EA94-4CEB-9E53-DBFCA1A23935}">
+      <dgm:prSet/>
+      <dgm:spPr/>
+      <dgm:t>
+        <a:bodyPr/>
+        <a:lstStyle/>
+        <a:p>
+          <a:endParaRPr lang="pt-BR"/>
+        </a:p>
+      </dgm:t>
+    </dgm:pt>
+    <dgm:pt modelId="{CD80D770-98B5-4CAA-85C7-CDAA7C931767}" type="sibTrans" cxnId="{5CCA6056-EA94-4CEB-9E53-DBFCA1A23935}">
+      <dgm:prSet/>
+      <dgm:spPr/>
+      <dgm:t>
+        <a:bodyPr/>
+        <a:lstStyle/>
+        <a:p>
+          <a:endParaRPr lang="pt-BR"/>
+        </a:p>
+      </dgm:t>
+    </dgm:pt>
+    <dgm:pt modelId="{D455427D-E5B3-4205-BAFD-DAA4E08D6481}">
+      <dgm:prSet phldrT="[Texto]"/>
+      <dgm:spPr/>
+      <dgm:t>
+        <a:bodyPr/>
+        <a:lstStyle/>
+        <a:p>
+          <a:r>
+            <a:rPr lang="pt-BR" dirty="0" smtClean="0"/>
+            <a:t>Concluir processo de cadastro com todas as funcionalidades do site.</a:t>
+          </a:r>
+          <a:endParaRPr lang="pt-BR" dirty="0"/>
+        </a:p>
+      </dgm:t>
+    </dgm:pt>
+    <dgm:pt modelId="{3EA91546-5770-4FAF-8FA5-BA3CB487D79B}" type="parTrans" cxnId="{D381A631-5A84-4783-BA51-D558099B4959}">
+      <dgm:prSet/>
+      <dgm:spPr/>
+      <dgm:t>
+        <a:bodyPr/>
+        <a:lstStyle/>
+        <a:p>
+          <a:endParaRPr lang="pt-BR"/>
+        </a:p>
+      </dgm:t>
+    </dgm:pt>
+    <dgm:pt modelId="{B30D5ADD-73EC-4276-9FD3-D9A575E9F246}" type="sibTrans" cxnId="{D381A631-5A84-4783-BA51-D558099B4959}">
+      <dgm:prSet/>
+      <dgm:spPr/>
+      <dgm:t>
+        <a:bodyPr/>
+        <a:lstStyle/>
+        <a:p>
+          <a:endParaRPr lang="pt-BR"/>
+        </a:p>
+      </dgm:t>
+    </dgm:pt>
+    <dgm:pt modelId="{426BE847-9911-4815-9970-116066DD75A2}">
+      <dgm:prSet phldrT="[Texto]"/>
+      <dgm:spPr/>
+      <dgm:t>
+        <a:bodyPr/>
+        <a:lstStyle/>
+        <a:p>
+          <a:r>
+            <a:rPr lang="pt-BR" dirty="0" smtClean="0"/>
+            <a:t>Usuário receber resposta positiva em seu e-mail.</a:t>
+          </a:r>
+          <a:endParaRPr lang="pt-BR" dirty="0"/>
+        </a:p>
+      </dgm:t>
+    </dgm:pt>
+    <dgm:pt modelId="{101889DD-5C55-4E6B-A626-177DF5E19C96}" type="parTrans" cxnId="{AE9629D1-4A27-48AD-88BE-61D955067605}">
+      <dgm:prSet/>
+      <dgm:spPr/>
+      <dgm:t>
+        <a:bodyPr/>
+        <a:lstStyle/>
+        <a:p>
+          <a:endParaRPr lang="pt-BR"/>
+        </a:p>
+      </dgm:t>
+    </dgm:pt>
+    <dgm:pt modelId="{FA8808DB-8372-450D-B3EE-ABCCD3C2DF65}" type="sibTrans" cxnId="{AE9629D1-4A27-48AD-88BE-61D955067605}">
+      <dgm:prSet/>
+      <dgm:spPr/>
+      <dgm:t>
+        <a:bodyPr/>
+        <a:lstStyle/>
+        <a:p>
+          <a:endParaRPr lang="pt-BR"/>
+        </a:p>
+      </dgm:t>
+    </dgm:pt>
+    <dgm:pt modelId="{0D2742FE-F770-431A-9A1A-4C664A734133}" type="pres">
+      <dgm:prSet presAssocID="{7A077F54-C41A-4FA9-81C2-855ABB7D9AB2}" presName="Name0" presStyleCnt="0">
+        <dgm:presLayoutVars>
+          <dgm:dir/>
+          <dgm:resizeHandles val="exact"/>
+        </dgm:presLayoutVars>
+      </dgm:prSet>
+      <dgm:spPr/>
+    </dgm:pt>
+    <dgm:pt modelId="{9A70B7D9-3A8B-45E1-A284-2500D3A85C90}" type="pres">
+      <dgm:prSet presAssocID="{DF3BD593-77E7-4763-9222-24E044683DBF}" presName="parTxOnly" presStyleLbl="node1" presStyleIdx="0" presStyleCnt="3">
+        <dgm:presLayoutVars>
+          <dgm:bulletEnabled val="1"/>
+        </dgm:presLayoutVars>
+      </dgm:prSet>
+      <dgm:spPr/>
+      <dgm:t>
+        <a:bodyPr/>
+        <a:lstStyle/>
+        <a:p>
+          <a:endParaRPr lang="pt-BR"/>
+        </a:p>
+      </dgm:t>
+    </dgm:pt>
+    <dgm:pt modelId="{614B8558-7173-460C-8BD0-5AC56011FBEF}" type="pres">
+      <dgm:prSet presAssocID="{CD80D770-98B5-4CAA-85C7-CDAA7C931767}" presName="parSpace" presStyleCnt="0"/>
+      <dgm:spPr/>
+    </dgm:pt>
+    <dgm:pt modelId="{DFDC0CF3-5FD6-4686-8554-437D179532AF}" type="pres">
+      <dgm:prSet presAssocID="{D455427D-E5B3-4205-BAFD-DAA4E08D6481}" presName="parTxOnly" presStyleLbl="node1" presStyleIdx="1" presStyleCnt="3">
+        <dgm:presLayoutVars>
+          <dgm:bulletEnabled val="1"/>
+        </dgm:presLayoutVars>
+      </dgm:prSet>
+      <dgm:spPr/>
+      <dgm:t>
+        <a:bodyPr/>
+        <a:lstStyle/>
+        <a:p>
+          <a:endParaRPr lang="pt-BR"/>
+        </a:p>
+      </dgm:t>
+    </dgm:pt>
+    <dgm:pt modelId="{FD846724-990F-4F8F-8B3E-FFF12A0FDFDF}" type="pres">
+      <dgm:prSet presAssocID="{B30D5ADD-73EC-4276-9FD3-D9A575E9F246}" presName="parSpace" presStyleCnt="0"/>
+      <dgm:spPr/>
+    </dgm:pt>
+    <dgm:pt modelId="{98BC32F6-3C8A-4112-BE79-689551A4AFAC}" type="pres">
+      <dgm:prSet presAssocID="{426BE847-9911-4815-9970-116066DD75A2}" presName="parTxOnly" presStyleLbl="node1" presStyleIdx="2" presStyleCnt="3">
+        <dgm:presLayoutVars>
+          <dgm:bulletEnabled val="1"/>
+        </dgm:presLayoutVars>
+      </dgm:prSet>
       <dgm:spPr/>
       <dgm:t>
         <a:bodyPr/>
@@ -1235,37 +3088,417 @@
     </dgm:pt>
   </dgm:ptLst>
   <dgm:cxnLst>
-    <dgm:cxn modelId="{48B82D3C-A222-4F67-9B62-721E4218B836}" type="presOf" srcId="{1C2886AB-A016-42AF-8375-8C4ABCF5E9EC}" destId="{9D865140-78F2-4150-B794-13BD99C1FDDC}" srcOrd="0" destOrd="0" presId="urn:microsoft.com/office/officeart/2005/8/layout/cycle5"/>
-    <dgm:cxn modelId="{E05B15BC-CFF6-410A-8F0D-C0B1885581CF}" type="presOf" srcId="{E22DBDAD-1BB1-45DB-A3C6-40A97F702500}" destId="{995CA4DA-E300-4BA1-9E61-63EA3205C482}" srcOrd="0" destOrd="0" presId="urn:microsoft.com/office/officeart/2005/8/layout/cycle5"/>
-    <dgm:cxn modelId="{B11E74CD-93D8-4B78-AEF4-5885178663A8}" type="presOf" srcId="{27DAC954-2044-42E3-9BA3-1CDCF67EA56E}" destId="{B03DAA97-F9E0-45A6-89EE-B695A36292D5}" srcOrd="0" destOrd="0" presId="urn:microsoft.com/office/officeart/2005/8/layout/cycle5"/>
-    <dgm:cxn modelId="{459C5B4F-9195-4078-AEA1-C54EA7D9B7E7}" type="presOf" srcId="{2C1B8019-86DD-4419-BB1B-D104FB000E31}" destId="{F55A06DB-1B38-4074-B67C-56508C8C180D}" srcOrd="0" destOrd="0" presId="urn:microsoft.com/office/officeart/2005/8/layout/cycle5"/>
-    <dgm:cxn modelId="{936F5FA3-7730-407D-8D9A-23146DFD9643}" srcId="{D29D8A3D-BE99-4936-BF2D-4BE2B4C8294E}" destId="{27DAC954-2044-42E3-9BA3-1CDCF67EA56E}" srcOrd="4" destOrd="0" parTransId="{303B6E5C-3E48-441C-87CC-E0B270B1871D}" sibTransId="{2C1B8019-86DD-4419-BB1B-D104FB000E31}"/>
-    <dgm:cxn modelId="{653F4367-61CB-4632-82B5-1CAACF122420}" type="presOf" srcId="{D29D8A3D-BE99-4936-BF2D-4BE2B4C8294E}" destId="{9B9817C9-24B5-4141-A543-2DC63259C17C}" srcOrd="0" destOrd="0" presId="urn:microsoft.com/office/officeart/2005/8/layout/cycle5"/>
-    <dgm:cxn modelId="{6E15A94A-3AAC-49BF-9AF0-D216C1964150}" srcId="{D29D8A3D-BE99-4936-BF2D-4BE2B4C8294E}" destId="{2D49F7EB-0A44-4377-8BCD-F2959ADBDCF0}" srcOrd="0" destOrd="0" parTransId="{FE955194-9103-43ED-8C37-DF6FCB7EC35A}" sibTransId="{49663F29-AD21-4EFD-AA2D-C419E74F0A33}"/>
-    <dgm:cxn modelId="{1F737987-1401-4105-95E3-EA2AAAF36BC6}" srcId="{D29D8A3D-BE99-4936-BF2D-4BE2B4C8294E}" destId="{1C2886AB-A016-42AF-8375-8C4ABCF5E9EC}" srcOrd="3" destOrd="0" parTransId="{636624E0-304C-4024-91FD-5033BA3B9291}" sibTransId="{29783491-3787-4339-877E-10911F25396F}"/>
-    <dgm:cxn modelId="{7493AF96-7084-44FA-B6CF-3237515CAC5F}" type="presOf" srcId="{49663F29-AD21-4EFD-AA2D-C419E74F0A33}" destId="{71076EE0-44A3-4805-80E2-24CD5A8E48B5}" srcOrd="0" destOrd="0" presId="urn:microsoft.com/office/officeart/2005/8/layout/cycle5"/>
-    <dgm:cxn modelId="{78D4CA97-32C9-4DA8-8252-3F20E15A942D}" type="presOf" srcId="{29783491-3787-4339-877E-10911F25396F}" destId="{4EFF039D-932D-410F-8A0B-E91C1B6224F3}" srcOrd="0" destOrd="0" presId="urn:microsoft.com/office/officeart/2005/8/layout/cycle5"/>
-    <dgm:cxn modelId="{C8BBF2F2-602F-4EF0-AD5A-04DFB501C7EC}" type="presOf" srcId="{6EF85EBB-734A-4B7A-8D65-D094B7E43070}" destId="{EBDFA3BE-07DB-49F5-8388-1DD7165DA4C1}" srcOrd="0" destOrd="0" presId="urn:microsoft.com/office/officeart/2005/8/layout/cycle5"/>
-    <dgm:cxn modelId="{C27FAD27-14A2-4B7B-932E-F559CC9168DE}" type="presOf" srcId="{2D49F7EB-0A44-4377-8BCD-F2959ADBDCF0}" destId="{368E8C2D-DB0C-4BFD-A3BD-2293FF6A357B}" srcOrd="0" destOrd="0" presId="urn:microsoft.com/office/officeart/2005/8/layout/cycle5"/>
-    <dgm:cxn modelId="{F33AD265-9A7F-430C-8EFA-CD2ED9A5FB97}" type="presOf" srcId="{F6F260D4-52FA-4A32-88C5-7A282A26EDC4}" destId="{0749F7E2-46C9-4DE4-B45C-0CEA47903C59}" srcOrd="0" destOrd="0" presId="urn:microsoft.com/office/officeart/2005/8/layout/cycle5"/>
-    <dgm:cxn modelId="{C136F3DA-9BDE-4614-B806-C3D8CEE821F2}" srcId="{D29D8A3D-BE99-4936-BF2D-4BE2B4C8294E}" destId="{6EF85EBB-734A-4B7A-8D65-D094B7E43070}" srcOrd="1" destOrd="0" parTransId="{4072753C-C5B3-428C-BB4F-0CB4476BF4FE}" sibTransId="{08649474-CC22-4C4A-9D83-6DDF0DFCB530}"/>
-    <dgm:cxn modelId="{92F33EE6-FFEB-49EB-B106-48495FC08BAE}" type="presOf" srcId="{08649474-CC22-4C4A-9D83-6DDF0DFCB530}" destId="{F23C175D-5DC7-4F94-A40A-24760AA95530}" srcOrd="0" destOrd="0" presId="urn:microsoft.com/office/officeart/2005/8/layout/cycle5"/>
-    <dgm:cxn modelId="{58585D3D-616E-4301-8F15-7D88E20CBD36}" srcId="{D29D8A3D-BE99-4936-BF2D-4BE2B4C8294E}" destId="{E22DBDAD-1BB1-45DB-A3C6-40A97F702500}" srcOrd="2" destOrd="0" parTransId="{A3E1FEF6-6166-4B6C-A9B0-FB7FE895AD39}" sibTransId="{F6F260D4-52FA-4A32-88C5-7A282A26EDC4}"/>
-    <dgm:cxn modelId="{C95F1326-44E4-4335-81F0-7D8145F497CD}" type="presParOf" srcId="{9B9817C9-24B5-4141-A543-2DC63259C17C}" destId="{368E8C2D-DB0C-4BFD-A3BD-2293FF6A357B}" srcOrd="0" destOrd="0" presId="urn:microsoft.com/office/officeart/2005/8/layout/cycle5"/>
-    <dgm:cxn modelId="{CA107B83-207F-4285-98F5-D8B1938D99B9}" type="presParOf" srcId="{9B9817C9-24B5-4141-A543-2DC63259C17C}" destId="{00E06A08-9533-4A9A-B59C-E107495416F7}" srcOrd="1" destOrd="0" presId="urn:microsoft.com/office/officeart/2005/8/layout/cycle5"/>
-    <dgm:cxn modelId="{54C80224-27E2-48BC-9DEA-E3190F77CEAE}" type="presParOf" srcId="{9B9817C9-24B5-4141-A543-2DC63259C17C}" destId="{71076EE0-44A3-4805-80E2-24CD5A8E48B5}" srcOrd="2" destOrd="0" presId="urn:microsoft.com/office/officeart/2005/8/layout/cycle5"/>
-    <dgm:cxn modelId="{B56C585E-90FC-48B1-AB59-D78AE9F59220}" type="presParOf" srcId="{9B9817C9-24B5-4141-A543-2DC63259C17C}" destId="{EBDFA3BE-07DB-49F5-8388-1DD7165DA4C1}" srcOrd="3" destOrd="0" presId="urn:microsoft.com/office/officeart/2005/8/layout/cycle5"/>
-    <dgm:cxn modelId="{E2271B3E-61ED-4494-A0C4-C5809C936A92}" type="presParOf" srcId="{9B9817C9-24B5-4141-A543-2DC63259C17C}" destId="{154EA305-7A3C-4F80-9D17-4810B35C0886}" srcOrd="4" destOrd="0" presId="urn:microsoft.com/office/officeart/2005/8/layout/cycle5"/>
-    <dgm:cxn modelId="{D7A2D662-E9E6-4F68-8E48-B8F40319D62E}" type="presParOf" srcId="{9B9817C9-24B5-4141-A543-2DC63259C17C}" destId="{F23C175D-5DC7-4F94-A40A-24760AA95530}" srcOrd="5" destOrd="0" presId="urn:microsoft.com/office/officeart/2005/8/layout/cycle5"/>
-    <dgm:cxn modelId="{8D8BA0BC-152C-4715-A491-2BB383A9BD99}" type="presParOf" srcId="{9B9817C9-24B5-4141-A543-2DC63259C17C}" destId="{995CA4DA-E300-4BA1-9E61-63EA3205C482}" srcOrd="6" destOrd="0" presId="urn:microsoft.com/office/officeart/2005/8/layout/cycle5"/>
-    <dgm:cxn modelId="{BDCEE9AE-1DD4-4B6C-B9B3-5C712ACBBEFE}" type="presParOf" srcId="{9B9817C9-24B5-4141-A543-2DC63259C17C}" destId="{D1B11399-83EA-4087-81D7-104073E3B938}" srcOrd="7" destOrd="0" presId="urn:microsoft.com/office/officeart/2005/8/layout/cycle5"/>
-    <dgm:cxn modelId="{610998B6-CE4A-4AD1-A163-95E0D27C67FB}" type="presParOf" srcId="{9B9817C9-24B5-4141-A543-2DC63259C17C}" destId="{0749F7E2-46C9-4DE4-B45C-0CEA47903C59}" srcOrd="8" destOrd="0" presId="urn:microsoft.com/office/officeart/2005/8/layout/cycle5"/>
-    <dgm:cxn modelId="{97702D84-F4BD-44EF-A938-89B982B07E50}" type="presParOf" srcId="{9B9817C9-24B5-4141-A543-2DC63259C17C}" destId="{9D865140-78F2-4150-B794-13BD99C1FDDC}" srcOrd="9" destOrd="0" presId="urn:microsoft.com/office/officeart/2005/8/layout/cycle5"/>
-    <dgm:cxn modelId="{3A325996-A968-495D-8ECD-D1D4086A3539}" type="presParOf" srcId="{9B9817C9-24B5-4141-A543-2DC63259C17C}" destId="{1FD3999D-B95F-4595-BF55-D2D1B30E38D1}" srcOrd="10" destOrd="0" presId="urn:microsoft.com/office/officeart/2005/8/layout/cycle5"/>
-    <dgm:cxn modelId="{60CB732A-F1A5-41C2-88FF-7E3A0AC875A3}" type="presParOf" srcId="{9B9817C9-24B5-4141-A543-2DC63259C17C}" destId="{4EFF039D-932D-410F-8A0B-E91C1B6224F3}" srcOrd="11" destOrd="0" presId="urn:microsoft.com/office/officeart/2005/8/layout/cycle5"/>
-    <dgm:cxn modelId="{6D9E14F9-E899-453D-A2F6-AE12F53A58A6}" type="presParOf" srcId="{9B9817C9-24B5-4141-A543-2DC63259C17C}" destId="{B03DAA97-F9E0-45A6-89EE-B695A36292D5}" srcOrd="12" destOrd="0" presId="urn:microsoft.com/office/officeart/2005/8/layout/cycle5"/>
-    <dgm:cxn modelId="{17B54BB8-8108-4A90-BF01-30B25B9952C1}" type="presParOf" srcId="{9B9817C9-24B5-4141-A543-2DC63259C17C}" destId="{0409535D-B0F5-4C7E-AB19-C1257642AE11}" srcOrd="13" destOrd="0" presId="urn:microsoft.com/office/officeart/2005/8/layout/cycle5"/>
-    <dgm:cxn modelId="{4007B038-A42E-4403-8CFC-0095DBC7A26E}" type="presParOf" srcId="{9B9817C9-24B5-4141-A543-2DC63259C17C}" destId="{F55A06DB-1B38-4074-B67C-56508C8C180D}" srcOrd="14" destOrd="0" presId="urn:microsoft.com/office/officeart/2005/8/layout/cycle5"/>
+    <dgm:cxn modelId="{5CCA6056-EA94-4CEB-9E53-DBFCA1A23935}" srcId="{7A077F54-C41A-4FA9-81C2-855ABB7D9AB2}" destId="{DF3BD593-77E7-4763-9222-24E044683DBF}" srcOrd="0" destOrd="0" parTransId="{BEB5FC43-FD00-4BE0-B7D2-547225A27DFD}" sibTransId="{CD80D770-98B5-4CAA-85C7-CDAA7C931767}"/>
+    <dgm:cxn modelId="{942EBAF2-653D-402E-9934-4752F43F4439}" type="presOf" srcId="{DF3BD593-77E7-4763-9222-24E044683DBF}" destId="{9A70B7D9-3A8B-45E1-A284-2500D3A85C90}" srcOrd="0" destOrd="0" presId="urn:microsoft.com/office/officeart/2005/8/layout/hChevron3"/>
+    <dgm:cxn modelId="{7E9B7C3F-2B21-42B6-8787-65D5AE04E4D2}" type="presOf" srcId="{D455427D-E5B3-4205-BAFD-DAA4E08D6481}" destId="{DFDC0CF3-5FD6-4686-8554-437D179532AF}" srcOrd="0" destOrd="0" presId="urn:microsoft.com/office/officeart/2005/8/layout/hChevron3"/>
+    <dgm:cxn modelId="{64F88B11-0CA2-4322-97BA-B595EE2F9DA3}" type="presOf" srcId="{426BE847-9911-4815-9970-116066DD75A2}" destId="{98BC32F6-3C8A-4112-BE79-689551A4AFAC}" srcOrd="0" destOrd="0" presId="urn:microsoft.com/office/officeart/2005/8/layout/hChevron3"/>
+    <dgm:cxn modelId="{AE9629D1-4A27-48AD-88BE-61D955067605}" srcId="{7A077F54-C41A-4FA9-81C2-855ABB7D9AB2}" destId="{426BE847-9911-4815-9970-116066DD75A2}" srcOrd="2" destOrd="0" parTransId="{101889DD-5C55-4E6B-A626-177DF5E19C96}" sibTransId="{FA8808DB-8372-450D-B3EE-ABCCD3C2DF65}"/>
+    <dgm:cxn modelId="{6D0961F6-5AB1-49C3-9248-CD1F5E23EBEC}" type="presOf" srcId="{7A077F54-C41A-4FA9-81C2-855ABB7D9AB2}" destId="{0D2742FE-F770-431A-9A1A-4C664A734133}" srcOrd="0" destOrd="0" presId="urn:microsoft.com/office/officeart/2005/8/layout/hChevron3"/>
+    <dgm:cxn modelId="{D381A631-5A84-4783-BA51-D558099B4959}" srcId="{7A077F54-C41A-4FA9-81C2-855ABB7D9AB2}" destId="{D455427D-E5B3-4205-BAFD-DAA4E08D6481}" srcOrd="1" destOrd="0" parTransId="{3EA91546-5770-4FAF-8FA5-BA3CB487D79B}" sibTransId="{B30D5ADD-73EC-4276-9FD3-D9A575E9F246}"/>
+    <dgm:cxn modelId="{5739B71E-1752-4A9B-8621-A1EB94E5A184}" type="presParOf" srcId="{0D2742FE-F770-431A-9A1A-4C664A734133}" destId="{9A70B7D9-3A8B-45E1-A284-2500D3A85C90}" srcOrd="0" destOrd="0" presId="urn:microsoft.com/office/officeart/2005/8/layout/hChevron3"/>
+    <dgm:cxn modelId="{16FFF638-D81C-45D4-A743-1CE6E07CDE50}" type="presParOf" srcId="{0D2742FE-F770-431A-9A1A-4C664A734133}" destId="{614B8558-7173-460C-8BD0-5AC56011FBEF}" srcOrd="1" destOrd="0" presId="urn:microsoft.com/office/officeart/2005/8/layout/hChevron3"/>
+    <dgm:cxn modelId="{3C477E4B-82D8-4E30-BC98-7FA6A24F3F83}" type="presParOf" srcId="{0D2742FE-F770-431A-9A1A-4C664A734133}" destId="{DFDC0CF3-5FD6-4686-8554-437D179532AF}" srcOrd="2" destOrd="0" presId="urn:microsoft.com/office/officeart/2005/8/layout/hChevron3"/>
+    <dgm:cxn modelId="{6FC5B0A4-B7E1-4916-9732-2CB6DDACBC17}" type="presParOf" srcId="{0D2742FE-F770-431A-9A1A-4C664A734133}" destId="{FD846724-990F-4F8F-8B3E-FFF12A0FDFDF}" srcOrd="3" destOrd="0" presId="urn:microsoft.com/office/officeart/2005/8/layout/hChevron3"/>
+    <dgm:cxn modelId="{6E8F541B-8941-430C-8640-731A39F0C225}" type="presParOf" srcId="{0D2742FE-F770-431A-9A1A-4C664A734133}" destId="{98BC32F6-3C8A-4112-BE79-689551A4AFAC}" srcOrd="4" destOrd="0" presId="urn:microsoft.com/office/officeart/2005/8/layout/hChevron3"/>
+  </dgm:cxnLst>
+  <dgm:bg/>
+  <dgm:whole/>
+  <dgm:extLst>
+    <a:ext uri="http://schemas.microsoft.com/office/drawing/2008/diagram">
+      <dsp:dataModelExt xmlns:dsp="http://schemas.microsoft.com/office/drawing/2008/diagram" relId="rId6" minVer="http://schemas.openxmlformats.org/drawingml/2006/diagram"/>
+    </a:ext>
+  </dgm:extLst>
+</dgm:dataModel>
+</file>
+
+<file path=ppt/diagrams/data3.xml><?xml version="1.0" encoding="utf-8"?>
+<dgm:dataModel xmlns:dgm="http://schemas.openxmlformats.org/drawingml/2006/diagram" xmlns:a="http://schemas.openxmlformats.org/drawingml/2006/main">
+  <dgm:ptLst>
+    <dgm:pt modelId="{40203703-CA8D-4A57-B7C5-B1F0CD0B9707}" type="doc">
+      <dgm:prSet loTypeId="urn:microsoft.com/office/officeart/2005/8/layout/StepDownProcess" loCatId="process" qsTypeId="urn:microsoft.com/office/officeart/2005/8/quickstyle/simple1" qsCatId="simple" csTypeId="urn:microsoft.com/office/officeart/2005/8/colors/accent1_2" csCatId="accent1" phldr="0"/>
+      <dgm:spPr/>
+      <dgm:t>
+        <a:bodyPr/>
+        <a:lstStyle/>
+        <a:p>
+          <a:endParaRPr lang="pt-BR"/>
+        </a:p>
+      </dgm:t>
+    </dgm:pt>
+    <dgm:pt modelId="{BA441102-A8D9-4DC0-9316-FAF215ABC85D}">
+      <dgm:prSet phldrT="[Texto]" phldr="1"/>
+      <dgm:spPr/>
+      <dgm:t>
+        <a:bodyPr/>
+        <a:lstStyle/>
+        <a:p>
+          <a:endParaRPr lang="pt-BR"/>
+        </a:p>
+      </dgm:t>
+    </dgm:pt>
+    <dgm:pt modelId="{719091C5-2F11-485E-A0F0-D1D7D1E6CB05}" type="parTrans" cxnId="{DFE5F6A5-0EB6-424B-B414-9510E6228E04}">
+      <dgm:prSet/>
+      <dgm:spPr/>
+      <dgm:t>
+        <a:bodyPr/>
+        <a:lstStyle/>
+        <a:p>
+          <a:endParaRPr lang="pt-BR"/>
+        </a:p>
+      </dgm:t>
+    </dgm:pt>
+    <dgm:pt modelId="{820E2E65-F599-425A-B969-A53C8C15299D}" type="sibTrans" cxnId="{DFE5F6A5-0EB6-424B-B414-9510E6228E04}">
+      <dgm:prSet/>
+      <dgm:spPr/>
+      <dgm:t>
+        <a:bodyPr/>
+        <a:lstStyle/>
+        <a:p>
+          <a:endParaRPr lang="pt-BR"/>
+        </a:p>
+      </dgm:t>
+    </dgm:pt>
+    <dgm:pt modelId="{5A3C9C3B-ED20-4564-A025-42FF19589BF5}">
+      <dgm:prSet phldrT="[Texto]" phldr="1"/>
+      <dgm:spPr/>
+      <dgm:t>
+        <a:bodyPr/>
+        <a:lstStyle/>
+        <a:p>
+          <a:endParaRPr lang="pt-BR"/>
+        </a:p>
+      </dgm:t>
+    </dgm:pt>
+    <dgm:pt modelId="{4F1977F2-4761-4A64-ABD2-2BE790C5C088}" type="parTrans" cxnId="{69FE35BC-DF3C-476E-86EF-36512F2F992D}">
+      <dgm:prSet/>
+      <dgm:spPr/>
+      <dgm:t>
+        <a:bodyPr/>
+        <a:lstStyle/>
+        <a:p>
+          <a:endParaRPr lang="pt-BR"/>
+        </a:p>
+      </dgm:t>
+    </dgm:pt>
+    <dgm:pt modelId="{19E7EAF4-735B-40AF-A21E-1E06F537EE1A}" type="sibTrans" cxnId="{69FE35BC-DF3C-476E-86EF-36512F2F992D}">
+      <dgm:prSet/>
+      <dgm:spPr/>
+      <dgm:t>
+        <a:bodyPr/>
+        <a:lstStyle/>
+        <a:p>
+          <a:endParaRPr lang="pt-BR"/>
+        </a:p>
+      </dgm:t>
+    </dgm:pt>
+    <dgm:pt modelId="{B00E1069-26FC-4CF4-8A81-20B729C7DC07}">
+      <dgm:prSet phldrT="[Texto]" phldr="1"/>
+      <dgm:spPr/>
+      <dgm:t>
+        <a:bodyPr/>
+        <a:lstStyle/>
+        <a:p>
+          <a:endParaRPr lang="pt-BR"/>
+        </a:p>
+      </dgm:t>
+    </dgm:pt>
+    <dgm:pt modelId="{24197E80-49A8-4AA6-8EF3-17F4C1E0155E}" type="parTrans" cxnId="{C1F8D9BC-184A-4883-BDC4-D242F9BB3D69}">
+      <dgm:prSet/>
+      <dgm:spPr/>
+      <dgm:t>
+        <a:bodyPr/>
+        <a:lstStyle/>
+        <a:p>
+          <a:endParaRPr lang="pt-BR"/>
+        </a:p>
+      </dgm:t>
+    </dgm:pt>
+    <dgm:pt modelId="{5D4AF5BA-53D5-4B54-B8ED-5FB8E6F91FA2}" type="sibTrans" cxnId="{C1F8D9BC-184A-4883-BDC4-D242F9BB3D69}">
+      <dgm:prSet/>
+      <dgm:spPr/>
+      <dgm:t>
+        <a:bodyPr/>
+        <a:lstStyle/>
+        <a:p>
+          <a:endParaRPr lang="pt-BR"/>
+        </a:p>
+      </dgm:t>
+    </dgm:pt>
+    <dgm:pt modelId="{C5EEFBC2-A38A-4F3F-B0EC-E3F0A7B0DC2D}">
+      <dgm:prSet phldrT="[Texto]" phldr="1"/>
+      <dgm:spPr/>
+      <dgm:t>
+        <a:bodyPr/>
+        <a:lstStyle/>
+        <a:p>
+          <a:endParaRPr lang="pt-BR"/>
+        </a:p>
+      </dgm:t>
+    </dgm:pt>
+    <dgm:pt modelId="{682B5AEE-585E-4C35-ACBE-3000FA0A473E}" type="parTrans" cxnId="{2404903B-AA02-44B8-87BC-ABA8C9A81D7D}">
+      <dgm:prSet/>
+      <dgm:spPr/>
+      <dgm:t>
+        <a:bodyPr/>
+        <a:lstStyle/>
+        <a:p>
+          <a:endParaRPr lang="pt-BR"/>
+        </a:p>
+      </dgm:t>
+    </dgm:pt>
+    <dgm:pt modelId="{9D8A0BD3-B812-4BC9-8C8C-608E906935D5}" type="sibTrans" cxnId="{2404903B-AA02-44B8-87BC-ABA8C9A81D7D}">
+      <dgm:prSet/>
+      <dgm:spPr/>
+      <dgm:t>
+        <a:bodyPr/>
+        <a:lstStyle/>
+        <a:p>
+          <a:endParaRPr lang="pt-BR"/>
+        </a:p>
+      </dgm:t>
+    </dgm:pt>
+    <dgm:pt modelId="{2D03C153-6D9C-405A-AC6C-CFD730F85DC6}">
+      <dgm:prSet phldrT="[Texto]" phldr="1"/>
+      <dgm:spPr/>
+      <dgm:t>
+        <a:bodyPr/>
+        <a:lstStyle/>
+        <a:p>
+          <a:endParaRPr lang="pt-BR"/>
+        </a:p>
+      </dgm:t>
+    </dgm:pt>
+    <dgm:pt modelId="{73C5B4CA-8297-46EE-8926-C8E20F1EF131}" type="parTrans" cxnId="{75C2CBDB-05D8-417C-8371-1FD24B39FF71}">
+      <dgm:prSet/>
+      <dgm:spPr/>
+      <dgm:t>
+        <a:bodyPr/>
+        <a:lstStyle/>
+        <a:p>
+          <a:endParaRPr lang="pt-BR"/>
+        </a:p>
+      </dgm:t>
+    </dgm:pt>
+    <dgm:pt modelId="{28E9116C-DD1F-4B58-B873-B409D44BDF47}" type="sibTrans" cxnId="{75C2CBDB-05D8-417C-8371-1FD24B39FF71}">
+      <dgm:prSet/>
+      <dgm:spPr/>
+      <dgm:t>
+        <a:bodyPr/>
+        <a:lstStyle/>
+        <a:p>
+          <a:endParaRPr lang="pt-BR"/>
+        </a:p>
+      </dgm:t>
+    </dgm:pt>
+    <dgm:pt modelId="{BABB642E-5311-4F8A-ABFF-071A1645D772}">
+      <dgm:prSet phldrT="[Texto]" phldr="1"/>
+      <dgm:spPr/>
+      <dgm:t>
+        <a:bodyPr/>
+        <a:lstStyle/>
+        <a:p>
+          <a:endParaRPr lang="pt-BR"/>
+        </a:p>
+      </dgm:t>
+    </dgm:pt>
+    <dgm:pt modelId="{B7A5CA1B-35C5-4CEE-92C8-166E9C08C4DD}" type="parTrans" cxnId="{E3899702-F88E-46B8-9E40-A27D3617F903}">
+      <dgm:prSet/>
+      <dgm:spPr/>
+      <dgm:t>
+        <a:bodyPr/>
+        <a:lstStyle/>
+        <a:p>
+          <a:endParaRPr lang="pt-BR"/>
+        </a:p>
+      </dgm:t>
+    </dgm:pt>
+    <dgm:pt modelId="{53A2FB0E-2FE2-45A0-B203-E8281BAF9BB1}" type="sibTrans" cxnId="{E3899702-F88E-46B8-9E40-A27D3617F903}">
+      <dgm:prSet/>
+      <dgm:spPr/>
+      <dgm:t>
+        <a:bodyPr/>
+        <a:lstStyle/>
+        <a:p>
+          <a:endParaRPr lang="pt-BR"/>
+        </a:p>
+      </dgm:t>
+    </dgm:pt>
+    <dgm:pt modelId="{E94D4BF9-C532-4186-A3E3-D0CE59F0F9C3}" type="pres">
+      <dgm:prSet presAssocID="{40203703-CA8D-4A57-B7C5-B1F0CD0B9707}" presName="rootnode" presStyleCnt="0">
+        <dgm:presLayoutVars>
+          <dgm:chMax/>
+          <dgm:chPref/>
+          <dgm:dir/>
+          <dgm:animLvl val="lvl"/>
+        </dgm:presLayoutVars>
+      </dgm:prSet>
+      <dgm:spPr/>
+      <dgm:t>
+        <a:bodyPr/>
+        <a:lstStyle/>
+        <a:p>
+          <a:endParaRPr lang="pt-BR"/>
+        </a:p>
+      </dgm:t>
+    </dgm:pt>
+    <dgm:pt modelId="{EB86FDE2-C25E-42F0-A180-C73B991B827A}" type="pres">
+      <dgm:prSet presAssocID="{BA441102-A8D9-4DC0-9316-FAF215ABC85D}" presName="composite" presStyleCnt="0"/>
+      <dgm:spPr/>
+    </dgm:pt>
+    <dgm:pt modelId="{4F7896AA-1E2E-411D-B945-82E71EAA319A}" type="pres">
+      <dgm:prSet presAssocID="{BA441102-A8D9-4DC0-9316-FAF215ABC85D}" presName="bentUpArrow1" presStyleLbl="alignImgPlace1" presStyleIdx="0" presStyleCnt="2"/>
+      <dgm:spPr/>
+    </dgm:pt>
+    <dgm:pt modelId="{EB3500CD-6079-46DE-95C1-63A8162F496D}" type="pres">
+      <dgm:prSet presAssocID="{BA441102-A8D9-4DC0-9316-FAF215ABC85D}" presName="ParentText" presStyleLbl="node1" presStyleIdx="0" presStyleCnt="3">
+        <dgm:presLayoutVars>
+          <dgm:chMax val="1"/>
+          <dgm:chPref val="1"/>
+          <dgm:bulletEnabled val="1"/>
+        </dgm:presLayoutVars>
+      </dgm:prSet>
+      <dgm:spPr/>
+      <dgm:t>
+        <a:bodyPr/>
+        <a:lstStyle/>
+        <a:p>
+          <a:endParaRPr lang="pt-BR"/>
+        </a:p>
+      </dgm:t>
+    </dgm:pt>
+    <dgm:pt modelId="{A409F48D-D07E-4E37-B644-6E5F63F2F381}" type="pres">
+      <dgm:prSet presAssocID="{BA441102-A8D9-4DC0-9316-FAF215ABC85D}" presName="ChildText" presStyleLbl="revTx" presStyleIdx="0" presStyleCnt="3">
+        <dgm:presLayoutVars>
+          <dgm:chMax val="0"/>
+          <dgm:chPref val="0"/>
+          <dgm:bulletEnabled val="1"/>
+        </dgm:presLayoutVars>
+      </dgm:prSet>
+      <dgm:spPr/>
+      <dgm:t>
+        <a:bodyPr/>
+        <a:lstStyle/>
+        <a:p>
+          <a:endParaRPr lang="pt-BR"/>
+        </a:p>
+      </dgm:t>
+    </dgm:pt>
+    <dgm:pt modelId="{5B31BFF8-9544-431C-8254-D70D9FE77055}" type="pres">
+      <dgm:prSet presAssocID="{820E2E65-F599-425A-B969-A53C8C15299D}" presName="sibTrans" presStyleCnt="0"/>
+      <dgm:spPr/>
+    </dgm:pt>
+    <dgm:pt modelId="{E320BD86-A53A-4AFC-AE8A-13E7D338BC6C}" type="pres">
+      <dgm:prSet presAssocID="{B00E1069-26FC-4CF4-8A81-20B729C7DC07}" presName="composite" presStyleCnt="0"/>
+      <dgm:spPr/>
+    </dgm:pt>
+    <dgm:pt modelId="{0ED83A4D-7F29-4F55-A063-AF7D68023EB7}" type="pres">
+      <dgm:prSet presAssocID="{B00E1069-26FC-4CF4-8A81-20B729C7DC07}" presName="bentUpArrow1" presStyleLbl="alignImgPlace1" presStyleIdx="1" presStyleCnt="2"/>
+      <dgm:spPr/>
+    </dgm:pt>
+    <dgm:pt modelId="{70330159-98CC-4FC5-985E-1F8A13274438}" type="pres">
+      <dgm:prSet presAssocID="{B00E1069-26FC-4CF4-8A81-20B729C7DC07}" presName="ParentText" presStyleLbl="node1" presStyleIdx="1" presStyleCnt="3">
+        <dgm:presLayoutVars>
+          <dgm:chMax val="1"/>
+          <dgm:chPref val="1"/>
+          <dgm:bulletEnabled val="1"/>
+        </dgm:presLayoutVars>
+      </dgm:prSet>
+      <dgm:spPr/>
+      <dgm:t>
+        <a:bodyPr/>
+        <a:lstStyle/>
+        <a:p>
+          <a:endParaRPr lang="pt-BR"/>
+        </a:p>
+      </dgm:t>
+    </dgm:pt>
+    <dgm:pt modelId="{54BCAF45-00FE-4014-89EF-46ADCA724552}" type="pres">
+      <dgm:prSet presAssocID="{B00E1069-26FC-4CF4-8A81-20B729C7DC07}" presName="ChildText" presStyleLbl="revTx" presStyleIdx="1" presStyleCnt="3">
+        <dgm:presLayoutVars>
+          <dgm:chMax val="0"/>
+          <dgm:chPref val="0"/>
+          <dgm:bulletEnabled val="1"/>
+        </dgm:presLayoutVars>
+      </dgm:prSet>
+      <dgm:spPr/>
+      <dgm:t>
+        <a:bodyPr/>
+        <a:lstStyle/>
+        <a:p>
+          <a:endParaRPr lang="pt-BR"/>
+        </a:p>
+      </dgm:t>
+    </dgm:pt>
+    <dgm:pt modelId="{59DFB418-179D-414D-9B69-37948E99B27B}" type="pres">
+      <dgm:prSet presAssocID="{5D4AF5BA-53D5-4B54-B8ED-5FB8E6F91FA2}" presName="sibTrans" presStyleCnt="0"/>
+      <dgm:spPr/>
+    </dgm:pt>
+    <dgm:pt modelId="{E9812B4A-A278-4559-9272-5DE6D6C5D0B7}" type="pres">
+      <dgm:prSet presAssocID="{2D03C153-6D9C-405A-AC6C-CFD730F85DC6}" presName="composite" presStyleCnt="0"/>
+      <dgm:spPr/>
+    </dgm:pt>
+    <dgm:pt modelId="{94997029-F6AA-402D-9443-9AC4D4D3ABC8}" type="pres">
+      <dgm:prSet presAssocID="{2D03C153-6D9C-405A-AC6C-CFD730F85DC6}" presName="ParentText" presStyleLbl="node1" presStyleIdx="2" presStyleCnt="3">
+        <dgm:presLayoutVars>
+          <dgm:chMax val="1"/>
+          <dgm:chPref val="1"/>
+          <dgm:bulletEnabled val="1"/>
+        </dgm:presLayoutVars>
+      </dgm:prSet>
+      <dgm:spPr/>
+      <dgm:t>
+        <a:bodyPr/>
+        <a:lstStyle/>
+        <a:p>
+          <a:endParaRPr lang="pt-BR"/>
+        </a:p>
+      </dgm:t>
+    </dgm:pt>
+    <dgm:pt modelId="{9C73EFF1-BE98-4F42-B629-905488FC2569}" type="pres">
+      <dgm:prSet presAssocID="{2D03C153-6D9C-405A-AC6C-CFD730F85DC6}" presName="FinalChildText" presStyleLbl="revTx" presStyleIdx="2" presStyleCnt="3">
+        <dgm:presLayoutVars>
+          <dgm:chMax val="0"/>
+          <dgm:chPref val="0"/>
+          <dgm:bulletEnabled val="1"/>
+        </dgm:presLayoutVars>
+      </dgm:prSet>
+      <dgm:spPr/>
+      <dgm:t>
+        <a:bodyPr/>
+        <a:lstStyle/>
+        <a:p>
+          <a:endParaRPr lang="pt-BR"/>
+        </a:p>
+      </dgm:t>
+    </dgm:pt>
+  </dgm:ptLst>
+  <dgm:cxnLst>
+    <dgm:cxn modelId="{69FE35BC-DF3C-476E-86EF-36512F2F992D}" srcId="{BA441102-A8D9-4DC0-9316-FAF215ABC85D}" destId="{5A3C9C3B-ED20-4564-A025-42FF19589BF5}" srcOrd="0" destOrd="0" parTransId="{4F1977F2-4761-4A64-ABD2-2BE790C5C088}" sibTransId="{19E7EAF4-735B-40AF-A21E-1E06F537EE1A}"/>
+    <dgm:cxn modelId="{4FE78BFC-CD44-4A77-901C-5C947557C53A}" type="presOf" srcId="{5A3C9C3B-ED20-4564-A025-42FF19589BF5}" destId="{A409F48D-D07E-4E37-B644-6E5F63F2F381}" srcOrd="0" destOrd="0" presId="urn:microsoft.com/office/officeart/2005/8/layout/StepDownProcess"/>
+    <dgm:cxn modelId="{DFE5F6A5-0EB6-424B-B414-9510E6228E04}" srcId="{40203703-CA8D-4A57-B7C5-B1F0CD0B9707}" destId="{BA441102-A8D9-4DC0-9316-FAF215ABC85D}" srcOrd="0" destOrd="0" parTransId="{719091C5-2F11-485E-A0F0-D1D7D1E6CB05}" sibTransId="{820E2E65-F599-425A-B969-A53C8C15299D}"/>
+    <dgm:cxn modelId="{5DE72852-F414-4C74-8F3E-76324BD35DC4}" type="presOf" srcId="{BA441102-A8D9-4DC0-9316-FAF215ABC85D}" destId="{EB3500CD-6079-46DE-95C1-63A8162F496D}" srcOrd="0" destOrd="0" presId="urn:microsoft.com/office/officeart/2005/8/layout/StepDownProcess"/>
+    <dgm:cxn modelId="{B175843E-BAE2-429B-923E-A37BDA1D43C7}" type="presOf" srcId="{40203703-CA8D-4A57-B7C5-B1F0CD0B9707}" destId="{E94D4BF9-C532-4186-A3E3-D0CE59F0F9C3}" srcOrd="0" destOrd="0" presId="urn:microsoft.com/office/officeart/2005/8/layout/StepDownProcess"/>
+    <dgm:cxn modelId="{2404903B-AA02-44B8-87BC-ABA8C9A81D7D}" srcId="{B00E1069-26FC-4CF4-8A81-20B729C7DC07}" destId="{C5EEFBC2-A38A-4F3F-B0EC-E3F0A7B0DC2D}" srcOrd="0" destOrd="0" parTransId="{682B5AEE-585E-4C35-ACBE-3000FA0A473E}" sibTransId="{9D8A0BD3-B812-4BC9-8C8C-608E906935D5}"/>
+    <dgm:cxn modelId="{F90598BB-FCC1-4B99-8A11-3BEB5CEECC4B}" type="presOf" srcId="{BABB642E-5311-4F8A-ABFF-071A1645D772}" destId="{9C73EFF1-BE98-4F42-B629-905488FC2569}" srcOrd="0" destOrd="0" presId="urn:microsoft.com/office/officeart/2005/8/layout/StepDownProcess"/>
+    <dgm:cxn modelId="{C1F8D9BC-184A-4883-BDC4-D242F9BB3D69}" srcId="{40203703-CA8D-4A57-B7C5-B1F0CD0B9707}" destId="{B00E1069-26FC-4CF4-8A81-20B729C7DC07}" srcOrd="1" destOrd="0" parTransId="{24197E80-49A8-4AA6-8EF3-17F4C1E0155E}" sibTransId="{5D4AF5BA-53D5-4B54-B8ED-5FB8E6F91FA2}"/>
+    <dgm:cxn modelId="{E3899702-F88E-46B8-9E40-A27D3617F903}" srcId="{2D03C153-6D9C-405A-AC6C-CFD730F85DC6}" destId="{BABB642E-5311-4F8A-ABFF-071A1645D772}" srcOrd="0" destOrd="0" parTransId="{B7A5CA1B-35C5-4CEE-92C8-166E9C08C4DD}" sibTransId="{53A2FB0E-2FE2-45A0-B203-E8281BAF9BB1}"/>
+    <dgm:cxn modelId="{C5D0F18C-300F-449A-A2CA-A7A38F29206E}" type="presOf" srcId="{C5EEFBC2-A38A-4F3F-B0EC-E3F0A7B0DC2D}" destId="{54BCAF45-00FE-4014-89EF-46ADCA724552}" srcOrd="0" destOrd="0" presId="urn:microsoft.com/office/officeart/2005/8/layout/StepDownProcess"/>
+    <dgm:cxn modelId="{142A9FD5-75EF-4B49-BD4A-C80C1B32C73B}" type="presOf" srcId="{2D03C153-6D9C-405A-AC6C-CFD730F85DC6}" destId="{94997029-F6AA-402D-9443-9AC4D4D3ABC8}" srcOrd="0" destOrd="0" presId="urn:microsoft.com/office/officeart/2005/8/layout/StepDownProcess"/>
+    <dgm:cxn modelId="{9F497F16-00C3-48A9-85A1-79C57C037E3D}" type="presOf" srcId="{B00E1069-26FC-4CF4-8A81-20B729C7DC07}" destId="{70330159-98CC-4FC5-985E-1F8A13274438}" srcOrd="0" destOrd="0" presId="urn:microsoft.com/office/officeart/2005/8/layout/StepDownProcess"/>
+    <dgm:cxn modelId="{75C2CBDB-05D8-417C-8371-1FD24B39FF71}" srcId="{40203703-CA8D-4A57-B7C5-B1F0CD0B9707}" destId="{2D03C153-6D9C-405A-AC6C-CFD730F85DC6}" srcOrd="2" destOrd="0" parTransId="{73C5B4CA-8297-46EE-8926-C8E20F1EF131}" sibTransId="{28E9116C-DD1F-4B58-B873-B409D44BDF47}"/>
+    <dgm:cxn modelId="{A73D63A4-1256-4169-AC0D-A65D2A497ED1}" type="presParOf" srcId="{E94D4BF9-C532-4186-A3E3-D0CE59F0F9C3}" destId="{EB86FDE2-C25E-42F0-A180-C73B991B827A}" srcOrd="0" destOrd="0" presId="urn:microsoft.com/office/officeart/2005/8/layout/StepDownProcess"/>
+    <dgm:cxn modelId="{B3EE4B93-A73E-4210-8361-23856A3194C0}" type="presParOf" srcId="{EB86FDE2-C25E-42F0-A180-C73B991B827A}" destId="{4F7896AA-1E2E-411D-B945-82E71EAA319A}" srcOrd="0" destOrd="0" presId="urn:microsoft.com/office/officeart/2005/8/layout/StepDownProcess"/>
+    <dgm:cxn modelId="{EA7D5E0F-1383-48DD-9497-C0C0104AFE1B}" type="presParOf" srcId="{EB86FDE2-C25E-42F0-A180-C73B991B827A}" destId="{EB3500CD-6079-46DE-95C1-63A8162F496D}" srcOrd="1" destOrd="0" presId="urn:microsoft.com/office/officeart/2005/8/layout/StepDownProcess"/>
+    <dgm:cxn modelId="{BCEF633B-7530-4F8C-AB8F-28DC741FE2CB}" type="presParOf" srcId="{EB86FDE2-C25E-42F0-A180-C73B991B827A}" destId="{A409F48D-D07E-4E37-B644-6E5F63F2F381}" srcOrd="2" destOrd="0" presId="urn:microsoft.com/office/officeart/2005/8/layout/StepDownProcess"/>
+    <dgm:cxn modelId="{39BD729B-FCD2-4ECB-88A2-7954BE6811BA}" type="presParOf" srcId="{E94D4BF9-C532-4186-A3E3-D0CE59F0F9C3}" destId="{5B31BFF8-9544-431C-8254-D70D9FE77055}" srcOrd="1" destOrd="0" presId="urn:microsoft.com/office/officeart/2005/8/layout/StepDownProcess"/>
+    <dgm:cxn modelId="{F5D2617A-C4B1-4928-8FF7-C3E09CEACF39}" type="presParOf" srcId="{E94D4BF9-C532-4186-A3E3-D0CE59F0F9C3}" destId="{E320BD86-A53A-4AFC-AE8A-13E7D338BC6C}" srcOrd="2" destOrd="0" presId="urn:microsoft.com/office/officeart/2005/8/layout/StepDownProcess"/>
+    <dgm:cxn modelId="{AF41F2D6-DF9D-4A3A-BAA3-5EB3E9C4CDBA}" type="presParOf" srcId="{E320BD86-A53A-4AFC-AE8A-13E7D338BC6C}" destId="{0ED83A4D-7F29-4F55-A063-AF7D68023EB7}" srcOrd="0" destOrd="0" presId="urn:microsoft.com/office/officeart/2005/8/layout/StepDownProcess"/>
+    <dgm:cxn modelId="{E591A7FD-543B-406A-A1BF-E9CF7BB347E4}" type="presParOf" srcId="{E320BD86-A53A-4AFC-AE8A-13E7D338BC6C}" destId="{70330159-98CC-4FC5-985E-1F8A13274438}" srcOrd="1" destOrd="0" presId="urn:microsoft.com/office/officeart/2005/8/layout/StepDownProcess"/>
+    <dgm:cxn modelId="{FDA2CA5D-3C3B-44B0-9BD9-EC6D7040B0ED}" type="presParOf" srcId="{E320BD86-A53A-4AFC-AE8A-13E7D338BC6C}" destId="{54BCAF45-00FE-4014-89EF-46ADCA724552}" srcOrd="2" destOrd="0" presId="urn:microsoft.com/office/officeart/2005/8/layout/StepDownProcess"/>
+    <dgm:cxn modelId="{0F5C48A1-66E1-45E6-959B-839A279D4B7A}" type="presParOf" srcId="{E94D4BF9-C532-4186-A3E3-D0CE59F0F9C3}" destId="{59DFB418-179D-414D-9B69-37948E99B27B}" srcOrd="3" destOrd="0" presId="urn:microsoft.com/office/officeart/2005/8/layout/StepDownProcess"/>
+    <dgm:cxn modelId="{8F1BBD65-2243-4A13-BBEC-502AD7105C7F}" type="presParOf" srcId="{E94D4BF9-C532-4186-A3E3-D0CE59F0F9C3}" destId="{E9812B4A-A278-4559-9272-5DE6D6C5D0B7}" srcOrd="4" destOrd="0" presId="urn:microsoft.com/office/officeart/2005/8/layout/StepDownProcess"/>
+    <dgm:cxn modelId="{811493EB-BD0D-4690-8BC6-1A9613D05C99}" type="presParOf" srcId="{E9812B4A-A278-4559-9272-5DE6D6C5D0B7}" destId="{94997029-F6AA-402D-9443-9AC4D4D3ABC8}" srcOrd="0" destOrd="0" presId="urn:microsoft.com/office/officeart/2005/8/layout/StepDownProcess"/>
+    <dgm:cxn modelId="{03FFF544-A9B7-4908-92F2-18C6C2D41F5F}" type="presParOf" srcId="{E9812B4A-A278-4559-9272-5DE6D6C5D0B7}" destId="{9C73EFF1-BE98-4F42-B629-905488FC2569}" srcOrd="1" destOrd="0" presId="urn:microsoft.com/office/officeart/2005/8/layout/StepDownProcess"/>
   </dgm:cxnLst>
   <dgm:bg/>
   <dgm:whole/>
@@ -1285,17 +3518,974 @@
       <dsp:cNvGrpSpPr/>
     </dsp:nvGrpSpPr>
     <dsp:grpSpPr/>
-    <dsp:sp modelId="{368E8C2D-DB0C-4BFD-A3BD-2293FF6A357B}">
+    <dsp:sp modelId="{A428F73F-AA75-4A8D-AA29-36BF2BB3CC33}">
       <dsp:nvSpPr>
         <dsp:cNvPr id="0" name=""/>
         <dsp:cNvSpPr/>
       </dsp:nvSpPr>
       <dsp:spPr>
         <a:xfrm>
-          <a:off x="5110757" y="2009"/>
-          <a:ext cx="1970484" cy="1280814"/>
+          <a:off x="6264" y="1342933"/>
+          <a:ext cx="1464582" cy="1464582"/>
         </a:xfrm>
         <a:prstGeom prst="roundRect">
+          <a:avLst>
+            <a:gd name="adj" fmla="val 10000"/>
+          </a:avLst>
+        </a:prstGeom>
+        <a:blipFill>
+          <a:blip xmlns:r="http://schemas.openxmlformats.org/officeDocument/2006/relationships" r:embed="rId1">
+            <a:extLst>
+              <a:ext uri="{28A0092B-C50C-407E-A947-70E740481C1C}">
+                <a14:useLocalDpi xmlns:a14="http://schemas.microsoft.com/office/drawing/2010/main" val="0"/>
+              </a:ext>
+            </a:extLst>
+          </a:blip>
+          <a:srcRect/>
+          <a:stretch>
+            <a:fillRect/>
+          </a:stretch>
+        </a:blipFill>
+        <a:ln w="15875" cap="rnd" cmpd="sng" algn="ctr">
+          <a:solidFill>
+            <a:schemeClr val="lt1">
+              <a:hueOff val="0"/>
+              <a:satOff val="0"/>
+              <a:lumOff val="0"/>
+              <a:alphaOff val="0"/>
+            </a:schemeClr>
+          </a:solidFill>
+          <a:prstDash val="solid"/>
+        </a:ln>
+        <a:effectLst/>
+      </dsp:spPr>
+      <dsp:style>
+        <a:lnRef idx="2">
+          <a:scrgbClr r="0" g="0" b="0"/>
+        </a:lnRef>
+        <a:fillRef idx="1">
+          <a:scrgbClr r="0" g="0" b="0"/>
+        </a:fillRef>
+        <a:effectRef idx="0">
+          <a:scrgbClr r="0" g="0" b="0"/>
+        </a:effectRef>
+        <a:fontRef idx="minor"/>
+      </dsp:style>
+    </dsp:sp>
+    <dsp:sp modelId="{65DE840F-F77B-4670-B786-236B25661145}">
+      <dsp:nvSpPr>
+        <dsp:cNvPr id="0" name=""/>
+        <dsp:cNvSpPr/>
+      </dsp:nvSpPr>
+      <dsp:spPr>
+        <a:xfrm>
+          <a:off x="244685" y="2221683"/>
+          <a:ext cx="1464582" cy="1464582"/>
+        </a:xfrm>
+        <a:prstGeom prst="roundRect">
+          <a:avLst>
+            <a:gd name="adj" fmla="val 10000"/>
+          </a:avLst>
+        </a:prstGeom>
+        <a:solidFill>
+          <a:schemeClr val="accent1">
+            <a:hueOff val="0"/>
+            <a:satOff val="0"/>
+            <a:lumOff val="0"/>
+            <a:alphaOff val="0"/>
+          </a:schemeClr>
+        </a:solidFill>
+        <a:ln w="15875" cap="rnd" cmpd="sng" algn="ctr">
+          <a:solidFill>
+            <a:schemeClr val="lt1">
+              <a:hueOff val="0"/>
+              <a:satOff val="0"/>
+              <a:lumOff val="0"/>
+              <a:alphaOff val="0"/>
+            </a:schemeClr>
+          </a:solidFill>
+          <a:prstDash val="solid"/>
+        </a:ln>
+        <a:effectLst/>
+      </dsp:spPr>
+      <dsp:style>
+        <a:lnRef idx="2">
+          <a:scrgbClr r="0" g="0" b="0"/>
+        </a:lnRef>
+        <a:fillRef idx="1">
+          <a:scrgbClr r="0" g="0" b="0"/>
+        </a:fillRef>
+        <a:effectRef idx="0">
+          <a:scrgbClr r="0" g="0" b="0"/>
+        </a:effectRef>
+        <a:fontRef idx="minor">
+          <a:schemeClr val="lt1"/>
+        </a:fontRef>
+      </dsp:style>
+      <dsp:txBody>
+        <a:bodyPr spcFirstLastPara="0" vert="horz" wrap="square" lIns="49530" tIns="49530" rIns="49530" bIns="49530" numCol="1" spcCol="1270" anchor="ctr" anchorCtr="0">
+          <a:noAutofit/>
+        </a:bodyPr>
+        <a:lstStyle/>
+        <a:p>
+          <a:pPr lvl="0" algn="ctr" defTabSz="577850">
+            <a:lnSpc>
+              <a:spcPct val="90000"/>
+            </a:lnSpc>
+            <a:spcBef>
+              <a:spcPct val="0"/>
+            </a:spcBef>
+            <a:spcAft>
+              <a:spcPct val="35000"/>
+            </a:spcAft>
+          </a:pPr>
+          <a:r>
+            <a:rPr lang="pt-BR" sz="1300" kern="1200" dirty="0" smtClean="0"/>
+            <a:t>Teste de página Web. Analisar o quanto ele comporta de acessos simultâneos</a:t>
+          </a:r>
+          <a:endParaRPr lang="pt-BR" sz="1300" kern="1200" dirty="0"/>
+        </a:p>
+      </dsp:txBody>
+      <dsp:txXfrm>
+        <a:off x="287581" y="2264579"/>
+        <a:ext cx="1378790" cy="1378790"/>
+      </dsp:txXfrm>
+    </dsp:sp>
+    <dsp:sp modelId="{351F910D-D5B1-4243-B0EB-4B9C47CE4176}">
+      <dsp:nvSpPr>
+        <dsp:cNvPr id="0" name=""/>
+        <dsp:cNvSpPr/>
+      </dsp:nvSpPr>
+      <dsp:spPr>
+        <a:xfrm>
+          <a:off x="1752958" y="1899265"/>
+          <a:ext cx="282110" cy="351918"/>
+        </a:xfrm>
+        <a:prstGeom prst="rightArrow">
+          <a:avLst>
+            <a:gd name="adj1" fmla="val 60000"/>
+            <a:gd name="adj2" fmla="val 50000"/>
+          </a:avLst>
+        </a:prstGeom>
+        <a:solidFill>
+          <a:schemeClr val="accent1">
+            <a:tint val="60000"/>
+            <a:hueOff val="0"/>
+            <a:satOff val="0"/>
+            <a:lumOff val="0"/>
+            <a:alphaOff val="0"/>
+          </a:schemeClr>
+        </a:solidFill>
+        <a:ln>
+          <a:noFill/>
+        </a:ln>
+        <a:effectLst/>
+      </dsp:spPr>
+      <dsp:style>
+        <a:lnRef idx="0">
+          <a:scrgbClr r="0" g="0" b="0"/>
+        </a:lnRef>
+        <a:fillRef idx="1">
+          <a:scrgbClr r="0" g="0" b="0"/>
+        </a:fillRef>
+        <a:effectRef idx="0">
+          <a:scrgbClr r="0" g="0" b="0"/>
+        </a:effectRef>
+        <a:fontRef idx="minor">
+          <a:schemeClr val="lt1"/>
+        </a:fontRef>
+      </dsp:style>
+      <dsp:txBody>
+        <a:bodyPr spcFirstLastPara="0" vert="horz" wrap="square" lIns="0" tIns="0" rIns="0" bIns="0" numCol="1" spcCol="1270" anchor="ctr" anchorCtr="0">
+          <a:noAutofit/>
+        </a:bodyPr>
+        <a:lstStyle/>
+        <a:p>
+          <a:pPr lvl="0" algn="ctr" defTabSz="488950">
+            <a:lnSpc>
+              <a:spcPct val="90000"/>
+            </a:lnSpc>
+            <a:spcBef>
+              <a:spcPct val="0"/>
+            </a:spcBef>
+            <a:spcAft>
+              <a:spcPct val="35000"/>
+            </a:spcAft>
+          </a:pPr>
+          <a:endParaRPr lang="pt-BR" sz="1100" kern="1200"/>
+        </a:p>
+      </dsp:txBody>
+      <dsp:txXfrm>
+        <a:off x="1752958" y="1969649"/>
+        <a:ext cx="197477" cy="211150"/>
+      </dsp:txXfrm>
+    </dsp:sp>
+    <dsp:sp modelId="{69D5F7B0-E0D7-49A7-A67F-898A79945B5D}">
+      <dsp:nvSpPr>
+        <dsp:cNvPr id="0" name=""/>
+        <dsp:cNvSpPr/>
+      </dsp:nvSpPr>
+      <dsp:spPr>
+        <a:xfrm>
+          <a:off x="2276878" y="1342933"/>
+          <a:ext cx="1464582" cy="1464582"/>
+        </a:xfrm>
+        <a:prstGeom prst="roundRect">
+          <a:avLst>
+            <a:gd name="adj" fmla="val 10000"/>
+          </a:avLst>
+        </a:prstGeom>
+        <a:blipFill>
+          <a:blip xmlns:r="http://schemas.openxmlformats.org/officeDocument/2006/relationships" r:embed="rId2">
+            <a:extLst>
+              <a:ext uri="{28A0092B-C50C-407E-A947-70E740481C1C}">
+                <a14:useLocalDpi xmlns:a14="http://schemas.microsoft.com/office/drawing/2010/main" val="0"/>
+              </a:ext>
+            </a:extLst>
+          </a:blip>
+          <a:srcRect/>
+          <a:stretch>
+            <a:fillRect/>
+          </a:stretch>
+        </a:blipFill>
+        <a:ln w="15875" cap="rnd" cmpd="sng" algn="ctr">
+          <a:solidFill>
+            <a:schemeClr val="lt1">
+              <a:hueOff val="0"/>
+              <a:satOff val="0"/>
+              <a:lumOff val="0"/>
+              <a:alphaOff val="0"/>
+            </a:schemeClr>
+          </a:solidFill>
+          <a:prstDash val="solid"/>
+        </a:ln>
+        <a:effectLst/>
+      </dsp:spPr>
+      <dsp:style>
+        <a:lnRef idx="2">
+          <a:scrgbClr r="0" g="0" b="0"/>
+        </a:lnRef>
+        <a:fillRef idx="1">
+          <a:scrgbClr r="0" g="0" b="0"/>
+        </a:fillRef>
+        <a:effectRef idx="0">
+          <a:scrgbClr r="0" g="0" b="0"/>
+        </a:effectRef>
+        <a:fontRef idx="minor"/>
+      </dsp:style>
+    </dsp:sp>
+    <dsp:sp modelId="{158AB9B2-2093-476A-BE53-D1C6D4EDB9D5}">
+      <dsp:nvSpPr>
+        <dsp:cNvPr id="0" name=""/>
+        <dsp:cNvSpPr/>
+      </dsp:nvSpPr>
+      <dsp:spPr>
+        <a:xfrm>
+          <a:off x="2515299" y="2221683"/>
+          <a:ext cx="1464582" cy="1464582"/>
+        </a:xfrm>
+        <a:prstGeom prst="roundRect">
+          <a:avLst>
+            <a:gd name="adj" fmla="val 10000"/>
+          </a:avLst>
+        </a:prstGeom>
+        <a:solidFill>
+          <a:schemeClr val="accent1">
+            <a:hueOff val="0"/>
+            <a:satOff val="0"/>
+            <a:lumOff val="0"/>
+            <a:alphaOff val="0"/>
+          </a:schemeClr>
+        </a:solidFill>
+        <a:ln w="15875" cap="rnd" cmpd="sng" algn="ctr">
+          <a:solidFill>
+            <a:schemeClr val="lt1">
+              <a:hueOff val="0"/>
+              <a:satOff val="0"/>
+              <a:lumOff val="0"/>
+              <a:alphaOff val="0"/>
+            </a:schemeClr>
+          </a:solidFill>
+          <a:prstDash val="solid"/>
+        </a:ln>
+        <a:effectLst/>
+      </dsp:spPr>
+      <dsp:style>
+        <a:lnRef idx="2">
+          <a:scrgbClr r="0" g="0" b="0"/>
+        </a:lnRef>
+        <a:fillRef idx="1">
+          <a:scrgbClr r="0" g="0" b="0"/>
+        </a:fillRef>
+        <a:effectRef idx="0">
+          <a:scrgbClr r="0" g="0" b="0"/>
+        </a:effectRef>
+        <a:fontRef idx="minor">
+          <a:schemeClr val="lt1"/>
+        </a:fontRef>
+      </dsp:style>
+      <dsp:txBody>
+        <a:bodyPr spcFirstLastPara="0" vert="horz" wrap="square" lIns="49530" tIns="49530" rIns="49530" bIns="49530" numCol="1" spcCol="1270" anchor="ctr" anchorCtr="0">
+          <a:noAutofit/>
+        </a:bodyPr>
+        <a:lstStyle/>
+        <a:p>
+          <a:pPr lvl="0" algn="ctr" defTabSz="577850">
+            <a:lnSpc>
+              <a:spcPct val="90000"/>
+            </a:lnSpc>
+            <a:spcBef>
+              <a:spcPct val="0"/>
+            </a:spcBef>
+            <a:spcAft>
+              <a:spcPct val="35000"/>
+            </a:spcAft>
+          </a:pPr>
+          <a:r>
+            <a:rPr lang="pt-BR" sz="1300" kern="1200" dirty="0" smtClean="0"/>
+            <a:t>Testar a quantidade suportada em cadastros</a:t>
+          </a:r>
+          <a:endParaRPr lang="pt-BR" sz="1300" kern="1200" dirty="0"/>
+        </a:p>
+      </dsp:txBody>
+      <dsp:txXfrm>
+        <a:off x="2558195" y="2264579"/>
+        <a:ext cx="1378790" cy="1378790"/>
+      </dsp:txXfrm>
+    </dsp:sp>
+    <dsp:sp modelId="{FECA5E5E-3D7D-43D0-A46A-C2BDAF5DFEF8}">
+      <dsp:nvSpPr>
+        <dsp:cNvPr id="0" name=""/>
+        <dsp:cNvSpPr/>
+      </dsp:nvSpPr>
+      <dsp:spPr>
+        <a:xfrm>
+          <a:off x="4023572" y="1899265"/>
+          <a:ext cx="282110" cy="351918"/>
+        </a:xfrm>
+        <a:prstGeom prst="rightArrow">
+          <a:avLst>
+            <a:gd name="adj1" fmla="val 60000"/>
+            <a:gd name="adj2" fmla="val 50000"/>
+          </a:avLst>
+        </a:prstGeom>
+        <a:solidFill>
+          <a:schemeClr val="accent1">
+            <a:tint val="60000"/>
+            <a:hueOff val="0"/>
+            <a:satOff val="0"/>
+            <a:lumOff val="0"/>
+            <a:alphaOff val="0"/>
+          </a:schemeClr>
+        </a:solidFill>
+        <a:ln>
+          <a:noFill/>
+        </a:ln>
+        <a:effectLst/>
+      </dsp:spPr>
+      <dsp:style>
+        <a:lnRef idx="0">
+          <a:scrgbClr r="0" g="0" b="0"/>
+        </a:lnRef>
+        <a:fillRef idx="1">
+          <a:scrgbClr r="0" g="0" b="0"/>
+        </a:fillRef>
+        <a:effectRef idx="0">
+          <a:scrgbClr r="0" g="0" b="0"/>
+        </a:effectRef>
+        <a:fontRef idx="minor">
+          <a:schemeClr val="lt1"/>
+        </a:fontRef>
+      </dsp:style>
+      <dsp:txBody>
+        <a:bodyPr spcFirstLastPara="0" vert="horz" wrap="square" lIns="0" tIns="0" rIns="0" bIns="0" numCol="1" spcCol="1270" anchor="ctr" anchorCtr="0">
+          <a:noAutofit/>
+        </a:bodyPr>
+        <a:lstStyle/>
+        <a:p>
+          <a:pPr lvl="0" algn="ctr" defTabSz="488950">
+            <a:lnSpc>
+              <a:spcPct val="90000"/>
+            </a:lnSpc>
+            <a:spcBef>
+              <a:spcPct val="0"/>
+            </a:spcBef>
+            <a:spcAft>
+              <a:spcPct val="35000"/>
+            </a:spcAft>
+          </a:pPr>
+          <a:endParaRPr lang="pt-BR" sz="1100" kern="1200"/>
+        </a:p>
+      </dsp:txBody>
+      <dsp:txXfrm>
+        <a:off x="4023572" y="1969649"/>
+        <a:ext cx="197477" cy="211150"/>
+      </dsp:txXfrm>
+    </dsp:sp>
+    <dsp:sp modelId="{E4B91B1E-1534-4034-AC8A-52CD7802DD95}">
+      <dsp:nvSpPr>
+        <dsp:cNvPr id="0" name=""/>
+        <dsp:cNvSpPr/>
+      </dsp:nvSpPr>
+      <dsp:spPr>
+        <a:xfrm>
+          <a:off x="4547492" y="1342933"/>
+          <a:ext cx="1464582" cy="1464582"/>
+        </a:xfrm>
+        <a:prstGeom prst="roundRect">
+          <a:avLst>
+            <a:gd name="adj" fmla="val 10000"/>
+          </a:avLst>
+        </a:prstGeom>
+        <a:blipFill>
+          <a:blip xmlns:r="http://schemas.openxmlformats.org/officeDocument/2006/relationships" r:embed="rId3">
+            <a:extLst>
+              <a:ext uri="{28A0092B-C50C-407E-A947-70E740481C1C}">
+                <a14:useLocalDpi xmlns:a14="http://schemas.microsoft.com/office/drawing/2010/main" val="0"/>
+              </a:ext>
+            </a:extLst>
+          </a:blip>
+          <a:srcRect/>
+          <a:stretch>
+            <a:fillRect/>
+          </a:stretch>
+        </a:blipFill>
+        <a:ln w="15875" cap="rnd" cmpd="sng" algn="ctr">
+          <a:solidFill>
+            <a:schemeClr val="lt1">
+              <a:hueOff val="0"/>
+              <a:satOff val="0"/>
+              <a:lumOff val="0"/>
+              <a:alphaOff val="0"/>
+            </a:schemeClr>
+          </a:solidFill>
+          <a:prstDash val="solid"/>
+        </a:ln>
+        <a:effectLst/>
+      </dsp:spPr>
+      <dsp:style>
+        <a:lnRef idx="2">
+          <a:scrgbClr r="0" g="0" b="0"/>
+        </a:lnRef>
+        <a:fillRef idx="1">
+          <a:scrgbClr r="0" g="0" b="0"/>
+        </a:fillRef>
+        <a:effectRef idx="0">
+          <a:scrgbClr r="0" g="0" b="0"/>
+        </a:effectRef>
+        <a:fontRef idx="minor"/>
+      </dsp:style>
+    </dsp:sp>
+    <dsp:sp modelId="{256A46AB-BA06-4151-BC81-1A467179CC6E}">
+      <dsp:nvSpPr>
+        <dsp:cNvPr id="0" name=""/>
+        <dsp:cNvSpPr/>
+      </dsp:nvSpPr>
+      <dsp:spPr>
+        <a:xfrm>
+          <a:off x="4785912" y="2221683"/>
+          <a:ext cx="1464582" cy="1464582"/>
+        </a:xfrm>
+        <a:prstGeom prst="roundRect">
+          <a:avLst>
+            <a:gd name="adj" fmla="val 10000"/>
+          </a:avLst>
+        </a:prstGeom>
+        <a:solidFill>
+          <a:schemeClr val="accent1">
+            <a:hueOff val="0"/>
+            <a:satOff val="0"/>
+            <a:lumOff val="0"/>
+            <a:alphaOff val="0"/>
+          </a:schemeClr>
+        </a:solidFill>
+        <a:ln w="15875" cap="rnd" cmpd="sng" algn="ctr">
+          <a:solidFill>
+            <a:schemeClr val="lt1">
+              <a:hueOff val="0"/>
+              <a:satOff val="0"/>
+              <a:lumOff val="0"/>
+              <a:alphaOff val="0"/>
+            </a:schemeClr>
+          </a:solidFill>
+          <a:prstDash val="solid"/>
+        </a:ln>
+        <a:effectLst/>
+      </dsp:spPr>
+      <dsp:style>
+        <a:lnRef idx="2">
+          <a:scrgbClr r="0" g="0" b="0"/>
+        </a:lnRef>
+        <a:fillRef idx="1">
+          <a:scrgbClr r="0" g="0" b="0"/>
+        </a:fillRef>
+        <a:effectRef idx="0">
+          <a:scrgbClr r="0" g="0" b="0"/>
+        </a:effectRef>
+        <a:fontRef idx="minor">
+          <a:schemeClr val="lt1"/>
+        </a:fontRef>
+      </dsp:style>
+      <dsp:txBody>
+        <a:bodyPr spcFirstLastPara="0" vert="horz" wrap="square" lIns="49530" tIns="49530" rIns="49530" bIns="49530" numCol="1" spcCol="1270" anchor="ctr" anchorCtr="0">
+          <a:noAutofit/>
+        </a:bodyPr>
+        <a:lstStyle/>
+        <a:p>
+          <a:pPr lvl="0" algn="ctr" defTabSz="577850">
+            <a:lnSpc>
+              <a:spcPct val="90000"/>
+            </a:lnSpc>
+            <a:spcBef>
+              <a:spcPct val="0"/>
+            </a:spcBef>
+            <a:spcAft>
+              <a:spcPct val="35000"/>
+            </a:spcAft>
+          </a:pPr>
+          <a:r>
+            <a:rPr lang="pt-BR" sz="1300" kern="1200" dirty="0" smtClean="0"/>
+            <a:t>Testar</a:t>
+          </a:r>
+          <a:r>
+            <a:rPr lang="pt-BR" sz="1300" kern="1200" baseline="0" dirty="0" smtClean="0"/>
+            <a:t> a capacidade do banco de dados</a:t>
+          </a:r>
+          <a:endParaRPr lang="pt-BR" sz="1300" kern="1200" dirty="0"/>
+        </a:p>
+      </dsp:txBody>
+      <dsp:txXfrm>
+        <a:off x="4828808" y="2264579"/>
+        <a:ext cx="1378790" cy="1378790"/>
+      </dsp:txXfrm>
+    </dsp:sp>
+    <dsp:sp modelId="{60C87C32-264D-474A-9B4B-17B875BD9144}">
+      <dsp:nvSpPr>
+        <dsp:cNvPr id="0" name=""/>
+        <dsp:cNvSpPr/>
+      </dsp:nvSpPr>
+      <dsp:spPr>
+        <a:xfrm>
+          <a:off x="6294186" y="1899265"/>
+          <a:ext cx="282110" cy="351918"/>
+        </a:xfrm>
+        <a:prstGeom prst="rightArrow">
+          <a:avLst>
+            <a:gd name="adj1" fmla="val 60000"/>
+            <a:gd name="adj2" fmla="val 50000"/>
+          </a:avLst>
+        </a:prstGeom>
+        <a:solidFill>
+          <a:schemeClr val="accent1">
+            <a:tint val="60000"/>
+            <a:hueOff val="0"/>
+            <a:satOff val="0"/>
+            <a:lumOff val="0"/>
+            <a:alphaOff val="0"/>
+          </a:schemeClr>
+        </a:solidFill>
+        <a:ln>
+          <a:noFill/>
+        </a:ln>
+        <a:effectLst/>
+      </dsp:spPr>
+      <dsp:style>
+        <a:lnRef idx="0">
+          <a:scrgbClr r="0" g="0" b="0"/>
+        </a:lnRef>
+        <a:fillRef idx="1">
+          <a:scrgbClr r="0" g="0" b="0"/>
+        </a:fillRef>
+        <a:effectRef idx="0">
+          <a:scrgbClr r="0" g="0" b="0"/>
+        </a:effectRef>
+        <a:fontRef idx="minor">
+          <a:schemeClr val="lt1"/>
+        </a:fontRef>
+      </dsp:style>
+      <dsp:txBody>
+        <a:bodyPr spcFirstLastPara="0" vert="horz" wrap="square" lIns="0" tIns="0" rIns="0" bIns="0" numCol="1" spcCol="1270" anchor="ctr" anchorCtr="0">
+          <a:noAutofit/>
+        </a:bodyPr>
+        <a:lstStyle/>
+        <a:p>
+          <a:pPr lvl="0" algn="ctr" defTabSz="488950">
+            <a:lnSpc>
+              <a:spcPct val="90000"/>
+            </a:lnSpc>
+            <a:spcBef>
+              <a:spcPct val="0"/>
+            </a:spcBef>
+            <a:spcAft>
+              <a:spcPct val="35000"/>
+            </a:spcAft>
+          </a:pPr>
+          <a:endParaRPr lang="pt-BR" sz="1100" kern="1200"/>
+        </a:p>
+      </dsp:txBody>
+      <dsp:txXfrm>
+        <a:off x="6294186" y="1969649"/>
+        <a:ext cx="197477" cy="211150"/>
+      </dsp:txXfrm>
+    </dsp:sp>
+    <dsp:sp modelId="{F6E69D25-583B-4512-8591-6B6FE3052422}">
+      <dsp:nvSpPr>
+        <dsp:cNvPr id="0" name=""/>
+        <dsp:cNvSpPr/>
+      </dsp:nvSpPr>
+      <dsp:spPr>
+        <a:xfrm>
+          <a:off x="6818106" y="1342933"/>
+          <a:ext cx="1464582" cy="1464582"/>
+        </a:xfrm>
+        <a:prstGeom prst="roundRect">
+          <a:avLst>
+            <a:gd name="adj" fmla="val 10000"/>
+          </a:avLst>
+        </a:prstGeom>
+        <a:blipFill>
+          <a:blip xmlns:r="http://schemas.openxmlformats.org/officeDocument/2006/relationships" r:embed="rId4">
+            <a:extLst>
+              <a:ext uri="{28A0092B-C50C-407E-A947-70E740481C1C}">
+                <a14:useLocalDpi xmlns:a14="http://schemas.microsoft.com/office/drawing/2010/main" val="0"/>
+              </a:ext>
+            </a:extLst>
+          </a:blip>
+          <a:srcRect/>
+          <a:stretch>
+            <a:fillRect/>
+          </a:stretch>
+        </a:blipFill>
+        <a:ln w="15875" cap="rnd" cmpd="sng" algn="ctr">
+          <a:solidFill>
+            <a:schemeClr val="lt1">
+              <a:hueOff val="0"/>
+              <a:satOff val="0"/>
+              <a:lumOff val="0"/>
+              <a:alphaOff val="0"/>
+            </a:schemeClr>
+          </a:solidFill>
+          <a:prstDash val="solid"/>
+        </a:ln>
+        <a:effectLst/>
+      </dsp:spPr>
+      <dsp:style>
+        <a:lnRef idx="2">
+          <a:scrgbClr r="0" g="0" b="0"/>
+        </a:lnRef>
+        <a:fillRef idx="1">
+          <a:scrgbClr r="0" g="0" b="0"/>
+        </a:fillRef>
+        <a:effectRef idx="0">
+          <a:scrgbClr r="0" g="0" b="0"/>
+        </a:effectRef>
+        <a:fontRef idx="minor"/>
+      </dsp:style>
+    </dsp:sp>
+    <dsp:sp modelId="{6E0F8FFA-AE60-4274-9843-26B9784FB67D}">
+      <dsp:nvSpPr>
+        <dsp:cNvPr id="0" name=""/>
+        <dsp:cNvSpPr/>
+      </dsp:nvSpPr>
+      <dsp:spPr>
+        <a:xfrm>
+          <a:off x="7056526" y="2221683"/>
+          <a:ext cx="1464582" cy="1464582"/>
+        </a:xfrm>
+        <a:prstGeom prst="roundRect">
+          <a:avLst>
+            <a:gd name="adj" fmla="val 10000"/>
+          </a:avLst>
+        </a:prstGeom>
+        <a:solidFill>
+          <a:schemeClr val="accent1">
+            <a:hueOff val="0"/>
+            <a:satOff val="0"/>
+            <a:lumOff val="0"/>
+            <a:alphaOff val="0"/>
+          </a:schemeClr>
+        </a:solidFill>
+        <a:ln w="15875" cap="rnd" cmpd="sng" algn="ctr">
+          <a:solidFill>
+            <a:schemeClr val="lt1">
+              <a:hueOff val="0"/>
+              <a:satOff val="0"/>
+              <a:lumOff val="0"/>
+              <a:alphaOff val="0"/>
+            </a:schemeClr>
+          </a:solidFill>
+          <a:prstDash val="solid"/>
+        </a:ln>
+        <a:effectLst/>
+      </dsp:spPr>
+      <dsp:style>
+        <a:lnRef idx="2">
+          <a:scrgbClr r="0" g="0" b="0"/>
+        </a:lnRef>
+        <a:fillRef idx="1">
+          <a:scrgbClr r="0" g="0" b="0"/>
+        </a:fillRef>
+        <a:effectRef idx="0">
+          <a:scrgbClr r="0" g="0" b="0"/>
+        </a:effectRef>
+        <a:fontRef idx="minor">
+          <a:schemeClr val="lt1"/>
+        </a:fontRef>
+      </dsp:style>
+      <dsp:txBody>
+        <a:bodyPr spcFirstLastPara="0" vert="horz" wrap="square" lIns="49530" tIns="49530" rIns="49530" bIns="49530" numCol="1" spcCol="1270" anchor="ctr" anchorCtr="0">
+          <a:noAutofit/>
+        </a:bodyPr>
+        <a:lstStyle/>
+        <a:p>
+          <a:pPr lvl="0" algn="ctr" defTabSz="577850">
+            <a:lnSpc>
+              <a:spcPct val="90000"/>
+            </a:lnSpc>
+            <a:spcBef>
+              <a:spcPct val="0"/>
+            </a:spcBef>
+            <a:spcAft>
+              <a:spcPct val="35000"/>
+            </a:spcAft>
+          </a:pPr>
+          <a:r>
+            <a:rPr lang="pt-BR" sz="1300" kern="1200" dirty="0" smtClean="0"/>
+            <a:t>Teste de stress de navegação entre as funções da aplicação Web.</a:t>
+          </a:r>
+          <a:endParaRPr lang="pt-BR" sz="1300" kern="1200" dirty="0"/>
+        </a:p>
+      </dsp:txBody>
+      <dsp:txXfrm>
+        <a:off x="7099422" y="2264579"/>
+        <a:ext cx="1378790" cy="1378790"/>
+      </dsp:txXfrm>
+    </dsp:sp>
+    <dsp:sp modelId="{790AB561-B2A6-499E-9BB7-924558EE33E5}">
+      <dsp:nvSpPr>
+        <dsp:cNvPr id="0" name=""/>
+        <dsp:cNvSpPr/>
+      </dsp:nvSpPr>
+      <dsp:spPr>
+        <a:xfrm>
+          <a:off x="8564799" y="1899265"/>
+          <a:ext cx="282110" cy="351918"/>
+        </a:xfrm>
+        <a:prstGeom prst="rightArrow">
+          <a:avLst>
+            <a:gd name="adj1" fmla="val 60000"/>
+            <a:gd name="adj2" fmla="val 50000"/>
+          </a:avLst>
+        </a:prstGeom>
+        <a:solidFill>
+          <a:schemeClr val="accent1">
+            <a:tint val="60000"/>
+            <a:hueOff val="0"/>
+            <a:satOff val="0"/>
+            <a:lumOff val="0"/>
+            <a:alphaOff val="0"/>
+          </a:schemeClr>
+        </a:solidFill>
+        <a:ln>
+          <a:noFill/>
+        </a:ln>
+        <a:effectLst/>
+      </dsp:spPr>
+      <dsp:style>
+        <a:lnRef idx="0">
+          <a:scrgbClr r="0" g="0" b="0"/>
+        </a:lnRef>
+        <a:fillRef idx="1">
+          <a:scrgbClr r="0" g="0" b="0"/>
+        </a:fillRef>
+        <a:effectRef idx="0">
+          <a:scrgbClr r="0" g="0" b="0"/>
+        </a:effectRef>
+        <a:fontRef idx="minor">
+          <a:schemeClr val="lt1"/>
+        </a:fontRef>
+      </dsp:style>
+      <dsp:txBody>
+        <a:bodyPr spcFirstLastPara="0" vert="horz" wrap="square" lIns="0" tIns="0" rIns="0" bIns="0" numCol="1" spcCol="1270" anchor="ctr" anchorCtr="0">
+          <a:noAutofit/>
+        </a:bodyPr>
+        <a:lstStyle/>
+        <a:p>
+          <a:pPr lvl="0" algn="ctr" defTabSz="488950">
+            <a:lnSpc>
+              <a:spcPct val="90000"/>
+            </a:lnSpc>
+            <a:spcBef>
+              <a:spcPct val="0"/>
+            </a:spcBef>
+            <a:spcAft>
+              <a:spcPct val="35000"/>
+            </a:spcAft>
+          </a:pPr>
+          <a:endParaRPr lang="pt-BR" sz="1100" kern="1200"/>
+        </a:p>
+      </dsp:txBody>
+      <dsp:txXfrm>
+        <a:off x="8564799" y="1969649"/>
+        <a:ext cx="197477" cy="211150"/>
+      </dsp:txXfrm>
+    </dsp:sp>
+    <dsp:sp modelId="{ACA43685-E356-4065-8C5B-486B768A1C7A}">
+      <dsp:nvSpPr>
+        <dsp:cNvPr id="0" name=""/>
+        <dsp:cNvSpPr/>
+      </dsp:nvSpPr>
+      <dsp:spPr>
+        <a:xfrm>
+          <a:off x="9088720" y="1342933"/>
+          <a:ext cx="1464582" cy="1464582"/>
+        </a:xfrm>
+        <a:prstGeom prst="roundRect">
+          <a:avLst>
+            <a:gd name="adj" fmla="val 10000"/>
+          </a:avLst>
+        </a:prstGeom>
+        <a:blipFill>
+          <a:blip xmlns:r="http://schemas.openxmlformats.org/officeDocument/2006/relationships" r:embed="rId5">
+            <a:extLst>
+              <a:ext uri="{28A0092B-C50C-407E-A947-70E740481C1C}">
+                <a14:useLocalDpi xmlns:a14="http://schemas.microsoft.com/office/drawing/2010/main" val="0"/>
+              </a:ext>
+            </a:extLst>
+          </a:blip>
+          <a:srcRect/>
+          <a:stretch>
+            <a:fillRect/>
+          </a:stretch>
+        </a:blipFill>
+        <a:ln w="15875" cap="rnd" cmpd="sng" algn="ctr">
+          <a:solidFill>
+            <a:schemeClr val="lt1">
+              <a:hueOff val="0"/>
+              <a:satOff val="0"/>
+              <a:lumOff val="0"/>
+              <a:alphaOff val="0"/>
+            </a:schemeClr>
+          </a:solidFill>
+          <a:prstDash val="solid"/>
+        </a:ln>
+        <a:effectLst/>
+      </dsp:spPr>
+      <dsp:style>
+        <a:lnRef idx="2">
+          <a:scrgbClr r="0" g="0" b="0"/>
+        </a:lnRef>
+        <a:fillRef idx="1">
+          <a:scrgbClr r="0" g="0" b="0"/>
+        </a:fillRef>
+        <a:effectRef idx="0">
+          <a:scrgbClr r="0" g="0" b="0"/>
+        </a:effectRef>
+        <a:fontRef idx="minor"/>
+      </dsp:style>
+    </dsp:sp>
+    <dsp:sp modelId="{53D70CC0-9405-4FF3-8C28-7B9FC835DE10}">
+      <dsp:nvSpPr>
+        <dsp:cNvPr id="0" name=""/>
+        <dsp:cNvSpPr/>
+      </dsp:nvSpPr>
+      <dsp:spPr>
+        <a:xfrm>
+          <a:off x="9327140" y="2221683"/>
+          <a:ext cx="1464582" cy="1464582"/>
+        </a:xfrm>
+        <a:prstGeom prst="roundRect">
+          <a:avLst>
+            <a:gd name="adj" fmla="val 10000"/>
+          </a:avLst>
+        </a:prstGeom>
+        <a:solidFill>
+          <a:schemeClr val="accent1">
+            <a:hueOff val="0"/>
+            <a:satOff val="0"/>
+            <a:lumOff val="0"/>
+            <a:alphaOff val="0"/>
+          </a:schemeClr>
+        </a:solidFill>
+        <a:ln w="15875" cap="rnd" cmpd="sng" algn="ctr">
+          <a:solidFill>
+            <a:schemeClr val="lt1">
+              <a:hueOff val="0"/>
+              <a:satOff val="0"/>
+              <a:lumOff val="0"/>
+              <a:alphaOff val="0"/>
+            </a:schemeClr>
+          </a:solidFill>
+          <a:prstDash val="solid"/>
+        </a:ln>
+        <a:effectLst/>
+      </dsp:spPr>
+      <dsp:style>
+        <a:lnRef idx="2">
+          <a:scrgbClr r="0" g="0" b="0"/>
+        </a:lnRef>
+        <a:fillRef idx="1">
+          <a:scrgbClr r="0" g="0" b="0"/>
+        </a:fillRef>
+        <a:effectRef idx="0">
+          <a:scrgbClr r="0" g="0" b="0"/>
+        </a:effectRef>
+        <a:fontRef idx="minor">
+          <a:schemeClr val="lt1"/>
+        </a:fontRef>
+      </dsp:style>
+      <dsp:txBody>
+        <a:bodyPr spcFirstLastPara="0" vert="horz" wrap="square" lIns="49530" tIns="49530" rIns="49530" bIns="49530" numCol="1" spcCol="1270" anchor="ctr" anchorCtr="0">
+          <a:noAutofit/>
+        </a:bodyPr>
+        <a:lstStyle/>
+        <a:p>
+          <a:pPr lvl="0" algn="ctr" defTabSz="577850">
+            <a:lnSpc>
+              <a:spcPct val="90000"/>
+            </a:lnSpc>
+            <a:spcBef>
+              <a:spcPct val="0"/>
+            </a:spcBef>
+            <a:spcAft>
+              <a:spcPct val="35000"/>
+            </a:spcAft>
+          </a:pPr>
+          <a:r>
+            <a:rPr lang="pt-BR" sz="1300" kern="1200" dirty="0" smtClean="0"/>
+            <a:t>Testar se após a conclusão de cadastro o usuário recebe suas informações corretamente.</a:t>
+          </a:r>
+          <a:endParaRPr lang="pt-BR" sz="1300" kern="1200" dirty="0"/>
+        </a:p>
+      </dsp:txBody>
+      <dsp:txXfrm>
+        <a:off x="9370036" y="2264579"/>
+        <a:ext cx="1378790" cy="1378790"/>
+      </dsp:txXfrm>
+    </dsp:sp>
+  </dsp:spTree>
+</dsp:drawing>
+</file>
+
+<file path=ppt/diagrams/drawing2.xml><?xml version="1.0" encoding="utf-8"?>
+<dsp:drawing xmlns:dgm="http://schemas.openxmlformats.org/drawingml/2006/diagram" xmlns:dsp="http://schemas.microsoft.com/office/drawing/2008/diagram" xmlns:a="http://schemas.openxmlformats.org/drawingml/2006/main">
+  <dsp:spTree>
+    <dsp:nvGrpSpPr>
+      <dsp:cNvPr id="0" name=""/>
+      <dsp:cNvGrpSpPr/>
+    </dsp:nvGrpSpPr>
+    <dsp:grpSpPr/>
+    <dsp:sp modelId="{9A70B7D9-3A8B-45E1-A284-2500D3A85C90}">
+      <dsp:nvSpPr>
+        <dsp:cNvPr id="0" name=""/>
+        <dsp:cNvSpPr/>
+      </dsp:nvSpPr>
+      <dsp:spPr>
+        <a:xfrm>
+          <a:off x="4549" y="151095"/>
+          <a:ext cx="3978682" cy="1591473"/>
+        </a:xfrm>
+        <a:prstGeom prst="homePlate">
           <a:avLst/>
         </a:prstGeom>
         <a:solidFill>
@@ -1334,12 +4524,12 @@
         </a:fontRef>
       </dsp:style>
       <dsp:txBody>
-        <a:bodyPr spcFirstLastPara="0" vert="horz" wrap="square" lIns="53340" tIns="53340" rIns="53340" bIns="53340" numCol="1" spcCol="1270" anchor="ctr" anchorCtr="0">
+        <a:bodyPr spcFirstLastPara="0" vert="horz" wrap="square" lIns="117348" tIns="58674" rIns="29337" bIns="58674" numCol="1" spcCol="1270" anchor="ctr" anchorCtr="0">
           <a:noAutofit/>
         </a:bodyPr>
         <a:lstStyle/>
         <a:p>
-          <a:pPr lvl="0" algn="ctr" defTabSz="622300">
+          <a:pPr lvl="0" algn="ctr" defTabSz="977900">
             <a:lnSpc>
               <a:spcPct val="90000"/>
             </a:lnSpc>
@@ -1351,81 +4541,28 @@
             </a:spcAft>
           </a:pPr>
           <a:r>
-            <a:rPr lang="pt-BR" sz="1400" kern="1200" dirty="0" smtClean="0"/>
-            <a:t>Teste de página Web. Analisar o quanto ele comporta de acessos simultâneos</a:t>
+            <a:rPr lang="pt-BR" sz="2200" kern="1200" dirty="0" smtClean="0"/>
+            <a:t>Cliente acessar a página sem nenhum tipo de problema.</a:t>
           </a:r>
-          <a:endParaRPr lang="pt-BR" sz="1400" kern="1200" dirty="0"/>
+          <a:endParaRPr lang="pt-BR" sz="2200" kern="1200" dirty="0"/>
         </a:p>
       </dsp:txBody>
       <dsp:txXfrm>
-        <a:off x="5173281" y="64533"/>
-        <a:ext cx="1845436" cy="1155766"/>
+        <a:off x="4549" y="151095"/>
+        <a:ext cx="3580814" cy="1591473"/>
       </dsp:txXfrm>
     </dsp:sp>
-    <dsp:sp modelId="{71076EE0-44A3-4805-80E2-24CD5A8E48B5}">
+    <dsp:sp modelId="{DFDC0CF3-5FD6-4686-8554-437D179532AF}">
       <dsp:nvSpPr>
         <dsp:cNvPr id="0" name=""/>
         <dsp:cNvSpPr/>
       </dsp:nvSpPr>
       <dsp:spPr>
         <a:xfrm>
-          <a:off x="3537748" y="642416"/>
-          <a:ext cx="5116503" cy="5116503"/>
+          <a:off x="3187496" y="151095"/>
+          <a:ext cx="3978682" cy="1591473"/>
         </a:xfrm>
-        <a:custGeom>
-          <a:avLst/>
-          <a:gdLst/>
-          <a:ahLst/>
-          <a:cxnLst/>
-          <a:rect l="0" t="0" r="0" b="0"/>
-          <a:pathLst>
-            <a:path>
-              <a:moveTo>
-                <a:pt x="3807306" y="325649"/>
-              </a:moveTo>
-              <a:arcTo wR="2558251" hR="2558251" stAng="17953519" swAng="1211406"/>
-            </a:path>
-          </a:pathLst>
-        </a:custGeom>
-        <a:noFill/>
-        <a:ln w="9525" cap="rnd" cmpd="sng" algn="ctr">
-          <a:solidFill>
-            <a:schemeClr val="accent1">
-              <a:hueOff val="0"/>
-              <a:satOff val="0"/>
-              <a:lumOff val="0"/>
-              <a:alphaOff val="0"/>
-            </a:schemeClr>
-          </a:solidFill>
-          <a:prstDash val="solid"/>
-          <a:tailEnd type="arrow"/>
-        </a:ln>
-        <a:effectLst/>
-      </dsp:spPr>
-      <dsp:style>
-        <a:lnRef idx="1">
-          <a:scrgbClr r="0" g="0" b="0"/>
-        </a:lnRef>
-        <a:fillRef idx="0">
-          <a:scrgbClr r="0" g="0" b="0"/>
-        </a:fillRef>
-        <a:effectRef idx="0">
-          <a:scrgbClr r="0" g="0" b="0"/>
-        </a:effectRef>
-        <a:fontRef idx="minor"/>
-      </dsp:style>
-    </dsp:sp>
-    <dsp:sp modelId="{EBDFA3BE-07DB-49F5-8388-1DD7165DA4C1}">
-      <dsp:nvSpPr>
-        <dsp:cNvPr id="0" name=""/>
-        <dsp:cNvSpPr/>
-      </dsp:nvSpPr>
-      <dsp:spPr>
-        <a:xfrm>
-          <a:off x="7543799" y="1769717"/>
-          <a:ext cx="1970484" cy="1280814"/>
-        </a:xfrm>
-        <a:prstGeom prst="roundRect">
+        <a:prstGeom prst="chevron">
           <a:avLst/>
         </a:prstGeom>
         <a:solidFill>
@@ -1464,12 +4601,12 @@
         </a:fontRef>
       </dsp:style>
       <dsp:txBody>
-        <a:bodyPr spcFirstLastPara="0" vert="horz" wrap="square" lIns="53340" tIns="53340" rIns="53340" bIns="53340" numCol="1" spcCol="1270" anchor="ctr" anchorCtr="0">
+        <a:bodyPr spcFirstLastPara="0" vert="horz" wrap="square" lIns="88011" tIns="58674" rIns="29337" bIns="58674" numCol="1" spcCol="1270" anchor="ctr" anchorCtr="0">
           <a:noAutofit/>
         </a:bodyPr>
         <a:lstStyle/>
         <a:p>
-          <a:pPr lvl="0" algn="ctr" defTabSz="622300">
+          <a:pPr lvl="0" algn="ctr" defTabSz="977900">
             <a:lnSpc>
               <a:spcPct val="90000"/>
             </a:lnSpc>
@@ -1481,81 +4618,28 @@
             </a:spcAft>
           </a:pPr>
           <a:r>
-            <a:rPr lang="pt-BR" sz="1400" kern="1200" dirty="0" smtClean="0"/>
-            <a:t>Testar a quantidade suportada em cadastros</a:t>
+            <a:rPr lang="pt-BR" sz="2200" kern="1200" dirty="0" smtClean="0"/>
+            <a:t>Concluir processo de cadastro com todas as funcionalidades do site.</a:t>
           </a:r>
-          <a:endParaRPr lang="pt-BR" sz="1400" kern="1200" dirty="0"/>
+          <a:endParaRPr lang="pt-BR" sz="2200" kern="1200" dirty="0"/>
         </a:p>
       </dsp:txBody>
       <dsp:txXfrm>
-        <a:off x="7606323" y="1832241"/>
-        <a:ext cx="1845436" cy="1155766"/>
+        <a:off x="3983233" y="151095"/>
+        <a:ext cx="2387209" cy="1591473"/>
       </dsp:txXfrm>
     </dsp:sp>
-    <dsp:sp modelId="{F23C175D-5DC7-4F94-A40A-24760AA95530}">
+    <dsp:sp modelId="{98BC32F6-3C8A-4112-BE79-689551A4AFAC}">
       <dsp:nvSpPr>
         <dsp:cNvPr id="0" name=""/>
         <dsp:cNvSpPr/>
       </dsp:nvSpPr>
       <dsp:spPr>
         <a:xfrm>
-          <a:off x="3537748" y="642416"/>
-          <a:ext cx="5116503" cy="5116503"/>
+          <a:off x="6370442" y="151095"/>
+          <a:ext cx="3978682" cy="1591473"/>
         </a:xfrm>
-        <a:custGeom>
-          <a:avLst/>
-          <a:gdLst/>
-          <a:ahLst/>
-          <a:cxnLst/>
-          <a:rect l="0" t="0" r="0" b="0"/>
-          <a:pathLst>
-            <a:path>
-              <a:moveTo>
-                <a:pt x="5110364" y="2735374"/>
-              </a:moveTo>
-              <a:arcTo wR="2558251" hR="2558251" stAng="21838206" swAng="1359623"/>
-            </a:path>
-          </a:pathLst>
-        </a:custGeom>
-        <a:noFill/>
-        <a:ln w="9525" cap="rnd" cmpd="sng" algn="ctr">
-          <a:solidFill>
-            <a:schemeClr val="accent1">
-              <a:hueOff val="0"/>
-              <a:satOff val="0"/>
-              <a:lumOff val="0"/>
-              <a:alphaOff val="0"/>
-            </a:schemeClr>
-          </a:solidFill>
-          <a:prstDash val="solid"/>
-          <a:tailEnd type="arrow"/>
-        </a:ln>
-        <a:effectLst/>
-      </dsp:spPr>
-      <dsp:style>
-        <a:lnRef idx="1">
-          <a:scrgbClr r="0" g="0" b="0"/>
-        </a:lnRef>
-        <a:fillRef idx="0">
-          <a:scrgbClr r="0" g="0" b="0"/>
-        </a:fillRef>
-        <a:effectRef idx="0">
-          <a:scrgbClr r="0" g="0" b="0"/>
-        </a:effectRef>
-        <a:fontRef idx="minor"/>
-      </dsp:style>
-    </dsp:sp>
-    <dsp:sp modelId="{995CA4DA-E300-4BA1-9E61-63EA3205C482}">
-      <dsp:nvSpPr>
-        <dsp:cNvPr id="0" name=""/>
-        <dsp:cNvSpPr/>
-      </dsp:nvSpPr>
-      <dsp:spPr>
-        <a:xfrm>
-          <a:off x="6614460" y="4629930"/>
-          <a:ext cx="1970484" cy="1280814"/>
-        </a:xfrm>
-        <a:prstGeom prst="roundRect">
+        <a:prstGeom prst="chevron">
           <a:avLst/>
         </a:prstGeom>
         <a:solidFill>
@@ -1594,12 +4678,12 @@
         </a:fontRef>
       </dsp:style>
       <dsp:txBody>
-        <a:bodyPr spcFirstLastPara="0" vert="horz" wrap="square" lIns="53340" tIns="53340" rIns="53340" bIns="53340" numCol="1" spcCol="1270" anchor="ctr" anchorCtr="0">
+        <a:bodyPr spcFirstLastPara="0" vert="horz" wrap="square" lIns="88011" tIns="58674" rIns="29337" bIns="58674" numCol="1" spcCol="1270" anchor="ctr" anchorCtr="0">
           <a:noAutofit/>
         </a:bodyPr>
         <a:lstStyle/>
         <a:p>
-          <a:pPr lvl="0" algn="ctr" defTabSz="622300">
+          <a:pPr lvl="0" algn="ctr" defTabSz="977900">
             <a:lnSpc>
               <a:spcPct val="90000"/>
             </a:lnSpc>
@@ -1611,50 +4695,58 @@
             </a:spcAft>
           </a:pPr>
           <a:r>
-            <a:rPr lang="pt-BR" sz="1400" kern="1200" dirty="0" smtClean="0"/>
-            <a:t>Testar</a:t>
+            <a:rPr lang="pt-BR" sz="2200" kern="1200" dirty="0" smtClean="0"/>
+            <a:t>Usuário receber resposta positiva em seu e-mail.</a:t>
           </a:r>
-          <a:r>
-            <a:rPr lang="pt-BR" sz="1400" kern="1200" baseline="0" dirty="0" smtClean="0"/>
-            <a:t> a capacidade do banco de dados</a:t>
-          </a:r>
-          <a:endParaRPr lang="pt-BR" sz="1400" kern="1200" dirty="0"/>
+          <a:endParaRPr lang="pt-BR" sz="2200" kern="1200" dirty="0"/>
         </a:p>
       </dsp:txBody>
       <dsp:txXfrm>
-        <a:off x="6676984" y="4692454"/>
-        <a:ext cx="1845436" cy="1155766"/>
+        <a:off x="7166179" y="151095"/>
+        <a:ext cx="2387209" cy="1591473"/>
       </dsp:txXfrm>
     </dsp:sp>
-    <dsp:sp modelId="{0749F7E2-46C9-4DE4-B45C-0CEA47903C59}">
+  </dsp:spTree>
+</dsp:drawing>
+</file>
+
+<file path=ppt/diagrams/drawing3.xml><?xml version="1.0" encoding="utf-8"?>
+<dsp:drawing xmlns:dgm="http://schemas.openxmlformats.org/drawingml/2006/diagram" xmlns:dsp="http://schemas.microsoft.com/office/drawing/2008/diagram" xmlns:a="http://schemas.openxmlformats.org/drawingml/2006/main">
+  <dsp:spTree>
+    <dsp:nvGrpSpPr>
+      <dsp:cNvPr id="0" name=""/>
+      <dsp:cNvGrpSpPr/>
+    </dsp:nvGrpSpPr>
+    <dsp:grpSpPr/>
+    <dsp:sp modelId="{4F7896AA-1E2E-411D-B945-82E71EAA319A}">
       <dsp:nvSpPr>
         <dsp:cNvPr id="0" name=""/>
         <dsp:cNvSpPr/>
       </dsp:nvSpPr>
       <dsp:spPr>
-        <a:xfrm>
-          <a:off x="3537748" y="642416"/>
-          <a:ext cx="5116503" cy="5116503"/>
+        <a:xfrm rot="5400000">
+          <a:off x="2465776" y="1185983"/>
+          <a:ext cx="1048900" cy="1194136"/>
         </a:xfrm>
-        <a:custGeom>
-          <a:avLst/>
-          <a:gdLst/>
-          <a:ahLst/>
-          <a:cxnLst/>
-          <a:rect l="0" t="0" r="0" b="0"/>
-          <a:pathLst>
-            <a:path>
-              <a:moveTo>
-                <a:pt x="2872151" y="5097172"/>
-              </a:moveTo>
-              <a:arcTo wR="2558251" hR="2558251" stAng="4977120" swAng="845760"/>
-            </a:path>
-          </a:pathLst>
-        </a:custGeom>
-        <a:noFill/>
-        <a:ln w="9525" cap="rnd" cmpd="sng" algn="ctr">
+        <a:prstGeom prst="bentUpArrow">
+          <a:avLst>
+            <a:gd name="adj1" fmla="val 32840"/>
+            <a:gd name="adj2" fmla="val 25000"/>
+            <a:gd name="adj3" fmla="val 35780"/>
+          </a:avLst>
+        </a:prstGeom>
+        <a:solidFill>
+          <a:schemeClr val="accent1">
+            <a:tint val="50000"/>
+            <a:hueOff val="0"/>
+            <a:satOff val="0"/>
+            <a:lumOff val="0"/>
+            <a:alphaOff val="0"/>
+          </a:schemeClr>
+        </a:solidFill>
+        <a:ln w="15875" cap="rnd" cmpd="sng" algn="ctr">
           <a:solidFill>
-            <a:schemeClr val="accent1">
+            <a:schemeClr val="lt1">
               <a:hueOff val="0"/>
               <a:satOff val="0"/>
               <a:lumOff val="0"/>
@@ -1662,15 +4754,14 @@
             </a:schemeClr>
           </a:solidFill>
           <a:prstDash val="solid"/>
-          <a:tailEnd type="arrow"/>
         </a:ln>
         <a:effectLst/>
       </dsp:spPr>
       <dsp:style>
-        <a:lnRef idx="1">
+        <a:lnRef idx="2">
           <a:scrgbClr r="0" g="0" b="0"/>
         </a:lnRef>
-        <a:fillRef idx="0">
+        <a:fillRef idx="1">
           <a:scrgbClr r="0" g="0" b="0"/>
         </a:fillRef>
         <a:effectRef idx="0">
@@ -1679,18 +4770,20 @@
         <a:fontRef idx="minor"/>
       </dsp:style>
     </dsp:sp>
-    <dsp:sp modelId="{9D865140-78F2-4150-B794-13BD99C1FDDC}">
+    <dsp:sp modelId="{EB3500CD-6079-46DE-95C1-63A8162F496D}">
       <dsp:nvSpPr>
         <dsp:cNvPr id="0" name=""/>
         <dsp:cNvSpPr/>
       </dsp:nvSpPr>
       <dsp:spPr>
         <a:xfrm>
-          <a:off x="3607055" y="4629930"/>
-          <a:ext cx="1970484" cy="1280814"/>
+          <a:off x="2187881" y="23256"/>
+          <a:ext cx="1765730" cy="1235954"/>
         </a:xfrm>
         <a:prstGeom prst="roundRect">
-          <a:avLst/>
+          <a:avLst>
+            <a:gd name="adj" fmla="val 16670"/>
+          </a:avLst>
         </a:prstGeom>
         <a:solidFill>
           <a:schemeClr val="accent1">
@@ -1728,12 +4821,12 @@
         </a:fontRef>
       </dsp:style>
       <dsp:txBody>
-        <a:bodyPr spcFirstLastPara="0" vert="horz" wrap="square" lIns="53340" tIns="53340" rIns="53340" bIns="53340" numCol="1" spcCol="1270" anchor="ctr" anchorCtr="0">
+        <a:bodyPr spcFirstLastPara="0" vert="horz" wrap="square" lIns="133350" tIns="133350" rIns="133350" bIns="133350" numCol="1" spcCol="1270" anchor="ctr" anchorCtr="0">
           <a:noAutofit/>
         </a:bodyPr>
         <a:lstStyle/>
         <a:p>
-          <a:pPr lvl="0" algn="ctr" defTabSz="622300">
+          <a:pPr lvl="0" algn="ctr" defTabSz="1555750">
             <a:lnSpc>
               <a:spcPct val="90000"/>
             </a:lnSpc>
@@ -1744,60 +4837,35 @@
               <a:spcPct val="35000"/>
             </a:spcAft>
           </a:pPr>
-          <a:r>
-            <a:rPr lang="pt-BR" sz="1400" kern="1200" dirty="0" smtClean="0"/>
-            <a:t>Testar a fluidez de navegação entre as funções da aplicação Web.</a:t>
-          </a:r>
-          <a:endParaRPr lang="pt-BR" sz="1400" kern="1200" dirty="0"/>
+          <a:endParaRPr lang="pt-BR" sz="3500" kern="1200"/>
         </a:p>
       </dsp:txBody>
       <dsp:txXfrm>
-        <a:off x="3669579" y="4692454"/>
-        <a:ext cx="1845436" cy="1155766"/>
+        <a:off x="2248226" y="83601"/>
+        <a:ext cx="1645040" cy="1115264"/>
       </dsp:txXfrm>
     </dsp:sp>
-    <dsp:sp modelId="{4EFF039D-932D-410F-8A0B-E91C1B6224F3}">
+    <dsp:sp modelId="{A409F48D-D07E-4E37-B644-6E5F63F2F381}">
       <dsp:nvSpPr>
         <dsp:cNvPr id="0" name=""/>
         <dsp:cNvSpPr/>
       </dsp:nvSpPr>
       <dsp:spPr>
         <a:xfrm>
-          <a:off x="3537748" y="642416"/>
-          <a:ext cx="5116503" cy="5116503"/>
+          <a:off x="3953612" y="141133"/>
+          <a:ext cx="1284224" cy="998952"/>
         </a:xfrm>
-        <a:custGeom>
+        <a:prstGeom prst="rect">
           <a:avLst/>
-          <a:gdLst/>
-          <a:ahLst/>
-          <a:cxnLst/>
-          <a:rect l="0" t="0" r="0" b="0"/>
-          <a:pathLst>
-            <a:path>
-              <a:moveTo>
-                <a:pt x="271390" y="3704949"/>
-              </a:moveTo>
-              <a:arcTo wR="2558251" hR="2558251" stAng="9202171" swAng="1359623"/>
-            </a:path>
-          </a:pathLst>
-        </a:custGeom>
+        </a:prstGeom>
         <a:noFill/>
-        <a:ln w="9525" cap="rnd" cmpd="sng" algn="ctr">
-          <a:solidFill>
-            <a:schemeClr val="accent1">
-              <a:hueOff val="0"/>
-              <a:satOff val="0"/>
-              <a:lumOff val="0"/>
-              <a:alphaOff val="0"/>
-            </a:schemeClr>
-          </a:solidFill>
-          <a:prstDash val="solid"/>
-          <a:tailEnd type="arrow"/>
+        <a:ln>
+          <a:noFill/>
         </a:ln>
         <a:effectLst/>
       </dsp:spPr>
       <dsp:style>
-        <a:lnRef idx="1">
+        <a:lnRef idx="0">
           <a:scrgbClr r="0" g="0" b="0"/>
         </a:lnRef>
         <a:fillRef idx="0">
@@ -1808,19 +4876,98 @@
         </a:effectRef>
         <a:fontRef idx="minor"/>
       </dsp:style>
+      <dsp:txBody>
+        <a:bodyPr spcFirstLastPara="0" vert="horz" wrap="square" lIns="102870" tIns="102870" rIns="102870" bIns="102870" numCol="1" spcCol="1270" anchor="ctr" anchorCtr="0">
+          <a:noAutofit/>
+        </a:bodyPr>
+        <a:lstStyle/>
+        <a:p>
+          <a:pPr marL="228600" lvl="1" indent="-228600" algn="l" defTabSz="933450">
+            <a:lnSpc>
+              <a:spcPct val="90000"/>
+            </a:lnSpc>
+            <a:spcBef>
+              <a:spcPct val="0"/>
+            </a:spcBef>
+            <a:spcAft>
+              <a:spcPct val="15000"/>
+            </a:spcAft>
+            <a:buChar char="••"/>
+          </a:pPr>
+          <a:endParaRPr lang="pt-BR" sz="2100" kern="1200"/>
+        </a:p>
+      </dsp:txBody>
+      <dsp:txXfrm>
+        <a:off x="3953612" y="141133"/>
+        <a:ext cx="1284224" cy="998952"/>
+      </dsp:txXfrm>
     </dsp:sp>
-    <dsp:sp modelId="{B03DAA97-F9E0-45A6-89EE-B695A36292D5}">
+    <dsp:sp modelId="{0ED83A4D-7F29-4F55-A063-AF7D68023EB7}">
+      <dsp:nvSpPr>
+        <dsp:cNvPr id="0" name=""/>
+        <dsp:cNvSpPr/>
+      </dsp:nvSpPr>
+      <dsp:spPr>
+        <a:xfrm rot="5400000">
+          <a:off x="3929754" y="2574368"/>
+          <a:ext cx="1048900" cy="1194136"/>
+        </a:xfrm>
+        <a:prstGeom prst="bentUpArrow">
+          <a:avLst>
+            <a:gd name="adj1" fmla="val 32840"/>
+            <a:gd name="adj2" fmla="val 25000"/>
+            <a:gd name="adj3" fmla="val 35780"/>
+          </a:avLst>
+        </a:prstGeom>
+        <a:solidFill>
+          <a:schemeClr val="accent1">
+            <a:tint val="50000"/>
+            <a:hueOff val="0"/>
+            <a:satOff val="0"/>
+            <a:lumOff val="0"/>
+            <a:alphaOff val="0"/>
+          </a:schemeClr>
+        </a:solidFill>
+        <a:ln w="15875" cap="rnd" cmpd="sng" algn="ctr">
+          <a:solidFill>
+            <a:schemeClr val="lt1">
+              <a:hueOff val="0"/>
+              <a:satOff val="0"/>
+              <a:lumOff val="0"/>
+              <a:alphaOff val="0"/>
+            </a:schemeClr>
+          </a:solidFill>
+          <a:prstDash val="solid"/>
+        </a:ln>
+        <a:effectLst/>
+      </dsp:spPr>
+      <dsp:style>
+        <a:lnRef idx="2">
+          <a:scrgbClr r="0" g="0" b="0"/>
+        </a:lnRef>
+        <a:fillRef idx="1">
+          <a:scrgbClr r="0" g="0" b="0"/>
+        </a:fillRef>
+        <a:effectRef idx="0">
+          <a:scrgbClr r="0" g="0" b="0"/>
+        </a:effectRef>
+        <a:fontRef idx="minor"/>
+      </dsp:style>
+    </dsp:sp>
+    <dsp:sp modelId="{70330159-98CC-4FC5-985E-1F8A13274438}">
       <dsp:nvSpPr>
         <dsp:cNvPr id="0" name=""/>
         <dsp:cNvSpPr/>
       </dsp:nvSpPr>
       <dsp:spPr>
         <a:xfrm>
-          <a:off x="2677715" y="1769717"/>
-          <a:ext cx="1970484" cy="1280814"/>
+          <a:off x="3651859" y="1411641"/>
+          <a:ext cx="1765730" cy="1235954"/>
         </a:xfrm>
         <a:prstGeom prst="roundRect">
-          <a:avLst/>
+          <a:avLst>
+            <a:gd name="adj" fmla="val 16670"/>
+          </a:avLst>
         </a:prstGeom>
         <a:solidFill>
           <a:schemeClr val="accent1">
@@ -1858,12 +5005,12 @@
         </a:fontRef>
       </dsp:style>
       <dsp:txBody>
-        <a:bodyPr spcFirstLastPara="0" vert="horz" wrap="square" lIns="53340" tIns="53340" rIns="53340" bIns="53340" numCol="1" spcCol="1270" anchor="ctr" anchorCtr="0">
+        <a:bodyPr spcFirstLastPara="0" vert="horz" wrap="square" lIns="133350" tIns="133350" rIns="133350" bIns="133350" numCol="1" spcCol="1270" anchor="ctr" anchorCtr="0">
           <a:noAutofit/>
         </a:bodyPr>
         <a:lstStyle/>
         <a:p>
-          <a:pPr lvl="0" algn="ctr" defTabSz="622300">
+          <a:pPr lvl="0" algn="ctr" defTabSz="1555750">
             <a:lnSpc>
               <a:spcPct val="90000"/>
             </a:lnSpc>
@@ -1874,60 +5021,35 @@
               <a:spcPct val="35000"/>
             </a:spcAft>
           </a:pPr>
-          <a:r>
-            <a:rPr lang="pt-BR" sz="1400" kern="1200" dirty="0" smtClean="0"/>
-            <a:t>Testar se após a conclusão de cadastro o usuário recebe suas informações corretamente.</a:t>
-          </a:r>
-          <a:endParaRPr lang="pt-BR" sz="1400" kern="1200" dirty="0"/>
+          <a:endParaRPr lang="pt-BR" sz="3500" kern="1200"/>
         </a:p>
       </dsp:txBody>
       <dsp:txXfrm>
-        <a:off x="2740239" y="1832241"/>
-        <a:ext cx="1845436" cy="1155766"/>
+        <a:off x="3712204" y="1471986"/>
+        <a:ext cx="1645040" cy="1115264"/>
       </dsp:txXfrm>
     </dsp:sp>
-    <dsp:sp modelId="{F55A06DB-1B38-4074-B67C-56508C8C180D}">
+    <dsp:sp modelId="{54BCAF45-00FE-4014-89EF-46ADCA724552}">
       <dsp:nvSpPr>
         <dsp:cNvPr id="0" name=""/>
         <dsp:cNvSpPr/>
       </dsp:nvSpPr>
       <dsp:spPr>
         <a:xfrm>
-          <a:off x="3537748" y="642416"/>
-          <a:ext cx="5116503" cy="5116503"/>
+          <a:off x="5417590" y="1529517"/>
+          <a:ext cx="1284224" cy="998952"/>
         </a:xfrm>
-        <a:custGeom>
+        <a:prstGeom prst="rect">
           <a:avLst/>
-          <a:gdLst/>
-          <a:ahLst/>
-          <a:cxnLst/>
-          <a:rect l="0" t="0" r="0" b="0"/>
-          <a:pathLst>
-            <a:path>
-              <a:moveTo>
-                <a:pt x="615396" y="893930"/>
-              </a:moveTo>
-              <a:arcTo wR="2558251" hR="2558251" stAng="13235075" swAng="1211406"/>
-            </a:path>
-          </a:pathLst>
-        </a:custGeom>
+        </a:prstGeom>
         <a:noFill/>
-        <a:ln w="9525" cap="rnd" cmpd="sng" algn="ctr">
-          <a:solidFill>
-            <a:schemeClr val="accent1">
-              <a:hueOff val="0"/>
-              <a:satOff val="0"/>
-              <a:lumOff val="0"/>
-              <a:alphaOff val="0"/>
-            </a:schemeClr>
-          </a:solidFill>
-          <a:prstDash val="solid"/>
-          <a:tailEnd type="arrow"/>
+        <a:ln>
+          <a:noFill/>
         </a:ln>
         <a:effectLst/>
       </dsp:spPr>
       <dsp:style>
-        <a:lnRef idx="1">
+        <a:lnRef idx="0">
           <a:scrgbClr r="0" g="0" b="0"/>
         </a:lnRef>
         <a:fillRef idx="0">
@@ -1938,17 +5060,176 @@
         </a:effectRef>
         <a:fontRef idx="minor"/>
       </dsp:style>
+      <dsp:txBody>
+        <a:bodyPr spcFirstLastPara="0" vert="horz" wrap="square" lIns="102870" tIns="102870" rIns="102870" bIns="102870" numCol="1" spcCol="1270" anchor="ctr" anchorCtr="0">
+          <a:noAutofit/>
+        </a:bodyPr>
+        <a:lstStyle/>
+        <a:p>
+          <a:pPr marL="228600" lvl="1" indent="-228600" algn="l" defTabSz="933450">
+            <a:lnSpc>
+              <a:spcPct val="90000"/>
+            </a:lnSpc>
+            <a:spcBef>
+              <a:spcPct val="0"/>
+            </a:spcBef>
+            <a:spcAft>
+              <a:spcPct val="15000"/>
+            </a:spcAft>
+            <a:buChar char="••"/>
+          </a:pPr>
+          <a:endParaRPr lang="pt-BR" sz="2100" kern="1200"/>
+        </a:p>
+      </dsp:txBody>
+      <dsp:txXfrm>
+        <a:off x="5417590" y="1529517"/>
+        <a:ext cx="1284224" cy="998952"/>
+      </dsp:txXfrm>
+    </dsp:sp>
+    <dsp:sp modelId="{94997029-F6AA-402D-9443-9AC4D4D3ABC8}">
+      <dsp:nvSpPr>
+        <dsp:cNvPr id="0" name=""/>
+        <dsp:cNvSpPr/>
+      </dsp:nvSpPr>
+      <dsp:spPr>
+        <a:xfrm>
+          <a:off x="5115838" y="2800025"/>
+          <a:ext cx="1765730" cy="1235954"/>
+        </a:xfrm>
+        <a:prstGeom prst="roundRect">
+          <a:avLst>
+            <a:gd name="adj" fmla="val 16670"/>
+          </a:avLst>
+        </a:prstGeom>
+        <a:solidFill>
+          <a:schemeClr val="accent1">
+            <a:hueOff val="0"/>
+            <a:satOff val="0"/>
+            <a:lumOff val="0"/>
+            <a:alphaOff val="0"/>
+          </a:schemeClr>
+        </a:solidFill>
+        <a:ln w="15875" cap="rnd" cmpd="sng" algn="ctr">
+          <a:solidFill>
+            <a:schemeClr val="lt1">
+              <a:hueOff val="0"/>
+              <a:satOff val="0"/>
+              <a:lumOff val="0"/>
+              <a:alphaOff val="0"/>
+            </a:schemeClr>
+          </a:solidFill>
+          <a:prstDash val="solid"/>
+        </a:ln>
+        <a:effectLst/>
+      </dsp:spPr>
+      <dsp:style>
+        <a:lnRef idx="2">
+          <a:scrgbClr r="0" g="0" b="0"/>
+        </a:lnRef>
+        <a:fillRef idx="1">
+          <a:scrgbClr r="0" g="0" b="0"/>
+        </a:fillRef>
+        <a:effectRef idx="0">
+          <a:scrgbClr r="0" g="0" b="0"/>
+        </a:effectRef>
+        <a:fontRef idx="minor">
+          <a:schemeClr val="lt1"/>
+        </a:fontRef>
+      </dsp:style>
+      <dsp:txBody>
+        <a:bodyPr spcFirstLastPara="0" vert="horz" wrap="square" lIns="133350" tIns="133350" rIns="133350" bIns="133350" numCol="1" spcCol="1270" anchor="ctr" anchorCtr="0">
+          <a:noAutofit/>
+        </a:bodyPr>
+        <a:lstStyle/>
+        <a:p>
+          <a:pPr lvl="0" algn="ctr" defTabSz="1555750">
+            <a:lnSpc>
+              <a:spcPct val="90000"/>
+            </a:lnSpc>
+            <a:spcBef>
+              <a:spcPct val="0"/>
+            </a:spcBef>
+            <a:spcAft>
+              <a:spcPct val="35000"/>
+            </a:spcAft>
+          </a:pPr>
+          <a:endParaRPr lang="pt-BR" sz="3500" kern="1200"/>
+        </a:p>
+      </dsp:txBody>
+      <dsp:txXfrm>
+        <a:off x="5176183" y="2860370"/>
+        <a:ext cx="1645040" cy="1115264"/>
+      </dsp:txXfrm>
+    </dsp:sp>
+    <dsp:sp modelId="{9C73EFF1-BE98-4F42-B629-905488FC2569}">
+      <dsp:nvSpPr>
+        <dsp:cNvPr id="0" name=""/>
+        <dsp:cNvSpPr/>
+      </dsp:nvSpPr>
+      <dsp:spPr>
+        <a:xfrm>
+          <a:off x="6881569" y="2917902"/>
+          <a:ext cx="1284224" cy="998952"/>
+        </a:xfrm>
+        <a:prstGeom prst="rect">
+          <a:avLst/>
+        </a:prstGeom>
+        <a:noFill/>
+        <a:ln>
+          <a:noFill/>
+        </a:ln>
+        <a:effectLst/>
+      </dsp:spPr>
+      <dsp:style>
+        <a:lnRef idx="0">
+          <a:scrgbClr r="0" g="0" b="0"/>
+        </a:lnRef>
+        <a:fillRef idx="0">
+          <a:scrgbClr r="0" g="0" b="0"/>
+        </a:fillRef>
+        <a:effectRef idx="0">
+          <a:scrgbClr r="0" g="0" b="0"/>
+        </a:effectRef>
+        <a:fontRef idx="minor"/>
+      </dsp:style>
+      <dsp:txBody>
+        <a:bodyPr spcFirstLastPara="0" vert="horz" wrap="square" lIns="102870" tIns="102870" rIns="102870" bIns="102870" numCol="1" spcCol="1270" anchor="ctr" anchorCtr="0">
+          <a:noAutofit/>
+        </a:bodyPr>
+        <a:lstStyle/>
+        <a:p>
+          <a:pPr marL="228600" lvl="1" indent="-228600" algn="l" defTabSz="933450">
+            <a:lnSpc>
+              <a:spcPct val="90000"/>
+            </a:lnSpc>
+            <a:spcBef>
+              <a:spcPct val="0"/>
+            </a:spcBef>
+            <a:spcAft>
+              <a:spcPct val="15000"/>
+            </a:spcAft>
+            <a:buChar char="••"/>
+          </a:pPr>
+          <a:endParaRPr lang="pt-BR" sz="2100" kern="1200"/>
+        </a:p>
+      </dsp:txBody>
+      <dsp:txXfrm>
+        <a:off x="6881569" y="2917902"/>
+        <a:ext cx="1284224" cy="998952"/>
+      </dsp:txXfrm>
     </dsp:sp>
   </dsp:spTree>
 </dsp:drawing>
 </file>
 
 <file path=ppt/diagrams/layout1.xml><?xml version="1.0" encoding="utf-8"?>
-<dgm:layoutDef xmlns:dgm="http://schemas.openxmlformats.org/drawingml/2006/diagram" xmlns:a="http://schemas.openxmlformats.org/drawingml/2006/main" uniqueId="urn:microsoft.com/office/officeart/2005/8/layout/cycle5">
+<dgm:layoutDef xmlns:dgm="http://schemas.openxmlformats.org/drawingml/2006/diagram" xmlns:a="http://schemas.openxmlformats.org/drawingml/2006/main" uniqueId="urn:microsoft.com/office/officeart/2005/8/layout/hProcess10">
   <dgm:title val=""/>
   <dgm:desc val=""/>
   <dgm:catLst>
-    <dgm:cat type="cycle" pri="3000"/>
+    <dgm:cat type="process" pri="3000"/>
+    <dgm:cat type="picture" pri="30000"/>
+    <dgm:cat type="pictureconvert" pri="30000"/>
   </dgm:catLst>
   <dgm:sampData>
     <dgm:dataModel>
@@ -1957,25 +5238,41 @@
         <dgm:pt modelId="1">
           <dgm:prSet phldr="1"/>
         </dgm:pt>
+        <dgm:pt modelId="11">
+          <dgm:prSet phldr="1"/>
+        </dgm:pt>
+        <dgm:pt modelId="12">
+          <dgm:prSet phldr="1"/>
+        </dgm:pt>
         <dgm:pt modelId="2">
+          <dgm:prSet phldr="1"/>
+        </dgm:pt>
+        <dgm:pt modelId="21">
+          <dgm:prSet phldr="1"/>
+        </dgm:pt>
+        <dgm:pt modelId="22">
           <dgm:prSet phldr="1"/>
         </dgm:pt>
         <dgm:pt modelId="3">
           <dgm:prSet phldr="1"/>
         </dgm:pt>
-        <dgm:pt modelId="4">
+        <dgm:pt modelId="31">
           <dgm:prSet phldr="1"/>
         </dgm:pt>
-        <dgm:pt modelId="5">
+        <dgm:pt modelId="32">
           <dgm:prSet phldr="1"/>
         </dgm:pt>
       </dgm:ptLst>
       <dgm:cxnLst>
-        <dgm:cxn modelId="6" srcId="0" destId="1" srcOrd="0" destOrd="0"/>
-        <dgm:cxn modelId="7" srcId="0" destId="2" srcOrd="1" destOrd="0"/>
-        <dgm:cxn modelId="8" srcId="0" destId="3" srcOrd="2" destOrd="0"/>
-        <dgm:cxn modelId="9" srcId="0" destId="4" srcOrd="3" destOrd="0"/>
-        <dgm:cxn modelId="10" srcId="0" destId="5" srcOrd="4" destOrd="0"/>
+        <dgm:cxn modelId="4" srcId="0" destId="1" srcOrd="0" destOrd="0"/>
+        <dgm:cxn modelId="5" srcId="0" destId="2" srcOrd="1" destOrd="0"/>
+        <dgm:cxn modelId="6" srcId="0" destId="3" srcOrd="2" destOrd="0"/>
+        <dgm:cxn modelId="13" srcId="1" destId="11" srcOrd="0" destOrd="0"/>
+        <dgm:cxn modelId="14" srcId="1" destId="12" srcOrd="1" destOrd="0"/>
+        <dgm:cxn modelId="23" srcId="2" destId="21" srcOrd="0" destOrd="0"/>
+        <dgm:cxn modelId="24" srcId="2" destId="22" srcOrd="1" destOrd="0"/>
+        <dgm:cxn modelId="33" srcId="3" destId="31" srcOrd="0" destOrd="0"/>
+        <dgm:cxn modelId="34" srcId="3" destId="32" srcOrd="1" destOrd="0"/>
       </dgm:cxnLst>
       <dgm:bg/>
       <dgm:whole/>
@@ -1986,13 +5283,209 @@
       <dgm:ptLst>
         <dgm:pt modelId="0" type="doc"/>
         <dgm:pt modelId="1"/>
+        <dgm:pt modelId="11"/>
         <dgm:pt modelId="2"/>
-        <dgm:pt modelId="3"/>
+        <dgm:pt modelId="21"/>
       </dgm:ptLst>
       <dgm:cxnLst>
         <dgm:cxn modelId="4" srcId="0" destId="1" srcOrd="0" destOrd="0"/>
         <dgm:cxn modelId="5" srcId="0" destId="2" srcOrd="1" destOrd="0"/>
-        <dgm:cxn modelId="6" srcId="0" destId="3" srcOrd="2" destOrd="0"/>
+        <dgm:cxn modelId="13" srcId="1" destId="11" srcOrd="0" destOrd="0"/>
+        <dgm:cxn modelId="23" srcId="2" destId="21" srcOrd="0" destOrd="0"/>
+      </dgm:cxnLst>
+      <dgm:bg/>
+      <dgm:whole/>
+    </dgm:dataModel>
+  </dgm:styleData>
+  <dgm:clrData>
+    <dgm:dataModel>
+      <dgm:ptLst>
+        <dgm:pt modelId="0" type="doc"/>
+        <dgm:pt modelId="1"/>
+        <dgm:pt modelId="11"/>
+        <dgm:pt modelId="2"/>
+        <dgm:pt modelId="21"/>
+        <dgm:pt modelId="3"/>
+        <dgm:pt modelId="31"/>
+        <dgm:pt modelId="4"/>
+        <dgm:pt modelId="41"/>
+      </dgm:ptLst>
+      <dgm:cxnLst>
+        <dgm:cxn modelId="5" srcId="0" destId="1" srcOrd="0" destOrd="0"/>
+        <dgm:cxn modelId="6" srcId="0" destId="2" srcOrd="1" destOrd="0"/>
+        <dgm:cxn modelId="7" srcId="0" destId="3" srcOrd="2" destOrd="0"/>
+        <dgm:cxn modelId="8" srcId="0" destId="4" srcOrd="3" destOrd="0"/>
+        <dgm:cxn modelId="13" srcId="1" destId="11" srcOrd="0" destOrd="0"/>
+        <dgm:cxn modelId="23" srcId="2" destId="21" srcOrd="0" destOrd="0"/>
+        <dgm:cxn modelId="33" srcId="3" destId="31" srcOrd="0" destOrd="0"/>
+        <dgm:cxn modelId="43" srcId="4" destId="41" srcOrd="0" destOrd="0"/>
+      </dgm:cxnLst>
+      <dgm:bg/>
+      <dgm:whole/>
+    </dgm:dataModel>
+  </dgm:clrData>
+  <dgm:layoutNode name="Name0">
+    <dgm:varLst>
+      <dgm:dir/>
+      <dgm:resizeHandles val="exact"/>
+    </dgm:varLst>
+    <dgm:choose name="Name1">
+      <dgm:if name="Name2" func="var" arg="dir" op="equ" val="norm">
+        <dgm:alg type="lin"/>
+      </dgm:if>
+      <dgm:else name="Name3">
+        <dgm:alg type="lin">
+          <dgm:param type="linDir" val="fromR"/>
+        </dgm:alg>
+      </dgm:else>
+    </dgm:choose>
+    <dgm:shape xmlns:r="http://schemas.openxmlformats.org/officeDocument/2006/relationships" r:blip="">
+      <dgm:adjLst/>
+    </dgm:shape>
+    <dgm:presOf/>
+    <dgm:constrLst>
+      <dgm:constr type="w" for="ch" forName="composite" refType="w"/>
+      <dgm:constr type="w" for="ch" ptType="sibTrans" refType="w" refFor="ch" refForName="composite" op="equ" fact="0.3333"/>
+      <dgm:constr type="primFontSz" for="des" forName="txNode" op="equ" val="65"/>
+      <dgm:constr type="primFontSz" for="des" forName="connTx" op="equ" val="55"/>
+      <dgm:constr type="primFontSz" for="des" forName="connTx" refType="primFontSz" refFor="des" refForName="txNode" op="lte" fact="0.8"/>
+    </dgm:constrLst>
+    <dgm:ruleLst/>
+    <dgm:forEach name="Name4" axis="ch" ptType="node">
+      <dgm:layoutNode name="composite">
+        <dgm:alg type="composite"/>
+        <dgm:shape xmlns:r="http://schemas.openxmlformats.org/officeDocument/2006/relationships" r:blip="">
+          <dgm:adjLst/>
+        </dgm:shape>
+        <dgm:presOf/>
+        <dgm:choose name="Name5">
+          <dgm:if name="Name6" func="var" arg="dir" op="equ" val="norm">
+            <dgm:constrLst>
+              <dgm:constr type="l" for="ch" forName="imagSh"/>
+              <dgm:constr type="w" for="ch" forName="imagSh" refType="w" fact="0.86"/>
+              <dgm:constr type="t" for="ch" forName="imagSh"/>
+              <dgm:constr type="h" for="ch" forName="imagSh" refType="w" refFor="ch" refForName="imagSh"/>
+              <dgm:constr type="l" for="ch" forName="txNode" refType="w" fact="0.14"/>
+              <dgm:constr type="w" for="ch" forName="txNode" refType="w" refFor="ch" refForName="imagSh"/>
+              <dgm:constr type="t" for="ch" forName="txNode" refType="h" refFor="ch" refForName="imagSh" fact="0.6"/>
+              <dgm:constr type="h" for="ch" forName="txNode" refType="h" refFor="ch" refForName="imagSh"/>
+            </dgm:constrLst>
+          </dgm:if>
+          <dgm:else name="Name7">
+            <dgm:constrLst>
+              <dgm:constr type="l" for="ch" forName="imagSh" refType="w" fact="0.14"/>
+              <dgm:constr type="w" for="ch" forName="imagSh" refType="w" fact="0.86"/>
+              <dgm:constr type="t" for="ch" forName="imagSh"/>
+              <dgm:constr type="h" for="ch" forName="imagSh" refType="w" refFor="ch" refForName="imagSh"/>
+              <dgm:constr type="l" for="ch" forName="txNode"/>
+              <dgm:constr type="w" for="ch" forName="txNode" refType="w" refFor="ch" refForName="imagSh"/>
+              <dgm:constr type="t" for="ch" forName="txNode" refType="h" refFor="ch" refForName="imagSh" fact="0.6"/>
+              <dgm:constr type="h" for="ch" forName="txNode" refType="h" refFor="ch" refForName="imagSh"/>
+            </dgm:constrLst>
+          </dgm:else>
+        </dgm:choose>
+        <dgm:ruleLst/>
+        <dgm:layoutNode name="imagSh" styleLbl="bgImgPlace1">
+          <dgm:alg type="sp"/>
+          <dgm:shape xmlns:r="http://schemas.openxmlformats.org/officeDocument/2006/relationships" type="roundRect" r:blip="" blipPhldr="1">
+            <dgm:adjLst>
+              <dgm:adj idx="1" val="0.1"/>
+            </dgm:adjLst>
+          </dgm:shape>
+          <dgm:presOf/>
+          <dgm:constrLst/>
+          <dgm:ruleLst/>
+        </dgm:layoutNode>
+        <dgm:layoutNode name="txNode" styleLbl="node1">
+          <dgm:varLst>
+            <dgm:bulletEnabled val="1"/>
+          </dgm:varLst>
+          <dgm:alg type="tx"/>
+          <dgm:shape xmlns:r="http://schemas.openxmlformats.org/officeDocument/2006/relationships" type="roundRect" r:blip="">
+            <dgm:adjLst>
+              <dgm:adj idx="1" val="0.1"/>
+            </dgm:adjLst>
+          </dgm:shape>
+          <dgm:presOf axis="desOrSelf" ptType="node"/>
+          <dgm:constrLst>
+            <dgm:constr type="tMarg" refType="primFontSz" fact="0.3"/>
+            <dgm:constr type="bMarg" refType="primFontSz" fact="0.3"/>
+            <dgm:constr type="lMarg" refType="primFontSz" fact="0.3"/>
+            <dgm:constr type="rMarg" refType="primFontSz" fact="0.3"/>
+          </dgm:constrLst>
+          <dgm:ruleLst>
+            <dgm:rule type="primFontSz" val="5" fact="NaN" max="NaN"/>
+          </dgm:ruleLst>
+        </dgm:layoutNode>
+      </dgm:layoutNode>
+      <dgm:forEach name="sibTransForEach" axis="followSib" ptType="sibTrans" cnt="1">
+        <dgm:layoutNode name="sibTrans">
+          <dgm:alg type="conn">
+            <dgm:param type="begPts" val="auto"/>
+            <dgm:param type="endPts" val="auto"/>
+            <dgm:param type="srcNode" val="imagSh"/>
+            <dgm:param type="dstNode" val="imagSh"/>
+          </dgm:alg>
+          <dgm:shape xmlns:r="http://schemas.openxmlformats.org/officeDocument/2006/relationships" type="conn" r:blip="">
+            <dgm:adjLst/>
+          </dgm:shape>
+          <dgm:presOf axis="self"/>
+          <dgm:constrLst>
+            <dgm:constr type="h" refType="w" fact="0.62"/>
+            <dgm:constr type="connDist"/>
+            <dgm:constr type="begPad" refType="connDist" fact="0.35"/>
+            <dgm:constr type="endPad" refType="connDist" fact="0.3"/>
+          </dgm:constrLst>
+          <dgm:ruleLst/>
+          <dgm:layoutNode name="connTx">
+            <dgm:alg type="tx">
+              <dgm:param type="autoTxRot" val="grav"/>
+            </dgm:alg>
+            <dgm:shape xmlns:r="http://schemas.openxmlformats.org/officeDocument/2006/relationships" type="conn" r:blip="" hideGeom="1">
+              <dgm:adjLst/>
+            </dgm:shape>
+            <dgm:presOf axis="self"/>
+            <dgm:constrLst>
+              <dgm:constr type="lMarg"/>
+              <dgm:constr type="rMarg"/>
+              <dgm:constr type="tMarg"/>
+              <dgm:constr type="bMarg"/>
+            </dgm:constrLst>
+            <dgm:ruleLst>
+              <dgm:rule type="primFontSz" val="5" fact="NaN" max="NaN"/>
+            </dgm:ruleLst>
+          </dgm:layoutNode>
+        </dgm:layoutNode>
+      </dgm:forEach>
+    </dgm:forEach>
+  </dgm:layoutNode>
+</dgm:layoutDef>
+</file>
+
+<file path=ppt/diagrams/layout2.xml><?xml version="1.0" encoding="utf-8"?>
+<dgm:layoutDef xmlns:dgm="http://schemas.openxmlformats.org/drawingml/2006/diagram" xmlns:a="http://schemas.openxmlformats.org/drawingml/2006/main" uniqueId="urn:microsoft.com/office/officeart/2005/8/layout/hChevron3">
+  <dgm:title val=""/>
+  <dgm:desc val=""/>
+  <dgm:catLst>
+    <dgm:cat type="process" pri="10000"/>
+  </dgm:catLst>
+  <dgm:sampData useDef="1">
+    <dgm:dataModel>
+      <dgm:ptLst/>
+      <dgm:bg/>
+      <dgm:whole/>
+    </dgm:dataModel>
+  </dgm:sampData>
+  <dgm:styleData>
+    <dgm:dataModel>
+      <dgm:ptLst>
+        <dgm:pt modelId="0" type="doc"/>
+        <dgm:pt modelId="1"/>
+        <dgm:pt modelId="2"/>
+      </dgm:ptLst>
+      <dgm:cxnLst>
+        <dgm:cxn modelId="3" srcId="0" destId="1" srcOrd="0" destOrd="0"/>
+        <dgm:cxn modelId="4" srcId="0" destId="2" srcOrd="1" destOrd="0"/>
       </dgm:cxnLst>
       <dgm:bg/>
       <dgm:whole/>
@@ -2006,152 +5499,2628 @@
         <dgm:pt modelId="2"/>
         <dgm:pt modelId="3"/>
         <dgm:pt modelId="4"/>
-        <dgm:pt modelId="5"/>
-        <dgm:pt modelId="6"/>
       </dgm:ptLst>
       <dgm:cxnLst>
-        <dgm:cxn modelId="7" srcId="0" destId="1" srcOrd="0" destOrd="0"/>
-        <dgm:cxn modelId="8" srcId="0" destId="2" srcOrd="1" destOrd="0"/>
-        <dgm:cxn modelId="9" srcId="0" destId="3" srcOrd="2" destOrd="0"/>
-        <dgm:cxn modelId="10" srcId="0" destId="4" srcOrd="3" destOrd="0"/>
-        <dgm:cxn modelId="11" srcId="0" destId="5" srcOrd="4" destOrd="0"/>
-        <dgm:cxn modelId="12" srcId="0" destId="6" srcOrd="5" destOrd="0"/>
+        <dgm:cxn modelId="5" srcId="0" destId="1" srcOrd="0" destOrd="0"/>
+        <dgm:cxn modelId="6" srcId="0" destId="2" srcOrd="1" destOrd="0"/>
+        <dgm:cxn modelId="7" srcId="0" destId="3" srcOrd="2" destOrd="0"/>
+        <dgm:cxn modelId="8" srcId="0" destId="4" srcOrd="3" destOrd="0"/>
       </dgm:cxnLst>
       <dgm:bg/>
       <dgm:whole/>
     </dgm:dataModel>
   </dgm:clrData>
-  <dgm:layoutNode name="cycle">
+  <dgm:layoutNode name="Name0">
     <dgm:varLst>
       <dgm:dir/>
       <dgm:resizeHandles val="exact"/>
     </dgm:varLst>
-    <dgm:choose name="Name0">
-      <dgm:if name="Name1" func="var" arg="dir" op="equ" val="norm">
-        <dgm:choose name="Name2">
-          <dgm:if name="Name3" axis="ch" ptType="node" func="cnt" op="gt" val="2">
-            <dgm:alg type="cycle">
-              <dgm:param type="stAng" val="0"/>
-              <dgm:param type="spanAng" val="360"/>
-            </dgm:alg>
-          </dgm:if>
-          <dgm:else name="Name4">
-            <dgm:alg type="cycle">
-              <dgm:param type="stAng" val="-90"/>
-              <dgm:param type="spanAng" val="360"/>
-            </dgm:alg>
-          </dgm:else>
-        </dgm:choose>
+    <dgm:choose name="Name1">
+      <dgm:if name="Name2" func="var" arg="dir" op="equ" val="norm">
+        <dgm:alg type="lin"/>
       </dgm:if>
-      <dgm:else name="Name5">
-        <dgm:choose name="Name6">
-          <dgm:if name="Name7" axis="ch" ptType="node" func="cnt" op="gt" val="2">
-            <dgm:alg type="cycle">
-              <dgm:param type="stAng" val="0"/>
-              <dgm:param type="spanAng" val="-360"/>
-            </dgm:alg>
-          </dgm:if>
-          <dgm:else name="Name8">
-            <dgm:alg type="cycle">
-              <dgm:param type="stAng" val="90"/>
-              <dgm:param type="spanAng" val="-360"/>
-            </dgm:alg>
-          </dgm:else>
-        </dgm:choose>
+      <dgm:else name="Name3">
+        <dgm:alg type="lin">
+          <dgm:param type="linDir" val="fromR"/>
+        </dgm:alg>
       </dgm:else>
     </dgm:choose>
     <dgm:shape xmlns:r="http://schemas.openxmlformats.org/officeDocument/2006/relationships" r:blip="">
       <dgm:adjLst/>
     </dgm:shape>
     <dgm:presOf/>
-    <dgm:choose name="Name9">
-      <dgm:if name="Name10" func="var" arg="dir" op="equ" val="norm">
+    <dgm:choose name="Name4">
+      <dgm:if name="Name5" axis="root des" func="maxDepth" op="gte" val="2">
         <dgm:constrLst>
-          <dgm:constr type="w" for="ch" forName="node" refType="w"/>
-          <dgm:constr type="w" for="ch" ptType="sibTrans" refType="w" refFor="ch" refForName="node" op="equ" fact="0.3"/>
-          <dgm:constr type="diam" for="ch" ptType="sibTrans" refType="diam" op="equ"/>
-          <dgm:constr type="sibSp" refType="w" refFor="ch" refForName="node" op="equ" fact="0.15"/>
-          <dgm:constr type="w" for="ch" forName="spNode" refType="sibSp" fact="1.6"/>
-          <dgm:constr type="primFontSz" for="ch" forName="node" op="equ" val="65"/>
+          <dgm:constr type="w" for="ch" forName="parAndChTx" refType="w"/>
+          <dgm:constr type="primFontSz" for="ch" ptType="node" op="equ"/>
+          <dgm:constr type="w" for="ch" forName="parAndChSpace" refType="w" refFor="ch" refForName="parAndChTx" fact="-0.2"/>
+          <dgm:constr type="w" for="ch" ptType="sibTrans" op="equ"/>
+        </dgm:constrLst>
+        <dgm:ruleLst/>
+        <dgm:forEach name="Name6" axis="ch" ptType="node">
+          <dgm:layoutNode name="parAndChTx">
+            <dgm:varLst>
+              <dgm:bulletEnabled val="1"/>
+            </dgm:varLst>
+            <dgm:alg type="tx"/>
+            <dgm:choose name="Name7">
+              <dgm:if name="Name8" func="var" arg="dir" op="equ" val="norm">
+                <dgm:choose name="Name9">
+                  <dgm:if name="Name10" axis="self" ptType="node" func="pos" op="equ" val="1">
+                    <dgm:shape xmlns:r="http://schemas.openxmlformats.org/officeDocument/2006/relationships" type="homePlate" r:blip="">
+                      <dgm:adjLst>
+                        <dgm:adj idx="1" val="0.25"/>
+                      </dgm:adjLst>
+                    </dgm:shape>
+                    <dgm:presOf axis="desOrSelf" ptType="node"/>
+                    <dgm:constrLst>
+                      <dgm:constr type="h" refType="w" op="equ" fact="0.8"/>
+                      <dgm:constr type="primFontSz" val="65"/>
+                      <dgm:constr type="tMarg" refType="primFontSz" fact="0.2"/>
+                      <dgm:constr type="bMarg" refType="primFontSz" fact="0.2"/>
+                      <dgm:constr type="lMarg" refType="w" fact="0.1"/>
+                      <dgm:constr type="rMarg" refType="w" fact="0.4"/>
+                    </dgm:constrLst>
+                  </dgm:if>
+                  <dgm:else name="Name11">
+                    <dgm:shape xmlns:r="http://schemas.openxmlformats.org/officeDocument/2006/relationships" type="chevron" r:blip="">
+                      <dgm:adjLst>
+                        <dgm:adj idx="1" val="0.25"/>
+                      </dgm:adjLst>
+                    </dgm:shape>
+                    <dgm:presOf axis="desOrSelf" ptType="node"/>
+                    <dgm:constrLst>
+                      <dgm:constr type="h" refType="w" op="equ" fact="0.8"/>
+                      <dgm:constr type="primFontSz" val="65"/>
+                      <dgm:constr type="tMarg" refType="primFontSz" fact="0.2"/>
+                      <dgm:constr type="bMarg" refType="primFontSz" fact="0.2"/>
+                      <dgm:constr type="lMarg" refType="w" fact="0.1"/>
+                      <dgm:constr type="rMarg" refType="w" fact="0.1"/>
+                    </dgm:constrLst>
+                  </dgm:else>
+                </dgm:choose>
+              </dgm:if>
+              <dgm:else name="Name12">
+                <dgm:choose name="Name13">
+                  <dgm:if name="Name14" axis="self" ptType="node" func="pos" op="equ" val="1">
+                    <dgm:shape xmlns:r="http://schemas.openxmlformats.org/officeDocument/2006/relationships" rot="180" type="homePlate" r:blip="">
+                      <dgm:adjLst>
+                        <dgm:adj idx="1" val="0.25"/>
+                      </dgm:adjLst>
+                    </dgm:shape>
+                    <dgm:presOf axis="desOrSelf" ptType="node"/>
+                    <dgm:constrLst>
+                      <dgm:constr type="h" refType="w" op="equ" fact="0.8"/>
+                      <dgm:constr type="primFontSz" val="65"/>
+                      <dgm:constr type="tMarg" refType="primFontSz" fact="0.2"/>
+                      <dgm:constr type="bMarg" refType="primFontSz" fact="0.2"/>
+                      <dgm:constr type="lMarg" refType="w" fact="0.4"/>
+                      <dgm:constr type="rMarg" refType="w" fact="0.1"/>
+                    </dgm:constrLst>
+                  </dgm:if>
+                  <dgm:else name="Name15">
+                    <dgm:shape xmlns:r="http://schemas.openxmlformats.org/officeDocument/2006/relationships" rot="180" type="chevron" r:blip="">
+                      <dgm:adjLst>
+                        <dgm:adj idx="1" val="0.25"/>
+                      </dgm:adjLst>
+                    </dgm:shape>
+                    <dgm:presOf axis="desOrSelf" ptType="node"/>
+                    <dgm:constrLst>
+                      <dgm:constr type="h" refType="w" op="equ" fact="0.8"/>
+                      <dgm:constr type="primFontSz" val="65"/>
+                      <dgm:constr type="tMarg" refType="primFontSz" fact="0.2"/>
+                      <dgm:constr type="bMarg" refType="primFontSz" fact="0.2"/>
+                      <dgm:constr type="lMarg" refType="w" fact="0.1"/>
+                      <dgm:constr type="rMarg" refType="w" fact="0.1"/>
+                    </dgm:constrLst>
+                  </dgm:else>
+                </dgm:choose>
+              </dgm:else>
+            </dgm:choose>
+            <dgm:ruleLst>
+              <dgm:rule type="primFontSz" val="5" fact="NaN" max="NaN"/>
+            </dgm:ruleLst>
+          </dgm:layoutNode>
+          <dgm:forEach name="Name16" axis="followSib" ptType="sibTrans" cnt="1">
+            <dgm:layoutNode name="parAndChSpace">
+              <dgm:alg type="sp"/>
+              <dgm:shape xmlns:r="http://schemas.openxmlformats.org/officeDocument/2006/relationships" r:blip="">
+                <dgm:adjLst/>
+              </dgm:shape>
+              <dgm:presOf/>
+              <dgm:constrLst/>
+              <dgm:ruleLst/>
+            </dgm:layoutNode>
+          </dgm:forEach>
+        </dgm:forEach>
+      </dgm:if>
+      <dgm:else name="Name17">
+        <dgm:constrLst>
+          <dgm:constr type="w" for="ch" forName="parTxOnly" refType="w"/>
+          <dgm:constr type="primFontSz" for="ch" ptType="node" op="equ"/>
+          <dgm:constr type="w" for="ch" forName="parSpace" refType="w" refFor="ch" refForName="parTxOnly" fact="-0.2"/>
+          <dgm:constr type="w" for="ch" ptType="sibTrans" op="equ"/>
+        </dgm:constrLst>
+        <dgm:ruleLst/>
+        <dgm:forEach name="Name18" axis="ch" ptType="node">
+          <dgm:layoutNode name="parTxOnly">
+            <dgm:varLst>
+              <dgm:bulletEnabled val="1"/>
+            </dgm:varLst>
+            <dgm:alg type="tx"/>
+            <dgm:presOf axis="desOrSelf" ptType="node"/>
+            <dgm:choose name="Name19">
+              <dgm:if name="Name20" func="var" arg="dir" op="equ" val="norm">
+                <dgm:choose name="Name21">
+                  <dgm:if name="Name22" axis="self" ptType="node" func="pos" op="equ" val="1">
+                    <dgm:shape xmlns:r="http://schemas.openxmlformats.org/officeDocument/2006/relationships" type="homePlate" r:blip="">
+                      <dgm:adjLst/>
+                    </dgm:shape>
+                    <dgm:constrLst>
+                      <dgm:constr type="h" refType="w" op="equ" fact="0.4"/>
+                      <dgm:constr type="primFontSz" val="65"/>
+                      <dgm:constr type="tMarg" refType="primFontSz" fact="0.21"/>
+                      <dgm:constr type="bMarg" refType="primFontSz" fact="0.21"/>
+                      <dgm:constr type="lMarg" refType="primFontSz" fact="0.42"/>
+                      <dgm:constr type="rMarg" refType="primFontSz" fact="0.105"/>
+                    </dgm:constrLst>
+                  </dgm:if>
+                  <dgm:else name="Name23">
+                    <dgm:shape xmlns:r="http://schemas.openxmlformats.org/officeDocument/2006/relationships" type="chevron" r:blip="">
+                      <dgm:adjLst/>
+                    </dgm:shape>
+                    <dgm:constrLst>
+                      <dgm:constr type="h" refType="w" op="equ" fact="0.4"/>
+                      <dgm:constr type="primFontSz" val="65"/>
+                      <dgm:constr type="tMarg" refType="primFontSz" fact="0.21"/>
+                      <dgm:constr type="bMarg" refType="primFontSz" fact="0.21"/>
+                      <dgm:constr type="lMarg" refType="primFontSz" fact="0.315"/>
+                      <dgm:constr type="rMarg" refType="primFontSz" fact="0.105"/>
+                    </dgm:constrLst>
+                  </dgm:else>
+                </dgm:choose>
+              </dgm:if>
+              <dgm:else name="Name24">
+                <dgm:choose name="Name25">
+                  <dgm:if name="Name26" axis="self" ptType="node" func="pos" op="equ" val="1">
+                    <dgm:shape xmlns:r="http://schemas.openxmlformats.org/officeDocument/2006/relationships" rot="180" type="homePlate" r:blip="">
+                      <dgm:adjLst/>
+                    </dgm:shape>
+                    <dgm:constrLst>
+                      <dgm:constr type="h" refType="w" op="equ" fact="0.4"/>
+                      <dgm:constr type="primFontSz" val="65"/>
+                      <dgm:constr type="tMarg" refType="primFontSz" fact="0.21"/>
+                      <dgm:constr type="bMarg" refType="primFontSz" fact="0.21"/>
+                      <dgm:constr type="lMarg" refType="primFontSz" fact="0.105"/>
+                      <dgm:constr type="rMarg" refType="primFontSz" fact="0.42"/>
+                    </dgm:constrLst>
+                  </dgm:if>
+                  <dgm:else name="Name27">
+                    <dgm:shape xmlns:r="http://schemas.openxmlformats.org/officeDocument/2006/relationships" rot="180" type="chevron" r:blip="">
+                      <dgm:adjLst/>
+                    </dgm:shape>
+                    <dgm:constrLst>
+                      <dgm:constr type="h" refType="w" op="equ" fact="0.4"/>
+                      <dgm:constr type="primFontSz" val="65"/>
+                      <dgm:constr type="tMarg" refType="primFontSz" fact="0.21"/>
+                      <dgm:constr type="bMarg" refType="primFontSz" fact="0.21"/>
+                      <dgm:constr type="lMarg" refType="primFontSz" fact="0.105"/>
+                      <dgm:constr type="rMarg" refType="primFontSz" fact="0.315"/>
+                    </dgm:constrLst>
+                  </dgm:else>
+                </dgm:choose>
+              </dgm:else>
+            </dgm:choose>
+            <dgm:ruleLst>
+              <dgm:rule type="primFontSz" val="5" fact="NaN" max="NaN"/>
+            </dgm:ruleLst>
+          </dgm:layoutNode>
+          <dgm:forEach name="Name28" axis="followSib" ptType="sibTrans" cnt="1">
+            <dgm:layoutNode name="parSpace">
+              <dgm:alg type="sp"/>
+              <dgm:shape xmlns:r="http://schemas.openxmlformats.org/officeDocument/2006/relationships" r:blip="">
+                <dgm:adjLst/>
+              </dgm:shape>
+              <dgm:presOf/>
+              <dgm:constrLst/>
+              <dgm:ruleLst/>
+            </dgm:layoutNode>
+          </dgm:forEach>
+        </dgm:forEach>
+      </dgm:else>
+    </dgm:choose>
+  </dgm:layoutNode>
+</dgm:layoutDef>
+</file>
+
+<file path=ppt/diagrams/layout3.xml><?xml version="1.0" encoding="utf-8"?>
+<dgm:layoutDef xmlns:dgm="http://schemas.openxmlformats.org/drawingml/2006/diagram" xmlns:a="http://schemas.openxmlformats.org/drawingml/2006/main" uniqueId="urn:microsoft.com/office/officeart/2005/8/layout/StepDownProcess">
+  <dgm:title val=""/>
+  <dgm:desc val=""/>
+  <dgm:catLst>
+    <dgm:cat type="process" pri="1600"/>
+  </dgm:catLst>
+  <dgm:sampData>
+    <dgm:dataModel>
+      <dgm:ptLst>
+        <dgm:pt modelId="0" type="doc"/>
+        <dgm:pt modelId="10">
+          <dgm:prSet phldr="1"/>
+        </dgm:pt>
+        <dgm:pt modelId="11">
+          <dgm:prSet phldr="1"/>
+        </dgm:pt>
+        <dgm:pt modelId="20">
+          <dgm:prSet phldr="1"/>
+        </dgm:pt>
+        <dgm:pt modelId="21">
+          <dgm:prSet phldr="1"/>
+        </dgm:pt>
+        <dgm:pt modelId="30">
+          <dgm:prSet phldr="1"/>
+        </dgm:pt>
+        <dgm:pt modelId="31">
+          <dgm:prSet phldr="1"/>
+        </dgm:pt>
+      </dgm:ptLst>
+      <dgm:cxnLst>
+        <dgm:cxn modelId="60" srcId="0" destId="10" srcOrd="0" destOrd="0"/>
+        <dgm:cxn modelId="12" srcId="10" destId="11" srcOrd="0" destOrd="0"/>
+        <dgm:cxn modelId="70" srcId="0" destId="20" srcOrd="1" destOrd="0"/>
+        <dgm:cxn modelId="22" srcId="20" destId="21" srcOrd="0" destOrd="0"/>
+        <dgm:cxn modelId="80" srcId="0" destId="30" srcOrd="2" destOrd="0"/>
+        <dgm:cxn modelId="32" srcId="30" destId="31" srcOrd="0" destOrd="0"/>
+      </dgm:cxnLst>
+      <dgm:bg/>
+      <dgm:whole/>
+    </dgm:dataModel>
+  </dgm:sampData>
+  <dgm:styleData>
+    <dgm:dataModel>
+      <dgm:ptLst>
+        <dgm:pt modelId="0" type="doc"/>
+        <dgm:pt modelId="10">
+          <dgm:prSet phldr="1"/>
+        </dgm:pt>
+        <dgm:pt modelId="20">
+          <dgm:prSet phldr="1"/>
+        </dgm:pt>
+      </dgm:ptLst>
+      <dgm:cxnLst>
+        <dgm:cxn modelId="60" srcId="0" destId="10" srcOrd="0" destOrd="0"/>
+        <dgm:cxn modelId="70" srcId="0" destId="20" srcOrd="1" destOrd="0"/>
+      </dgm:cxnLst>
+      <dgm:bg/>
+      <dgm:whole/>
+    </dgm:dataModel>
+  </dgm:styleData>
+  <dgm:clrData>
+    <dgm:dataModel>
+      <dgm:ptLst>
+        <dgm:pt modelId="0" type="doc"/>
+        <dgm:pt modelId="10">
+          <dgm:prSet phldr="1"/>
+        </dgm:pt>
+        <dgm:pt modelId="20">
+          <dgm:prSet phldr="1"/>
+        </dgm:pt>
+        <dgm:pt modelId="30">
+          <dgm:prSet phldr="1"/>
+        </dgm:pt>
+        <dgm:pt modelId="40">
+          <dgm:prSet phldr="1"/>
+        </dgm:pt>
+      </dgm:ptLst>
+      <dgm:cxnLst>
+        <dgm:cxn modelId="60" srcId="0" destId="10" srcOrd="0" destOrd="0"/>
+        <dgm:cxn modelId="70" srcId="0" destId="20" srcOrd="1" destOrd="0"/>
+        <dgm:cxn modelId="80" srcId="0" destId="30" srcOrd="2" destOrd="0"/>
+        <dgm:cxn modelId="90" srcId="0" destId="40" srcOrd="3" destOrd="0"/>
+      </dgm:cxnLst>
+      <dgm:bg/>
+      <dgm:whole/>
+    </dgm:dataModel>
+  </dgm:clrData>
+  <dgm:layoutNode name="rootnode">
+    <dgm:varLst>
+      <dgm:chMax/>
+      <dgm:chPref/>
+      <dgm:dir/>
+      <dgm:animLvl val="lvl"/>
+    </dgm:varLst>
+    <dgm:choose name="Name0">
+      <dgm:if name="Name1" func="var" arg="dir" op="equ" val="norm">
+        <dgm:alg type="snake">
+          <dgm:param type="grDir" val="tL"/>
+          <dgm:param type="flowDir" val="row"/>
+          <dgm:param type="off" val="off"/>
+          <dgm:param type="bkpt" val="fixed"/>
+          <dgm:param type="bkPtFixedVal" val="1"/>
+        </dgm:alg>
+      </dgm:if>
+      <dgm:else name="Name2">
+        <dgm:alg type="snake">
+          <dgm:param type="grDir" val="tR"/>
+          <dgm:param type="flowDir" val="row"/>
+          <dgm:param type="off" val="off"/>
+          <dgm:param type="bkpt" val="fixed"/>
+          <dgm:param type="bkPtFixedVal" val="1"/>
+        </dgm:alg>
+      </dgm:else>
+    </dgm:choose>
+    <dgm:shape xmlns:r="http://schemas.openxmlformats.org/officeDocument/2006/relationships" r:blip="">
+      <dgm:adjLst/>
+    </dgm:shape>
+    <dgm:choose name="Name3">
+      <dgm:if name="Name4" func="var" arg="dir" op="equ" val="norm">
+        <dgm:constrLst>
+          <dgm:constr type="alignOff" forName="rootnode" val="0.48"/>
+          <dgm:constr type="primFontSz" for="des" forName="ParentText" val="65"/>
+          <dgm:constr type="primFontSz" for="des" forName="ChildText" refType="primFontSz" refFor="des" refForName="ParentText" op="lte"/>
+          <dgm:constr type="w" for="ch" forName="composite" refType="w"/>
+          <dgm:constr type="h" for="ch" forName="composite" refType="h"/>
+          <dgm:constr type="sp" refType="h" refFor="ch" refForName="composite" op="equ" fact="-0.38"/>
         </dgm:constrLst>
       </dgm:if>
-      <dgm:else name="Name11">
+      <dgm:else name="Name5">
         <dgm:constrLst>
-          <dgm:constr type="w" for="ch" forName="node" refType="w"/>
-          <dgm:constr type="w" for="ch" ptType="sibTrans" refType="w" refFor="ch" refForName="node" op="equ" fact="0.3"/>
-          <dgm:constr type="diam" for="ch" ptType="sibTrans" refType="diam" fact="-1"/>
-          <dgm:constr type="diam" for="ch" refType="diam" op="equ" fact="-1"/>
-          <dgm:constr type="sibSp" refType="w" refFor="ch" refForName="node" op="equ" fact="0.15"/>
-          <dgm:constr type="w" for="ch" forName="spNode" refType="sibSp" fact="1.6"/>
-          <dgm:constr type="primFontSz" for="ch" forName="node" op="equ" val="65"/>
+          <dgm:constr type="alignOff" forName="rootnode" val="0.48"/>
+          <dgm:constr type="primFontSz" for="des" forName="ParentText" val="65"/>
+          <dgm:constr type="primFontSz" for="des" forName="ChildText" refType="primFontSz" refFor="des" refForName="ParentText" op="lte"/>
+          <dgm:constr type="w" for="ch" forName="composite" refType="w"/>
+          <dgm:constr type="h" for="ch" forName="composite" refType="h"/>
+          <dgm:constr type="sp" refType="h" refFor="ch" refForName="composite" op="equ" fact="-0.38"/>
         </dgm:constrLst>
       </dgm:else>
     </dgm:choose>
-    <dgm:ruleLst/>
-    <dgm:forEach name="Name12" axis="ch" ptType="node">
-      <dgm:layoutNode name="node">
-        <dgm:varLst>
-          <dgm:bulletEnabled val="1"/>
-        </dgm:varLst>
-        <dgm:alg type="tx"/>
-        <dgm:shape xmlns:r="http://schemas.openxmlformats.org/officeDocument/2006/relationships" type="roundRect" r:blip="">
+    <dgm:forEach name="nodesForEach" axis="ch" ptType="node">
+      <dgm:layoutNode name="composite">
+        <dgm:alg type="composite">
+          <dgm:param type="ar" val="1.2439"/>
+        </dgm:alg>
+        <dgm:shape xmlns:r="http://schemas.openxmlformats.org/officeDocument/2006/relationships" r:blip="">
           <dgm:adjLst/>
         </dgm:shape>
-        <dgm:presOf axis="desOrSelf" ptType="node"/>
-        <dgm:constrLst>
-          <dgm:constr type="h" refType="w" fact="0.65"/>
-          <dgm:constr type="tMarg" refType="primFontSz" fact="0.3"/>
-          <dgm:constr type="bMarg" refType="primFontSz" fact="0.3"/>
-          <dgm:constr type="lMarg" refType="primFontSz" fact="0.3"/>
-          <dgm:constr type="rMarg" refType="primFontSz" fact="0.3"/>
-        </dgm:constrLst>
-        <dgm:ruleLst>
-          <dgm:rule type="primFontSz" val="5" fact="NaN" max="NaN"/>
-        </dgm:ruleLst>
-      </dgm:layoutNode>
-      <dgm:choose name="Name13">
-        <dgm:if name="Name14" axis="par ch" ptType="doc node" func="cnt" op="gt" val="1">
-          <dgm:layoutNode name="spNode">
-            <dgm:alg type="sp"/>
-            <dgm:shape xmlns:r="http://schemas.openxmlformats.org/officeDocument/2006/relationships" r:blip="">
-              <dgm:adjLst/>
-            </dgm:shape>
-            <dgm:presOf/>
+        <dgm:choose name="Name6">
+          <dgm:if name="Name7" func="var" arg="dir" op="equ" val="norm">
             <dgm:constrLst>
-              <dgm:constr type="h" refType="w"/>
+              <dgm:constr type="l" for="ch" forName="bentUpArrow1" refType="w" fact="0.07"/>
+              <dgm:constr type="t" for="ch" forName="bentUpArrow1" refType="h" fact="0.524"/>
+              <dgm:constr type="w" for="ch" forName="bentUpArrow1" refType="w" fact="0.3844"/>
+              <dgm:constr type="h" for="ch" forName="bentUpArrow1" refType="h" fact="0.42"/>
+              <dgm:constr type="l" for="ch" forName="ParentText" refType="w" fact="0"/>
+              <dgm:constr type="t" for="ch" forName="ParentText" refType="h" fact="0"/>
+              <dgm:constr type="w" for="ch" forName="ParentText" refType="w" fact="0.5684"/>
+              <dgm:constr type="h" for="ch" forName="ParentText" refType="h" fact="0.4949"/>
+              <dgm:constr type="l" for="ch" forName="ChildText" refType="w" refFor="ch" refForName="ParentText"/>
+              <dgm:constr type="t" for="ch" forName="ChildText" refType="h" fact="0.05"/>
+              <dgm:constr type="w" for="ch" forName="ChildText" refType="w" fact="0.4134"/>
+              <dgm:constr type="h" for="ch" forName="ChildText" refType="h" fact="0.4"/>
+              <dgm:constr type="l" for="ch" forName="FinalChildText" refType="w" refFor="ch" refForName="ParentText"/>
+              <dgm:constr type="t" for="ch" forName="FinalChildText" refType="h" fact="0.05"/>
+              <dgm:constr type="w" for="ch" forName="FinalChildText" refType="w" fact="0.4134"/>
+              <dgm:constr type="h" for="ch" forName="FinalChildText" refType="h" fact="0.4"/>
             </dgm:constrLst>
-            <dgm:ruleLst/>
-          </dgm:layoutNode>
-          <dgm:forEach name="Name15" axis="followSib" ptType="sibTrans" hideLastTrans="0" cnt="1">
-            <dgm:layoutNode name="sibTrans">
-              <dgm:alg type="conn">
-                <dgm:param type="dim" val="1D"/>
-                <dgm:param type="connRout" val="curve"/>
-                <dgm:param type="begPts" val="radial"/>
-                <dgm:param type="endPts" val="radial"/>
+          </dgm:if>
+          <dgm:else name="Name8">
+            <dgm:constrLst>
+              <dgm:constr type="r" for="ch" forName="bentUpArrow1" refType="w" fact="0.97"/>
+              <dgm:constr type="t" for="ch" forName="bentUpArrow1" refType="h" fact="0.524"/>
+              <dgm:constr type="w" for="ch" forName="bentUpArrow1" refType="w" fact="0.3844"/>
+              <dgm:constr type="h" for="ch" forName="bentUpArrow1" refType="h" fact="0.42"/>
+              <dgm:constr type="l" for="ch" forName="ParentText" refType="w" fact="0.4316"/>
+              <dgm:constr type="t" for="ch" forName="ParentText" refType="h" fact="0"/>
+              <dgm:constr type="w" for="ch" forName="ParentText" refType="w" fact="0.5684"/>
+              <dgm:constr type="h" for="ch" forName="ParentText" refType="h" fact="0.4949"/>
+              <dgm:constr type="l" for="ch" forName="ChildText" refType="w" fact="0"/>
+              <dgm:constr type="t" for="ch" forName="ChildText" refType="h" fact="0.05"/>
+              <dgm:constr type="w" for="ch" forName="ChildText" refType="w" fact="0.4134"/>
+              <dgm:constr type="h" for="ch" forName="ChildText" refType="h" fact="0.4"/>
+              <dgm:constr type="l" for="ch" forName="FinalChildText" refType="w" fact="0"/>
+              <dgm:constr type="t" for="ch" forName="FinalChildText" refType="h" fact="0.05"/>
+              <dgm:constr type="w" for="ch" forName="FinalChildText" refType="w" fact="0.4134"/>
+              <dgm:constr type="h" for="ch" forName="FinalChildText" refType="h" fact="0.4"/>
+            </dgm:constrLst>
+          </dgm:else>
+        </dgm:choose>
+        <dgm:choose name="Name9">
+          <dgm:if name="Name10" axis="followSib" ptType="node" func="cnt" op="gte" val="1">
+            <dgm:layoutNode name="bentUpArrow1" styleLbl="alignImgPlace1">
+              <dgm:alg type="sp"/>
+              <dgm:choose name="Name11">
+                <dgm:if name="Name12" func="var" arg="dir" op="equ" val="norm">
+                  <dgm:shape xmlns:r="http://schemas.openxmlformats.org/officeDocument/2006/relationships" rot="90" type="bentUpArrow" r:blip="">
+                    <dgm:adjLst>
+                      <dgm:adj idx="1" val="0.3284"/>
+                      <dgm:adj idx="2" val="0.25"/>
+                      <dgm:adj idx="3" val="0.3578"/>
+                    </dgm:adjLst>
+                  </dgm:shape>
+                </dgm:if>
+                <dgm:else name="Name13">
+                  <dgm:shape xmlns:r="http://schemas.openxmlformats.org/officeDocument/2006/relationships" rot="180" type="bentArrow" r:blip="">
+                    <dgm:adjLst>
+                      <dgm:adj idx="1" val="0.3284"/>
+                      <dgm:adj idx="2" val="0.25"/>
+                      <dgm:adj idx="3" val="0.3578"/>
+                      <dgm:adj idx="4" val="0"/>
+                    </dgm:adjLst>
+                  </dgm:shape>
+                </dgm:else>
+              </dgm:choose>
+              <dgm:presOf/>
+            </dgm:layoutNode>
+          </dgm:if>
+          <dgm:else name="Name14"/>
+        </dgm:choose>
+        <dgm:layoutNode name="ParentText" styleLbl="node1">
+          <dgm:varLst>
+            <dgm:chMax val="1"/>
+            <dgm:chPref val="1"/>
+            <dgm:bulletEnabled val="1"/>
+          </dgm:varLst>
+          <dgm:alg type="tx"/>
+          <dgm:shape xmlns:r="http://schemas.openxmlformats.org/officeDocument/2006/relationships" type="roundRect" r:blip="">
+            <dgm:adjLst>
+              <dgm:adj idx="1" val="0.1667"/>
+            </dgm:adjLst>
+          </dgm:shape>
+          <dgm:presOf axis="self" ptType="node"/>
+          <dgm:constrLst>
+            <dgm:constr type="lMarg" refType="primFontSz" fact="0.3"/>
+            <dgm:constr type="rMarg" refType="primFontSz" fact="0.3"/>
+            <dgm:constr type="tMarg" refType="primFontSz" fact="0.3"/>
+            <dgm:constr type="bMarg" refType="primFontSz" fact="0.3"/>
+          </dgm:constrLst>
+          <dgm:ruleLst>
+            <dgm:rule type="primFontSz" val="5" fact="NaN" max="NaN"/>
+          </dgm:ruleLst>
+        </dgm:layoutNode>
+        <dgm:choose name="Name15">
+          <dgm:if name="Name16" axis="followSib" ptType="node" func="cnt" op="equ" val="0">
+            <dgm:choose name="Name17">
+              <dgm:if name="Name18" axis="ch" ptType="node" func="cnt" op="gte" val="1">
+                <dgm:layoutNode name="FinalChildText" styleLbl="revTx">
+                  <dgm:varLst>
+                    <dgm:chMax val="0"/>
+                    <dgm:chPref val="0"/>
+                    <dgm:bulletEnabled val="1"/>
+                  </dgm:varLst>
+                  <dgm:alg type="tx">
+                    <dgm:param type="stBulletLvl" val="1"/>
+                    <dgm:param type="txAnchorVertCh" val="mid"/>
+                    <dgm:param type="parTxLTRAlign" val="l"/>
+                  </dgm:alg>
+                  <dgm:shape xmlns:r="http://schemas.openxmlformats.org/officeDocument/2006/relationships" type="rect" r:blip="">
+                    <dgm:adjLst/>
+                  </dgm:shape>
+                  <dgm:presOf axis="des" ptType="node"/>
+                  <dgm:constrLst>
+                    <dgm:constr type="lMarg" refType="primFontSz" fact="0.3"/>
+                    <dgm:constr type="rMarg" refType="primFontSz" fact="0.3"/>
+                    <dgm:constr type="tMarg" refType="primFontSz" fact="0.3"/>
+                    <dgm:constr type="bMarg" refType="primFontSz" fact="0.3"/>
+                  </dgm:constrLst>
+                  <dgm:ruleLst>
+                    <dgm:rule type="primFontSz" val="5" fact="NaN" max="NaN"/>
+                  </dgm:ruleLst>
+                </dgm:layoutNode>
+              </dgm:if>
+              <dgm:else name="Name19"/>
+            </dgm:choose>
+          </dgm:if>
+          <dgm:else name="Name20">
+            <dgm:layoutNode name="ChildText" styleLbl="revTx">
+              <dgm:varLst>
+                <dgm:chMax val="0"/>
+                <dgm:chPref val="0"/>
+                <dgm:bulletEnabled val="1"/>
+              </dgm:varLst>
+              <dgm:alg type="tx">
+                <dgm:param type="stBulletLvl" val="1"/>
+                <dgm:param type="txAnchorVertCh" val="mid"/>
+                <dgm:param type="parTxLTRAlign" val="l"/>
               </dgm:alg>
-              <dgm:shape xmlns:r="http://schemas.openxmlformats.org/officeDocument/2006/relationships" type="conn" r:blip="">
+              <dgm:shape xmlns:r="http://schemas.openxmlformats.org/officeDocument/2006/relationships" type="rect" r:blip="">
                 <dgm:adjLst/>
               </dgm:shape>
-              <dgm:presOf axis="self"/>
+              <dgm:presOf axis="des" ptType="node"/>
               <dgm:constrLst>
-                <dgm:constr type="h" refType="w" fact="0.65"/>
-                <dgm:constr type="connDist"/>
-                <dgm:constr type="begPad" refType="connDist" fact="0.2"/>
-                <dgm:constr type="endPad" refType="connDist" fact="0.2"/>
+                <dgm:constr type="lMarg" refType="primFontSz" fact="0.3"/>
+                <dgm:constr type="rMarg" refType="primFontSz" fact="0.3"/>
+                <dgm:constr type="tMarg" refType="primFontSz" fact="0.3"/>
+                <dgm:constr type="bMarg" refType="primFontSz" fact="0.3"/>
               </dgm:constrLst>
-              <dgm:ruleLst/>
+              <dgm:ruleLst>
+                <dgm:rule type="primFontSz" val="5" fact="NaN" max="NaN"/>
+              </dgm:ruleLst>
             </dgm:layoutNode>
-          </dgm:forEach>
-        </dgm:if>
-        <dgm:else name="Name16"/>
-      </dgm:choose>
+          </dgm:else>
+        </dgm:choose>
+      </dgm:layoutNode>
+      <dgm:forEach name="sibTransForEach" axis="followSib" ptType="sibTrans" cnt="1">
+        <dgm:layoutNode name="sibTrans">
+          <dgm:alg type="sp"/>
+          <dgm:shape xmlns:r="http://schemas.openxmlformats.org/officeDocument/2006/relationships" r:blip="">
+            <dgm:adjLst/>
+          </dgm:shape>
+        </dgm:layoutNode>
+      </dgm:forEach>
     </dgm:forEach>
   </dgm:layoutNode>
 </dgm:layoutDef>
 </file>
 
 <file path=ppt/diagrams/quickStyle1.xml><?xml version="1.0" encoding="utf-8"?>
+<dgm:styleDef xmlns:dgm="http://schemas.openxmlformats.org/drawingml/2006/diagram" xmlns:a="http://schemas.openxmlformats.org/drawingml/2006/main" uniqueId="urn:microsoft.com/office/officeart/2005/8/quickstyle/simple1">
+  <dgm:title val=""/>
+  <dgm:desc val=""/>
+  <dgm:catLst>
+    <dgm:cat type="simple" pri="10100"/>
+  </dgm:catLst>
+  <dgm:scene3d>
+    <a:camera prst="orthographicFront"/>
+    <a:lightRig rig="threePt" dir="t"/>
+  </dgm:scene3d>
+  <dgm:styleLbl name="node0">
+    <dgm:scene3d>
+      <a:camera prst="orthographicFront"/>
+      <a:lightRig rig="threePt" dir="t"/>
+    </dgm:scene3d>
+    <dgm:sp3d/>
+    <dgm:txPr/>
+    <dgm:style>
+      <a:lnRef idx="2">
+        <a:scrgbClr r="0" g="0" b="0"/>
+      </a:lnRef>
+      <a:fillRef idx="1">
+        <a:scrgbClr r="0" g="0" b="0"/>
+      </a:fillRef>
+      <a:effectRef idx="0">
+        <a:scrgbClr r="0" g="0" b="0"/>
+      </a:effectRef>
+      <a:fontRef idx="minor">
+        <a:schemeClr val="lt1"/>
+      </a:fontRef>
+    </dgm:style>
+  </dgm:styleLbl>
+  <dgm:styleLbl name="lnNode1">
+    <dgm:scene3d>
+      <a:camera prst="orthographicFront"/>
+      <a:lightRig rig="threePt" dir="t"/>
+    </dgm:scene3d>
+    <dgm:sp3d/>
+    <dgm:txPr/>
+    <dgm:style>
+      <a:lnRef idx="2">
+        <a:scrgbClr r="0" g="0" b="0"/>
+      </a:lnRef>
+      <a:fillRef idx="1">
+        <a:scrgbClr r="0" g="0" b="0"/>
+      </a:fillRef>
+      <a:effectRef idx="0">
+        <a:scrgbClr r="0" g="0" b="0"/>
+      </a:effectRef>
+      <a:fontRef idx="minor">
+        <a:schemeClr val="lt1"/>
+      </a:fontRef>
+    </dgm:style>
+  </dgm:styleLbl>
+  <dgm:styleLbl name="vennNode1">
+    <dgm:scene3d>
+      <a:camera prst="orthographicFront"/>
+      <a:lightRig rig="threePt" dir="t"/>
+    </dgm:scene3d>
+    <dgm:sp3d/>
+    <dgm:txPr/>
+    <dgm:style>
+      <a:lnRef idx="2">
+        <a:scrgbClr r="0" g="0" b="0"/>
+      </a:lnRef>
+      <a:fillRef idx="1">
+        <a:scrgbClr r="0" g="0" b="0"/>
+      </a:fillRef>
+      <a:effectRef idx="0">
+        <a:scrgbClr r="0" g="0" b="0"/>
+      </a:effectRef>
+      <a:fontRef idx="minor">
+        <a:schemeClr val="tx1"/>
+      </a:fontRef>
+    </dgm:style>
+  </dgm:styleLbl>
+  <dgm:styleLbl name="alignNode1">
+    <dgm:scene3d>
+      <a:camera prst="orthographicFront"/>
+      <a:lightRig rig="threePt" dir="t"/>
+    </dgm:scene3d>
+    <dgm:sp3d/>
+    <dgm:txPr/>
+    <dgm:style>
+      <a:lnRef idx="2">
+        <a:scrgbClr r="0" g="0" b="0"/>
+      </a:lnRef>
+      <a:fillRef idx="1">
+        <a:scrgbClr r="0" g="0" b="0"/>
+      </a:fillRef>
+      <a:effectRef idx="0">
+        <a:scrgbClr r="0" g="0" b="0"/>
+      </a:effectRef>
+      <a:fontRef idx="minor">
+        <a:schemeClr val="lt1"/>
+      </a:fontRef>
+    </dgm:style>
+  </dgm:styleLbl>
+  <dgm:styleLbl name="node1">
+    <dgm:scene3d>
+      <a:camera prst="orthographicFront"/>
+      <a:lightRig rig="threePt" dir="t"/>
+    </dgm:scene3d>
+    <dgm:sp3d/>
+    <dgm:txPr/>
+    <dgm:style>
+      <a:lnRef idx="2">
+        <a:scrgbClr r="0" g="0" b="0"/>
+      </a:lnRef>
+      <a:fillRef idx="1">
+        <a:scrgbClr r="0" g="0" b="0"/>
+      </a:fillRef>
+      <a:effectRef idx="0">
+        <a:scrgbClr r="0" g="0" b="0"/>
+      </a:effectRef>
+      <a:fontRef idx="minor">
+        <a:schemeClr val="lt1"/>
+      </a:fontRef>
+    </dgm:style>
+  </dgm:styleLbl>
+  <dgm:styleLbl name="node2">
+    <dgm:scene3d>
+      <a:camera prst="orthographicFront"/>
+      <a:lightRig rig="threePt" dir="t"/>
+    </dgm:scene3d>
+    <dgm:sp3d/>
+    <dgm:txPr/>
+    <dgm:style>
+      <a:lnRef idx="2">
+        <a:scrgbClr r="0" g="0" b="0"/>
+      </a:lnRef>
+      <a:fillRef idx="1">
+        <a:scrgbClr r="0" g="0" b="0"/>
+      </a:fillRef>
+      <a:effectRef idx="0">
+        <a:scrgbClr r="0" g="0" b="0"/>
+      </a:effectRef>
+      <a:fontRef idx="minor">
+        <a:schemeClr val="lt1"/>
+      </a:fontRef>
+    </dgm:style>
+  </dgm:styleLbl>
+  <dgm:styleLbl name="node3">
+    <dgm:scene3d>
+      <a:camera prst="orthographicFront"/>
+      <a:lightRig rig="threePt" dir="t"/>
+    </dgm:scene3d>
+    <dgm:sp3d/>
+    <dgm:txPr/>
+    <dgm:style>
+      <a:lnRef idx="2">
+        <a:scrgbClr r="0" g="0" b="0"/>
+      </a:lnRef>
+      <a:fillRef idx="1">
+        <a:scrgbClr r="0" g="0" b="0"/>
+      </a:fillRef>
+      <a:effectRef idx="0">
+        <a:scrgbClr r="0" g="0" b="0"/>
+      </a:effectRef>
+      <a:fontRef idx="minor">
+        <a:schemeClr val="lt1"/>
+      </a:fontRef>
+    </dgm:style>
+  </dgm:styleLbl>
+  <dgm:styleLbl name="node4">
+    <dgm:scene3d>
+      <a:camera prst="orthographicFront"/>
+      <a:lightRig rig="threePt" dir="t"/>
+    </dgm:scene3d>
+    <dgm:sp3d/>
+    <dgm:txPr/>
+    <dgm:style>
+      <a:lnRef idx="2">
+        <a:scrgbClr r="0" g="0" b="0"/>
+      </a:lnRef>
+      <a:fillRef idx="1">
+        <a:scrgbClr r="0" g="0" b="0"/>
+      </a:fillRef>
+      <a:effectRef idx="0">
+        <a:scrgbClr r="0" g="0" b="0"/>
+      </a:effectRef>
+      <a:fontRef idx="minor">
+        <a:schemeClr val="lt1"/>
+      </a:fontRef>
+    </dgm:style>
+  </dgm:styleLbl>
+  <dgm:styleLbl name="fgImgPlace1">
+    <dgm:scene3d>
+      <a:camera prst="orthographicFront"/>
+      <a:lightRig rig="threePt" dir="t"/>
+    </dgm:scene3d>
+    <dgm:sp3d/>
+    <dgm:txPr/>
+    <dgm:style>
+      <a:lnRef idx="2">
+        <a:scrgbClr r="0" g="0" b="0"/>
+      </a:lnRef>
+      <a:fillRef idx="1">
+        <a:scrgbClr r="0" g="0" b="0"/>
+      </a:fillRef>
+      <a:effectRef idx="0">
+        <a:scrgbClr r="0" g="0" b="0"/>
+      </a:effectRef>
+      <a:fontRef idx="minor"/>
+    </dgm:style>
+  </dgm:styleLbl>
+  <dgm:styleLbl name="alignImgPlace1">
+    <dgm:scene3d>
+      <a:camera prst="orthographicFront"/>
+      <a:lightRig rig="threePt" dir="t"/>
+    </dgm:scene3d>
+    <dgm:sp3d/>
+    <dgm:txPr/>
+    <dgm:style>
+      <a:lnRef idx="2">
+        <a:scrgbClr r="0" g="0" b="0"/>
+      </a:lnRef>
+      <a:fillRef idx="1">
+        <a:scrgbClr r="0" g="0" b="0"/>
+      </a:fillRef>
+      <a:effectRef idx="0">
+        <a:scrgbClr r="0" g="0" b="0"/>
+      </a:effectRef>
+      <a:fontRef idx="minor"/>
+    </dgm:style>
+  </dgm:styleLbl>
+  <dgm:styleLbl name="bgImgPlace1">
+    <dgm:scene3d>
+      <a:camera prst="orthographicFront"/>
+      <a:lightRig rig="threePt" dir="t"/>
+    </dgm:scene3d>
+    <dgm:sp3d/>
+    <dgm:txPr/>
+    <dgm:style>
+      <a:lnRef idx="2">
+        <a:scrgbClr r="0" g="0" b="0"/>
+      </a:lnRef>
+      <a:fillRef idx="1">
+        <a:scrgbClr r="0" g="0" b="0"/>
+      </a:fillRef>
+      <a:effectRef idx="0">
+        <a:scrgbClr r="0" g="0" b="0"/>
+      </a:effectRef>
+      <a:fontRef idx="minor"/>
+    </dgm:style>
+  </dgm:styleLbl>
+  <dgm:styleLbl name="sibTrans2D1">
+    <dgm:scene3d>
+      <a:camera prst="orthographicFront"/>
+      <a:lightRig rig="threePt" dir="t"/>
+    </dgm:scene3d>
+    <dgm:sp3d/>
+    <dgm:txPr/>
+    <dgm:style>
+      <a:lnRef idx="0">
+        <a:scrgbClr r="0" g="0" b="0"/>
+      </a:lnRef>
+      <a:fillRef idx="1">
+        <a:scrgbClr r="0" g="0" b="0"/>
+      </a:fillRef>
+      <a:effectRef idx="0">
+        <a:scrgbClr r="0" g="0" b="0"/>
+      </a:effectRef>
+      <a:fontRef idx="minor">
+        <a:schemeClr val="lt1"/>
+      </a:fontRef>
+    </dgm:style>
+  </dgm:styleLbl>
+  <dgm:styleLbl name="fgSibTrans2D1">
+    <dgm:scene3d>
+      <a:camera prst="orthographicFront"/>
+      <a:lightRig rig="threePt" dir="t"/>
+    </dgm:scene3d>
+    <dgm:sp3d/>
+    <dgm:txPr/>
+    <dgm:style>
+      <a:lnRef idx="0">
+        <a:scrgbClr r="0" g="0" b="0"/>
+      </a:lnRef>
+      <a:fillRef idx="1">
+        <a:scrgbClr r="0" g="0" b="0"/>
+      </a:fillRef>
+      <a:effectRef idx="0">
+        <a:scrgbClr r="0" g="0" b="0"/>
+      </a:effectRef>
+      <a:fontRef idx="minor">
+        <a:schemeClr val="lt1"/>
+      </a:fontRef>
+    </dgm:style>
+  </dgm:styleLbl>
+  <dgm:styleLbl name="bgSibTrans2D1">
+    <dgm:scene3d>
+      <a:camera prst="orthographicFront"/>
+      <a:lightRig rig="threePt" dir="t"/>
+    </dgm:scene3d>
+    <dgm:sp3d/>
+    <dgm:txPr/>
+    <dgm:style>
+      <a:lnRef idx="0">
+        <a:scrgbClr r="0" g="0" b="0"/>
+      </a:lnRef>
+      <a:fillRef idx="1">
+        <a:scrgbClr r="0" g="0" b="0"/>
+      </a:fillRef>
+      <a:effectRef idx="0">
+        <a:scrgbClr r="0" g="0" b="0"/>
+      </a:effectRef>
+      <a:fontRef idx="minor">
+        <a:schemeClr val="lt1"/>
+      </a:fontRef>
+    </dgm:style>
+  </dgm:styleLbl>
+  <dgm:styleLbl name="sibTrans1D1">
+    <dgm:scene3d>
+      <a:camera prst="orthographicFront"/>
+      <a:lightRig rig="threePt" dir="t"/>
+    </dgm:scene3d>
+    <dgm:sp3d/>
+    <dgm:txPr/>
+    <dgm:style>
+      <a:lnRef idx="1">
+        <a:scrgbClr r="0" g="0" b="0"/>
+      </a:lnRef>
+      <a:fillRef idx="0">
+        <a:scrgbClr r="0" g="0" b="0"/>
+      </a:fillRef>
+      <a:effectRef idx="0">
+        <a:scrgbClr r="0" g="0" b="0"/>
+      </a:effectRef>
+      <a:fontRef idx="minor"/>
+    </dgm:style>
+  </dgm:styleLbl>
+  <dgm:styleLbl name="callout">
+    <dgm:scene3d>
+      <a:camera prst="orthographicFront"/>
+      <a:lightRig rig="threePt" dir="t"/>
+    </dgm:scene3d>
+    <dgm:sp3d/>
+    <dgm:txPr/>
+    <dgm:style>
+      <a:lnRef idx="2">
+        <a:scrgbClr r="0" g="0" b="0"/>
+      </a:lnRef>
+      <a:fillRef idx="1">
+        <a:scrgbClr r="0" g="0" b="0"/>
+      </a:fillRef>
+      <a:effectRef idx="0">
+        <a:scrgbClr r="0" g="0" b="0"/>
+      </a:effectRef>
+      <a:fontRef idx="minor"/>
+    </dgm:style>
+  </dgm:styleLbl>
+  <dgm:styleLbl name="asst0">
+    <dgm:scene3d>
+      <a:camera prst="orthographicFront"/>
+      <a:lightRig rig="threePt" dir="t"/>
+    </dgm:scene3d>
+    <dgm:sp3d/>
+    <dgm:txPr/>
+    <dgm:style>
+      <a:lnRef idx="2">
+        <a:scrgbClr r="0" g="0" b="0"/>
+      </a:lnRef>
+      <a:fillRef idx="1">
+        <a:scrgbClr r="0" g="0" b="0"/>
+      </a:fillRef>
+      <a:effectRef idx="0">
+        <a:scrgbClr r="0" g="0" b="0"/>
+      </a:effectRef>
+      <a:fontRef idx="minor">
+        <a:schemeClr val="lt1"/>
+      </a:fontRef>
+    </dgm:style>
+  </dgm:styleLbl>
+  <dgm:styleLbl name="asst1">
+    <dgm:scene3d>
+      <a:camera prst="orthographicFront"/>
+      <a:lightRig rig="threePt" dir="t"/>
+    </dgm:scene3d>
+    <dgm:sp3d/>
+    <dgm:txPr/>
+    <dgm:style>
+      <a:lnRef idx="2">
+        <a:scrgbClr r="0" g="0" b="0"/>
+      </a:lnRef>
+      <a:fillRef idx="1">
+        <a:scrgbClr r="0" g="0" b="0"/>
+      </a:fillRef>
+      <a:effectRef idx="0">
+        <a:scrgbClr r="0" g="0" b="0"/>
+      </a:effectRef>
+      <a:fontRef idx="minor">
+        <a:schemeClr val="lt1"/>
+      </a:fontRef>
+    </dgm:style>
+  </dgm:styleLbl>
+  <dgm:styleLbl name="asst2">
+    <dgm:scene3d>
+      <a:camera prst="orthographicFront"/>
+      <a:lightRig rig="threePt" dir="t"/>
+    </dgm:scene3d>
+    <dgm:sp3d/>
+    <dgm:txPr/>
+    <dgm:style>
+      <a:lnRef idx="2">
+        <a:scrgbClr r="0" g="0" b="0"/>
+      </a:lnRef>
+      <a:fillRef idx="1">
+        <a:scrgbClr r="0" g="0" b="0"/>
+      </a:fillRef>
+      <a:effectRef idx="0">
+        <a:scrgbClr r="0" g="0" b="0"/>
+      </a:effectRef>
+      <a:fontRef idx="minor">
+        <a:schemeClr val="lt1"/>
+      </a:fontRef>
+    </dgm:style>
+  </dgm:styleLbl>
+  <dgm:styleLbl name="asst3">
+    <dgm:scene3d>
+      <a:camera prst="orthographicFront"/>
+      <a:lightRig rig="threePt" dir="t"/>
+    </dgm:scene3d>
+    <dgm:sp3d/>
+    <dgm:txPr/>
+    <dgm:style>
+      <a:lnRef idx="2">
+        <a:scrgbClr r="0" g="0" b="0"/>
+      </a:lnRef>
+      <a:fillRef idx="1">
+        <a:scrgbClr r="0" g="0" b="0"/>
+      </a:fillRef>
+      <a:effectRef idx="0">
+        <a:scrgbClr r="0" g="0" b="0"/>
+      </a:effectRef>
+      <a:fontRef idx="minor">
+        <a:schemeClr val="lt1"/>
+      </a:fontRef>
+    </dgm:style>
+  </dgm:styleLbl>
+  <dgm:styleLbl name="asst4">
+    <dgm:scene3d>
+      <a:camera prst="orthographicFront"/>
+      <a:lightRig rig="threePt" dir="t"/>
+    </dgm:scene3d>
+    <dgm:sp3d/>
+    <dgm:txPr/>
+    <dgm:style>
+      <a:lnRef idx="2">
+        <a:scrgbClr r="0" g="0" b="0"/>
+      </a:lnRef>
+      <a:fillRef idx="1">
+        <a:scrgbClr r="0" g="0" b="0"/>
+      </a:fillRef>
+      <a:effectRef idx="0">
+        <a:scrgbClr r="0" g="0" b="0"/>
+      </a:effectRef>
+      <a:fontRef idx="minor">
+        <a:schemeClr val="lt1"/>
+      </a:fontRef>
+    </dgm:style>
+  </dgm:styleLbl>
+  <dgm:styleLbl name="parChTrans2D1">
+    <dgm:scene3d>
+      <a:camera prst="orthographicFront"/>
+      <a:lightRig rig="threePt" dir="t"/>
+    </dgm:scene3d>
+    <dgm:sp3d/>
+    <dgm:txPr/>
+    <dgm:style>
+      <a:lnRef idx="2">
+        <a:scrgbClr r="0" g="0" b="0"/>
+      </a:lnRef>
+      <a:fillRef idx="1">
+        <a:scrgbClr r="0" g="0" b="0"/>
+      </a:fillRef>
+      <a:effectRef idx="0">
+        <a:scrgbClr r="0" g="0" b="0"/>
+      </a:effectRef>
+      <a:fontRef idx="minor">
+        <a:schemeClr val="lt1"/>
+      </a:fontRef>
+    </dgm:style>
+  </dgm:styleLbl>
+  <dgm:styleLbl name="parChTrans2D2">
+    <dgm:scene3d>
+      <a:camera prst="orthographicFront"/>
+      <a:lightRig rig="threePt" dir="t"/>
+    </dgm:scene3d>
+    <dgm:sp3d/>
+    <dgm:txPr/>
+    <dgm:style>
+      <a:lnRef idx="2">
+        <a:scrgbClr r="0" g="0" b="0"/>
+      </a:lnRef>
+      <a:fillRef idx="1">
+        <a:scrgbClr r="0" g="0" b="0"/>
+      </a:fillRef>
+      <a:effectRef idx="0">
+        <a:scrgbClr r="0" g="0" b="0"/>
+      </a:effectRef>
+      <a:fontRef idx="minor">
+        <a:schemeClr val="lt1"/>
+      </a:fontRef>
+    </dgm:style>
+  </dgm:styleLbl>
+  <dgm:styleLbl name="parChTrans2D3">
+    <dgm:scene3d>
+      <a:camera prst="orthographicFront"/>
+      <a:lightRig rig="threePt" dir="t"/>
+    </dgm:scene3d>
+    <dgm:sp3d/>
+    <dgm:txPr/>
+    <dgm:style>
+      <a:lnRef idx="2">
+        <a:scrgbClr r="0" g="0" b="0"/>
+      </a:lnRef>
+      <a:fillRef idx="1">
+        <a:scrgbClr r="0" g="0" b="0"/>
+      </a:fillRef>
+      <a:effectRef idx="0">
+        <a:scrgbClr r="0" g="0" b="0"/>
+      </a:effectRef>
+      <a:fontRef idx="minor">
+        <a:schemeClr val="lt1"/>
+      </a:fontRef>
+    </dgm:style>
+  </dgm:styleLbl>
+  <dgm:styleLbl name="parChTrans2D4">
+    <dgm:scene3d>
+      <a:camera prst="orthographicFront"/>
+      <a:lightRig rig="threePt" dir="t"/>
+    </dgm:scene3d>
+    <dgm:sp3d/>
+    <dgm:txPr/>
+    <dgm:style>
+      <a:lnRef idx="2">
+        <a:scrgbClr r="0" g="0" b="0"/>
+      </a:lnRef>
+      <a:fillRef idx="1">
+        <a:scrgbClr r="0" g="0" b="0"/>
+      </a:fillRef>
+      <a:effectRef idx="0">
+        <a:scrgbClr r="0" g="0" b="0"/>
+      </a:effectRef>
+      <a:fontRef idx="minor">
+        <a:schemeClr val="lt1"/>
+      </a:fontRef>
+    </dgm:style>
+  </dgm:styleLbl>
+  <dgm:styleLbl name="parChTrans1D1">
+    <dgm:scene3d>
+      <a:camera prst="orthographicFront"/>
+      <a:lightRig rig="threePt" dir="t"/>
+    </dgm:scene3d>
+    <dgm:sp3d/>
+    <dgm:txPr/>
+    <dgm:style>
+      <a:lnRef idx="2">
+        <a:scrgbClr r="0" g="0" b="0"/>
+      </a:lnRef>
+      <a:fillRef idx="0">
+        <a:scrgbClr r="0" g="0" b="0"/>
+      </a:fillRef>
+      <a:effectRef idx="0">
+        <a:scrgbClr r="0" g="0" b="0"/>
+      </a:effectRef>
+      <a:fontRef idx="minor"/>
+    </dgm:style>
+  </dgm:styleLbl>
+  <dgm:styleLbl name="parChTrans1D2">
+    <dgm:scene3d>
+      <a:camera prst="orthographicFront"/>
+      <a:lightRig rig="threePt" dir="t"/>
+    </dgm:scene3d>
+    <dgm:sp3d/>
+    <dgm:txPr/>
+    <dgm:style>
+      <a:lnRef idx="2">
+        <a:scrgbClr r="0" g="0" b="0"/>
+      </a:lnRef>
+      <a:fillRef idx="0">
+        <a:scrgbClr r="0" g="0" b="0"/>
+      </a:fillRef>
+      <a:effectRef idx="0">
+        <a:scrgbClr r="0" g="0" b="0"/>
+      </a:effectRef>
+      <a:fontRef idx="minor"/>
+    </dgm:style>
+  </dgm:styleLbl>
+  <dgm:styleLbl name="parChTrans1D3">
+    <dgm:scene3d>
+      <a:camera prst="orthographicFront"/>
+      <a:lightRig rig="threePt" dir="t"/>
+    </dgm:scene3d>
+    <dgm:sp3d/>
+    <dgm:txPr/>
+    <dgm:style>
+      <a:lnRef idx="2">
+        <a:scrgbClr r="0" g="0" b="0"/>
+      </a:lnRef>
+      <a:fillRef idx="0">
+        <a:scrgbClr r="0" g="0" b="0"/>
+      </a:fillRef>
+      <a:effectRef idx="0">
+        <a:scrgbClr r="0" g="0" b="0"/>
+      </a:effectRef>
+      <a:fontRef idx="minor"/>
+    </dgm:style>
+  </dgm:styleLbl>
+  <dgm:styleLbl name="parChTrans1D4">
+    <dgm:scene3d>
+      <a:camera prst="orthographicFront"/>
+      <a:lightRig rig="threePt" dir="t"/>
+    </dgm:scene3d>
+    <dgm:sp3d/>
+    <dgm:txPr/>
+    <dgm:style>
+      <a:lnRef idx="2">
+        <a:scrgbClr r="0" g="0" b="0"/>
+      </a:lnRef>
+      <a:fillRef idx="0">
+        <a:scrgbClr r="0" g="0" b="0"/>
+      </a:fillRef>
+      <a:effectRef idx="0">
+        <a:scrgbClr r="0" g="0" b="0"/>
+      </a:effectRef>
+      <a:fontRef idx="minor"/>
+    </dgm:style>
+  </dgm:styleLbl>
+  <dgm:styleLbl name="fgAcc1">
+    <dgm:scene3d>
+      <a:camera prst="orthographicFront"/>
+      <a:lightRig rig="threePt" dir="t"/>
+    </dgm:scene3d>
+    <dgm:sp3d/>
+    <dgm:txPr/>
+    <dgm:style>
+      <a:lnRef idx="2">
+        <a:scrgbClr r="0" g="0" b="0"/>
+      </a:lnRef>
+      <a:fillRef idx="1">
+        <a:scrgbClr r="0" g="0" b="0"/>
+      </a:fillRef>
+      <a:effectRef idx="0">
+        <a:scrgbClr r="0" g="0" b="0"/>
+      </a:effectRef>
+      <a:fontRef idx="minor"/>
+    </dgm:style>
+  </dgm:styleLbl>
+  <dgm:styleLbl name="conFgAcc1">
+    <dgm:scene3d>
+      <a:camera prst="orthographicFront"/>
+      <a:lightRig rig="threePt" dir="t"/>
+    </dgm:scene3d>
+    <dgm:sp3d/>
+    <dgm:txPr/>
+    <dgm:style>
+      <a:lnRef idx="2">
+        <a:scrgbClr r="0" g="0" b="0"/>
+      </a:lnRef>
+      <a:fillRef idx="1">
+        <a:scrgbClr r="0" g="0" b="0"/>
+      </a:fillRef>
+      <a:effectRef idx="0">
+        <a:scrgbClr r="0" g="0" b="0"/>
+      </a:effectRef>
+      <a:fontRef idx="minor"/>
+    </dgm:style>
+  </dgm:styleLbl>
+  <dgm:styleLbl name="alignAcc1">
+    <dgm:scene3d>
+      <a:camera prst="orthographicFront"/>
+      <a:lightRig rig="threePt" dir="t"/>
+    </dgm:scene3d>
+    <dgm:sp3d/>
+    <dgm:txPr/>
+    <dgm:style>
+      <a:lnRef idx="2">
+        <a:scrgbClr r="0" g="0" b="0"/>
+      </a:lnRef>
+      <a:fillRef idx="1">
+        <a:scrgbClr r="0" g="0" b="0"/>
+      </a:fillRef>
+      <a:effectRef idx="0">
+        <a:scrgbClr r="0" g="0" b="0"/>
+      </a:effectRef>
+      <a:fontRef idx="minor"/>
+    </dgm:style>
+  </dgm:styleLbl>
+  <dgm:styleLbl name="trAlignAcc1">
+    <dgm:scene3d>
+      <a:camera prst="orthographicFront"/>
+      <a:lightRig rig="threePt" dir="t"/>
+    </dgm:scene3d>
+    <dgm:sp3d/>
+    <dgm:txPr/>
+    <dgm:style>
+      <a:lnRef idx="1">
+        <a:scrgbClr r="0" g="0" b="0"/>
+      </a:lnRef>
+      <a:fillRef idx="1">
+        <a:scrgbClr r="0" g="0" b="0"/>
+      </a:fillRef>
+      <a:effectRef idx="0">
+        <a:scrgbClr r="0" g="0" b="0"/>
+      </a:effectRef>
+      <a:fontRef idx="minor"/>
+    </dgm:style>
+  </dgm:styleLbl>
+  <dgm:styleLbl name="bgAcc1">
+    <dgm:scene3d>
+      <a:camera prst="orthographicFront"/>
+      <a:lightRig rig="threePt" dir="t"/>
+    </dgm:scene3d>
+    <dgm:sp3d/>
+    <dgm:txPr/>
+    <dgm:style>
+      <a:lnRef idx="2">
+        <a:scrgbClr r="0" g="0" b="0"/>
+      </a:lnRef>
+      <a:fillRef idx="1">
+        <a:scrgbClr r="0" g="0" b="0"/>
+      </a:fillRef>
+      <a:effectRef idx="0">
+        <a:scrgbClr r="0" g="0" b="0"/>
+      </a:effectRef>
+      <a:fontRef idx="minor"/>
+    </dgm:style>
+  </dgm:styleLbl>
+  <dgm:styleLbl name="solidFgAcc1">
+    <dgm:scene3d>
+      <a:camera prst="orthographicFront"/>
+      <a:lightRig rig="threePt" dir="t"/>
+    </dgm:scene3d>
+    <dgm:sp3d/>
+    <dgm:txPr/>
+    <dgm:style>
+      <a:lnRef idx="2">
+        <a:scrgbClr r="0" g="0" b="0"/>
+      </a:lnRef>
+      <a:fillRef idx="1">
+        <a:scrgbClr r="0" g="0" b="0"/>
+      </a:fillRef>
+      <a:effectRef idx="0">
+        <a:scrgbClr r="0" g="0" b="0"/>
+      </a:effectRef>
+      <a:fontRef idx="minor"/>
+    </dgm:style>
+  </dgm:styleLbl>
+  <dgm:styleLbl name="solidAlignAcc1">
+    <dgm:scene3d>
+      <a:camera prst="orthographicFront"/>
+      <a:lightRig rig="threePt" dir="t"/>
+    </dgm:scene3d>
+    <dgm:sp3d/>
+    <dgm:txPr/>
+    <dgm:style>
+      <a:lnRef idx="2">
+        <a:scrgbClr r="0" g="0" b="0"/>
+      </a:lnRef>
+      <a:fillRef idx="1">
+        <a:scrgbClr r="0" g="0" b="0"/>
+      </a:fillRef>
+      <a:effectRef idx="0">
+        <a:scrgbClr r="0" g="0" b="0"/>
+      </a:effectRef>
+      <a:fontRef idx="minor"/>
+    </dgm:style>
+  </dgm:styleLbl>
+  <dgm:styleLbl name="solidBgAcc1">
+    <dgm:scene3d>
+      <a:camera prst="orthographicFront"/>
+      <a:lightRig rig="threePt" dir="t"/>
+    </dgm:scene3d>
+    <dgm:sp3d/>
+    <dgm:txPr/>
+    <dgm:style>
+      <a:lnRef idx="2">
+        <a:scrgbClr r="0" g="0" b="0"/>
+      </a:lnRef>
+      <a:fillRef idx="1">
+        <a:scrgbClr r="0" g="0" b="0"/>
+      </a:fillRef>
+      <a:effectRef idx="0">
+        <a:scrgbClr r="0" g="0" b="0"/>
+      </a:effectRef>
+      <a:fontRef idx="minor"/>
+    </dgm:style>
+  </dgm:styleLbl>
+  <dgm:styleLbl name="fgAccFollowNode1">
+    <dgm:scene3d>
+      <a:camera prst="orthographicFront"/>
+      <a:lightRig rig="threePt" dir="t"/>
+    </dgm:scene3d>
+    <dgm:sp3d/>
+    <dgm:txPr/>
+    <dgm:style>
+      <a:lnRef idx="2">
+        <a:scrgbClr r="0" g="0" b="0"/>
+      </a:lnRef>
+      <a:fillRef idx="1">
+        <a:scrgbClr r="0" g="0" b="0"/>
+      </a:fillRef>
+      <a:effectRef idx="0">
+        <a:scrgbClr r="0" g="0" b="0"/>
+      </a:effectRef>
+      <a:fontRef idx="minor"/>
+    </dgm:style>
+  </dgm:styleLbl>
+  <dgm:styleLbl name="alignAccFollowNode1">
+    <dgm:scene3d>
+      <a:camera prst="orthographicFront"/>
+      <a:lightRig rig="threePt" dir="t"/>
+    </dgm:scene3d>
+    <dgm:sp3d/>
+    <dgm:txPr/>
+    <dgm:style>
+      <a:lnRef idx="2">
+        <a:scrgbClr r="0" g="0" b="0"/>
+      </a:lnRef>
+      <a:fillRef idx="1">
+        <a:scrgbClr r="0" g="0" b="0"/>
+      </a:fillRef>
+      <a:effectRef idx="0">
+        <a:scrgbClr r="0" g="0" b="0"/>
+      </a:effectRef>
+      <a:fontRef idx="minor"/>
+    </dgm:style>
+  </dgm:styleLbl>
+  <dgm:styleLbl name="bgAccFollowNode1">
+    <dgm:scene3d>
+      <a:camera prst="orthographicFront"/>
+      <a:lightRig rig="threePt" dir="t"/>
+    </dgm:scene3d>
+    <dgm:sp3d/>
+    <dgm:txPr/>
+    <dgm:style>
+      <a:lnRef idx="2">
+        <a:scrgbClr r="0" g="0" b="0"/>
+      </a:lnRef>
+      <a:fillRef idx="1">
+        <a:scrgbClr r="0" g="0" b="0"/>
+      </a:fillRef>
+      <a:effectRef idx="0">
+        <a:scrgbClr r="0" g="0" b="0"/>
+      </a:effectRef>
+      <a:fontRef idx="minor"/>
+    </dgm:style>
+  </dgm:styleLbl>
+  <dgm:styleLbl name="fgAcc0">
+    <dgm:scene3d>
+      <a:camera prst="orthographicFront"/>
+      <a:lightRig rig="threePt" dir="t"/>
+    </dgm:scene3d>
+    <dgm:sp3d/>
+    <dgm:txPr/>
+    <dgm:style>
+      <a:lnRef idx="2">
+        <a:scrgbClr r="0" g="0" b="0"/>
+      </a:lnRef>
+      <a:fillRef idx="1">
+        <a:scrgbClr r="0" g="0" b="0"/>
+      </a:fillRef>
+      <a:effectRef idx="0">
+        <a:scrgbClr r="0" g="0" b="0"/>
+      </a:effectRef>
+      <a:fontRef idx="minor"/>
+    </dgm:style>
+  </dgm:styleLbl>
+  <dgm:styleLbl name="fgAcc2">
+    <dgm:scene3d>
+      <a:camera prst="orthographicFront"/>
+      <a:lightRig rig="threePt" dir="t"/>
+    </dgm:scene3d>
+    <dgm:sp3d/>
+    <dgm:txPr/>
+    <dgm:style>
+      <a:lnRef idx="2">
+        <a:scrgbClr r="0" g="0" b="0"/>
+      </a:lnRef>
+      <a:fillRef idx="1">
+        <a:scrgbClr r="0" g="0" b="0"/>
+      </a:fillRef>
+      <a:effectRef idx="0">
+        <a:scrgbClr r="0" g="0" b="0"/>
+      </a:effectRef>
+      <a:fontRef idx="minor"/>
+    </dgm:style>
+  </dgm:styleLbl>
+  <dgm:styleLbl name="fgAcc3">
+    <dgm:scene3d>
+      <a:camera prst="orthographicFront"/>
+      <a:lightRig rig="threePt" dir="t"/>
+    </dgm:scene3d>
+    <dgm:sp3d/>
+    <dgm:txPr/>
+    <dgm:style>
+      <a:lnRef idx="2">
+        <a:scrgbClr r="0" g="0" b="0"/>
+      </a:lnRef>
+      <a:fillRef idx="1">
+        <a:scrgbClr r="0" g="0" b="0"/>
+      </a:fillRef>
+      <a:effectRef idx="0">
+        <a:scrgbClr r="0" g="0" b="0"/>
+      </a:effectRef>
+      <a:fontRef idx="minor"/>
+    </dgm:style>
+  </dgm:styleLbl>
+  <dgm:styleLbl name="fgAcc4">
+    <dgm:scene3d>
+      <a:camera prst="orthographicFront"/>
+      <a:lightRig rig="threePt" dir="t"/>
+    </dgm:scene3d>
+    <dgm:sp3d/>
+    <dgm:txPr/>
+    <dgm:style>
+      <a:lnRef idx="2">
+        <a:scrgbClr r="0" g="0" b="0"/>
+      </a:lnRef>
+      <a:fillRef idx="1">
+        <a:scrgbClr r="0" g="0" b="0"/>
+      </a:fillRef>
+      <a:effectRef idx="0">
+        <a:scrgbClr r="0" g="0" b="0"/>
+      </a:effectRef>
+      <a:fontRef idx="minor"/>
+    </dgm:style>
+  </dgm:styleLbl>
+  <dgm:styleLbl name="bgShp">
+    <dgm:scene3d>
+      <a:camera prst="orthographicFront"/>
+      <a:lightRig rig="threePt" dir="t"/>
+    </dgm:scene3d>
+    <dgm:sp3d/>
+    <dgm:txPr/>
+    <dgm:style>
+      <a:lnRef idx="0">
+        <a:scrgbClr r="0" g="0" b="0"/>
+      </a:lnRef>
+      <a:fillRef idx="1">
+        <a:scrgbClr r="0" g="0" b="0"/>
+      </a:fillRef>
+      <a:effectRef idx="0">
+        <a:scrgbClr r="0" g="0" b="0"/>
+      </a:effectRef>
+      <a:fontRef idx="minor"/>
+    </dgm:style>
+  </dgm:styleLbl>
+  <dgm:styleLbl name="dkBgShp">
+    <dgm:scene3d>
+      <a:camera prst="orthographicFront"/>
+      <a:lightRig rig="threePt" dir="t"/>
+    </dgm:scene3d>
+    <dgm:sp3d/>
+    <dgm:txPr/>
+    <dgm:style>
+      <a:lnRef idx="0">
+        <a:scrgbClr r="0" g="0" b="0"/>
+      </a:lnRef>
+      <a:fillRef idx="1">
+        <a:scrgbClr r="0" g="0" b="0"/>
+      </a:fillRef>
+      <a:effectRef idx="0">
+        <a:scrgbClr r="0" g="0" b="0"/>
+      </a:effectRef>
+      <a:fontRef idx="minor"/>
+    </dgm:style>
+  </dgm:styleLbl>
+  <dgm:styleLbl name="trBgShp">
+    <dgm:scene3d>
+      <a:camera prst="orthographicFront"/>
+      <a:lightRig rig="threePt" dir="t"/>
+    </dgm:scene3d>
+    <dgm:sp3d/>
+    <dgm:txPr/>
+    <dgm:style>
+      <a:lnRef idx="0">
+        <a:scrgbClr r="0" g="0" b="0"/>
+      </a:lnRef>
+      <a:fillRef idx="1">
+        <a:scrgbClr r="0" g="0" b="0"/>
+      </a:fillRef>
+      <a:effectRef idx="0">
+        <a:scrgbClr r="0" g="0" b="0"/>
+      </a:effectRef>
+      <a:fontRef idx="minor"/>
+    </dgm:style>
+  </dgm:styleLbl>
+  <dgm:styleLbl name="fgShp">
+    <dgm:scene3d>
+      <a:camera prst="orthographicFront"/>
+      <a:lightRig rig="threePt" dir="t"/>
+    </dgm:scene3d>
+    <dgm:sp3d/>
+    <dgm:txPr/>
+    <dgm:style>
+      <a:lnRef idx="2">
+        <a:scrgbClr r="0" g="0" b="0"/>
+      </a:lnRef>
+      <a:fillRef idx="1">
+        <a:scrgbClr r="0" g="0" b="0"/>
+      </a:fillRef>
+      <a:effectRef idx="0">
+        <a:scrgbClr r="0" g="0" b="0"/>
+      </a:effectRef>
+      <a:fontRef idx="minor"/>
+    </dgm:style>
+  </dgm:styleLbl>
+  <dgm:styleLbl name="revTx">
+    <dgm:scene3d>
+      <a:camera prst="orthographicFront"/>
+      <a:lightRig rig="threePt" dir="t"/>
+    </dgm:scene3d>
+    <dgm:sp3d/>
+    <dgm:txPr/>
+    <dgm:style>
+      <a:lnRef idx="0">
+        <a:scrgbClr r="0" g="0" b="0"/>
+      </a:lnRef>
+      <a:fillRef idx="0">
+        <a:scrgbClr r="0" g="0" b="0"/>
+      </a:fillRef>
+      <a:effectRef idx="0">
+        <a:scrgbClr r="0" g="0" b="0"/>
+      </a:effectRef>
+      <a:fontRef idx="minor"/>
+    </dgm:style>
+  </dgm:styleLbl>
+</dgm:styleDef>
+</file>
+
+<file path=ppt/diagrams/quickStyle2.xml><?xml version="1.0" encoding="utf-8"?>
+<dgm:styleDef xmlns:dgm="http://schemas.openxmlformats.org/drawingml/2006/diagram" xmlns:a="http://schemas.openxmlformats.org/drawingml/2006/main" uniqueId="urn:microsoft.com/office/officeart/2005/8/quickstyle/simple1">
+  <dgm:title val=""/>
+  <dgm:desc val=""/>
+  <dgm:catLst>
+    <dgm:cat type="simple" pri="10100"/>
+  </dgm:catLst>
+  <dgm:scene3d>
+    <a:camera prst="orthographicFront"/>
+    <a:lightRig rig="threePt" dir="t"/>
+  </dgm:scene3d>
+  <dgm:styleLbl name="node0">
+    <dgm:scene3d>
+      <a:camera prst="orthographicFront"/>
+      <a:lightRig rig="threePt" dir="t"/>
+    </dgm:scene3d>
+    <dgm:sp3d/>
+    <dgm:txPr/>
+    <dgm:style>
+      <a:lnRef idx="2">
+        <a:scrgbClr r="0" g="0" b="0"/>
+      </a:lnRef>
+      <a:fillRef idx="1">
+        <a:scrgbClr r="0" g="0" b="0"/>
+      </a:fillRef>
+      <a:effectRef idx="0">
+        <a:scrgbClr r="0" g="0" b="0"/>
+      </a:effectRef>
+      <a:fontRef idx="minor">
+        <a:schemeClr val="lt1"/>
+      </a:fontRef>
+    </dgm:style>
+  </dgm:styleLbl>
+  <dgm:styleLbl name="lnNode1">
+    <dgm:scene3d>
+      <a:camera prst="orthographicFront"/>
+      <a:lightRig rig="threePt" dir="t"/>
+    </dgm:scene3d>
+    <dgm:sp3d/>
+    <dgm:txPr/>
+    <dgm:style>
+      <a:lnRef idx="2">
+        <a:scrgbClr r="0" g="0" b="0"/>
+      </a:lnRef>
+      <a:fillRef idx="1">
+        <a:scrgbClr r="0" g="0" b="0"/>
+      </a:fillRef>
+      <a:effectRef idx="0">
+        <a:scrgbClr r="0" g="0" b="0"/>
+      </a:effectRef>
+      <a:fontRef idx="minor">
+        <a:schemeClr val="lt1"/>
+      </a:fontRef>
+    </dgm:style>
+  </dgm:styleLbl>
+  <dgm:styleLbl name="vennNode1">
+    <dgm:scene3d>
+      <a:camera prst="orthographicFront"/>
+      <a:lightRig rig="threePt" dir="t"/>
+    </dgm:scene3d>
+    <dgm:sp3d/>
+    <dgm:txPr/>
+    <dgm:style>
+      <a:lnRef idx="2">
+        <a:scrgbClr r="0" g="0" b="0"/>
+      </a:lnRef>
+      <a:fillRef idx="1">
+        <a:scrgbClr r="0" g="0" b="0"/>
+      </a:fillRef>
+      <a:effectRef idx="0">
+        <a:scrgbClr r="0" g="0" b="0"/>
+      </a:effectRef>
+      <a:fontRef idx="minor">
+        <a:schemeClr val="tx1"/>
+      </a:fontRef>
+    </dgm:style>
+  </dgm:styleLbl>
+  <dgm:styleLbl name="alignNode1">
+    <dgm:scene3d>
+      <a:camera prst="orthographicFront"/>
+      <a:lightRig rig="threePt" dir="t"/>
+    </dgm:scene3d>
+    <dgm:sp3d/>
+    <dgm:txPr/>
+    <dgm:style>
+      <a:lnRef idx="2">
+        <a:scrgbClr r="0" g="0" b="0"/>
+      </a:lnRef>
+      <a:fillRef idx="1">
+        <a:scrgbClr r="0" g="0" b="0"/>
+      </a:fillRef>
+      <a:effectRef idx="0">
+        <a:scrgbClr r="0" g="0" b="0"/>
+      </a:effectRef>
+      <a:fontRef idx="minor">
+        <a:schemeClr val="lt1"/>
+      </a:fontRef>
+    </dgm:style>
+  </dgm:styleLbl>
+  <dgm:styleLbl name="node1">
+    <dgm:scene3d>
+      <a:camera prst="orthographicFront"/>
+      <a:lightRig rig="threePt" dir="t"/>
+    </dgm:scene3d>
+    <dgm:sp3d/>
+    <dgm:txPr/>
+    <dgm:style>
+      <a:lnRef idx="2">
+        <a:scrgbClr r="0" g="0" b="0"/>
+      </a:lnRef>
+      <a:fillRef idx="1">
+        <a:scrgbClr r="0" g="0" b="0"/>
+      </a:fillRef>
+      <a:effectRef idx="0">
+        <a:scrgbClr r="0" g="0" b="0"/>
+      </a:effectRef>
+      <a:fontRef idx="minor">
+        <a:schemeClr val="lt1"/>
+      </a:fontRef>
+    </dgm:style>
+  </dgm:styleLbl>
+  <dgm:styleLbl name="node2">
+    <dgm:scene3d>
+      <a:camera prst="orthographicFront"/>
+      <a:lightRig rig="threePt" dir="t"/>
+    </dgm:scene3d>
+    <dgm:sp3d/>
+    <dgm:txPr/>
+    <dgm:style>
+      <a:lnRef idx="2">
+        <a:scrgbClr r="0" g="0" b="0"/>
+      </a:lnRef>
+      <a:fillRef idx="1">
+        <a:scrgbClr r="0" g="0" b="0"/>
+      </a:fillRef>
+      <a:effectRef idx="0">
+        <a:scrgbClr r="0" g="0" b="0"/>
+      </a:effectRef>
+      <a:fontRef idx="minor">
+        <a:schemeClr val="lt1"/>
+      </a:fontRef>
+    </dgm:style>
+  </dgm:styleLbl>
+  <dgm:styleLbl name="node3">
+    <dgm:scene3d>
+      <a:camera prst="orthographicFront"/>
+      <a:lightRig rig="threePt" dir="t"/>
+    </dgm:scene3d>
+    <dgm:sp3d/>
+    <dgm:txPr/>
+    <dgm:style>
+      <a:lnRef idx="2">
+        <a:scrgbClr r="0" g="0" b="0"/>
+      </a:lnRef>
+      <a:fillRef idx="1">
+        <a:scrgbClr r="0" g="0" b="0"/>
+      </a:fillRef>
+      <a:effectRef idx="0">
+        <a:scrgbClr r="0" g="0" b="0"/>
+      </a:effectRef>
+      <a:fontRef idx="minor">
+        <a:schemeClr val="lt1"/>
+      </a:fontRef>
+    </dgm:style>
+  </dgm:styleLbl>
+  <dgm:styleLbl name="node4">
+    <dgm:scene3d>
+      <a:camera prst="orthographicFront"/>
+      <a:lightRig rig="threePt" dir="t"/>
+    </dgm:scene3d>
+    <dgm:sp3d/>
+    <dgm:txPr/>
+    <dgm:style>
+      <a:lnRef idx="2">
+        <a:scrgbClr r="0" g="0" b="0"/>
+      </a:lnRef>
+      <a:fillRef idx="1">
+        <a:scrgbClr r="0" g="0" b="0"/>
+      </a:fillRef>
+      <a:effectRef idx="0">
+        <a:scrgbClr r="0" g="0" b="0"/>
+      </a:effectRef>
+      <a:fontRef idx="minor">
+        <a:schemeClr val="lt1"/>
+      </a:fontRef>
+    </dgm:style>
+  </dgm:styleLbl>
+  <dgm:styleLbl name="fgImgPlace1">
+    <dgm:scene3d>
+      <a:camera prst="orthographicFront"/>
+      <a:lightRig rig="threePt" dir="t"/>
+    </dgm:scene3d>
+    <dgm:sp3d/>
+    <dgm:txPr/>
+    <dgm:style>
+      <a:lnRef idx="2">
+        <a:scrgbClr r="0" g="0" b="0"/>
+      </a:lnRef>
+      <a:fillRef idx="1">
+        <a:scrgbClr r="0" g="0" b="0"/>
+      </a:fillRef>
+      <a:effectRef idx="0">
+        <a:scrgbClr r="0" g="0" b="0"/>
+      </a:effectRef>
+      <a:fontRef idx="minor"/>
+    </dgm:style>
+  </dgm:styleLbl>
+  <dgm:styleLbl name="alignImgPlace1">
+    <dgm:scene3d>
+      <a:camera prst="orthographicFront"/>
+      <a:lightRig rig="threePt" dir="t"/>
+    </dgm:scene3d>
+    <dgm:sp3d/>
+    <dgm:txPr/>
+    <dgm:style>
+      <a:lnRef idx="2">
+        <a:scrgbClr r="0" g="0" b="0"/>
+      </a:lnRef>
+      <a:fillRef idx="1">
+        <a:scrgbClr r="0" g="0" b="0"/>
+      </a:fillRef>
+      <a:effectRef idx="0">
+        <a:scrgbClr r="0" g="0" b="0"/>
+      </a:effectRef>
+      <a:fontRef idx="minor"/>
+    </dgm:style>
+  </dgm:styleLbl>
+  <dgm:styleLbl name="bgImgPlace1">
+    <dgm:scene3d>
+      <a:camera prst="orthographicFront"/>
+      <a:lightRig rig="threePt" dir="t"/>
+    </dgm:scene3d>
+    <dgm:sp3d/>
+    <dgm:txPr/>
+    <dgm:style>
+      <a:lnRef idx="2">
+        <a:scrgbClr r="0" g="0" b="0"/>
+      </a:lnRef>
+      <a:fillRef idx="1">
+        <a:scrgbClr r="0" g="0" b="0"/>
+      </a:fillRef>
+      <a:effectRef idx="0">
+        <a:scrgbClr r="0" g="0" b="0"/>
+      </a:effectRef>
+      <a:fontRef idx="minor"/>
+    </dgm:style>
+  </dgm:styleLbl>
+  <dgm:styleLbl name="sibTrans2D1">
+    <dgm:scene3d>
+      <a:camera prst="orthographicFront"/>
+      <a:lightRig rig="threePt" dir="t"/>
+    </dgm:scene3d>
+    <dgm:sp3d/>
+    <dgm:txPr/>
+    <dgm:style>
+      <a:lnRef idx="0">
+        <a:scrgbClr r="0" g="0" b="0"/>
+      </a:lnRef>
+      <a:fillRef idx="1">
+        <a:scrgbClr r="0" g="0" b="0"/>
+      </a:fillRef>
+      <a:effectRef idx="0">
+        <a:scrgbClr r="0" g="0" b="0"/>
+      </a:effectRef>
+      <a:fontRef idx="minor">
+        <a:schemeClr val="lt1"/>
+      </a:fontRef>
+    </dgm:style>
+  </dgm:styleLbl>
+  <dgm:styleLbl name="fgSibTrans2D1">
+    <dgm:scene3d>
+      <a:camera prst="orthographicFront"/>
+      <a:lightRig rig="threePt" dir="t"/>
+    </dgm:scene3d>
+    <dgm:sp3d/>
+    <dgm:txPr/>
+    <dgm:style>
+      <a:lnRef idx="0">
+        <a:scrgbClr r="0" g="0" b="0"/>
+      </a:lnRef>
+      <a:fillRef idx="1">
+        <a:scrgbClr r="0" g="0" b="0"/>
+      </a:fillRef>
+      <a:effectRef idx="0">
+        <a:scrgbClr r="0" g="0" b="0"/>
+      </a:effectRef>
+      <a:fontRef idx="minor">
+        <a:schemeClr val="lt1"/>
+      </a:fontRef>
+    </dgm:style>
+  </dgm:styleLbl>
+  <dgm:styleLbl name="bgSibTrans2D1">
+    <dgm:scene3d>
+      <a:camera prst="orthographicFront"/>
+      <a:lightRig rig="threePt" dir="t"/>
+    </dgm:scene3d>
+    <dgm:sp3d/>
+    <dgm:txPr/>
+    <dgm:style>
+      <a:lnRef idx="0">
+        <a:scrgbClr r="0" g="0" b="0"/>
+      </a:lnRef>
+      <a:fillRef idx="1">
+        <a:scrgbClr r="0" g="0" b="0"/>
+      </a:fillRef>
+      <a:effectRef idx="0">
+        <a:scrgbClr r="0" g="0" b="0"/>
+      </a:effectRef>
+      <a:fontRef idx="minor">
+        <a:schemeClr val="lt1"/>
+      </a:fontRef>
+    </dgm:style>
+  </dgm:styleLbl>
+  <dgm:styleLbl name="sibTrans1D1">
+    <dgm:scene3d>
+      <a:camera prst="orthographicFront"/>
+      <a:lightRig rig="threePt" dir="t"/>
+    </dgm:scene3d>
+    <dgm:sp3d/>
+    <dgm:txPr/>
+    <dgm:style>
+      <a:lnRef idx="1">
+        <a:scrgbClr r="0" g="0" b="0"/>
+      </a:lnRef>
+      <a:fillRef idx="0">
+        <a:scrgbClr r="0" g="0" b="0"/>
+      </a:fillRef>
+      <a:effectRef idx="0">
+        <a:scrgbClr r="0" g="0" b="0"/>
+      </a:effectRef>
+      <a:fontRef idx="minor"/>
+    </dgm:style>
+  </dgm:styleLbl>
+  <dgm:styleLbl name="callout">
+    <dgm:scene3d>
+      <a:camera prst="orthographicFront"/>
+      <a:lightRig rig="threePt" dir="t"/>
+    </dgm:scene3d>
+    <dgm:sp3d/>
+    <dgm:txPr/>
+    <dgm:style>
+      <a:lnRef idx="2">
+        <a:scrgbClr r="0" g="0" b="0"/>
+      </a:lnRef>
+      <a:fillRef idx="1">
+        <a:scrgbClr r="0" g="0" b="0"/>
+      </a:fillRef>
+      <a:effectRef idx="0">
+        <a:scrgbClr r="0" g="0" b="0"/>
+      </a:effectRef>
+      <a:fontRef idx="minor"/>
+    </dgm:style>
+  </dgm:styleLbl>
+  <dgm:styleLbl name="asst0">
+    <dgm:scene3d>
+      <a:camera prst="orthographicFront"/>
+      <a:lightRig rig="threePt" dir="t"/>
+    </dgm:scene3d>
+    <dgm:sp3d/>
+    <dgm:txPr/>
+    <dgm:style>
+      <a:lnRef idx="2">
+        <a:scrgbClr r="0" g="0" b="0"/>
+      </a:lnRef>
+      <a:fillRef idx="1">
+        <a:scrgbClr r="0" g="0" b="0"/>
+      </a:fillRef>
+      <a:effectRef idx="0">
+        <a:scrgbClr r="0" g="0" b="0"/>
+      </a:effectRef>
+      <a:fontRef idx="minor">
+        <a:schemeClr val="lt1"/>
+      </a:fontRef>
+    </dgm:style>
+  </dgm:styleLbl>
+  <dgm:styleLbl name="asst1">
+    <dgm:scene3d>
+      <a:camera prst="orthographicFront"/>
+      <a:lightRig rig="threePt" dir="t"/>
+    </dgm:scene3d>
+    <dgm:sp3d/>
+    <dgm:txPr/>
+    <dgm:style>
+      <a:lnRef idx="2">
+        <a:scrgbClr r="0" g="0" b="0"/>
+      </a:lnRef>
+      <a:fillRef idx="1">
+        <a:scrgbClr r="0" g="0" b="0"/>
+      </a:fillRef>
+      <a:effectRef idx="0">
+        <a:scrgbClr r="0" g="0" b="0"/>
+      </a:effectRef>
+      <a:fontRef idx="minor">
+        <a:schemeClr val="lt1"/>
+      </a:fontRef>
+    </dgm:style>
+  </dgm:styleLbl>
+  <dgm:styleLbl name="asst2">
+    <dgm:scene3d>
+      <a:camera prst="orthographicFront"/>
+      <a:lightRig rig="threePt" dir="t"/>
+    </dgm:scene3d>
+    <dgm:sp3d/>
+    <dgm:txPr/>
+    <dgm:style>
+      <a:lnRef idx="2">
+        <a:scrgbClr r="0" g="0" b="0"/>
+      </a:lnRef>
+      <a:fillRef idx="1">
+        <a:scrgbClr r="0" g="0" b="0"/>
+      </a:fillRef>
+      <a:effectRef idx="0">
+        <a:scrgbClr r="0" g="0" b="0"/>
+      </a:effectRef>
+      <a:fontRef idx="minor">
+        <a:schemeClr val="lt1"/>
+      </a:fontRef>
+    </dgm:style>
+  </dgm:styleLbl>
+  <dgm:styleLbl name="asst3">
+    <dgm:scene3d>
+      <a:camera prst="orthographicFront"/>
+      <a:lightRig rig="threePt" dir="t"/>
+    </dgm:scene3d>
+    <dgm:sp3d/>
+    <dgm:txPr/>
+    <dgm:style>
+      <a:lnRef idx="2">
+        <a:scrgbClr r="0" g="0" b="0"/>
+      </a:lnRef>
+      <a:fillRef idx="1">
+        <a:scrgbClr r="0" g="0" b="0"/>
+      </a:fillRef>
+      <a:effectRef idx="0">
+        <a:scrgbClr r="0" g="0" b="0"/>
+      </a:effectRef>
+      <a:fontRef idx="minor">
+        <a:schemeClr val="lt1"/>
+      </a:fontRef>
+    </dgm:style>
+  </dgm:styleLbl>
+  <dgm:styleLbl name="asst4">
+    <dgm:scene3d>
+      <a:camera prst="orthographicFront"/>
+      <a:lightRig rig="threePt" dir="t"/>
+    </dgm:scene3d>
+    <dgm:sp3d/>
+    <dgm:txPr/>
+    <dgm:style>
+      <a:lnRef idx="2">
+        <a:scrgbClr r="0" g="0" b="0"/>
+      </a:lnRef>
+      <a:fillRef idx="1">
+        <a:scrgbClr r="0" g="0" b="0"/>
+      </a:fillRef>
+      <a:effectRef idx="0">
+        <a:scrgbClr r="0" g="0" b="0"/>
+      </a:effectRef>
+      <a:fontRef idx="minor">
+        <a:schemeClr val="lt1"/>
+      </a:fontRef>
+    </dgm:style>
+  </dgm:styleLbl>
+  <dgm:styleLbl name="parChTrans2D1">
+    <dgm:scene3d>
+      <a:camera prst="orthographicFront"/>
+      <a:lightRig rig="threePt" dir="t"/>
+    </dgm:scene3d>
+    <dgm:sp3d/>
+    <dgm:txPr/>
+    <dgm:style>
+      <a:lnRef idx="2">
+        <a:scrgbClr r="0" g="0" b="0"/>
+      </a:lnRef>
+      <a:fillRef idx="1">
+        <a:scrgbClr r="0" g="0" b="0"/>
+      </a:fillRef>
+      <a:effectRef idx="0">
+        <a:scrgbClr r="0" g="0" b="0"/>
+      </a:effectRef>
+      <a:fontRef idx="minor">
+        <a:schemeClr val="lt1"/>
+      </a:fontRef>
+    </dgm:style>
+  </dgm:styleLbl>
+  <dgm:styleLbl name="parChTrans2D2">
+    <dgm:scene3d>
+      <a:camera prst="orthographicFront"/>
+      <a:lightRig rig="threePt" dir="t"/>
+    </dgm:scene3d>
+    <dgm:sp3d/>
+    <dgm:txPr/>
+    <dgm:style>
+      <a:lnRef idx="2">
+        <a:scrgbClr r="0" g="0" b="0"/>
+      </a:lnRef>
+      <a:fillRef idx="1">
+        <a:scrgbClr r="0" g="0" b="0"/>
+      </a:fillRef>
+      <a:effectRef idx="0">
+        <a:scrgbClr r="0" g="0" b="0"/>
+      </a:effectRef>
+      <a:fontRef idx="minor">
+        <a:schemeClr val="lt1"/>
+      </a:fontRef>
+    </dgm:style>
+  </dgm:styleLbl>
+  <dgm:styleLbl name="parChTrans2D3">
+    <dgm:scene3d>
+      <a:camera prst="orthographicFront"/>
+      <a:lightRig rig="threePt" dir="t"/>
+    </dgm:scene3d>
+    <dgm:sp3d/>
+    <dgm:txPr/>
+    <dgm:style>
+      <a:lnRef idx="2">
+        <a:scrgbClr r="0" g="0" b="0"/>
+      </a:lnRef>
+      <a:fillRef idx="1">
+        <a:scrgbClr r="0" g="0" b="0"/>
+      </a:fillRef>
+      <a:effectRef idx="0">
+        <a:scrgbClr r="0" g="0" b="0"/>
+      </a:effectRef>
+      <a:fontRef idx="minor">
+        <a:schemeClr val="lt1"/>
+      </a:fontRef>
+    </dgm:style>
+  </dgm:styleLbl>
+  <dgm:styleLbl name="parChTrans2D4">
+    <dgm:scene3d>
+      <a:camera prst="orthographicFront"/>
+      <a:lightRig rig="threePt" dir="t"/>
+    </dgm:scene3d>
+    <dgm:sp3d/>
+    <dgm:txPr/>
+    <dgm:style>
+      <a:lnRef idx="2">
+        <a:scrgbClr r="0" g="0" b="0"/>
+      </a:lnRef>
+      <a:fillRef idx="1">
+        <a:scrgbClr r="0" g="0" b="0"/>
+      </a:fillRef>
+      <a:effectRef idx="0">
+        <a:scrgbClr r="0" g="0" b="0"/>
+      </a:effectRef>
+      <a:fontRef idx="minor">
+        <a:schemeClr val="lt1"/>
+      </a:fontRef>
+    </dgm:style>
+  </dgm:styleLbl>
+  <dgm:styleLbl name="parChTrans1D1">
+    <dgm:scene3d>
+      <a:camera prst="orthographicFront"/>
+      <a:lightRig rig="threePt" dir="t"/>
+    </dgm:scene3d>
+    <dgm:sp3d/>
+    <dgm:txPr/>
+    <dgm:style>
+      <a:lnRef idx="2">
+        <a:scrgbClr r="0" g="0" b="0"/>
+      </a:lnRef>
+      <a:fillRef idx="0">
+        <a:scrgbClr r="0" g="0" b="0"/>
+      </a:fillRef>
+      <a:effectRef idx="0">
+        <a:scrgbClr r="0" g="0" b="0"/>
+      </a:effectRef>
+      <a:fontRef idx="minor"/>
+    </dgm:style>
+  </dgm:styleLbl>
+  <dgm:styleLbl name="parChTrans1D2">
+    <dgm:scene3d>
+      <a:camera prst="orthographicFront"/>
+      <a:lightRig rig="threePt" dir="t"/>
+    </dgm:scene3d>
+    <dgm:sp3d/>
+    <dgm:txPr/>
+    <dgm:style>
+      <a:lnRef idx="2">
+        <a:scrgbClr r="0" g="0" b="0"/>
+      </a:lnRef>
+      <a:fillRef idx="0">
+        <a:scrgbClr r="0" g="0" b="0"/>
+      </a:fillRef>
+      <a:effectRef idx="0">
+        <a:scrgbClr r="0" g="0" b="0"/>
+      </a:effectRef>
+      <a:fontRef idx="minor"/>
+    </dgm:style>
+  </dgm:styleLbl>
+  <dgm:styleLbl name="parChTrans1D3">
+    <dgm:scene3d>
+      <a:camera prst="orthographicFront"/>
+      <a:lightRig rig="threePt" dir="t"/>
+    </dgm:scene3d>
+    <dgm:sp3d/>
+    <dgm:txPr/>
+    <dgm:style>
+      <a:lnRef idx="2">
+        <a:scrgbClr r="0" g="0" b="0"/>
+      </a:lnRef>
+      <a:fillRef idx="0">
+        <a:scrgbClr r="0" g="0" b="0"/>
+      </a:fillRef>
+      <a:effectRef idx="0">
+        <a:scrgbClr r="0" g="0" b="0"/>
+      </a:effectRef>
+      <a:fontRef idx="minor"/>
+    </dgm:style>
+  </dgm:styleLbl>
+  <dgm:styleLbl name="parChTrans1D4">
+    <dgm:scene3d>
+      <a:camera prst="orthographicFront"/>
+      <a:lightRig rig="threePt" dir="t"/>
+    </dgm:scene3d>
+    <dgm:sp3d/>
+    <dgm:txPr/>
+    <dgm:style>
+      <a:lnRef idx="2">
+        <a:scrgbClr r="0" g="0" b="0"/>
+      </a:lnRef>
+      <a:fillRef idx="0">
+        <a:scrgbClr r="0" g="0" b="0"/>
+      </a:fillRef>
+      <a:effectRef idx="0">
+        <a:scrgbClr r="0" g="0" b="0"/>
+      </a:effectRef>
+      <a:fontRef idx="minor"/>
+    </dgm:style>
+  </dgm:styleLbl>
+  <dgm:styleLbl name="fgAcc1">
+    <dgm:scene3d>
+      <a:camera prst="orthographicFront"/>
+      <a:lightRig rig="threePt" dir="t"/>
+    </dgm:scene3d>
+    <dgm:sp3d/>
+    <dgm:txPr/>
+    <dgm:style>
+      <a:lnRef idx="2">
+        <a:scrgbClr r="0" g="0" b="0"/>
+      </a:lnRef>
+      <a:fillRef idx="1">
+        <a:scrgbClr r="0" g="0" b="0"/>
+      </a:fillRef>
+      <a:effectRef idx="0">
+        <a:scrgbClr r="0" g="0" b="0"/>
+      </a:effectRef>
+      <a:fontRef idx="minor"/>
+    </dgm:style>
+  </dgm:styleLbl>
+  <dgm:styleLbl name="conFgAcc1">
+    <dgm:scene3d>
+      <a:camera prst="orthographicFront"/>
+      <a:lightRig rig="threePt" dir="t"/>
+    </dgm:scene3d>
+    <dgm:sp3d/>
+    <dgm:txPr/>
+    <dgm:style>
+      <a:lnRef idx="2">
+        <a:scrgbClr r="0" g="0" b="0"/>
+      </a:lnRef>
+      <a:fillRef idx="1">
+        <a:scrgbClr r="0" g="0" b="0"/>
+      </a:fillRef>
+      <a:effectRef idx="0">
+        <a:scrgbClr r="0" g="0" b="0"/>
+      </a:effectRef>
+      <a:fontRef idx="minor"/>
+    </dgm:style>
+  </dgm:styleLbl>
+  <dgm:styleLbl name="alignAcc1">
+    <dgm:scene3d>
+      <a:camera prst="orthographicFront"/>
+      <a:lightRig rig="threePt" dir="t"/>
+    </dgm:scene3d>
+    <dgm:sp3d/>
+    <dgm:txPr/>
+    <dgm:style>
+      <a:lnRef idx="2">
+        <a:scrgbClr r="0" g="0" b="0"/>
+      </a:lnRef>
+      <a:fillRef idx="1">
+        <a:scrgbClr r="0" g="0" b="0"/>
+      </a:fillRef>
+      <a:effectRef idx="0">
+        <a:scrgbClr r="0" g="0" b="0"/>
+      </a:effectRef>
+      <a:fontRef idx="minor"/>
+    </dgm:style>
+  </dgm:styleLbl>
+  <dgm:styleLbl name="trAlignAcc1">
+    <dgm:scene3d>
+      <a:camera prst="orthographicFront"/>
+      <a:lightRig rig="threePt" dir="t"/>
+    </dgm:scene3d>
+    <dgm:sp3d/>
+    <dgm:txPr/>
+    <dgm:style>
+      <a:lnRef idx="1">
+        <a:scrgbClr r="0" g="0" b="0"/>
+      </a:lnRef>
+      <a:fillRef idx="1">
+        <a:scrgbClr r="0" g="0" b="0"/>
+      </a:fillRef>
+      <a:effectRef idx="0">
+        <a:scrgbClr r="0" g="0" b="0"/>
+      </a:effectRef>
+      <a:fontRef idx="minor"/>
+    </dgm:style>
+  </dgm:styleLbl>
+  <dgm:styleLbl name="bgAcc1">
+    <dgm:scene3d>
+      <a:camera prst="orthographicFront"/>
+      <a:lightRig rig="threePt" dir="t"/>
+    </dgm:scene3d>
+    <dgm:sp3d/>
+    <dgm:txPr/>
+    <dgm:style>
+      <a:lnRef idx="2">
+        <a:scrgbClr r="0" g="0" b="0"/>
+      </a:lnRef>
+      <a:fillRef idx="1">
+        <a:scrgbClr r="0" g="0" b="0"/>
+      </a:fillRef>
+      <a:effectRef idx="0">
+        <a:scrgbClr r="0" g="0" b="0"/>
+      </a:effectRef>
+      <a:fontRef idx="minor"/>
+    </dgm:style>
+  </dgm:styleLbl>
+  <dgm:styleLbl name="solidFgAcc1">
+    <dgm:scene3d>
+      <a:camera prst="orthographicFront"/>
+      <a:lightRig rig="threePt" dir="t"/>
+    </dgm:scene3d>
+    <dgm:sp3d/>
+    <dgm:txPr/>
+    <dgm:style>
+      <a:lnRef idx="2">
+        <a:scrgbClr r="0" g="0" b="0"/>
+      </a:lnRef>
+      <a:fillRef idx="1">
+        <a:scrgbClr r="0" g="0" b="0"/>
+      </a:fillRef>
+      <a:effectRef idx="0">
+        <a:scrgbClr r="0" g="0" b="0"/>
+      </a:effectRef>
+      <a:fontRef idx="minor"/>
+    </dgm:style>
+  </dgm:styleLbl>
+  <dgm:styleLbl name="solidAlignAcc1">
+    <dgm:scene3d>
+      <a:camera prst="orthographicFront"/>
+      <a:lightRig rig="threePt" dir="t"/>
+    </dgm:scene3d>
+    <dgm:sp3d/>
+    <dgm:txPr/>
+    <dgm:style>
+      <a:lnRef idx="2">
+        <a:scrgbClr r="0" g="0" b="0"/>
+      </a:lnRef>
+      <a:fillRef idx="1">
+        <a:scrgbClr r="0" g="0" b="0"/>
+      </a:fillRef>
+      <a:effectRef idx="0">
+        <a:scrgbClr r="0" g="0" b="0"/>
+      </a:effectRef>
+      <a:fontRef idx="minor"/>
+    </dgm:style>
+  </dgm:styleLbl>
+  <dgm:styleLbl name="solidBgAcc1">
+    <dgm:scene3d>
+      <a:camera prst="orthographicFront"/>
+      <a:lightRig rig="threePt" dir="t"/>
+    </dgm:scene3d>
+    <dgm:sp3d/>
+    <dgm:txPr/>
+    <dgm:style>
+      <a:lnRef idx="2">
+        <a:scrgbClr r="0" g="0" b="0"/>
+      </a:lnRef>
+      <a:fillRef idx="1">
+        <a:scrgbClr r="0" g="0" b="0"/>
+      </a:fillRef>
+      <a:effectRef idx="0">
+        <a:scrgbClr r="0" g="0" b="0"/>
+      </a:effectRef>
+      <a:fontRef idx="minor"/>
+    </dgm:style>
+  </dgm:styleLbl>
+  <dgm:styleLbl name="fgAccFollowNode1">
+    <dgm:scene3d>
+      <a:camera prst="orthographicFront"/>
+      <a:lightRig rig="threePt" dir="t"/>
+    </dgm:scene3d>
+    <dgm:sp3d/>
+    <dgm:txPr/>
+    <dgm:style>
+      <a:lnRef idx="2">
+        <a:scrgbClr r="0" g="0" b="0"/>
+      </a:lnRef>
+      <a:fillRef idx="1">
+        <a:scrgbClr r="0" g="0" b="0"/>
+      </a:fillRef>
+      <a:effectRef idx="0">
+        <a:scrgbClr r="0" g="0" b="0"/>
+      </a:effectRef>
+      <a:fontRef idx="minor"/>
+    </dgm:style>
+  </dgm:styleLbl>
+  <dgm:styleLbl name="alignAccFollowNode1">
+    <dgm:scene3d>
+      <a:camera prst="orthographicFront"/>
+      <a:lightRig rig="threePt" dir="t"/>
+    </dgm:scene3d>
+    <dgm:sp3d/>
+    <dgm:txPr/>
+    <dgm:style>
+      <a:lnRef idx="2">
+        <a:scrgbClr r="0" g="0" b="0"/>
+      </a:lnRef>
+      <a:fillRef idx="1">
+        <a:scrgbClr r="0" g="0" b="0"/>
+      </a:fillRef>
+      <a:effectRef idx="0">
+        <a:scrgbClr r="0" g="0" b="0"/>
+      </a:effectRef>
+      <a:fontRef idx="minor"/>
+    </dgm:style>
+  </dgm:styleLbl>
+  <dgm:styleLbl name="bgAccFollowNode1">
+    <dgm:scene3d>
+      <a:camera prst="orthographicFront"/>
+      <a:lightRig rig="threePt" dir="t"/>
+    </dgm:scene3d>
+    <dgm:sp3d/>
+    <dgm:txPr/>
+    <dgm:style>
+      <a:lnRef idx="2">
+        <a:scrgbClr r="0" g="0" b="0"/>
+      </a:lnRef>
+      <a:fillRef idx="1">
+        <a:scrgbClr r="0" g="0" b="0"/>
+      </a:fillRef>
+      <a:effectRef idx="0">
+        <a:scrgbClr r="0" g="0" b="0"/>
+      </a:effectRef>
+      <a:fontRef idx="minor"/>
+    </dgm:style>
+  </dgm:styleLbl>
+  <dgm:styleLbl name="fgAcc0">
+    <dgm:scene3d>
+      <a:camera prst="orthographicFront"/>
+      <a:lightRig rig="threePt" dir="t"/>
+    </dgm:scene3d>
+    <dgm:sp3d/>
+    <dgm:txPr/>
+    <dgm:style>
+      <a:lnRef idx="2">
+        <a:scrgbClr r="0" g="0" b="0"/>
+      </a:lnRef>
+      <a:fillRef idx="1">
+        <a:scrgbClr r="0" g="0" b="0"/>
+      </a:fillRef>
+      <a:effectRef idx="0">
+        <a:scrgbClr r="0" g="0" b="0"/>
+      </a:effectRef>
+      <a:fontRef idx="minor"/>
+    </dgm:style>
+  </dgm:styleLbl>
+  <dgm:styleLbl name="fgAcc2">
+    <dgm:scene3d>
+      <a:camera prst="orthographicFront"/>
+      <a:lightRig rig="threePt" dir="t"/>
+    </dgm:scene3d>
+    <dgm:sp3d/>
+    <dgm:txPr/>
+    <dgm:style>
+      <a:lnRef idx="2">
+        <a:scrgbClr r="0" g="0" b="0"/>
+      </a:lnRef>
+      <a:fillRef idx="1">
+        <a:scrgbClr r="0" g="0" b="0"/>
+      </a:fillRef>
+      <a:effectRef idx="0">
+        <a:scrgbClr r="0" g="0" b="0"/>
+      </a:effectRef>
+      <a:fontRef idx="minor"/>
+    </dgm:style>
+  </dgm:styleLbl>
+  <dgm:styleLbl name="fgAcc3">
+    <dgm:scene3d>
+      <a:camera prst="orthographicFront"/>
+      <a:lightRig rig="threePt" dir="t"/>
+    </dgm:scene3d>
+    <dgm:sp3d/>
+    <dgm:txPr/>
+    <dgm:style>
+      <a:lnRef idx="2">
+        <a:scrgbClr r="0" g="0" b="0"/>
+      </a:lnRef>
+      <a:fillRef idx="1">
+        <a:scrgbClr r="0" g="0" b="0"/>
+      </a:fillRef>
+      <a:effectRef idx="0">
+        <a:scrgbClr r="0" g="0" b="0"/>
+      </a:effectRef>
+      <a:fontRef idx="minor"/>
+    </dgm:style>
+  </dgm:styleLbl>
+  <dgm:styleLbl name="fgAcc4">
+    <dgm:scene3d>
+      <a:camera prst="orthographicFront"/>
+      <a:lightRig rig="threePt" dir="t"/>
+    </dgm:scene3d>
+    <dgm:sp3d/>
+    <dgm:txPr/>
+    <dgm:style>
+      <a:lnRef idx="2">
+        <a:scrgbClr r="0" g="0" b="0"/>
+      </a:lnRef>
+      <a:fillRef idx="1">
+        <a:scrgbClr r="0" g="0" b="0"/>
+      </a:fillRef>
+      <a:effectRef idx="0">
+        <a:scrgbClr r="0" g="0" b="0"/>
+      </a:effectRef>
+      <a:fontRef idx="minor"/>
+    </dgm:style>
+  </dgm:styleLbl>
+  <dgm:styleLbl name="bgShp">
+    <dgm:scene3d>
+      <a:camera prst="orthographicFront"/>
+      <a:lightRig rig="threePt" dir="t"/>
+    </dgm:scene3d>
+    <dgm:sp3d/>
+    <dgm:txPr/>
+    <dgm:style>
+      <a:lnRef idx="0">
+        <a:scrgbClr r="0" g="0" b="0"/>
+      </a:lnRef>
+      <a:fillRef idx="1">
+        <a:scrgbClr r="0" g="0" b="0"/>
+      </a:fillRef>
+      <a:effectRef idx="0">
+        <a:scrgbClr r="0" g="0" b="0"/>
+      </a:effectRef>
+      <a:fontRef idx="minor"/>
+    </dgm:style>
+  </dgm:styleLbl>
+  <dgm:styleLbl name="dkBgShp">
+    <dgm:scene3d>
+      <a:camera prst="orthographicFront"/>
+      <a:lightRig rig="threePt" dir="t"/>
+    </dgm:scene3d>
+    <dgm:sp3d/>
+    <dgm:txPr/>
+    <dgm:style>
+      <a:lnRef idx="0">
+        <a:scrgbClr r="0" g="0" b="0"/>
+      </a:lnRef>
+      <a:fillRef idx="1">
+        <a:scrgbClr r="0" g="0" b="0"/>
+      </a:fillRef>
+      <a:effectRef idx="0">
+        <a:scrgbClr r="0" g="0" b="0"/>
+      </a:effectRef>
+      <a:fontRef idx="minor"/>
+    </dgm:style>
+  </dgm:styleLbl>
+  <dgm:styleLbl name="trBgShp">
+    <dgm:scene3d>
+      <a:camera prst="orthographicFront"/>
+      <a:lightRig rig="threePt" dir="t"/>
+    </dgm:scene3d>
+    <dgm:sp3d/>
+    <dgm:txPr/>
+    <dgm:style>
+      <a:lnRef idx="0">
+        <a:scrgbClr r="0" g="0" b="0"/>
+      </a:lnRef>
+      <a:fillRef idx="1">
+        <a:scrgbClr r="0" g="0" b="0"/>
+      </a:fillRef>
+      <a:effectRef idx="0">
+        <a:scrgbClr r="0" g="0" b="0"/>
+      </a:effectRef>
+      <a:fontRef idx="minor"/>
+    </dgm:style>
+  </dgm:styleLbl>
+  <dgm:styleLbl name="fgShp">
+    <dgm:scene3d>
+      <a:camera prst="orthographicFront"/>
+      <a:lightRig rig="threePt" dir="t"/>
+    </dgm:scene3d>
+    <dgm:sp3d/>
+    <dgm:txPr/>
+    <dgm:style>
+      <a:lnRef idx="2">
+        <a:scrgbClr r="0" g="0" b="0"/>
+      </a:lnRef>
+      <a:fillRef idx="1">
+        <a:scrgbClr r="0" g="0" b="0"/>
+      </a:fillRef>
+      <a:effectRef idx="0">
+        <a:scrgbClr r="0" g="0" b="0"/>
+      </a:effectRef>
+      <a:fontRef idx="minor"/>
+    </dgm:style>
+  </dgm:styleLbl>
+  <dgm:styleLbl name="revTx">
+    <dgm:scene3d>
+      <a:camera prst="orthographicFront"/>
+      <a:lightRig rig="threePt" dir="t"/>
+    </dgm:scene3d>
+    <dgm:sp3d/>
+    <dgm:txPr/>
+    <dgm:style>
+      <a:lnRef idx="0">
+        <a:scrgbClr r="0" g="0" b="0"/>
+      </a:lnRef>
+      <a:fillRef idx="0">
+        <a:scrgbClr r="0" g="0" b="0"/>
+      </a:fillRef>
+      <a:effectRef idx="0">
+        <a:scrgbClr r="0" g="0" b="0"/>
+      </a:effectRef>
+      <a:fontRef idx="minor"/>
+    </dgm:style>
+  </dgm:styleLbl>
+</dgm:styleDef>
+</file>
+
+<file path=ppt/diagrams/quickStyle3.xml><?xml version="1.0" encoding="utf-8"?>
 <dgm:styleDef xmlns:dgm="http://schemas.openxmlformats.org/drawingml/2006/diagram" xmlns:a="http://schemas.openxmlformats.org/drawingml/2006/main" uniqueId="urn:microsoft.com/office/officeart/2005/8/quickstyle/simple1">
   <dgm:title val=""/>
   <dgm:desc val=""/>
@@ -9238,7 +15207,7 @@
           <a:lstStyle/>
           <a:p>
             <a:r>
-              <a:rPr lang="pt-BR" sz="8800" dirty="0" err="1" smtClean="0">
+              <a:rPr lang="pt-BR" sz="8800" dirty="0" smtClean="0">
                 <a:latin typeface="Trebuchet MS" panose="020B0603020202020204" pitchFamily="34" charset="0"/>
               </a:rPr>
               <a:t>TalmID</a:t>
@@ -9275,7 +15244,7 @@
               <a:rPr lang="pt-BR" sz="6000" u="sng" dirty="0" smtClean="0">
                 <a:latin typeface="Gabriola" panose="04040605051002020D02" pitchFamily="82" charset="0"/>
               </a:rPr>
-              <a:t>Educação do mundo para o mundo</a:t>
+              <a:t>Conhecimento de todos para todos.</a:t>
             </a:r>
             <a:endParaRPr lang="pt-BR" sz="6000" u="sng" dirty="0">
               <a:latin typeface="Gabriola" panose="04040605051002020D02" pitchFamily="82" charset="0"/>
@@ -9293,6 +15262,13 @@
   <p:clrMapOvr>
     <a:masterClrMapping/>
   </p:clrMapOvr>
+  <p:timing>
+    <p:tnLst>
+      <p:par>
+        <p:cTn id="1" dur="indefinite" restart="never" nodeType="tmRoot"/>
+      </p:par>
+    </p:tnLst>
+  </p:timing>
 </p:sld>
 </file>
 
@@ -9424,6 +15400,13 @@
   <p:clrMapOvr>
     <a:masterClrMapping/>
   </p:clrMapOvr>
+  <p:timing>
+    <p:tnLst>
+      <p:par>
+        <p:cTn id="1" dur="indefinite" restart="never" nodeType="tmRoot"/>
+      </p:par>
+    </p:tnLst>
+  </p:timing>
 </p:sld>
 </file>
 
@@ -9869,7 +15852,7 @@
             <a:pPr algn="ctr"/>
             <a:r>
               <a:rPr lang="pt-BR" dirty="0" smtClean="0"/>
-              <a:t>Passar conhecimento e aprender</a:t>
+              <a:t>Inicio do processo de conhecimento.</a:t>
             </a:r>
             <a:endParaRPr lang="pt-BR" dirty="0"/>
           </a:p>
@@ -10173,6 +16156,13 @@
   <p:clrMapOvr>
     <a:masterClrMapping/>
   </p:clrMapOvr>
+  <p:timing>
+    <p:tnLst>
+      <p:par>
+        <p:cTn id="1" dur="indefinite" restart="never" nodeType="tmRoot"/>
+      </p:par>
+    </p:tnLst>
+  </p:timing>
 </p:sld>
 </file>
 
@@ -10633,6 +16623,13 @@
   <p:clrMapOvr>
     <a:masterClrMapping/>
   </p:clrMapOvr>
+  <p:timing>
+    <p:tnLst>
+      <p:par>
+        <p:cTn id="1" dur="indefinite" restart="never" nodeType="tmRoot"/>
+      </p:par>
+    </p:tnLst>
+  </p:timing>
 </p:sld>
 </file>
 
@@ -10691,7 +16688,7 @@
       </p:sp>
       <p:graphicFrame>
         <p:nvGraphicFramePr>
-          <p:cNvPr id="6" name="Espaço Reservado para Conteúdo 5"/>
+          <p:cNvPr id="9" name="Espaço Reservado para Conteúdo 8"/>
           <p:cNvGraphicFramePr>
             <a:graphicFrameLocks noGrp="1"/>
           </p:cNvGraphicFramePr>
@@ -10699,14 +16696,14 @@
             <p:ph idx="1"/>
             <p:extLst>
               <p:ext uri="{D42A27DB-BD31-4B8C-83A1-F6EECF244321}">
-                <p14:modId xmlns:p14="http://schemas.microsoft.com/office/powerpoint/2010/main" val="993362793"/>
+                <p14:modId xmlns:p14="http://schemas.microsoft.com/office/powerpoint/2010/main" val="3583869995"/>
               </p:ext>
             </p:extLst>
           </p:nvPr>
         </p:nvGraphicFramePr>
         <p:xfrm>
-          <a:off x="0" y="860612"/>
-          <a:ext cx="12192000" cy="5997388"/>
+          <a:off x="691682" y="1013053"/>
+          <a:ext cx="10797988" cy="5029200"/>
         </p:xfrm>
         <a:graphic>
           <a:graphicData uri="http://schemas.openxmlformats.org/drawingml/2006/diagram">
@@ -10724,6 +16721,13 @@
   <p:clrMapOvr>
     <a:masterClrMapping/>
   </p:clrMapOvr>
+  <p:timing>
+    <p:tnLst>
+      <p:par>
+        <p:cTn id="1" dur="indefinite" restart="never" nodeType="tmRoot"/>
+      </p:par>
+    </p:tnLst>
+  </p:timing>
 </p:sld>
 </file>
 
@@ -10780,25 +16784,31 @@
           </a:p>
         </p:txBody>
       </p:sp>
-      <p:sp>
-        <p:nvSpPr>
-          <p:cNvPr id="3" name="Espaço Reservado para Conteúdo 2"/>
-          <p:cNvSpPr>
-            <a:spLocks noGrp="1"/>
-          </p:cNvSpPr>
+      <p:graphicFrame>
+        <p:nvGraphicFramePr>
+          <p:cNvPr id="6" name="Espaço Reservado para Conteúdo 5"/>
+          <p:cNvGraphicFramePr>
+            <a:graphicFrameLocks noGrp="1"/>
+          </p:cNvGraphicFramePr>
           <p:nvPr>
             <p:ph idx="1"/>
+            <p:extLst>
+              <p:ext uri="{D42A27DB-BD31-4B8C-83A1-F6EECF244321}">
+                <p14:modId xmlns:p14="http://schemas.microsoft.com/office/powerpoint/2010/main" val="2410376845"/>
+              </p:ext>
+            </p:extLst>
           </p:nvPr>
-        </p:nvSpPr>
-        <p:spPr/>
-        <p:txBody>
-          <a:bodyPr/>
-          <a:lstStyle/>
-          <a:p>
-            <a:endParaRPr lang="pt-BR"/>
-          </a:p>
-        </p:txBody>
-      </p:sp>
+        </p:nvGraphicFramePr>
+        <p:xfrm>
+          <a:off x="913882" y="2142396"/>
+          <a:ext cx="10353675" cy="1893665"/>
+        </p:xfrm>
+        <a:graphic>
+          <a:graphicData uri="http://schemas.openxmlformats.org/drawingml/2006/diagram">
+            <dgm:relIds xmlns:dgm="http://schemas.openxmlformats.org/drawingml/2006/diagram" xmlns:r="http://schemas.openxmlformats.org/officeDocument/2006/relationships" r:dm="rId2" r:lo="rId3" r:qs="rId4" r:cs="rId5"/>
+          </a:graphicData>
+        </a:graphic>
+      </p:graphicFrame>
     </p:spTree>
     <p:extLst>
       <p:ext uri="{BB962C8B-B14F-4D97-AF65-F5344CB8AC3E}">
@@ -10809,6 +16819,113 @@
   <p:clrMapOvr>
     <a:masterClrMapping/>
   </p:clrMapOvr>
+  <p:timing>
+    <p:tnLst>
+      <p:par>
+        <p:cTn id="1" dur="indefinite" restart="never" nodeType="tmRoot"/>
+      </p:par>
+    </p:tnLst>
+  </p:timing>
+</p:sld>
+</file>
+
+<file path=ppt/slides/slide7.xml><?xml version="1.0" encoding="utf-8"?>
+<p:sld xmlns:a="http://schemas.openxmlformats.org/drawingml/2006/main" xmlns:r="http://schemas.openxmlformats.org/officeDocument/2006/relationships" xmlns:p="http://schemas.openxmlformats.org/presentationml/2006/main">
+  <p:cSld>
+    <p:spTree>
+      <p:nvGrpSpPr>
+        <p:cNvPr id="1" name=""/>
+        <p:cNvGrpSpPr/>
+        <p:nvPr/>
+      </p:nvGrpSpPr>
+      <p:grpSpPr>
+        <a:xfrm>
+          <a:off x="0" y="0"/>
+          <a:ext cx="0" cy="0"/>
+          <a:chOff x="0" y="0"/>
+          <a:chExt cx="0" cy="0"/>
+        </a:xfrm>
+      </p:grpSpPr>
+      <p:sp>
+        <p:nvSpPr>
+          <p:cNvPr id="2" name="Título 1"/>
+          <p:cNvSpPr>
+            <a:spLocks noGrp="1"/>
+          </p:cNvSpPr>
+          <p:nvPr>
+            <p:ph type="title"/>
+          </p:nvPr>
+        </p:nvSpPr>
+        <p:spPr>
+          <a:xfrm>
+            <a:off x="913795" y="0"/>
+            <a:ext cx="10353762" cy="970450"/>
+          </a:xfrm>
+        </p:spPr>
+        <p:txBody>
+          <a:bodyPr>
+            <a:normAutofit/>
+          </a:bodyPr>
+          <a:lstStyle/>
+          <a:p>
+            <a:r>
+              <a:rPr lang="pt-BR" sz="4800" u="sng" dirty="0" smtClean="0">
+                <a:solidFill>
+                  <a:schemeClr val="accent1"/>
+                </a:solidFill>
+              </a:rPr>
+              <a:t>Implantação</a:t>
+            </a:r>
+            <a:endParaRPr lang="pt-BR" sz="4800" u="sng" dirty="0">
+              <a:solidFill>
+                <a:schemeClr val="accent1"/>
+              </a:solidFill>
+            </a:endParaRPr>
+          </a:p>
+        </p:txBody>
+      </p:sp>
+      <p:graphicFrame>
+        <p:nvGraphicFramePr>
+          <p:cNvPr id="5" name="Espaço Reservado para Conteúdo 4"/>
+          <p:cNvGraphicFramePr>
+            <a:graphicFrameLocks noGrp="1"/>
+          </p:cNvGraphicFramePr>
+          <p:nvPr>
+            <p:ph idx="1"/>
+            <p:extLst>
+              <p:ext uri="{D42A27DB-BD31-4B8C-83A1-F6EECF244321}">
+                <p14:modId xmlns:p14="http://schemas.microsoft.com/office/powerpoint/2010/main" val="2851536148"/>
+              </p:ext>
+            </p:extLst>
+          </p:nvPr>
+        </p:nvGraphicFramePr>
+        <p:xfrm>
+          <a:off x="914400" y="1731963"/>
+          <a:ext cx="10353675" cy="4059237"/>
+        </p:xfrm>
+        <a:graphic>
+          <a:graphicData uri="http://schemas.openxmlformats.org/drawingml/2006/diagram">
+            <dgm:relIds xmlns:dgm="http://schemas.openxmlformats.org/drawingml/2006/diagram" xmlns:r="http://schemas.openxmlformats.org/officeDocument/2006/relationships" r:dm="rId2" r:lo="rId3" r:qs="rId4" r:cs="rId5"/>
+          </a:graphicData>
+        </a:graphic>
+      </p:graphicFrame>
+    </p:spTree>
+    <p:extLst>
+      <p:ext uri="{BB962C8B-B14F-4D97-AF65-F5344CB8AC3E}">
+        <p14:creationId xmlns:p14="http://schemas.microsoft.com/office/powerpoint/2010/main" val="1167939153"/>
+      </p:ext>
+    </p:extLst>
+  </p:cSld>
+  <p:clrMapOvr>
+    <a:masterClrMapping/>
+  </p:clrMapOvr>
+  <p:timing>
+    <p:tnLst>
+      <p:par>
+        <p:cTn id="1" dur="indefinite" restart="never" nodeType="tmRoot"/>
+      </p:par>
+    </p:tnLst>
+  </p:timing>
 </p:sld>
 </file>
 

--- a/conteudoBandtecBachega/CicloDeVidaDeDesenvolvimento.pptx
+++ b/conteudoBandtecBachega/CicloDeVidaDeDesenvolvimento.pptx
@@ -2381,10 +2381,9 @@
         <a:lstStyle/>
         <a:p>
           <a:r>
-            <a:rPr lang="pt-BR" dirty="0" smtClean="0"/>
+            <a:rPr lang="pt-BR" dirty="0"/>
             <a:t>Teste de página Web. Analisar o quanto ele comporta de acessos simultâneos</a:t>
           </a:r>
-          <a:endParaRPr lang="pt-BR" dirty="0"/>
         </a:p>
       </dgm:t>
     </dgm:pt>
@@ -2418,10 +2417,9 @@
         <a:lstStyle/>
         <a:p>
           <a:r>
-            <a:rPr lang="pt-BR" dirty="0" smtClean="0"/>
-            <a:t>Testar a quantidade suportada em cadastros</a:t>
+            <a:rPr lang="pt-BR" dirty="0"/>
+            <a:t>Testar a quantidade suportada em cadastros simultâneos</a:t>
           </a:r>
-          <a:endParaRPr lang="pt-BR" dirty="0"/>
         </a:p>
       </dgm:t>
     </dgm:pt>
@@ -2455,12 +2453,12 @@
         <a:lstStyle/>
         <a:p>
           <a:r>
-            <a:rPr lang="pt-BR" dirty="0" smtClean="0"/>
+            <a:rPr lang="pt-BR" dirty="0"/>
             <a:t>Testar</a:t>
           </a:r>
           <a:r>
-            <a:rPr lang="pt-BR" baseline="0" dirty="0" smtClean="0"/>
-            <a:t> a capacidade do banco de dados</a:t>
+            <a:rPr lang="pt-BR" baseline="0" dirty="0"/>
+            <a:t> a capacidade e segurança do banco de dados</a:t>
           </a:r>
           <a:endParaRPr lang="pt-BR" dirty="0"/>
         </a:p>
@@ -2496,10 +2494,9 @@
         <a:lstStyle/>
         <a:p>
           <a:r>
-            <a:rPr lang="pt-BR" dirty="0" smtClean="0"/>
+            <a:rPr lang="pt-BR" dirty="0"/>
             <a:t>Teste de stress de navegação entre as funções da aplicação Web.</a:t>
           </a:r>
-          <a:endParaRPr lang="pt-BR" dirty="0"/>
         </a:p>
       </dgm:t>
     </dgm:pt>
@@ -2533,10 +2530,9 @@
         <a:lstStyle/>
         <a:p>
           <a:r>
-            <a:rPr lang="pt-BR" dirty="0" smtClean="0"/>
+            <a:rPr lang="pt-BR" dirty="0"/>
             <a:t>Testar se após a conclusão de cadastro o usuário recebe suas informações corretamente.</a:t>
           </a:r>
-          <a:endParaRPr lang="pt-BR" dirty="0"/>
         </a:p>
       </dgm:t>
     </dgm:pt>
@@ -2570,13 +2566,6 @@
         </dgm:presLayoutVars>
       </dgm:prSet>
       <dgm:spPr/>
-      <dgm:t>
-        <a:bodyPr/>
-        <a:lstStyle/>
-        <a:p>
-          <a:endParaRPr lang="pt-BR"/>
-        </a:p>
-      </dgm:t>
     </dgm:pt>
     <dgm:pt modelId="{ECA6DBE5-F220-482D-BD3D-9865C6BD0FC1}" type="pres">
       <dgm:prSet presAssocID="{29EEB783-64C7-4C8D-BD69-0F8603086ABD}" presName="composite" presStyleCnt="0"/>
@@ -2607,35 +2596,14 @@
         </dgm:presLayoutVars>
       </dgm:prSet>
       <dgm:spPr/>
-      <dgm:t>
-        <a:bodyPr/>
-        <a:lstStyle/>
-        <a:p>
-          <a:endParaRPr lang="pt-BR"/>
-        </a:p>
-      </dgm:t>
     </dgm:pt>
     <dgm:pt modelId="{351F910D-D5B1-4243-B0EB-4B9C47CE4176}" type="pres">
       <dgm:prSet presAssocID="{497FCB64-7FE4-4BCC-96F3-CA693717CC9E}" presName="sibTrans" presStyleLbl="sibTrans2D1" presStyleIdx="0" presStyleCnt="4"/>
       <dgm:spPr/>
-      <dgm:t>
-        <a:bodyPr/>
-        <a:lstStyle/>
-        <a:p>
-          <a:endParaRPr lang="pt-BR"/>
-        </a:p>
-      </dgm:t>
     </dgm:pt>
     <dgm:pt modelId="{ABEC0040-1D6C-4B03-B497-DBBB3518531C}" type="pres">
       <dgm:prSet presAssocID="{497FCB64-7FE4-4BCC-96F3-CA693717CC9E}" presName="connTx" presStyleLbl="sibTrans2D1" presStyleIdx="0" presStyleCnt="4"/>
       <dgm:spPr/>
-      <dgm:t>
-        <a:bodyPr/>
-        <a:lstStyle/>
-        <a:p>
-          <a:endParaRPr lang="pt-BR"/>
-        </a:p>
-      </dgm:t>
     </dgm:pt>
     <dgm:pt modelId="{1BAE906F-33BC-4D1C-AC43-D345113BCC6B}" type="pres">
       <dgm:prSet presAssocID="{4A421E73-C1B8-4C16-8D73-1A9E39F048B9}" presName="composite" presStyleCnt="0"/>
@@ -2666,35 +2634,14 @@
         </dgm:presLayoutVars>
       </dgm:prSet>
       <dgm:spPr/>
-      <dgm:t>
-        <a:bodyPr/>
-        <a:lstStyle/>
-        <a:p>
-          <a:endParaRPr lang="pt-BR"/>
-        </a:p>
-      </dgm:t>
     </dgm:pt>
     <dgm:pt modelId="{FECA5E5E-3D7D-43D0-A46A-C2BDAF5DFEF8}" type="pres">
       <dgm:prSet presAssocID="{103C4F4C-FB2F-496B-A1FC-715428B079AF}" presName="sibTrans" presStyleLbl="sibTrans2D1" presStyleIdx="1" presStyleCnt="4"/>
       <dgm:spPr/>
-      <dgm:t>
-        <a:bodyPr/>
-        <a:lstStyle/>
-        <a:p>
-          <a:endParaRPr lang="pt-BR"/>
-        </a:p>
-      </dgm:t>
     </dgm:pt>
     <dgm:pt modelId="{56882926-EB8D-481B-AEBB-704CB974743B}" type="pres">
       <dgm:prSet presAssocID="{103C4F4C-FB2F-496B-A1FC-715428B079AF}" presName="connTx" presStyleLbl="sibTrans2D1" presStyleIdx="1" presStyleCnt="4"/>
       <dgm:spPr/>
-      <dgm:t>
-        <a:bodyPr/>
-        <a:lstStyle/>
-        <a:p>
-          <a:endParaRPr lang="pt-BR"/>
-        </a:p>
-      </dgm:t>
     </dgm:pt>
     <dgm:pt modelId="{C7B18027-CFDC-416C-AD98-6CBF407B07A8}" type="pres">
       <dgm:prSet presAssocID="{FF1A0D38-6DD6-48D6-ACB7-D22D3AB42675}" presName="composite" presStyleCnt="0"/>
@@ -2725,35 +2672,14 @@
         </dgm:presLayoutVars>
       </dgm:prSet>
       <dgm:spPr/>
-      <dgm:t>
-        <a:bodyPr/>
-        <a:lstStyle/>
-        <a:p>
-          <a:endParaRPr lang="pt-BR"/>
-        </a:p>
-      </dgm:t>
     </dgm:pt>
     <dgm:pt modelId="{60C87C32-264D-474A-9B4B-17B875BD9144}" type="pres">
       <dgm:prSet presAssocID="{429718B5-A3D9-4849-8B39-B4885BDCF666}" presName="sibTrans" presStyleLbl="sibTrans2D1" presStyleIdx="2" presStyleCnt="4"/>
       <dgm:spPr/>
-      <dgm:t>
-        <a:bodyPr/>
-        <a:lstStyle/>
-        <a:p>
-          <a:endParaRPr lang="pt-BR"/>
-        </a:p>
-      </dgm:t>
     </dgm:pt>
     <dgm:pt modelId="{281F13E3-EBE2-4660-852D-8B42FD743206}" type="pres">
       <dgm:prSet presAssocID="{429718B5-A3D9-4849-8B39-B4885BDCF666}" presName="connTx" presStyleLbl="sibTrans2D1" presStyleIdx="2" presStyleCnt="4"/>
       <dgm:spPr/>
-      <dgm:t>
-        <a:bodyPr/>
-        <a:lstStyle/>
-        <a:p>
-          <a:endParaRPr lang="pt-BR"/>
-        </a:p>
-      </dgm:t>
     </dgm:pt>
     <dgm:pt modelId="{6078A033-45D8-4C36-BEC6-B0452F347478}" type="pres">
       <dgm:prSet presAssocID="{BA868E7F-BBCD-45FF-AA29-6C9E2EEE6394}" presName="composite" presStyleCnt="0"/>
@@ -2784,35 +2710,14 @@
         </dgm:presLayoutVars>
       </dgm:prSet>
       <dgm:spPr/>
-      <dgm:t>
-        <a:bodyPr/>
-        <a:lstStyle/>
-        <a:p>
-          <a:endParaRPr lang="pt-BR"/>
-        </a:p>
-      </dgm:t>
     </dgm:pt>
     <dgm:pt modelId="{790AB561-B2A6-499E-9BB7-924558EE33E5}" type="pres">
       <dgm:prSet presAssocID="{0972397D-F603-4E09-9C9F-17AA05733FF7}" presName="sibTrans" presStyleLbl="sibTrans2D1" presStyleIdx="3" presStyleCnt="4"/>
       <dgm:spPr/>
-      <dgm:t>
-        <a:bodyPr/>
-        <a:lstStyle/>
-        <a:p>
-          <a:endParaRPr lang="pt-BR"/>
-        </a:p>
-      </dgm:t>
     </dgm:pt>
     <dgm:pt modelId="{691ECBDE-243E-4154-9C19-D89504AD23A3}" type="pres">
       <dgm:prSet presAssocID="{0972397D-F603-4E09-9C9F-17AA05733FF7}" presName="connTx" presStyleLbl="sibTrans2D1" presStyleIdx="3" presStyleCnt="4"/>
       <dgm:spPr/>
-      <dgm:t>
-        <a:bodyPr/>
-        <a:lstStyle/>
-        <a:p>
-          <a:endParaRPr lang="pt-BR"/>
-        </a:p>
-      </dgm:t>
     </dgm:pt>
     <dgm:pt modelId="{FEC03CE5-8BEF-4D28-9BAF-CFB7FF151D81}" type="pres">
       <dgm:prSet presAssocID="{DC030ACB-0383-4541-9040-FBA031E83E34}" presName="composite" presStyleCnt="0"/>
@@ -2843,35 +2748,28 @@
         </dgm:presLayoutVars>
       </dgm:prSet>
       <dgm:spPr/>
-      <dgm:t>
-        <a:bodyPr/>
-        <a:lstStyle/>
-        <a:p>
-          <a:endParaRPr lang="pt-BR"/>
-        </a:p>
-      </dgm:t>
     </dgm:pt>
   </dgm:ptLst>
   <dgm:cxnLst>
+    <dgm:cxn modelId="{A28E9F00-8F82-4A91-A4A2-53025318505C}" type="presOf" srcId="{429718B5-A3D9-4849-8B39-B4885BDCF666}" destId="{60C87C32-264D-474A-9B4B-17B875BD9144}" srcOrd="0" destOrd="0" presId="urn:microsoft.com/office/officeart/2005/8/layout/hProcess10"/>
+    <dgm:cxn modelId="{B2177D0C-B7D0-4FD6-9BB4-31A346C1F711}" srcId="{596AD02C-1F93-4742-AC8C-8497D90C194C}" destId="{29EEB783-64C7-4C8D-BD69-0F8603086ABD}" srcOrd="0" destOrd="0" parTransId="{0BFE7F49-5EDA-48F9-A2FC-4AEE3582129D}" sibTransId="{497FCB64-7FE4-4BCC-96F3-CA693717CC9E}"/>
+    <dgm:cxn modelId="{6B299B1B-8078-478D-A8A0-8A05F69A52A4}" type="presOf" srcId="{DC030ACB-0383-4541-9040-FBA031E83E34}" destId="{53D70CC0-9405-4FF3-8C28-7B9FC835DE10}" srcOrd="0" destOrd="0" presId="urn:microsoft.com/office/officeart/2005/8/layout/hProcess10"/>
+    <dgm:cxn modelId="{2C8FF91C-AA73-44D3-A02A-6E6E6DDA9685}" type="presOf" srcId="{FF1A0D38-6DD6-48D6-ACB7-D22D3AB42675}" destId="{256A46AB-BA06-4151-BC81-1A467179CC6E}" srcOrd="0" destOrd="0" presId="urn:microsoft.com/office/officeart/2005/8/layout/hProcess10"/>
+    <dgm:cxn modelId="{2B904834-5479-445F-9EE6-E12B6C9C5F5F}" type="presOf" srcId="{0972397D-F603-4E09-9C9F-17AA05733FF7}" destId="{790AB561-B2A6-499E-9BB7-924558EE33E5}" srcOrd="0" destOrd="0" presId="urn:microsoft.com/office/officeart/2005/8/layout/hProcess10"/>
+    <dgm:cxn modelId="{613AF060-2EF6-465B-B9FA-734EF7CBED2C}" type="presOf" srcId="{596AD02C-1F93-4742-AC8C-8497D90C194C}" destId="{42E7B45A-DA09-4184-876E-84EFDB4AA5FD}" srcOrd="0" destOrd="0" presId="urn:microsoft.com/office/officeart/2005/8/layout/hProcess10"/>
+    <dgm:cxn modelId="{9ACF9B4E-CC91-4664-BAF0-BA19213093AD}" srcId="{596AD02C-1F93-4742-AC8C-8497D90C194C}" destId="{DC030ACB-0383-4541-9040-FBA031E83E34}" srcOrd="4" destOrd="0" parTransId="{B84A5172-3255-47B1-8EE3-19D449A508B4}" sibTransId="{1F89C39F-C830-4566-987E-E26DB8D9BBD6}"/>
+    <dgm:cxn modelId="{31ACC051-8E2D-4AE1-881F-BD3A5D3594C7}" type="presOf" srcId="{BA868E7F-BBCD-45FF-AA29-6C9E2EEE6394}" destId="{6E0F8FFA-AE60-4274-9843-26B9784FB67D}" srcOrd="0" destOrd="0" presId="urn:microsoft.com/office/officeart/2005/8/layout/hProcess10"/>
+    <dgm:cxn modelId="{2F91E27D-43E1-4015-BAAB-45458F2ADAB1}" type="presOf" srcId="{103C4F4C-FB2F-496B-A1FC-715428B079AF}" destId="{56882926-EB8D-481B-AEBB-704CB974743B}" srcOrd="1" destOrd="0" presId="urn:microsoft.com/office/officeart/2005/8/layout/hProcess10"/>
+    <dgm:cxn modelId="{0DF1F891-C9FF-41E1-B97D-A4BBC881C35E}" type="presOf" srcId="{497FCB64-7FE4-4BCC-96F3-CA693717CC9E}" destId="{ABEC0040-1D6C-4B03-B497-DBBB3518531C}" srcOrd="1" destOrd="0" presId="urn:microsoft.com/office/officeart/2005/8/layout/hProcess10"/>
+    <dgm:cxn modelId="{77A1F796-B71D-4FD3-B072-10B8B67F4755}" type="presOf" srcId="{0972397D-F603-4E09-9C9F-17AA05733FF7}" destId="{691ECBDE-243E-4154-9C19-D89504AD23A3}" srcOrd="1" destOrd="0" presId="urn:microsoft.com/office/officeart/2005/8/layout/hProcess10"/>
+    <dgm:cxn modelId="{8A8E7D9A-CD7C-4774-8385-A985FB6A3DFC}" srcId="{596AD02C-1F93-4742-AC8C-8497D90C194C}" destId="{FF1A0D38-6DD6-48D6-ACB7-D22D3AB42675}" srcOrd="2" destOrd="0" parTransId="{6151453F-E0E5-4049-9425-714B1975C1FD}" sibTransId="{429718B5-A3D9-4849-8B39-B4885BDCF666}"/>
+    <dgm:cxn modelId="{594F2E9C-BD32-4E6A-AB1B-1E95BECD03B6}" type="presOf" srcId="{497FCB64-7FE4-4BCC-96F3-CA693717CC9E}" destId="{351F910D-D5B1-4243-B0EB-4B9C47CE4176}" srcOrd="0" destOrd="0" presId="urn:microsoft.com/office/officeart/2005/8/layout/hProcess10"/>
+    <dgm:cxn modelId="{7CFDA2AE-29BC-48EA-BDE2-0ECA7AFAB80D}" type="presOf" srcId="{103C4F4C-FB2F-496B-A1FC-715428B079AF}" destId="{FECA5E5E-3D7D-43D0-A46A-C2BDAF5DFEF8}" srcOrd="0" destOrd="0" presId="urn:microsoft.com/office/officeart/2005/8/layout/hProcess10"/>
     <dgm:cxn modelId="{5AC479B3-50AF-4B96-A198-CC09D766269D}" srcId="{596AD02C-1F93-4742-AC8C-8497D90C194C}" destId="{BA868E7F-BBCD-45FF-AA29-6C9E2EEE6394}" srcOrd="3" destOrd="0" parTransId="{E9B977FA-412A-4F8A-A930-1FF95655D482}" sibTransId="{0972397D-F603-4E09-9C9F-17AA05733FF7}"/>
-    <dgm:cxn modelId="{2F91E27D-43E1-4015-BAAB-45458F2ADAB1}" type="presOf" srcId="{103C4F4C-FB2F-496B-A1FC-715428B079AF}" destId="{56882926-EB8D-481B-AEBB-704CB974743B}" srcOrd="1" destOrd="0" presId="urn:microsoft.com/office/officeart/2005/8/layout/hProcess10"/>
-    <dgm:cxn modelId="{2C8FF91C-AA73-44D3-A02A-6E6E6DDA9685}" type="presOf" srcId="{FF1A0D38-6DD6-48D6-ACB7-D22D3AB42675}" destId="{256A46AB-BA06-4151-BC81-1A467179CC6E}" srcOrd="0" destOrd="0" presId="urn:microsoft.com/office/officeart/2005/8/layout/hProcess10"/>
-    <dgm:cxn modelId="{9ACF9B4E-CC91-4664-BAF0-BA19213093AD}" srcId="{596AD02C-1F93-4742-AC8C-8497D90C194C}" destId="{DC030ACB-0383-4541-9040-FBA031E83E34}" srcOrd="4" destOrd="0" parTransId="{B84A5172-3255-47B1-8EE3-19D449A508B4}" sibTransId="{1F89C39F-C830-4566-987E-E26DB8D9BBD6}"/>
-    <dgm:cxn modelId="{2B904834-5479-445F-9EE6-E12B6C9C5F5F}" type="presOf" srcId="{0972397D-F603-4E09-9C9F-17AA05733FF7}" destId="{790AB561-B2A6-499E-9BB7-924558EE33E5}" srcOrd="0" destOrd="0" presId="urn:microsoft.com/office/officeart/2005/8/layout/hProcess10"/>
-    <dgm:cxn modelId="{594F2E9C-BD32-4E6A-AB1B-1E95BECD03B6}" type="presOf" srcId="{497FCB64-7FE4-4BCC-96F3-CA693717CC9E}" destId="{351F910D-D5B1-4243-B0EB-4B9C47CE4176}" srcOrd="0" destOrd="0" presId="urn:microsoft.com/office/officeart/2005/8/layout/hProcess10"/>
-    <dgm:cxn modelId="{8A8E7D9A-CD7C-4774-8385-A985FB6A3DFC}" srcId="{596AD02C-1F93-4742-AC8C-8497D90C194C}" destId="{FF1A0D38-6DD6-48D6-ACB7-D22D3AB42675}" srcOrd="2" destOrd="0" parTransId="{6151453F-E0E5-4049-9425-714B1975C1FD}" sibTransId="{429718B5-A3D9-4849-8B39-B4885BDCF666}"/>
-    <dgm:cxn modelId="{6B299B1B-8078-478D-A8A0-8A05F69A52A4}" type="presOf" srcId="{DC030ACB-0383-4541-9040-FBA031E83E34}" destId="{53D70CC0-9405-4FF3-8C28-7B9FC835DE10}" srcOrd="0" destOrd="0" presId="urn:microsoft.com/office/officeart/2005/8/layout/hProcess10"/>
+    <dgm:cxn modelId="{915AECE2-3CD6-42D3-AF33-91E4B07F89B5}" type="presOf" srcId="{429718B5-A3D9-4849-8B39-B4885BDCF666}" destId="{281F13E3-EBE2-4660-852D-8B42FD743206}" srcOrd="1" destOrd="0" presId="urn:microsoft.com/office/officeart/2005/8/layout/hProcess10"/>
+    <dgm:cxn modelId="{7B88FBF1-B539-455E-AA96-7322C4D687AA}" type="presOf" srcId="{29EEB783-64C7-4C8D-BD69-0F8603086ABD}" destId="{65DE840F-F77B-4670-B786-236B25661145}" srcOrd="0" destOrd="0" presId="urn:microsoft.com/office/officeart/2005/8/layout/hProcess10"/>
+    <dgm:cxn modelId="{A85DB1F4-13CF-4420-8DC3-9F801671CAAA}" srcId="{596AD02C-1F93-4742-AC8C-8497D90C194C}" destId="{4A421E73-C1B8-4C16-8D73-1A9E39F048B9}" srcOrd="1" destOrd="0" parTransId="{469F059F-F324-4A28-877F-2AD935073B17}" sibTransId="{103C4F4C-FB2F-496B-A1FC-715428B079AF}"/>
     <dgm:cxn modelId="{874DF7FC-A186-4348-AD7A-44F51BB60F48}" type="presOf" srcId="{4A421E73-C1B8-4C16-8D73-1A9E39F048B9}" destId="{158AB9B2-2093-476A-BE53-D1C6D4EDB9D5}" srcOrd="0" destOrd="0" presId="urn:microsoft.com/office/officeart/2005/8/layout/hProcess10"/>
-    <dgm:cxn modelId="{613AF060-2EF6-465B-B9FA-734EF7CBED2C}" type="presOf" srcId="{596AD02C-1F93-4742-AC8C-8497D90C194C}" destId="{42E7B45A-DA09-4184-876E-84EFDB4AA5FD}" srcOrd="0" destOrd="0" presId="urn:microsoft.com/office/officeart/2005/8/layout/hProcess10"/>
-    <dgm:cxn modelId="{B2177D0C-B7D0-4FD6-9BB4-31A346C1F711}" srcId="{596AD02C-1F93-4742-AC8C-8497D90C194C}" destId="{29EEB783-64C7-4C8D-BD69-0F8603086ABD}" srcOrd="0" destOrd="0" parTransId="{0BFE7F49-5EDA-48F9-A2FC-4AEE3582129D}" sibTransId="{497FCB64-7FE4-4BCC-96F3-CA693717CC9E}"/>
-    <dgm:cxn modelId="{915AECE2-3CD6-42D3-AF33-91E4B07F89B5}" type="presOf" srcId="{429718B5-A3D9-4849-8B39-B4885BDCF666}" destId="{281F13E3-EBE2-4660-852D-8B42FD743206}" srcOrd="1" destOrd="0" presId="urn:microsoft.com/office/officeart/2005/8/layout/hProcess10"/>
-    <dgm:cxn modelId="{A28E9F00-8F82-4A91-A4A2-53025318505C}" type="presOf" srcId="{429718B5-A3D9-4849-8B39-B4885BDCF666}" destId="{60C87C32-264D-474A-9B4B-17B875BD9144}" srcOrd="0" destOrd="0" presId="urn:microsoft.com/office/officeart/2005/8/layout/hProcess10"/>
-    <dgm:cxn modelId="{7B88FBF1-B539-455E-AA96-7322C4D687AA}" type="presOf" srcId="{29EEB783-64C7-4C8D-BD69-0F8603086ABD}" destId="{65DE840F-F77B-4670-B786-236B25661145}" srcOrd="0" destOrd="0" presId="urn:microsoft.com/office/officeart/2005/8/layout/hProcess10"/>
-    <dgm:cxn modelId="{77A1F796-B71D-4FD3-B072-10B8B67F4755}" type="presOf" srcId="{0972397D-F603-4E09-9C9F-17AA05733FF7}" destId="{691ECBDE-243E-4154-9C19-D89504AD23A3}" srcOrd="1" destOrd="0" presId="urn:microsoft.com/office/officeart/2005/8/layout/hProcess10"/>
-    <dgm:cxn modelId="{A85DB1F4-13CF-4420-8DC3-9F801671CAAA}" srcId="{596AD02C-1F93-4742-AC8C-8497D90C194C}" destId="{4A421E73-C1B8-4C16-8D73-1A9E39F048B9}" srcOrd="1" destOrd="0" parTransId="{469F059F-F324-4A28-877F-2AD935073B17}" sibTransId="{103C4F4C-FB2F-496B-A1FC-715428B079AF}"/>
-    <dgm:cxn modelId="{31ACC051-8E2D-4AE1-881F-BD3A5D3594C7}" type="presOf" srcId="{BA868E7F-BBCD-45FF-AA29-6C9E2EEE6394}" destId="{6E0F8FFA-AE60-4274-9843-26B9784FB67D}" srcOrd="0" destOrd="0" presId="urn:microsoft.com/office/officeart/2005/8/layout/hProcess10"/>
-    <dgm:cxn modelId="{0DF1F891-C9FF-41E1-B97D-A4BBC881C35E}" type="presOf" srcId="{497FCB64-7FE4-4BCC-96F3-CA693717CC9E}" destId="{ABEC0040-1D6C-4B03-B497-DBBB3518531C}" srcOrd="1" destOrd="0" presId="urn:microsoft.com/office/officeart/2005/8/layout/hProcess10"/>
-    <dgm:cxn modelId="{7CFDA2AE-29BC-48EA-BDE2-0ECA7AFAB80D}" type="presOf" srcId="{103C4F4C-FB2F-496B-A1FC-715428B079AF}" destId="{FECA5E5E-3D7D-43D0-A46A-C2BDAF5DFEF8}" srcOrd="0" destOrd="0" presId="urn:microsoft.com/office/officeart/2005/8/layout/hProcess10"/>
     <dgm:cxn modelId="{23B4A69F-2E69-418F-A960-9F049C45155E}" type="presParOf" srcId="{42E7B45A-DA09-4184-876E-84EFDB4AA5FD}" destId="{ECA6DBE5-F220-482D-BD3D-9865C6BD0FC1}" srcOrd="0" destOrd="0" presId="urn:microsoft.com/office/officeart/2005/8/layout/hProcess10"/>
     <dgm:cxn modelId="{93CC7FDA-D030-486E-8A44-04AC25669872}" type="presParOf" srcId="{ECA6DBE5-F220-482D-BD3D-9865C6BD0FC1}" destId="{A428F73F-AA75-4A8D-AA29-36BF2BB3CC33}" srcOrd="0" destOrd="0" presId="urn:microsoft.com/office/officeart/2005/8/layout/hProcess10"/>
     <dgm:cxn modelId="{905E7739-AF75-460D-9F81-A74992E9F8C3}" type="presParOf" srcId="{ECA6DBE5-F220-482D-BD3D-9865C6BD0FC1}" destId="{65DE840F-F77B-4670-B786-236B25661145}" srcOrd="1" destOrd="0" presId="urn:microsoft.com/office/officeart/2005/8/layout/hProcess10"/>
@@ -2909,11 +2807,18 @@
 <file path=ppt/diagrams/data2.xml><?xml version="1.0" encoding="utf-8"?>
 <dgm:dataModel xmlns:dgm="http://schemas.openxmlformats.org/drawingml/2006/diagram" xmlns:a="http://schemas.openxmlformats.org/drawingml/2006/main">
   <dgm:ptLst>
-    <dgm:pt modelId="{7A077F54-C41A-4FA9-81C2-855ABB7D9AB2}" type="doc">
-      <dgm:prSet loTypeId="urn:microsoft.com/office/officeart/2005/8/layout/hChevron3" loCatId="process" qsTypeId="urn:microsoft.com/office/officeart/2005/8/quickstyle/simple1" qsCatId="simple" csTypeId="urn:microsoft.com/office/officeart/2005/8/colors/accent1_2" csCatId="accent1" phldr="1"/>
+    <dgm:pt modelId="{CEEC9A47-41CE-4F72-8729-777E470908F2}" type="doc">
+      <dgm:prSet loTypeId="urn:microsoft.com/office/officeart/2005/8/layout/vProcess5" loCatId="process" qsTypeId="urn:microsoft.com/office/officeart/2005/8/quickstyle/simple1" qsCatId="simple" csTypeId="urn:microsoft.com/office/officeart/2005/8/colors/accent1_2" csCatId="accent1" phldr="1"/>
       <dgm:spPr/>
+      <dgm:t>
+        <a:bodyPr/>
+        <a:lstStyle/>
+        <a:p>
+          <a:endParaRPr lang="pt-BR"/>
+        </a:p>
+      </dgm:t>
     </dgm:pt>
-    <dgm:pt modelId="{DF3BD593-77E7-4763-9222-24E044683DBF}">
+    <dgm:pt modelId="{5044F5A8-3CEF-490D-BB50-69BD3C6214C5}">
       <dgm:prSet phldrT="[Texto]"/>
       <dgm:spPr/>
       <dgm:t>
@@ -2921,14 +2826,13 @@
         <a:lstStyle/>
         <a:p>
           <a:r>
-            <a:rPr lang="pt-BR" dirty="0" smtClean="0"/>
+            <a:rPr lang="pt-BR" dirty="0"/>
             <a:t>Cliente acessar a página sem nenhum tipo de problema.</a:t>
           </a:r>
-          <a:endParaRPr lang="pt-BR" dirty="0"/>
         </a:p>
       </dgm:t>
     </dgm:pt>
-    <dgm:pt modelId="{BEB5FC43-FD00-4BE0-B7D2-547225A27DFD}" type="parTrans" cxnId="{5CCA6056-EA94-4CEB-9E53-DBFCA1A23935}">
+    <dgm:pt modelId="{F020CBA2-7258-457D-BAB0-0BA0C07EDEF3}" type="parTrans" cxnId="{4341F128-8C2C-40CE-A3F6-C27834F0E0F1}">
       <dgm:prSet/>
       <dgm:spPr/>
       <dgm:t>
@@ -2939,7 +2843,7 @@
         </a:p>
       </dgm:t>
     </dgm:pt>
-    <dgm:pt modelId="{CD80D770-98B5-4CAA-85C7-CDAA7C931767}" type="sibTrans" cxnId="{5CCA6056-EA94-4CEB-9E53-DBFCA1A23935}">
+    <dgm:pt modelId="{9B5A6293-C781-48DA-9F9E-F27835E0938D}" type="sibTrans" cxnId="{4341F128-8C2C-40CE-A3F6-C27834F0E0F1}">
       <dgm:prSet/>
       <dgm:spPr/>
       <dgm:t>
@@ -2950,7 +2854,7 @@
         </a:p>
       </dgm:t>
     </dgm:pt>
-    <dgm:pt modelId="{D455427D-E5B3-4205-BAFD-DAA4E08D6481}">
+    <dgm:pt modelId="{257884FB-058E-46EE-8697-34CA3F12EC9A}">
       <dgm:prSet phldrT="[Texto]"/>
       <dgm:spPr/>
       <dgm:t>
@@ -2958,14 +2862,13 @@
         <a:lstStyle/>
         <a:p>
           <a:r>
-            <a:rPr lang="pt-BR" dirty="0" smtClean="0"/>
+            <a:rPr lang="pt-BR" dirty="0"/>
             <a:t>Concluir processo de cadastro com todas as funcionalidades do site.</a:t>
           </a:r>
-          <a:endParaRPr lang="pt-BR" dirty="0"/>
         </a:p>
       </dgm:t>
     </dgm:pt>
-    <dgm:pt modelId="{3EA91546-5770-4FAF-8FA5-BA3CB487D79B}" type="parTrans" cxnId="{D381A631-5A84-4783-BA51-D558099B4959}">
+    <dgm:pt modelId="{FE86531E-0CE2-45F6-A536-23E48FF8567E}" type="parTrans" cxnId="{2A8BF291-5747-450E-8654-1A9871F46B0F}">
       <dgm:prSet/>
       <dgm:spPr/>
       <dgm:t>
@@ -2976,7 +2879,7 @@
         </a:p>
       </dgm:t>
     </dgm:pt>
-    <dgm:pt modelId="{B30D5ADD-73EC-4276-9FD3-D9A575E9F246}" type="sibTrans" cxnId="{D381A631-5A84-4783-BA51-D558099B4959}">
+    <dgm:pt modelId="{56003D63-BB25-45A7-BAB1-9B2F74F9B6AA}" type="sibTrans" cxnId="{2A8BF291-5747-450E-8654-1A9871F46B0F}">
       <dgm:prSet/>
       <dgm:spPr/>
       <dgm:t>
@@ -2987,7 +2890,7 @@
         </a:p>
       </dgm:t>
     </dgm:pt>
-    <dgm:pt modelId="{426BE847-9911-4815-9970-116066DD75A2}">
+    <dgm:pt modelId="{72F5361D-E100-4C2B-B4ED-365A55E90F01}">
       <dgm:prSet phldrT="[Texto]"/>
       <dgm:spPr/>
       <dgm:t>
@@ -2995,14 +2898,13 @@
         <a:lstStyle/>
         <a:p>
           <a:r>
-            <a:rPr lang="pt-BR" dirty="0" smtClean="0"/>
+            <a:rPr lang="pt-BR" dirty="0"/>
             <a:t>Usuário receber resposta positiva em seu e-mail.</a:t>
           </a:r>
-          <a:endParaRPr lang="pt-BR" dirty="0"/>
         </a:p>
       </dgm:t>
     </dgm:pt>
-    <dgm:pt modelId="{101889DD-5C55-4E6B-A626-177DF5E19C96}" type="parTrans" cxnId="{AE9629D1-4A27-48AD-88BE-61D955067605}">
+    <dgm:pt modelId="{9EEBE319-9FA4-421E-A2E0-B787C1C30639}" type="parTrans" cxnId="{021C90DF-6DBD-4A1E-84C9-9EE355623F11}">
       <dgm:prSet/>
       <dgm:spPr/>
       <dgm:t>
@@ -3013,7 +2915,7 @@
         </a:p>
       </dgm:t>
     </dgm:pt>
-    <dgm:pt modelId="{FA8808DB-8372-450D-B3EE-ABCCD3C2DF65}" type="sibTrans" cxnId="{AE9629D1-4A27-48AD-88BE-61D955067605}">
+    <dgm:pt modelId="{92E17DD2-8379-4838-9D0D-87CD632252A7}" type="sibTrans" cxnId="{021C90DF-6DBD-4A1E-84C9-9EE355623F11}">
       <dgm:prSet/>
       <dgm:spPr/>
       <dgm:t>
@@ -3024,82 +2926,109 @@
         </a:p>
       </dgm:t>
     </dgm:pt>
-    <dgm:pt modelId="{0D2742FE-F770-431A-9A1A-4C664A734133}" type="pres">
-      <dgm:prSet presAssocID="{7A077F54-C41A-4FA9-81C2-855ABB7D9AB2}" presName="Name0" presStyleCnt="0">
+    <dgm:pt modelId="{B460CA3C-4A0A-4F27-9263-13359BE3B3D9}" type="pres">
+      <dgm:prSet presAssocID="{CEEC9A47-41CE-4F72-8729-777E470908F2}" presName="outerComposite" presStyleCnt="0">
         <dgm:presLayoutVars>
+          <dgm:chMax val="5"/>
           <dgm:dir/>
           <dgm:resizeHandles val="exact"/>
         </dgm:presLayoutVars>
       </dgm:prSet>
       <dgm:spPr/>
     </dgm:pt>
-    <dgm:pt modelId="{9A70B7D9-3A8B-45E1-A284-2500D3A85C90}" type="pres">
-      <dgm:prSet presAssocID="{DF3BD593-77E7-4763-9222-24E044683DBF}" presName="parTxOnly" presStyleLbl="node1" presStyleIdx="0" presStyleCnt="3">
+    <dgm:pt modelId="{062E9DE7-D35F-424E-9F9A-BD66C63F4461}" type="pres">
+      <dgm:prSet presAssocID="{CEEC9A47-41CE-4F72-8729-777E470908F2}" presName="dummyMaxCanvas" presStyleCnt="0">
+        <dgm:presLayoutVars/>
+      </dgm:prSet>
+      <dgm:spPr/>
+    </dgm:pt>
+    <dgm:pt modelId="{51860142-8654-4D0D-9EAD-E5D156D79958}" type="pres">
+      <dgm:prSet presAssocID="{CEEC9A47-41CE-4F72-8729-777E470908F2}" presName="ThreeNodes_1" presStyleLbl="node1" presStyleIdx="0" presStyleCnt="3">
         <dgm:presLayoutVars>
           <dgm:bulletEnabled val="1"/>
         </dgm:presLayoutVars>
       </dgm:prSet>
       <dgm:spPr/>
-      <dgm:t>
-        <a:bodyPr/>
-        <a:lstStyle/>
-        <a:p>
-          <a:endParaRPr lang="pt-BR"/>
-        </a:p>
-      </dgm:t>
     </dgm:pt>
-    <dgm:pt modelId="{614B8558-7173-460C-8BD0-5AC56011FBEF}" type="pres">
-      <dgm:prSet presAssocID="{CD80D770-98B5-4CAA-85C7-CDAA7C931767}" presName="parSpace" presStyleCnt="0"/>
-      <dgm:spPr/>
-    </dgm:pt>
-    <dgm:pt modelId="{DFDC0CF3-5FD6-4686-8554-437D179532AF}" type="pres">
-      <dgm:prSet presAssocID="{D455427D-E5B3-4205-BAFD-DAA4E08D6481}" presName="parTxOnly" presStyleLbl="node1" presStyleIdx="1" presStyleCnt="3">
+    <dgm:pt modelId="{9165659D-AF5C-4AC5-A3F8-E5F6F30291F6}" type="pres">
+      <dgm:prSet presAssocID="{CEEC9A47-41CE-4F72-8729-777E470908F2}" presName="ThreeNodes_2" presStyleLbl="node1" presStyleIdx="1" presStyleCnt="3">
         <dgm:presLayoutVars>
           <dgm:bulletEnabled val="1"/>
         </dgm:presLayoutVars>
       </dgm:prSet>
       <dgm:spPr/>
-      <dgm:t>
-        <a:bodyPr/>
-        <a:lstStyle/>
-        <a:p>
-          <a:endParaRPr lang="pt-BR"/>
-        </a:p>
-      </dgm:t>
     </dgm:pt>
-    <dgm:pt modelId="{FD846724-990F-4F8F-8B3E-FFF12A0FDFDF}" type="pres">
-      <dgm:prSet presAssocID="{B30D5ADD-73EC-4276-9FD3-D9A575E9F246}" presName="parSpace" presStyleCnt="0"/>
-      <dgm:spPr/>
-    </dgm:pt>
-    <dgm:pt modelId="{98BC32F6-3C8A-4112-BE79-689551A4AFAC}" type="pres">
-      <dgm:prSet presAssocID="{426BE847-9911-4815-9970-116066DD75A2}" presName="parTxOnly" presStyleLbl="node1" presStyleIdx="2" presStyleCnt="3">
+    <dgm:pt modelId="{F5DB17B4-E228-46A6-B371-A0303F545003}" type="pres">
+      <dgm:prSet presAssocID="{CEEC9A47-41CE-4F72-8729-777E470908F2}" presName="ThreeNodes_3" presStyleLbl="node1" presStyleIdx="2" presStyleCnt="3">
         <dgm:presLayoutVars>
           <dgm:bulletEnabled val="1"/>
         </dgm:presLayoutVars>
       </dgm:prSet>
       <dgm:spPr/>
-      <dgm:t>
-        <a:bodyPr/>
-        <a:lstStyle/>
-        <a:p>
-          <a:endParaRPr lang="pt-BR"/>
-        </a:p>
-      </dgm:t>
+    </dgm:pt>
+    <dgm:pt modelId="{C5476673-990D-4586-94EA-3289A7762656}" type="pres">
+      <dgm:prSet presAssocID="{CEEC9A47-41CE-4F72-8729-777E470908F2}" presName="ThreeConn_1-2" presStyleLbl="fgAccFollowNode1" presStyleIdx="0" presStyleCnt="2">
+        <dgm:presLayoutVars>
+          <dgm:bulletEnabled val="1"/>
+        </dgm:presLayoutVars>
+      </dgm:prSet>
+      <dgm:spPr/>
+    </dgm:pt>
+    <dgm:pt modelId="{724573BB-DE03-49F3-BC5D-4F371394BF2D}" type="pres">
+      <dgm:prSet presAssocID="{CEEC9A47-41CE-4F72-8729-777E470908F2}" presName="ThreeConn_2-3" presStyleLbl="fgAccFollowNode1" presStyleIdx="1" presStyleCnt="2">
+        <dgm:presLayoutVars>
+          <dgm:bulletEnabled val="1"/>
+        </dgm:presLayoutVars>
+      </dgm:prSet>
+      <dgm:spPr/>
+    </dgm:pt>
+    <dgm:pt modelId="{7F3EF532-7F15-4E71-A8C9-F0351B77AA0B}" type="pres">
+      <dgm:prSet presAssocID="{CEEC9A47-41CE-4F72-8729-777E470908F2}" presName="ThreeNodes_1_text" presStyleLbl="node1" presStyleIdx="2" presStyleCnt="3">
+        <dgm:presLayoutVars>
+          <dgm:bulletEnabled val="1"/>
+        </dgm:presLayoutVars>
+      </dgm:prSet>
+      <dgm:spPr/>
+    </dgm:pt>
+    <dgm:pt modelId="{BD3E099B-AEDF-4060-9AA2-C5C3FC6E1237}" type="pres">
+      <dgm:prSet presAssocID="{CEEC9A47-41CE-4F72-8729-777E470908F2}" presName="ThreeNodes_2_text" presStyleLbl="node1" presStyleIdx="2" presStyleCnt="3">
+        <dgm:presLayoutVars>
+          <dgm:bulletEnabled val="1"/>
+        </dgm:presLayoutVars>
+      </dgm:prSet>
+      <dgm:spPr/>
+    </dgm:pt>
+    <dgm:pt modelId="{13A908FD-B287-4C7F-8530-30B6AA707309}" type="pres">
+      <dgm:prSet presAssocID="{CEEC9A47-41CE-4F72-8729-777E470908F2}" presName="ThreeNodes_3_text" presStyleLbl="node1" presStyleIdx="2" presStyleCnt="3">
+        <dgm:presLayoutVars>
+          <dgm:bulletEnabled val="1"/>
+        </dgm:presLayoutVars>
+      </dgm:prSet>
+      <dgm:spPr/>
     </dgm:pt>
   </dgm:ptLst>
   <dgm:cxnLst>
-    <dgm:cxn modelId="{5CCA6056-EA94-4CEB-9E53-DBFCA1A23935}" srcId="{7A077F54-C41A-4FA9-81C2-855ABB7D9AB2}" destId="{DF3BD593-77E7-4763-9222-24E044683DBF}" srcOrd="0" destOrd="0" parTransId="{BEB5FC43-FD00-4BE0-B7D2-547225A27DFD}" sibTransId="{CD80D770-98B5-4CAA-85C7-CDAA7C931767}"/>
-    <dgm:cxn modelId="{942EBAF2-653D-402E-9934-4752F43F4439}" type="presOf" srcId="{DF3BD593-77E7-4763-9222-24E044683DBF}" destId="{9A70B7D9-3A8B-45E1-A284-2500D3A85C90}" srcOrd="0" destOrd="0" presId="urn:microsoft.com/office/officeart/2005/8/layout/hChevron3"/>
-    <dgm:cxn modelId="{7E9B7C3F-2B21-42B6-8787-65D5AE04E4D2}" type="presOf" srcId="{D455427D-E5B3-4205-BAFD-DAA4E08D6481}" destId="{DFDC0CF3-5FD6-4686-8554-437D179532AF}" srcOrd="0" destOrd="0" presId="urn:microsoft.com/office/officeart/2005/8/layout/hChevron3"/>
-    <dgm:cxn modelId="{64F88B11-0CA2-4322-97BA-B595EE2F9DA3}" type="presOf" srcId="{426BE847-9911-4815-9970-116066DD75A2}" destId="{98BC32F6-3C8A-4112-BE79-689551A4AFAC}" srcOrd="0" destOrd="0" presId="urn:microsoft.com/office/officeart/2005/8/layout/hChevron3"/>
-    <dgm:cxn modelId="{AE9629D1-4A27-48AD-88BE-61D955067605}" srcId="{7A077F54-C41A-4FA9-81C2-855ABB7D9AB2}" destId="{426BE847-9911-4815-9970-116066DD75A2}" srcOrd="2" destOrd="0" parTransId="{101889DD-5C55-4E6B-A626-177DF5E19C96}" sibTransId="{FA8808DB-8372-450D-B3EE-ABCCD3C2DF65}"/>
-    <dgm:cxn modelId="{6D0961F6-5AB1-49C3-9248-CD1F5E23EBEC}" type="presOf" srcId="{7A077F54-C41A-4FA9-81C2-855ABB7D9AB2}" destId="{0D2742FE-F770-431A-9A1A-4C664A734133}" srcOrd="0" destOrd="0" presId="urn:microsoft.com/office/officeart/2005/8/layout/hChevron3"/>
-    <dgm:cxn modelId="{D381A631-5A84-4783-BA51-D558099B4959}" srcId="{7A077F54-C41A-4FA9-81C2-855ABB7D9AB2}" destId="{D455427D-E5B3-4205-BAFD-DAA4E08D6481}" srcOrd="1" destOrd="0" parTransId="{3EA91546-5770-4FAF-8FA5-BA3CB487D79B}" sibTransId="{B30D5ADD-73EC-4276-9FD3-D9A575E9F246}"/>
-    <dgm:cxn modelId="{5739B71E-1752-4A9B-8621-A1EB94E5A184}" type="presParOf" srcId="{0D2742FE-F770-431A-9A1A-4C664A734133}" destId="{9A70B7D9-3A8B-45E1-A284-2500D3A85C90}" srcOrd="0" destOrd="0" presId="urn:microsoft.com/office/officeart/2005/8/layout/hChevron3"/>
-    <dgm:cxn modelId="{16FFF638-D81C-45D4-A743-1CE6E07CDE50}" type="presParOf" srcId="{0D2742FE-F770-431A-9A1A-4C664A734133}" destId="{614B8558-7173-460C-8BD0-5AC56011FBEF}" srcOrd="1" destOrd="0" presId="urn:microsoft.com/office/officeart/2005/8/layout/hChevron3"/>
-    <dgm:cxn modelId="{3C477E4B-82D8-4E30-BC98-7FA6A24F3F83}" type="presParOf" srcId="{0D2742FE-F770-431A-9A1A-4C664A734133}" destId="{DFDC0CF3-5FD6-4686-8554-437D179532AF}" srcOrd="2" destOrd="0" presId="urn:microsoft.com/office/officeart/2005/8/layout/hChevron3"/>
-    <dgm:cxn modelId="{6FC5B0A4-B7E1-4916-9732-2CB6DDACBC17}" type="presParOf" srcId="{0D2742FE-F770-431A-9A1A-4C664A734133}" destId="{FD846724-990F-4F8F-8B3E-FFF12A0FDFDF}" srcOrd="3" destOrd="0" presId="urn:microsoft.com/office/officeart/2005/8/layout/hChevron3"/>
-    <dgm:cxn modelId="{6E8F541B-8941-430C-8640-731A39F0C225}" type="presParOf" srcId="{0D2742FE-F770-431A-9A1A-4C664A734133}" destId="{98BC32F6-3C8A-4112-BE79-689551A4AFAC}" srcOrd="4" destOrd="0" presId="urn:microsoft.com/office/officeart/2005/8/layout/hChevron3"/>
+    <dgm:cxn modelId="{8F078709-3D61-4D06-9636-6A7B724B002A}" type="presOf" srcId="{257884FB-058E-46EE-8697-34CA3F12EC9A}" destId="{9165659D-AF5C-4AC5-A3F8-E5F6F30291F6}" srcOrd="0" destOrd="0" presId="urn:microsoft.com/office/officeart/2005/8/layout/vProcess5"/>
+    <dgm:cxn modelId="{4341F128-8C2C-40CE-A3F6-C27834F0E0F1}" srcId="{CEEC9A47-41CE-4F72-8729-777E470908F2}" destId="{5044F5A8-3CEF-490D-BB50-69BD3C6214C5}" srcOrd="0" destOrd="0" parTransId="{F020CBA2-7258-457D-BAB0-0BA0C07EDEF3}" sibTransId="{9B5A6293-C781-48DA-9F9E-F27835E0938D}"/>
+    <dgm:cxn modelId="{29411674-CE43-4DB4-B392-47C4E78E2201}" type="presOf" srcId="{9B5A6293-C781-48DA-9F9E-F27835E0938D}" destId="{C5476673-990D-4586-94EA-3289A7762656}" srcOrd="0" destOrd="0" presId="urn:microsoft.com/office/officeart/2005/8/layout/vProcess5"/>
+    <dgm:cxn modelId="{5DB6CA8B-B37B-4754-8389-51D77A9A5EA3}" type="presOf" srcId="{CEEC9A47-41CE-4F72-8729-777E470908F2}" destId="{B460CA3C-4A0A-4F27-9263-13359BE3B3D9}" srcOrd="0" destOrd="0" presId="urn:microsoft.com/office/officeart/2005/8/layout/vProcess5"/>
+    <dgm:cxn modelId="{2A8BF291-5747-450E-8654-1A9871F46B0F}" srcId="{CEEC9A47-41CE-4F72-8729-777E470908F2}" destId="{257884FB-058E-46EE-8697-34CA3F12EC9A}" srcOrd="1" destOrd="0" parTransId="{FE86531E-0CE2-45F6-A536-23E48FF8567E}" sibTransId="{56003D63-BB25-45A7-BAB1-9B2F74F9B6AA}"/>
+    <dgm:cxn modelId="{A9AFF4B3-8F55-4F13-9FB8-FE3F4A98FFE9}" type="presOf" srcId="{5044F5A8-3CEF-490D-BB50-69BD3C6214C5}" destId="{51860142-8654-4D0D-9EAD-E5D156D79958}" srcOrd="0" destOrd="0" presId="urn:microsoft.com/office/officeart/2005/8/layout/vProcess5"/>
+    <dgm:cxn modelId="{5CE2D3BF-E6D7-42C2-9FAE-295571664847}" type="presOf" srcId="{72F5361D-E100-4C2B-B4ED-365A55E90F01}" destId="{F5DB17B4-E228-46A6-B371-A0303F545003}" srcOrd="0" destOrd="0" presId="urn:microsoft.com/office/officeart/2005/8/layout/vProcess5"/>
+    <dgm:cxn modelId="{FBCB9EC2-F941-4120-8B6D-4406813803CD}" type="presOf" srcId="{5044F5A8-3CEF-490D-BB50-69BD3C6214C5}" destId="{7F3EF532-7F15-4E71-A8C9-F0351B77AA0B}" srcOrd="1" destOrd="0" presId="urn:microsoft.com/office/officeart/2005/8/layout/vProcess5"/>
+    <dgm:cxn modelId="{199C65C5-53CE-4877-8D7D-2B26D8D601FE}" type="presOf" srcId="{56003D63-BB25-45A7-BAB1-9B2F74F9B6AA}" destId="{724573BB-DE03-49F3-BC5D-4F371394BF2D}" srcOrd="0" destOrd="0" presId="urn:microsoft.com/office/officeart/2005/8/layout/vProcess5"/>
+    <dgm:cxn modelId="{021C90DF-6DBD-4A1E-84C9-9EE355623F11}" srcId="{CEEC9A47-41CE-4F72-8729-777E470908F2}" destId="{72F5361D-E100-4C2B-B4ED-365A55E90F01}" srcOrd="2" destOrd="0" parTransId="{9EEBE319-9FA4-421E-A2E0-B787C1C30639}" sibTransId="{92E17DD2-8379-4838-9D0D-87CD632252A7}"/>
+    <dgm:cxn modelId="{40BE68EB-FB3D-456C-AD7F-7562678FBE76}" type="presOf" srcId="{257884FB-058E-46EE-8697-34CA3F12EC9A}" destId="{BD3E099B-AEDF-4060-9AA2-C5C3FC6E1237}" srcOrd="1" destOrd="0" presId="urn:microsoft.com/office/officeart/2005/8/layout/vProcess5"/>
+    <dgm:cxn modelId="{D5F185FB-529E-4636-8645-0B1C96139D85}" type="presOf" srcId="{72F5361D-E100-4C2B-B4ED-365A55E90F01}" destId="{13A908FD-B287-4C7F-8530-30B6AA707309}" srcOrd="1" destOrd="0" presId="urn:microsoft.com/office/officeart/2005/8/layout/vProcess5"/>
+    <dgm:cxn modelId="{119180AC-5CE9-41EB-80E4-FF3680F7DB38}" type="presParOf" srcId="{B460CA3C-4A0A-4F27-9263-13359BE3B3D9}" destId="{062E9DE7-D35F-424E-9F9A-BD66C63F4461}" srcOrd="0" destOrd="0" presId="urn:microsoft.com/office/officeart/2005/8/layout/vProcess5"/>
+    <dgm:cxn modelId="{124AC2E4-3C8E-4C2E-BF61-F8FBC151FB4A}" type="presParOf" srcId="{B460CA3C-4A0A-4F27-9263-13359BE3B3D9}" destId="{51860142-8654-4D0D-9EAD-E5D156D79958}" srcOrd="1" destOrd="0" presId="urn:microsoft.com/office/officeart/2005/8/layout/vProcess5"/>
+    <dgm:cxn modelId="{84CB6C7D-7340-4525-B6D6-19756D6A2974}" type="presParOf" srcId="{B460CA3C-4A0A-4F27-9263-13359BE3B3D9}" destId="{9165659D-AF5C-4AC5-A3F8-E5F6F30291F6}" srcOrd="2" destOrd="0" presId="urn:microsoft.com/office/officeart/2005/8/layout/vProcess5"/>
+    <dgm:cxn modelId="{CFE0D57E-7FFB-4CF0-B810-4ECC7F54D9A6}" type="presParOf" srcId="{B460CA3C-4A0A-4F27-9263-13359BE3B3D9}" destId="{F5DB17B4-E228-46A6-B371-A0303F545003}" srcOrd="3" destOrd="0" presId="urn:microsoft.com/office/officeart/2005/8/layout/vProcess5"/>
+    <dgm:cxn modelId="{5648B334-3865-4B4A-B9E4-E33BA6671EB7}" type="presParOf" srcId="{B460CA3C-4A0A-4F27-9263-13359BE3B3D9}" destId="{C5476673-990D-4586-94EA-3289A7762656}" srcOrd="4" destOrd="0" presId="urn:microsoft.com/office/officeart/2005/8/layout/vProcess5"/>
+    <dgm:cxn modelId="{AC8C60BE-3C76-4963-BF20-CA8E1D89EBDE}" type="presParOf" srcId="{B460CA3C-4A0A-4F27-9263-13359BE3B3D9}" destId="{724573BB-DE03-49F3-BC5D-4F371394BF2D}" srcOrd="5" destOrd="0" presId="urn:microsoft.com/office/officeart/2005/8/layout/vProcess5"/>
+    <dgm:cxn modelId="{B7AB496B-7F8F-4917-860C-CBA1EBBC497A}" type="presParOf" srcId="{B460CA3C-4A0A-4F27-9263-13359BE3B3D9}" destId="{7F3EF532-7F15-4E71-A8C9-F0351B77AA0B}" srcOrd="6" destOrd="0" presId="urn:microsoft.com/office/officeart/2005/8/layout/vProcess5"/>
+    <dgm:cxn modelId="{C8E0ABCE-31D1-470D-9DFB-B8E83F50CB54}" type="presParOf" srcId="{B460CA3C-4A0A-4F27-9263-13359BE3B3D9}" destId="{BD3E099B-AEDF-4060-9AA2-C5C3FC6E1237}" srcOrd="7" destOrd="0" presId="urn:microsoft.com/office/officeart/2005/8/layout/vProcess5"/>
+    <dgm:cxn modelId="{5CAF62B8-27EC-462E-900D-FFC6EBCDBBFC}" type="presParOf" srcId="{B460CA3C-4A0A-4F27-9263-13359BE3B3D9}" destId="{13A908FD-B287-4C7F-8530-30B6AA707309}" srcOrd="8" destOrd="0" presId="urn:microsoft.com/office/officeart/2005/8/layout/vProcess5"/>
   </dgm:cxnLst>
   <dgm:bg/>
   <dgm:whole/>
@@ -3114,29 +3043,25 @@
 <file path=ppt/diagrams/data3.xml><?xml version="1.0" encoding="utf-8"?>
 <dgm:dataModel xmlns:dgm="http://schemas.openxmlformats.org/drawingml/2006/diagram" xmlns:a="http://schemas.openxmlformats.org/drawingml/2006/main">
   <dgm:ptLst>
-    <dgm:pt modelId="{40203703-CA8D-4A57-B7C5-B1F0CD0B9707}" type="doc">
-      <dgm:prSet loTypeId="urn:microsoft.com/office/officeart/2005/8/layout/StepDownProcess" loCatId="process" qsTypeId="urn:microsoft.com/office/officeart/2005/8/quickstyle/simple1" qsCatId="simple" csTypeId="urn:microsoft.com/office/officeart/2005/8/colors/accent1_2" csCatId="accent1" phldr="0"/>
+    <dgm:pt modelId="{EF5E1371-A34E-4630-A417-49E1BD19ADEE}" type="doc">
+      <dgm:prSet loTypeId="urn:microsoft.com/office/officeart/2005/8/layout/process1" loCatId="process" qsTypeId="urn:microsoft.com/office/officeart/2005/8/quickstyle/simple1" qsCatId="simple" csTypeId="urn:microsoft.com/office/officeart/2005/8/colors/accent1_2" csCatId="accent1" phldr="1"/>
+      <dgm:spPr/>
+    </dgm:pt>
+    <dgm:pt modelId="{5A368A7D-7D46-43DC-A583-298B7C4C8EE2}">
+      <dgm:prSet phldrT="[Texto]"/>
       <dgm:spPr/>
       <dgm:t>
         <a:bodyPr/>
         <a:lstStyle/>
         <a:p>
-          <a:endParaRPr lang="pt-BR"/>
+          <a:r>
+            <a:rPr lang="pt-BR" dirty="0"/>
+            <a:t>Analisar e revisar o projeto</a:t>
+          </a:r>
         </a:p>
       </dgm:t>
     </dgm:pt>
-    <dgm:pt modelId="{BA441102-A8D9-4DC0-9316-FAF215ABC85D}">
-      <dgm:prSet phldrT="[Texto]" phldr="1"/>
-      <dgm:spPr/>
-      <dgm:t>
-        <a:bodyPr/>
-        <a:lstStyle/>
-        <a:p>
-          <a:endParaRPr lang="pt-BR"/>
-        </a:p>
-      </dgm:t>
-    </dgm:pt>
-    <dgm:pt modelId="{719091C5-2F11-485E-A0F0-D1D7D1E6CB05}" type="parTrans" cxnId="{DFE5F6A5-0EB6-424B-B414-9510E6228E04}">
+    <dgm:pt modelId="{F8362BB9-7E50-478B-9882-44E41016E978}" type="parTrans" cxnId="{EA1CCC46-77B1-4DC7-B48C-7B362209C760}">
       <dgm:prSet/>
       <dgm:spPr/>
       <dgm:t>
@@ -3147,7 +3072,7 @@
         </a:p>
       </dgm:t>
     </dgm:pt>
-    <dgm:pt modelId="{820E2E65-F599-425A-B969-A53C8C15299D}" type="sibTrans" cxnId="{DFE5F6A5-0EB6-424B-B414-9510E6228E04}">
+    <dgm:pt modelId="{3B2115EB-D986-46E4-9DCA-7717541FF845}" type="sibTrans" cxnId="{EA1CCC46-77B1-4DC7-B48C-7B362209C760}">
       <dgm:prSet/>
       <dgm:spPr/>
       <dgm:t>
@@ -3158,18 +3083,21 @@
         </a:p>
       </dgm:t>
     </dgm:pt>
-    <dgm:pt modelId="{5A3C9C3B-ED20-4564-A025-42FF19589BF5}">
-      <dgm:prSet phldrT="[Texto]" phldr="1"/>
+    <dgm:pt modelId="{63DE9185-155B-4B29-A442-50DB2C593CEC}">
+      <dgm:prSet phldrT="[Texto]"/>
       <dgm:spPr/>
       <dgm:t>
         <a:bodyPr/>
         <a:lstStyle/>
         <a:p>
-          <a:endParaRPr lang="pt-BR"/>
+          <a:r>
+            <a:rPr lang="pt-BR" dirty="0"/>
+            <a:t>Definir cronograma e ferramentas para a implantação</a:t>
+          </a:r>
         </a:p>
       </dgm:t>
     </dgm:pt>
-    <dgm:pt modelId="{4F1977F2-4761-4A64-ABD2-2BE790C5C088}" type="parTrans" cxnId="{69FE35BC-DF3C-476E-86EF-36512F2F992D}">
+    <dgm:pt modelId="{D853508E-0002-4AE4-BFB1-9734EF89C4E4}" type="parTrans" cxnId="{C4260590-31A5-4B65-8CA5-7F21F8422D93}">
       <dgm:prSet/>
       <dgm:spPr/>
       <dgm:t>
@@ -3180,7 +3108,7 @@
         </a:p>
       </dgm:t>
     </dgm:pt>
-    <dgm:pt modelId="{19E7EAF4-735B-40AF-A21E-1E06F537EE1A}" type="sibTrans" cxnId="{69FE35BC-DF3C-476E-86EF-36512F2F992D}">
+    <dgm:pt modelId="{2426D7BB-A3A8-48D9-AF5B-0B562EADFC9E}" type="sibTrans" cxnId="{C4260590-31A5-4B65-8CA5-7F21F8422D93}">
       <dgm:prSet/>
       <dgm:spPr/>
       <dgm:t>
@@ -3191,18 +3119,21 @@
         </a:p>
       </dgm:t>
     </dgm:pt>
-    <dgm:pt modelId="{B00E1069-26FC-4CF4-8A81-20B729C7DC07}">
-      <dgm:prSet phldrT="[Texto]" phldr="1"/>
+    <dgm:pt modelId="{55B1BF4D-D545-484A-A796-6DB334C34EA6}">
+      <dgm:prSet phldrT="[Texto]"/>
       <dgm:spPr/>
       <dgm:t>
         <a:bodyPr/>
         <a:lstStyle/>
         <a:p>
-          <a:endParaRPr lang="pt-BR"/>
+          <a:r>
+            <a:rPr lang="pt-BR" dirty="0"/>
+            <a:t>Fazer planejamentos de virada e Rollback</a:t>
+          </a:r>
         </a:p>
       </dgm:t>
     </dgm:pt>
-    <dgm:pt modelId="{24197E80-49A8-4AA6-8EF3-17F4C1E0155E}" type="parTrans" cxnId="{C1F8D9BC-184A-4883-BDC4-D242F9BB3D69}">
+    <dgm:pt modelId="{2C37150F-3332-4F8C-84B0-D1118B646963}" type="parTrans" cxnId="{358DC6B1-0DD2-4323-B210-5532EAFEB309}">
       <dgm:prSet/>
       <dgm:spPr/>
       <dgm:t>
@@ -3213,7 +3144,7 @@
         </a:p>
       </dgm:t>
     </dgm:pt>
-    <dgm:pt modelId="{5D4AF5BA-53D5-4B54-B8ED-5FB8E6F91FA2}" type="sibTrans" cxnId="{C1F8D9BC-184A-4883-BDC4-D242F9BB3D69}">
+    <dgm:pt modelId="{EDE7AE5F-785D-4EF7-B1D8-FB7FD14D6D51}" type="sibTrans" cxnId="{358DC6B1-0DD2-4323-B210-5532EAFEB309}">
       <dgm:prSet/>
       <dgm:spPr/>
       <dgm:t>
@@ -3224,18 +3155,21 @@
         </a:p>
       </dgm:t>
     </dgm:pt>
-    <dgm:pt modelId="{C5EEFBC2-A38A-4F3F-B0EC-E3F0A7B0DC2D}">
-      <dgm:prSet phldrT="[Texto]" phldr="1"/>
+    <dgm:pt modelId="{207FF6C4-B74F-4115-8658-2F4654BA9B98}">
+      <dgm:prSet phldrT="[Texto]"/>
       <dgm:spPr/>
       <dgm:t>
         <a:bodyPr/>
         <a:lstStyle/>
         <a:p>
-          <a:endParaRPr lang="pt-BR"/>
+          <a:r>
+            <a:rPr lang="pt-BR" dirty="0"/>
+            <a:t>Analisar nível de satisfação e reação do cliente</a:t>
+          </a:r>
         </a:p>
       </dgm:t>
     </dgm:pt>
-    <dgm:pt modelId="{682B5AEE-585E-4C35-ACBE-3000FA0A473E}" type="parTrans" cxnId="{2404903B-AA02-44B8-87BC-ABA8C9A81D7D}">
+    <dgm:pt modelId="{6559AE33-6372-4CB2-8760-C512B63DDD42}" type="parTrans" cxnId="{C65A3C82-B713-4EDB-B864-9293C43454CD}">
       <dgm:prSet/>
       <dgm:spPr/>
       <dgm:t>
@@ -3246,7 +3180,7 @@
         </a:p>
       </dgm:t>
     </dgm:pt>
-    <dgm:pt modelId="{9D8A0BD3-B812-4BC9-8C8C-608E906935D5}" type="sibTrans" cxnId="{2404903B-AA02-44B8-87BC-ABA8C9A81D7D}">
+    <dgm:pt modelId="{60973B62-3F53-4235-8238-5B8C5CD14ABC}" type="sibTrans" cxnId="{C65A3C82-B713-4EDB-B864-9293C43454CD}">
       <dgm:prSet/>
       <dgm:spPr/>
       <dgm:t>
@@ -3257,18 +3191,21 @@
         </a:p>
       </dgm:t>
     </dgm:pt>
-    <dgm:pt modelId="{2D03C153-6D9C-405A-AC6C-CFD730F85DC6}">
-      <dgm:prSet phldrT="[Texto]" phldr="1"/>
+    <dgm:pt modelId="{05440118-41E0-4E79-B622-7D769F29179C}">
+      <dgm:prSet phldrT="[Texto]"/>
       <dgm:spPr/>
       <dgm:t>
         <a:bodyPr/>
         <a:lstStyle/>
         <a:p>
-          <a:endParaRPr lang="pt-BR"/>
+          <a:r>
+            <a:rPr lang="pt-BR" dirty="0"/>
+            <a:t>Finalizar implantação conforme o resultado do negócio</a:t>
+          </a:r>
         </a:p>
       </dgm:t>
     </dgm:pt>
-    <dgm:pt modelId="{73C5B4CA-8297-46EE-8926-C8E20F1EF131}" type="parTrans" cxnId="{75C2CBDB-05D8-417C-8371-1FD24B39FF71}">
+    <dgm:pt modelId="{125EA51B-050A-4B36-BA28-9A463790F866}" type="parTrans" cxnId="{4AE43223-C351-4AC4-BE9E-EE0C8B4F6122}">
       <dgm:prSet/>
       <dgm:spPr/>
       <dgm:t>
@@ -3279,7 +3216,7 @@
         </a:p>
       </dgm:t>
     </dgm:pt>
-    <dgm:pt modelId="{28E9116C-DD1F-4B58-B873-B409D44BDF47}" type="sibTrans" cxnId="{75C2CBDB-05D8-417C-8371-1FD24B39FF71}">
+    <dgm:pt modelId="{A988507B-8F21-4ECD-BF1B-E440D7DE879A}" type="sibTrans" cxnId="{4AE43223-C351-4AC4-BE9E-EE0C8B4F6122}">
       <dgm:prSet/>
       <dgm:spPr/>
       <dgm:t>
@@ -3290,221 +3227,127 @@
         </a:p>
       </dgm:t>
     </dgm:pt>
-    <dgm:pt modelId="{BABB642E-5311-4F8A-ABFF-071A1645D772}">
-      <dgm:prSet phldrT="[Texto]" phldr="1"/>
-      <dgm:spPr/>
-      <dgm:t>
-        <a:bodyPr/>
-        <a:lstStyle/>
-        <a:p>
-          <a:endParaRPr lang="pt-BR"/>
-        </a:p>
-      </dgm:t>
-    </dgm:pt>
-    <dgm:pt modelId="{B7A5CA1B-35C5-4CEE-92C8-166E9C08C4DD}" type="parTrans" cxnId="{E3899702-F88E-46B8-9E40-A27D3617F903}">
-      <dgm:prSet/>
-      <dgm:spPr/>
-      <dgm:t>
-        <a:bodyPr/>
-        <a:lstStyle/>
-        <a:p>
-          <a:endParaRPr lang="pt-BR"/>
-        </a:p>
-      </dgm:t>
-    </dgm:pt>
-    <dgm:pt modelId="{53A2FB0E-2FE2-45A0-B203-E8281BAF9BB1}" type="sibTrans" cxnId="{E3899702-F88E-46B8-9E40-A27D3617F903}">
-      <dgm:prSet/>
-      <dgm:spPr/>
-      <dgm:t>
-        <a:bodyPr/>
-        <a:lstStyle/>
-        <a:p>
-          <a:endParaRPr lang="pt-BR"/>
-        </a:p>
-      </dgm:t>
-    </dgm:pt>
-    <dgm:pt modelId="{E94D4BF9-C532-4186-A3E3-D0CE59F0F9C3}" type="pres">
-      <dgm:prSet presAssocID="{40203703-CA8D-4A57-B7C5-B1F0CD0B9707}" presName="rootnode" presStyleCnt="0">
+    <dgm:pt modelId="{FD23943C-F69F-41B2-B5B6-F096FFD28F44}" type="pres">
+      <dgm:prSet presAssocID="{EF5E1371-A34E-4630-A417-49E1BD19ADEE}" presName="Name0" presStyleCnt="0">
         <dgm:presLayoutVars>
-          <dgm:chMax/>
-          <dgm:chPref/>
           <dgm:dir/>
-          <dgm:animLvl val="lvl"/>
+          <dgm:resizeHandles val="exact"/>
         </dgm:presLayoutVars>
       </dgm:prSet>
       <dgm:spPr/>
-      <dgm:t>
-        <a:bodyPr/>
-        <a:lstStyle/>
-        <a:p>
-          <a:endParaRPr lang="pt-BR"/>
-        </a:p>
-      </dgm:t>
     </dgm:pt>
-    <dgm:pt modelId="{EB86FDE2-C25E-42F0-A180-C73B991B827A}" type="pres">
-      <dgm:prSet presAssocID="{BA441102-A8D9-4DC0-9316-FAF215ABC85D}" presName="composite" presStyleCnt="0"/>
-      <dgm:spPr/>
-    </dgm:pt>
-    <dgm:pt modelId="{4F7896AA-1E2E-411D-B945-82E71EAA319A}" type="pres">
-      <dgm:prSet presAssocID="{BA441102-A8D9-4DC0-9316-FAF215ABC85D}" presName="bentUpArrow1" presStyleLbl="alignImgPlace1" presStyleIdx="0" presStyleCnt="2"/>
-      <dgm:spPr/>
-    </dgm:pt>
-    <dgm:pt modelId="{EB3500CD-6079-46DE-95C1-63A8162F496D}" type="pres">
-      <dgm:prSet presAssocID="{BA441102-A8D9-4DC0-9316-FAF215ABC85D}" presName="ParentText" presStyleLbl="node1" presStyleIdx="0" presStyleCnt="3">
+    <dgm:pt modelId="{804890BE-E469-40AD-A6DA-EAF10793200D}" type="pres">
+      <dgm:prSet presAssocID="{5A368A7D-7D46-43DC-A583-298B7C4C8EE2}" presName="node" presStyleLbl="node1" presStyleIdx="0" presStyleCnt="5">
         <dgm:presLayoutVars>
-          <dgm:chMax val="1"/>
-          <dgm:chPref val="1"/>
           <dgm:bulletEnabled val="1"/>
         </dgm:presLayoutVars>
       </dgm:prSet>
       <dgm:spPr/>
-      <dgm:t>
-        <a:bodyPr/>
-        <a:lstStyle/>
-        <a:p>
-          <a:endParaRPr lang="pt-BR"/>
-        </a:p>
-      </dgm:t>
     </dgm:pt>
-    <dgm:pt modelId="{A409F48D-D07E-4E37-B644-6E5F63F2F381}" type="pres">
-      <dgm:prSet presAssocID="{BA441102-A8D9-4DC0-9316-FAF215ABC85D}" presName="ChildText" presStyleLbl="revTx" presStyleIdx="0" presStyleCnt="3">
+    <dgm:pt modelId="{92C95CD5-6342-4B0E-AD6D-7F96EADBB8B7}" type="pres">
+      <dgm:prSet presAssocID="{3B2115EB-D986-46E4-9DCA-7717541FF845}" presName="sibTrans" presStyleLbl="sibTrans2D1" presStyleIdx="0" presStyleCnt="4"/>
+      <dgm:spPr/>
+    </dgm:pt>
+    <dgm:pt modelId="{6E139D40-34D9-4476-92CB-0EC6FB81290F}" type="pres">
+      <dgm:prSet presAssocID="{3B2115EB-D986-46E4-9DCA-7717541FF845}" presName="connectorText" presStyleLbl="sibTrans2D1" presStyleIdx="0" presStyleCnt="4"/>
+      <dgm:spPr/>
+    </dgm:pt>
+    <dgm:pt modelId="{00DFECD0-29FD-4E55-8FAC-054C040B0A91}" type="pres">
+      <dgm:prSet presAssocID="{63DE9185-155B-4B29-A442-50DB2C593CEC}" presName="node" presStyleLbl="node1" presStyleIdx="1" presStyleCnt="5">
         <dgm:presLayoutVars>
-          <dgm:chMax val="0"/>
-          <dgm:chPref val="0"/>
           <dgm:bulletEnabled val="1"/>
         </dgm:presLayoutVars>
       </dgm:prSet>
       <dgm:spPr/>
-      <dgm:t>
-        <a:bodyPr/>
-        <a:lstStyle/>
-        <a:p>
-          <a:endParaRPr lang="pt-BR"/>
-        </a:p>
-      </dgm:t>
     </dgm:pt>
-    <dgm:pt modelId="{5B31BFF8-9544-431C-8254-D70D9FE77055}" type="pres">
-      <dgm:prSet presAssocID="{820E2E65-F599-425A-B969-A53C8C15299D}" presName="sibTrans" presStyleCnt="0"/>
+    <dgm:pt modelId="{5ECA5540-C8D5-49B9-8C58-6CCB06E71355}" type="pres">
+      <dgm:prSet presAssocID="{2426D7BB-A3A8-48D9-AF5B-0B562EADFC9E}" presName="sibTrans" presStyleLbl="sibTrans2D1" presStyleIdx="1" presStyleCnt="4"/>
       <dgm:spPr/>
     </dgm:pt>
-    <dgm:pt modelId="{E320BD86-A53A-4AFC-AE8A-13E7D338BC6C}" type="pres">
-      <dgm:prSet presAssocID="{B00E1069-26FC-4CF4-8A81-20B729C7DC07}" presName="composite" presStyleCnt="0"/>
+    <dgm:pt modelId="{9CA1261B-F64F-4BEA-9EDA-60BCF5E77FA0}" type="pres">
+      <dgm:prSet presAssocID="{2426D7BB-A3A8-48D9-AF5B-0B562EADFC9E}" presName="connectorText" presStyleLbl="sibTrans2D1" presStyleIdx="1" presStyleCnt="4"/>
       <dgm:spPr/>
     </dgm:pt>
-    <dgm:pt modelId="{0ED83A4D-7F29-4F55-A063-AF7D68023EB7}" type="pres">
-      <dgm:prSet presAssocID="{B00E1069-26FC-4CF4-8A81-20B729C7DC07}" presName="bentUpArrow1" presStyleLbl="alignImgPlace1" presStyleIdx="1" presStyleCnt="2"/>
-      <dgm:spPr/>
-    </dgm:pt>
-    <dgm:pt modelId="{70330159-98CC-4FC5-985E-1F8A13274438}" type="pres">
-      <dgm:prSet presAssocID="{B00E1069-26FC-4CF4-8A81-20B729C7DC07}" presName="ParentText" presStyleLbl="node1" presStyleIdx="1" presStyleCnt="3">
+    <dgm:pt modelId="{CC87A9E7-53C1-4B3E-ACBA-A037A1DDD1AF}" type="pres">
+      <dgm:prSet presAssocID="{55B1BF4D-D545-484A-A796-6DB334C34EA6}" presName="node" presStyleLbl="node1" presStyleIdx="2" presStyleCnt="5">
         <dgm:presLayoutVars>
-          <dgm:chMax val="1"/>
-          <dgm:chPref val="1"/>
           <dgm:bulletEnabled val="1"/>
         </dgm:presLayoutVars>
       </dgm:prSet>
       <dgm:spPr/>
-      <dgm:t>
-        <a:bodyPr/>
-        <a:lstStyle/>
-        <a:p>
-          <a:endParaRPr lang="pt-BR"/>
-        </a:p>
-      </dgm:t>
     </dgm:pt>
-    <dgm:pt modelId="{54BCAF45-00FE-4014-89EF-46ADCA724552}" type="pres">
-      <dgm:prSet presAssocID="{B00E1069-26FC-4CF4-8A81-20B729C7DC07}" presName="ChildText" presStyleLbl="revTx" presStyleIdx="1" presStyleCnt="3">
+    <dgm:pt modelId="{D92C6EA2-973E-4165-8F30-0B008F110197}" type="pres">
+      <dgm:prSet presAssocID="{EDE7AE5F-785D-4EF7-B1D8-FB7FD14D6D51}" presName="sibTrans" presStyleLbl="sibTrans2D1" presStyleIdx="2" presStyleCnt="4"/>
+      <dgm:spPr/>
+    </dgm:pt>
+    <dgm:pt modelId="{73C4C6CA-6AD2-4F67-95CD-08BC25EA5A48}" type="pres">
+      <dgm:prSet presAssocID="{EDE7AE5F-785D-4EF7-B1D8-FB7FD14D6D51}" presName="connectorText" presStyleLbl="sibTrans2D1" presStyleIdx="2" presStyleCnt="4"/>
+      <dgm:spPr/>
+    </dgm:pt>
+    <dgm:pt modelId="{DCE0C106-4F35-4360-B4A2-D26C67DDDD43}" type="pres">
+      <dgm:prSet presAssocID="{207FF6C4-B74F-4115-8658-2F4654BA9B98}" presName="node" presStyleLbl="node1" presStyleIdx="3" presStyleCnt="5">
         <dgm:presLayoutVars>
-          <dgm:chMax val="0"/>
-          <dgm:chPref val="0"/>
           <dgm:bulletEnabled val="1"/>
         </dgm:presLayoutVars>
       </dgm:prSet>
       <dgm:spPr/>
-      <dgm:t>
-        <a:bodyPr/>
-        <a:lstStyle/>
-        <a:p>
-          <a:endParaRPr lang="pt-BR"/>
-        </a:p>
-      </dgm:t>
     </dgm:pt>
-    <dgm:pt modelId="{59DFB418-179D-414D-9B69-37948E99B27B}" type="pres">
-      <dgm:prSet presAssocID="{5D4AF5BA-53D5-4B54-B8ED-5FB8E6F91FA2}" presName="sibTrans" presStyleCnt="0"/>
+    <dgm:pt modelId="{81616565-71ED-4FAB-BA52-5EA45358E075}" type="pres">
+      <dgm:prSet presAssocID="{60973B62-3F53-4235-8238-5B8C5CD14ABC}" presName="sibTrans" presStyleLbl="sibTrans2D1" presStyleIdx="3" presStyleCnt="4"/>
       <dgm:spPr/>
     </dgm:pt>
-    <dgm:pt modelId="{E9812B4A-A278-4559-9272-5DE6D6C5D0B7}" type="pres">
-      <dgm:prSet presAssocID="{2D03C153-6D9C-405A-AC6C-CFD730F85DC6}" presName="composite" presStyleCnt="0"/>
+    <dgm:pt modelId="{ABF2F7A1-4642-4627-93B1-F6BB028278DD}" type="pres">
+      <dgm:prSet presAssocID="{60973B62-3F53-4235-8238-5B8C5CD14ABC}" presName="connectorText" presStyleLbl="sibTrans2D1" presStyleIdx="3" presStyleCnt="4"/>
       <dgm:spPr/>
     </dgm:pt>
-    <dgm:pt modelId="{94997029-F6AA-402D-9443-9AC4D4D3ABC8}" type="pres">
-      <dgm:prSet presAssocID="{2D03C153-6D9C-405A-AC6C-CFD730F85DC6}" presName="ParentText" presStyleLbl="node1" presStyleIdx="2" presStyleCnt="3">
+    <dgm:pt modelId="{2AD3C408-A279-41C9-B9DE-1AE979F22ED6}" type="pres">
+      <dgm:prSet presAssocID="{05440118-41E0-4E79-B622-7D769F29179C}" presName="node" presStyleLbl="node1" presStyleIdx="4" presStyleCnt="5">
         <dgm:presLayoutVars>
-          <dgm:chMax val="1"/>
-          <dgm:chPref val="1"/>
           <dgm:bulletEnabled val="1"/>
         </dgm:presLayoutVars>
       </dgm:prSet>
       <dgm:spPr/>
-      <dgm:t>
-        <a:bodyPr/>
-        <a:lstStyle/>
-        <a:p>
-          <a:endParaRPr lang="pt-BR"/>
-        </a:p>
-      </dgm:t>
-    </dgm:pt>
-    <dgm:pt modelId="{9C73EFF1-BE98-4F42-B629-905488FC2569}" type="pres">
-      <dgm:prSet presAssocID="{2D03C153-6D9C-405A-AC6C-CFD730F85DC6}" presName="FinalChildText" presStyleLbl="revTx" presStyleIdx="2" presStyleCnt="3">
-        <dgm:presLayoutVars>
-          <dgm:chMax val="0"/>
-          <dgm:chPref val="0"/>
-          <dgm:bulletEnabled val="1"/>
-        </dgm:presLayoutVars>
-      </dgm:prSet>
-      <dgm:spPr/>
-      <dgm:t>
-        <a:bodyPr/>
-        <a:lstStyle/>
-        <a:p>
-          <a:endParaRPr lang="pt-BR"/>
-        </a:p>
-      </dgm:t>
     </dgm:pt>
   </dgm:ptLst>
   <dgm:cxnLst>
-    <dgm:cxn modelId="{69FE35BC-DF3C-476E-86EF-36512F2F992D}" srcId="{BA441102-A8D9-4DC0-9316-FAF215ABC85D}" destId="{5A3C9C3B-ED20-4564-A025-42FF19589BF5}" srcOrd="0" destOrd="0" parTransId="{4F1977F2-4761-4A64-ABD2-2BE790C5C088}" sibTransId="{19E7EAF4-735B-40AF-A21E-1E06F537EE1A}"/>
-    <dgm:cxn modelId="{4FE78BFC-CD44-4A77-901C-5C947557C53A}" type="presOf" srcId="{5A3C9C3B-ED20-4564-A025-42FF19589BF5}" destId="{A409F48D-D07E-4E37-B644-6E5F63F2F381}" srcOrd="0" destOrd="0" presId="urn:microsoft.com/office/officeart/2005/8/layout/StepDownProcess"/>
-    <dgm:cxn modelId="{DFE5F6A5-0EB6-424B-B414-9510E6228E04}" srcId="{40203703-CA8D-4A57-B7C5-B1F0CD0B9707}" destId="{BA441102-A8D9-4DC0-9316-FAF215ABC85D}" srcOrd="0" destOrd="0" parTransId="{719091C5-2F11-485E-A0F0-D1D7D1E6CB05}" sibTransId="{820E2E65-F599-425A-B969-A53C8C15299D}"/>
-    <dgm:cxn modelId="{5DE72852-F414-4C74-8F3E-76324BD35DC4}" type="presOf" srcId="{BA441102-A8D9-4DC0-9316-FAF215ABC85D}" destId="{EB3500CD-6079-46DE-95C1-63A8162F496D}" srcOrd="0" destOrd="0" presId="urn:microsoft.com/office/officeart/2005/8/layout/StepDownProcess"/>
-    <dgm:cxn modelId="{B175843E-BAE2-429B-923E-A37BDA1D43C7}" type="presOf" srcId="{40203703-CA8D-4A57-B7C5-B1F0CD0B9707}" destId="{E94D4BF9-C532-4186-A3E3-D0CE59F0F9C3}" srcOrd="0" destOrd="0" presId="urn:microsoft.com/office/officeart/2005/8/layout/StepDownProcess"/>
-    <dgm:cxn modelId="{2404903B-AA02-44B8-87BC-ABA8C9A81D7D}" srcId="{B00E1069-26FC-4CF4-8A81-20B729C7DC07}" destId="{C5EEFBC2-A38A-4F3F-B0EC-E3F0A7B0DC2D}" srcOrd="0" destOrd="0" parTransId="{682B5AEE-585E-4C35-ACBE-3000FA0A473E}" sibTransId="{9D8A0BD3-B812-4BC9-8C8C-608E906935D5}"/>
-    <dgm:cxn modelId="{F90598BB-FCC1-4B99-8A11-3BEB5CEECC4B}" type="presOf" srcId="{BABB642E-5311-4F8A-ABFF-071A1645D772}" destId="{9C73EFF1-BE98-4F42-B629-905488FC2569}" srcOrd="0" destOrd="0" presId="urn:microsoft.com/office/officeart/2005/8/layout/StepDownProcess"/>
-    <dgm:cxn modelId="{C1F8D9BC-184A-4883-BDC4-D242F9BB3D69}" srcId="{40203703-CA8D-4A57-B7C5-B1F0CD0B9707}" destId="{B00E1069-26FC-4CF4-8A81-20B729C7DC07}" srcOrd="1" destOrd="0" parTransId="{24197E80-49A8-4AA6-8EF3-17F4C1E0155E}" sibTransId="{5D4AF5BA-53D5-4B54-B8ED-5FB8E6F91FA2}"/>
-    <dgm:cxn modelId="{E3899702-F88E-46B8-9E40-A27D3617F903}" srcId="{2D03C153-6D9C-405A-AC6C-CFD730F85DC6}" destId="{BABB642E-5311-4F8A-ABFF-071A1645D772}" srcOrd="0" destOrd="0" parTransId="{B7A5CA1B-35C5-4CEE-92C8-166E9C08C4DD}" sibTransId="{53A2FB0E-2FE2-45A0-B203-E8281BAF9BB1}"/>
-    <dgm:cxn modelId="{C5D0F18C-300F-449A-A2CA-A7A38F29206E}" type="presOf" srcId="{C5EEFBC2-A38A-4F3F-B0EC-E3F0A7B0DC2D}" destId="{54BCAF45-00FE-4014-89EF-46ADCA724552}" srcOrd="0" destOrd="0" presId="urn:microsoft.com/office/officeart/2005/8/layout/StepDownProcess"/>
-    <dgm:cxn modelId="{142A9FD5-75EF-4B49-BD4A-C80C1B32C73B}" type="presOf" srcId="{2D03C153-6D9C-405A-AC6C-CFD730F85DC6}" destId="{94997029-F6AA-402D-9443-9AC4D4D3ABC8}" srcOrd="0" destOrd="0" presId="urn:microsoft.com/office/officeart/2005/8/layout/StepDownProcess"/>
-    <dgm:cxn modelId="{9F497F16-00C3-48A9-85A1-79C57C037E3D}" type="presOf" srcId="{B00E1069-26FC-4CF4-8A81-20B729C7DC07}" destId="{70330159-98CC-4FC5-985E-1F8A13274438}" srcOrd="0" destOrd="0" presId="urn:microsoft.com/office/officeart/2005/8/layout/StepDownProcess"/>
-    <dgm:cxn modelId="{75C2CBDB-05D8-417C-8371-1FD24B39FF71}" srcId="{40203703-CA8D-4A57-B7C5-B1F0CD0B9707}" destId="{2D03C153-6D9C-405A-AC6C-CFD730F85DC6}" srcOrd="2" destOrd="0" parTransId="{73C5B4CA-8297-46EE-8926-C8E20F1EF131}" sibTransId="{28E9116C-DD1F-4B58-B873-B409D44BDF47}"/>
-    <dgm:cxn modelId="{A73D63A4-1256-4169-AC0D-A65D2A497ED1}" type="presParOf" srcId="{E94D4BF9-C532-4186-A3E3-D0CE59F0F9C3}" destId="{EB86FDE2-C25E-42F0-A180-C73B991B827A}" srcOrd="0" destOrd="0" presId="urn:microsoft.com/office/officeart/2005/8/layout/StepDownProcess"/>
-    <dgm:cxn modelId="{B3EE4B93-A73E-4210-8361-23856A3194C0}" type="presParOf" srcId="{EB86FDE2-C25E-42F0-A180-C73B991B827A}" destId="{4F7896AA-1E2E-411D-B945-82E71EAA319A}" srcOrd="0" destOrd="0" presId="urn:microsoft.com/office/officeart/2005/8/layout/StepDownProcess"/>
-    <dgm:cxn modelId="{EA7D5E0F-1383-48DD-9497-C0C0104AFE1B}" type="presParOf" srcId="{EB86FDE2-C25E-42F0-A180-C73B991B827A}" destId="{EB3500CD-6079-46DE-95C1-63A8162F496D}" srcOrd="1" destOrd="0" presId="urn:microsoft.com/office/officeart/2005/8/layout/StepDownProcess"/>
-    <dgm:cxn modelId="{BCEF633B-7530-4F8C-AB8F-28DC741FE2CB}" type="presParOf" srcId="{EB86FDE2-C25E-42F0-A180-C73B991B827A}" destId="{A409F48D-D07E-4E37-B644-6E5F63F2F381}" srcOrd="2" destOrd="0" presId="urn:microsoft.com/office/officeart/2005/8/layout/StepDownProcess"/>
-    <dgm:cxn modelId="{39BD729B-FCD2-4ECB-88A2-7954BE6811BA}" type="presParOf" srcId="{E94D4BF9-C532-4186-A3E3-D0CE59F0F9C3}" destId="{5B31BFF8-9544-431C-8254-D70D9FE77055}" srcOrd="1" destOrd="0" presId="urn:microsoft.com/office/officeart/2005/8/layout/StepDownProcess"/>
-    <dgm:cxn modelId="{F5D2617A-C4B1-4928-8FF7-C3E09CEACF39}" type="presParOf" srcId="{E94D4BF9-C532-4186-A3E3-D0CE59F0F9C3}" destId="{E320BD86-A53A-4AFC-AE8A-13E7D338BC6C}" srcOrd="2" destOrd="0" presId="urn:microsoft.com/office/officeart/2005/8/layout/StepDownProcess"/>
-    <dgm:cxn modelId="{AF41F2D6-DF9D-4A3A-BAA3-5EB3E9C4CDBA}" type="presParOf" srcId="{E320BD86-A53A-4AFC-AE8A-13E7D338BC6C}" destId="{0ED83A4D-7F29-4F55-A063-AF7D68023EB7}" srcOrd="0" destOrd="0" presId="urn:microsoft.com/office/officeart/2005/8/layout/StepDownProcess"/>
-    <dgm:cxn modelId="{E591A7FD-543B-406A-A1BF-E9CF7BB347E4}" type="presParOf" srcId="{E320BD86-A53A-4AFC-AE8A-13E7D338BC6C}" destId="{70330159-98CC-4FC5-985E-1F8A13274438}" srcOrd="1" destOrd="0" presId="urn:microsoft.com/office/officeart/2005/8/layout/StepDownProcess"/>
-    <dgm:cxn modelId="{FDA2CA5D-3C3B-44B0-9BD9-EC6D7040B0ED}" type="presParOf" srcId="{E320BD86-A53A-4AFC-AE8A-13E7D338BC6C}" destId="{54BCAF45-00FE-4014-89EF-46ADCA724552}" srcOrd="2" destOrd="0" presId="urn:microsoft.com/office/officeart/2005/8/layout/StepDownProcess"/>
-    <dgm:cxn modelId="{0F5C48A1-66E1-45E6-959B-839A279D4B7A}" type="presParOf" srcId="{E94D4BF9-C532-4186-A3E3-D0CE59F0F9C3}" destId="{59DFB418-179D-414D-9B69-37948E99B27B}" srcOrd="3" destOrd="0" presId="urn:microsoft.com/office/officeart/2005/8/layout/StepDownProcess"/>
-    <dgm:cxn modelId="{8F1BBD65-2243-4A13-BBEC-502AD7105C7F}" type="presParOf" srcId="{E94D4BF9-C532-4186-A3E3-D0CE59F0F9C3}" destId="{E9812B4A-A278-4559-9272-5DE6D6C5D0B7}" srcOrd="4" destOrd="0" presId="urn:microsoft.com/office/officeart/2005/8/layout/StepDownProcess"/>
-    <dgm:cxn modelId="{811493EB-BD0D-4690-8BC6-1A9613D05C99}" type="presParOf" srcId="{E9812B4A-A278-4559-9272-5DE6D6C5D0B7}" destId="{94997029-F6AA-402D-9443-9AC4D4D3ABC8}" srcOrd="0" destOrd="0" presId="urn:microsoft.com/office/officeart/2005/8/layout/StepDownProcess"/>
-    <dgm:cxn modelId="{03FFF544-A9B7-4908-92F2-18C6C2D41F5F}" type="presParOf" srcId="{E9812B4A-A278-4559-9272-5DE6D6C5D0B7}" destId="{9C73EFF1-BE98-4F42-B629-905488FC2569}" srcOrd="1" destOrd="0" presId="urn:microsoft.com/office/officeart/2005/8/layout/StepDownProcess"/>
+    <dgm:cxn modelId="{B2522502-8D29-41A3-A733-07738E469E60}" type="presOf" srcId="{05440118-41E0-4E79-B622-7D769F29179C}" destId="{2AD3C408-A279-41C9-B9DE-1AE979F22ED6}" srcOrd="0" destOrd="0" presId="urn:microsoft.com/office/officeart/2005/8/layout/process1"/>
+    <dgm:cxn modelId="{C388BD1E-663A-4108-9B5E-9BD2F52F29D7}" type="presOf" srcId="{2426D7BB-A3A8-48D9-AF5B-0B562EADFC9E}" destId="{5ECA5540-C8D5-49B9-8C58-6CCB06E71355}" srcOrd="0" destOrd="0" presId="urn:microsoft.com/office/officeart/2005/8/layout/process1"/>
+    <dgm:cxn modelId="{4AE43223-C351-4AC4-BE9E-EE0C8B4F6122}" srcId="{EF5E1371-A34E-4630-A417-49E1BD19ADEE}" destId="{05440118-41E0-4E79-B622-7D769F29179C}" srcOrd="4" destOrd="0" parTransId="{125EA51B-050A-4B36-BA28-9A463790F866}" sibTransId="{A988507B-8F21-4ECD-BF1B-E440D7DE879A}"/>
+    <dgm:cxn modelId="{9F33EE43-4425-4F87-A39F-DA3B7410F01C}" type="presOf" srcId="{EDE7AE5F-785D-4EF7-B1D8-FB7FD14D6D51}" destId="{73C4C6CA-6AD2-4F67-95CD-08BC25EA5A48}" srcOrd="1" destOrd="0" presId="urn:microsoft.com/office/officeart/2005/8/layout/process1"/>
+    <dgm:cxn modelId="{7C141646-39FC-4B6D-99CA-C6AFF31C0313}" type="presOf" srcId="{207FF6C4-B74F-4115-8658-2F4654BA9B98}" destId="{DCE0C106-4F35-4360-B4A2-D26C67DDDD43}" srcOrd="0" destOrd="0" presId="urn:microsoft.com/office/officeart/2005/8/layout/process1"/>
+    <dgm:cxn modelId="{EA1CCC46-77B1-4DC7-B48C-7B362209C760}" srcId="{EF5E1371-A34E-4630-A417-49E1BD19ADEE}" destId="{5A368A7D-7D46-43DC-A583-298B7C4C8EE2}" srcOrd="0" destOrd="0" parTransId="{F8362BB9-7E50-478B-9882-44E41016E978}" sibTransId="{3B2115EB-D986-46E4-9DCA-7717541FF845}"/>
+    <dgm:cxn modelId="{C098604D-CAC2-4C7B-99F4-B804A559254E}" type="presOf" srcId="{63DE9185-155B-4B29-A442-50DB2C593CEC}" destId="{00DFECD0-29FD-4E55-8FAC-054C040B0A91}" srcOrd="0" destOrd="0" presId="urn:microsoft.com/office/officeart/2005/8/layout/process1"/>
+    <dgm:cxn modelId="{1FD4D04E-5216-4F9D-9A73-C5E3BA0BDFE6}" type="presOf" srcId="{EDE7AE5F-785D-4EF7-B1D8-FB7FD14D6D51}" destId="{D92C6EA2-973E-4165-8F30-0B008F110197}" srcOrd="0" destOrd="0" presId="urn:microsoft.com/office/officeart/2005/8/layout/process1"/>
+    <dgm:cxn modelId="{C65A3C82-B713-4EDB-B864-9293C43454CD}" srcId="{EF5E1371-A34E-4630-A417-49E1BD19ADEE}" destId="{207FF6C4-B74F-4115-8658-2F4654BA9B98}" srcOrd="3" destOrd="0" parTransId="{6559AE33-6372-4CB2-8760-C512B63DDD42}" sibTransId="{60973B62-3F53-4235-8238-5B8C5CD14ABC}"/>
+    <dgm:cxn modelId="{6F412184-ADA4-48C4-A964-8553C2BE5BC6}" type="presOf" srcId="{55B1BF4D-D545-484A-A796-6DB334C34EA6}" destId="{CC87A9E7-53C1-4B3E-ACBA-A037A1DDD1AF}" srcOrd="0" destOrd="0" presId="urn:microsoft.com/office/officeart/2005/8/layout/process1"/>
+    <dgm:cxn modelId="{C4260590-31A5-4B65-8CA5-7F21F8422D93}" srcId="{EF5E1371-A34E-4630-A417-49E1BD19ADEE}" destId="{63DE9185-155B-4B29-A442-50DB2C593CEC}" srcOrd="1" destOrd="0" parTransId="{D853508E-0002-4AE4-BFB1-9734EF89C4E4}" sibTransId="{2426D7BB-A3A8-48D9-AF5B-0B562EADFC9E}"/>
+    <dgm:cxn modelId="{32D6239C-99FD-49A4-A9B0-8FB672CBA783}" type="presOf" srcId="{EF5E1371-A34E-4630-A417-49E1BD19ADEE}" destId="{FD23943C-F69F-41B2-B5B6-F096FFD28F44}" srcOrd="0" destOrd="0" presId="urn:microsoft.com/office/officeart/2005/8/layout/process1"/>
+    <dgm:cxn modelId="{319F9E9D-27ED-4BB6-944A-67DF6CCA4FB9}" type="presOf" srcId="{2426D7BB-A3A8-48D9-AF5B-0B562EADFC9E}" destId="{9CA1261B-F64F-4BEA-9EDA-60BCF5E77FA0}" srcOrd="1" destOrd="0" presId="urn:microsoft.com/office/officeart/2005/8/layout/process1"/>
+    <dgm:cxn modelId="{358DC6B1-0DD2-4323-B210-5532EAFEB309}" srcId="{EF5E1371-A34E-4630-A417-49E1BD19ADEE}" destId="{55B1BF4D-D545-484A-A796-6DB334C34EA6}" srcOrd="2" destOrd="0" parTransId="{2C37150F-3332-4F8C-84B0-D1118B646963}" sibTransId="{EDE7AE5F-785D-4EF7-B1D8-FB7FD14D6D51}"/>
+    <dgm:cxn modelId="{FE8A29C1-2DAE-4E30-A97D-64796DF951B6}" type="presOf" srcId="{60973B62-3F53-4235-8238-5B8C5CD14ABC}" destId="{ABF2F7A1-4642-4627-93B1-F6BB028278DD}" srcOrd="1" destOrd="0" presId="urn:microsoft.com/office/officeart/2005/8/layout/process1"/>
+    <dgm:cxn modelId="{32667ED5-9B1B-4ADB-967E-A72AEB3CEA15}" type="presOf" srcId="{60973B62-3F53-4235-8238-5B8C5CD14ABC}" destId="{81616565-71ED-4FAB-BA52-5EA45358E075}" srcOrd="0" destOrd="0" presId="urn:microsoft.com/office/officeart/2005/8/layout/process1"/>
+    <dgm:cxn modelId="{7C6922DC-C247-4053-995F-ECA53C41A6D9}" type="presOf" srcId="{3B2115EB-D986-46E4-9DCA-7717541FF845}" destId="{6E139D40-34D9-4476-92CB-0EC6FB81290F}" srcOrd="1" destOrd="0" presId="urn:microsoft.com/office/officeart/2005/8/layout/process1"/>
+    <dgm:cxn modelId="{E3E136DE-5B8A-4BFF-9310-1C6111E08974}" type="presOf" srcId="{5A368A7D-7D46-43DC-A583-298B7C4C8EE2}" destId="{804890BE-E469-40AD-A6DA-EAF10793200D}" srcOrd="0" destOrd="0" presId="urn:microsoft.com/office/officeart/2005/8/layout/process1"/>
+    <dgm:cxn modelId="{39A989FA-4B65-4C68-8C13-8427673C7F2C}" type="presOf" srcId="{3B2115EB-D986-46E4-9DCA-7717541FF845}" destId="{92C95CD5-6342-4B0E-AD6D-7F96EADBB8B7}" srcOrd="0" destOrd="0" presId="urn:microsoft.com/office/officeart/2005/8/layout/process1"/>
+    <dgm:cxn modelId="{D04615CD-8F28-40D8-9E65-58E34F49A02B}" type="presParOf" srcId="{FD23943C-F69F-41B2-B5B6-F096FFD28F44}" destId="{804890BE-E469-40AD-A6DA-EAF10793200D}" srcOrd="0" destOrd="0" presId="urn:microsoft.com/office/officeart/2005/8/layout/process1"/>
+    <dgm:cxn modelId="{B56DB473-14AC-4F40-891B-FEEFD9BECF69}" type="presParOf" srcId="{FD23943C-F69F-41B2-B5B6-F096FFD28F44}" destId="{92C95CD5-6342-4B0E-AD6D-7F96EADBB8B7}" srcOrd="1" destOrd="0" presId="urn:microsoft.com/office/officeart/2005/8/layout/process1"/>
+    <dgm:cxn modelId="{438CDEA0-57B9-4914-A5A3-B01C6AA6A7D0}" type="presParOf" srcId="{92C95CD5-6342-4B0E-AD6D-7F96EADBB8B7}" destId="{6E139D40-34D9-4476-92CB-0EC6FB81290F}" srcOrd="0" destOrd="0" presId="urn:microsoft.com/office/officeart/2005/8/layout/process1"/>
+    <dgm:cxn modelId="{1D0B7422-DD67-42D2-A122-4A612CA021AB}" type="presParOf" srcId="{FD23943C-F69F-41B2-B5B6-F096FFD28F44}" destId="{00DFECD0-29FD-4E55-8FAC-054C040B0A91}" srcOrd="2" destOrd="0" presId="urn:microsoft.com/office/officeart/2005/8/layout/process1"/>
+    <dgm:cxn modelId="{AA570538-38C0-4660-B552-FEE2215145BA}" type="presParOf" srcId="{FD23943C-F69F-41B2-B5B6-F096FFD28F44}" destId="{5ECA5540-C8D5-49B9-8C58-6CCB06E71355}" srcOrd="3" destOrd="0" presId="urn:microsoft.com/office/officeart/2005/8/layout/process1"/>
+    <dgm:cxn modelId="{99B33E86-9BC2-44F3-A453-C8BC28B4B2B0}" type="presParOf" srcId="{5ECA5540-C8D5-49B9-8C58-6CCB06E71355}" destId="{9CA1261B-F64F-4BEA-9EDA-60BCF5E77FA0}" srcOrd="0" destOrd="0" presId="urn:microsoft.com/office/officeart/2005/8/layout/process1"/>
+    <dgm:cxn modelId="{EA02C3F1-AB11-4FBA-A2CA-40CE64D81377}" type="presParOf" srcId="{FD23943C-F69F-41B2-B5B6-F096FFD28F44}" destId="{CC87A9E7-53C1-4B3E-ACBA-A037A1DDD1AF}" srcOrd="4" destOrd="0" presId="urn:microsoft.com/office/officeart/2005/8/layout/process1"/>
+    <dgm:cxn modelId="{A66D60B7-A06C-487A-B860-4DC4CD97641A}" type="presParOf" srcId="{FD23943C-F69F-41B2-B5B6-F096FFD28F44}" destId="{D92C6EA2-973E-4165-8F30-0B008F110197}" srcOrd="5" destOrd="0" presId="urn:microsoft.com/office/officeart/2005/8/layout/process1"/>
+    <dgm:cxn modelId="{4D2DF205-C2FD-4CC7-959D-EA9B5CE09B2F}" type="presParOf" srcId="{D92C6EA2-973E-4165-8F30-0B008F110197}" destId="{73C4C6CA-6AD2-4F67-95CD-08BC25EA5A48}" srcOrd="0" destOrd="0" presId="urn:microsoft.com/office/officeart/2005/8/layout/process1"/>
+    <dgm:cxn modelId="{563F5429-5E81-4348-9937-0E1A08419514}" type="presParOf" srcId="{FD23943C-F69F-41B2-B5B6-F096FFD28F44}" destId="{DCE0C106-4F35-4360-B4A2-D26C67DDDD43}" srcOrd="6" destOrd="0" presId="urn:microsoft.com/office/officeart/2005/8/layout/process1"/>
+    <dgm:cxn modelId="{279FCBB7-6D83-4C75-800D-E7A3CACC4F91}" type="presParOf" srcId="{FD23943C-F69F-41B2-B5B6-F096FFD28F44}" destId="{81616565-71ED-4FAB-BA52-5EA45358E075}" srcOrd="7" destOrd="0" presId="urn:microsoft.com/office/officeart/2005/8/layout/process1"/>
+    <dgm:cxn modelId="{4CC09219-F096-47F9-A4EC-7AA0509744E0}" type="presParOf" srcId="{81616565-71ED-4FAB-BA52-5EA45358E075}" destId="{ABF2F7A1-4642-4627-93B1-F6BB028278DD}" srcOrd="0" destOrd="0" presId="urn:microsoft.com/office/officeart/2005/8/layout/process1"/>
+    <dgm:cxn modelId="{7A90AB26-81AE-4F64-8AAC-8368DFCF44B9}" type="presParOf" srcId="{FD23943C-F69F-41B2-B5B6-F096FFD28F44}" destId="{2AD3C408-A279-41C9-B9DE-1AE979F22ED6}" srcOrd="8" destOrd="0" presId="urn:microsoft.com/office/officeart/2005/8/layout/process1"/>
   </dgm:cxnLst>
   <dgm:bg/>
   <dgm:whole/>
   <dgm:extLst>
     <a:ext uri="http://schemas.microsoft.com/office/drawing/2008/diagram">
-      <dsp:dataModelExt xmlns:dsp="http://schemas.microsoft.com/office/drawing/2008/diagram" relId="rId6" minVer="http://schemas.openxmlformats.org/drawingml/2006/diagram"/>
+      <dsp:dataModelExt xmlns:dsp="http://schemas.microsoft.com/office/drawing/2008/diagram" relId="rId7" minVer="http://schemas.openxmlformats.org/drawingml/2006/diagram"/>
     </a:ext>
   </dgm:extLst>
 </dgm:dataModel>
@@ -3628,7 +3471,7 @@
         </a:bodyPr>
         <a:lstStyle/>
         <a:p>
-          <a:pPr lvl="0" algn="ctr" defTabSz="577850">
+          <a:pPr marL="0" lvl="0" indent="0" algn="ctr" defTabSz="577850">
             <a:lnSpc>
               <a:spcPct val="90000"/>
             </a:lnSpc>
@@ -3638,12 +3481,12 @@
             <a:spcAft>
               <a:spcPct val="35000"/>
             </a:spcAft>
+            <a:buNone/>
           </a:pPr>
           <a:r>
-            <a:rPr lang="pt-BR" sz="1300" kern="1200" dirty="0" smtClean="0"/>
+            <a:rPr lang="pt-BR" sz="1300" kern="1200" dirty="0"/>
             <a:t>Teste de página Web. Analisar o quanto ele comporta de acessos simultâneos</a:t>
           </a:r>
-          <a:endParaRPr lang="pt-BR" sz="1300" kern="1200" dirty="0"/>
         </a:p>
       </dsp:txBody>
       <dsp:txXfrm>
@@ -3701,7 +3544,7 @@
         </a:bodyPr>
         <a:lstStyle/>
         <a:p>
-          <a:pPr lvl="0" algn="ctr" defTabSz="488950">
+          <a:pPr marL="0" lvl="0" indent="0" algn="ctr" defTabSz="488950">
             <a:lnSpc>
               <a:spcPct val="90000"/>
             </a:lnSpc>
@@ -3711,6 +3554,7 @@
             <a:spcAft>
               <a:spcPct val="35000"/>
             </a:spcAft>
+            <a:buNone/>
           </a:pPr>
           <a:endParaRPr lang="pt-BR" sz="1100" kern="1200"/>
         </a:p>
@@ -3830,7 +3674,7 @@
         </a:bodyPr>
         <a:lstStyle/>
         <a:p>
-          <a:pPr lvl="0" algn="ctr" defTabSz="577850">
+          <a:pPr marL="0" lvl="0" indent="0" algn="ctr" defTabSz="577850">
             <a:lnSpc>
               <a:spcPct val="90000"/>
             </a:lnSpc>
@@ -3840,12 +3684,12 @@
             <a:spcAft>
               <a:spcPct val="35000"/>
             </a:spcAft>
+            <a:buNone/>
           </a:pPr>
           <a:r>
-            <a:rPr lang="pt-BR" sz="1300" kern="1200" dirty="0" smtClean="0"/>
-            <a:t>Testar a quantidade suportada em cadastros</a:t>
+            <a:rPr lang="pt-BR" sz="1300" kern="1200" dirty="0"/>
+            <a:t>Testar a quantidade suportada em cadastros simultâneos</a:t>
           </a:r>
-          <a:endParaRPr lang="pt-BR" sz="1300" kern="1200" dirty="0"/>
         </a:p>
       </dsp:txBody>
       <dsp:txXfrm>
@@ -3903,7 +3747,7 @@
         </a:bodyPr>
         <a:lstStyle/>
         <a:p>
-          <a:pPr lvl="0" algn="ctr" defTabSz="488950">
+          <a:pPr marL="0" lvl="0" indent="0" algn="ctr" defTabSz="488950">
             <a:lnSpc>
               <a:spcPct val="90000"/>
             </a:lnSpc>
@@ -3913,6 +3757,7 @@
             <a:spcAft>
               <a:spcPct val="35000"/>
             </a:spcAft>
+            <a:buNone/>
           </a:pPr>
           <a:endParaRPr lang="pt-BR" sz="1100" kern="1200"/>
         </a:p>
@@ -4032,7 +3877,7 @@
         </a:bodyPr>
         <a:lstStyle/>
         <a:p>
-          <a:pPr lvl="0" algn="ctr" defTabSz="577850">
+          <a:pPr marL="0" lvl="0" indent="0" algn="ctr" defTabSz="577850">
             <a:lnSpc>
               <a:spcPct val="90000"/>
             </a:lnSpc>
@@ -4042,14 +3887,15 @@
             <a:spcAft>
               <a:spcPct val="35000"/>
             </a:spcAft>
+            <a:buNone/>
           </a:pPr>
           <a:r>
-            <a:rPr lang="pt-BR" sz="1300" kern="1200" dirty="0" smtClean="0"/>
+            <a:rPr lang="pt-BR" sz="1300" kern="1200" dirty="0"/>
             <a:t>Testar</a:t>
           </a:r>
           <a:r>
-            <a:rPr lang="pt-BR" sz="1300" kern="1200" baseline="0" dirty="0" smtClean="0"/>
-            <a:t> a capacidade do banco de dados</a:t>
+            <a:rPr lang="pt-BR" sz="1300" kern="1200" baseline="0" dirty="0"/>
+            <a:t> a capacidade e segurança do banco de dados</a:t>
           </a:r>
           <a:endParaRPr lang="pt-BR" sz="1300" kern="1200" dirty="0"/>
         </a:p>
@@ -4109,7 +3955,7 @@
         </a:bodyPr>
         <a:lstStyle/>
         <a:p>
-          <a:pPr lvl="0" algn="ctr" defTabSz="488950">
+          <a:pPr marL="0" lvl="0" indent="0" algn="ctr" defTabSz="488950">
             <a:lnSpc>
               <a:spcPct val="90000"/>
             </a:lnSpc>
@@ -4119,6 +3965,7 @@
             <a:spcAft>
               <a:spcPct val="35000"/>
             </a:spcAft>
+            <a:buNone/>
           </a:pPr>
           <a:endParaRPr lang="pt-BR" sz="1100" kern="1200"/>
         </a:p>
@@ -4238,7 +4085,7 @@
         </a:bodyPr>
         <a:lstStyle/>
         <a:p>
-          <a:pPr lvl="0" algn="ctr" defTabSz="577850">
+          <a:pPr marL="0" lvl="0" indent="0" algn="ctr" defTabSz="577850">
             <a:lnSpc>
               <a:spcPct val="90000"/>
             </a:lnSpc>
@@ -4248,12 +4095,12 @@
             <a:spcAft>
               <a:spcPct val="35000"/>
             </a:spcAft>
+            <a:buNone/>
           </a:pPr>
           <a:r>
-            <a:rPr lang="pt-BR" sz="1300" kern="1200" dirty="0" smtClean="0"/>
+            <a:rPr lang="pt-BR" sz="1300" kern="1200" dirty="0"/>
             <a:t>Teste de stress de navegação entre as funções da aplicação Web.</a:t>
           </a:r>
-          <a:endParaRPr lang="pt-BR" sz="1300" kern="1200" dirty="0"/>
         </a:p>
       </dsp:txBody>
       <dsp:txXfrm>
@@ -4311,7 +4158,7 @@
         </a:bodyPr>
         <a:lstStyle/>
         <a:p>
-          <a:pPr lvl="0" algn="ctr" defTabSz="488950">
+          <a:pPr marL="0" lvl="0" indent="0" algn="ctr" defTabSz="488950">
             <a:lnSpc>
               <a:spcPct val="90000"/>
             </a:lnSpc>
@@ -4321,6 +4168,7 @@
             <a:spcAft>
               <a:spcPct val="35000"/>
             </a:spcAft>
+            <a:buNone/>
           </a:pPr>
           <a:endParaRPr lang="pt-BR" sz="1100" kern="1200"/>
         </a:p>
@@ -4440,7 +4288,7 @@
         </a:bodyPr>
         <a:lstStyle/>
         <a:p>
-          <a:pPr lvl="0" algn="ctr" defTabSz="577850">
+          <a:pPr marL="0" lvl="0" indent="0" algn="ctr" defTabSz="577850">
             <a:lnSpc>
               <a:spcPct val="90000"/>
             </a:lnSpc>
@@ -4450,12 +4298,12 @@
             <a:spcAft>
               <a:spcPct val="35000"/>
             </a:spcAft>
+            <a:buNone/>
           </a:pPr>
           <a:r>
-            <a:rPr lang="pt-BR" sz="1300" kern="1200" dirty="0" smtClean="0"/>
+            <a:rPr lang="pt-BR" sz="1300" kern="1200" dirty="0"/>
             <a:t>Testar se após a conclusão de cadastro o usuário recebe suas informações corretamente.</a:t>
           </a:r>
-          <a:endParaRPr lang="pt-BR" sz="1300" kern="1200" dirty="0"/>
         </a:p>
       </dsp:txBody>
       <dsp:txXfrm>
@@ -4475,314 +4323,19 @@
       <dsp:cNvGrpSpPr/>
     </dsp:nvGrpSpPr>
     <dsp:grpSpPr/>
-    <dsp:sp modelId="{9A70B7D9-3A8B-45E1-A284-2500D3A85C90}">
+    <dsp:sp modelId="{51860142-8654-4D0D-9EAD-E5D156D79958}">
       <dsp:nvSpPr>
         <dsp:cNvPr id="0" name=""/>
         <dsp:cNvSpPr/>
       </dsp:nvSpPr>
       <dsp:spPr>
         <a:xfrm>
-          <a:off x="4549" y="151095"/>
-          <a:ext cx="3978682" cy="1591473"/>
-        </a:xfrm>
-        <a:prstGeom prst="homePlate">
-          <a:avLst/>
-        </a:prstGeom>
-        <a:solidFill>
-          <a:schemeClr val="accent1">
-            <a:hueOff val="0"/>
-            <a:satOff val="0"/>
-            <a:lumOff val="0"/>
-            <a:alphaOff val="0"/>
-          </a:schemeClr>
-        </a:solidFill>
-        <a:ln w="15875" cap="rnd" cmpd="sng" algn="ctr">
-          <a:solidFill>
-            <a:schemeClr val="lt1">
-              <a:hueOff val="0"/>
-              <a:satOff val="0"/>
-              <a:lumOff val="0"/>
-              <a:alphaOff val="0"/>
-            </a:schemeClr>
-          </a:solidFill>
-          <a:prstDash val="solid"/>
-        </a:ln>
-        <a:effectLst/>
-      </dsp:spPr>
-      <dsp:style>
-        <a:lnRef idx="2">
-          <a:scrgbClr r="0" g="0" b="0"/>
-        </a:lnRef>
-        <a:fillRef idx="1">
-          <a:scrgbClr r="0" g="0" b="0"/>
-        </a:fillRef>
-        <a:effectRef idx="0">
-          <a:scrgbClr r="0" g="0" b="0"/>
-        </a:effectRef>
-        <a:fontRef idx="minor">
-          <a:schemeClr val="lt1"/>
-        </a:fontRef>
-      </dsp:style>
-      <dsp:txBody>
-        <a:bodyPr spcFirstLastPara="0" vert="horz" wrap="square" lIns="117348" tIns="58674" rIns="29337" bIns="58674" numCol="1" spcCol="1270" anchor="ctr" anchorCtr="0">
-          <a:noAutofit/>
-        </a:bodyPr>
-        <a:lstStyle/>
-        <a:p>
-          <a:pPr lvl="0" algn="ctr" defTabSz="977900">
-            <a:lnSpc>
-              <a:spcPct val="90000"/>
-            </a:lnSpc>
-            <a:spcBef>
-              <a:spcPct val="0"/>
-            </a:spcBef>
-            <a:spcAft>
-              <a:spcPct val="35000"/>
-            </a:spcAft>
-          </a:pPr>
-          <a:r>
-            <a:rPr lang="pt-BR" sz="2200" kern="1200" dirty="0" smtClean="0"/>
-            <a:t>Cliente acessar a página sem nenhum tipo de problema.</a:t>
-          </a:r>
-          <a:endParaRPr lang="pt-BR" sz="2200" kern="1200" dirty="0"/>
-        </a:p>
-      </dsp:txBody>
-      <dsp:txXfrm>
-        <a:off x="4549" y="151095"/>
-        <a:ext cx="3580814" cy="1591473"/>
-      </dsp:txXfrm>
-    </dsp:sp>
-    <dsp:sp modelId="{DFDC0CF3-5FD6-4686-8554-437D179532AF}">
-      <dsp:nvSpPr>
-        <dsp:cNvPr id="0" name=""/>
-        <dsp:cNvSpPr/>
-      </dsp:nvSpPr>
-      <dsp:spPr>
-        <a:xfrm>
-          <a:off x="3187496" y="151095"/>
-          <a:ext cx="3978682" cy="1591473"/>
-        </a:xfrm>
-        <a:prstGeom prst="chevron">
-          <a:avLst/>
-        </a:prstGeom>
-        <a:solidFill>
-          <a:schemeClr val="accent1">
-            <a:hueOff val="0"/>
-            <a:satOff val="0"/>
-            <a:lumOff val="0"/>
-            <a:alphaOff val="0"/>
-          </a:schemeClr>
-        </a:solidFill>
-        <a:ln w="15875" cap="rnd" cmpd="sng" algn="ctr">
-          <a:solidFill>
-            <a:schemeClr val="lt1">
-              <a:hueOff val="0"/>
-              <a:satOff val="0"/>
-              <a:lumOff val="0"/>
-              <a:alphaOff val="0"/>
-            </a:schemeClr>
-          </a:solidFill>
-          <a:prstDash val="solid"/>
-        </a:ln>
-        <a:effectLst/>
-      </dsp:spPr>
-      <dsp:style>
-        <a:lnRef idx="2">
-          <a:scrgbClr r="0" g="0" b="0"/>
-        </a:lnRef>
-        <a:fillRef idx="1">
-          <a:scrgbClr r="0" g="0" b="0"/>
-        </a:fillRef>
-        <a:effectRef idx="0">
-          <a:scrgbClr r="0" g="0" b="0"/>
-        </a:effectRef>
-        <a:fontRef idx="minor">
-          <a:schemeClr val="lt1"/>
-        </a:fontRef>
-      </dsp:style>
-      <dsp:txBody>
-        <a:bodyPr spcFirstLastPara="0" vert="horz" wrap="square" lIns="88011" tIns="58674" rIns="29337" bIns="58674" numCol="1" spcCol="1270" anchor="ctr" anchorCtr="0">
-          <a:noAutofit/>
-        </a:bodyPr>
-        <a:lstStyle/>
-        <a:p>
-          <a:pPr lvl="0" algn="ctr" defTabSz="977900">
-            <a:lnSpc>
-              <a:spcPct val="90000"/>
-            </a:lnSpc>
-            <a:spcBef>
-              <a:spcPct val="0"/>
-            </a:spcBef>
-            <a:spcAft>
-              <a:spcPct val="35000"/>
-            </a:spcAft>
-          </a:pPr>
-          <a:r>
-            <a:rPr lang="pt-BR" sz="2200" kern="1200" dirty="0" smtClean="0"/>
-            <a:t>Concluir processo de cadastro com todas as funcionalidades do site.</a:t>
-          </a:r>
-          <a:endParaRPr lang="pt-BR" sz="2200" kern="1200" dirty="0"/>
-        </a:p>
-      </dsp:txBody>
-      <dsp:txXfrm>
-        <a:off x="3983233" y="151095"/>
-        <a:ext cx="2387209" cy="1591473"/>
-      </dsp:txXfrm>
-    </dsp:sp>
-    <dsp:sp modelId="{98BC32F6-3C8A-4112-BE79-689551A4AFAC}">
-      <dsp:nvSpPr>
-        <dsp:cNvPr id="0" name=""/>
-        <dsp:cNvSpPr/>
-      </dsp:nvSpPr>
-      <dsp:spPr>
-        <a:xfrm>
-          <a:off x="6370442" y="151095"/>
-          <a:ext cx="3978682" cy="1591473"/>
-        </a:xfrm>
-        <a:prstGeom prst="chevron">
-          <a:avLst/>
-        </a:prstGeom>
-        <a:solidFill>
-          <a:schemeClr val="accent1">
-            <a:hueOff val="0"/>
-            <a:satOff val="0"/>
-            <a:lumOff val="0"/>
-            <a:alphaOff val="0"/>
-          </a:schemeClr>
-        </a:solidFill>
-        <a:ln w="15875" cap="rnd" cmpd="sng" algn="ctr">
-          <a:solidFill>
-            <a:schemeClr val="lt1">
-              <a:hueOff val="0"/>
-              <a:satOff val="0"/>
-              <a:lumOff val="0"/>
-              <a:alphaOff val="0"/>
-            </a:schemeClr>
-          </a:solidFill>
-          <a:prstDash val="solid"/>
-        </a:ln>
-        <a:effectLst/>
-      </dsp:spPr>
-      <dsp:style>
-        <a:lnRef idx="2">
-          <a:scrgbClr r="0" g="0" b="0"/>
-        </a:lnRef>
-        <a:fillRef idx="1">
-          <a:scrgbClr r="0" g="0" b="0"/>
-        </a:fillRef>
-        <a:effectRef idx="0">
-          <a:scrgbClr r="0" g="0" b="0"/>
-        </a:effectRef>
-        <a:fontRef idx="minor">
-          <a:schemeClr val="lt1"/>
-        </a:fontRef>
-      </dsp:style>
-      <dsp:txBody>
-        <a:bodyPr spcFirstLastPara="0" vert="horz" wrap="square" lIns="88011" tIns="58674" rIns="29337" bIns="58674" numCol="1" spcCol="1270" anchor="ctr" anchorCtr="0">
-          <a:noAutofit/>
-        </a:bodyPr>
-        <a:lstStyle/>
-        <a:p>
-          <a:pPr lvl="0" algn="ctr" defTabSz="977900">
-            <a:lnSpc>
-              <a:spcPct val="90000"/>
-            </a:lnSpc>
-            <a:spcBef>
-              <a:spcPct val="0"/>
-            </a:spcBef>
-            <a:spcAft>
-              <a:spcPct val="35000"/>
-            </a:spcAft>
-          </a:pPr>
-          <a:r>
-            <a:rPr lang="pt-BR" sz="2200" kern="1200" dirty="0" smtClean="0"/>
-            <a:t>Usuário receber resposta positiva em seu e-mail.</a:t>
-          </a:r>
-          <a:endParaRPr lang="pt-BR" sz="2200" kern="1200" dirty="0"/>
-        </a:p>
-      </dsp:txBody>
-      <dsp:txXfrm>
-        <a:off x="7166179" y="151095"/>
-        <a:ext cx="2387209" cy="1591473"/>
-      </dsp:txXfrm>
-    </dsp:sp>
-  </dsp:spTree>
-</dsp:drawing>
-</file>
-
-<file path=ppt/diagrams/drawing3.xml><?xml version="1.0" encoding="utf-8"?>
-<dsp:drawing xmlns:dgm="http://schemas.openxmlformats.org/drawingml/2006/diagram" xmlns:dsp="http://schemas.microsoft.com/office/drawing/2008/diagram" xmlns:a="http://schemas.openxmlformats.org/drawingml/2006/main">
-  <dsp:spTree>
-    <dsp:nvGrpSpPr>
-      <dsp:cNvPr id="0" name=""/>
-      <dsp:cNvGrpSpPr/>
-    </dsp:nvGrpSpPr>
-    <dsp:grpSpPr/>
-    <dsp:sp modelId="{4F7896AA-1E2E-411D-B945-82E71EAA319A}">
-      <dsp:nvSpPr>
-        <dsp:cNvPr id="0" name=""/>
-        <dsp:cNvSpPr/>
-      </dsp:nvSpPr>
-      <dsp:spPr>
-        <a:xfrm rot="5400000">
-          <a:off x="2465776" y="1185983"/>
-          <a:ext cx="1048900" cy="1194136"/>
-        </a:xfrm>
-        <a:prstGeom prst="bentUpArrow">
-          <a:avLst>
-            <a:gd name="adj1" fmla="val 32840"/>
-            <a:gd name="adj2" fmla="val 25000"/>
-            <a:gd name="adj3" fmla="val 35780"/>
-          </a:avLst>
-        </a:prstGeom>
-        <a:solidFill>
-          <a:schemeClr val="accent1">
-            <a:tint val="50000"/>
-            <a:hueOff val="0"/>
-            <a:satOff val="0"/>
-            <a:lumOff val="0"/>
-            <a:alphaOff val="0"/>
-          </a:schemeClr>
-        </a:solidFill>
-        <a:ln w="15875" cap="rnd" cmpd="sng" algn="ctr">
-          <a:solidFill>
-            <a:schemeClr val="lt1">
-              <a:hueOff val="0"/>
-              <a:satOff val="0"/>
-              <a:lumOff val="0"/>
-              <a:alphaOff val="0"/>
-            </a:schemeClr>
-          </a:solidFill>
-          <a:prstDash val="solid"/>
-        </a:ln>
-        <a:effectLst/>
-      </dsp:spPr>
-      <dsp:style>
-        <a:lnRef idx="2">
-          <a:scrgbClr r="0" g="0" b="0"/>
-        </a:lnRef>
-        <a:fillRef idx="1">
-          <a:scrgbClr r="0" g="0" b="0"/>
-        </a:fillRef>
-        <a:effectRef idx="0">
-          <a:scrgbClr r="0" g="0" b="0"/>
-        </a:effectRef>
-        <a:fontRef idx="minor"/>
-      </dsp:style>
-    </dsp:sp>
-    <dsp:sp modelId="{EB3500CD-6079-46DE-95C1-63A8162F496D}">
-      <dsp:nvSpPr>
-        <dsp:cNvPr id="0" name=""/>
-        <dsp:cNvSpPr/>
-      </dsp:nvSpPr>
-      <dsp:spPr>
-        <a:xfrm>
-          <a:off x="2187881" y="23256"/>
-          <a:ext cx="1765730" cy="1235954"/>
+          <a:off x="0" y="0"/>
+          <a:ext cx="5249359" cy="1217771"/>
         </a:xfrm>
         <a:prstGeom prst="roundRect">
           <a:avLst>
-            <a:gd name="adj" fmla="val 16670"/>
+            <a:gd name="adj" fmla="val 10000"/>
           </a:avLst>
         </a:prstGeom>
         <a:solidFill>
@@ -4821,12 +4374,12 @@
         </a:fontRef>
       </dsp:style>
       <dsp:txBody>
-        <a:bodyPr spcFirstLastPara="0" vert="horz" wrap="square" lIns="133350" tIns="133350" rIns="133350" bIns="133350" numCol="1" spcCol="1270" anchor="ctr" anchorCtr="0">
+        <a:bodyPr spcFirstLastPara="0" vert="horz" wrap="square" lIns="91440" tIns="91440" rIns="91440" bIns="91440" numCol="1" spcCol="1270" anchor="ctr" anchorCtr="0">
           <a:noAutofit/>
         </a:bodyPr>
         <a:lstStyle/>
         <a:p>
-          <a:pPr lvl="0" algn="ctr" defTabSz="1555750">
+          <a:pPr marL="0" lvl="0" indent="0" algn="l" defTabSz="1066800">
             <a:lnSpc>
               <a:spcPct val="90000"/>
             </a:lnSpc>
@@ -4836,137 +4389,32 @@
             <a:spcAft>
               <a:spcPct val="35000"/>
             </a:spcAft>
+            <a:buNone/>
           </a:pPr>
-          <a:endParaRPr lang="pt-BR" sz="3500" kern="1200"/>
+          <a:r>
+            <a:rPr lang="pt-BR" sz="2400" kern="1200" dirty="0"/>
+            <a:t>Cliente acessar a página sem nenhum tipo de problema.</a:t>
+          </a:r>
         </a:p>
       </dsp:txBody>
       <dsp:txXfrm>
-        <a:off x="2248226" y="83601"/>
-        <a:ext cx="1645040" cy="1115264"/>
+        <a:off x="35667" y="35667"/>
+        <a:ext cx="3935290" cy="1146437"/>
       </dsp:txXfrm>
     </dsp:sp>
-    <dsp:sp modelId="{A409F48D-D07E-4E37-B644-6E5F63F2F381}">
+    <dsp:sp modelId="{9165659D-AF5C-4AC5-A3F8-E5F6F30291F6}">
       <dsp:nvSpPr>
         <dsp:cNvPr id="0" name=""/>
         <dsp:cNvSpPr/>
       </dsp:nvSpPr>
       <dsp:spPr>
         <a:xfrm>
-          <a:off x="3953612" y="141133"/>
-          <a:ext cx="1284224" cy="998952"/>
-        </a:xfrm>
-        <a:prstGeom prst="rect">
-          <a:avLst/>
-        </a:prstGeom>
-        <a:noFill/>
-        <a:ln>
-          <a:noFill/>
-        </a:ln>
-        <a:effectLst/>
-      </dsp:spPr>
-      <dsp:style>
-        <a:lnRef idx="0">
-          <a:scrgbClr r="0" g="0" b="0"/>
-        </a:lnRef>
-        <a:fillRef idx="0">
-          <a:scrgbClr r="0" g="0" b="0"/>
-        </a:fillRef>
-        <a:effectRef idx="0">
-          <a:scrgbClr r="0" g="0" b="0"/>
-        </a:effectRef>
-        <a:fontRef idx="minor"/>
-      </dsp:style>
-      <dsp:txBody>
-        <a:bodyPr spcFirstLastPara="0" vert="horz" wrap="square" lIns="102870" tIns="102870" rIns="102870" bIns="102870" numCol="1" spcCol="1270" anchor="ctr" anchorCtr="0">
-          <a:noAutofit/>
-        </a:bodyPr>
-        <a:lstStyle/>
-        <a:p>
-          <a:pPr marL="228600" lvl="1" indent="-228600" algn="l" defTabSz="933450">
-            <a:lnSpc>
-              <a:spcPct val="90000"/>
-            </a:lnSpc>
-            <a:spcBef>
-              <a:spcPct val="0"/>
-            </a:spcBef>
-            <a:spcAft>
-              <a:spcPct val="15000"/>
-            </a:spcAft>
-            <a:buChar char="••"/>
-          </a:pPr>
-          <a:endParaRPr lang="pt-BR" sz="2100" kern="1200"/>
-        </a:p>
-      </dsp:txBody>
-      <dsp:txXfrm>
-        <a:off x="3953612" y="141133"/>
-        <a:ext cx="1284224" cy="998952"/>
-      </dsp:txXfrm>
-    </dsp:sp>
-    <dsp:sp modelId="{0ED83A4D-7F29-4F55-A063-AF7D68023EB7}">
-      <dsp:nvSpPr>
-        <dsp:cNvPr id="0" name=""/>
-        <dsp:cNvSpPr/>
-      </dsp:nvSpPr>
-      <dsp:spPr>
-        <a:xfrm rot="5400000">
-          <a:off x="3929754" y="2574368"/>
-          <a:ext cx="1048900" cy="1194136"/>
-        </a:xfrm>
-        <a:prstGeom prst="bentUpArrow">
-          <a:avLst>
-            <a:gd name="adj1" fmla="val 32840"/>
-            <a:gd name="adj2" fmla="val 25000"/>
-            <a:gd name="adj3" fmla="val 35780"/>
-          </a:avLst>
-        </a:prstGeom>
-        <a:solidFill>
-          <a:schemeClr val="accent1">
-            <a:tint val="50000"/>
-            <a:hueOff val="0"/>
-            <a:satOff val="0"/>
-            <a:lumOff val="0"/>
-            <a:alphaOff val="0"/>
-          </a:schemeClr>
-        </a:solidFill>
-        <a:ln w="15875" cap="rnd" cmpd="sng" algn="ctr">
-          <a:solidFill>
-            <a:schemeClr val="lt1">
-              <a:hueOff val="0"/>
-              <a:satOff val="0"/>
-              <a:lumOff val="0"/>
-              <a:alphaOff val="0"/>
-            </a:schemeClr>
-          </a:solidFill>
-          <a:prstDash val="solid"/>
-        </a:ln>
-        <a:effectLst/>
-      </dsp:spPr>
-      <dsp:style>
-        <a:lnRef idx="2">
-          <a:scrgbClr r="0" g="0" b="0"/>
-        </a:lnRef>
-        <a:fillRef idx="1">
-          <a:scrgbClr r="0" g="0" b="0"/>
-        </a:fillRef>
-        <a:effectRef idx="0">
-          <a:scrgbClr r="0" g="0" b="0"/>
-        </a:effectRef>
-        <a:fontRef idx="minor"/>
-      </dsp:style>
-    </dsp:sp>
-    <dsp:sp modelId="{70330159-98CC-4FC5-985E-1F8A13274438}">
-      <dsp:nvSpPr>
-        <dsp:cNvPr id="0" name=""/>
-        <dsp:cNvSpPr/>
-      </dsp:nvSpPr>
-      <dsp:spPr>
-        <a:xfrm>
-          <a:off x="3651859" y="1411641"/>
-          <a:ext cx="1765730" cy="1235954"/>
+          <a:off x="463178" y="1420732"/>
+          <a:ext cx="5249359" cy="1217771"/>
         </a:xfrm>
         <a:prstGeom prst="roundRect">
           <a:avLst>
-            <a:gd name="adj" fmla="val 16670"/>
+            <a:gd name="adj" fmla="val 10000"/>
           </a:avLst>
         </a:prstGeom>
         <a:solidFill>
@@ -5005,12 +4453,12 @@
         </a:fontRef>
       </dsp:style>
       <dsp:txBody>
-        <a:bodyPr spcFirstLastPara="0" vert="horz" wrap="square" lIns="133350" tIns="133350" rIns="133350" bIns="133350" numCol="1" spcCol="1270" anchor="ctr" anchorCtr="0">
+        <a:bodyPr spcFirstLastPara="0" vert="horz" wrap="square" lIns="91440" tIns="91440" rIns="91440" bIns="91440" numCol="1" spcCol="1270" anchor="ctr" anchorCtr="0">
           <a:noAutofit/>
         </a:bodyPr>
         <a:lstStyle/>
         <a:p>
-          <a:pPr lvl="0" algn="ctr" defTabSz="1555750">
+          <a:pPr marL="0" lvl="0" indent="0" algn="l" defTabSz="1066800">
             <a:lnSpc>
               <a:spcPct val="90000"/>
             </a:lnSpc>
@@ -5020,85 +4468,32 @@
             <a:spcAft>
               <a:spcPct val="35000"/>
             </a:spcAft>
+            <a:buNone/>
           </a:pPr>
-          <a:endParaRPr lang="pt-BR" sz="3500" kern="1200"/>
+          <a:r>
+            <a:rPr lang="pt-BR" sz="2400" kern="1200" dirty="0"/>
+            <a:t>Concluir processo de cadastro com todas as funcionalidades do site.</a:t>
+          </a:r>
         </a:p>
       </dsp:txBody>
       <dsp:txXfrm>
-        <a:off x="3712204" y="1471986"/>
-        <a:ext cx="1645040" cy="1115264"/>
+        <a:off x="498845" y="1456399"/>
+        <a:ext cx="3923295" cy="1146437"/>
       </dsp:txXfrm>
     </dsp:sp>
-    <dsp:sp modelId="{54BCAF45-00FE-4014-89EF-46ADCA724552}">
+    <dsp:sp modelId="{F5DB17B4-E228-46A6-B371-A0303F545003}">
       <dsp:nvSpPr>
         <dsp:cNvPr id="0" name=""/>
         <dsp:cNvSpPr/>
       </dsp:nvSpPr>
       <dsp:spPr>
         <a:xfrm>
-          <a:off x="5417590" y="1529517"/>
-          <a:ext cx="1284224" cy="998952"/>
-        </a:xfrm>
-        <a:prstGeom prst="rect">
-          <a:avLst/>
-        </a:prstGeom>
-        <a:noFill/>
-        <a:ln>
-          <a:noFill/>
-        </a:ln>
-        <a:effectLst/>
-      </dsp:spPr>
-      <dsp:style>
-        <a:lnRef idx="0">
-          <a:scrgbClr r="0" g="0" b="0"/>
-        </a:lnRef>
-        <a:fillRef idx="0">
-          <a:scrgbClr r="0" g="0" b="0"/>
-        </a:fillRef>
-        <a:effectRef idx="0">
-          <a:scrgbClr r="0" g="0" b="0"/>
-        </a:effectRef>
-        <a:fontRef idx="minor"/>
-      </dsp:style>
-      <dsp:txBody>
-        <a:bodyPr spcFirstLastPara="0" vert="horz" wrap="square" lIns="102870" tIns="102870" rIns="102870" bIns="102870" numCol="1" spcCol="1270" anchor="ctr" anchorCtr="0">
-          <a:noAutofit/>
-        </a:bodyPr>
-        <a:lstStyle/>
-        <a:p>
-          <a:pPr marL="228600" lvl="1" indent="-228600" algn="l" defTabSz="933450">
-            <a:lnSpc>
-              <a:spcPct val="90000"/>
-            </a:lnSpc>
-            <a:spcBef>
-              <a:spcPct val="0"/>
-            </a:spcBef>
-            <a:spcAft>
-              <a:spcPct val="15000"/>
-            </a:spcAft>
-            <a:buChar char="••"/>
-          </a:pPr>
-          <a:endParaRPr lang="pt-BR" sz="2100" kern="1200"/>
-        </a:p>
-      </dsp:txBody>
-      <dsp:txXfrm>
-        <a:off x="5417590" y="1529517"/>
-        <a:ext cx="1284224" cy="998952"/>
-      </dsp:txXfrm>
-    </dsp:sp>
-    <dsp:sp modelId="{94997029-F6AA-402D-9443-9AC4D4D3ABC8}">
-      <dsp:nvSpPr>
-        <dsp:cNvPr id="0" name=""/>
-        <dsp:cNvSpPr/>
-      </dsp:nvSpPr>
-      <dsp:spPr>
-        <a:xfrm>
-          <a:off x="5115838" y="2800025"/>
-          <a:ext cx="1765730" cy="1235954"/>
+          <a:off x="926357" y="2841465"/>
+          <a:ext cx="5249359" cy="1217771"/>
         </a:xfrm>
         <a:prstGeom prst="roundRect">
           <a:avLst>
-            <a:gd name="adj" fmla="val 16670"/>
+            <a:gd name="adj" fmla="val 10000"/>
           </a:avLst>
         </a:prstGeom>
         <a:solidFill>
@@ -5137,12 +4532,12 @@
         </a:fontRef>
       </dsp:style>
       <dsp:txBody>
-        <a:bodyPr spcFirstLastPara="0" vert="horz" wrap="square" lIns="133350" tIns="133350" rIns="133350" bIns="133350" numCol="1" spcCol="1270" anchor="ctr" anchorCtr="0">
+        <a:bodyPr spcFirstLastPara="0" vert="horz" wrap="square" lIns="91440" tIns="91440" rIns="91440" bIns="91440" numCol="1" spcCol="1270" anchor="ctr" anchorCtr="0">
           <a:noAutofit/>
         </a:bodyPr>
         <a:lstStyle/>
         <a:p>
-          <a:pPr lvl="0" algn="ctr" defTabSz="1555750">
+          <a:pPr marL="0" lvl="0" indent="0" algn="l" defTabSz="1066800">
             <a:lnSpc>
               <a:spcPct val="90000"/>
             </a:lnSpc>
@@ -5152,29 +4547,293 @@
             <a:spcAft>
               <a:spcPct val="35000"/>
             </a:spcAft>
+            <a:buNone/>
           </a:pPr>
-          <a:endParaRPr lang="pt-BR" sz="3500" kern="1200"/>
+          <a:r>
+            <a:rPr lang="pt-BR" sz="2400" kern="1200" dirty="0"/>
+            <a:t>Usuário receber resposta positiva em seu e-mail.</a:t>
+          </a:r>
         </a:p>
       </dsp:txBody>
       <dsp:txXfrm>
-        <a:off x="5176183" y="2860370"/>
-        <a:ext cx="1645040" cy="1115264"/>
+        <a:off x="962024" y="2877132"/>
+        <a:ext cx="3923295" cy="1146437"/>
       </dsp:txXfrm>
     </dsp:sp>
-    <dsp:sp modelId="{9C73EFF1-BE98-4F42-B629-905488FC2569}">
+    <dsp:sp modelId="{C5476673-990D-4586-94EA-3289A7762656}">
       <dsp:nvSpPr>
         <dsp:cNvPr id="0" name=""/>
         <dsp:cNvSpPr/>
       </dsp:nvSpPr>
       <dsp:spPr>
         <a:xfrm>
-          <a:off x="6881569" y="2917902"/>
-          <a:ext cx="1284224" cy="998952"/>
+          <a:off x="4457808" y="923476"/>
+          <a:ext cx="791551" cy="791551"/>
         </a:xfrm>
-        <a:prstGeom prst="rect">
-          <a:avLst/>
+        <a:prstGeom prst="downArrow">
+          <a:avLst>
+            <a:gd name="adj1" fmla="val 55000"/>
+            <a:gd name="adj2" fmla="val 45000"/>
+          </a:avLst>
         </a:prstGeom>
-        <a:noFill/>
+        <a:solidFill>
+          <a:schemeClr val="accent1">
+            <a:alpha val="90000"/>
+            <a:tint val="40000"/>
+            <a:hueOff val="0"/>
+            <a:satOff val="0"/>
+            <a:lumOff val="0"/>
+            <a:alphaOff val="0"/>
+          </a:schemeClr>
+        </a:solidFill>
+        <a:ln w="15875" cap="rnd" cmpd="sng" algn="ctr">
+          <a:solidFill>
+            <a:schemeClr val="accent1">
+              <a:alpha val="90000"/>
+              <a:tint val="40000"/>
+              <a:hueOff val="0"/>
+              <a:satOff val="0"/>
+              <a:lumOff val="0"/>
+              <a:alphaOff val="0"/>
+            </a:schemeClr>
+          </a:solidFill>
+          <a:prstDash val="solid"/>
+        </a:ln>
+        <a:effectLst/>
+      </dsp:spPr>
+      <dsp:style>
+        <a:lnRef idx="2">
+          <a:scrgbClr r="0" g="0" b="0"/>
+        </a:lnRef>
+        <a:fillRef idx="1">
+          <a:scrgbClr r="0" g="0" b="0"/>
+        </a:fillRef>
+        <a:effectRef idx="0">
+          <a:scrgbClr r="0" g="0" b="0"/>
+        </a:effectRef>
+        <a:fontRef idx="minor"/>
+      </dsp:style>
+      <dsp:txBody>
+        <a:bodyPr spcFirstLastPara="0" vert="horz" wrap="square" lIns="45720" tIns="45720" rIns="45720" bIns="45720" numCol="1" spcCol="1270" anchor="ctr" anchorCtr="0">
+          <a:noAutofit/>
+        </a:bodyPr>
+        <a:lstStyle/>
+        <a:p>
+          <a:pPr marL="0" lvl="0" indent="0" algn="ctr" defTabSz="1600200">
+            <a:lnSpc>
+              <a:spcPct val="90000"/>
+            </a:lnSpc>
+            <a:spcBef>
+              <a:spcPct val="0"/>
+            </a:spcBef>
+            <a:spcAft>
+              <a:spcPct val="35000"/>
+            </a:spcAft>
+            <a:buNone/>
+          </a:pPr>
+          <a:endParaRPr lang="pt-BR" sz="3600" kern="1200"/>
+        </a:p>
+      </dsp:txBody>
+      <dsp:txXfrm>
+        <a:off x="4635907" y="923476"/>
+        <a:ext cx="435353" cy="595642"/>
+      </dsp:txXfrm>
+    </dsp:sp>
+    <dsp:sp modelId="{724573BB-DE03-49F3-BC5D-4F371394BF2D}">
+      <dsp:nvSpPr>
+        <dsp:cNvPr id="0" name=""/>
+        <dsp:cNvSpPr/>
+      </dsp:nvSpPr>
+      <dsp:spPr>
+        <a:xfrm>
+          <a:off x="4920987" y="2336090"/>
+          <a:ext cx="791551" cy="791551"/>
+        </a:xfrm>
+        <a:prstGeom prst="downArrow">
+          <a:avLst>
+            <a:gd name="adj1" fmla="val 55000"/>
+            <a:gd name="adj2" fmla="val 45000"/>
+          </a:avLst>
+        </a:prstGeom>
+        <a:solidFill>
+          <a:schemeClr val="accent1">
+            <a:alpha val="90000"/>
+            <a:tint val="40000"/>
+            <a:hueOff val="0"/>
+            <a:satOff val="0"/>
+            <a:lumOff val="0"/>
+            <a:alphaOff val="0"/>
+          </a:schemeClr>
+        </a:solidFill>
+        <a:ln w="15875" cap="rnd" cmpd="sng" algn="ctr">
+          <a:solidFill>
+            <a:schemeClr val="accent1">
+              <a:alpha val="90000"/>
+              <a:tint val="40000"/>
+              <a:hueOff val="0"/>
+              <a:satOff val="0"/>
+              <a:lumOff val="0"/>
+              <a:alphaOff val="0"/>
+            </a:schemeClr>
+          </a:solidFill>
+          <a:prstDash val="solid"/>
+        </a:ln>
+        <a:effectLst/>
+      </dsp:spPr>
+      <dsp:style>
+        <a:lnRef idx="2">
+          <a:scrgbClr r="0" g="0" b="0"/>
+        </a:lnRef>
+        <a:fillRef idx="1">
+          <a:scrgbClr r="0" g="0" b="0"/>
+        </a:fillRef>
+        <a:effectRef idx="0">
+          <a:scrgbClr r="0" g="0" b="0"/>
+        </a:effectRef>
+        <a:fontRef idx="minor"/>
+      </dsp:style>
+      <dsp:txBody>
+        <a:bodyPr spcFirstLastPara="0" vert="horz" wrap="square" lIns="45720" tIns="45720" rIns="45720" bIns="45720" numCol="1" spcCol="1270" anchor="ctr" anchorCtr="0">
+          <a:noAutofit/>
+        </a:bodyPr>
+        <a:lstStyle/>
+        <a:p>
+          <a:pPr marL="0" lvl="0" indent="0" algn="ctr" defTabSz="1600200">
+            <a:lnSpc>
+              <a:spcPct val="90000"/>
+            </a:lnSpc>
+            <a:spcBef>
+              <a:spcPct val="0"/>
+            </a:spcBef>
+            <a:spcAft>
+              <a:spcPct val="35000"/>
+            </a:spcAft>
+            <a:buNone/>
+          </a:pPr>
+          <a:endParaRPr lang="pt-BR" sz="3600" kern="1200"/>
+        </a:p>
+      </dsp:txBody>
+      <dsp:txXfrm>
+        <a:off x="5099086" y="2336090"/>
+        <a:ext cx="435353" cy="595642"/>
+      </dsp:txXfrm>
+    </dsp:sp>
+  </dsp:spTree>
+</dsp:drawing>
+</file>
+
+<file path=ppt/diagrams/drawing3.xml><?xml version="1.0" encoding="utf-8"?>
+<dsp:drawing xmlns:dgm="http://schemas.openxmlformats.org/drawingml/2006/diagram" xmlns:dsp="http://schemas.microsoft.com/office/drawing/2008/diagram" xmlns:a="http://schemas.openxmlformats.org/drawingml/2006/main">
+  <dsp:spTree>
+    <dsp:nvGrpSpPr>
+      <dsp:cNvPr id="0" name=""/>
+      <dsp:cNvGrpSpPr/>
+    </dsp:nvGrpSpPr>
+    <dsp:grpSpPr/>
+    <dsp:sp modelId="{804890BE-E469-40AD-A6DA-EAF10793200D}">
+      <dsp:nvSpPr>
+        <dsp:cNvPr id="0" name=""/>
+        <dsp:cNvSpPr/>
+      </dsp:nvSpPr>
+      <dsp:spPr>
+        <a:xfrm>
+          <a:off x="5559" y="1533215"/>
+          <a:ext cx="1723480" cy="1421871"/>
+        </a:xfrm>
+        <a:prstGeom prst="roundRect">
+          <a:avLst>
+            <a:gd name="adj" fmla="val 10000"/>
+          </a:avLst>
+        </a:prstGeom>
+        <a:solidFill>
+          <a:schemeClr val="accent1">
+            <a:hueOff val="0"/>
+            <a:satOff val="0"/>
+            <a:lumOff val="0"/>
+            <a:alphaOff val="0"/>
+          </a:schemeClr>
+        </a:solidFill>
+        <a:ln w="15875" cap="rnd" cmpd="sng" algn="ctr">
+          <a:solidFill>
+            <a:schemeClr val="lt1">
+              <a:hueOff val="0"/>
+              <a:satOff val="0"/>
+              <a:lumOff val="0"/>
+              <a:alphaOff val="0"/>
+            </a:schemeClr>
+          </a:solidFill>
+          <a:prstDash val="solid"/>
+        </a:ln>
+        <a:effectLst/>
+      </dsp:spPr>
+      <dsp:style>
+        <a:lnRef idx="2">
+          <a:scrgbClr r="0" g="0" b="0"/>
+        </a:lnRef>
+        <a:fillRef idx="1">
+          <a:scrgbClr r="0" g="0" b="0"/>
+        </a:fillRef>
+        <a:effectRef idx="0">
+          <a:scrgbClr r="0" g="0" b="0"/>
+        </a:effectRef>
+        <a:fontRef idx="minor">
+          <a:schemeClr val="lt1"/>
+        </a:fontRef>
+      </dsp:style>
+      <dsp:txBody>
+        <a:bodyPr spcFirstLastPara="0" vert="horz" wrap="square" lIns="68580" tIns="68580" rIns="68580" bIns="68580" numCol="1" spcCol="1270" anchor="ctr" anchorCtr="0">
+          <a:noAutofit/>
+        </a:bodyPr>
+        <a:lstStyle/>
+        <a:p>
+          <a:pPr marL="0" lvl="0" indent="0" algn="ctr" defTabSz="800100">
+            <a:lnSpc>
+              <a:spcPct val="90000"/>
+            </a:lnSpc>
+            <a:spcBef>
+              <a:spcPct val="0"/>
+            </a:spcBef>
+            <a:spcAft>
+              <a:spcPct val="35000"/>
+            </a:spcAft>
+            <a:buNone/>
+          </a:pPr>
+          <a:r>
+            <a:rPr lang="pt-BR" sz="1800" kern="1200" dirty="0"/>
+            <a:t>Analisar e revisar o projeto</a:t>
+          </a:r>
+        </a:p>
+      </dsp:txBody>
+      <dsp:txXfrm>
+        <a:off x="47204" y="1574860"/>
+        <a:ext cx="1640190" cy="1338581"/>
+      </dsp:txXfrm>
+    </dsp:sp>
+    <dsp:sp modelId="{92C95CD5-6342-4B0E-AD6D-7F96EADBB8B7}">
+      <dsp:nvSpPr>
+        <dsp:cNvPr id="0" name=""/>
+        <dsp:cNvSpPr/>
+      </dsp:nvSpPr>
+      <dsp:spPr>
+        <a:xfrm>
+          <a:off x="1901387" y="2030439"/>
+          <a:ext cx="365377" cy="427423"/>
+        </a:xfrm>
+        <a:prstGeom prst="rightArrow">
+          <a:avLst>
+            <a:gd name="adj1" fmla="val 60000"/>
+            <a:gd name="adj2" fmla="val 50000"/>
+          </a:avLst>
+        </a:prstGeom>
+        <a:solidFill>
+          <a:schemeClr val="accent1">
+            <a:tint val="60000"/>
+            <a:hueOff val="0"/>
+            <a:satOff val="0"/>
+            <a:lumOff val="0"/>
+            <a:alphaOff val="0"/>
+          </a:schemeClr>
+        </a:solidFill>
         <a:ln>
           <a:noFill/>
         </a:ln>
@@ -5184,21 +4843,23 @@
         <a:lnRef idx="0">
           <a:scrgbClr r="0" g="0" b="0"/>
         </a:lnRef>
-        <a:fillRef idx="0">
+        <a:fillRef idx="1">
           <a:scrgbClr r="0" g="0" b="0"/>
         </a:fillRef>
         <a:effectRef idx="0">
           <a:scrgbClr r="0" g="0" b="0"/>
         </a:effectRef>
-        <a:fontRef idx="minor"/>
+        <a:fontRef idx="minor">
+          <a:schemeClr val="lt1"/>
+        </a:fontRef>
       </dsp:style>
       <dsp:txBody>
-        <a:bodyPr spcFirstLastPara="0" vert="horz" wrap="square" lIns="102870" tIns="102870" rIns="102870" bIns="102870" numCol="1" spcCol="1270" anchor="ctr" anchorCtr="0">
+        <a:bodyPr spcFirstLastPara="0" vert="horz" wrap="square" lIns="0" tIns="0" rIns="0" bIns="0" numCol="1" spcCol="1270" anchor="ctr" anchorCtr="0">
           <a:noAutofit/>
         </a:bodyPr>
         <a:lstStyle/>
         <a:p>
-          <a:pPr marL="228600" lvl="1" indent="-228600" algn="l" defTabSz="933450">
+          <a:pPr marL="0" lvl="0" indent="0" algn="ctr" defTabSz="622300">
             <a:lnSpc>
               <a:spcPct val="90000"/>
             </a:lnSpc>
@@ -5206,16 +4867,542 @@
               <a:spcPct val="0"/>
             </a:spcBef>
             <a:spcAft>
-              <a:spcPct val="15000"/>
+              <a:spcPct val="35000"/>
             </a:spcAft>
-            <a:buChar char="••"/>
+            <a:buNone/>
           </a:pPr>
-          <a:endParaRPr lang="pt-BR" sz="2100" kern="1200"/>
+          <a:endParaRPr lang="pt-BR" sz="1400" kern="1200"/>
         </a:p>
       </dsp:txBody>
       <dsp:txXfrm>
-        <a:off x="6881569" y="2917902"/>
-        <a:ext cx="1284224" cy="998952"/>
+        <a:off x="1901387" y="2115924"/>
+        <a:ext cx="255764" cy="256453"/>
+      </dsp:txXfrm>
+    </dsp:sp>
+    <dsp:sp modelId="{00DFECD0-29FD-4E55-8FAC-054C040B0A91}">
+      <dsp:nvSpPr>
+        <dsp:cNvPr id="0" name=""/>
+        <dsp:cNvSpPr/>
+      </dsp:nvSpPr>
+      <dsp:spPr>
+        <a:xfrm>
+          <a:off x="2418431" y="1533215"/>
+          <a:ext cx="1723480" cy="1421871"/>
+        </a:xfrm>
+        <a:prstGeom prst="roundRect">
+          <a:avLst>
+            <a:gd name="adj" fmla="val 10000"/>
+          </a:avLst>
+        </a:prstGeom>
+        <a:solidFill>
+          <a:schemeClr val="accent1">
+            <a:hueOff val="0"/>
+            <a:satOff val="0"/>
+            <a:lumOff val="0"/>
+            <a:alphaOff val="0"/>
+          </a:schemeClr>
+        </a:solidFill>
+        <a:ln w="15875" cap="rnd" cmpd="sng" algn="ctr">
+          <a:solidFill>
+            <a:schemeClr val="lt1">
+              <a:hueOff val="0"/>
+              <a:satOff val="0"/>
+              <a:lumOff val="0"/>
+              <a:alphaOff val="0"/>
+            </a:schemeClr>
+          </a:solidFill>
+          <a:prstDash val="solid"/>
+        </a:ln>
+        <a:effectLst/>
+      </dsp:spPr>
+      <dsp:style>
+        <a:lnRef idx="2">
+          <a:scrgbClr r="0" g="0" b="0"/>
+        </a:lnRef>
+        <a:fillRef idx="1">
+          <a:scrgbClr r="0" g="0" b="0"/>
+        </a:fillRef>
+        <a:effectRef idx="0">
+          <a:scrgbClr r="0" g="0" b="0"/>
+        </a:effectRef>
+        <a:fontRef idx="minor">
+          <a:schemeClr val="lt1"/>
+        </a:fontRef>
+      </dsp:style>
+      <dsp:txBody>
+        <a:bodyPr spcFirstLastPara="0" vert="horz" wrap="square" lIns="68580" tIns="68580" rIns="68580" bIns="68580" numCol="1" spcCol="1270" anchor="ctr" anchorCtr="0">
+          <a:noAutofit/>
+        </a:bodyPr>
+        <a:lstStyle/>
+        <a:p>
+          <a:pPr marL="0" lvl="0" indent="0" algn="ctr" defTabSz="800100">
+            <a:lnSpc>
+              <a:spcPct val="90000"/>
+            </a:lnSpc>
+            <a:spcBef>
+              <a:spcPct val="0"/>
+            </a:spcBef>
+            <a:spcAft>
+              <a:spcPct val="35000"/>
+            </a:spcAft>
+            <a:buNone/>
+          </a:pPr>
+          <a:r>
+            <a:rPr lang="pt-BR" sz="1800" kern="1200" dirty="0"/>
+            <a:t>Definir cronograma e ferramentas para a implantação</a:t>
+          </a:r>
+        </a:p>
+      </dsp:txBody>
+      <dsp:txXfrm>
+        <a:off x="2460076" y="1574860"/>
+        <a:ext cx="1640190" cy="1338581"/>
+      </dsp:txXfrm>
+    </dsp:sp>
+    <dsp:sp modelId="{5ECA5540-C8D5-49B9-8C58-6CCB06E71355}">
+      <dsp:nvSpPr>
+        <dsp:cNvPr id="0" name=""/>
+        <dsp:cNvSpPr/>
+      </dsp:nvSpPr>
+      <dsp:spPr>
+        <a:xfrm>
+          <a:off x="4314259" y="2030439"/>
+          <a:ext cx="365377" cy="427423"/>
+        </a:xfrm>
+        <a:prstGeom prst="rightArrow">
+          <a:avLst>
+            <a:gd name="adj1" fmla="val 60000"/>
+            <a:gd name="adj2" fmla="val 50000"/>
+          </a:avLst>
+        </a:prstGeom>
+        <a:solidFill>
+          <a:schemeClr val="accent1">
+            <a:tint val="60000"/>
+            <a:hueOff val="0"/>
+            <a:satOff val="0"/>
+            <a:lumOff val="0"/>
+            <a:alphaOff val="0"/>
+          </a:schemeClr>
+        </a:solidFill>
+        <a:ln>
+          <a:noFill/>
+        </a:ln>
+        <a:effectLst/>
+      </dsp:spPr>
+      <dsp:style>
+        <a:lnRef idx="0">
+          <a:scrgbClr r="0" g="0" b="0"/>
+        </a:lnRef>
+        <a:fillRef idx="1">
+          <a:scrgbClr r="0" g="0" b="0"/>
+        </a:fillRef>
+        <a:effectRef idx="0">
+          <a:scrgbClr r="0" g="0" b="0"/>
+        </a:effectRef>
+        <a:fontRef idx="minor">
+          <a:schemeClr val="lt1"/>
+        </a:fontRef>
+      </dsp:style>
+      <dsp:txBody>
+        <a:bodyPr spcFirstLastPara="0" vert="horz" wrap="square" lIns="0" tIns="0" rIns="0" bIns="0" numCol="1" spcCol="1270" anchor="ctr" anchorCtr="0">
+          <a:noAutofit/>
+        </a:bodyPr>
+        <a:lstStyle/>
+        <a:p>
+          <a:pPr marL="0" lvl="0" indent="0" algn="ctr" defTabSz="622300">
+            <a:lnSpc>
+              <a:spcPct val="90000"/>
+            </a:lnSpc>
+            <a:spcBef>
+              <a:spcPct val="0"/>
+            </a:spcBef>
+            <a:spcAft>
+              <a:spcPct val="35000"/>
+            </a:spcAft>
+            <a:buNone/>
+          </a:pPr>
+          <a:endParaRPr lang="pt-BR" sz="1400" kern="1200"/>
+        </a:p>
+      </dsp:txBody>
+      <dsp:txXfrm>
+        <a:off x="4314259" y="2115924"/>
+        <a:ext cx="255764" cy="256453"/>
+      </dsp:txXfrm>
+    </dsp:sp>
+    <dsp:sp modelId="{CC87A9E7-53C1-4B3E-ACBA-A037A1DDD1AF}">
+      <dsp:nvSpPr>
+        <dsp:cNvPr id="0" name=""/>
+        <dsp:cNvSpPr/>
+      </dsp:nvSpPr>
+      <dsp:spPr>
+        <a:xfrm>
+          <a:off x="4831303" y="1533215"/>
+          <a:ext cx="1723480" cy="1421871"/>
+        </a:xfrm>
+        <a:prstGeom prst="roundRect">
+          <a:avLst>
+            <a:gd name="adj" fmla="val 10000"/>
+          </a:avLst>
+        </a:prstGeom>
+        <a:solidFill>
+          <a:schemeClr val="accent1">
+            <a:hueOff val="0"/>
+            <a:satOff val="0"/>
+            <a:lumOff val="0"/>
+            <a:alphaOff val="0"/>
+          </a:schemeClr>
+        </a:solidFill>
+        <a:ln w="15875" cap="rnd" cmpd="sng" algn="ctr">
+          <a:solidFill>
+            <a:schemeClr val="lt1">
+              <a:hueOff val="0"/>
+              <a:satOff val="0"/>
+              <a:lumOff val="0"/>
+              <a:alphaOff val="0"/>
+            </a:schemeClr>
+          </a:solidFill>
+          <a:prstDash val="solid"/>
+        </a:ln>
+        <a:effectLst/>
+      </dsp:spPr>
+      <dsp:style>
+        <a:lnRef idx="2">
+          <a:scrgbClr r="0" g="0" b="0"/>
+        </a:lnRef>
+        <a:fillRef idx="1">
+          <a:scrgbClr r="0" g="0" b="0"/>
+        </a:fillRef>
+        <a:effectRef idx="0">
+          <a:scrgbClr r="0" g="0" b="0"/>
+        </a:effectRef>
+        <a:fontRef idx="minor">
+          <a:schemeClr val="lt1"/>
+        </a:fontRef>
+      </dsp:style>
+      <dsp:txBody>
+        <a:bodyPr spcFirstLastPara="0" vert="horz" wrap="square" lIns="68580" tIns="68580" rIns="68580" bIns="68580" numCol="1" spcCol="1270" anchor="ctr" anchorCtr="0">
+          <a:noAutofit/>
+        </a:bodyPr>
+        <a:lstStyle/>
+        <a:p>
+          <a:pPr marL="0" lvl="0" indent="0" algn="ctr" defTabSz="800100">
+            <a:lnSpc>
+              <a:spcPct val="90000"/>
+            </a:lnSpc>
+            <a:spcBef>
+              <a:spcPct val="0"/>
+            </a:spcBef>
+            <a:spcAft>
+              <a:spcPct val="35000"/>
+            </a:spcAft>
+            <a:buNone/>
+          </a:pPr>
+          <a:r>
+            <a:rPr lang="pt-BR" sz="1800" kern="1200" dirty="0"/>
+            <a:t>Fazer planejamentos de virada e Rollback</a:t>
+          </a:r>
+        </a:p>
+      </dsp:txBody>
+      <dsp:txXfrm>
+        <a:off x="4872948" y="1574860"/>
+        <a:ext cx="1640190" cy="1338581"/>
+      </dsp:txXfrm>
+    </dsp:sp>
+    <dsp:sp modelId="{D92C6EA2-973E-4165-8F30-0B008F110197}">
+      <dsp:nvSpPr>
+        <dsp:cNvPr id="0" name=""/>
+        <dsp:cNvSpPr/>
+      </dsp:nvSpPr>
+      <dsp:spPr>
+        <a:xfrm>
+          <a:off x="6727132" y="2030439"/>
+          <a:ext cx="365377" cy="427423"/>
+        </a:xfrm>
+        <a:prstGeom prst="rightArrow">
+          <a:avLst>
+            <a:gd name="adj1" fmla="val 60000"/>
+            <a:gd name="adj2" fmla="val 50000"/>
+          </a:avLst>
+        </a:prstGeom>
+        <a:solidFill>
+          <a:schemeClr val="accent1">
+            <a:tint val="60000"/>
+            <a:hueOff val="0"/>
+            <a:satOff val="0"/>
+            <a:lumOff val="0"/>
+            <a:alphaOff val="0"/>
+          </a:schemeClr>
+        </a:solidFill>
+        <a:ln>
+          <a:noFill/>
+        </a:ln>
+        <a:effectLst/>
+      </dsp:spPr>
+      <dsp:style>
+        <a:lnRef idx="0">
+          <a:scrgbClr r="0" g="0" b="0"/>
+        </a:lnRef>
+        <a:fillRef idx="1">
+          <a:scrgbClr r="0" g="0" b="0"/>
+        </a:fillRef>
+        <a:effectRef idx="0">
+          <a:scrgbClr r="0" g="0" b="0"/>
+        </a:effectRef>
+        <a:fontRef idx="minor">
+          <a:schemeClr val="lt1"/>
+        </a:fontRef>
+      </dsp:style>
+      <dsp:txBody>
+        <a:bodyPr spcFirstLastPara="0" vert="horz" wrap="square" lIns="0" tIns="0" rIns="0" bIns="0" numCol="1" spcCol="1270" anchor="ctr" anchorCtr="0">
+          <a:noAutofit/>
+        </a:bodyPr>
+        <a:lstStyle/>
+        <a:p>
+          <a:pPr marL="0" lvl="0" indent="0" algn="ctr" defTabSz="622300">
+            <a:lnSpc>
+              <a:spcPct val="90000"/>
+            </a:lnSpc>
+            <a:spcBef>
+              <a:spcPct val="0"/>
+            </a:spcBef>
+            <a:spcAft>
+              <a:spcPct val="35000"/>
+            </a:spcAft>
+            <a:buNone/>
+          </a:pPr>
+          <a:endParaRPr lang="pt-BR" sz="1400" kern="1200"/>
+        </a:p>
+      </dsp:txBody>
+      <dsp:txXfrm>
+        <a:off x="6727132" y="2115924"/>
+        <a:ext cx="255764" cy="256453"/>
+      </dsp:txXfrm>
+    </dsp:sp>
+    <dsp:sp modelId="{DCE0C106-4F35-4360-B4A2-D26C67DDDD43}">
+      <dsp:nvSpPr>
+        <dsp:cNvPr id="0" name=""/>
+        <dsp:cNvSpPr/>
+      </dsp:nvSpPr>
+      <dsp:spPr>
+        <a:xfrm>
+          <a:off x="7244176" y="1533215"/>
+          <a:ext cx="1723480" cy="1421871"/>
+        </a:xfrm>
+        <a:prstGeom prst="roundRect">
+          <a:avLst>
+            <a:gd name="adj" fmla="val 10000"/>
+          </a:avLst>
+        </a:prstGeom>
+        <a:solidFill>
+          <a:schemeClr val="accent1">
+            <a:hueOff val="0"/>
+            <a:satOff val="0"/>
+            <a:lumOff val="0"/>
+            <a:alphaOff val="0"/>
+          </a:schemeClr>
+        </a:solidFill>
+        <a:ln w="15875" cap="rnd" cmpd="sng" algn="ctr">
+          <a:solidFill>
+            <a:schemeClr val="lt1">
+              <a:hueOff val="0"/>
+              <a:satOff val="0"/>
+              <a:lumOff val="0"/>
+              <a:alphaOff val="0"/>
+            </a:schemeClr>
+          </a:solidFill>
+          <a:prstDash val="solid"/>
+        </a:ln>
+        <a:effectLst/>
+      </dsp:spPr>
+      <dsp:style>
+        <a:lnRef idx="2">
+          <a:scrgbClr r="0" g="0" b="0"/>
+        </a:lnRef>
+        <a:fillRef idx="1">
+          <a:scrgbClr r="0" g="0" b="0"/>
+        </a:fillRef>
+        <a:effectRef idx="0">
+          <a:scrgbClr r="0" g="0" b="0"/>
+        </a:effectRef>
+        <a:fontRef idx="minor">
+          <a:schemeClr val="lt1"/>
+        </a:fontRef>
+      </dsp:style>
+      <dsp:txBody>
+        <a:bodyPr spcFirstLastPara="0" vert="horz" wrap="square" lIns="68580" tIns="68580" rIns="68580" bIns="68580" numCol="1" spcCol="1270" anchor="ctr" anchorCtr="0">
+          <a:noAutofit/>
+        </a:bodyPr>
+        <a:lstStyle/>
+        <a:p>
+          <a:pPr marL="0" lvl="0" indent="0" algn="ctr" defTabSz="800100">
+            <a:lnSpc>
+              <a:spcPct val="90000"/>
+            </a:lnSpc>
+            <a:spcBef>
+              <a:spcPct val="0"/>
+            </a:spcBef>
+            <a:spcAft>
+              <a:spcPct val="35000"/>
+            </a:spcAft>
+            <a:buNone/>
+          </a:pPr>
+          <a:r>
+            <a:rPr lang="pt-BR" sz="1800" kern="1200" dirty="0"/>
+            <a:t>Analisar nível de satisfação e reação do cliente</a:t>
+          </a:r>
+        </a:p>
+      </dsp:txBody>
+      <dsp:txXfrm>
+        <a:off x="7285821" y="1574860"/>
+        <a:ext cx="1640190" cy="1338581"/>
+      </dsp:txXfrm>
+    </dsp:sp>
+    <dsp:sp modelId="{81616565-71ED-4FAB-BA52-5EA45358E075}">
+      <dsp:nvSpPr>
+        <dsp:cNvPr id="0" name=""/>
+        <dsp:cNvSpPr/>
+      </dsp:nvSpPr>
+      <dsp:spPr>
+        <a:xfrm>
+          <a:off x="9140004" y="2030439"/>
+          <a:ext cx="365377" cy="427423"/>
+        </a:xfrm>
+        <a:prstGeom prst="rightArrow">
+          <a:avLst>
+            <a:gd name="adj1" fmla="val 60000"/>
+            <a:gd name="adj2" fmla="val 50000"/>
+          </a:avLst>
+        </a:prstGeom>
+        <a:solidFill>
+          <a:schemeClr val="accent1">
+            <a:tint val="60000"/>
+            <a:hueOff val="0"/>
+            <a:satOff val="0"/>
+            <a:lumOff val="0"/>
+            <a:alphaOff val="0"/>
+          </a:schemeClr>
+        </a:solidFill>
+        <a:ln>
+          <a:noFill/>
+        </a:ln>
+        <a:effectLst/>
+      </dsp:spPr>
+      <dsp:style>
+        <a:lnRef idx="0">
+          <a:scrgbClr r="0" g="0" b="0"/>
+        </a:lnRef>
+        <a:fillRef idx="1">
+          <a:scrgbClr r="0" g="0" b="0"/>
+        </a:fillRef>
+        <a:effectRef idx="0">
+          <a:scrgbClr r="0" g="0" b="0"/>
+        </a:effectRef>
+        <a:fontRef idx="minor">
+          <a:schemeClr val="lt1"/>
+        </a:fontRef>
+      </dsp:style>
+      <dsp:txBody>
+        <a:bodyPr spcFirstLastPara="0" vert="horz" wrap="square" lIns="0" tIns="0" rIns="0" bIns="0" numCol="1" spcCol="1270" anchor="ctr" anchorCtr="0">
+          <a:noAutofit/>
+        </a:bodyPr>
+        <a:lstStyle/>
+        <a:p>
+          <a:pPr marL="0" lvl="0" indent="0" algn="ctr" defTabSz="622300">
+            <a:lnSpc>
+              <a:spcPct val="90000"/>
+            </a:lnSpc>
+            <a:spcBef>
+              <a:spcPct val="0"/>
+            </a:spcBef>
+            <a:spcAft>
+              <a:spcPct val="35000"/>
+            </a:spcAft>
+            <a:buNone/>
+          </a:pPr>
+          <a:endParaRPr lang="pt-BR" sz="1400" kern="1200"/>
+        </a:p>
+      </dsp:txBody>
+      <dsp:txXfrm>
+        <a:off x="9140004" y="2115924"/>
+        <a:ext cx="255764" cy="256453"/>
+      </dsp:txXfrm>
+    </dsp:sp>
+    <dsp:sp modelId="{2AD3C408-A279-41C9-B9DE-1AE979F22ED6}">
+      <dsp:nvSpPr>
+        <dsp:cNvPr id="0" name=""/>
+        <dsp:cNvSpPr/>
+      </dsp:nvSpPr>
+      <dsp:spPr>
+        <a:xfrm>
+          <a:off x="9657048" y="1533215"/>
+          <a:ext cx="1723480" cy="1421871"/>
+        </a:xfrm>
+        <a:prstGeom prst="roundRect">
+          <a:avLst>
+            <a:gd name="adj" fmla="val 10000"/>
+          </a:avLst>
+        </a:prstGeom>
+        <a:solidFill>
+          <a:schemeClr val="accent1">
+            <a:hueOff val="0"/>
+            <a:satOff val="0"/>
+            <a:lumOff val="0"/>
+            <a:alphaOff val="0"/>
+          </a:schemeClr>
+        </a:solidFill>
+        <a:ln w="15875" cap="rnd" cmpd="sng" algn="ctr">
+          <a:solidFill>
+            <a:schemeClr val="lt1">
+              <a:hueOff val="0"/>
+              <a:satOff val="0"/>
+              <a:lumOff val="0"/>
+              <a:alphaOff val="0"/>
+            </a:schemeClr>
+          </a:solidFill>
+          <a:prstDash val="solid"/>
+        </a:ln>
+        <a:effectLst/>
+      </dsp:spPr>
+      <dsp:style>
+        <a:lnRef idx="2">
+          <a:scrgbClr r="0" g="0" b="0"/>
+        </a:lnRef>
+        <a:fillRef idx="1">
+          <a:scrgbClr r="0" g="0" b="0"/>
+        </a:fillRef>
+        <a:effectRef idx="0">
+          <a:scrgbClr r="0" g="0" b="0"/>
+        </a:effectRef>
+        <a:fontRef idx="minor">
+          <a:schemeClr val="lt1"/>
+        </a:fontRef>
+      </dsp:style>
+      <dsp:txBody>
+        <a:bodyPr spcFirstLastPara="0" vert="horz" wrap="square" lIns="68580" tIns="68580" rIns="68580" bIns="68580" numCol="1" spcCol="1270" anchor="ctr" anchorCtr="0">
+          <a:noAutofit/>
+        </a:bodyPr>
+        <a:lstStyle/>
+        <a:p>
+          <a:pPr marL="0" lvl="0" indent="0" algn="ctr" defTabSz="800100">
+            <a:lnSpc>
+              <a:spcPct val="90000"/>
+            </a:lnSpc>
+            <a:spcBef>
+              <a:spcPct val="0"/>
+            </a:spcBef>
+            <a:spcAft>
+              <a:spcPct val="35000"/>
+            </a:spcAft>
+            <a:buNone/>
+          </a:pPr>
+          <a:r>
+            <a:rPr lang="pt-BR" sz="1800" kern="1200" dirty="0"/>
+            <a:t>Finalizar implantação conforme o resultado do negócio</a:t>
+          </a:r>
+        </a:p>
+      </dsp:txBody>
+      <dsp:txXfrm>
+        <a:off x="9698693" y="1574860"/>
+        <a:ext cx="1640190" cy="1338581"/>
       </dsp:txXfrm>
     </dsp:sp>
   </dsp:spTree>
@@ -5463,11 +5650,1238 @@
 </file>
 
 <file path=ppt/diagrams/layout2.xml><?xml version="1.0" encoding="utf-8"?>
-<dgm:layoutDef xmlns:dgm="http://schemas.openxmlformats.org/drawingml/2006/diagram" xmlns:a="http://schemas.openxmlformats.org/drawingml/2006/main" uniqueId="urn:microsoft.com/office/officeart/2005/8/layout/hChevron3">
+<dgm:layoutDef xmlns:dgm="http://schemas.openxmlformats.org/drawingml/2006/diagram" xmlns:a="http://schemas.openxmlformats.org/drawingml/2006/main" uniqueId="urn:microsoft.com/office/officeart/2005/8/layout/vProcess5">
   <dgm:title val=""/>
   <dgm:desc val=""/>
   <dgm:catLst>
-    <dgm:cat type="process" pri="10000"/>
+    <dgm:cat type="process" pri="14000"/>
+  </dgm:catLst>
+  <dgm:sampData>
+    <dgm:dataModel>
+      <dgm:ptLst>
+        <dgm:pt modelId="0" type="doc"/>
+        <dgm:pt modelId="1">
+          <dgm:prSet phldr="1"/>
+        </dgm:pt>
+        <dgm:pt modelId="2">
+          <dgm:prSet phldr="1"/>
+        </dgm:pt>
+        <dgm:pt modelId="3">
+          <dgm:prSet phldr="1"/>
+        </dgm:pt>
+      </dgm:ptLst>
+      <dgm:cxnLst>
+        <dgm:cxn modelId="5" srcId="0" destId="1" srcOrd="0" destOrd="0"/>
+        <dgm:cxn modelId="6" srcId="0" destId="2" srcOrd="1" destOrd="0"/>
+        <dgm:cxn modelId="7" srcId="0" destId="3" srcOrd="2" destOrd="0"/>
+      </dgm:cxnLst>
+      <dgm:bg/>
+      <dgm:whole/>
+    </dgm:dataModel>
+  </dgm:sampData>
+  <dgm:styleData>
+    <dgm:dataModel>
+      <dgm:ptLst>
+        <dgm:pt modelId="0" type="doc"/>
+        <dgm:pt modelId="1"/>
+        <dgm:pt modelId="2"/>
+      </dgm:ptLst>
+      <dgm:cxnLst>
+        <dgm:cxn modelId="3" srcId="0" destId="1" srcOrd="0" destOrd="0"/>
+        <dgm:cxn modelId="4" srcId="0" destId="2" srcOrd="1" destOrd="0"/>
+      </dgm:cxnLst>
+      <dgm:bg/>
+      <dgm:whole/>
+    </dgm:dataModel>
+  </dgm:styleData>
+  <dgm:clrData>
+    <dgm:dataModel>
+      <dgm:ptLst>
+        <dgm:pt modelId="0" type="doc"/>
+        <dgm:pt modelId="1"/>
+        <dgm:pt modelId="2"/>
+        <dgm:pt modelId="3"/>
+        <dgm:pt modelId="4"/>
+      </dgm:ptLst>
+      <dgm:cxnLst>
+        <dgm:cxn modelId="6" srcId="0" destId="1" srcOrd="0" destOrd="0"/>
+        <dgm:cxn modelId="7" srcId="0" destId="2" srcOrd="1" destOrd="0"/>
+        <dgm:cxn modelId="8" srcId="0" destId="3" srcOrd="2" destOrd="0"/>
+        <dgm:cxn modelId="9" srcId="0" destId="4" srcOrd="3" destOrd="0"/>
+      </dgm:cxnLst>
+      <dgm:bg/>
+      <dgm:whole/>
+    </dgm:dataModel>
+  </dgm:clrData>
+  <dgm:layoutNode name="outerComposite">
+    <dgm:varLst>
+      <dgm:chMax val="5"/>
+      <dgm:dir/>
+      <dgm:resizeHandles val="exact"/>
+    </dgm:varLst>
+    <dgm:alg type="composite"/>
+    <dgm:shape xmlns:r="http://schemas.openxmlformats.org/officeDocument/2006/relationships" r:blip="">
+      <dgm:adjLst/>
+    </dgm:shape>
+    <dgm:presOf/>
+    <dgm:choose name="Name0">
+      <dgm:if name="Name1" func="var" arg="dir" op="equ" val="norm">
+        <dgm:constrLst>
+          <dgm:constr type="primFontSz" for="ch" ptType="node" op="equ" val="65"/>
+          <dgm:constr type="w" for="ch" forName="dummyMaxCanvas" refType="w"/>
+          <dgm:constr type="h" for="ch" forName="dummyMaxCanvas" refType="h"/>
+          <dgm:constr type="w" for="ch" forName="OneNode_1" refType="w"/>
+          <dgm:constr type="h" for="ch" forName="OneNode_1" refType="h" fact="0.5"/>
+          <dgm:constr type="ctrY" for="ch" forName="OneNode_1" refType="h" fact="0.5"/>
+          <dgm:constr type="w" for="ch" forName="TwoNodes_1" refType="w" fact="0.85"/>
+          <dgm:constr type="h" for="ch" forName="TwoNodes_1" refType="h" fact="0.45"/>
+          <dgm:constr type="t" for="ch" forName="TwoNodes_1"/>
+          <dgm:constr type="l" for="ch" forName="TwoNodes_1"/>
+          <dgm:constr type="w" for="ch" forName="TwoNodes_2" refType="w" fact="0.85"/>
+          <dgm:constr type="h" for="ch" forName="TwoNodes_2" refType="h" fact="0.45"/>
+          <dgm:constr type="b" for="ch" forName="TwoNodes_2" refType="h"/>
+          <dgm:constr type="r" for="ch" forName="TwoNodes_2" refType="w"/>
+          <dgm:constr type="w" for="ch" forName="TwoConn_1-2" refType="h" refFor="ch" refForName="TwoNodes_1" fact="0.65"/>
+          <dgm:constr type="h" for="ch" forName="TwoConn_1-2" refType="h" refFor="ch" refForName="TwoNodes_1" fact="0.65"/>
+          <dgm:constr type="ctrY" for="ch" forName="TwoConn_1-2" refType="h" fact="0.5"/>
+          <dgm:constr type="r" for="ch" forName="TwoConn_1-2" refType="r" refFor="ch" refForName="TwoNodes_1"/>
+          <dgm:constr type="r" for="ch" forName="TwoNodes_1_text" refType="l" refFor="ch" refForName="TwoConn_1-2"/>
+          <dgm:constr type="rOff" for="ch" forName="TwoNodes_1_text" refType="w" refFor="ch" refForName="TwoConn_1-2" fact="-0.5"/>
+          <dgm:constr type="t" for="ch" forName="TwoNodes_1_text" refType="t" refFor="ch" refForName="TwoNodes_1"/>
+          <dgm:constr type="b" for="ch" forName="TwoNodes_1_text" refType="b" refFor="ch" refForName="TwoNodes_1"/>
+          <dgm:constr type="l" for="ch" forName="TwoNodes_1_text" refType="l" refFor="ch" refForName="TwoNodes_1"/>
+          <dgm:constr type="r" for="ch" forName="TwoNodes_2_text" refType="l" refFor="ch" refForName="TwoConn_1-2"/>
+          <dgm:constr type="t" for="ch" forName="TwoNodes_2_text" refType="t" refFor="ch" refForName="TwoNodes_2"/>
+          <dgm:constr type="b" for="ch" forName="TwoNodes_2_text" refType="b" refFor="ch" refForName="TwoNodes_2"/>
+          <dgm:constr type="l" for="ch" forName="TwoNodes_2_text" refType="l" refFor="ch" refForName="TwoNodes_2"/>
+          <dgm:constr type="w" for="ch" forName="ThreeNodes_1" refType="w" fact="0.85"/>
+          <dgm:constr type="h" for="ch" forName="ThreeNodes_1" refType="h" fact="0.3"/>
+          <dgm:constr type="t" for="ch" forName="ThreeNodes_1"/>
+          <dgm:constr type="l" for="ch" forName="ThreeNodes_1"/>
+          <dgm:constr type="w" for="ch" forName="ThreeNodes_2" refType="w" fact="0.85"/>
+          <dgm:constr type="h" for="ch" forName="ThreeNodes_2" refType="h" fact="0.3"/>
+          <dgm:constr type="ctrY" for="ch" forName="ThreeNodes_2" refType="h" fact="0.5"/>
+          <dgm:constr type="ctrX" for="ch" forName="ThreeNodes_2" refType="w" fact="0.5"/>
+          <dgm:constr type="w" for="ch" forName="ThreeNodes_3" refType="w" fact="0.85"/>
+          <dgm:constr type="h" for="ch" forName="ThreeNodes_3" refType="h" fact="0.3"/>
+          <dgm:constr type="b" for="ch" forName="ThreeNodes_3" refType="h"/>
+          <dgm:constr type="r" for="ch" forName="ThreeNodes_3" refType="w"/>
+          <dgm:constr type="w" for="ch" forName="ThreeConn_1-2" refType="h" refFor="ch" refForName="ThreeNodes_1" fact="0.65"/>
+          <dgm:constr type="h" for="ch" forName="ThreeConn_1-2" refType="h" refFor="ch" refForName="ThreeNodes_1" fact="0.65"/>
+          <dgm:constr type="ctrY" for="ch" forName="ThreeConn_1-2" refType="h" fact="0.325"/>
+          <dgm:constr type="r" for="ch" forName="ThreeConn_1-2" refType="r" refFor="ch" refForName="ThreeNodes_1"/>
+          <dgm:constr type="w" for="ch" forName="ThreeConn_2-3" refType="h" refFor="ch" refForName="ThreeNodes_2" fact="0.65"/>
+          <dgm:constr type="h" for="ch" forName="ThreeConn_2-3" refType="h" refFor="ch" refForName="ThreeNodes_2" fact="0.65"/>
+          <dgm:constr type="ctrY" for="ch" forName="ThreeConn_2-3" refType="h" fact="0.673"/>
+          <dgm:constr type="r" for="ch" forName="ThreeConn_2-3" refType="r" refFor="ch" refForName="ThreeNodes_2"/>
+          <dgm:constr type="r" for="ch" forName="ThreeNodes_1_text" refType="l" refFor="ch" refForName="ThreeConn_1-2"/>
+          <dgm:constr type="rOff" for="ch" forName="ThreeNodes_1_text" refType="w" refFor="ch" refForName="ThreeConn_1-2" fact="-0.57"/>
+          <dgm:constr type="t" for="ch" forName="ThreeNodes_1_text" refType="t" refFor="ch" refForName="ThreeNodes_1"/>
+          <dgm:constr type="b" for="ch" forName="ThreeNodes_1_text" refType="b" refFor="ch" refForName="ThreeNodes_1"/>
+          <dgm:constr type="l" for="ch" forName="ThreeNodes_1_text" refType="l" refFor="ch" refForName="ThreeNodes_1"/>
+          <dgm:constr type="r" for="ch" forName="ThreeNodes_2_text" refType="l" refFor="ch" refForName="ThreeConn_1-2"/>
+          <dgm:constr type="t" for="ch" forName="ThreeNodes_2_text" refType="t" refFor="ch" refForName="ThreeNodes_2"/>
+          <dgm:constr type="b" for="ch" forName="ThreeNodes_2_text" refType="b" refFor="ch" refForName="ThreeNodes_2"/>
+          <dgm:constr type="l" for="ch" forName="ThreeNodes_2_text" refType="l" refFor="ch" refForName="ThreeNodes_2"/>
+          <dgm:constr type="r" for="ch" forName="ThreeNodes_3_text" refType="l" refFor="ch" refForName="ThreeConn_2-3"/>
+          <dgm:constr type="t" for="ch" forName="ThreeNodes_3_text" refType="t" refFor="ch" refForName="ThreeNodes_3"/>
+          <dgm:constr type="b" for="ch" forName="ThreeNodes_3_text" refType="b" refFor="ch" refForName="ThreeNodes_3"/>
+          <dgm:constr type="l" for="ch" forName="ThreeNodes_3_text" refType="l" refFor="ch" refForName="ThreeNodes_3"/>
+          <dgm:constr type="w" for="ch" forName="FourNodes_1" refType="w" fact="0.8"/>
+          <dgm:constr type="h" for="ch" forName="FourNodes_1" refType="h" fact="0.22"/>
+          <dgm:constr type="t" for="ch" forName="FourNodes_1"/>
+          <dgm:constr type="l" for="ch" forName="FourNodes_1"/>
+          <dgm:constr type="w" for="ch" forName="FourNodes_2" refType="w" fact="0.8"/>
+          <dgm:constr type="h" for="ch" forName="FourNodes_2" refType="h" fact="0.22"/>
+          <dgm:constr type="ctrY" for="ch" forName="FourNodes_2" refType="h" fact="0.37"/>
+          <dgm:constr type="ctrX" for="ch" forName="FourNodes_2" refType="w" fact="0.467"/>
+          <dgm:constr type="w" for="ch" forName="FourNodes_3" refType="w" fact="0.8"/>
+          <dgm:constr type="h" for="ch" forName="FourNodes_3" refType="h" fact="0.22"/>
+          <dgm:constr type="ctrY" for="ch" forName="FourNodes_3" refType="h" fact="0.63"/>
+          <dgm:constr type="ctrX" for="ch" forName="FourNodes_3" refType="w" fact="0.533"/>
+          <dgm:constr type="w" for="ch" forName="FourNodes_4" refType="w" fact="0.8"/>
+          <dgm:constr type="h" for="ch" forName="FourNodes_4" refType="h" fact="0.22"/>
+          <dgm:constr type="b" for="ch" forName="FourNodes_4" refType="h"/>
+          <dgm:constr type="r" for="ch" forName="FourNodes_4" refType="w"/>
+          <dgm:constr type="w" for="ch" forName="FourConn_1-2" refType="h" refFor="ch" refForName="FourNodes_1" fact="0.65"/>
+          <dgm:constr type="h" for="ch" forName="FourConn_1-2" refType="h" refFor="ch" refForName="FourNodes_1" fact="0.65"/>
+          <dgm:constr type="ctrY" for="ch" forName="FourConn_1-2" refType="h" fact="0.24"/>
+          <dgm:constr type="r" for="ch" forName="FourConn_1-2" refType="r" refFor="ch" refForName="FourNodes_1"/>
+          <dgm:constr type="w" for="ch" forName="FourConn_2-3" refType="h" refFor="ch" refForName="FourNodes_2" fact="0.65"/>
+          <dgm:constr type="h" for="ch" forName="FourConn_2-3" refType="h" refFor="ch" refForName="FourNodes_2" fact="0.65"/>
+          <dgm:constr type="ctrY" for="ch" forName="FourConn_2-3" refType="h" fact="0.5"/>
+          <dgm:constr type="r" for="ch" forName="FourConn_2-3" refType="r" refFor="ch" refForName="FourNodes_2"/>
+          <dgm:constr type="w" for="ch" forName="FourConn_3-4" refType="h" refFor="ch" refForName="FourNodes_3" fact="0.65"/>
+          <dgm:constr type="h" for="ch" forName="FourConn_3-4" refType="h" refFor="ch" refForName="FourNodes_3" fact="0.65"/>
+          <dgm:constr type="ctrY" for="ch" forName="FourConn_3-4" refType="h" fact="0.76"/>
+          <dgm:constr type="r" for="ch" forName="FourConn_3-4" refType="r" refFor="ch" refForName="FourNodes_3"/>
+          <dgm:constr type="r" for="ch" forName="FourNodes_1_text" refType="l" refFor="ch" refForName="FourConn_1-2"/>
+          <dgm:constr type="rOff" for="ch" forName="FourNodes_1_text" refType="w" refFor="ch" refForName="FourConn_1-2" fact="-0.7"/>
+          <dgm:constr type="t" for="ch" forName="FourNodes_1_text" refType="t" refFor="ch" refForName="FourNodes_1"/>
+          <dgm:constr type="b" for="ch" forName="FourNodes_1_text" refType="b" refFor="ch" refForName="FourNodes_1"/>
+          <dgm:constr type="l" for="ch" forName="FourNodes_1_text" refType="l" refFor="ch" refForName="FourNodes_1"/>
+          <dgm:constr type="r" for="ch" forName="FourNodes_2_text" refType="l" refFor="ch" refForName="FourConn_1-2"/>
+          <dgm:constr type="t" for="ch" forName="FourNodes_2_text" refType="t" refFor="ch" refForName="FourNodes_2"/>
+          <dgm:constr type="b" for="ch" forName="FourNodes_2_text" refType="b" refFor="ch" refForName="FourNodes_2"/>
+          <dgm:constr type="l" for="ch" forName="FourNodes_2_text" refType="l" refFor="ch" refForName="FourNodes_2"/>
+          <dgm:constr type="r" for="ch" forName="FourNodes_3_text" refType="l" refFor="ch" refForName="FourConn_2-3"/>
+          <dgm:constr type="t" for="ch" forName="FourNodes_3_text" refType="t" refFor="ch" refForName="FourNodes_3"/>
+          <dgm:constr type="b" for="ch" forName="FourNodes_3_text" refType="b" refFor="ch" refForName="FourNodes_3"/>
+          <dgm:constr type="l" for="ch" forName="FourNodes_3_text" refType="l" refFor="ch" refForName="FourNodes_3"/>
+          <dgm:constr type="r" for="ch" forName="FourNodes_4_text" refType="l" refFor="ch" refForName="FourConn_3-4"/>
+          <dgm:constr type="t" for="ch" forName="FourNodes_4_text" refType="t" refFor="ch" refForName="FourNodes_4"/>
+          <dgm:constr type="b" for="ch" forName="FourNodes_4_text" refType="b" refFor="ch" refForName="FourNodes_4"/>
+          <dgm:constr type="l" for="ch" forName="FourNodes_4_text" refType="l" refFor="ch" refForName="FourNodes_4"/>
+          <dgm:constr type="w" for="ch" forName="FiveNodes_1" refType="w" fact="0.77"/>
+          <dgm:constr type="h" for="ch" forName="FiveNodes_1" refType="h" fact="0.18"/>
+          <dgm:constr type="t" for="ch" forName="FiveNodes_1"/>
+          <dgm:constr type="l" for="ch" forName="FiveNodes_1"/>
+          <dgm:constr type="w" for="ch" forName="FiveNodes_2" refType="w" fact="0.77"/>
+          <dgm:constr type="h" for="ch" forName="FiveNodes_2" refType="h" fact="0.18"/>
+          <dgm:constr type="ctrY" for="ch" forName="FiveNodes_2" refType="h" fact="0.295"/>
+          <dgm:constr type="ctrX" for="ch" forName="FiveNodes_2" refType="w" fact="0.4425"/>
+          <dgm:constr type="w" for="ch" forName="FiveNodes_3" refType="w" fact="0.77"/>
+          <dgm:constr type="h" for="ch" forName="FiveNodes_3" refType="h" fact="0.18"/>
+          <dgm:constr type="ctrY" for="ch" forName="FiveNodes_3" refType="h" fact="0.5"/>
+          <dgm:constr type="ctrX" for="ch" forName="FiveNodes_3" refType="w" fact="0.5"/>
+          <dgm:constr type="w" for="ch" forName="FiveNodes_4" refType="w" fact="0.77"/>
+          <dgm:constr type="h" for="ch" forName="FiveNodes_4" refType="h" fact="0.18"/>
+          <dgm:constr type="ctrY" for="ch" forName="FiveNodes_4" refType="h" fact="0.705"/>
+          <dgm:constr type="ctrX" for="ch" forName="FiveNodes_4" refType="w" fact="0.5575"/>
+          <dgm:constr type="w" for="ch" forName="FiveNodes_5" refType="w" fact="0.77"/>
+          <dgm:constr type="h" for="ch" forName="FiveNodes_5" refType="h" fact="0.18"/>
+          <dgm:constr type="b" for="ch" forName="FiveNodes_5" refType="h"/>
+          <dgm:constr type="r" for="ch" forName="FiveNodes_5" refType="w"/>
+          <dgm:constr type="w" for="ch" forName="FiveConn_1-2" refType="h" refFor="ch" refForName="FiveNodes_1" fact="0.65"/>
+          <dgm:constr type="h" for="ch" forName="FiveConn_1-2" refType="h" refFor="ch" refForName="FiveNodes_1" fact="0.65"/>
+          <dgm:constr type="ctrY" for="ch" forName="FiveConn_1-2" refType="h" fact="0.19"/>
+          <dgm:constr type="r" for="ch" forName="FiveConn_1-2" refType="r" refFor="ch" refForName="FiveNodes_1"/>
+          <dgm:constr type="w" for="ch" forName="FiveConn_2-3" refType="h" refFor="ch" refForName="FiveNodes_2" fact="0.65"/>
+          <dgm:constr type="h" for="ch" forName="FiveConn_2-3" refType="h" refFor="ch" refForName="FiveNodes_2" fact="0.65"/>
+          <dgm:constr type="ctrY" for="ch" forName="FiveConn_2-3" refType="h" fact="0.395"/>
+          <dgm:constr type="r" for="ch" forName="FiveConn_2-3" refType="r" refFor="ch" refForName="FiveNodes_2"/>
+          <dgm:constr type="w" for="ch" forName="FiveConn_3-4" refType="h" refFor="ch" refForName="FiveNodes_3" fact="0.65"/>
+          <dgm:constr type="h" for="ch" forName="FiveConn_3-4" refType="h" refFor="ch" refForName="FiveNodes_3" fact="0.65"/>
+          <dgm:constr type="ctrY" for="ch" forName="FiveConn_3-4" refType="h" fact="0.597"/>
+          <dgm:constr type="r" for="ch" forName="FiveConn_3-4" refType="r" refFor="ch" refForName="FiveNodes_3"/>
+          <dgm:constr type="w" for="ch" forName="FiveConn_4-5" refType="h" refFor="ch" refForName="FiveNodes_4" fact="0.65"/>
+          <dgm:constr type="h" for="ch" forName="FiveConn_4-5" refType="h" refFor="ch" refForName="FiveNodes_4" fact="0.65"/>
+          <dgm:constr type="ctrY" for="ch" forName="FiveConn_4-5" refType="h" fact="0.804"/>
+          <dgm:constr type="r" for="ch" forName="FiveConn_4-5" refType="r" refFor="ch" refForName="FiveNodes_4"/>
+          <dgm:constr type="r" for="ch" forName="FiveNodes_1_text" refType="l" refFor="ch" refForName="FiveConn_1-2"/>
+          <dgm:constr type="rOff" for="ch" forName="FiveNodes_1_text" refType="w" refFor="ch" refForName="FiveConn_1-2" fact="-0.75"/>
+          <dgm:constr type="t" for="ch" forName="FiveNodes_1_text" refType="t" refFor="ch" refForName="FiveNodes_1"/>
+          <dgm:constr type="b" for="ch" forName="FiveNodes_1_text" refType="b" refFor="ch" refForName="FiveNodes_1"/>
+          <dgm:constr type="l" for="ch" forName="FiveNodes_1_text" refType="l" refFor="ch" refForName="FiveNodes_1"/>
+          <dgm:constr type="r" for="ch" forName="FiveNodes_2_text" refType="l" refFor="ch" refForName="FiveConn_1-2"/>
+          <dgm:constr type="t" for="ch" forName="FiveNodes_2_text" refType="t" refFor="ch" refForName="FiveNodes_2"/>
+          <dgm:constr type="b" for="ch" forName="FiveNodes_2_text" refType="b" refFor="ch" refForName="FiveNodes_2"/>
+          <dgm:constr type="l" for="ch" forName="FiveNodes_2_text" refType="l" refFor="ch" refForName="FiveNodes_2"/>
+          <dgm:constr type="r" for="ch" forName="FiveNodes_3_text" refType="l" refFor="ch" refForName="FiveConn_2-3"/>
+          <dgm:constr type="t" for="ch" forName="FiveNodes_3_text" refType="t" refFor="ch" refForName="FiveNodes_3"/>
+          <dgm:constr type="b" for="ch" forName="FiveNodes_3_text" refType="b" refFor="ch" refForName="FiveNodes_3"/>
+          <dgm:constr type="l" for="ch" forName="FiveNodes_3_text" refType="l" refFor="ch" refForName="FiveNodes_3"/>
+          <dgm:constr type="r" for="ch" forName="FiveNodes_4_text" refType="l" refFor="ch" refForName="FiveConn_3-4"/>
+          <dgm:constr type="t" for="ch" forName="FiveNodes_4_text" refType="t" refFor="ch" refForName="FiveNodes_4"/>
+          <dgm:constr type="b" for="ch" forName="FiveNodes_4_text" refType="b" refFor="ch" refForName="FiveNodes_4"/>
+          <dgm:constr type="l" for="ch" forName="FiveNodes_4_text" refType="l" refFor="ch" refForName="FiveNodes_4"/>
+          <dgm:constr type="r" for="ch" forName="FiveNodes_5_text" refType="l" refFor="ch" refForName="FiveConn_4-5"/>
+          <dgm:constr type="t" for="ch" forName="FiveNodes_5_text" refType="t" refFor="ch" refForName="FiveNodes_5"/>
+          <dgm:constr type="b" for="ch" forName="FiveNodes_5_text" refType="b" refFor="ch" refForName="FiveNodes_5"/>
+          <dgm:constr type="l" for="ch" forName="FiveNodes_5_text" refType="l" refFor="ch" refForName="FiveNodes_5"/>
+        </dgm:constrLst>
+      </dgm:if>
+      <dgm:else name="Name2">
+        <dgm:constrLst>
+          <dgm:constr type="primFontSz" for="ch" ptType="node" op="equ" val="65"/>
+          <dgm:constr type="w" for="ch" forName="dummyMaxCanvas" refType="w"/>
+          <dgm:constr type="h" for="ch" forName="dummyMaxCanvas" refType="h"/>
+          <dgm:constr type="w" for="ch" forName="OneNode_1" refType="w"/>
+          <dgm:constr type="h" for="ch" forName="OneNode_1" refType="h" fact="0.5"/>
+          <dgm:constr type="ctrY" for="ch" forName="OneNode_1" refType="h" fact="0.5"/>
+          <dgm:constr type="w" for="ch" forName="TwoNodes_1" refType="w" fact="0.85"/>
+          <dgm:constr type="h" for="ch" forName="TwoNodes_1" refType="h" fact="0.45"/>
+          <dgm:constr type="t" for="ch" forName="TwoNodes_1"/>
+          <dgm:constr type="r" for="ch" forName="TwoNodes_1" refType="w"/>
+          <dgm:constr type="w" for="ch" forName="TwoNodes_2" refType="w" fact="0.85"/>
+          <dgm:constr type="h" for="ch" forName="TwoNodes_2" refType="h" fact="0.45"/>
+          <dgm:constr type="b" for="ch" forName="TwoNodes_2" refType="h"/>
+          <dgm:constr type="l" for="ch" forName="TwoNodes_2"/>
+          <dgm:constr type="w" for="ch" forName="TwoConn_1-2" refType="h" refFor="ch" refForName="TwoNodes_1" fact="0.65"/>
+          <dgm:constr type="h" for="ch" forName="TwoConn_1-2" refType="h" refFor="ch" refForName="TwoNodes_1" fact="0.65"/>
+          <dgm:constr type="ctrY" for="ch" forName="TwoConn_1-2" refType="h" fact="0.5"/>
+          <dgm:constr type="l" for="ch" forName="TwoConn_1-2" refType="l" refFor="ch" refForName="TwoNodes_1"/>
+          <dgm:constr type="l" for="ch" forName="TwoNodes_1_text" refType="r" refFor="ch" refForName="TwoConn_1-2"/>
+          <dgm:constr type="lOff" for="ch" forName="TwoNodes_1_text" refType="w" refFor="ch" refForName="TwoConn_1-2" fact="0.5"/>
+          <dgm:constr type="t" for="ch" forName="TwoNodes_1_text" refType="t" refFor="ch" refForName="TwoNodes_1"/>
+          <dgm:constr type="b" for="ch" forName="TwoNodes_1_text" refType="b" refFor="ch" refForName="TwoNodes_1"/>
+          <dgm:constr type="r" for="ch" forName="TwoNodes_1_text" refType="r" refFor="ch" refForName="TwoNodes_1"/>
+          <dgm:constr type="l" for="ch" forName="TwoNodes_2_text" refType="r" refFor="ch" refForName="TwoConn_1-2"/>
+          <dgm:constr type="t" for="ch" forName="TwoNodes_2_text" refType="t" refFor="ch" refForName="TwoNodes_2"/>
+          <dgm:constr type="b" for="ch" forName="TwoNodes_2_text" refType="b" refFor="ch" refForName="TwoNodes_2"/>
+          <dgm:constr type="r" for="ch" forName="TwoNodes_2_text" refType="r" refFor="ch" refForName="TwoNodes_2"/>
+          <dgm:constr type="w" for="ch" forName="ThreeNodes_1" refType="w" fact="0.85"/>
+          <dgm:constr type="h" for="ch" forName="ThreeNodes_1" refType="h" fact="0.3"/>
+          <dgm:constr type="t" for="ch" forName="ThreeNodes_1"/>
+          <dgm:constr type="r" for="ch" forName="ThreeNodes_1" refType="w"/>
+          <dgm:constr type="w" for="ch" forName="ThreeNodes_2" refType="w" fact="0.85"/>
+          <dgm:constr type="h" for="ch" forName="ThreeNodes_2" refType="h" fact="0.3"/>
+          <dgm:constr type="ctrY" for="ch" forName="ThreeNodes_2" refType="h" fact="0.5"/>
+          <dgm:constr type="ctrX" for="ch" forName="ThreeNodes_2" refType="w" fact="0.5"/>
+          <dgm:constr type="w" for="ch" forName="ThreeNodes_3" refType="w" fact="0.85"/>
+          <dgm:constr type="h" for="ch" forName="ThreeNodes_3" refType="h" fact="0.3"/>
+          <dgm:constr type="b" for="ch" forName="ThreeNodes_3" refType="h"/>
+          <dgm:constr type="l" for="ch" forName="ThreeNodes_3"/>
+          <dgm:constr type="w" for="ch" forName="ThreeConn_1-2" refType="h" refFor="ch" refForName="ThreeNodes_1" fact="0.65"/>
+          <dgm:constr type="h" for="ch" forName="ThreeConn_1-2" refType="h" refFor="ch" refForName="ThreeNodes_1" fact="0.65"/>
+          <dgm:constr type="ctrY" for="ch" forName="ThreeConn_1-2" refType="h" fact="0.325"/>
+          <dgm:constr type="l" for="ch" forName="ThreeConn_1-2" refType="l" refFor="ch" refForName="ThreeNodes_1"/>
+          <dgm:constr type="w" for="ch" forName="ThreeConn_2-3" refType="h" refFor="ch" refForName="ThreeNodes_2" fact="0.65"/>
+          <dgm:constr type="h" for="ch" forName="ThreeConn_2-3" refType="h" refFor="ch" refForName="ThreeNodes_2" fact="0.65"/>
+          <dgm:constr type="ctrY" for="ch" forName="ThreeConn_2-3" refType="h" fact="0.673"/>
+          <dgm:constr type="l" for="ch" forName="ThreeConn_2-3" refType="l" refFor="ch" refForName="ThreeNodes_2"/>
+          <dgm:constr type="l" for="ch" forName="ThreeNodes_1_text" refType="r" refFor="ch" refForName="ThreeConn_1-2"/>
+          <dgm:constr type="lOff" for="ch" forName="ThreeNodes_1_text" refType="w" refFor="ch" refForName="ThreeConn_1-2" fact="0.55"/>
+          <dgm:constr type="t" for="ch" forName="ThreeNodes_1_text" refType="t" refFor="ch" refForName="ThreeNodes_1"/>
+          <dgm:constr type="b" for="ch" forName="ThreeNodes_1_text" refType="b" refFor="ch" refForName="ThreeNodes_1"/>
+          <dgm:constr type="r" for="ch" forName="ThreeNodes_1_text" refType="r" refFor="ch" refForName="ThreeNodes_1"/>
+          <dgm:constr type="l" for="ch" forName="ThreeNodes_2_text" refType="r" refFor="ch" refForName="ThreeConn_1-2"/>
+          <dgm:constr type="t" for="ch" forName="ThreeNodes_2_text" refType="t" refFor="ch" refForName="ThreeNodes_2"/>
+          <dgm:constr type="b" for="ch" forName="ThreeNodes_2_text" refType="b" refFor="ch" refForName="ThreeNodes_2"/>
+          <dgm:constr type="r" for="ch" forName="ThreeNodes_2_text" refType="r" refFor="ch" refForName="ThreeNodes_2"/>
+          <dgm:constr type="l" for="ch" forName="ThreeNodes_3_text" refType="r" refFor="ch" refForName="ThreeConn_2-3"/>
+          <dgm:constr type="t" for="ch" forName="ThreeNodes_3_text" refType="t" refFor="ch" refForName="ThreeNodes_3"/>
+          <dgm:constr type="b" for="ch" forName="ThreeNodes_3_text" refType="b" refFor="ch" refForName="ThreeNodes_3"/>
+          <dgm:constr type="r" for="ch" forName="ThreeNodes_3_text" refType="r" refFor="ch" refForName="ThreeNodes_3"/>
+          <dgm:constr type="w" for="ch" forName="FourNodes_1" refType="w" fact="0.8"/>
+          <dgm:constr type="h" for="ch" forName="FourNodes_1" refType="h" fact="0.22"/>
+          <dgm:constr type="t" for="ch" forName="FourNodes_1"/>
+          <dgm:constr type="r" for="ch" forName="FourNodes_1" refType="w"/>
+          <dgm:constr type="w" for="ch" forName="FourNodes_2" refType="w" fact="0.8"/>
+          <dgm:constr type="h" for="ch" forName="FourNodes_2" refType="h" fact="0.22"/>
+          <dgm:constr type="ctrY" for="ch" forName="FourNodes_2" refType="h" fact="0.37"/>
+          <dgm:constr type="ctrX" for="ch" forName="FourNodes_2" refType="w" fact="0.533"/>
+          <dgm:constr type="w" for="ch" forName="FourNodes_3" refType="w" fact="0.8"/>
+          <dgm:constr type="h" for="ch" forName="FourNodes_3" refType="h" fact="0.22"/>
+          <dgm:constr type="ctrY" for="ch" forName="FourNodes_3" refType="h" fact="0.63"/>
+          <dgm:constr type="ctrX" for="ch" forName="FourNodes_3" refType="w" fact="0.467"/>
+          <dgm:constr type="w" for="ch" forName="FourNodes_4" refType="w" fact="0.8"/>
+          <dgm:constr type="h" for="ch" forName="FourNodes_4" refType="h" fact="0.22"/>
+          <dgm:constr type="b" for="ch" forName="FourNodes_4" refType="h"/>
+          <dgm:constr type="l" for="ch" forName="FourNodes_4"/>
+          <dgm:constr type="w" for="ch" forName="FourConn_1-2" refType="h" refFor="ch" refForName="FourNodes_1" fact="0.65"/>
+          <dgm:constr type="h" for="ch" forName="FourConn_1-2" refType="h" refFor="ch" refForName="FourNodes_1" fact="0.65"/>
+          <dgm:constr type="ctrY" for="ch" forName="FourConn_1-2" refType="h" fact="0.24"/>
+          <dgm:constr type="l" for="ch" forName="FourConn_1-2" refType="l" refFor="ch" refForName="FourNodes_1"/>
+          <dgm:constr type="w" for="ch" forName="FourConn_2-3" refType="h" refFor="ch" refForName="FourNodes_2" fact="0.65"/>
+          <dgm:constr type="h" for="ch" forName="FourConn_2-3" refType="h" refFor="ch" refForName="FourNodes_2" fact="0.65"/>
+          <dgm:constr type="ctrY" for="ch" forName="FourConn_2-3" refType="h" fact="0.5"/>
+          <dgm:constr type="l" for="ch" forName="FourConn_2-3" refType="l" refFor="ch" refForName="FourNodes_2"/>
+          <dgm:constr type="w" for="ch" forName="FourConn_3-4" refType="h" refFor="ch" refForName="FourNodes_3" fact="0.65"/>
+          <dgm:constr type="h" for="ch" forName="FourConn_3-4" refType="h" refFor="ch" refForName="FourNodes_3" fact="0.65"/>
+          <dgm:constr type="ctrY" for="ch" forName="FourConn_3-4" refType="h" fact="0.76"/>
+          <dgm:constr type="l" for="ch" forName="FourConn_3-4" refType="l" refFor="ch" refForName="FourNodes_3"/>
+          <dgm:constr type="l" for="ch" forName="FourNodes_1_text" refType="r" refFor="ch" refForName="FourConn_1-2"/>
+          <dgm:constr type="lOff" for="ch" forName="FourNodes_1_text" refType="w" refFor="ch" refForName="FourConn_1-2" fact="0.69"/>
+          <dgm:constr type="t" for="ch" forName="FourNodes_1_text" refType="t" refFor="ch" refForName="FourNodes_1"/>
+          <dgm:constr type="b" for="ch" forName="FourNodes_1_text" refType="b" refFor="ch" refForName="FourNodes_1"/>
+          <dgm:constr type="r" for="ch" forName="FourNodes_1_text" refType="r" refFor="ch" refForName="FourNodes_1"/>
+          <dgm:constr type="l" for="ch" forName="FourNodes_2_text" refType="r" refFor="ch" refForName="FourConn_1-2"/>
+          <dgm:constr type="t" for="ch" forName="FourNodes_2_text" refType="t" refFor="ch" refForName="FourNodes_2"/>
+          <dgm:constr type="b" for="ch" forName="FourNodes_2_text" refType="b" refFor="ch" refForName="FourNodes_2"/>
+          <dgm:constr type="r" for="ch" forName="FourNodes_2_text" refType="r" refFor="ch" refForName="FourNodes_2"/>
+          <dgm:constr type="l" for="ch" forName="FourNodes_3_text" refType="r" refFor="ch" refForName="FourConn_2-3"/>
+          <dgm:constr type="t" for="ch" forName="FourNodes_3_text" refType="t" refFor="ch" refForName="FourNodes_3"/>
+          <dgm:constr type="b" for="ch" forName="FourNodes_3_text" refType="b" refFor="ch" refForName="FourNodes_3"/>
+          <dgm:constr type="r" for="ch" forName="FourNodes_3_text" refType="r" refFor="ch" refForName="FourNodes_3"/>
+          <dgm:constr type="l" for="ch" forName="FourNodes_4_text" refType="r" refFor="ch" refForName="FourConn_3-4"/>
+          <dgm:constr type="t" for="ch" forName="FourNodes_4_text" refType="t" refFor="ch" refForName="FourNodes_4"/>
+          <dgm:constr type="b" for="ch" forName="FourNodes_4_text" refType="b" refFor="ch" refForName="FourNodes_4"/>
+          <dgm:constr type="r" for="ch" forName="FourNodes_4_text" refType="r" refFor="ch" refForName="FourNodes_4"/>
+          <dgm:constr type="w" for="ch" forName="FiveNodes_1" refType="w" fact="0.77"/>
+          <dgm:constr type="h" for="ch" forName="FiveNodes_1" refType="h" fact="0.18"/>
+          <dgm:constr type="t" for="ch" forName="FiveNodes_1"/>
+          <dgm:constr type="r" for="ch" forName="FiveNodes_1" refType="w"/>
+          <dgm:constr type="w" for="ch" forName="FiveNodes_2" refType="w" fact="0.77"/>
+          <dgm:constr type="h" for="ch" forName="FiveNodes_2" refType="h" fact="0.18"/>
+          <dgm:constr type="ctrY" for="ch" forName="FiveNodes_2" refType="h" fact="0.295"/>
+          <dgm:constr type="ctrX" for="ch" forName="FiveNodes_2" refType="w" fact="0.5575"/>
+          <dgm:constr type="w" for="ch" forName="FiveNodes_3" refType="w" fact="0.77"/>
+          <dgm:constr type="h" for="ch" forName="FiveNodes_3" refType="h" fact="0.18"/>
+          <dgm:constr type="ctrY" for="ch" forName="FiveNodes_3" refType="h" fact="0.5"/>
+          <dgm:constr type="ctrX" for="ch" forName="FiveNodes_3" refType="w" fact="0.5"/>
+          <dgm:constr type="w" for="ch" forName="FiveNodes_4" refType="w" fact="0.77"/>
+          <dgm:constr type="h" for="ch" forName="FiveNodes_4" refType="h" fact="0.18"/>
+          <dgm:constr type="ctrY" for="ch" forName="FiveNodes_4" refType="h" fact="0.705"/>
+          <dgm:constr type="ctrX" for="ch" forName="FiveNodes_4" refType="w" fact="0.4425"/>
+          <dgm:constr type="w" for="ch" forName="FiveNodes_5" refType="w" fact="0.77"/>
+          <dgm:constr type="h" for="ch" forName="FiveNodes_5" refType="h" fact="0.18"/>
+          <dgm:constr type="b" for="ch" forName="FiveNodes_5" refType="h"/>
+          <dgm:constr type="l" for="ch" forName="FiveNodes_5"/>
+          <dgm:constr type="w" for="ch" forName="FiveConn_1-2" refType="h" refFor="ch" refForName="FiveNodes_1" fact="0.65"/>
+          <dgm:constr type="h" for="ch" forName="FiveConn_1-2" refType="h" refFor="ch" refForName="FiveNodes_1" fact="0.65"/>
+          <dgm:constr type="ctrY" for="ch" forName="FiveConn_1-2" refType="h" fact="0.19"/>
+          <dgm:constr type="l" for="ch" forName="FiveConn_1-2" refType="l" refFor="ch" refForName="FiveNodes_1"/>
+          <dgm:constr type="w" for="ch" forName="FiveConn_2-3" refType="h" refFor="ch" refForName="FiveNodes_2" fact="0.65"/>
+          <dgm:constr type="h" for="ch" forName="FiveConn_2-3" refType="h" refFor="ch" refForName="FiveNodes_2" fact="0.65"/>
+          <dgm:constr type="ctrY" for="ch" forName="FiveConn_2-3" refType="h" fact="0.395"/>
+          <dgm:constr type="l" for="ch" forName="FiveConn_2-3" refType="l" refFor="ch" refForName="FiveNodes_2"/>
+          <dgm:constr type="w" for="ch" forName="FiveConn_3-4" refType="h" refFor="ch" refForName="FiveNodes_3" fact="0.65"/>
+          <dgm:constr type="h" for="ch" forName="FiveConn_3-4" refType="h" refFor="ch" refForName="FiveNodes_3" fact="0.65"/>
+          <dgm:constr type="ctrY" for="ch" forName="FiveConn_3-4" refType="h" fact="0.597"/>
+          <dgm:constr type="l" for="ch" forName="FiveConn_3-4" refType="l" refFor="ch" refForName="FiveNodes_3"/>
+          <dgm:constr type="w" for="ch" forName="FiveConn_4-5" refType="h" refFor="ch" refForName="FiveNodes_4" fact="0.65"/>
+          <dgm:constr type="h" for="ch" forName="FiveConn_4-5" refType="h" refFor="ch" refForName="FiveNodes_4" fact="0.65"/>
+          <dgm:constr type="ctrY" for="ch" forName="FiveConn_4-5" refType="h" fact="0.804"/>
+          <dgm:constr type="l" for="ch" forName="FiveConn_4-5" refType="l" refFor="ch" refForName="FiveNodes_4"/>
+          <dgm:constr type="l" for="ch" forName="FiveNodes_1_text" refType="r" refFor="ch" refForName="FiveConn_1-2"/>
+          <dgm:constr type="lOff" for="ch" forName="FiveNodes_1_text" refType="w" refFor="ch" refForName="FiveConn_1-2" fact="0.73"/>
+          <dgm:constr type="t" for="ch" forName="FiveNodes_1_text" refType="t" refFor="ch" refForName="FiveNodes_1"/>
+          <dgm:constr type="b" for="ch" forName="FiveNodes_1_text" refType="b" refFor="ch" refForName="FiveNodes_1"/>
+          <dgm:constr type="r" for="ch" forName="FiveNodes_1_text" refType="r" refFor="ch" refForName="FiveNodes_1"/>
+          <dgm:constr type="l" for="ch" forName="FiveNodes_2_text" refType="r" refFor="ch" refForName="FiveConn_1-2"/>
+          <dgm:constr type="t" for="ch" forName="FiveNodes_2_text" refType="t" refFor="ch" refForName="FiveNodes_2"/>
+          <dgm:constr type="b" for="ch" forName="FiveNodes_2_text" refType="b" refFor="ch" refForName="FiveNodes_2"/>
+          <dgm:constr type="r" for="ch" forName="FiveNodes_2_text" refType="r" refFor="ch" refForName="FiveNodes_2"/>
+          <dgm:constr type="l" for="ch" forName="FiveNodes_3_text" refType="r" refFor="ch" refForName="FiveConn_2-3"/>
+          <dgm:constr type="t" for="ch" forName="FiveNodes_3_text" refType="t" refFor="ch" refForName="FiveNodes_3"/>
+          <dgm:constr type="b" for="ch" forName="FiveNodes_3_text" refType="b" refFor="ch" refForName="FiveNodes_3"/>
+          <dgm:constr type="r" for="ch" forName="FiveNodes_3_text" refType="r" refFor="ch" refForName="FiveNodes_3"/>
+          <dgm:constr type="l" for="ch" forName="FiveNodes_4_text" refType="r" refFor="ch" refForName="FiveConn_3-4"/>
+          <dgm:constr type="t" for="ch" forName="FiveNodes_4_text" refType="t" refFor="ch" refForName="FiveNodes_4"/>
+          <dgm:constr type="b" for="ch" forName="FiveNodes_4_text" refType="b" refFor="ch" refForName="FiveNodes_4"/>
+          <dgm:constr type="r" for="ch" forName="FiveNodes_4_text" refType="r" refFor="ch" refForName="FiveNodes_4"/>
+          <dgm:constr type="l" for="ch" forName="FiveNodes_5_text" refType="r" refFor="ch" refForName="FiveConn_4-5"/>
+          <dgm:constr type="t" for="ch" forName="FiveNodes_5_text" refType="t" refFor="ch" refForName="FiveNodes_5"/>
+          <dgm:constr type="b" for="ch" forName="FiveNodes_5_text" refType="b" refFor="ch" refForName="FiveNodes_5"/>
+          <dgm:constr type="r" for="ch" forName="FiveNodes_5_text" refType="r" refFor="ch" refForName="FiveNodes_5"/>
+        </dgm:constrLst>
+      </dgm:else>
+    </dgm:choose>
+    <dgm:ruleLst/>
+    <dgm:layoutNode name="dummyMaxCanvas">
+      <dgm:varLst/>
+      <dgm:alg type="sp"/>
+      <dgm:shape xmlns:r="http://schemas.openxmlformats.org/officeDocument/2006/relationships" r:blip="">
+        <dgm:adjLst/>
+      </dgm:shape>
+      <dgm:presOf/>
+      <dgm:constrLst/>
+      <dgm:ruleLst/>
+    </dgm:layoutNode>
+    <dgm:choose name="Name3">
+      <dgm:if name="Name4" axis="ch" ptType="node" func="cnt" op="equ" val="1">
+        <dgm:layoutNode name="OneNode_1">
+          <dgm:varLst>
+            <dgm:bulletEnabled val="1"/>
+          </dgm:varLst>
+          <dgm:alg type="tx"/>
+          <dgm:shape xmlns:r="http://schemas.openxmlformats.org/officeDocument/2006/relationships" type="roundRect" r:blip="">
+            <dgm:adjLst>
+              <dgm:adj idx="1" val="0.1"/>
+            </dgm:adjLst>
+          </dgm:shape>
+          <dgm:presOf axis="ch desOrSelf" ptType="node node" st="1 1" cnt="1 0"/>
+          <dgm:constrLst>
+            <dgm:constr type="lMarg" refType="primFontSz" fact="0.3"/>
+            <dgm:constr type="rMarg" refType="primFontSz" fact="0.3"/>
+            <dgm:constr type="tMarg" refType="primFontSz" fact="0.3"/>
+            <dgm:constr type="bMarg" refType="primFontSz" fact="0.3"/>
+          </dgm:constrLst>
+          <dgm:ruleLst>
+            <dgm:rule type="primFontSz" val="5" fact="NaN" max="NaN"/>
+          </dgm:ruleLst>
+        </dgm:layoutNode>
+      </dgm:if>
+      <dgm:else name="Name5">
+        <dgm:choose name="Name6">
+          <dgm:if name="Name7" axis="ch" ptType="node" func="cnt" op="equ" val="2">
+            <dgm:layoutNode name="TwoNodes_1">
+              <dgm:varLst>
+                <dgm:bulletEnabled val="1"/>
+              </dgm:varLst>
+              <dgm:alg type="sp"/>
+              <dgm:shape xmlns:r="http://schemas.openxmlformats.org/officeDocument/2006/relationships" type="roundRect" r:blip="">
+                <dgm:adjLst>
+                  <dgm:adj idx="1" val="0.1"/>
+                </dgm:adjLst>
+              </dgm:shape>
+              <dgm:presOf axis="ch desOrSelf" ptType="node node" st="1 1" cnt="1 0"/>
+              <dgm:constrLst/>
+              <dgm:ruleLst/>
+            </dgm:layoutNode>
+            <dgm:layoutNode name="TwoNodes_2">
+              <dgm:varLst>
+                <dgm:bulletEnabled val="1"/>
+              </dgm:varLst>
+              <dgm:alg type="sp"/>
+              <dgm:shape xmlns:r="http://schemas.openxmlformats.org/officeDocument/2006/relationships" type="roundRect" r:blip="">
+                <dgm:adjLst>
+                  <dgm:adj idx="1" val="0.1"/>
+                </dgm:adjLst>
+              </dgm:shape>
+              <dgm:presOf axis="ch desOrSelf" ptType="node node" st="2 1" cnt="1 0"/>
+              <dgm:constrLst/>
+              <dgm:ruleLst/>
+            </dgm:layoutNode>
+            <dgm:layoutNode name="TwoConn_1-2" styleLbl="fgAccFollowNode1">
+              <dgm:varLst>
+                <dgm:bulletEnabled val="1"/>
+              </dgm:varLst>
+              <dgm:alg type="tx"/>
+              <dgm:shape xmlns:r="http://schemas.openxmlformats.org/officeDocument/2006/relationships" type="downArrow" r:blip="">
+                <dgm:adjLst>
+                  <dgm:adj idx="1" val="0.55"/>
+                  <dgm:adj idx="2" val="0.45"/>
+                </dgm:adjLst>
+              </dgm:shape>
+              <dgm:presOf axis="ch" ptType="sibTrans" cnt="1"/>
+              <dgm:constrLst>
+                <dgm:constr type="lMarg" refType="primFontSz" fact="0.1"/>
+                <dgm:constr type="rMarg" refType="primFontSz" fact="0.1"/>
+                <dgm:constr type="tMarg" refType="primFontSz" fact="0.1"/>
+                <dgm:constr type="bMarg" refType="primFontSz" fact="0.1"/>
+              </dgm:constrLst>
+              <dgm:ruleLst>
+                <dgm:rule type="primFontSz" val="5" fact="NaN" max="NaN"/>
+              </dgm:ruleLst>
+            </dgm:layoutNode>
+            <dgm:layoutNode name="TwoNodes_1_text">
+              <dgm:varLst>
+                <dgm:bulletEnabled val="1"/>
+              </dgm:varLst>
+              <dgm:alg type="tx">
+                <dgm:param type="parTxLTRAlign" val="l"/>
+                <dgm:param type="txAnchorVertCh" val="mid"/>
+              </dgm:alg>
+              <dgm:shape xmlns:r="http://schemas.openxmlformats.org/officeDocument/2006/relationships" type="roundRect" r:blip="" hideGeom="1">
+                <dgm:adjLst>
+                  <dgm:adj idx="1" val="0.1"/>
+                </dgm:adjLst>
+              </dgm:shape>
+              <dgm:presOf axis="ch desOrSelf" ptType="node node" st="1 1" cnt="1 0"/>
+              <dgm:constrLst>
+                <dgm:constr type="lMarg" refType="primFontSz" fact="0.3"/>
+                <dgm:constr type="rMarg" refType="primFontSz" fact="0.3"/>
+                <dgm:constr type="tMarg" refType="primFontSz" fact="0.3"/>
+                <dgm:constr type="bMarg" refType="primFontSz" fact="0.3"/>
+              </dgm:constrLst>
+              <dgm:ruleLst>
+                <dgm:rule type="primFontSz" val="5" fact="NaN" max="NaN"/>
+              </dgm:ruleLst>
+            </dgm:layoutNode>
+            <dgm:layoutNode name="TwoNodes_2_text">
+              <dgm:varLst>
+                <dgm:bulletEnabled val="1"/>
+              </dgm:varLst>
+              <dgm:alg type="tx">
+                <dgm:param type="parTxLTRAlign" val="l"/>
+                <dgm:param type="txAnchorVertCh" val="mid"/>
+              </dgm:alg>
+              <dgm:shape xmlns:r="http://schemas.openxmlformats.org/officeDocument/2006/relationships" type="roundRect" r:blip="" hideGeom="1">
+                <dgm:adjLst>
+                  <dgm:adj idx="1" val="0.1"/>
+                </dgm:adjLst>
+              </dgm:shape>
+              <dgm:presOf axis="ch desOrSelf" ptType="node node" st="2 1" cnt="1 0"/>
+              <dgm:constrLst>
+                <dgm:constr type="lMarg" refType="primFontSz" fact="0.3"/>
+                <dgm:constr type="rMarg" refType="primFontSz" fact="0.3"/>
+                <dgm:constr type="tMarg" refType="primFontSz" fact="0.3"/>
+                <dgm:constr type="bMarg" refType="primFontSz" fact="0.3"/>
+              </dgm:constrLst>
+              <dgm:ruleLst>
+                <dgm:rule type="primFontSz" val="5" fact="NaN" max="NaN"/>
+              </dgm:ruleLst>
+            </dgm:layoutNode>
+          </dgm:if>
+          <dgm:else name="Name8">
+            <dgm:choose name="Name9">
+              <dgm:if name="Name10" axis="ch" ptType="node" func="cnt" op="equ" val="3">
+                <dgm:layoutNode name="ThreeNodes_1">
+                  <dgm:varLst>
+                    <dgm:bulletEnabled val="1"/>
+                  </dgm:varLst>
+                  <dgm:alg type="sp"/>
+                  <dgm:shape xmlns:r="http://schemas.openxmlformats.org/officeDocument/2006/relationships" type="roundRect" r:blip="">
+                    <dgm:adjLst>
+                      <dgm:adj idx="1" val="0.1"/>
+                    </dgm:adjLst>
+                  </dgm:shape>
+                  <dgm:presOf axis="ch desOrSelf" ptType="node node" st="1 1" cnt="1 0"/>
+                  <dgm:constrLst/>
+                  <dgm:ruleLst/>
+                </dgm:layoutNode>
+                <dgm:layoutNode name="ThreeNodes_2">
+                  <dgm:varLst>
+                    <dgm:bulletEnabled val="1"/>
+                  </dgm:varLst>
+                  <dgm:alg type="sp"/>
+                  <dgm:shape xmlns:r="http://schemas.openxmlformats.org/officeDocument/2006/relationships" type="roundRect" r:blip="">
+                    <dgm:adjLst>
+                      <dgm:adj idx="1" val="0.1"/>
+                    </dgm:adjLst>
+                  </dgm:shape>
+                  <dgm:presOf axis="ch desOrSelf" ptType="node node" st="2 1" cnt="1 0"/>
+                  <dgm:constrLst/>
+                  <dgm:ruleLst/>
+                </dgm:layoutNode>
+                <dgm:layoutNode name="ThreeNodes_3">
+                  <dgm:varLst>
+                    <dgm:bulletEnabled val="1"/>
+                  </dgm:varLst>
+                  <dgm:alg type="sp"/>
+                  <dgm:shape xmlns:r="http://schemas.openxmlformats.org/officeDocument/2006/relationships" type="roundRect" r:blip="">
+                    <dgm:adjLst>
+                      <dgm:adj idx="1" val="0.1"/>
+                    </dgm:adjLst>
+                  </dgm:shape>
+                  <dgm:presOf axis="ch desOrSelf" ptType="node node" st="3 1" cnt="1 0"/>
+                  <dgm:constrLst/>
+                  <dgm:ruleLst/>
+                </dgm:layoutNode>
+                <dgm:layoutNode name="ThreeConn_1-2" styleLbl="fgAccFollowNode1">
+                  <dgm:varLst>
+                    <dgm:bulletEnabled val="1"/>
+                  </dgm:varLst>
+                  <dgm:alg type="tx"/>
+                  <dgm:shape xmlns:r="http://schemas.openxmlformats.org/officeDocument/2006/relationships" type="downArrow" r:blip="">
+                    <dgm:adjLst>
+                      <dgm:adj idx="1" val="0.55"/>
+                      <dgm:adj idx="2" val="0.45"/>
+                    </dgm:adjLst>
+                  </dgm:shape>
+                  <dgm:presOf axis="ch" ptType="sibTrans" cnt="1"/>
+                  <dgm:constrLst>
+                    <dgm:constr type="lMarg" refType="primFontSz" fact="0.1"/>
+                    <dgm:constr type="rMarg" refType="primFontSz" fact="0.1"/>
+                    <dgm:constr type="tMarg" refType="primFontSz" fact="0.1"/>
+                    <dgm:constr type="bMarg" refType="primFontSz" fact="0.1"/>
+                  </dgm:constrLst>
+                  <dgm:ruleLst>
+                    <dgm:rule type="primFontSz" val="5" fact="NaN" max="NaN"/>
+                  </dgm:ruleLst>
+                </dgm:layoutNode>
+                <dgm:layoutNode name="ThreeConn_2-3" styleLbl="fgAccFollowNode1">
+                  <dgm:varLst>
+                    <dgm:bulletEnabled val="1"/>
+                  </dgm:varLst>
+                  <dgm:alg type="tx"/>
+                  <dgm:shape xmlns:r="http://schemas.openxmlformats.org/officeDocument/2006/relationships" type="downArrow" r:blip="">
+                    <dgm:adjLst>
+                      <dgm:adj idx="1" val="0.55"/>
+                      <dgm:adj idx="2" val="0.45"/>
+                    </dgm:adjLst>
+                  </dgm:shape>
+                  <dgm:presOf axis="ch" ptType="sibTrans" st="2" cnt="1"/>
+                  <dgm:constrLst>
+                    <dgm:constr type="lMarg" refType="primFontSz" fact="0.1"/>
+                    <dgm:constr type="rMarg" refType="primFontSz" fact="0.1"/>
+                    <dgm:constr type="tMarg" refType="primFontSz" fact="0.1"/>
+                    <dgm:constr type="bMarg" refType="primFontSz" fact="0.1"/>
+                  </dgm:constrLst>
+                  <dgm:ruleLst>
+                    <dgm:rule type="primFontSz" val="5" fact="NaN" max="NaN"/>
+                  </dgm:ruleLst>
+                </dgm:layoutNode>
+                <dgm:layoutNode name="ThreeNodes_1_text">
+                  <dgm:varLst>
+                    <dgm:bulletEnabled val="1"/>
+                  </dgm:varLst>
+                  <dgm:alg type="tx">
+                    <dgm:param type="parTxLTRAlign" val="l"/>
+                    <dgm:param type="txAnchorVertCh" val="mid"/>
+                  </dgm:alg>
+                  <dgm:shape xmlns:r="http://schemas.openxmlformats.org/officeDocument/2006/relationships" type="roundRect" r:blip="" hideGeom="1">
+                    <dgm:adjLst>
+                      <dgm:adj idx="1" val="0.1"/>
+                    </dgm:adjLst>
+                  </dgm:shape>
+                  <dgm:presOf axis="ch desOrSelf" ptType="node node" st="1 1" cnt="1 0"/>
+                  <dgm:constrLst>
+                    <dgm:constr type="lMarg" refType="primFontSz" fact="0.3"/>
+                    <dgm:constr type="rMarg" refType="primFontSz" fact="0.3"/>
+                    <dgm:constr type="tMarg" refType="primFontSz" fact="0.3"/>
+                    <dgm:constr type="bMarg" refType="primFontSz" fact="0.3"/>
+                  </dgm:constrLst>
+                  <dgm:ruleLst>
+                    <dgm:rule type="primFontSz" val="5" fact="NaN" max="NaN"/>
+                  </dgm:ruleLst>
+                </dgm:layoutNode>
+                <dgm:layoutNode name="ThreeNodes_2_text">
+                  <dgm:varLst>
+                    <dgm:bulletEnabled val="1"/>
+                  </dgm:varLst>
+                  <dgm:alg type="tx">
+                    <dgm:param type="parTxLTRAlign" val="l"/>
+                    <dgm:param type="txAnchorVertCh" val="mid"/>
+                  </dgm:alg>
+                  <dgm:shape xmlns:r="http://schemas.openxmlformats.org/officeDocument/2006/relationships" type="roundRect" r:blip="" hideGeom="1">
+                    <dgm:adjLst>
+                      <dgm:adj idx="1" val="0.1"/>
+                    </dgm:adjLst>
+                  </dgm:shape>
+                  <dgm:presOf axis="ch desOrSelf" ptType="node node" st="2 1" cnt="1 0"/>
+                  <dgm:constrLst>
+                    <dgm:constr type="lMarg" refType="primFontSz" fact="0.3"/>
+                    <dgm:constr type="rMarg" refType="primFontSz" fact="0.3"/>
+                    <dgm:constr type="tMarg" refType="primFontSz" fact="0.3"/>
+                    <dgm:constr type="bMarg" refType="primFontSz" fact="0.3"/>
+                  </dgm:constrLst>
+                  <dgm:ruleLst>
+                    <dgm:rule type="primFontSz" val="5" fact="NaN" max="NaN"/>
+                  </dgm:ruleLst>
+                </dgm:layoutNode>
+                <dgm:layoutNode name="ThreeNodes_3_text">
+                  <dgm:varLst>
+                    <dgm:bulletEnabled val="1"/>
+                  </dgm:varLst>
+                  <dgm:alg type="tx">
+                    <dgm:param type="parTxLTRAlign" val="l"/>
+                    <dgm:param type="txAnchorVertCh" val="mid"/>
+                  </dgm:alg>
+                  <dgm:shape xmlns:r="http://schemas.openxmlformats.org/officeDocument/2006/relationships" type="roundRect" r:blip="" hideGeom="1">
+                    <dgm:adjLst>
+                      <dgm:adj idx="1" val="0.1"/>
+                    </dgm:adjLst>
+                  </dgm:shape>
+                  <dgm:presOf axis="ch desOrSelf" ptType="node node" st="3 1" cnt="1 0"/>
+                  <dgm:constrLst>
+                    <dgm:constr type="lMarg" refType="primFontSz" fact="0.3"/>
+                    <dgm:constr type="rMarg" refType="primFontSz" fact="0.3"/>
+                    <dgm:constr type="tMarg" refType="primFontSz" fact="0.3"/>
+                    <dgm:constr type="bMarg" refType="primFontSz" fact="0.3"/>
+                  </dgm:constrLst>
+                  <dgm:ruleLst>
+                    <dgm:rule type="primFontSz" val="5" fact="NaN" max="NaN"/>
+                  </dgm:ruleLst>
+                </dgm:layoutNode>
+              </dgm:if>
+              <dgm:else name="Name11">
+                <dgm:choose name="Name12">
+                  <dgm:if name="Name13" axis="ch" ptType="node" func="cnt" op="equ" val="4">
+                    <dgm:layoutNode name="FourNodes_1">
+                      <dgm:varLst>
+                        <dgm:bulletEnabled val="1"/>
+                      </dgm:varLst>
+                      <dgm:alg type="sp"/>
+                      <dgm:shape xmlns:r="http://schemas.openxmlformats.org/officeDocument/2006/relationships" type="roundRect" r:blip="">
+                        <dgm:adjLst>
+                          <dgm:adj idx="1" val="0.1"/>
+                        </dgm:adjLst>
+                      </dgm:shape>
+                      <dgm:presOf axis="ch desOrSelf" ptType="node node" st="1 1" cnt="1 0"/>
+                      <dgm:constrLst/>
+                      <dgm:ruleLst/>
+                    </dgm:layoutNode>
+                    <dgm:layoutNode name="FourNodes_2">
+                      <dgm:varLst>
+                        <dgm:bulletEnabled val="1"/>
+                      </dgm:varLst>
+                      <dgm:alg type="sp"/>
+                      <dgm:shape xmlns:r="http://schemas.openxmlformats.org/officeDocument/2006/relationships" type="roundRect" r:blip="">
+                        <dgm:adjLst>
+                          <dgm:adj idx="1" val="0.1"/>
+                        </dgm:adjLst>
+                      </dgm:shape>
+                      <dgm:presOf axis="ch desOrSelf" ptType="node node" st="2 1" cnt="1 0"/>
+                      <dgm:constrLst/>
+                      <dgm:ruleLst/>
+                    </dgm:layoutNode>
+                    <dgm:layoutNode name="FourNodes_3">
+                      <dgm:varLst>
+                        <dgm:bulletEnabled val="1"/>
+                      </dgm:varLst>
+                      <dgm:alg type="sp"/>
+                      <dgm:shape xmlns:r="http://schemas.openxmlformats.org/officeDocument/2006/relationships" type="roundRect" r:blip="">
+                        <dgm:adjLst>
+                          <dgm:adj idx="1" val="0.1"/>
+                        </dgm:adjLst>
+                      </dgm:shape>
+                      <dgm:presOf axis="ch desOrSelf" ptType="node node" st="3 1" cnt="1 0"/>
+                      <dgm:constrLst/>
+                      <dgm:ruleLst/>
+                    </dgm:layoutNode>
+                    <dgm:layoutNode name="FourNodes_4">
+                      <dgm:varLst>
+                        <dgm:bulletEnabled val="1"/>
+                      </dgm:varLst>
+                      <dgm:alg type="sp"/>
+                      <dgm:shape xmlns:r="http://schemas.openxmlformats.org/officeDocument/2006/relationships" type="roundRect" r:blip="">
+                        <dgm:adjLst>
+                          <dgm:adj idx="1" val="0.1"/>
+                        </dgm:adjLst>
+                      </dgm:shape>
+                      <dgm:presOf axis="ch desOrSelf" ptType="node node" st="4 1" cnt="1 0"/>
+                      <dgm:constrLst/>
+                      <dgm:ruleLst/>
+                    </dgm:layoutNode>
+                    <dgm:layoutNode name="FourConn_1-2" styleLbl="fgAccFollowNode1">
+                      <dgm:varLst>
+                        <dgm:bulletEnabled val="1"/>
+                      </dgm:varLst>
+                      <dgm:alg type="tx"/>
+                      <dgm:shape xmlns:r="http://schemas.openxmlformats.org/officeDocument/2006/relationships" type="downArrow" r:blip="">
+                        <dgm:adjLst>
+                          <dgm:adj idx="1" val="0.55"/>
+                          <dgm:adj idx="2" val="0.45"/>
+                        </dgm:adjLst>
+                      </dgm:shape>
+                      <dgm:presOf axis="ch" ptType="sibTrans" cnt="1"/>
+                      <dgm:constrLst>
+                        <dgm:constr type="lMarg" refType="primFontSz" fact="0.1"/>
+                        <dgm:constr type="rMarg" refType="primFontSz" fact="0.1"/>
+                        <dgm:constr type="tMarg" refType="primFontSz" fact="0.1"/>
+                        <dgm:constr type="bMarg" refType="primFontSz" fact="0.1"/>
+                      </dgm:constrLst>
+                      <dgm:ruleLst>
+                        <dgm:rule type="primFontSz" val="5" fact="NaN" max="NaN"/>
+                      </dgm:ruleLst>
+                    </dgm:layoutNode>
+                    <dgm:layoutNode name="FourConn_2-3" styleLbl="fgAccFollowNode1">
+                      <dgm:varLst>
+                        <dgm:bulletEnabled val="1"/>
+                      </dgm:varLst>
+                      <dgm:alg type="tx"/>
+                      <dgm:shape xmlns:r="http://schemas.openxmlformats.org/officeDocument/2006/relationships" type="downArrow" r:blip="">
+                        <dgm:adjLst>
+                          <dgm:adj idx="1" val="0.55"/>
+                          <dgm:adj idx="2" val="0.45"/>
+                        </dgm:adjLst>
+                      </dgm:shape>
+                      <dgm:presOf axis="ch" ptType="sibTrans" st="2" cnt="1"/>
+                      <dgm:constrLst>
+                        <dgm:constr type="lMarg" refType="primFontSz" fact="0.1"/>
+                        <dgm:constr type="rMarg" refType="primFontSz" fact="0.1"/>
+                        <dgm:constr type="tMarg" refType="primFontSz" fact="0.1"/>
+                        <dgm:constr type="bMarg" refType="primFontSz" fact="0.1"/>
+                      </dgm:constrLst>
+                      <dgm:ruleLst>
+                        <dgm:rule type="primFontSz" val="5" fact="NaN" max="NaN"/>
+                      </dgm:ruleLst>
+                    </dgm:layoutNode>
+                    <dgm:layoutNode name="FourConn_3-4" styleLbl="fgAccFollowNode1">
+                      <dgm:varLst>
+                        <dgm:bulletEnabled val="1"/>
+                      </dgm:varLst>
+                      <dgm:alg type="tx"/>
+                      <dgm:shape xmlns:r="http://schemas.openxmlformats.org/officeDocument/2006/relationships" type="downArrow" r:blip="">
+                        <dgm:adjLst>
+                          <dgm:adj idx="1" val="0.55"/>
+                          <dgm:adj idx="2" val="0.45"/>
+                        </dgm:adjLst>
+                      </dgm:shape>
+                      <dgm:presOf axis="ch" ptType="sibTrans" st="3" cnt="1"/>
+                      <dgm:constrLst>
+                        <dgm:constr type="lMarg" refType="primFontSz" fact="0.1"/>
+                        <dgm:constr type="rMarg" refType="primFontSz" fact="0.1"/>
+                        <dgm:constr type="tMarg" refType="primFontSz" fact="0.1"/>
+                        <dgm:constr type="bMarg" refType="primFontSz" fact="0.1"/>
+                      </dgm:constrLst>
+                      <dgm:ruleLst>
+                        <dgm:rule type="primFontSz" val="5" fact="NaN" max="NaN"/>
+                      </dgm:ruleLst>
+                    </dgm:layoutNode>
+                    <dgm:layoutNode name="FourNodes_1_text">
+                      <dgm:varLst>
+                        <dgm:bulletEnabled val="1"/>
+                      </dgm:varLst>
+                      <dgm:alg type="tx">
+                        <dgm:param type="parTxLTRAlign" val="l"/>
+                        <dgm:param type="txAnchorVertCh" val="mid"/>
+                      </dgm:alg>
+                      <dgm:shape xmlns:r="http://schemas.openxmlformats.org/officeDocument/2006/relationships" type="roundRect" r:blip="" hideGeom="1">
+                        <dgm:adjLst>
+                          <dgm:adj idx="1" val="0.1"/>
+                        </dgm:adjLst>
+                      </dgm:shape>
+                      <dgm:presOf axis="ch desOrSelf" ptType="node node" st="1 1" cnt="1 0"/>
+                      <dgm:constrLst>
+                        <dgm:constr type="lMarg" refType="primFontSz" fact="0.3"/>
+                        <dgm:constr type="rMarg" refType="primFontSz" fact="0.3"/>
+                        <dgm:constr type="tMarg" refType="primFontSz" fact="0.3"/>
+                        <dgm:constr type="bMarg" refType="primFontSz" fact="0.3"/>
+                      </dgm:constrLst>
+                      <dgm:ruleLst>
+                        <dgm:rule type="primFontSz" val="5" fact="NaN" max="NaN"/>
+                      </dgm:ruleLst>
+                    </dgm:layoutNode>
+                    <dgm:layoutNode name="FourNodes_2_text">
+                      <dgm:varLst>
+                        <dgm:bulletEnabled val="1"/>
+                      </dgm:varLst>
+                      <dgm:alg type="tx">
+                        <dgm:param type="parTxLTRAlign" val="l"/>
+                        <dgm:param type="txAnchorVertCh" val="mid"/>
+                      </dgm:alg>
+                      <dgm:shape xmlns:r="http://schemas.openxmlformats.org/officeDocument/2006/relationships" type="roundRect" r:blip="" hideGeom="1">
+                        <dgm:adjLst>
+                          <dgm:adj idx="1" val="0.1"/>
+                        </dgm:adjLst>
+                      </dgm:shape>
+                      <dgm:presOf axis="ch desOrSelf" ptType="node node" st="2 1" cnt="1 0"/>
+                      <dgm:constrLst>
+                        <dgm:constr type="lMarg" refType="primFontSz" fact="0.3"/>
+                        <dgm:constr type="rMarg" refType="primFontSz" fact="0.3"/>
+                        <dgm:constr type="tMarg" refType="primFontSz" fact="0.3"/>
+                        <dgm:constr type="bMarg" refType="primFontSz" fact="0.3"/>
+                      </dgm:constrLst>
+                      <dgm:ruleLst>
+                        <dgm:rule type="primFontSz" val="5" fact="NaN" max="NaN"/>
+                      </dgm:ruleLst>
+                    </dgm:layoutNode>
+                    <dgm:layoutNode name="FourNodes_3_text">
+                      <dgm:varLst>
+                        <dgm:bulletEnabled val="1"/>
+                      </dgm:varLst>
+                      <dgm:alg type="tx">
+                        <dgm:param type="parTxLTRAlign" val="l"/>
+                        <dgm:param type="txAnchorVertCh" val="mid"/>
+                      </dgm:alg>
+                      <dgm:shape xmlns:r="http://schemas.openxmlformats.org/officeDocument/2006/relationships" type="roundRect" r:blip="" hideGeom="1">
+                        <dgm:adjLst>
+                          <dgm:adj idx="1" val="0.1"/>
+                        </dgm:adjLst>
+                      </dgm:shape>
+                      <dgm:presOf axis="ch desOrSelf" ptType="node node" st="3 1" cnt="1 0"/>
+                      <dgm:constrLst>
+                        <dgm:constr type="lMarg" refType="primFontSz" fact="0.3"/>
+                        <dgm:constr type="rMarg" refType="primFontSz" fact="0.3"/>
+                        <dgm:constr type="tMarg" refType="primFontSz" fact="0.3"/>
+                        <dgm:constr type="bMarg" refType="primFontSz" fact="0.3"/>
+                      </dgm:constrLst>
+                      <dgm:ruleLst>
+                        <dgm:rule type="primFontSz" val="5" fact="NaN" max="NaN"/>
+                      </dgm:ruleLst>
+                    </dgm:layoutNode>
+                    <dgm:layoutNode name="FourNodes_4_text">
+                      <dgm:varLst>
+                        <dgm:bulletEnabled val="1"/>
+                      </dgm:varLst>
+                      <dgm:alg type="tx">
+                        <dgm:param type="parTxLTRAlign" val="l"/>
+                        <dgm:param type="txAnchorVertCh" val="mid"/>
+                      </dgm:alg>
+                      <dgm:shape xmlns:r="http://schemas.openxmlformats.org/officeDocument/2006/relationships" type="roundRect" r:blip="" hideGeom="1">
+                        <dgm:adjLst>
+                          <dgm:adj idx="1" val="0.1"/>
+                        </dgm:adjLst>
+                      </dgm:shape>
+                      <dgm:presOf axis="ch desOrSelf" ptType="node node" st="4 1" cnt="1 0"/>
+                      <dgm:constrLst>
+                        <dgm:constr type="lMarg" refType="primFontSz" fact="0.3"/>
+                        <dgm:constr type="rMarg" refType="primFontSz" fact="0.3"/>
+                        <dgm:constr type="tMarg" refType="primFontSz" fact="0.3"/>
+                        <dgm:constr type="bMarg" refType="primFontSz" fact="0.3"/>
+                      </dgm:constrLst>
+                      <dgm:ruleLst>
+                        <dgm:rule type="primFontSz" val="5" fact="NaN" max="NaN"/>
+                      </dgm:ruleLst>
+                    </dgm:layoutNode>
+                  </dgm:if>
+                  <dgm:else name="Name14">
+                    <dgm:choose name="Name15">
+                      <dgm:if name="Name16" axis="ch" ptType="node" func="cnt" op="gte" val="5">
+                        <dgm:layoutNode name="FiveNodes_1">
+                          <dgm:varLst>
+                            <dgm:bulletEnabled val="1"/>
+                          </dgm:varLst>
+                          <dgm:alg type="sp"/>
+                          <dgm:shape xmlns:r="http://schemas.openxmlformats.org/officeDocument/2006/relationships" type="roundRect" r:blip="">
+                            <dgm:adjLst>
+                              <dgm:adj idx="1" val="0.1"/>
+                            </dgm:adjLst>
+                          </dgm:shape>
+                          <dgm:presOf axis="ch desOrSelf" ptType="node node" st="1 1" cnt="1 0"/>
+                          <dgm:constrLst/>
+                          <dgm:ruleLst/>
+                        </dgm:layoutNode>
+                        <dgm:layoutNode name="FiveNodes_2">
+                          <dgm:varLst>
+                            <dgm:bulletEnabled val="1"/>
+                          </dgm:varLst>
+                          <dgm:alg type="sp"/>
+                          <dgm:shape xmlns:r="http://schemas.openxmlformats.org/officeDocument/2006/relationships" type="roundRect" r:blip="">
+                            <dgm:adjLst>
+                              <dgm:adj idx="1" val="0.1"/>
+                            </dgm:adjLst>
+                          </dgm:shape>
+                          <dgm:presOf axis="ch desOrSelf" ptType="node node" st="2 1" cnt="1 0"/>
+                          <dgm:constrLst/>
+                          <dgm:ruleLst/>
+                        </dgm:layoutNode>
+                        <dgm:layoutNode name="FiveNodes_3">
+                          <dgm:varLst>
+                            <dgm:bulletEnabled val="1"/>
+                          </dgm:varLst>
+                          <dgm:alg type="sp"/>
+                          <dgm:shape xmlns:r="http://schemas.openxmlformats.org/officeDocument/2006/relationships" type="roundRect" r:blip="">
+                            <dgm:adjLst>
+                              <dgm:adj idx="1" val="0.1"/>
+                            </dgm:adjLst>
+                          </dgm:shape>
+                          <dgm:presOf axis="ch desOrSelf" ptType="node node" st="3 1" cnt="1 0"/>
+                          <dgm:constrLst/>
+                          <dgm:ruleLst/>
+                        </dgm:layoutNode>
+                        <dgm:layoutNode name="FiveNodes_4">
+                          <dgm:varLst>
+                            <dgm:bulletEnabled val="1"/>
+                          </dgm:varLst>
+                          <dgm:alg type="sp"/>
+                          <dgm:shape xmlns:r="http://schemas.openxmlformats.org/officeDocument/2006/relationships" type="roundRect" r:blip="">
+                            <dgm:adjLst>
+                              <dgm:adj idx="1" val="0.1"/>
+                            </dgm:adjLst>
+                          </dgm:shape>
+                          <dgm:presOf axis="ch desOrSelf" ptType="node node" st="4 1" cnt="1 0"/>
+                          <dgm:constrLst/>
+                          <dgm:ruleLst/>
+                        </dgm:layoutNode>
+                        <dgm:layoutNode name="FiveNodes_5">
+                          <dgm:varLst>
+                            <dgm:bulletEnabled val="1"/>
+                          </dgm:varLst>
+                          <dgm:alg type="sp"/>
+                          <dgm:shape xmlns:r="http://schemas.openxmlformats.org/officeDocument/2006/relationships" type="roundRect" r:blip="">
+                            <dgm:adjLst>
+                              <dgm:adj idx="1" val="0.1"/>
+                            </dgm:adjLst>
+                          </dgm:shape>
+                          <dgm:presOf axis="ch desOrSelf" ptType="node node" st="5 1" cnt="1 0"/>
+                          <dgm:constrLst/>
+                          <dgm:ruleLst/>
+                        </dgm:layoutNode>
+                        <dgm:layoutNode name="FiveConn_1-2" styleLbl="fgAccFollowNode1">
+                          <dgm:varLst>
+                            <dgm:bulletEnabled val="1"/>
+                          </dgm:varLst>
+                          <dgm:alg type="tx"/>
+                          <dgm:shape xmlns:r="http://schemas.openxmlformats.org/officeDocument/2006/relationships" type="downArrow" r:blip="">
+                            <dgm:adjLst>
+                              <dgm:adj idx="1" val="0.55"/>
+                              <dgm:adj idx="2" val="0.45"/>
+                            </dgm:adjLst>
+                          </dgm:shape>
+                          <dgm:presOf axis="ch" ptType="sibTrans" cnt="1"/>
+                          <dgm:constrLst>
+                            <dgm:constr type="lMarg" refType="primFontSz" fact="0.1"/>
+                            <dgm:constr type="rMarg" refType="primFontSz" fact="0.1"/>
+                            <dgm:constr type="tMarg" refType="primFontSz" fact="0.1"/>
+                            <dgm:constr type="bMarg" refType="primFontSz" fact="0.1"/>
+                          </dgm:constrLst>
+                          <dgm:ruleLst>
+                            <dgm:rule type="primFontSz" val="5" fact="NaN" max="NaN"/>
+                          </dgm:ruleLst>
+                        </dgm:layoutNode>
+                        <dgm:layoutNode name="FiveConn_2-3" styleLbl="fgAccFollowNode1">
+                          <dgm:varLst>
+                            <dgm:bulletEnabled val="1"/>
+                          </dgm:varLst>
+                          <dgm:alg type="tx"/>
+                          <dgm:shape xmlns:r="http://schemas.openxmlformats.org/officeDocument/2006/relationships" type="downArrow" r:blip="">
+                            <dgm:adjLst>
+                              <dgm:adj idx="1" val="0.55"/>
+                              <dgm:adj idx="2" val="0.45"/>
+                            </dgm:adjLst>
+                          </dgm:shape>
+                          <dgm:presOf axis="ch" ptType="sibTrans" st="2" cnt="1"/>
+                          <dgm:constrLst>
+                            <dgm:constr type="lMarg" refType="primFontSz" fact="0.1"/>
+                            <dgm:constr type="rMarg" refType="primFontSz" fact="0.1"/>
+                            <dgm:constr type="tMarg" refType="primFontSz" fact="0.1"/>
+                            <dgm:constr type="bMarg" refType="primFontSz" fact="0.1"/>
+                          </dgm:constrLst>
+                          <dgm:ruleLst>
+                            <dgm:rule type="primFontSz" val="5" fact="NaN" max="NaN"/>
+                          </dgm:ruleLst>
+                        </dgm:layoutNode>
+                        <dgm:layoutNode name="FiveConn_3-4" styleLbl="fgAccFollowNode1">
+                          <dgm:varLst>
+                            <dgm:bulletEnabled val="1"/>
+                          </dgm:varLst>
+                          <dgm:alg type="tx"/>
+                          <dgm:shape xmlns:r="http://schemas.openxmlformats.org/officeDocument/2006/relationships" type="downArrow" r:blip="">
+                            <dgm:adjLst>
+                              <dgm:adj idx="1" val="0.55"/>
+                              <dgm:adj idx="2" val="0.45"/>
+                            </dgm:adjLst>
+                          </dgm:shape>
+                          <dgm:presOf axis="ch" ptType="sibTrans" st="3" cnt="1"/>
+                          <dgm:constrLst>
+                            <dgm:constr type="lMarg" refType="primFontSz" fact="0.1"/>
+                            <dgm:constr type="rMarg" refType="primFontSz" fact="0.1"/>
+                            <dgm:constr type="tMarg" refType="primFontSz" fact="0.1"/>
+                            <dgm:constr type="bMarg" refType="primFontSz" fact="0.1"/>
+                          </dgm:constrLst>
+                          <dgm:ruleLst>
+                            <dgm:rule type="primFontSz" val="5" fact="NaN" max="NaN"/>
+                          </dgm:ruleLst>
+                        </dgm:layoutNode>
+                        <dgm:layoutNode name="FiveConn_4-5" styleLbl="fgAccFollowNode1">
+                          <dgm:varLst>
+                            <dgm:bulletEnabled val="1"/>
+                          </dgm:varLst>
+                          <dgm:alg type="tx"/>
+                          <dgm:shape xmlns:r="http://schemas.openxmlformats.org/officeDocument/2006/relationships" type="downArrow" r:blip="">
+                            <dgm:adjLst>
+                              <dgm:adj idx="1" val="0.55"/>
+                              <dgm:adj idx="2" val="0.45"/>
+                            </dgm:adjLst>
+                          </dgm:shape>
+                          <dgm:presOf axis="ch" ptType="sibTrans" st="4" cnt="1"/>
+                          <dgm:constrLst>
+                            <dgm:constr type="lMarg" refType="primFontSz" fact="0.1"/>
+                            <dgm:constr type="rMarg" refType="primFontSz" fact="0.1"/>
+                            <dgm:constr type="tMarg" refType="primFontSz" fact="0.1"/>
+                            <dgm:constr type="bMarg" refType="primFontSz" fact="0.1"/>
+                          </dgm:constrLst>
+                          <dgm:ruleLst>
+                            <dgm:rule type="primFontSz" val="5" fact="NaN" max="NaN"/>
+                          </dgm:ruleLst>
+                        </dgm:layoutNode>
+                        <dgm:layoutNode name="FiveNodes_1_text">
+                          <dgm:varLst>
+                            <dgm:bulletEnabled val="1"/>
+                          </dgm:varLst>
+                          <dgm:alg type="tx">
+                            <dgm:param type="parTxLTRAlign" val="l"/>
+                            <dgm:param type="txAnchorVertCh" val="mid"/>
+                          </dgm:alg>
+                          <dgm:shape xmlns:r="http://schemas.openxmlformats.org/officeDocument/2006/relationships" type="roundRect" r:blip="" hideGeom="1">
+                            <dgm:adjLst>
+                              <dgm:adj idx="1" val="0.1"/>
+                            </dgm:adjLst>
+                          </dgm:shape>
+                          <dgm:presOf axis="ch desOrSelf" ptType="node node" st="1 1" cnt="1 0"/>
+                          <dgm:constrLst>
+                            <dgm:constr type="lMarg" refType="primFontSz" fact="0.3"/>
+                            <dgm:constr type="rMarg" refType="primFontSz" fact="0.3"/>
+                            <dgm:constr type="tMarg" refType="primFontSz" fact="0.3"/>
+                            <dgm:constr type="bMarg" refType="primFontSz" fact="0.3"/>
+                          </dgm:constrLst>
+                          <dgm:ruleLst>
+                            <dgm:rule type="primFontSz" val="5" fact="NaN" max="NaN"/>
+                          </dgm:ruleLst>
+                        </dgm:layoutNode>
+                        <dgm:layoutNode name="FiveNodes_2_text">
+                          <dgm:varLst>
+                            <dgm:bulletEnabled val="1"/>
+                          </dgm:varLst>
+                          <dgm:alg type="tx">
+                            <dgm:param type="parTxLTRAlign" val="l"/>
+                            <dgm:param type="txAnchorVertCh" val="mid"/>
+                          </dgm:alg>
+                          <dgm:shape xmlns:r="http://schemas.openxmlformats.org/officeDocument/2006/relationships" type="roundRect" r:blip="" hideGeom="1">
+                            <dgm:adjLst>
+                              <dgm:adj idx="1" val="0.1"/>
+                            </dgm:adjLst>
+                          </dgm:shape>
+                          <dgm:presOf axis="ch desOrSelf" ptType="node node" st="2 1" cnt="1 0"/>
+                          <dgm:constrLst>
+                            <dgm:constr type="lMarg" refType="primFontSz" fact="0.3"/>
+                            <dgm:constr type="rMarg" refType="primFontSz" fact="0.3"/>
+                            <dgm:constr type="tMarg" refType="primFontSz" fact="0.3"/>
+                            <dgm:constr type="bMarg" refType="primFontSz" fact="0.3"/>
+                          </dgm:constrLst>
+                          <dgm:ruleLst>
+                            <dgm:rule type="primFontSz" val="5" fact="NaN" max="NaN"/>
+                          </dgm:ruleLst>
+                        </dgm:layoutNode>
+                        <dgm:layoutNode name="FiveNodes_3_text">
+                          <dgm:varLst>
+                            <dgm:bulletEnabled val="1"/>
+                          </dgm:varLst>
+                          <dgm:alg type="tx">
+                            <dgm:param type="parTxLTRAlign" val="l"/>
+                            <dgm:param type="txAnchorVertCh" val="mid"/>
+                          </dgm:alg>
+                          <dgm:shape xmlns:r="http://schemas.openxmlformats.org/officeDocument/2006/relationships" type="roundRect" r:blip="" hideGeom="1">
+                            <dgm:adjLst>
+                              <dgm:adj idx="1" val="0.1"/>
+                            </dgm:adjLst>
+                          </dgm:shape>
+                          <dgm:presOf axis="ch desOrSelf" ptType="node node" st="3 1" cnt="1 0"/>
+                          <dgm:constrLst>
+                            <dgm:constr type="lMarg" refType="primFontSz" fact="0.3"/>
+                            <dgm:constr type="rMarg" refType="primFontSz" fact="0.3"/>
+                            <dgm:constr type="tMarg" refType="primFontSz" fact="0.3"/>
+                            <dgm:constr type="bMarg" refType="primFontSz" fact="0.3"/>
+                          </dgm:constrLst>
+                          <dgm:ruleLst>
+                            <dgm:rule type="primFontSz" val="5" fact="NaN" max="NaN"/>
+                          </dgm:ruleLst>
+                        </dgm:layoutNode>
+                        <dgm:layoutNode name="FiveNodes_4_text">
+                          <dgm:varLst>
+                            <dgm:bulletEnabled val="1"/>
+                          </dgm:varLst>
+                          <dgm:alg type="tx">
+                            <dgm:param type="parTxLTRAlign" val="l"/>
+                            <dgm:param type="txAnchorVertCh" val="mid"/>
+                          </dgm:alg>
+                          <dgm:shape xmlns:r="http://schemas.openxmlformats.org/officeDocument/2006/relationships" type="roundRect" r:blip="" hideGeom="1">
+                            <dgm:adjLst>
+                              <dgm:adj idx="1" val="0.1"/>
+                            </dgm:adjLst>
+                          </dgm:shape>
+                          <dgm:presOf axis="ch desOrSelf" ptType="node node" st="4 1" cnt="1 0"/>
+                          <dgm:constrLst>
+                            <dgm:constr type="lMarg" refType="primFontSz" fact="0.3"/>
+                            <dgm:constr type="rMarg" refType="primFontSz" fact="0.3"/>
+                            <dgm:constr type="tMarg" refType="primFontSz" fact="0.3"/>
+                            <dgm:constr type="bMarg" refType="primFontSz" fact="0.3"/>
+                          </dgm:constrLst>
+                          <dgm:ruleLst>
+                            <dgm:rule type="primFontSz" val="5" fact="NaN" max="NaN"/>
+                          </dgm:ruleLst>
+                        </dgm:layoutNode>
+                        <dgm:layoutNode name="FiveNodes_5_text">
+                          <dgm:varLst>
+                            <dgm:bulletEnabled val="1"/>
+                          </dgm:varLst>
+                          <dgm:alg type="tx">
+                            <dgm:param type="parTxLTRAlign" val="l"/>
+                            <dgm:param type="txAnchorVertCh" val="mid"/>
+                          </dgm:alg>
+                          <dgm:shape xmlns:r="http://schemas.openxmlformats.org/officeDocument/2006/relationships" type="roundRect" r:blip="" hideGeom="1">
+                            <dgm:adjLst>
+                              <dgm:adj idx="1" val="0.1"/>
+                            </dgm:adjLst>
+                          </dgm:shape>
+                          <dgm:presOf axis="ch desOrSelf" ptType="node node" st="5 1" cnt="1 0"/>
+                          <dgm:constrLst>
+                            <dgm:constr type="lMarg" refType="primFontSz" fact="0.3"/>
+                            <dgm:constr type="rMarg" refType="primFontSz" fact="0.3"/>
+                            <dgm:constr type="tMarg" refType="primFontSz" fact="0.3"/>
+                            <dgm:constr type="bMarg" refType="primFontSz" fact="0.3"/>
+                          </dgm:constrLst>
+                          <dgm:ruleLst>
+                            <dgm:rule type="primFontSz" val="5" fact="NaN" max="NaN"/>
+                          </dgm:ruleLst>
+                        </dgm:layoutNode>
+                      </dgm:if>
+                      <dgm:else name="Name17"/>
+                    </dgm:choose>
+                  </dgm:else>
+                </dgm:choose>
+              </dgm:else>
+            </dgm:choose>
+          </dgm:else>
+        </dgm:choose>
+      </dgm:else>
+    </dgm:choose>
+  </dgm:layoutNode>
+</dgm:layoutDef>
+</file>
+
+<file path=ppt/diagrams/layout3.xml><?xml version="1.0" encoding="utf-8"?>
+<dgm:layoutDef xmlns:dgm="http://schemas.openxmlformats.org/drawingml/2006/diagram" xmlns:a="http://schemas.openxmlformats.org/drawingml/2006/main" uniqueId="urn:microsoft.com/office/officeart/2005/8/layout/process1">
+  <dgm:title val=""/>
+  <dgm:desc val=""/>
+  <dgm:catLst>
+    <dgm:cat type="process" pri="1000"/>
+    <dgm:cat type="convert" pri="15000"/>
   </dgm:catLst>
   <dgm:sampData useDef="1">
     <dgm:dataModel>
@@ -5529,522 +6943,77 @@
       <dgm:adjLst/>
     </dgm:shape>
     <dgm:presOf/>
-    <dgm:choose name="Name4">
-      <dgm:if name="Name5" axis="root des" func="maxDepth" op="gte" val="2">
+    <dgm:constrLst>
+      <dgm:constr type="w" for="ch" ptType="node" refType="w"/>
+      <dgm:constr type="h" for="ch" ptType="node" op="equ"/>
+      <dgm:constr type="primFontSz" for="ch" ptType="node" op="equ" val="65"/>
+      <dgm:constr type="w" for="ch" ptType="sibTrans" refType="w" refFor="ch" refPtType="node" op="equ" fact="0.4"/>
+      <dgm:constr type="h" for="ch" ptType="sibTrans" op="equ"/>
+      <dgm:constr type="primFontSz" for="des" forName="connectorText" op="equ" val="55"/>
+      <dgm:constr type="primFontSz" for="des" forName="connectorText" refType="primFontSz" refFor="ch" refPtType="node" op="lte" fact="0.8"/>
+    </dgm:constrLst>
+    <dgm:ruleLst/>
+    <dgm:forEach name="nodesForEach" axis="ch" ptType="node">
+      <dgm:layoutNode name="node">
+        <dgm:varLst>
+          <dgm:bulletEnabled val="1"/>
+        </dgm:varLst>
+        <dgm:alg type="tx"/>
+        <dgm:shape xmlns:r="http://schemas.openxmlformats.org/officeDocument/2006/relationships" type="roundRect" r:blip="">
+          <dgm:adjLst>
+            <dgm:adj idx="1" val="0.1"/>
+          </dgm:adjLst>
+        </dgm:shape>
+        <dgm:presOf axis="desOrSelf" ptType="node"/>
         <dgm:constrLst>
-          <dgm:constr type="w" for="ch" forName="parAndChTx" refType="w"/>
-          <dgm:constr type="primFontSz" for="ch" ptType="node" op="equ"/>
-          <dgm:constr type="w" for="ch" forName="parAndChSpace" refType="w" refFor="ch" refForName="parAndChTx" fact="-0.2"/>
-          <dgm:constr type="w" for="ch" ptType="sibTrans" op="equ"/>
+          <dgm:constr type="h" refType="w" fact="0.6"/>
+          <dgm:constr type="tMarg" refType="primFontSz" fact="0.3"/>
+          <dgm:constr type="bMarg" refType="primFontSz" fact="0.3"/>
+          <dgm:constr type="lMarg" refType="primFontSz" fact="0.3"/>
+          <dgm:constr type="rMarg" refType="primFontSz" fact="0.3"/>
         </dgm:constrLst>
-        <dgm:ruleLst/>
-        <dgm:forEach name="Name6" axis="ch" ptType="node">
-          <dgm:layoutNode name="parAndChTx">
-            <dgm:varLst>
-              <dgm:bulletEnabled val="1"/>
-            </dgm:varLst>
-            <dgm:alg type="tx"/>
-            <dgm:choose name="Name7">
-              <dgm:if name="Name8" func="var" arg="dir" op="equ" val="norm">
-                <dgm:choose name="Name9">
-                  <dgm:if name="Name10" axis="self" ptType="node" func="pos" op="equ" val="1">
-                    <dgm:shape xmlns:r="http://schemas.openxmlformats.org/officeDocument/2006/relationships" type="homePlate" r:blip="">
-                      <dgm:adjLst>
-                        <dgm:adj idx="1" val="0.25"/>
-                      </dgm:adjLst>
-                    </dgm:shape>
-                    <dgm:presOf axis="desOrSelf" ptType="node"/>
-                    <dgm:constrLst>
-                      <dgm:constr type="h" refType="w" op="equ" fact="0.8"/>
-                      <dgm:constr type="primFontSz" val="65"/>
-                      <dgm:constr type="tMarg" refType="primFontSz" fact="0.2"/>
-                      <dgm:constr type="bMarg" refType="primFontSz" fact="0.2"/>
-                      <dgm:constr type="lMarg" refType="w" fact="0.1"/>
-                      <dgm:constr type="rMarg" refType="w" fact="0.4"/>
-                    </dgm:constrLst>
-                  </dgm:if>
-                  <dgm:else name="Name11">
-                    <dgm:shape xmlns:r="http://schemas.openxmlformats.org/officeDocument/2006/relationships" type="chevron" r:blip="">
-                      <dgm:adjLst>
-                        <dgm:adj idx="1" val="0.25"/>
-                      </dgm:adjLst>
-                    </dgm:shape>
-                    <dgm:presOf axis="desOrSelf" ptType="node"/>
-                    <dgm:constrLst>
-                      <dgm:constr type="h" refType="w" op="equ" fact="0.8"/>
-                      <dgm:constr type="primFontSz" val="65"/>
-                      <dgm:constr type="tMarg" refType="primFontSz" fact="0.2"/>
-                      <dgm:constr type="bMarg" refType="primFontSz" fact="0.2"/>
-                      <dgm:constr type="lMarg" refType="w" fact="0.1"/>
-                      <dgm:constr type="rMarg" refType="w" fact="0.1"/>
-                    </dgm:constrLst>
-                  </dgm:else>
-                </dgm:choose>
-              </dgm:if>
-              <dgm:else name="Name12">
-                <dgm:choose name="Name13">
-                  <dgm:if name="Name14" axis="self" ptType="node" func="pos" op="equ" val="1">
-                    <dgm:shape xmlns:r="http://schemas.openxmlformats.org/officeDocument/2006/relationships" rot="180" type="homePlate" r:blip="">
-                      <dgm:adjLst>
-                        <dgm:adj idx="1" val="0.25"/>
-                      </dgm:adjLst>
-                    </dgm:shape>
-                    <dgm:presOf axis="desOrSelf" ptType="node"/>
-                    <dgm:constrLst>
-                      <dgm:constr type="h" refType="w" op="equ" fact="0.8"/>
-                      <dgm:constr type="primFontSz" val="65"/>
-                      <dgm:constr type="tMarg" refType="primFontSz" fact="0.2"/>
-                      <dgm:constr type="bMarg" refType="primFontSz" fact="0.2"/>
-                      <dgm:constr type="lMarg" refType="w" fact="0.4"/>
-                      <dgm:constr type="rMarg" refType="w" fact="0.1"/>
-                    </dgm:constrLst>
-                  </dgm:if>
-                  <dgm:else name="Name15">
-                    <dgm:shape xmlns:r="http://schemas.openxmlformats.org/officeDocument/2006/relationships" rot="180" type="chevron" r:blip="">
-                      <dgm:adjLst>
-                        <dgm:adj idx="1" val="0.25"/>
-                      </dgm:adjLst>
-                    </dgm:shape>
-                    <dgm:presOf axis="desOrSelf" ptType="node"/>
-                    <dgm:constrLst>
-                      <dgm:constr type="h" refType="w" op="equ" fact="0.8"/>
-                      <dgm:constr type="primFontSz" val="65"/>
-                      <dgm:constr type="tMarg" refType="primFontSz" fact="0.2"/>
-                      <dgm:constr type="bMarg" refType="primFontSz" fact="0.2"/>
-                      <dgm:constr type="lMarg" refType="w" fact="0.1"/>
-                      <dgm:constr type="rMarg" refType="w" fact="0.1"/>
-                    </dgm:constrLst>
-                  </dgm:else>
-                </dgm:choose>
-              </dgm:else>
-            </dgm:choose>
+        <dgm:ruleLst>
+          <dgm:rule type="primFontSz" val="18" fact="NaN" max="NaN"/>
+          <dgm:rule type="h" val="NaN" fact="1.5" max="NaN"/>
+          <dgm:rule type="primFontSz" val="5" fact="NaN" max="NaN"/>
+          <dgm:rule type="h" val="INF" fact="NaN" max="NaN"/>
+        </dgm:ruleLst>
+      </dgm:layoutNode>
+      <dgm:forEach name="sibTransForEach" axis="followSib" ptType="sibTrans" cnt="1">
+        <dgm:layoutNode name="sibTrans">
+          <dgm:alg type="conn">
+            <dgm:param type="begPts" val="auto"/>
+            <dgm:param type="endPts" val="auto"/>
+          </dgm:alg>
+          <dgm:shape xmlns:r="http://schemas.openxmlformats.org/officeDocument/2006/relationships" type="conn" r:blip="">
+            <dgm:adjLst/>
+          </dgm:shape>
+          <dgm:presOf axis="self"/>
+          <dgm:constrLst>
+            <dgm:constr type="h" refType="w" fact="0.62"/>
+            <dgm:constr type="connDist"/>
+            <dgm:constr type="begPad" refType="connDist" fact="0.25"/>
+            <dgm:constr type="endPad" refType="connDist" fact="0.22"/>
+          </dgm:constrLst>
+          <dgm:ruleLst/>
+          <dgm:layoutNode name="connectorText">
+            <dgm:alg type="tx">
+              <dgm:param type="autoTxRot" val="grav"/>
+            </dgm:alg>
+            <dgm:shape xmlns:r="http://schemas.openxmlformats.org/officeDocument/2006/relationships" type="conn" r:blip="" hideGeom="1">
+              <dgm:adjLst/>
+            </dgm:shape>
+            <dgm:presOf axis="self"/>
+            <dgm:constrLst>
+              <dgm:constr type="lMarg"/>
+              <dgm:constr type="rMarg"/>
+              <dgm:constr type="tMarg"/>
+              <dgm:constr type="bMarg"/>
+            </dgm:constrLst>
             <dgm:ruleLst>
               <dgm:rule type="primFontSz" val="5" fact="NaN" max="NaN"/>
             </dgm:ruleLst>
           </dgm:layoutNode>
-          <dgm:forEach name="Name16" axis="followSib" ptType="sibTrans" cnt="1">
-            <dgm:layoutNode name="parAndChSpace">
-              <dgm:alg type="sp"/>
-              <dgm:shape xmlns:r="http://schemas.openxmlformats.org/officeDocument/2006/relationships" r:blip="">
-                <dgm:adjLst/>
-              </dgm:shape>
-              <dgm:presOf/>
-              <dgm:constrLst/>
-              <dgm:ruleLst/>
-            </dgm:layoutNode>
-          </dgm:forEach>
-        </dgm:forEach>
-      </dgm:if>
-      <dgm:else name="Name17">
-        <dgm:constrLst>
-          <dgm:constr type="w" for="ch" forName="parTxOnly" refType="w"/>
-          <dgm:constr type="primFontSz" for="ch" ptType="node" op="equ"/>
-          <dgm:constr type="w" for="ch" forName="parSpace" refType="w" refFor="ch" refForName="parTxOnly" fact="-0.2"/>
-          <dgm:constr type="w" for="ch" ptType="sibTrans" op="equ"/>
-        </dgm:constrLst>
-        <dgm:ruleLst/>
-        <dgm:forEach name="Name18" axis="ch" ptType="node">
-          <dgm:layoutNode name="parTxOnly">
-            <dgm:varLst>
-              <dgm:bulletEnabled val="1"/>
-            </dgm:varLst>
-            <dgm:alg type="tx"/>
-            <dgm:presOf axis="desOrSelf" ptType="node"/>
-            <dgm:choose name="Name19">
-              <dgm:if name="Name20" func="var" arg="dir" op="equ" val="norm">
-                <dgm:choose name="Name21">
-                  <dgm:if name="Name22" axis="self" ptType="node" func="pos" op="equ" val="1">
-                    <dgm:shape xmlns:r="http://schemas.openxmlformats.org/officeDocument/2006/relationships" type="homePlate" r:blip="">
-                      <dgm:adjLst/>
-                    </dgm:shape>
-                    <dgm:constrLst>
-                      <dgm:constr type="h" refType="w" op="equ" fact="0.4"/>
-                      <dgm:constr type="primFontSz" val="65"/>
-                      <dgm:constr type="tMarg" refType="primFontSz" fact="0.21"/>
-                      <dgm:constr type="bMarg" refType="primFontSz" fact="0.21"/>
-                      <dgm:constr type="lMarg" refType="primFontSz" fact="0.42"/>
-                      <dgm:constr type="rMarg" refType="primFontSz" fact="0.105"/>
-                    </dgm:constrLst>
-                  </dgm:if>
-                  <dgm:else name="Name23">
-                    <dgm:shape xmlns:r="http://schemas.openxmlformats.org/officeDocument/2006/relationships" type="chevron" r:blip="">
-                      <dgm:adjLst/>
-                    </dgm:shape>
-                    <dgm:constrLst>
-                      <dgm:constr type="h" refType="w" op="equ" fact="0.4"/>
-                      <dgm:constr type="primFontSz" val="65"/>
-                      <dgm:constr type="tMarg" refType="primFontSz" fact="0.21"/>
-                      <dgm:constr type="bMarg" refType="primFontSz" fact="0.21"/>
-                      <dgm:constr type="lMarg" refType="primFontSz" fact="0.315"/>
-                      <dgm:constr type="rMarg" refType="primFontSz" fact="0.105"/>
-                    </dgm:constrLst>
-                  </dgm:else>
-                </dgm:choose>
-              </dgm:if>
-              <dgm:else name="Name24">
-                <dgm:choose name="Name25">
-                  <dgm:if name="Name26" axis="self" ptType="node" func="pos" op="equ" val="1">
-                    <dgm:shape xmlns:r="http://schemas.openxmlformats.org/officeDocument/2006/relationships" rot="180" type="homePlate" r:blip="">
-                      <dgm:adjLst/>
-                    </dgm:shape>
-                    <dgm:constrLst>
-                      <dgm:constr type="h" refType="w" op="equ" fact="0.4"/>
-                      <dgm:constr type="primFontSz" val="65"/>
-                      <dgm:constr type="tMarg" refType="primFontSz" fact="0.21"/>
-                      <dgm:constr type="bMarg" refType="primFontSz" fact="0.21"/>
-                      <dgm:constr type="lMarg" refType="primFontSz" fact="0.105"/>
-                      <dgm:constr type="rMarg" refType="primFontSz" fact="0.42"/>
-                    </dgm:constrLst>
-                  </dgm:if>
-                  <dgm:else name="Name27">
-                    <dgm:shape xmlns:r="http://schemas.openxmlformats.org/officeDocument/2006/relationships" rot="180" type="chevron" r:blip="">
-                      <dgm:adjLst/>
-                    </dgm:shape>
-                    <dgm:constrLst>
-                      <dgm:constr type="h" refType="w" op="equ" fact="0.4"/>
-                      <dgm:constr type="primFontSz" val="65"/>
-                      <dgm:constr type="tMarg" refType="primFontSz" fact="0.21"/>
-                      <dgm:constr type="bMarg" refType="primFontSz" fact="0.21"/>
-                      <dgm:constr type="lMarg" refType="primFontSz" fact="0.105"/>
-                      <dgm:constr type="rMarg" refType="primFontSz" fact="0.315"/>
-                    </dgm:constrLst>
-                  </dgm:else>
-                </dgm:choose>
-              </dgm:else>
-            </dgm:choose>
-            <dgm:ruleLst>
-              <dgm:rule type="primFontSz" val="5" fact="NaN" max="NaN"/>
-            </dgm:ruleLst>
-          </dgm:layoutNode>
-          <dgm:forEach name="Name28" axis="followSib" ptType="sibTrans" cnt="1">
-            <dgm:layoutNode name="parSpace">
-              <dgm:alg type="sp"/>
-              <dgm:shape xmlns:r="http://schemas.openxmlformats.org/officeDocument/2006/relationships" r:blip="">
-                <dgm:adjLst/>
-              </dgm:shape>
-              <dgm:presOf/>
-              <dgm:constrLst/>
-              <dgm:ruleLst/>
-            </dgm:layoutNode>
-          </dgm:forEach>
-        </dgm:forEach>
-      </dgm:else>
-    </dgm:choose>
-  </dgm:layoutNode>
-</dgm:layoutDef>
-</file>
-
-<file path=ppt/diagrams/layout3.xml><?xml version="1.0" encoding="utf-8"?>
-<dgm:layoutDef xmlns:dgm="http://schemas.openxmlformats.org/drawingml/2006/diagram" xmlns:a="http://schemas.openxmlformats.org/drawingml/2006/main" uniqueId="urn:microsoft.com/office/officeart/2005/8/layout/StepDownProcess">
-  <dgm:title val=""/>
-  <dgm:desc val=""/>
-  <dgm:catLst>
-    <dgm:cat type="process" pri="1600"/>
-  </dgm:catLst>
-  <dgm:sampData>
-    <dgm:dataModel>
-      <dgm:ptLst>
-        <dgm:pt modelId="0" type="doc"/>
-        <dgm:pt modelId="10">
-          <dgm:prSet phldr="1"/>
-        </dgm:pt>
-        <dgm:pt modelId="11">
-          <dgm:prSet phldr="1"/>
-        </dgm:pt>
-        <dgm:pt modelId="20">
-          <dgm:prSet phldr="1"/>
-        </dgm:pt>
-        <dgm:pt modelId="21">
-          <dgm:prSet phldr="1"/>
-        </dgm:pt>
-        <dgm:pt modelId="30">
-          <dgm:prSet phldr="1"/>
-        </dgm:pt>
-        <dgm:pt modelId="31">
-          <dgm:prSet phldr="1"/>
-        </dgm:pt>
-      </dgm:ptLst>
-      <dgm:cxnLst>
-        <dgm:cxn modelId="60" srcId="0" destId="10" srcOrd="0" destOrd="0"/>
-        <dgm:cxn modelId="12" srcId="10" destId="11" srcOrd="0" destOrd="0"/>
-        <dgm:cxn modelId="70" srcId="0" destId="20" srcOrd="1" destOrd="0"/>
-        <dgm:cxn modelId="22" srcId="20" destId="21" srcOrd="0" destOrd="0"/>
-        <dgm:cxn modelId="80" srcId="0" destId="30" srcOrd="2" destOrd="0"/>
-        <dgm:cxn modelId="32" srcId="30" destId="31" srcOrd="0" destOrd="0"/>
-      </dgm:cxnLst>
-      <dgm:bg/>
-      <dgm:whole/>
-    </dgm:dataModel>
-  </dgm:sampData>
-  <dgm:styleData>
-    <dgm:dataModel>
-      <dgm:ptLst>
-        <dgm:pt modelId="0" type="doc"/>
-        <dgm:pt modelId="10">
-          <dgm:prSet phldr="1"/>
-        </dgm:pt>
-        <dgm:pt modelId="20">
-          <dgm:prSet phldr="1"/>
-        </dgm:pt>
-      </dgm:ptLst>
-      <dgm:cxnLst>
-        <dgm:cxn modelId="60" srcId="0" destId="10" srcOrd="0" destOrd="0"/>
-        <dgm:cxn modelId="70" srcId="0" destId="20" srcOrd="1" destOrd="0"/>
-      </dgm:cxnLst>
-      <dgm:bg/>
-      <dgm:whole/>
-    </dgm:dataModel>
-  </dgm:styleData>
-  <dgm:clrData>
-    <dgm:dataModel>
-      <dgm:ptLst>
-        <dgm:pt modelId="0" type="doc"/>
-        <dgm:pt modelId="10">
-          <dgm:prSet phldr="1"/>
-        </dgm:pt>
-        <dgm:pt modelId="20">
-          <dgm:prSet phldr="1"/>
-        </dgm:pt>
-        <dgm:pt modelId="30">
-          <dgm:prSet phldr="1"/>
-        </dgm:pt>
-        <dgm:pt modelId="40">
-          <dgm:prSet phldr="1"/>
-        </dgm:pt>
-      </dgm:ptLst>
-      <dgm:cxnLst>
-        <dgm:cxn modelId="60" srcId="0" destId="10" srcOrd="0" destOrd="0"/>
-        <dgm:cxn modelId="70" srcId="0" destId="20" srcOrd="1" destOrd="0"/>
-        <dgm:cxn modelId="80" srcId="0" destId="30" srcOrd="2" destOrd="0"/>
-        <dgm:cxn modelId="90" srcId="0" destId="40" srcOrd="3" destOrd="0"/>
-      </dgm:cxnLst>
-      <dgm:bg/>
-      <dgm:whole/>
-    </dgm:dataModel>
-  </dgm:clrData>
-  <dgm:layoutNode name="rootnode">
-    <dgm:varLst>
-      <dgm:chMax/>
-      <dgm:chPref/>
-      <dgm:dir/>
-      <dgm:animLvl val="lvl"/>
-    </dgm:varLst>
-    <dgm:choose name="Name0">
-      <dgm:if name="Name1" func="var" arg="dir" op="equ" val="norm">
-        <dgm:alg type="snake">
-          <dgm:param type="grDir" val="tL"/>
-          <dgm:param type="flowDir" val="row"/>
-          <dgm:param type="off" val="off"/>
-          <dgm:param type="bkpt" val="fixed"/>
-          <dgm:param type="bkPtFixedVal" val="1"/>
-        </dgm:alg>
-      </dgm:if>
-      <dgm:else name="Name2">
-        <dgm:alg type="snake">
-          <dgm:param type="grDir" val="tR"/>
-          <dgm:param type="flowDir" val="row"/>
-          <dgm:param type="off" val="off"/>
-          <dgm:param type="bkpt" val="fixed"/>
-          <dgm:param type="bkPtFixedVal" val="1"/>
-        </dgm:alg>
-      </dgm:else>
-    </dgm:choose>
-    <dgm:shape xmlns:r="http://schemas.openxmlformats.org/officeDocument/2006/relationships" r:blip="">
-      <dgm:adjLst/>
-    </dgm:shape>
-    <dgm:choose name="Name3">
-      <dgm:if name="Name4" func="var" arg="dir" op="equ" val="norm">
-        <dgm:constrLst>
-          <dgm:constr type="alignOff" forName="rootnode" val="0.48"/>
-          <dgm:constr type="primFontSz" for="des" forName="ParentText" val="65"/>
-          <dgm:constr type="primFontSz" for="des" forName="ChildText" refType="primFontSz" refFor="des" refForName="ParentText" op="lte"/>
-          <dgm:constr type="w" for="ch" forName="composite" refType="w"/>
-          <dgm:constr type="h" for="ch" forName="composite" refType="h"/>
-          <dgm:constr type="sp" refType="h" refFor="ch" refForName="composite" op="equ" fact="-0.38"/>
-        </dgm:constrLst>
-      </dgm:if>
-      <dgm:else name="Name5">
-        <dgm:constrLst>
-          <dgm:constr type="alignOff" forName="rootnode" val="0.48"/>
-          <dgm:constr type="primFontSz" for="des" forName="ParentText" val="65"/>
-          <dgm:constr type="primFontSz" for="des" forName="ChildText" refType="primFontSz" refFor="des" refForName="ParentText" op="lte"/>
-          <dgm:constr type="w" for="ch" forName="composite" refType="w"/>
-          <dgm:constr type="h" for="ch" forName="composite" refType="h"/>
-          <dgm:constr type="sp" refType="h" refFor="ch" refForName="composite" op="equ" fact="-0.38"/>
-        </dgm:constrLst>
-      </dgm:else>
-    </dgm:choose>
-    <dgm:forEach name="nodesForEach" axis="ch" ptType="node">
-      <dgm:layoutNode name="composite">
-        <dgm:alg type="composite">
-          <dgm:param type="ar" val="1.2439"/>
-        </dgm:alg>
-        <dgm:shape xmlns:r="http://schemas.openxmlformats.org/officeDocument/2006/relationships" r:blip="">
-          <dgm:adjLst/>
-        </dgm:shape>
-        <dgm:choose name="Name6">
-          <dgm:if name="Name7" func="var" arg="dir" op="equ" val="norm">
-            <dgm:constrLst>
-              <dgm:constr type="l" for="ch" forName="bentUpArrow1" refType="w" fact="0.07"/>
-              <dgm:constr type="t" for="ch" forName="bentUpArrow1" refType="h" fact="0.524"/>
-              <dgm:constr type="w" for="ch" forName="bentUpArrow1" refType="w" fact="0.3844"/>
-              <dgm:constr type="h" for="ch" forName="bentUpArrow1" refType="h" fact="0.42"/>
-              <dgm:constr type="l" for="ch" forName="ParentText" refType="w" fact="0"/>
-              <dgm:constr type="t" for="ch" forName="ParentText" refType="h" fact="0"/>
-              <dgm:constr type="w" for="ch" forName="ParentText" refType="w" fact="0.5684"/>
-              <dgm:constr type="h" for="ch" forName="ParentText" refType="h" fact="0.4949"/>
-              <dgm:constr type="l" for="ch" forName="ChildText" refType="w" refFor="ch" refForName="ParentText"/>
-              <dgm:constr type="t" for="ch" forName="ChildText" refType="h" fact="0.05"/>
-              <dgm:constr type="w" for="ch" forName="ChildText" refType="w" fact="0.4134"/>
-              <dgm:constr type="h" for="ch" forName="ChildText" refType="h" fact="0.4"/>
-              <dgm:constr type="l" for="ch" forName="FinalChildText" refType="w" refFor="ch" refForName="ParentText"/>
-              <dgm:constr type="t" for="ch" forName="FinalChildText" refType="h" fact="0.05"/>
-              <dgm:constr type="w" for="ch" forName="FinalChildText" refType="w" fact="0.4134"/>
-              <dgm:constr type="h" for="ch" forName="FinalChildText" refType="h" fact="0.4"/>
-            </dgm:constrLst>
-          </dgm:if>
-          <dgm:else name="Name8">
-            <dgm:constrLst>
-              <dgm:constr type="r" for="ch" forName="bentUpArrow1" refType="w" fact="0.97"/>
-              <dgm:constr type="t" for="ch" forName="bentUpArrow1" refType="h" fact="0.524"/>
-              <dgm:constr type="w" for="ch" forName="bentUpArrow1" refType="w" fact="0.3844"/>
-              <dgm:constr type="h" for="ch" forName="bentUpArrow1" refType="h" fact="0.42"/>
-              <dgm:constr type="l" for="ch" forName="ParentText" refType="w" fact="0.4316"/>
-              <dgm:constr type="t" for="ch" forName="ParentText" refType="h" fact="0"/>
-              <dgm:constr type="w" for="ch" forName="ParentText" refType="w" fact="0.5684"/>
-              <dgm:constr type="h" for="ch" forName="ParentText" refType="h" fact="0.4949"/>
-              <dgm:constr type="l" for="ch" forName="ChildText" refType="w" fact="0"/>
-              <dgm:constr type="t" for="ch" forName="ChildText" refType="h" fact="0.05"/>
-              <dgm:constr type="w" for="ch" forName="ChildText" refType="w" fact="0.4134"/>
-              <dgm:constr type="h" for="ch" forName="ChildText" refType="h" fact="0.4"/>
-              <dgm:constr type="l" for="ch" forName="FinalChildText" refType="w" fact="0"/>
-              <dgm:constr type="t" for="ch" forName="FinalChildText" refType="h" fact="0.05"/>
-              <dgm:constr type="w" for="ch" forName="FinalChildText" refType="w" fact="0.4134"/>
-              <dgm:constr type="h" for="ch" forName="FinalChildText" refType="h" fact="0.4"/>
-            </dgm:constrLst>
-          </dgm:else>
-        </dgm:choose>
-        <dgm:choose name="Name9">
-          <dgm:if name="Name10" axis="followSib" ptType="node" func="cnt" op="gte" val="1">
-            <dgm:layoutNode name="bentUpArrow1" styleLbl="alignImgPlace1">
-              <dgm:alg type="sp"/>
-              <dgm:choose name="Name11">
-                <dgm:if name="Name12" func="var" arg="dir" op="equ" val="norm">
-                  <dgm:shape xmlns:r="http://schemas.openxmlformats.org/officeDocument/2006/relationships" rot="90" type="bentUpArrow" r:blip="">
-                    <dgm:adjLst>
-                      <dgm:adj idx="1" val="0.3284"/>
-                      <dgm:adj idx="2" val="0.25"/>
-                      <dgm:adj idx="3" val="0.3578"/>
-                    </dgm:adjLst>
-                  </dgm:shape>
-                </dgm:if>
-                <dgm:else name="Name13">
-                  <dgm:shape xmlns:r="http://schemas.openxmlformats.org/officeDocument/2006/relationships" rot="180" type="bentArrow" r:blip="">
-                    <dgm:adjLst>
-                      <dgm:adj idx="1" val="0.3284"/>
-                      <dgm:adj idx="2" val="0.25"/>
-                      <dgm:adj idx="3" val="0.3578"/>
-                      <dgm:adj idx="4" val="0"/>
-                    </dgm:adjLst>
-                  </dgm:shape>
-                </dgm:else>
-              </dgm:choose>
-              <dgm:presOf/>
-            </dgm:layoutNode>
-          </dgm:if>
-          <dgm:else name="Name14"/>
-        </dgm:choose>
-        <dgm:layoutNode name="ParentText" styleLbl="node1">
-          <dgm:varLst>
-            <dgm:chMax val="1"/>
-            <dgm:chPref val="1"/>
-            <dgm:bulletEnabled val="1"/>
-          </dgm:varLst>
-          <dgm:alg type="tx"/>
-          <dgm:shape xmlns:r="http://schemas.openxmlformats.org/officeDocument/2006/relationships" type="roundRect" r:blip="">
-            <dgm:adjLst>
-              <dgm:adj idx="1" val="0.1667"/>
-            </dgm:adjLst>
-          </dgm:shape>
-          <dgm:presOf axis="self" ptType="node"/>
-          <dgm:constrLst>
-            <dgm:constr type="lMarg" refType="primFontSz" fact="0.3"/>
-            <dgm:constr type="rMarg" refType="primFontSz" fact="0.3"/>
-            <dgm:constr type="tMarg" refType="primFontSz" fact="0.3"/>
-            <dgm:constr type="bMarg" refType="primFontSz" fact="0.3"/>
-          </dgm:constrLst>
-          <dgm:ruleLst>
-            <dgm:rule type="primFontSz" val="5" fact="NaN" max="NaN"/>
-          </dgm:ruleLst>
-        </dgm:layoutNode>
-        <dgm:choose name="Name15">
-          <dgm:if name="Name16" axis="followSib" ptType="node" func="cnt" op="equ" val="0">
-            <dgm:choose name="Name17">
-              <dgm:if name="Name18" axis="ch" ptType="node" func="cnt" op="gte" val="1">
-                <dgm:layoutNode name="FinalChildText" styleLbl="revTx">
-                  <dgm:varLst>
-                    <dgm:chMax val="0"/>
-                    <dgm:chPref val="0"/>
-                    <dgm:bulletEnabled val="1"/>
-                  </dgm:varLst>
-                  <dgm:alg type="tx">
-                    <dgm:param type="stBulletLvl" val="1"/>
-                    <dgm:param type="txAnchorVertCh" val="mid"/>
-                    <dgm:param type="parTxLTRAlign" val="l"/>
-                  </dgm:alg>
-                  <dgm:shape xmlns:r="http://schemas.openxmlformats.org/officeDocument/2006/relationships" type="rect" r:blip="">
-                    <dgm:adjLst/>
-                  </dgm:shape>
-                  <dgm:presOf axis="des" ptType="node"/>
-                  <dgm:constrLst>
-                    <dgm:constr type="lMarg" refType="primFontSz" fact="0.3"/>
-                    <dgm:constr type="rMarg" refType="primFontSz" fact="0.3"/>
-                    <dgm:constr type="tMarg" refType="primFontSz" fact="0.3"/>
-                    <dgm:constr type="bMarg" refType="primFontSz" fact="0.3"/>
-                  </dgm:constrLst>
-                  <dgm:ruleLst>
-                    <dgm:rule type="primFontSz" val="5" fact="NaN" max="NaN"/>
-                  </dgm:ruleLst>
-                </dgm:layoutNode>
-              </dgm:if>
-              <dgm:else name="Name19"/>
-            </dgm:choose>
-          </dgm:if>
-          <dgm:else name="Name20">
-            <dgm:layoutNode name="ChildText" styleLbl="revTx">
-              <dgm:varLst>
-                <dgm:chMax val="0"/>
-                <dgm:chPref val="0"/>
-                <dgm:bulletEnabled val="1"/>
-              </dgm:varLst>
-              <dgm:alg type="tx">
-                <dgm:param type="stBulletLvl" val="1"/>
-                <dgm:param type="txAnchorVertCh" val="mid"/>
-                <dgm:param type="parTxLTRAlign" val="l"/>
-              </dgm:alg>
-              <dgm:shape xmlns:r="http://schemas.openxmlformats.org/officeDocument/2006/relationships" type="rect" r:blip="">
-                <dgm:adjLst/>
-              </dgm:shape>
-              <dgm:presOf axis="des" ptType="node"/>
-              <dgm:constrLst>
-                <dgm:constr type="lMarg" refType="primFontSz" fact="0.3"/>
-                <dgm:constr type="rMarg" refType="primFontSz" fact="0.3"/>
-                <dgm:constr type="tMarg" refType="primFontSz" fact="0.3"/>
-                <dgm:constr type="bMarg" refType="primFontSz" fact="0.3"/>
-              </dgm:constrLst>
-              <dgm:ruleLst>
-                <dgm:rule type="primFontSz" val="5" fact="NaN" max="NaN"/>
-              </dgm:ruleLst>
-            </dgm:layoutNode>
-          </dgm:else>
-        </dgm:choose>
-      </dgm:layoutNode>
-      <dgm:forEach name="sibTransForEach" axis="followSib" ptType="sibTrans" cnt="1">
-        <dgm:layoutNode name="sibTrans">
-          <dgm:alg type="sp"/>
-          <dgm:shape xmlns:r="http://schemas.openxmlformats.org/officeDocument/2006/relationships" r:blip="">
-            <dgm:adjLst/>
-          </dgm:shape>
         </dgm:layoutNode>
       </dgm:forEach>
     </dgm:forEach>
@@ -9198,7 +10167,7 @@
           </a:lstStyle>
           <a:p>
             <a:r>
-              <a:rPr lang="pt-BR" smtClean="0"/>
+              <a:rPr lang="pt-BR"/>
               <a:t>Clique para editar o título mestre</a:t>
             </a:r>
             <a:endParaRPr lang="en-US" dirty="0"/>
@@ -9315,7 +10284,7 @@
           </a:lstStyle>
           <a:p>
             <a:r>
-              <a:rPr lang="pt-BR" smtClean="0"/>
+              <a:rPr lang="pt-BR"/>
               <a:t>Clique para editar o estilo do subtítulo Mestre</a:t>
             </a:r>
             <a:endParaRPr lang="en-US" dirty="0"/>
@@ -9339,7 +10308,7 @@
           <a:p>
             <a:fld id="{9DD0FF0E-39BA-4DB1-BA43-D9AC5DF8E0E1}" type="datetimeFigureOut">
               <a:rPr lang="pt-BR" smtClean="0"/>
-              <a:t>04/10/2019</a:t>
+              <a:t>06/10/2019</a:t>
             </a:fld>
             <a:endParaRPr lang="pt-BR"/>
           </a:p>
@@ -9474,7 +10443,7 @@
           </a:lstStyle>
           <a:p>
             <a:r>
-              <a:rPr lang="pt-BR" smtClean="0"/>
+              <a:rPr lang="pt-BR"/>
               <a:t>Clique para editar o título mestre</a:t>
             </a:r>
             <a:endParaRPr lang="en-US" dirty="0"/>
@@ -9548,7 +10517,7 @@
           </a:lstStyle>
           <a:p>
             <a:r>
-              <a:rPr lang="pt-BR" smtClean="0"/>
+              <a:rPr lang="pt-BR"/>
               <a:t>Clique no ícone para adicionar uma imagem</a:t>
             </a:r>
             <a:endParaRPr lang="en-US" dirty="0"/>
@@ -9614,7 +10583,7 @@
           <a:p>
             <a:pPr lvl="0"/>
             <a:r>
-              <a:rPr lang="pt-BR" smtClean="0"/>
+              <a:rPr lang="pt-BR"/>
               <a:t>Editar estilos de texto Mestre</a:t>
             </a:r>
           </a:p>
@@ -9637,7 +10606,7 @@
           <a:p>
             <a:fld id="{9DD0FF0E-39BA-4DB1-BA43-D9AC5DF8E0E1}" type="datetimeFigureOut">
               <a:rPr lang="pt-BR" smtClean="0"/>
-              <a:t>04/10/2019</a:t>
+              <a:t>06/10/2019</a:t>
             </a:fld>
             <a:endParaRPr lang="pt-BR"/>
           </a:p>
@@ -9740,7 +10709,7 @@
           </a:lstStyle>
           <a:p>
             <a:r>
-              <a:rPr lang="pt-BR" smtClean="0"/>
+              <a:rPr lang="pt-BR"/>
               <a:t>Clique para editar o título mestre</a:t>
             </a:r>
             <a:endParaRPr lang="en-US" dirty="0"/>
@@ -9806,7 +10775,7 @@
           <a:p>
             <a:pPr lvl="0"/>
             <a:r>
-              <a:rPr lang="pt-BR" smtClean="0"/>
+              <a:rPr lang="pt-BR"/>
               <a:t>Editar estilos de texto Mestre</a:t>
             </a:r>
           </a:p>
@@ -9829,7 +10798,7 @@
           <a:p>
             <a:fld id="{9DD0FF0E-39BA-4DB1-BA43-D9AC5DF8E0E1}" type="datetimeFigureOut">
               <a:rPr lang="pt-BR" smtClean="0"/>
-              <a:t>04/10/2019</a:t>
+              <a:t>06/10/2019</a:t>
             </a:fld>
             <a:endParaRPr lang="pt-BR"/>
           </a:p>
@@ -9932,7 +10901,7 @@
           </a:lstStyle>
           <a:p>
             <a:r>
-              <a:rPr lang="pt-BR" smtClean="0"/>
+              <a:rPr lang="pt-BR"/>
               <a:t>Clique para editar o título mestre</a:t>
             </a:r>
             <a:endParaRPr lang="en-US" dirty="0"/>
@@ -10000,7 +10969,7 @@
           <a:p>
             <a:pPr lvl="0"/>
             <a:r>
-              <a:rPr lang="pt-BR" smtClean="0"/>
+              <a:rPr lang="pt-BR"/>
               <a:t>Editar estilos de texto Mestre</a:t>
             </a:r>
           </a:p>
@@ -10067,7 +11036,7 @@
           <a:p>
             <a:pPr lvl="0"/>
             <a:r>
-              <a:rPr lang="pt-BR" smtClean="0"/>
+              <a:rPr lang="pt-BR"/>
               <a:t>Editar estilos de texto Mestre</a:t>
             </a:r>
           </a:p>
@@ -10090,7 +11059,7 @@
           <a:p>
             <a:fld id="{9DD0FF0E-39BA-4DB1-BA43-D9AC5DF8E0E1}" type="datetimeFigureOut">
               <a:rPr lang="pt-BR" smtClean="0"/>
-              <a:t>04/10/2019</a:t>
+              <a:t>06/10/2019</a:t>
             </a:fld>
             <a:endParaRPr lang="pt-BR"/>
           </a:p>
@@ -10425,7 +11394,7 @@
           </a:lstStyle>
           <a:p>
             <a:r>
-              <a:rPr lang="pt-BR" smtClean="0"/>
+              <a:rPr lang="pt-BR"/>
               <a:t>Clique para editar o título mestre</a:t>
             </a:r>
             <a:endParaRPr lang="en-US" dirty="0"/>
@@ -10491,7 +11460,7 @@
           <a:p>
             <a:pPr lvl="0"/>
             <a:r>
-              <a:rPr lang="pt-BR" smtClean="0"/>
+              <a:rPr lang="pt-BR"/>
               <a:t>Editar estilos de texto Mestre</a:t>
             </a:r>
           </a:p>
@@ -10514,7 +11483,7 @@
           <a:p>
             <a:fld id="{9DD0FF0E-39BA-4DB1-BA43-D9AC5DF8E0E1}" type="datetimeFigureOut">
               <a:rPr lang="pt-BR" smtClean="0"/>
-              <a:t>04/10/2019</a:t>
+              <a:t>06/10/2019</a:t>
             </a:fld>
             <a:endParaRPr lang="pt-BR"/>
           </a:p>
@@ -10613,7 +11582,7 @@
           <a:lstStyle/>
           <a:p>
             <a:r>
-              <a:rPr lang="pt-BR" smtClean="0"/>
+              <a:rPr lang="pt-BR"/>
               <a:t>Clique para editar o título mestre</a:t>
             </a:r>
             <a:endParaRPr lang="en-US" dirty="0"/>
@@ -10685,7 +11654,7 @@
           <a:p>
             <a:pPr lvl="0"/>
             <a:r>
-              <a:rPr lang="pt-BR" smtClean="0"/>
+              <a:rPr lang="pt-BR"/>
               <a:t>Editar estilos de texto Mestre</a:t>
             </a:r>
           </a:p>
@@ -10752,7 +11721,7 @@
           <a:p>
             <a:pPr lvl="0"/>
             <a:r>
-              <a:rPr lang="pt-BR" smtClean="0"/>
+              <a:rPr lang="pt-BR"/>
               <a:t>Editar estilos de texto Mestre</a:t>
             </a:r>
           </a:p>
@@ -10823,7 +11792,7 @@
           <a:p>
             <a:pPr lvl="0"/>
             <a:r>
-              <a:rPr lang="pt-BR" smtClean="0"/>
+              <a:rPr lang="pt-BR"/>
               <a:t>Editar estilos de texto Mestre</a:t>
             </a:r>
           </a:p>
@@ -10890,7 +11859,7 @@
           <a:p>
             <a:pPr lvl="0"/>
             <a:r>
-              <a:rPr lang="pt-BR" smtClean="0"/>
+              <a:rPr lang="pt-BR"/>
               <a:t>Editar estilos de texto Mestre</a:t>
             </a:r>
           </a:p>
@@ -10961,7 +11930,7 @@
           <a:p>
             <a:pPr lvl="0"/>
             <a:r>
-              <a:rPr lang="pt-BR" smtClean="0"/>
+              <a:rPr lang="pt-BR"/>
               <a:t>Editar estilos de texto Mestre</a:t>
             </a:r>
           </a:p>
@@ -11028,7 +11997,7 @@
           <a:p>
             <a:pPr lvl="0"/>
             <a:r>
-              <a:rPr lang="pt-BR" smtClean="0"/>
+              <a:rPr lang="pt-BR"/>
               <a:t>Editar estilos de texto Mestre</a:t>
             </a:r>
           </a:p>
@@ -11051,7 +12020,7 @@
           <a:p>
             <a:fld id="{9DD0FF0E-39BA-4DB1-BA43-D9AC5DF8E0E1}" type="datetimeFigureOut">
               <a:rPr lang="pt-BR" smtClean="0"/>
-              <a:t>04/10/2019</a:t>
+              <a:t>06/10/2019</a:t>
             </a:fld>
             <a:endParaRPr lang="pt-BR"/>
           </a:p>
@@ -11240,7 +12209,7 @@
           <a:lstStyle/>
           <a:p>
             <a:r>
-              <a:rPr lang="pt-BR" smtClean="0"/>
+              <a:rPr lang="pt-BR"/>
               <a:t>Clique para editar o título mestre</a:t>
             </a:r>
             <a:endParaRPr lang="en-US" dirty="0"/>
@@ -11312,7 +12281,7 @@
           <a:p>
             <a:pPr lvl="0"/>
             <a:r>
-              <a:rPr lang="pt-BR" smtClean="0"/>
+              <a:rPr lang="pt-BR"/>
               <a:t>Editar estilos de texto Mestre</a:t>
             </a:r>
           </a:p>
@@ -11390,7 +12359,7 @@
           </a:lstStyle>
           <a:p>
             <a:r>
-              <a:rPr lang="pt-BR" smtClean="0"/>
+              <a:rPr lang="pt-BR"/>
               <a:t>Clique no ícone para adicionar uma imagem</a:t>
             </a:r>
             <a:endParaRPr lang="en-US" dirty="0"/>
@@ -11458,7 +12427,7 @@
           <a:p>
             <a:pPr lvl="0"/>
             <a:r>
-              <a:rPr lang="pt-BR" smtClean="0"/>
+              <a:rPr lang="pt-BR"/>
               <a:t>Editar estilos de texto Mestre</a:t>
             </a:r>
           </a:p>
@@ -11529,7 +12498,7 @@
           <a:p>
             <a:pPr lvl="0"/>
             <a:r>
-              <a:rPr lang="pt-BR" smtClean="0"/>
+              <a:rPr lang="pt-BR"/>
               <a:t>Editar estilos de texto Mestre</a:t>
             </a:r>
           </a:p>
@@ -11607,7 +12576,7 @@
           </a:lstStyle>
           <a:p>
             <a:r>
-              <a:rPr lang="pt-BR" smtClean="0"/>
+              <a:rPr lang="pt-BR"/>
               <a:t>Clique no ícone para adicionar uma imagem</a:t>
             </a:r>
             <a:endParaRPr lang="en-US" dirty="0"/>
@@ -11675,7 +12644,7 @@
           <a:p>
             <a:pPr lvl="0"/>
             <a:r>
-              <a:rPr lang="pt-BR" smtClean="0"/>
+              <a:rPr lang="pt-BR"/>
               <a:t>Editar estilos de texto Mestre</a:t>
             </a:r>
           </a:p>
@@ -11746,7 +12715,7 @@
           <a:p>
             <a:pPr lvl="0"/>
             <a:r>
-              <a:rPr lang="pt-BR" smtClean="0"/>
+              <a:rPr lang="pt-BR"/>
               <a:t>Editar estilos de texto Mestre</a:t>
             </a:r>
           </a:p>
@@ -11824,7 +12793,7 @@
           </a:lstStyle>
           <a:p>
             <a:r>
-              <a:rPr lang="pt-BR" smtClean="0"/>
+              <a:rPr lang="pt-BR"/>
               <a:t>Clique no ícone para adicionar uma imagem</a:t>
             </a:r>
             <a:endParaRPr lang="en-US" dirty="0"/>
@@ -11892,7 +12861,7 @@
           <a:p>
             <a:pPr lvl="0"/>
             <a:r>
-              <a:rPr lang="pt-BR" smtClean="0"/>
+              <a:rPr lang="pt-BR"/>
               <a:t>Editar estilos de texto Mestre</a:t>
             </a:r>
           </a:p>
@@ -11915,7 +12884,7 @@
           <a:p>
             <a:fld id="{9DD0FF0E-39BA-4DB1-BA43-D9AC5DF8E0E1}" type="datetimeFigureOut">
               <a:rPr lang="pt-BR" smtClean="0"/>
-              <a:t>04/10/2019</a:t>
+              <a:t>06/10/2019</a:t>
             </a:fld>
             <a:endParaRPr lang="pt-BR"/>
           </a:p>
@@ -12009,7 +12978,7 @@
           <a:lstStyle/>
           <a:p>
             <a:r>
-              <a:rPr lang="pt-BR" smtClean="0"/>
+              <a:rPr lang="pt-BR"/>
               <a:t>Clique para editar o título mestre</a:t>
             </a:r>
             <a:endParaRPr lang="en-US" dirty="0"/>
@@ -12033,35 +13002,35 @@
           <a:p>
             <a:pPr lvl="0"/>
             <a:r>
-              <a:rPr lang="pt-BR" smtClean="0"/>
+              <a:rPr lang="pt-BR"/>
               <a:t>Editar estilos de texto Mestre</a:t>
             </a:r>
           </a:p>
           <a:p>
             <a:pPr lvl="1"/>
             <a:r>
-              <a:rPr lang="pt-BR" smtClean="0"/>
+              <a:rPr lang="pt-BR"/>
               <a:t>Segundo nível</a:t>
             </a:r>
           </a:p>
           <a:p>
             <a:pPr lvl="2"/>
             <a:r>
-              <a:rPr lang="pt-BR" smtClean="0"/>
+              <a:rPr lang="pt-BR"/>
               <a:t>Terceiro nível</a:t>
             </a:r>
           </a:p>
           <a:p>
             <a:pPr lvl="3"/>
             <a:r>
-              <a:rPr lang="pt-BR" smtClean="0"/>
+              <a:rPr lang="pt-BR"/>
               <a:t>Quarto nível</a:t>
             </a:r>
           </a:p>
           <a:p>
             <a:pPr lvl="4"/>
             <a:r>
-              <a:rPr lang="pt-BR" smtClean="0"/>
+              <a:rPr lang="pt-BR"/>
               <a:t>Quinto nível</a:t>
             </a:r>
             <a:endParaRPr lang="en-US" dirty="0"/>
@@ -12085,7 +13054,7 @@
           <a:p>
             <a:fld id="{9DD0FF0E-39BA-4DB1-BA43-D9AC5DF8E0E1}" type="datetimeFigureOut">
               <a:rPr lang="pt-BR" smtClean="0"/>
-              <a:t>04/10/2019</a:t>
+              <a:t>06/10/2019</a:t>
             </a:fld>
             <a:endParaRPr lang="pt-BR"/>
           </a:p>
@@ -12188,7 +13157,7 @@
           </a:lstStyle>
           <a:p>
             <a:r>
-              <a:rPr lang="pt-BR" smtClean="0"/>
+              <a:rPr lang="pt-BR"/>
               <a:t>Clique para editar o título mestre</a:t>
             </a:r>
             <a:endParaRPr lang="en-US" dirty="0"/>
@@ -12217,35 +13186,35 @@
           <a:p>
             <a:pPr lvl="0"/>
             <a:r>
-              <a:rPr lang="pt-BR" smtClean="0"/>
+              <a:rPr lang="pt-BR"/>
               <a:t>Editar estilos de texto Mestre</a:t>
             </a:r>
           </a:p>
           <a:p>
             <a:pPr lvl="1"/>
             <a:r>
-              <a:rPr lang="pt-BR" smtClean="0"/>
+              <a:rPr lang="pt-BR"/>
               <a:t>Segundo nível</a:t>
             </a:r>
           </a:p>
           <a:p>
             <a:pPr lvl="2"/>
             <a:r>
-              <a:rPr lang="pt-BR" smtClean="0"/>
+              <a:rPr lang="pt-BR"/>
               <a:t>Terceiro nível</a:t>
             </a:r>
           </a:p>
           <a:p>
             <a:pPr lvl="3"/>
             <a:r>
-              <a:rPr lang="pt-BR" smtClean="0"/>
+              <a:rPr lang="pt-BR"/>
               <a:t>Quarto nível</a:t>
             </a:r>
           </a:p>
           <a:p>
             <a:pPr lvl="4"/>
             <a:r>
-              <a:rPr lang="pt-BR" smtClean="0"/>
+              <a:rPr lang="pt-BR"/>
               <a:t>Quinto nível</a:t>
             </a:r>
             <a:endParaRPr lang="en-US" dirty="0"/>
@@ -12269,7 +13238,7 @@
           <a:p>
             <a:fld id="{9DD0FF0E-39BA-4DB1-BA43-D9AC5DF8E0E1}" type="datetimeFigureOut">
               <a:rPr lang="pt-BR" smtClean="0"/>
-              <a:t>04/10/2019</a:t>
+              <a:t>06/10/2019</a:t>
             </a:fld>
             <a:endParaRPr lang="pt-BR"/>
           </a:p>
@@ -12363,7 +13332,7 @@
           <a:lstStyle/>
           <a:p>
             <a:r>
-              <a:rPr lang="pt-BR" smtClean="0"/>
+              <a:rPr lang="pt-BR"/>
               <a:t>Clique para editar o título mestre</a:t>
             </a:r>
             <a:endParaRPr lang="en-US" dirty="0"/>
@@ -12387,35 +13356,35 @@
           <a:p>
             <a:pPr lvl="0"/>
             <a:r>
-              <a:rPr lang="pt-BR" smtClean="0"/>
+              <a:rPr lang="pt-BR"/>
               <a:t>Editar estilos de texto Mestre</a:t>
             </a:r>
           </a:p>
           <a:p>
             <a:pPr lvl="1"/>
             <a:r>
-              <a:rPr lang="pt-BR" smtClean="0"/>
+              <a:rPr lang="pt-BR"/>
               <a:t>Segundo nível</a:t>
             </a:r>
           </a:p>
           <a:p>
             <a:pPr lvl="2"/>
             <a:r>
-              <a:rPr lang="pt-BR" smtClean="0"/>
+              <a:rPr lang="pt-BR"/>
               <a:t>Terceiro nível</a:t>
             </a:r>
           </a:p>
           <a:p>
             <a:pPr lvl="3"/>
             <a:r>
-              <a:rPr lang="pt-BR" smtClean="0"/>
+              <a:rPr lang="pt-BR"/>
               <a:t>Quarto nível</a:t>
             </a:r>
           </a:p>
           <a:p>
             <a:pPr lvl="4"/>
             <a:r>
-              <a:rPr lang="pt-BR" smtClean="0"/>
+              <a:rPr lang="pt-BR"/>
               <a:t>Quinto nível</a:t>
             </a:r>
             <a:endParaRPr lang="en-US" dirty="0"/>
@@ -12439,7 +13408,7 @@
           <a:p>
             <a:fld id="{9DD0FF0E-39BA-4DB1-BA43-D9AC5DF8E0E1}" type="datetimeFigureOut">
               <a:rPr lang="pt-BR" smtClean="0"/>
-              <a:t>04/10/2019</a:t>
+              <a:t>06/10/2019</a:t>
             </a:fld>
             <a:endParaRPr lang="pt-BR"/>
           </a:p>
@@ -12542,7 +13511,7 @@
           </a:lstStyle>
           <a:p>
             <a:r>
-              <a:rPr lang="pt-BR" smtClean="0"/>
+              <a:rPr lang="pt-BR"/>
               <a:t>Clique para editar o título mestre</a:t>
             </a:r>
             <a:endParaRPr lang="en-US" dirty="0"/>
@@ -12660,7 +13629,7 @@
           <a:p>
             <a:pPr lvl="0"/>
             <a:r>
-              <a:rPr lang="pt-BR" smtClean="0"/>
+              <a:rPr lang="pt-BR"/>
               <a:t>Editar estilos de texto Mestre</a:t>
             </a:r>
           </a:p>
@@ -12683,7 +13652,7 @@
           <a:p>
             <a:fld id="{9DD0FF0E-39BA-4DB1-BA43-D9AC5DF8E0E1}" type="datetimeFigureOut">
               <a:rPr lang="pt-BR" smtClean="0"/>
-              <a:t>04/10/2019</a:t>
+              <a:t>06/10/2019</a:t>
             </a:fld>
             <a:endParaRPr lang="pt-BR"/>
           </a:p>
@@ -12777,7 +13746,7 @@
           <a:lstStyle/>
           <a:p>
             <a:r>
-              <a:rPr lang="pt-BR" smtClean="0"/>
+              <a:rPr lang="pt-BR"/>
               <a:t>Clique para editar o título mestre</a:t>
             </a:r>
             <a:endParaRPr lang="en-US" dirty="0"/>
@@ -12808,35 +13777,35 @@
           <a:p>
             <a:pPr lvl="0"/>
             <a:r>
-              <a:rPr lang="pt-BR" smtClean="0"/>
+              <a:rPr lang="pt-BR"/>
               <a:t>Editar estilos de texto Mestre</a:t>
             </a:r>
           </a:p>
           <a:p>
             <a:pPr lvl="1"/>
             <a:r>
-              <a:rPr lang="pt-BR" smtClean="0"/>
+              <a:rPr lang="pt-BR"/>
               <a:t>Segundo nível</a:t>
             </a:r>
           </a:p>
           <a:p>
             <a:pPr lvl="2"/>
             <a:r>
-              <a:rPr lang="pt-BR" smtClean="0"/>
+              <a:rPr lang="pt-BR"/>
               <a:t>Terceiro nível</a:t>
             </a:r>
           </a:p>
           <a:p>
             <a:pPr lvl="3"/>
             <a:r>
-              <a:rPr lang="pt-BR" smtClean="0"/>
+              <a:rPr lang="pt-BR"/>
               <a:t>Quarto nível</a:t>
             </a:r>
           </a:p>
           <a:p>
             <a:pPr lvl="4"/>
             <a:r>
-              <a:rPr lang="pt-BR" smtClean="0"/>
+              <a:rPr lang="pt-BR"/>
               <a:t>Quinto nível</a:t>
             </a:r>
             <a:endParaRPr lang="en-US" dirty="0"/>
@@ -12867,35 +13836,35 @@
           <a:p>
             <a:pPr lvl="0"/>
             <a:r>
-              <a:rPr lang="pt-BR" smtClean="0"/>
+              <a:rPr lang="pt-BR"/>
               <a:t>Editar estilos de texto Mestre</a:t>
             </a:r>
           </a:p>
           <a:p>
             <a:pPr lvl="1"/>
             <a:r>
-              <a:rPr lang="pt-BR" smtClean="0"/>
+              <a:rPr lang="pt-BR"/>
               <a:t>Segundo nível</a:t>
             </a:r>
           </a:p>
           <a:p>
             <a:pPr lvl="2"/>
             <a:r>
-              <a:rPr lang="pt-BR" smtClean="0"/>
+              <a:rPr lang="pt-BR"/>
               <a:t>Terceiro nível</a:t>
             </a:r>
           </a:p>
           <a:p>
             <a:pPr lvl="3"/>
             <a:r>
-              <a:rPr lang="pt-BR" smtClean="0"/>
+              <a:rPr lang="pt-BR"/>
               <a:t>Quarto nível</a:t>
             </a:r>
           </a:p>
           <a:p>
             <a:pPr lvl="4"/>
             <a:r>
-              <a:rPr lang="pt-BR" smtClean="0"/>
+              <a:rPr lang="pt-BR"/>
               <a:t>Quinto nível</a:t>
             </a:r>
             <a:endParaRPr lang="en-US" dirty="0"/>
@@ -12919,7 +13888,7 @@
           <a:p>
             <a:fld id="{9DD0FF0E-39BA-4DB1-BA43-D9AC5DF8E0E1}" type="datetimeFigureOut">
               <a:rPr lang="pt-BR" smtClean="0"/>
-              <a:t>04/10/2019</a:t>
+              <a:t>06/10/2019</a:t>
             </a:fld>
             <a:endParaRPr lang="pt-BR"/>
           </a:p>
@@ -13077,7 +14046,7 @@
           </a:lstStyle>
           <a:p>
             <a:r>
-              <a:rPr lang="pt-BR" smtClean="0"/>
+              <a:rPr lang="pt-BR"/>
               <a:t>Clique para editar o título mestre</a:t>
             </a:r>
             <a:endParaRPr lang="en-US" dirty="0"/>
@@ -13145,7 +14114,7 @@
           <a:p>
             <a:pPr lvl="0"/>
             <a:r>
-              <a:rPr lang="pt-BR" smtClean="0"/>
+              <a:rPr lang="pt-BR"/>
               <a:t>Editar estilos de texto Mestre</a:t>
             </a:r>
           </a:p>
@@ -13191,35 +14160,35 @@
           <a:p>
             <a:pPr lvl="0"/>
             <a:r>
-              <a:rPr lang="pt-BR" smtClean="0"/>
+              <a:rPr lang="pt-BR"/>
               <a:t>Editar estilos de texto Mestre</a:t>
             </a:r>
           </a:p>
           <a:p>
             <a:pPr lvl="1"/>
             <a:r>
-              <a:rPr lang="pt-BR" smtClean="0"/>
+              <a:rPr lang="pt-BR"/>
               <a:t>Segundo nível</a:t>
             </a:r>
           </a:p>
           <a:p>
             <a:pPr lvl="2"/>
             <a:r>
-              <a:rPr lang="pt-BR" smtClean="0"/>
+              <a:rPr lang="pt-BR"/>
               <a:t>Terceiro nível</a:t>
             </a:r>
           </a:p>
           <a:p>
             <a:pPr lvl="3"/>
             <a:r>
-              <a:rPr lang="pt-BR" smtClean="0"/>
+              <a:rPr lang="pt-BR"/>
               <a:t>Quarto nível</a:t>
             </a:r>
           </a:p>
           <a:p>
             <a:pPr lvl="4"/>
             <a:r>
-              <a:rPr lang="pt-BR" smtClean="0"/>
+              <a:rPr lang="pt-BR"/>
               <a:t>Quinto nível</a:t>
             </a:r>
             <a:endParaRPr lang="en-US" dirty="0"/>
@@ -13287,7 +14256,7 @@
           <a:p>
             <a:pPr lvl="0"/>
             <a:r>
-              <a:rPr lang="pt-BR" smtClean="0"/>
+              <a:rPr lang="pt-BR"/>
               <a:t>Editar estilos de texto Mestre</a:t>
             </a:r>
           </a:p>
@@ -13333,35 +14302,35 @@
           <a:p>
             <a:pPr lvl="0"/>
             <a:r>
-              <a:rPr lang="pt-BR" smtClean="0"/>
+              <a:rPr lang="pt-BR"/>
               <a:t>Editar estilos de texto Mestre</a:t>
             </a:r>
           </a:p>
           <a:p>
             <a:pPr lvl="1"/>
             <a:r>
-              <a:rPr lang="pt-BR" smtClean="0"/>
+              <a:rPr lang="pt-BR"/>
               <a:t>Segundo nível</a:t>
             </a:r>
           </a:p>
           <a:p>
             <a:pPr lvl="2"/>
             <a:r>
-              <a:rPr lang="pt-BR" smtClean="0"/>
+              <a:rPr lang="pt-BR"/>
               <a:t>Terceiro nível</a:t>
             </a:r>
           </a:p>
           <a:p>
             <a:pPr lvl="3"/>
             <a:r>
-              <a:rPr lang="pt-BR" smtClean="0"/>
+              <a:rPr lang="pt-BR"/>
               <a:t>Quarto nível</a:t>
             </a:r>
           </a:p>
           <a:p>
             <a:pPr lvl="4"/>
             <a:r>
-              <a:rPr lang="pt-BR" smtClean="0"/>
+              <a:rPr lang="pt-BR"/>
               <a:t>Quinto nível</a:t>
             </a:r>
             <a:endParaRPr lang="en-US" dirty="0"/>
@@ -13385,7 +14354,7 @@
           <a:p>
             <a:fld id="{9DD0FF0E-39BA-4DB1-BA43-D9AC5DF8E0E1}" type="datetimeFigureOut">
               <a:rPr lang="pt-BR" smtClean="0"/>
-              <a:t>04/10/2019</a:t>
+              <a:t>06/10/2019</a:t>
             </a:fld>
             <a:endParaRPr lang="pt-BR"/>
           </a:p>
@@ -13479,7 +14448,7 @@
           <a:lstStyle/>
           <a:p>
             <a:r>
-              <a:rPr lang="pt-BR" smtClean="0"/>
+              <a:rPr lang="pt-BR"/>
               <a:t>Clique para editar o título mestre</a:t>
             </a:r>
             <a:endParaRPr lang="en-US" dirty="0"/>
@@ -13503,7 +14472,7 @@
           <a:p>
             <a:fld id="{9DD0FF0E-39BA-4DB1-BA43-D9AC5DF8E0E1}" type="datetimeFigureOut">
               <a:rPr lang="pt-BR" smtClean="0"/>
-              <a:t>04/10/2019</a:t>
+              <a:t>06/10/2019</a:t>
             </a:fld>
             <a:endParaRPr lang="pt-BR"/>
           </a:p>
@@ -13598,7 +14567,7 @@
           <a:p>
             <a:fld id="{9DD0FF0E-39BA-4DB1-BA43-D9AC5DF8E0E1}" type="datetimeFigureOut">
               <a:rPr lang="pt-BR" smtClean="0"/>
-              <a:t>04/10/2019</a:t>
+              <a:t>06/10/2019</a:t>
             </a:fld>
             <a:endParaRPr lang="pt-BR"/>
           </a:p>
@@ -13703,7 +14672,7 @@
           </a:lstStyle>
           <a:p>
             <a:r>
-              <a:rPr lang="pt-BR" smtClean="0"/>
+              <a:rPr lang="pt-BR"/>
               <a:t>Clique para editar o título mestre</a:t>
             </a:r>
             <a:endParaRPr lang="en-US" dirty="0"/>
@@ -13734,35 +14703,35 @@
           <a:p>
             <a:pPr lvl="0"/>
             <a:r>
-              <a:rPr lang="pt-BR" smtClean="0"/>
+              <a:rPr lang="pt-BR"/>
               <a:t>Editar estilos de texto Mestre</a:t>
             </a:r>
           </a:p>
           <a:p>
             <a:pPr lvl="1"/>
             <a:r>
-              <a:rPr lang="pt-BR" smtClean="0"/>
+              <a:rPr lang="pt-BR"/>
               <a:t>Segundo nível</a:t>
             </a:r>
           </a:p>
           <a:p>
             <a:pPr lvl="2"/>
             <a:r>
-              <a:rPr lang="pt-BR" smtClean="0"/>
+              <a:rPr lang="pt-BR"/>
               <a:t>Terceiro nível</a:t>
             </a:r>
           </a:p>
           <a:p>
             <a:pPr lvl="3"/>
             <a:r>
-              <a:rPr lang="pt-BR" smtClean="0"/>
+              <a:rPr lang="pt-BR"/>
               <a:t>Quarto nível</a:t>
             </a:r>
           </a:p>
           <a:p>
             <a:pPr lvl="4"/>
             <a:r>
-              <a:rPr lang="pt-BR" smtClean="0"/>
+              <a:rPr lang="pt-BR"/>
               <a:t>Quinto nível</a:t>
             </a:r>
             <a:endParaRPr lang="en-US" dirty="0"/>
@@ -13830,7 +14799,7 @@
           <a:p>
             <a:pPr lvl="0"/>
             <a:r>
-              <a:rPr lang="pt-BR" smtClean="0"/>
+              <a:rPr lang="pt-BR"/>
               <a:t>Editar estilos de texto Mestre</a:t>
             </a:r>
           </a:p>
@@ -13853,7 +14822,7 @@
           <a:p>
             <a:fld id="{9DD0FF0E-39BA-4DB1-BA43-D9AC5DF8E0E1}" type="datetimeFigureOut">
               <a:rPr lang="pt-BR" smtClean="0"/>
-              <a:t>04/10/2019</a:t>
+              <a:t>06/10/2019</a:t>
             </a:fld>
             <a:endParaRPr lang="pt-BR"/>
           </a:p>
@@ -13988,7 +14957,7 @@
           </a:lstStyle>
           <a:p>
             <a:r>
-              <a:rPr lang="pt-BR" smtClean="0"/>
+              <a:rPr lang="pt-BR"/>
               <a:t>Clique para editar o título mestre</a:t>
             </a:r>
             <a:endParaRPr lang="en-US" dirty="0"/>
@@ -14062,7 +15031,7 @@
           </a:lstStyle>
           <a:p>
             <a:r>
-              <a:rPr lang="pt-BR" smtClean="0"/>
+              <a:rPr lang="pt-BR"/>
               <a:t>Clique no ícone para adicionar uma imagem</a:t>
             </a:r>
             <a:endParaRPr lang="en-US" dirty="0"/>
@@ -14130,7 +15099,7 @@
           <a:p>
             <a:pPr lvl="0"/>
             <a:r>
-              <a:rPr lang="pt-BR" smtClean="0"/>
+              <a:rPr lang="pt-BR"/>
               <a:t>Editar estilos de texto Mestre</a:t>
             </a:r>
           </a:p>
@@ -14153,7 +15122,7 @@
           <a:p>
             <a:fld id="{9DD0FF0E-39BA-4DB1-BA43-D9AC5DF8E0E1}" type="datetimeFigureOut">
               <a:rPr lang="pt-BR" smtClean="0"/>
-              <a:t>04/10/2019</a:t>
+              <a:t>06/10/2019</a:t>
             </a:fld>
             <a:endParaRPr lang="pt-BR"/>
           </a:p>
@@ -14269,7 +15238,7 @@
           <a:lstStyle/>
           <a:p>
             <a:r>
-              <a:rPr lang="pt-BR" smtClean="0"/>
+              <a:rPr lang="pt-BR"/>
               <a:t>Clique para editar o título mestre</a:t>
             </a:r>
             <a:endParaRPr lang="en-US" dirty="0"/>
@@ -14310,35 +15279,35 @@
           <a:p>
             <a:pPr lvl="0"/>
             <a:r>
-              <a:rPr lang="pt-BR" smtClean="0"/>
+              <a:rPr lang="pt-BR"/>
               <a:t>Editar estilos de texto Mestre</a:t>
             </a:r>
           </a:p>
           <a:p>
             <a:pPr lvl="1"/>
             <a:r>
-              <a:rPr lang="pt-BR" smtClean="0"/>
+              <a:rPr lang="pt-BR"/>
               <a:t>Segundo nível</a:t>
             </a:r>
           </a:p>
           <a:p>
             <a:pPr lvl="2"/>
             <a:r>
-              <a:rPr lang="pt-BR" smtClean="0"/>
+              <a:rPr lang="pt-BR"/>
               <a:t>Terceiro nível</a:t>
             </a:r>
           </a:p>
           <a:p>
             <a:pPr lvl="3"/>
             <a:r>
-              <a:rPr lang="pt-BR" smtClean="0"/>
+              <a:rPr lang="pt-BR"/>
               <a:t>Quarto nível</a:t>
             </a:r>
           </a:p>
           <a:p>
             <a:pPr lvl="4"/>
             <a:r>
-              <a:rPr lang="pt-BR" smtClean="0"/>
+              <a:rPr lang="pt-BR"/>
               <a:t>Quinto nível</a:t>
             </a:r>
             <a:endParaRPr lang="en-US" dirty="0"/>
@@ -14387,7 +15356,7 @@
           <a:p>
             <a:fld id="{9DD0FF0E-39BA-4DB1-BA43-D9AC5DF8E0E1}" type="datetimeFigureOut">
               <a:rPr lang="pt-BR" smtClean="0"/>
-              <a:t>04/10/2019</a:t>
+              <a:t>06/10/2019</a:t>
             </a:fld>
             <a:endParaRPr lang="pt-BR"/>
           </a:p>
@@ -15207,14 +16176,11 @@
           <a:lstStyle/>
           <a:p>
             <a:r>
-              <a:rPr lang="pt-BR" sz="8800" dirty="0" smtClean="0">
+              <a:rPr lang="pt-BR" sz="8800" dirty="0">
                 <a:latin typeface="Trebuchet MS" panose="020B0603020202020204" pitchFamily="34" charset="0"/>
               </a:rPr>
               <a:t>TalmID</a:t>
             </a:r>
-            <a:endParaRPr lang="pt-BR" sz="8800" dirty="0">
-              <a:latin typeface="Trebuchet MS" panose="020B0603020202020204" pitchFamily="34" charset="0"/>
-            </a:endParaRPr>
           </a:p>
         </p:txBody>
       </p:sp>
@@ -15241,14 +16207,11 @@
           <a:lstStyle/>
           <a:p>
             <a:r>
-              <a:rPr lang="pt-BR" sz="6000" u="sng" dirty="0" smtClean="0">
+              <a:rPr lang="pt-BR" sz="6000" u="sng" dirty="0">
                 <a:latin typeface="Gabriola" panose="04040605051002020D02" pitchFamily="82" charset="0"/>
               </a:rPr>
               <a:t>Conhecimento de todos para todos.</a:t>
             </a:r>
-            <a:endParaRPr lang="pt-BR" sz="6000" u="sng" dirty="0">
-              <a:latin typeface="Gabriola" panose="04040605051002020D02" pitchFamily="82" charset="0"/>
-            </a:endParaRPr>
           </a:p>
         </p:txBody>
       </p:sp>
@@ -15262,13 +16225,6 @@
   <p:clrMapOvr>
     <a:masterClrMapping/>
   </p:clrMapOvr>
-  <p:timing>
-    <p:tnLst>
-      <p:par>
-        <p:cTn id="1" dur="indefinite" restart="never" nodeType="tmRoot"/>
-      </p:par>
-    </p:tnLst>
-  </p:timing>
 </p:sld>
 </file>
 
@@ -15305,18 +16261,13 @@
           <a:lstStyle/>
           <a:p>
             <a:r>
-              <a:rPr lang="pt-BR" u="sng" dirty="0" smtClean="0">
+              <a:rPr lang="pt-BR" u="sng" dirty="0">
                 <a:solidFill>
                   <a:schemeClr val="accent1"/>
                 </a:solidFill>
               </a:rPr>
               <a:t>Contextualização.</a:t>
             </a:r>
-            <a:endParaRPr lang="pt-BR" u="sng" dirty="0">
-              <a:solidFill>
-                <a:schemeClr val="accent1"/>
-              </a:solidFill>
-            </a:endParaRPr>
           </a:p>
         </p:txBody>
       </p:sp>
@@ -15347,7 +16298,7 @@
               <a:buChar char="•"/>
             </a:pPr>
             <a:r>
-              <a:rPr lang="pt-BR" sz="2400" dirty="0" smtClean="0"/>
+              <a:rPr lang="pt-BR" sz="2400" dirty="0"/>
               <a:t>Criar uma plataforma que une pessoas que quer e tem necessidade de aprender de qualquer lugar com pessoas ou instituições que tem algo para ensinar.</a:t>
             </a:r>
           </a:p>
@@ -15357,7 +16308,7 @@
               <a:buChar char="•"/>
             </a:pPr>
             <a:r>
-              <a:rPr lang="pt-BR" sz="2400" dirty="0" smtClean="0"/>
+              <a:rPr lang="pt-BR" sz="2400" dirty="0"/>
               <a:t>Cursos ou alguns tipos de conhecimentos são caros as vezes escasso e muitas vezes inacessível para qualquer pessoa.</a:t>
             </a:r>
           </a:p>
@@ -15367,7 +16318,7 @@
               <a:buChar char="•"/>
             </a:pPr>
             <a:r>
-              <a:rPr lang="pt-BR" sz="2400" dirty="0" smtClean="0"/>
+              <a:rPr lang="pt-BR" sz="2400" dirty="0"/>
               <a:t>Sendo assim a plataforma cria um banco de dados que sincroniza por interesse de conhecimento e localidade.</a:t>
             </a:r>
           </a:p>
@@ -15377,7 +16328,7 @@
               <a:buChar char="•"/>
             </a:pPr>
             <a:r>
-              <a:rPr lang="pt-BR" sz="2400" dirty="0" smtClean="0"/>
+              <a:rPr lang="pt-BR" sz="2400" dirty="0"/>
               <a:t>Empresas interessadas em patrocinar os “professores”, facilita a ida deles para lugares mais remotos e ferramentas de trabalho, além de conseguir melhorar a imagem da instituição através da plataforma e incentivar os “professores” com benefícios em utilizar dos serviços de suas empresas.</a:t>
             </a:r>
           </a:p>
@@ -15386,7 +16337,7 @@
               <a:buFont typeface="Arial" panose="020B0604020202020204" pitchFamily="34" charset="0"/>
               <a:buChar char="•"/>
             </a:pPr>
-            <a:endParaRPr lang="pt-BR" dirty="0" smtClean="0"/>
+            <a:endParaRPr lang="pt-BR" dirty="0"/>
           </a:p>
         </p:txBody>
       </p:sp>
@@ -15400,13 +16351,6 @@
   <p:clrMapOvr>
     <a:masterClrMapping/>
   </p:clrMapOvr>
-  <p:timing>
-    <p:tnLst>
-      <p:par>
-        <p:cTn id="1" dur="indefinite" restart="never" nodeType="tmRoot"/>
-      </p:par>
-    </p:tnLst>
-  </p:timing>
 </p:sld>
 </file>
 
@@ -15464,10 +16408,9 @@
           <a:p>
             <a:pPr algn="ctr"/>
             <a:r>
-              <a:rPr lang="pt-BR" dirty="0" smtClean="0"/>
+              <a:rPr lang="pt-BR" dirty="0"/>
               <a:t>Cadastro de usuário Aluno, Professor, Patrocínio e instituição educacional</a:t>
             </a:r>
-            <a:endParaRPr lang="pt-BR" dirty="0"/>
           </a:p>
         </p:txBody>
       </p:sp>
@@ -15508,10 +16451,9 @@
           <a:p>
             <a:pPr algn="ctr"/>
             <a:r>
-              <a:rPr lang="pt-BR" dirty="0" smtClean="0"/>
+              <a:rPr lang="pt-BR" dirty="0"/>
               <a:t>Abrir Site Web.</a:t>
             </a:r>
-            <a:endParaRPr lang="pt-BR" dirty="0"/>
           </a:p>
         </p:txBody>
       </p:sp>
@@ -15587,10 +16529,9 @@
           <a:p>
             <a:pPr algn="ctr"/>
             <a:r>
-              <a:rPr lang="pt-BR" dirty="0" smtClean="0"/>
+              <a:rPr lang="pt-BR" dirty="0"/>
               <a:t>Registrar no Banco de dados</a:t>
             </a:r>
-            <a:endParaRPr lang="pt-BR" dirty="0"/>
           </a:p>
         </p:txBody>
       </p:sp>
@@ -15697,10 +16638,9 @@
           <a:p>
             <a:pPr algn="ctr"/>
             <a:r>
-              <a:rPr lang="pt-BR" dirty="0" smtClean="0"/>
+              <a:rPr lang="pt-BR" dirty="0"/>
               <a:t>Achar usuário compatível, tanto para passar conhecimento quanto para aprender</a:t>
             </a:r>
-            <a:endParaRPr lang="pt-BR" dirty="0"/>
           </a:p>
         </p:txBody>
       </p:sp>
@@ -15774,10 +16714,9 @@
           <a:p>
             <a:pPr algn="ctr"/>
             <a:r>
-              <a:rPr lang="pt-BR" dirty="0" smtClean="0"/>
+              <a:rPr lang="pt-BR" dirty="0"/>
               <a:t>Gerar calendário e horários</a:t>
             </a:r>
-            <a:endParaRPr lang="pt-BR" dirty="0"/>
           </a:p>
         </p:txBody>
       </p:sp>
@@ -15851,10 +16790,9 @@
           <a:p>
             <a:pPr algn="ctr"/>
             <a:r>
-              <a:rPr lang="pt-BR" dirty="0" smtClean="0"/>
+              <a:rPr lang="pt-BR" dirty="0"/>
               <a:t>Inicio do processo de conhecimento.</a:t>
             </a:r>
-            <a:endParaRPr lang="pt-BR" dirty="0"/>
           </a:p>
         </p:txBody>
       </p:sp>
@@ -15879,18 +16817,13 @@
           <a:lstStyle/>
           <a:p>
             <a:r>
-              <a:rPr lang="pt-BR" sz="4800" u="sng" dirty="0" smtClean="0">
+              <a:rPr lang="pt-BR" sz="4800" u="sng" dirty="0">
                 <a:solidFill>
                   <a:schemeClr val="accent1"/>
                 </a:solidFill>
               </a:rPr>
               <a:t>HLD</a:t>
             </a:r>
-            <a:endParaRPr lang="pt-BR" sz="4800" u="sng" dirty="0">
-              <a:solidFill>
-                <a:schemeClr val="accent1"/>
-              </a:solidFill>
-            </a:endParaRPr>
           </a:p>
         </p:txBody>
       </p:sp>
@@ -16156,13 +17089,6 @@
   <p:clrMapOvr>
     <a:masterClrMapping/>
   </p:clrMapOvr>
-  <p:timing>
-    <p:tnLst>
-      <p:par>
-        <p:cTn id="1" dur="indefinite" restart="never" nodeType="tmRoot"/>
-      </p:par>
-    </p:tnLst>
-  </p:timing>
 </p:sld>
 </file>
 
@@ -16206,18 +17132,13 @@
           <a:lstStyle/>
           <a:p>
             <a:r>
-              <a:rPr lang="pt-BR" u="sng" dirty="0" smtClean="0">
+              <a:rPr lang="pt-BR" u="sng" dirty="0">
                 <a:solidFill>
                   <a:schemeClr val="accent1"/>
                 </a:solidFill>
               </a:rPr>
               <a:t>Requisitos para o usuário.</a:t>
             </a:r>
-            <a:endParaRPr lang="pt-BR" u="sng" dirty="0">
-              <a:solidFill>
-                <a:schemeClr val="accent1"/>
-              </a:solidFill>
-            </a:endParaRPr>
           </a:p>
         </p:txBody>
       </p:sp>
@@ -16277,10 +17198,9 @@
                     <a:p>
                       <a:pPr algn="ctr"/>
                       <a:r>
-                        <a:rPr lang="pt-BR" sz="2800" dirty="0" smtClean="0"/>
+                        <a:rPr lang="pt-BR" sz="2800" dirty="0"/>
                         <a:t>Requisitos</a:t>
                       </a:r>
-                      <a:endParaRPr lang="pt-BR" sz="2800" dirty="0"/>
                     </a:p>
                   </a:txBody>
                   <a:tcPr/>
@@ -16291,10 +17211,9 @@
                     <a:lstStyle/>
                     <a:p>
                       <a:r>
-                        <a:rPr lang="pt-BR" sz="2800" dirty="0" smtClean="0"/>
+                        <a:rPr lang="pt-BR" sz="2800" dirty="0"/>
                         <a:t>Tipo</a:t>
                       </a:r>
-                      <a:endParaRPr lang="pt-BR" sz="2800" dirty="0"/>
                     </a:p>
                   </a:txBody>
                   <a:tcPr/>
@@ -16305,10 +17224,9 @@
                     <a:lstStyle/>
                     <a:p>
                       <a:r>
-                        <a:rPr lang="pt-BR" sz="2800" dirty="0" smtClean="0"/>
+                        <a:rPr lang="pt-BR" sz="2800" dirty="0"/>
                         <a:t>Classe</a:t>
                       </a:r>
-                      <a:endParaRPr lang="pt-BR" sz="2800" dirty="0"/>
                     </a:p>
                   </a:txBody>
                   <a:tcPr/>
@@ -16327,11 +17245,11 @@
                     <a:p>
                       <a:pPr algn="ctr"/>
                       <a:r>
-                        <a:rPr lang="pt-BR" dirty="0" smtClean="0"/>
+                        <a:rPr lang="pt-BR" dirty="0"/>
                         <a:t>Tela de Cadastro</a:t>
                       </a:r>
                       <a:r>
-                        <a:rPr lang="pt-BR" baseline="0" dirty="0" smtClean="0"/>
+                        <a:rPr lang="pt-BR" baseline="0" dirty="0"/>
                         <a:t> Para usuário.</a:t>
                       </a:r>
                       <a:endParaRPr lang="pt-BR" dirty="0"/>
@@ -16345,10 +17263,9 @@
                     <a:lstStyle/>
                     <a:p>
                       <a:r>
-                        <a:rPr lang="pt-BR" dirty="0" smtClean="0"/>
+                        <a:rPr lang="pt-BR" dirty="0"/>
                         <a:t>Funcional</a:t>
                       </a:r>
-                      <a:endParaRPr lang="pt-BR" dirty="0"/>
                     </a:p>
                   </a:txBody>
                   <a:tcPr/>
@@ -16359,10 +17276,9 @@
                     <a:lstStyle/>
                     <a:p>
                       <a:r>
-                        <a:rPr lang="pt-BR" dirty="0" smtClean="0"/>
+                        <a:rPr lang="pt-BR" dirty="0"/>
                         <a:t>Essencial</a:t>
                       </a:r>
-                      <a:endParaRPr lang="pt-BR" dirty="0"/>
                     </a:p>
                   </a:txBody>
                   <a:tcPr/>
@@ -16381,10 +17297,9 @@
                     <a:p>
                       <a:pPr algn="ctr"/>
                       <a:r>
-                        <a:rPr lang="pt-BR" dirty="0" smtClean="0"/>
+                        <a:rPr lang="pt-BR" dirty="0"/>
                         <a:t>Área com tipo de cadastro para usuários diferentes.</a:t>
                       </a:r>
-                      <a:endParaRPr lang="pt-BR" dirty="0"/>
                     </a:p>
                   </a:txBody>
                   <a:tcPr/>
@@ -16395,10 +17310,9 @@
                     <a:lstStyle/>
                     <a:p>
                       <a:r>
-                        <a:rPr lang="pt-BR" dirty="0" smtClean="0"/>
+                        <a:rPr lang="pt-BR" dirty="0"/>
                         <a:t>Funcional</a:t>
                       </a:r>
-                      <a:endParaRPr lang="pt-BR" dirty="0"/>
                     </a:p>
                   </a:txBody>
                   <a:tcPr/>
@@ -16409,10 +17323,9 @@
                     <a:lstStyle/>
                     <a:p>
                       <a:r>
-                        <a:rPr lang="pt-BR" dirty="0" smtClean="0"/>
+                        <a:rPr lang="pt-BR" dirty="0"/>
                         <a:t>Essencial</a:t>
                       </a:r>
-                      <a:endParaRPr lang="pt-BR" dirty="0"/>
                     </a:p>
                   </a:txBody>
                   <a:tcPr/>
@@ -16431,11 +17344,11 @@
                     <a:p>
                       <a:pPr algn="ctr"/>
                       <a:r>
-                        <a:rPr lang="pt-BR" dirty="0" smtClean="0"/>
+                        <a:rPr lang="pt-BR" dirty="0"/>
                         <a:t>Ficha de Cadastro</a:t>
                       </a:r>
                       <a:r>
-                        <a:rPr lang="pt-BR" baseline="0" dirty="0" smtClean="0"/>
+                        <a:rPr lang="pt-BR" baseline="0" dirty="0"/>
                         <a:t> para o banco de dados.</a:t>
                       </a:r>
                       <a:endParaRPr lang="pt-BR" dirty="0"/>
@@ -16449,10 +17362,9 @@
                     <a:lstStyle/>
                     <a:p>
                       <a:r>
-                        <a:rPr lang="pt-BR" dirty="0" smtClean="0"/>
+                        <a:rPr lang="pt-BR" dirty="0"/>
                         <a:t>Funcional</a:t>
                       </a:r>
-                      <a:endParaRPr lang="pt-BR" dirty="0"/>
                     </a:p>
                   </a:txBody>
                   <a:tcPr/>
@@ -16463,10 +17375,9 @@
                     <a:lstStyle/>
                     <a:p>
                       <a:r>
-                        <a:rPr lang="pt-BR" dirty="0" smtClean="0"/>
+                        <a:rPr lang="pt-BR" dirty="0"/>
                         <a:t>Essencial</a:t>
                       </a:r>
-                      <a:endParaRPr lang="pt-BR" dirty="0"/>
                     </a:p>
                   </a:txBody>
                   <a:tcPr/>
@@ -16501,34 +17412,20 @@
                         <a:defRPr/>
                       </a:pPr>
                       <a:r>
-                        <a:rPr lang="pt-BR" dirty="0" smtClean="0"/>
+                        <a:rPr lang="pt-BR" dirty="0"/>
                         <a:t>Botão de</a:t>
                       </a:r>
                       <a:r>
-                        <a:rPr lang="pt-BR" baseline="0" dirty="0" smtClean="0"/>
+                        <a:rPr lang="pt-BR" baseline="0" dirty="0"/>
                         <a:t> </a:t>
                       </a:r>
                       <a:r>
-                        <a:rPr lang="pt-BR" dirty="0" smtClean="0"/>
+                        <a:rPr lang="pt-BR" dirty="0"/>
                         <a:t>confirmação de cadastro para</a:t>
                       </a:r>
                       <a:r>
-                        <a:rPr lang="pt-BR" baseline="0" dirty="0" smtClean="0"/>
+                        <a:rPr lang="pt-BR" baseline="0" dirty="0"/>
                         <a:t> o usuário.</a:t>
-                      </a:r>
-                      <a:endParaRPr lang="pt-BR" dirty="0" smtClean="0"/>
-                    </a:p>
-                  </a:txBody>
-                  <a:tcPr/>
-                </a:tc>
-                <a:tc>
-                  <a:txBody>
-                    <a:bodyPr/>
-                    <a:lstStyle/>
-                    <a:p>
-                      <a:r>
-                        <a:rPr lang="pt-BR" dirty="0" smtClean="0"/>
-                        <a:t>Funcional</a:t>
                       </a:r>
                       <a:endParaRPr lang="pt-BR" dirty="0"/>
                     </a:p>
@@ -16541,10 +17438,22 @@
                     <a:lstStyle/>
                     <a:p>
                       <a:r>
-                        <a:rPr lang="pt-BR" dirty="0" smtClean="0"/>
+                        <a:rPr lang="pt-BR" dirty="0"/>
+                        <a:t>Funcional</a:t>
+                      </a:r>
+                    </a:p>
+                  </a:txBody>
+                  <a:tcPr/>
+                </a:tc>
+                <a:tc>
+                  <a:txBody>
+                    <a:bodyPr/>
+                    <a:lstStyle/>
+                    <a:p>
+                      <a:r>
+                        <a:rPr lang="pt-BR" dirty="0"/>
                         <a:t>Essencial</a:t>
                       </a:r>
-                      <a:endParaRPr lang="pt-BR" dirty="0"/>
                     </a:p>
                   </a:txBody>
                   <a:tcPr/>
@@ -16563,11 +17472,11 @@
                     <a:p>
                       <a:pPr algn="ctr"/>
                       <a:r>
-                        <a:rPr lang="pt-BR" dirty="0" smtClean="0"/>
+                        <a:rPr lang="pt-BR" dirty="0"/>
                         <a:t>Sincronia de usuários e aviso</a:t>
                       </a:r>
                       <a:r>
-                        <a:rPr lang="pt-BR" baseline="0" dirty="0" smtClean="0"/>
+                        <a:rPr lang="pt-BR" baseline="0" dirty="0"/>
                         <a:t> por e-mail do sucesso da aplicação.</a:t>
                       </a:r>
                       <a:endParaRPr lang="pt-BR" dirty="0"/>
@@ -16581,10 +17490,9 @@
                     <a:lstStyle/>
                     <a:p>
                       <a:r>
-                        <a:rPr lang="pt-BR" dirty="0" smtClean="0"/>
+                        <a:rPr lang="pt-BR" dirty="0"/>
                         <a:t>Funcional</a:t>
                       </a:r>
-                      <a:endParaRPr lang="pt-BR" dirty="0"/>
                     </a:p>
                   </a:txBody>
                   <a:tcPr/>
@@ -16595,10 +17503,9 @@
                     <a:lstStyle/>
                     <a:p>
                       <a:r>
-                        <a:rPr lang="pt-BR" dirty="0" smtClean="0"/>
+                        <a:rPr lang="pt-BR" dirty="0"/>
                         <a:t>Essencial</a:t>
                       </a:r>
-                      <a:endParaRPr lang="pt-BR" dirty="0"/>
                     </a:p>
                   </a:txBody>
                   <a:tcPr/>
@@ -16623,13 +17530,6 @@
   <p:clrMapOvr>
     <a:masterClrMapping/>
   </p:clrMapOvr>
-  <p:timing>
-    <p:tnLst>
-      <p:par>
-        <p:cTn id="1" dur="indefinite" restart="never" nodeType="tmRoot"/>
-      </p:par>
-    </p:tnLst>
-  </p:timing>
 </p:sld>
 </file>
 
@@ -16671,18 +17571,13 @@
           <a:lstStyle/>
           <a:p>
             <a:r>
-              <a:rPr lang="pt-BR" u="sng" dirty="0" smtClean="0">
+              <a:rPr lang="pt-BR" u="sng" dirty="0">
                 <a:solidFill>
                   <a:schemeClr val="accent1"/>
                 </a:solidFill>
               </a:rPr>
               <a:t>Teste de sistema.</a:t>
             </a:r>
-            <a:endParaRPr lang="pt-BR" u="sng" dirty="0">
-              <a:solidFill>
-                <a:schemeClr val="accent1"/>
-              </a:solidFill>
-            </a:endParaRPr>
           </a:p>
         </p:txBody>
       </p:sp>
@@ -16696,7 +17591,7 @@
             <p:ph idx="1"/>
             <p:extLst>
               <p:ext uri="{D42A27DB-BD31-4B8C-83A1-F6EECF244321}">
-                <p14:modId xmlns:p14="http://schemas.microsoft.com/office/powerpoint/2010/main" val="3583869995"/>
+                <p14:modId xmlns:p14="http://schemas.microsoft.com/office/powerpoint/2010/main" val="3554682526"/>
               </p:ext>
             </p:extLst>
           </p:nvPr>
@@ -16721,13 +17616,6 @@
   <p:clrMapOvr>
     <a:masterClrMapping/>
   </p:clrMapOvr>
-  <p:timing>
-    <p:tnLst>
-      <p:par>
-        <p:cTn id="1" dur="indefinite" restart="never" nodeType="tmRoot"/>
-      </p:par>
-    </p:tnLst>
-  </p:timing>
 </p:sld>
 </file>
 
@@ -16769,7 +17657,7 @@
           <a:lstStyle/>
           <a:p>
             <a:r>
-              <a:rPr lang="pt-BR" u="sng" dirty="0" smtClean="0">
+              <a:rPr lang="pt-BR" u="sng">
                 <a:solidFill>
                   <a:schemeClr val="accent1"/>
                 </a:solidFill>
@@ -16786,7 +17674,13 @@
       </p:sp>
       <p:graphicFrame>
         <p:nvGraphicFramePr>
-          <p:cNvPr id="6" name="Espaço Reservado para Conteúdo 5"/>
+          <p:cNvPr id="7" name="Marcador de Posição de Conteúdo 6">
+            <a:extLst>
+              <a:ext uri="{FF2B5EF4-FFF2-40B4-BE49-F238E27FC236}">
+                <a16:creationId xmlns:a16="http://schemas.microsoft.com/office/drawing/2014/main" id="{1D20905F-CA5E-4A87-969C-3C51A0390A29}"/>
+              </a:ext>
+            </a:extLst>
+          </p:cNvPr>
           <p:cNvGraphicFramePr>
             <a:graphicFrameLocks noGrp="1"/>
           </p:cNvGraphicFramePr>
@@ -16794,14 +17688,14 @@
             <p:ph idx="1"/>
             <p:extLst>
               <p:ext uri="{D42A27DB-BD31-4B8C-83A1-F6EECF244321}">
-                <p14:modId xmlns:p14="http://schemas.microsoft.com/office/powerpoint/2010/main" val="2410376845"/>
+                <p14:modId xmlns:p14="http://schemas.microsoft.com/office/powerpoint/2010/main" val="3300495974"/>
               </p:ext>
             </p:extLst>
           </p:nvPr>
         </p:nvGraphicFramePr>
         <p:xfrm>
-          <a:off x="913882" y="2142396"/>
-          <a:ext cx="10353675" cy="1893665"/>
+          <a:off x="677595" y="1647558"/>
+          <a:ext cx="6175717" cy="4059237"/>
         </p:xfrm>
         <a:graphic>
           <a:graphicData uri="http://schemas.openxmlformats.org/drawingml/2006/diagram">
@@ -16809,6 +17703,53 @@
           </a:graphicData>
         </a:graphic>
       </p:graphicFrame>
+      <p:pic>
+        <p:nvPicPr>
+          <p:cNvPr id="1030" name="Picture 6" descr="ícone Contentamento, cliente, feedback, avaliação, satisfação">
+            <a:extLst>
+              <a:ext uri="{FF2B5EF4-FFF2-40B4-BE49-F238E27FC236}">
+                <a16:creationId xmlns:a16="http://schemas.microsoft.com/office/drawing/2014/main" id="{FB877816-8D08-4D81-827F-7939D3237DCB}"/>
+              </a:ext>
+            </a:extLst>
+          </p:cNvPr>
+          <p:cNvPicPr>
+            <a:picLocks noChangeAspect="1" noChangeArrowheads="1"/>
+          </p:cNvPicPr>
+          <p:nvPr/>
+        </p:nvPicPr>
+        <p:blipFill>
+          <a:blip r:embed="rId7">
+            <a:extLst>
+              <a:ext uri="{28A0092B-C50C-407E-A947-70E740481C1C}">
+                <a14:useLocalDpi xmlns:a14="http://schemas.microsoft.com/office/drawing/2010/main" val="0"/>
+              </a:ext>
+            </a:extLst>
+          </a:blip>
+          <a:srcRect/>
+          <a:stretch>
+            <a:fillRect/>
+          </a:stretch>
+        </p:blipFill>
+        <p:spPr bwMode="auto">
+          <a:xfrm>
+            <a:off x="7526216" y="1647558"/>
+            <a:ext cx="3561880" cy="3561880"/>
+          </a:xfrm>
+          <a:prstGeom prst="rect">
+            <a:avLst/>
+          </a:prstGeom>
+          <a:noFill/>
+          <a:extLst>
+            <a:ext uri="{909E8E84-426E-40DD-AFC4-6F175D3DCCD1}">
+              <a14:hiddenFill xmlns:a14="http://schemas.microsoft.com/office/drawing/2010/main">
+                <a:solidFill>
+                  <a:srgbClr val="FFFFFF"/>
+                </a:solidFill>
+              </a14:hiddenFill>
+            </a:ext>
+          </a:extLst>
+        </p:spPr>
+      </p:pic>
     </p:spTree>
     <p:extLst>
       <p:ext uri="{BB962C8B-B14F-4D97-AF65-F5344CB8AC3E}">
@@ -16819,13 +17760,6 @@
   <p:clrMapOvr>
     <a:masterClrMapping/>
   </p:clrMapOvr>
-  <p:timing>
-    <p:tnLst>
-      <p:par>
-        <p:cTn id="1" dur="indefinite" restart="never" nodeType="tmRoot"/>
-      </p:par>
-    </p:tnLst>
-  </p:timing>
 </p:sld>
 </file>
 
@@ -16869,24 +17803,72 @@
           <a:lstStyle/>
           <a:p>
             <a:r>
-              <a:rPr lang="pt-BR" sz="4800" u="sng" dirty="0" smtClean="0">
+              <a:rPr lang="pt-BR" sz="4800" u="sng" dirty="0">
                 <a:solidFill>
                   <a:schemeClr val="accent1"/>
                 </a:solidFill>
               </a:rPr>
               <a:t>Implantação</a:t>
             </a:r>
-            <a:endParaRPr lang="pt-BR" sz="4800" u="sng" dirty="0">
-              <a:solidFill>
-                <a:schemeClr val="accent1"/>
-              </a:solidFill>
-            </a:endParaRPr>
           </a:p>
         </p:txBody>
       </p:sp>
+      <p:pic>
+        <p:nvPicPr>
+          <p:cNvPr id="4" name="Picture 4" descr="ícone Segurança, aprovado">
+            <a:extLst>
+              <a:ext uri="{FF2B5EF4-FFF2-40B4-BE49-F238E27FC236}">
+                <a16:creationId xmlns:a16="http://schemas.microsoft.com/office/drawing/2014/main" id="{7EDA8685-6F26-40EA-AA8C-1BBFEF685DE6}"/>
+              </a:ext>
+            </a:extLst>
+          </p:cNvPr>
+          <p:cNvPicPr>
+            <a:picLocks noChangeAspect="1" noChangeArrowheads="1"/>
+          </p:cNvPicPr>
+          <p:nvPr/>
+        </p:nvPicPr>
+        <p:blipFill>
+          <a:blip r:embed="rId2">
+            <a:extLst>
+              <a:ext uri="{28A0092B-C50C-407E-A947-70E740481C1C}">
+                <a14:useLocalDpi xmlns:a14="http://schemas.microsoft.com/office/drawing/2010/main" val="0"/>
+              </a:ext>
+            </a:extLst>
+          </a:blip>
+          <a:srcRect/>
+          <a:stretch>
+            <a:fillRect/>
+          </a:stretch>
+        </p:blipFill>
+        <p:spPr bwMode="auto">
+          <a:xfrm>
+            <a:off x="4968753" y="3798717"/>
+            <a:ext cx="2243845" cy="2243845"/>
+          </a:xfrm>
+          <a:prstGeom prst="rect">
+            <a:avLst/>
+          </a:prstGeom>
+          <a:noFill/>
+          <a:extLst>
+            <a:ext uri="{909E8E84-426E-40DD-AFC4-6F175D3DCCD1}">
+              <a14:hiddenFill xmlns:a14="http://schemas.microsoft.com/office/drawing/2010/main">
+                <a:solidFill>
+                  <a:srgbClr val="FFFFFF"/>
+                </a:solidFill>
+              </a14:hiddenFill>
+            </a:ext>
+          </a:extLst>
+        </p:spPr>
+      </p:pic>
       <p:graphicFrame>
         <p:nvGraphicFramePr>
-          <p:cNvPr id="5" name="Espaço Reservado para Conteúdo 4"/>
+          <p:cNvPr id="6" name="Marcador de Posição de Conteúdo 5">
+            <a:extLst>
+              <a:ext uri="{FF2B5EF4-FFF2-40B4-BE49-F238E27FC236}">
+                <a16:creationId xmlns:a16="http://schemas.microsoft.com/office/drawing/2014/main" id="{C40AD4F0-2770-434E-8793-578B2FBEA3E5}"/>
+              </a:ext>
+            </a:extLst>
+          </p:cNvPr>
           <p:cNvGraphicFramePr>
             <a:graphicFrameLocks noGrp="1"/>
           </p:cNvGraphicFramePr>
@@ -16894,18 +17876,18 @@
             <p:ph idx="1"/>
             <p:extLst>
               <p:ext uri="{D42A27DB-BD31-4B8C-83A1-F6EECF244321}">
-                <p14:modId xmlns:p14="http://schemas.microsoft.com/office/powerpoint/2010/main" val="2851536148"/>
+                <p14:modId xmlns:p14="http://schemas.microsoft.com/office/powerpoint/2010/main" val="2239941062"/>
               </p:ext>
             </p:extLst>
           </p:nvPr>
         </p:nvGraphicFramePr>
         <p:xfrm>
-          <a:off x="914400" y="1731963"/>
-          <a:ext cx="10353675" cy="4059237"/>
+          <a:off x="397632" y="432338"/>
+          <a:ext cx="11386088" cy="4488302"/>
         </p:xfrm>
         <a:graphic>
           <a:graphicData uri="http://schemas.openxmlformats.org/drawingml/2006/diagram">
-            <dgm:relIds xmlns:dgm="http://schemas.openxmlformats.org/drawingml/2006/diagram" xmlns:r="http://schemas.openxmlformats.org/officeDocument/2006/relationships" r:dm="rId2" r:lo="rId3" r:qs="rId4" r:cs="rId5"/>
+            <dgm:relIds xmlns:dgm="http://schemas.openxmlformats.org/drawingml/2006/diagram" xmlns:r="http://schemas.openxmlformats.org/officeDocument/2006/relationships" r:dm="rId3" r:lo="rId4" r:qs="rId5" r:cs="rId6"/>
           </a:graphicData>
         </a:graphic>
       </p:graphicFrame>
@@ -16919,13 +17901,6 @@
   <p:clrMapOvr>
     <a:masterClrMapping/>
   </p:clrMapOvr>
-  <p:timing>
-    <p:tnLst>
-      <p:par>
-        <p:cTn id="1" dur="indefinite" restart="never" nodeType="tmRoot"/>
-      </p:par>
-    </p:tnLst>
-  </p:timing>
 </p:sld>
 </file>
 

--- a/conteudoBandtecBachega/CicloDeVidaDeDesenvolvimento.pptx
+++ b/conteudoBandtecBachega/CicloDeVidaDeDesenvolvimento.pptx
@@ -2566,6 +2566,13 @@
         </dgm:presLayoutVars>
       </dgm:prSet>
       <dgm:spPr/>
+      <dgm:t>
+        <a:bodyPr/>
+        <a:lstStyle/>
+        <a:p>
+          <a:endParaRPr lang="pt-BR"/>
+        </a:p>
+      </dgm:t>
     </dgm:pt>
     <dgm:pt modelId="{ECA6DBE5-F220-482D-BD3D-9865C6BD0FC1}" type="pres">
       <dgm:prSet presAssocID="{29EEB783-64C7-4C8D-BD69-0F8603086ABD}" presName="composite" presStyleCnt="0"/>
@@ -2596,14 +2603,35 @@
         </dgm:presLayoutVars>
       </dgm:prSet>
       <dgm:spPr/>
+      <dgm:t>
+        <a:bodyPr/>
+        <a:lstStyle/>
+        <a:p>
+          <a:endParaRPr lang="pt-BR"/>
+        </a:p>
+      </dgm:t>
     </dgm:pt>
     <dgm:pt modelId="{351F910D-D5B1-4243-B0EB-4B9C47CE4176}" type="pres">
       <dgm:prSet presAssocID="{497FCB64-7FE4-4BCC-96F3-CA693717CC9E}" presName="sibTrans" presStyleLbl="sibTrans2D1" presStyleIdx="0" presStyleCnt="4"/>
       <dgm:spPr/>
+      <dgm:t>
+        <a:bodyPr/>
+        <a:lstStyle/>
+        <a:p>
+          <a:endParaRPr lang="pt-BR"/>
+        </a:p>
+      </dgm:t>
     </dgm:pt>
     <dgm:pt modelId="{ABEC0040-1D6C-4B03-B497-DBBB3518531C}" type="pres">
       <dgm:prSet presAssocID="{497FCB64-7FE4-4BCC-96F3-CA693717CC9E}" presName="connTx" presStyleLbl="sibTrans2D1" presStyleIdx="0" presStyleCnt="4"/>
       <dgm:spPr/>
+      <dgm:t>
+        <a:bodyPr/>
+        <a:lstStyle/>
+        <a:p>
+          <a:endParaRPr lang="pt-BR"/>
+        </a:p>
+      </dgm:t>
     </dgm:pt>
     <dgm:pt modelId="{1BAE906F-33BC-4D1C-AC43-D345113BCC6B}" type="pres">
       <dgm:prSet presAssocID="{4A421E73-C1B8-4C16-8D73-1A9E39F048B9}" presName="composite" presStyleCnt="0"/>
@@ -2634,14 +2662,35 @@
         </dgm:presLayoutVars>
       </dgm:prSet>
       <dgm:spPr/>
+      <dgm:t>
+        <a:bodyPr/>
+        <a:lstStyle/>
+        <a:p>
+          <a:endParaRPr lang="pt-BR"/>
+        </a:p>
+      </dgm:t>
     </dgm:pt>
     <dgm:pt modelId="{FECA5E5E-3D7D-43D0-A46A-C2BDAF5DFEF8}" type="pres">
       <dgm:prSet presAssocID="{103C4F4C-FB2F-496B-A1FC-715428B079AF}" presName="sibTrans" presStyleLbl="sibTrans2D1" presStyleIdx="1" presStyleCnt="4"/>
       <dgm:spPr/>
+      <dgm:t>
+        <a:bodyPr/>
+        <a:lstStyle/>
+        <a:p>
+          <a:endParaRPr lang="pt-BR"/>
+        </a:p>
+      </dgm:t>
     </dgm:pt>
     <dgm:pt modelId="{56882926-EB8D-481B-AEBB-704CB974743B}" type="pres">
       <dgm:prSet presAssocID="{103C4F4C-FB2F-496B-A1FC-715428B079AF}" presName="connTx" presStyleLbl="sibTrans2D1" presStyleIdx="1" presStyleCnt="4"/>
       <dgm:spPr/>
+      <dgm:t>
+        <a:bodyPr/>
+        <a:lstStyle/>
+        <a:p>
+          <a:endParaRPr lang="pt-BR"/>
+        </a:p>
+      </dgm:t>
     </dgm:pt>
     <dgm:pt modelId="{C7B18027-CFDC-416C-AD98-6CBF407B07A8}" type="pres">
       <dgm:prSet presAssocID="{FF1A0D38-6DD6-48D6-ACB7-D22D3AB42675}" presName="composite" presStyleCnt="0"/>
@@ -2672,14 +2721,35 @@
         </dgm:presLayoutVars>
       </dgm:prSet>
       <dgm:spPr/>
+      <dgm:t>
+        <a:bodyPr/>
+        <a:lstStyle/>
+        <a:p>
+          <a:endParaRPr lang="pt-BR"/>
+        </a:p>
+      </dgm:t>
     </dgm:pt>
     <dgm:pt modelId="{60C87C32-264D-474A-9B4B-17B875BD9144}" type="pres">
       <dgm:prSet presAssocID="{429718B5-A3D9-4849-8B39-B4885BDCF666}" presName="sibTrans" presStyleLbl="sibTrans2D1" presStyleIdx="2" presStyleCnt="4"/>
       <dgm:spPr/>
+      <dgm:t>
+        <a:bodyPr/>
+        <a:lstStyle/>
+        <a:p>
+          <a:endParaRPr lang="pt-BR"/>
+        </a:p>
+      </dgm:t>
     </dgm:pt>
     <dgm:pt modelId="{281F13E3-EBE2-4660-852D-8B42FD743206}" type="pres">
       <dgm:prSet presAssocID="{429718B5-A3D9-4849-8B39-B4885BDCF666}" presName="connTx" presStyleLbl="sibTrans2D1" presStyleIdx="2" presStyleCnt="4"/>
       <dgm:spPr/>
+      <dgm:t>
+        <a:bodyPr/>
+        <a:lstStyle/>
+        <a:p>
+          <a:endParaRPr lang="pt-BR"/>
+        </a:p>
+      </dgm:t>
     </dgm:pt>
     <dgm:pt modelId="{6078A033-45D8-4C36-BEC6-B0452F347478}" type="pres">
       <dgm:prSet presAssocID="{BA868E7F-BBCD-45FF-AA29-6C9E2EEE6394}" presName="composite" presStyleCnt="0"/>
@@ -2710,14 +2780,35 @@
         </dgm:presLayoutVars>
       </dgm:prSet>
       <dgm:spPr/>
+      <dgm:t>
+        <a:bodyPr/>
+        <a:lstStyle/>
+        <a:p>
+          <a:endParaRPr lang="pt-BR"/>
+        </a:p>
+      </dgm:t>
     </dgm:pt>
     <dgm:pt modelId="{790AB561-B2A6-499E-9BB7-924558EE33E5}" type="pres">
       <dgm:prSet presAssocID="{0972397D-F603-4E09-9C9F-17AA05733FF7}" presName="sibTrans" presStyleLbl="sibTrans2D1" presStyleIdx="3" presStyleCnt="4"/>
       <dgm:spPr/>
+      <dgm:t>
+        <a:bodyPr/>
+        <a:lstStyle/>
+        <a:p>
+          <a:endParaRPr lang="pt-BR"/>
+        </a:p>
+      </dgm:t>
     </dgm:pt>
     <dgm:pt modelId="{691ECBDE-243E-4154-9C19-D89504AD23A3}" type="pres">
       <dgm:prSet presAssocID="{0972397D-F603-4E09-9C9F-17AA05733FF7}" presName="connTx" presStyleLbl="sibTrans2D1" presStyleIdx="3" presStyleCnt="4"/>
       <dgm:spPr/>
+      <dgm:t>
+        <a:bodyPr/>
+        <a:lstStyle/>
+        <a:p>
+          <a:endParaRPr lang="pt-BR"/>
+        </a:p>
+      </dgm:t>
     </dgm:pt>
     <dgm:pt modelId="{FEC03CE5-8BEF-4D28-9BAF-CFB7FF151D81}" type="pres">
       <dgm:prSet presAssocID="{DC030ACB-0383-4541-9040-FBA031E83E34}" presName="composite" presStyleCnt="0"/>
@@ -2748,28 +2839,35 @@
         </dgm:presLayoutVars>
       </dgm:prSet>
       <dgm:spPr/>
+      <dgm:t>
+        <a:bodyPr/>
+        <a:lstStyle/>
+        <a:p>
+          <a:endParaRPr lang="pt-BR"/>
+        </a:p>
+      </dgm:t>
     </dgm:pt>
   </dgm:ptLst>
   <dgm:cxnLst>
+    <dgm:cxn modelId="{5AC479B3-50AF-4B96-A198-CC09D766269D}" srcId="{596AD02C-1F93-4742-AC8C-8497D90C194C}" destId="{BA868E7F-BBCD-45FF-AA29-6C9E2EEE6394}" srcOrd="3" destOrd="0" parTransId="{E9B977FA-412A-4F8A-A930-1FF95655D482}" sibTransId="{0972397D-F603-4E09-9C9F-17AA05733FF7}"/>
+    <dgm:cxn modelId="{2F91E27D-43E1-4015-BAAB-45458F2ADAB1}" type="presOf" srcId="{103C4F4C-FB2F-496B-A1FC-715428B079AF}" destId="{56882926-EB8D-481B-AEBB-704CB974743B}" srcOrd="1" destOrd="0" presId="urn:microsoft.com/office/officeart/2005/8/layout/hProcess10"/>
+    <dgm:cxn modelId="{2C8FF91C-AA73-44D3-A02A-6E6E6DDA9685}" type="presOf" srcId="{FF1A0D38-6DD6-48D6-ACB7-D22D3AB42675}" destId="{256A46AB-BA06-4151-BC81-1A467179CC6E}" srcOrd="0" destOrd="0" presId="urn:microsoft.com/office/officeart/2005/8/layout/hProcess10"/>
+    <dgm:cxn modelId="{9ACF9B4E-CC91-4664-BAF0-BA19213093AD}" srcId="{596AD02C-1F93-4742-AC8C-8497D90C194C}" destId="{DC030ACB-0383-4541-9040-FBA031E83E34}" srcOrd="4" destOrd="0" parTransId="{B84A5172-3255-47B1-8EE3-19D449A508B4}" sibTransId="{1F89C39F-C830-4566-987E-E26DB8D9BBD6}"/>
+    <dgm:cxn modelId="{2B904834-5479-445F-9EE6-E12B6C9C5F5F}" type="presOf" srcId="{0972397D-F603-4E09-9C9F-17AA05733FF7}" destId="{790AB561-B2A6-499E-9BB7-924558EE33E5}" srcOrd="0" destOrd="0" presId="urn:microsoft.com/office/officeart/2005/8/layout/hProcess10"/>
+    <dgm:cxn modelId="{594F2E9C-BD32-4E6A-AB1B-1E95BECD03B6}" type="presOf" srcId="{497FCB64-7FE4-4BCC-96F3-CA693717CC9E}" destId="{351F910D-D5B1-4243-B0EB-4B9C47CE4176}" srcOrd="0" destOrd="0" presId="urn:microsoft.com/office/officeart/2005/8/layout/hProcess10"/>
+    <dgm:cxn modelId="{8A8E7D9A-CD7C-4774-8385-A985FB6A3DFC}" srcId="{596AD02C-1F93-4742-AC8C-8497D90C194C}" destId="{FF1A0D38-6DD6-48D6-ACB7-D22D3AB42675}" srcOrd="2" destOrd="0" parTransId="{6151453F-E0E5-4049-9425-714B1975C1FD}" sibTransId="{429718B5-A3D9-4849-8B39-B4885BDCF666}"/>
+    <dgm:cxn modelId="{6B299B1B-8078-478D-A8A0-8A05F69A52A4}" type="presOf" srcId="{DC030ACB-0383-4541-9040-FBA031E83E34}" destId="{53D70CC0-9405-4FF3-8C28-7B9FC835DE10}" srcOrd="0" destOrd="0" presId="urn:microsoft.com/office/officeart/2005/8/layout/hProcess10"/>
+    <dgm:cxn modelId="{613AF060-2EF6-465B-B9FA-734EF7CBED2C}" type="presOf" srcId="{596AD02C-1F93-4742-AC8C-8497D90C194C}" destId="{42E7B45A-DA09-4184-876E-84EFDB4AA5FD}" srcOrd="0" destOrd="0" presId="urn:microsoft.com/office/officeart/2005/8/layout/hProcess10"/>
+    <dgm:cxn modelId="{874DF7FC-A186-4348-AD7A-44F51BB60F48}" type="presOf" srcId="{4A421E73-C1B8-4C16-8D73-1A9E39F048B9}" destId="{158AB9B2-2093-476A-BE53-D1C6D4EDB9D5}" srcOrd="0" destOrd="0" presId="urn:microsoft.com/office/officeart/2005/8/layout/hProcess10"/>
+    <dgm:cxn modelId="{B2177D0C-B7D0-4FD6-9BB4-31A346C1F711}" srcId="{596AD02C-1F93-4742-AC8C-8497D90C194C}" destId="{29EEB783-64C7-4C8D-BD69-0F8603086ABD}" srcOrd="0" destOrd="0" parTransId="{0BFE7F49-5EDA-48F9-A2FC-4AEE3582129D}" sibTransId="{497FCB64-7FE4-4BCC-96F3-CA693717CC9E}"/>
     <dgm:cxn modelId="{A28E9F00-8F82-4A91-A4A2-53025318505C}" type="presOf" srcId="{429718B5-A3D9-4849-8B39-B4885BDCF666}" destId="{60C87C32-264D-474A-9B4B-17B875BD9144}" srcOrd="0" destOrd="0" presId="urn:microsoft.com/office/officeart/2005/8/layout/hProcess10"/>
-    <dgm:cxn modelId="{B2177D0C-B7D0-4FD6-9BB4-31A346C1F711}" srcId="{596AD02C-1F93-4742-AC8C-8497D90C194C}" destId="{29EEB783-64C7-4C8D-BD69-0F8603086ABD}" srcOrd="0" destOrd="0" parTransId="{0BFE7F49-5EDA-48F9-A2FC-4AEE3582129D}" sibTransId="{497FCB64-7FE4-4BCC-96F3-CA693717CC9E}"/>
-    <dgm:cxn modelId="{6B299B1B-8078-478D-A8A0-8A05F69A52A4}" type="presOf" srcId="{DC030ACB-0383-4541-9040-FBA031E83E34}" destId="{53D70CC0-9405-4FF3-8C28-7B9FC835DE10}" srcOrd="0" destOrd="0" presId="urn:microsoft.com/office/officeart/2005/8/layout/hProcess10"/>
-    <dgm:cxn modelId="{2C8FF91C-AA73-44D3-A02A-6E6E6DDA9685}" type="presOf" srcId="{FF1A0D38-6DD6-48D6-ACB7-D22D3AB42675}" destId="{256A46AB-BA06-4151-BC81-1A467179CC6E}" srcOrd="0" destOrd="0" presId="urn:microsoft.com/office/officeart/2005/8/layout/hProcess10"/>
-    <dgm:cxn modelId="{2B904834-5479-445F-9EE6-E12B6C9C5F5F}" type="presOf" srcId="{0972397D-F603-4E09-9C9F-17AA05733FF7}" destId="{790AB561-B2A6-499E-9BB7-924558EE33E5}" srcOrd="0" destOrd="0" presId="urn:microsoft.com/office/officeart/2005/8/layout/hProcess10"/>
-    <dgm:cxn modelId="{613AF060-2EF6-465B-B9FA-734EF7CBED2C}" type="presOf" srcId="{596AD02C-1F93-4742-AC8C-8497D90C194C}" destId="{42E7B45A-DA09-4184-876E-84EFDB4AA5FD}" srcOrd="0" destOrd="0" presId="urn:microsoft.com/office/officeart/2005/8/layout/hProcess10"/>
-    <dgm:cxn modelId="{9ACF9B4E-CC91-4664-BAF0-BA19213093AD}" srcId="{596AD02C-1F93-4742-AC8C-8497D90C194C}" destId="{DC030ACB-0383-4541-9040-FBA031E83E34}" srcOrd="4" destOrd="0" parTransId="{B84A5172-3255-47B1-8EE3-19D449A508B4}" sibTransId="{1F89C39F-C830-4566-987E-E26DB8D9BBD6}"/>
-    <dgm:cxn modelId="{31ACC051-8E2D-4AE1-881F-BD3A5D3594C7}" type="presOf" srcId="{BA868E7F-BBCD-45FF-AA29-6C9E2EEE6394}" destId="{6E0F8FFA-AE60-4274-9843-26B9784FB67D}" srcOrd="0" destOrd="0" presId="urn:microsoft.com/office/officeart/2005/8/layout/hProcess10"/>
-    <dgm:cxn modelId="{2F91E27D-43E1-4015-BAAB-45458F2ADAB1}" type="presOf" srcId="{103C4F4C-FB2F-496B-A1FC-715428B079AF}" destId="{56882926-EB8D-481B-AEBB-704CB974743B}" srcOrd="1" destOrd="0" presId="urn:microsoft.com/office/officeart/2005/8/layout/hProcess10"/>
-    <dgm:cxn modelId="{0DF1F891-C9FF-41E1-B97D-A4BBC881C35E}" type="presOf" srcId="{497FCB64-7FE4-4BCC-96F3-CA693717CC9E}" destId="{ABEC0040-1D6C-4B03-B497-DBBB3518531C}" srcOrd="1" destOrd="0" presId="urn:microsoft.com/office/officeart/2005/8/layout/hProcess10"/>
-    <dgm:cxn modelId="{77A1F796-B71D-4FD3-B072-10B8B67F4755}" type="presOf" srcId="{0972397D-F603-4E09-9C9F-17AA05733FF7}" destId="{691ECBDE-243E-4154-9C19-D89504AD23A3}" srcOrd="1" destOrd="0" presId="urn:microsoft.com/office/officeart/2005/8/layout/hProcess10"/>
-    <dgm:cxn modelId="{8A8E7D9A-CD7C-4774-8385-A985FB6A3DFC}" srcId="{596AD02C-1F93-4742-AC8C-8497D90C194C}" destId="{FF1A0D38-6DD6-48D6-ACB7-D22D3AB42675}" srcOrd="2" destOrd="0" parTransId="{6151453F-E0E5-4049-9425-714B1975C1FD}" sibTransId="{429718B5-A3D9-4849-8B39-B4885BDCF666}"/>
-    <dgm:cxn modelId="{594F2E9C-BD32-4E6A-AB1B-1E95BECD03B6}" type="presOf" srcId="{497FCB64-7FE4-4BCC-96F3-CA693717CC9E}" destId="{351F910D-D5B1-4243-B0EB-4B9C47CE4176}" srcOrd="0" destOrd="0" presId="urn:microsoft.com/office/officeart/2005/8/layout/hProcess10"/>
-    <dgm:cxn modelId="{7CFDA2AE-29BC-48EA-BDE2-0ECA7AFAB80D}" type="presOf" srcId="{103C4F4C-FB2F-496B-A1FC-715428B079AF}" destId="{FECA5E5E-3D7D-43D0-A46A-C2BDAF5DFEF8}" srcOrd="0" destOrd="0" presId="urn:microsoft.com/office/officeart/2005/8/layout/hProcess10"/>
-    <dgm:cxn modelId="{5AC479B3-50AF-4B96-A198-CC09D766269D}" srcId="{596AD02C-1F93-4742-AC8C-8497D90C194C}" destId="{BA868E7F-BBCD-45FF-AA29-6C9E2EEE6394}" srcOrd="3" destOrd="0" parTransId="{E9B977FA-412A-4F8A-A930-1FF95655D482}" sibTransId="{0972397D-F603-4E09-9C9F-17AA05733FF7}"/>
     <dgm:cxn modelId="{915AECE2-3CD6-42D3-AF33-91E4B07F89B5}" type="presOf" srcId="{429718B5-A3D9-4849-8B39-B4885BDCF666}" destId="{281F13E3-EBE2-4660-852D-8B42FD743206}" srcOrd="1" destOrd="0" presId="urn:microsoft.com/office/officeart/2005/8/layout/hProcess10"/>
     <dgm:cxn modelId="{7B88FBF1-B539-455E-AA96-7322C4D687AA}" type="presOf" srcId="{29EEB783-64C7-4C8D-BD69-0F8603086ABD}" destId="{65DE840F-F77B-4670-B786-236B25661145}" srcOrd="0" destOrd="0" presId="urn:microsoft.com/office/officeart/2005/8/layout/hProcess10"/>
+    <dgm:cxn modelId="{77A1F796-B71D-4FD3-B072-10B8B67F4755}" type="presOf" srcId="{0972397D-F603-4E09-9C9F-17AA05733FF7}" destId="{691ECBDE-243E-4154-9C19-D89504AD23A3}" srcOrd="1" destOrd="0" presId="urn:microsoft.com/office/officeart/2005/8/layout/hProcess10"/>
     <dgm:cxn modelId="{A85DB1F4-13CF-4420-8DC3-9F801671CAAA}" srcId="{596AD02C-1F93-4742-AC8C-8497D90C194C}" destId="{4A421E73-C1B8-4C16-8D73-1A9E39F048B9}" srcOrd="1" destOrd="0" parTransId="{469F059F-F324-4A28-877F-2AD935073B17}" sibTransId="{103C4F4C-FB2F-496B-A1FC-715428B079AF}"/>
-    <dgm:cxn modelId="{874DF7FC-A186-4348-AD7A-44F51BB60F48}" type="presOf" srcId="{4A421E73-C1B8-4C16-8D73-1A9E39F048B9}" destId="{158AB9B2-2093-476A-BE53-D1C6D4EDB9D5}" srcOrd="0" destOrd="0" presId="urn:microsoft.com/office/officeart/2005/8/layout/hProcess10"/>
+    <dgm:cxn modelId="{0DF1F891-C9FF-41E1-B97D-A4BBC881C35E}" type="presOf" srcId="{497FCB64-7FE4-4BCC-96F3-CA693717CC9E}" destId="{ABEC0040-1D6C-4B03-B497-DBBB3518531C}" srcOrd="1" destOrd="0" presId="urn:microsoft.com/office/officeart/2005/8/layout/hProcess10"/>
+    <dgm:cxn modelId="{31ACC051-8E2D-4AE1-881F-BD3A5D3594C7}" type="presOf" srcId="{BA868E7F-BBCD-45FF-AA29-6C9E2EEE6394}" destId="{6E0F8FFA-AE60-4274-9843-26B9784FB67D}" srcOrd="0" destOrd="0" presId="urn:microsoft.com/office/officeart/2005/8/layout/hProcess10"/>
+    <dgm:cxn modelId="{7CFDA2AE-29BC-48EA-BDE2-0ECA7AFAB80D}" type="presOf" srcId="{103C4F4C-FB2F-496B-A1FC-715428B079AF}" destId="{FECA5E5E-3D7D-43D0-A46A-C2BDAF5DFEF8}" srcOrd="0" destOrd="0" presId="urn:microsoft.com/office/officeart/2005/8/layout/hProcess10"/>
     <dgm:cxn modelId="{23B4A69F-2E69-418F-A960-9F049C45155E}" type="presParOf" srcId="{42E7B45A-DA09-4184-876E-84EFDB4AA5FD}" destId="{ECA6DBE5-F220-482D-BD3D-9865C6BD0FC1}" srcOrd="0" destOrd="0" presId="urn:microsoft.com/office/officeart/2005/8/layout/hProcess10"/>
     <dgm:cxn modelId="{93CC7FDA-D030-486E-8A44-04AC25669872}" type="presParOf" srcId="{ECA6DBE5-F220-482D-BD3D-9865C6BD0FC1}" destId="{A428F73F-AA75-4A8D-AA29-36BF2BB3CC33}" srcOrd="0" destOrd="0" presId="urn:microsoft.com/office/officeart/2005/8/layout/hProcess10"/>
     <dgm:cxn modelId="{905E7739-AF75-460D-9F81-A74992E9F8C3}" type="presParOf" srcId="{ECA6DBE5-F220-482D-BD3D-9865C6BD0FC1}" destId="{65DE840F-F77B-4670-B786-236B25661145}" srcOrd="1" destOrd="0" presId="urn:microsoft.com/office/officeart/2005/8/layout/hProcess10"/>
@@ -2935,6 +3033,13 @@
         </dgm:presLayoutVars>
       </dgm:prSet>
       <dgm:spPr/>
+      <dgm:t>
+        <a:bodyPr/>
+        <a:lstStyle/>
+        <a:p>
+          <a:endParaRPr lang="pt-BR"/>
+        </a:p>
+      </dgm:t>
     </dgm:pt>
     <dgm:pt modelId="{062E9DE7-D35F-424E-9F9A-BD66C63F4461}" type="pres">
       <dgm:prSet presAssocID="{CEEC9A47-41CE-4F72-8729-777E470908F2}" presName="dummyMaxCanvas" presStyleCnt="0">
@@ -2949,6 +3054,13 @@
         </dgm:presLayoutVars>
       </dgm:prSet>
       <dgm:spPr/>
+      <dgm:t>
+        <a:bodyPr/>
+        <a:lstStyle/>
+        <a:p>
+          <a:endParaRPr lang="pt-BR"/>
+        </a:p>
+      </dgm:t>
     </dgm:pt>
     <dgm:pt modelId="{9165659D-AF5C-4AC5-A3F8-E5F6F30291F6}" type="pres">
       <dgm:prSet presAssocID="{CEEC9A47-41CE-4F72-8729-777E470908F2}" presName="ThreeNodes_2" presStyleLbl="node1" presStyleIdx="1" presStyleCnt="3">
@@ -2957,6 +3069,13 @@
         </dgm:presLayoutVars>
       </dgm:prSet>
       <dgm:spPr/>
+      <dgm:t>
+        <a:bodyPr/>
+        <a:lstStyle/>
+        <a:p>
+          <a:endParaRPr lang="pt-BR"/>
+        </a:p>
+      </dgm:t>
     </dgm:pt>
     <dgm:pt modelId="{F5DB17B4-E228-46A6-B371-A0303F545003}" type="pres">
       <dgm:prSet presAssocID="{CEEC9A47-41CE-4F72-8729-777E470908F2}" presName="ThreeNodes_3" presStyleLbl="node1" presStyleIdx="2" presStyleCnt="3">
@@ -2965,6 +3084,13 @@
         </dgm:presLayoutVars>
       </dgm:prSet>
       <dgm:spPr/>
+      <dgm:t>
+        <a:bodyPr/>
+        <a:lstStyle/>
+        <a:p>
+          <a:endParaRPr lang="pt-BR"/>
+        </a:p>
+      </dgm:t>
     </dgm:pt>
     <dgm:pt modelId="{C5476673-990D-4586-94EA-3289A7762656}" type="pres">
       <dgm:prSet presAssocID="{CEEC9A47-41CE-4F72-8729-777E470908F2}" presName="ThreeConn_1-2" presStyleLbl="fgAccFollowNode1" presStyleIdx="0" presStyleCnt="2">
@@ -2973,6 +3099,13 @@
         </dgm:presLayoutVars>
       </dgm:prSet>
       <dgm:spPr/>
+      <dgm:t>
+        <a:bodyPr/>
+        <a:lstStyle/>
+        <a:p>
+          <a:endParaRPr lang="pt-BR"/>
+        </a:p>
+      </dgm:t>
     </dgm:pt>
     <dgm:pt modelId="{724573BB-DE03-49F3-BC5D-4F371394BF2D}" type="pres">
       <dgm:prSet presAssocID="{CEEC9A47-41CE-4F72-8729-777E470908F2}" presName="ThreeConn_2-3" presStyleLbl="fgAccFollowNode1" presStyleIdx="1" presStyleCnt="2">
@@ -2981,6 +3114,13 @@
         </dgm:presLayoutVars>
       </dgm:prSet>
       <dgm:spPr/>
+      <dgm:t>
+        <a:bodyPr/>
+        <a:lstStyle/>
+        <a:p>
+          <a:endParaRPr lang="pt-BR"/>
+        </a:p>
+      </dgm:t>
     </dgm:pt>
     <dgm:pt modelId="{7F3EF532-7F15-4E71-A8C9-F0351B77AA0B}" type="pres">
       <dgm:prSet presAssocID="{CEEC9A47-41CE-4F72-8729-777E470908F2}" presName="ThreeNodes_1_text" presStyleLbl="node1" presStyleIdx="2" presStyleCnt="3">
@@ -2989,6 +3129,13 @@
         </dgm:presLayoutVars>
       </dgm:prSet>
       <dgm:spPr/>
+      <dgm:t>
+        <a:bodyPr/>
+        <a:lstStyle/>
+        <a:p>
+          <a:endParaRPr lang="pt-BR"/>
+        </a:p>
+      </dgm:t>
     </dgm:pt>
     <dgm:pt modelId="{BD3E099B-AEDF-4060-9AA2-C5C3FC6E1237}" type="pres">
       <dgm:prSet presAssocID="{CEEC9A47-41CE-4F72-8729-777E470908F2}" presName="ThreeNodes_2_text" presStyleLbl="node1" presStyleIdx="2" presStyleCnt="3">
@@ -2997,6 +3144,13 @@
         </dgm:presLayoutVars>
       </dgm:prSet>
       <dgm:spPr/>
+      <dgm:t>
+        <a:bodyPr/>
+        <a:lstStyle/>
+        <a:p>
+          <a:endParaRPr lang="pt-BR"/>
+        </a:p>
+      </dgm:t>
     </dgm:pt>
     <dgm:pt modelId="{13A908FD-B287-4C7F-8530-30B6AA707309}" type="pres">
       <dgm:prSet presAssocID="{CEEC9A47-41CE-4F72-8729-777E470908F2}" presName="ThreeNodes_3_text" presStyleLbl="node1" presStyleIdx="2" presStyleCnt="3">
@@ -3005,21 +3159,28 @@
         </dgm:presLayoutVars>
       </dgm:prSet>
       <dgm:spPr/>
+      <dgm:t>
+        <a:bodyPr/>
+        <a:lstStyle/>
+        <a:p>
+          <a:endParaRPr lang="pt-BR"/>
+        </a:p>
+      </dgm:t>
     </dgm:pt>
   </dgm:ptLst>
   <dgm:cxnLst>
+    <dgm:cxn modelId="{5DB6CA8B-B37B-4754-8389-51D77A9A5EA3}" type="presOf" srcId="{CEEC9A47-41CE-4F72-8729-777E470908F2}" destId="{B460CA3C-4A0A-4F27-9263-13359BE3B3D9}" srcOrd="0" destOrd="0" presId="urn:microsoft.com/office/officeart/2005/8/layout/vProcess5"/>
+    <dgm:cxn modelId="{4341F128-8C2C-40CE-A3F6-C27834F0E0F1}" srcId="{CEEC9A47-41CE-4F72-8729-777E470908F2}" destId="{5044F5A8-3CEF-490D-BB50-69BD3C6214C5}" srcOrd="0" destOrd="0" parTransId="{F020CBA2-7258-457D-BAB0-0BA0C07EDEF3}" sibTransId="{9B5A6293-C781-48DA-9F9E-F27835E0938D}"/>
+    <dgm:cxn modelId="{2A8BF291-5747-450E-8654-1A9871F46B0F}" srcId="{CEEC9A47-41CE-4F72-8729-777E470908F2}" destId="{257884FB-058E-46EE-8697-34CA3F12EC9A}" srcOrd="1" destOrd="0" parTransId="{FE86531E-0CE2-45F6-A536-23E48FF8567E}" sibTransId="{56003D63-BB25-45A7-BAB1-9B2F74F9B6AA}"/>
+    <dgm:cxn modelId="{199C65C5-53CE-4877-8D7D-2B26D8D601FE}" type="presOf" srcId="{56003D63-BB25-45A7-BAB1-9B2F74F9B6AA}" destId="{724573BB-DE03-49F3-BC5D-4F371394BF2D}" srcOrd="0" destOrd="0" presId="urn:microsoft.com/office/officeart/2005/8/layout/vProcess5"/>
+    <dgm:cxn modelId="{40BE68EB-FB3D-456C-AD7F-7562678FBE76}" type="presOf" srcId="{257884FB-058E-46EE-8697-34CA3F12EC9A}" destId="{BD3E099B-AEDF-4060-9AA2-C5C3FC6E1237}" srcOrd="1" destOrd="0" presId="urn:microsoft.com/office/officeart/2005/8/layout/vProcess5"/>
+    <dgm:cxn modelId="{021C90DF-6DBD-4A1E-84C9-9EE355623F11}" srcId="{CEEC9A47-41CE-4F72-8729-777E470908F2}" destId="{72F5361D-E100-4C2B-B4ED-365A55E90F01}" srcOrd="2" destOrd="0" parTransId="{9EEBE319-9FA4-421E-A2E0-B787C1C30639}" sibTransId="{92E17DD2-8379-4838-9D0D-87CD632252A7}"/>
+    <dgm:cxn modelId="{D5F185FB-529E-4636-8645-0B1C96139D85}" type="presOf" srcId="{72F5361D-E100-4C2B-B4ED-365A55E90F01}" destId="{13A908FD-B287-4C7F-8530-30B6AA707309}" srcOrd="1" destOrd="0" presId="urn:microsoft.com/office/officeart/2005/8/layout/vProcess5"/>
+    <dgm:cxn modelId="{5CE2D3BF-E6D7-42C2-9FAE-295571664847}" type="presOf" srcId="{72F5361D-E100-4C2B-B4ED-365A55E90F01}" destId="{F5DB17B4-E228-46A6-B371-A0303F545003}" srcOrd="0" destOrd="0" presId="urn:microsoft.com/office/officeart/2005/8/layout/vProcess5"/>
+    <dgm:cxn modelId="{A9AFF4B3-8F55-4F13-9FB8-FE3F4A98FFE9}" type="presOf" srcId="{5044F5A8-3CEF-490D-BB50-69BD3C6214C5}" destId="{51860142-8654-4D0D-9EAD-E5D156D79958}" srcOrd="0" destOrd="0" presId="urn:microsoft.com/office/officeart/2005/8/layout/vProcess5"/>
+    <dgm:cxn modelId="{29411674-CE43-4DB4-B392-47C4E78E2201}" type="presOf" srcId="{9B5A6293-C781-48DA-9F9E-F27835E0938D}" destId="{C5476673-990D-4586-94EA-3289A7762656}" srcOrd="0" destOrd="0" presId="urn:microsoft.com/office/officeart/2005/8/layout/vProcess5"/>
+    <dgm:cxn modelId="{FBCB9EC2-F941-4120-8B6D-4406813803CD}" type="presOf" srcId="{5044F5A8-3CEF-490D-BB50-69BD3C6214C5}" destId="{7F3EF532-7F15-4E71-A8C9-F0351B77AA0B}" srcOrd="1" destOrd="0" presId="urn:microsoft.com/office/officeart/2005/8/layout/vProcess5"/>
     <dgm:cxn modelId="{8F078709-3D61-4D06-9636-6A7B724B002A}" type="presOf" srcId="{257884FB-058E-46EE-8697-34CA3F12EC9A}" destId="{9165659D-AF5C-4AC5-A3F8-E5F6F30291F6}" srcOrd="0" destOrd="0" presId="urn:microsoft.com/office/officeart/2005/8/layout/vProcess5"/>
-    <dgm:cxn modelId="{4341F128-8C2C-40CE-A3F6-C27834F0E0F1}" srcId="{CEEC9A47-41CE-4F72-8729-777E470908F2}" destId="{5044F5A8-3CEF-490D-BB50-69BD3C6214C5}" srcOrd="0" destOrd="0" parTransId="{F020CBA2-7258-457D-BAB0-0BA0C07EDEF3}" sibTransId="{9B5A6293-C781-48DA-9F9E-F27835E0938D}"/>
-    <dgm:cxn modelId="{29411674-CE43-4DB4-B392-47C4E78E2201}" type="presOf" srcId="{9B5A6293-C781-48DA-9F9E-F27835E0938D}" destId="{C5476673-990D-4586-94EA-3289A7762656}" srcOrd="0" destOrd="0" presId="urn:microsoft.com/office/officeart/2005/8/layout/vProcess5"/>
-    <dgm:cxn modelId="{5DB6CA8B-B37B-4754-8389-51D77A9A5EA3}" type="presOf" srcId="{CEEC9A47-41CE-4F72-8729-777E470908F2}" destId="{B460CA3C-4A0A-4F27-9263-13359BE3B3D9}" srcOrd="0" destOrd="0" presId="urn:microsoft.com/office/officeart/2005/8/layout/vProcess5"/>
-    <dgm:cxn modelId="{2A8BF291-5747-450E-8654-1A9871F46B0F}" srcId="{CEEC9A47-41CE-4F72-8729-777E470908F2}" destId="{257884FB-058E-46EE-8697-34CA3F12EC9A}" srcOrd="1" destOrd="0" parTransId="{FE86531E-0CE2-45F6-A536-23E48FF8567E}" sibTransId="{56003D63-BB25-45A7-BAB1-9B2F74F9B6AA}"/>
-    <dgm:cxn modelId="{A9AFF4B3-8F55-4F13-9FB8-FE3F4A98FFE9}" type="presOf" srcId="{5044F5A8-3CEF-490D-BB50-69BD3C6214C5}" destId="{51860142-8654-4D0D-9EAD-E5D156D79958}" srcOrd="0" destOrd="0" presId="urn:microsoft.com/office/officeart/2005/8/layout/vProcess5"/>
-    <dgm:cxn modelId="{5CE2D3BF-E6D7-42C2-9FAE-295571664847}" type="presOf" srcId="{72F5361D-E100-4C2B-B4ED-365A55E90F01}" destId="{F5DB17B4-E228-46A6-B371-A0303F545003}" srcOrd="0" destOrd="0" presId="urn:microsoft.com/office/officeart/2005/8/layout/vProcess5"/>
-    <dgm:cxn modelId="{FBCB9EC2-F941-4120-8B6D-4406813803CD}" type="presOf" srcId="{5044F5A8-3CEF-490D-BB50-69BD3C6214C5}" destId="{7F3EF532-7F15-4E71-A8C9-F0351B77AA0B}" srcOrd="1" destOrd="0" presId="urn:microsoft.com/office/officeart/2005/8/layout/vProcess5"/>
-    <dgm:cxn modelId="{199C65C5-53CE-4877-8D7D-2B26D8D601FE}" type="presOf" srcId="{56003D63-BB25-45A7-BAB1-9B2F74F9B6AA}" destId="{724573BB-DE03-49F3-BC5D-4F371394BF2D}" srcOrd="0" destOrd="0" presId="urn:microsoft.com/office/officeart/2005/8/layout/vProcess5"/>
-    <dgm:cxn modelId="{021C90DF-6DBD-4A1E-84C9-9EE355623F11}" srcId="{CEEC9A47-41CE-4F72-8729-777E470908F2}" destId="{72F5361D-E100-4C2B-B4ED-365A55E90F01}" srcOrd="2" destOrd="0" parTransId="{9EEBE319-9FA4-421E-A2E0-B787C1C30639}" sibTransId="{92E17DD2-8379-4838-9D0D-87CD632252A7}"/>
-    <dgm:cxn modelId="{40BE68EB-FB3D-456C-AD7F-7562678FBE76}" type="presOf" srcId="{257884FB-058E-46EE-8697-34CA3F12EC9A}" destId="{BD3E099B-AEDF-4060-9AA2-C5C3FC6E1237}" srcOrd="1" destOrd="0" presId="urn:microsoft.com/office/officeart/2005/8/layout/vProcess5"/>
-    <dgm:cxn modelId="{D5F185FB-529E-4636-8645-0B1C96139D85}" type="presOf" srcId="{72F5361D-E100-4C2B-B4ED-365A55E90F01}" destId="{13A908FD-B287-4C7F-8530-30B6AA707309}" srcOrd="1" destOrd="0" presId="urn:microsoft.com/office/officeart/2005/8/layout/vProcess5"/>
     <dgm:cxn modelId="{119180AC-5CE9-41EB-80E4-FF3680F7DB38}" type="presParOf" srcId="{B460CA3C-4A0A-4F27-9263-13359BE3B3D9}" destId="{062E9DE7-D35F-424E-9F9A-BD66C63F4461}" srcOrd="0" destOrd="0" presId="urn:microsoft.com/office/officeart/2005/8/layout/vProcess5"/>
     <dgm:cxn modelId="{124AC2E4-3C8E-4C2E-BF61-F8FBC151FB4A}" type="presParOf" srcId="{B460CA3C-4A0A-4F27-9263-13359BE3B3D9}" destId="{51860142-8654-4D0D-9EAD-E5D156D79958}" srcOrd="1" destOrd="0" presId="urn:microsoft.com/office/officeart/2005/8/layout/vProcess5"/>
     <dgm:cxn modelId="{84CB6C7D-7340-4525-B6D6-19756D6A2974}" type="presParOf" srcId="{B460CA3C-4A0A-4F27-9263-13359BE3B3D9}" destId="{9165659D-AF5C-4AC5-A3F8-E5F6F30291F6}" srcOrd="2" destOrd="0" presId="urn:microsoft.com/office/officeart/2005/8/layout/vProcess5"/>
@@ -3243,14 +3404,35 @@
         </dgm:presLayoutVars>
       </dgm:prSet>
       <dgm:spPr/>
+      <dgm:t>
+        <a:bodyPr/>
+        <a:lstStyle/>
+        <a:p>
+          <a:endParaRPr lang="pt-BR"/>
+        </a:p>
+      </dgm:t>
     </dgm:pt>
     <dgm:pt modelId="{92C95CD5-6342-4B0E-AD6D-7F96EADBB8B7}" type="pres">
       <dgm:prSet presAssocID="{3B2115EB-D986-46E4-9DCA-7717541FF845}" presName="sibTrans" presStyleLbl="sibTrans2D1" presStyleIdx="0" presStyleCnt="4"/>
       <dgm:spPr/>
+      <dgm:t>
+        <a:bodyPr/>
+        <a:lstStyle/>
+        <a:p>
+          <a:endParaRPr lang="pt-BR"/>
+        </a:p>
+      </dgm:t>
     </dgm:pt>
     <dgm:pt modelId="{6E139D40-34D9-4476-92CB-0EC6FB81290F}" type="pres">
       <dgm:prSet presAssocID="{3B2115EB-D986-46E4-9DCA-7717541FF845}" presName="connectorText" presStyleLbl="sibTrans2D1" presStyleIdx="0" presStyleCnt="4"/>
       <dgm:spPr/>
+      <dgm:t>
+        <a:bodyPr/>
+        <a:lstStyle/>
+        <a:p>
+          <a:endParaRPr lang="pt-BR"/>
+        </a:p>
+      </dgm:t>
     </dgm:pt>
     <dgm:pt modelId="{00DFECD0-29FD-4E55-8FAC-054C040B0A91}" type="pres">
       <dgm:prSet presAssocID="{63DE9185-155B-4B29-A442-50DB2C593CEC}" presName="node" presStyleLbl="node1" presStyleIdx="1" presStyleCnt="5">
@@ -3259,14 +3441,35 @@
         </dgm:presLayoutVars>
       </dgm:prSet>
       <dgm:spPr/>
+      <dgm:t>
+        <a:bodyPr/>
+        <a:lstStyle/>
+        <a:p>
+          <a:endParaRPr lang="pt-BR"/>
+        </a:p>
+      </dgm:t>
     </dgm:pt>
     <dgm:pt modelId="{5ECA5540-C8D5-49B9-8C58-6CCB06E71355}" type="pres">
       <dgm:prSet presAssocID="{2426D7BB-A3A8-48D9-AF5B-0B562EADFC9E}" presName="sibTrans" presStyleLbl="sibTrans2D1" presStyleIdx="1" presStyleCnt="4"/>
       <dgm:spPr/>
+      <dgm:t>
+        <a:bodyPr/>
+        <a:lstStyle/>
+        <a:p>
+          <a:endParaRPr lang="pt-BR"/>
+        </a:p>
+      </dgm:t>
     </dgm:pt>
     <dgm:pt modelId="{9CA1261B-F64F-4BEA-9EDA-60BCF5E77FA0}" type="pres">
       <dgm:prSet presAssocID="{2426D7BB-A3A8-48D9-AF5B-0B562EADFC9E}" presName="connectorText" presStyleLbl="sibTrans2D1" presStyleIdx="1" presStyleCnt="4"/>
       <dgm:spPr/>
+      <dgm:t>
+        <a:bodyPr/>
+        <a:lstStyle/>
+        <a:p>
+          <a:endParaRPr lang="pt-BR"/>
+        </a:p>
+      </dgm:t>
     </dgm:pt>
     <dgm:pt modelId="{CC87A9E7-53C1-4B3E-ACBA-A037A1DDD1AF}" type="pres">
       <dgm:prSet presAssocID="{55B1BF4D-D545-484A-A796-6DB334C34EA6}" presName="node" presStyleLbl="node1" presStyleIdx="2" presStyleCnt="5">
@@ -3275,14 +3478,35 @@
         </dgm:presLayoutVars>
       </dgm:prSet>
       <dgm:spPr/>
+      <dgm:t>
+        <a:bodyPr/>
+        <a:lstStyle/>
+        <a:p>
+          <a:endParaRPr lang="pt-BR"/>
+        </a:p>
+      </dgm:t>
     </dgm:pt>
     <dgm:pt modelId="{D92C6EA2-973E-4165-8F30-0B008F110197}" type="pres">
       <dgm:prSet presAssocID="{EDE7AE5F-785D-4EF7-B1D8-FB7FD14D6D51}" presName="sibTrans" presStyleLbl="sibTrans2D1" presStyleIdx="2" presStyleCnt="4"/>
       <dgm:spPr/>
+      <dgm:t>
+        <a:bodyPr/>
+        <a:lstStyle/>
+        <a:p>
+          <a:endParaRPr lang="pt-BR"/>
+        </a:p>
+      </dgm:t>
     </dgm:pt>
     <dgm:pt modelId="{73C4C6CA-6AD2-4F67-95CD-08BC25EA5A48}" type="pres">
       <dgm:prSet presAssocID="{EDE7AE5F-785D-4EF7-B1D8-FB7FD14D6D51}" presName="connectorText" presStyleLbl="sibTrans2D1" presStyleIdx="2" presStyleCnt="4"/>
       <dgm:spPr/>
+      <dgm:t>
+        <a:bodyPr/>
+        <a:lstStyle/>
+        <a:p>
+          <a:endParaRPr lang="pt-BR"/>
+        </a:p>
+      </dgm:t>
     </dgm:pt>
     <dgm:pt modelId="{DCE0C106-4F35-4360-B4A2-D26C67DDDD43}" type="pres">
       <dgm:prSet presAssocID="{207FF6C4-B74F-4115-8658-2F4654BA9B98}" presName="node" presStyleLbl="node1" presStyleIdx="3" presStyleCnt="5">
@@ -3291,14 +3515,35 @@
         </dgm:presLayoutVars>
       </dgm:prSet>
       <dgm:spPr/>
+      <dgm:t>
+        <a:bodyPr/>
+        <a:lstStyle/>
+        <a:p>
+          <a:endParaRPr lang="pt-BR"/>
+        </a:p>
+      </dgm:t>
     </dgm:pt>
     <dgm:pt modelId="{81616565-71ED-4FAB-BA52-5EA45358E075}" type="pres">
       <dgm:prSet presAssocID="{60973B62-3F53-4235-8238-5B8C5CD14ABC}" presName="sibTrans" presStyleLbl="sibTrans2D1" presStyleIdx="3" presStyleCnt="4"/>
       <dgm:spPr/>
+      <dgm:t>
+        <a:bodyPr/>
+        <a:lstStyle/>
+        <a:p>
+          <a:endParaRPr lang="pt-BR"/>
+        </a:p>
+      </dgm:t>
     </dgm:pt>
     <dgm:pt modelId="{ABF2F7A1-4642-4627-93B1-F6BB028278DD}" type="pres">
       <dgm:prSet presAssocID="{60973B62-3F53-4235-8238-5B8C5CD14ABC}" presName="connectorText" presStyleLbl="sibTrans2D1" presStyleIdx="3" presStyleCnt="4"/>
       <dgm:spPr/>
+      <dgm:t>
+        <a:bodyPr/>
+        <a:lstStyle/>
+        <a:p>
+          <a:endParaRPr lang="pt-BR"/>
+        </a:p>
+      </dgm:t>
     </dgm:pt>
     <dgm:pt modelId="{2AD3C408-A279-41C9-B9DE-1AE979F22ED6}" type="pres">
       <dgm:prSet presAssocID="{05440118-41E0-4E79-B622-7D769F29179C}" presName="node" presStyleLbl="node1" presStyleIdx="4" presStyleCnt="5">
@@ -3307,28 +3552,35 @@
         </dgm:presLayoutVars>
       </dgm:prSet>
       <dgm:spPr/>
+      <dgm:t>
+        <a:bodyPr/>
+        <a:lstStyle/>
+        <a:p>
+          <a:endParaRPr lang="pt-BR"/>
+        </a:p>
+      </dgm:t>
     </dgm:pt>
   </dgm:ptLst>
   <dgm:cxnLst>
-    <dgm:cxn modelId="{B2522502-8D29-41A3-A733-07738E469E60}" type="presOf" srcId="{05440118-41E0-4E79-B622-7D769F29179C}" destId="{2AD3C408-A279-41C9-B9DE-1AE979F22ED6}" srcOrd="0" destOrd="0" presId="urn:microsoft.com/office/officeart/2005/8/layout/process1"/>
-    <dgm:cxn modelId="{C388BD1E-663A-4108-9B5E-9BD2F52F29D7}" type="presOf" srcId="{2426D7BB-A3A8-48D9-AF5B-0B562EADFC9E}" destId="{5ECA5540-C8D5-49B9-8C58-6CCB06E71355}" srcOrd="0" destOrd="0" presId="urn:microsoft.com/office/officeart/2005/8/layout/process1"/>
-    <dgm:cxn modelId="{4AE43223-C351-4AC4-BE9E-EE0C8B4F6122}" srcId="{EF5E1371-A34E-4630-A417-49E1BD19ADEE}" destId="{05440118-41E0-4E79-B622-7D769F29179C}" srcOrd="4" destOrd="0" parTransId="{125EA51B-050A-4B36-BA28-9A463790F866}" sibTransId="{A988507B-8F21-4ECD-BF1B-E440D7DE879A}"/>
-    <dgm:cxn modelId="{9F33EE43-4425-4F87-A39F-DA3B7410F01C}" type="presOf" srcId="{EDE7AE5F-785D-4EF7-B1D8-FB7FD14D6D51}" destId="{73C4C6CA-6AD2-4F67-95CD-08BC25EA5A48}" srcOrd="1" destOrd="0" presId="urn:microsoft.com/office/officeart/2005/8/layout/process1"/>
-    <dgm:cxn modelId="{7C141646-39FC-4B6D-99CA-C6AFF31C0313}" type="presOf" srcId="{207FF6C4-B74F-4115-8658-2F4654BA9B98}" destId="{DCE0C106-4F35-4360-B4A2-D26C67DDDD43}" srcOrd="0" destOrd="0" presId="urn:microsoft.com/office/officeart/2005/8/layout/process1"/>
-    <dgm:cxn modelId="{EA1CCC46-77B1-4DC7-B48C-7B362209C760}" srcId="{EF5E1371-A34E-4630-A417-49E1BD19ADEE}" destId="{5A368A7D-7D46-43DC-A583-298B7C4C8EE2}" srcOrd="0" destOrd="0" parTransId="{F8362BB9-7E50-478B-9882-44E41016E978}" sibTransId="{3B2115EB-D986-46E4-9DCA-7717541FF845}"/>
-    <dgm:cxn modelId="{C098604D-CAC2-4C7B-99F4-B804A559254E}" type="presOf" srcId="{63DE9185-155B-4B29-A442-50DB2C593CEC}" destId="{00DFECD0-29FD-4E55-8FAC-054C040B0A91}" srcOrd="0" destOrd="0" presId="urn:microsoft.com/office/officeart/2005/8/layout/process1"/>
     <dgm:cxn modelId="{1FD4D04E-5216-4F9D-9A73-C5E3BA0BDFE6}" type="presOf" srcId="{EDE7AE5F-785D-4EF7-B1D8-FB7FD14D6D51}" destId="{D92C6EA2-973E-4165-8F30-0B008F110197}" srcOrd="0" destOrd="0" presId="urn:microsoft.com/office/officeart/2005/8/layout/process1"/>
-    <dgm:cxn modelId="{C65A3C82-B713-4EDB-B864-9293C43454CD}" srcId="{EF5E1371-A34E-4630-A417-49E1BD19ADEE}" destId="{207FF6C4-B74F-4115-8658-2F4654BA9B98}" srcOrd="3" destOrd="0" parTransId="{6559AE33-6372-4CB2-8760-C512B63DDD42}" sibTransId="{60973B62-3F53-4235-8238-5B8C5CD14ABC}"/>
-    <dgm:cxn modelId="{6F412184-ADA4-48C4-A964-8553C2BE5BC6}" type="presOf" srcId="{55B1BF4D-D545-484A-A796-6DB334C34EA6}" destId="{CC87A9E7-53C1-4B3E-ACBA-A037A1DDD1AF}" srcOrd="0" destOrd="0" presId="urn:microsoft.com/office/officeart/2005/8/layout/process1"/>
-    <dgm:cxn modelId="{C4260590-31A5-4B65-8CA5-7F21F8422D93}" srcId="{EF5E1371-A34E-4630-A417-49E1BD19ADEE}" destId="{63DE9185-155B-4B29-A442-50DB2C593CEC}" srcOrd="1" destOrd="0" parTransId="{D853508E-0002-4AE4-BFB1-9734EF89C4E4}" sibTransId="{2426D7BB-A3A8-48D9-AF5B-0B562EADFC9E}"/>
-    <dgm:cxn modelId="{32D6239C-99FD-49A4-A9B0-8FB672CBA783}" type="presOf" srcId="{EF5E1371-A34E-4630-A417-49E1BD19ADEE}" destId="{FD23943C-F69F-41B2-B5B6-F096FFD28F44}" srcOrd="0" destOrd="0" presId="urn:microsoft.com/office/officeart/2005/8/layout/process1"/>
-    <dgm:cxn modelId="{319F9E9D-27ED-4BB6-944A-67DF6CCA4FB9}" type="presOf" srcId="{2426D7BB-A3A8-48D9-AF5B-0B562EADFC9E}" destId="{9CA1261B-F64F-4BEA-9EDA-60BCF5E77FA0}" srcOrd="1" destOrd="0" presId="urn:microsoft.com/office/officeart/2005/8/layout/process1"/>
     <dgm:cxn modelId="{358DC6B1-0DD2-4323-B210-5532EAFEB309}" srcId="{EF5E1371-A34E-4630-A417-49E1BD19ADEE}" destId="{55B1BF4D-D545-484A-A796-6DB334C34EA6}" srcOrd="2" destOrd="0" parTransId="{2C37150F-3332-4F8C-84B0-D1118B646963}" sibTransId="{EDE7AE5F-785D-4EF7-B1D8-FB7FD14D6D51}"/>
     <dgm:cxn modelId="{FE8A29C1-2DAE-4E30-A97D-64796DF951B6}" type="presOf" srcId="{60973B62-3F53-4235-8238-5B8C5CD14ABC}" destId="{ABF2F7A1-4642-4627-93B1-F6BB028278DD}" srcOrd="1" destOrd="0" presId="urn:microsoft.com/office/officeart/2005/8/layout/process1"/>
+    <dgm:cxn modelId="{C4260590-31A5-4B65-8CA5-7F21F8422D93}" srcId="{EF5E1371-A34E-4630-A417-49E1BD19ADEE}" destId="{63DE9185-155B-4B29-A442-50DB2C593CEC}" srcOrd="1" destOrd="0" parTransId="{D853508E-0002-4AE4-BFB1-9734EF89C4E4}" sibTransId="{2426D7BB-A3A8-48D9-AF5B-0B562EADFC9E}"/>
+    <dgm:cxn modelId="{EA1CCC46-77B1-4DC7-B48C-7B362209C760}" srcId="{EF5E1371-A34E-4630-A417-49E1BD19ADEE}" destId="{5A368A7D-7D46-43DC-A583-298B7C4C8EE2}" srcOrd="0" destOrd="0" parTransId="{F8362BB9-7E50-478B-9882-44E41016E978}" sibTransId="{3B2115EB-D986-46E4-9DCA-7717541FF845}"/>
+    <dgm:cxn modelId="{7C6922DC-C247-4053-995F-ECA53C41A6D9}" type="presOf" srcId="{3B2115EB-D986-46E4-9DCA-7717541FF845}" destId="{6E139D40-34D9-4476-92CB-0EC6FB81290F}" srcOrd="1" destOrd="0" presId="urn:microsoft.com/office/officeart/2005/8/layout/process1"/>
     <dgm:cxn modelId="{32667ED5-9B1B-4ADB-967E-A72AEB3CEA15}" type="presOf" srcId="{60973B62-3F53-4235-8238-5B8C5CD14ABC}" destId="{81616565-71ED-4FAB-BA52-5EA45358E075}" srcOrd="0" destOrd="0" presId="urn:microsoft.com/office/officeart/2005/8/layout/process1"/>
-    <dgm:cxn modelId="{7C6922DC-C247-4053-995F-ECA53C41A6D9}" type="presOf" srcId="{3B2115EB-D986-46E4-9DCA-7717541FF845}" destId="{6E139D40-34D9-4476-92CB-0EC6FB81290F}" srcOrd="1" destOrd="0" presId="urn:microsoft.com/office/officeart/2005/8/layout/process1"/>
+    <dgm:cxn modelId="{C388BD1E-663A-4108-9B5E-9BD2F52F29D7}" type="presOf" srcId="{2426D7BB-A3A8-48D9-AF5B-0B562EADFC9E}" destId="{5ECA5540-C8D5-49B9-8C58-6CCB06E71355}" srcOrd="0" destOrd="0" presId="urn:microsoft.com/office/officeart/2005/8/layout/process1"/>
     <dgm:cxn modelId="{E3E136DE-5B8A-4BFF-9310-1C6111E08974}" type="presOf" srcId="{5A368A7D-7D46-43DC-A583-298B7C4C8EE2}" destId="{804890BE-E469-40AD-A6DA-EAF10793200D}" srcOrd="0" destOrd="0" presId="urn:microsoft.com/office/officeart/2005/8/layout/process1"/>
+    <dgm:cxn modelId="{7C141646-39FC-4B6D-99CA-C6AFF31C0313}" type="presOf" srcId="{207FF6C4-B74F-4115-8658-2F4654BA9B98}" destId="{DCE0C106-4F35-4360-B4A2-D26C67DDDD43}" srcOrd="0" destOrd="0" presId="urn:microsoft.com/office/officeart/2005/8/layout/process1"/>
     <dgm:cxn modelId="{39A989FA-4B65-4C68-8C13-8427673C7F2C}" type="presOf" srcId="{3B2115EB-D986-46E4-9DCA-7717541FF845}" destId="{92C95CD5-6342-4B0E-AD6D-7F96EADBB8B7}" srcOrd="0" destOrd="0" presId="urn:microsoft.com/office/officeart/2005/8/layout/process1"/>
+    <dgm:cxn modelId="{32D6239C-99FD-49A4-A9B0-8FB672CBA783}" type="presOf" srcId="{EF5E1371-A34E-4630-A417-49E1BD19ADEE}" destId="{FD23943C-F69F-41B2-B5B6-F096FFD28F44}" srcOrd="0" destOrd="0" presId="urn:microsoft.com/office/officeart/2005/8/layout/process1"/>
+    <dgm:cxn modelId="{9F33EE43-4425-4F87-A39F-DA3B7410F01C}" type="presOf" srcId="{EDE7AE5F-785D-4EF7-B1D8-FB7FD14D6D51}" destId="{73C4C6CA-6AD2-4F67-95CD-08BC25EA5A48}" srcOrd="1" destOrd="0" presId="urn:microsoft.com/office/officeart/2005/8/layout/process1"/>
+    <dgm:cxn modelId="{C098604D-CAC2-4C7B-99F4-B804A559254E}" type="presOf" srcId="{63DE9185-155B-4B29-A442-50DB2C593CEC}" destId="{00DFECD0-29FD-4E55-8FAC-054C040B0A91}" srcOrd="0" destOrd="0" presId="urn:microsoft.com/office/officeart/2005/8/layout/process1"/>
+    <dgm:cxn modelId="{C65A3C82-B713-4EDB-B864-9293C43454CD}" srcId="{EF5E1371-A34E-4630-A417-49E1BD19ADEE}" destId="{207FF6C4-B74F-4115-8658-2F4654BA9B98}" srcOrd="3" destOrd="0" parTransId="{6559AE33-6372-4CB2-8760-C512B63DDD42}" sibTransId="{60973B62-3F53-4235-8238-5B8C5CD14ABC}"/>
+    <dgm:cxn modelId="{B2522502-8D29-41A3-A733-07738E469E60}" type="presOf" srcId="{05440118-41E0-4E79-B622-7D769F29179C}" destId="{2AD3C408-A279-41C9-B9DE-1AE979F22ED6}" srcOrd="0" destOrd="0" presId="urn:microsoft.com/office/officeart/2005/8/layout/process1"/>
+    <dgm:cxn modelId="{4AE43223-C351-4AC4-BE9E-EE0C8B4F6122}" srcId="{EF5E1371-A34E-4630-A417-49E1BD19ADEE}" destId="{05440118-41E0-4E79-B622-7D769F29179C}" srcOrd="4" destOrd="0" parTransId="{125EA51B-050A-4B36-BA28-9A463790F866}" sibTransId="{A988507B-8F21-4ECD-BF1B-E440D7DE879A}"/>
+    <dgm:cxn modelId="{6F412184-ADA4-48C4-A964-8553C2BE5BC6}" type="presOf" srcId="{55B1BF4D-D545-484A-A796-6DB334C34EA6}" destId="{CC87A9E7-53C1-4B3E-ACBA-A037A1DDD1AF}" srcOrd="0" destOrd="0" presId="urn:microsoft.com/office/officeart/2005/8/layout/process1"/>
+    <dgm:cxn modelId="{319F9E9D-27ED-4BB6-944A-67DF6CCA4FB9}" type="presOf" srcId="{2426D7BB-A3A8-48D9-AF5B-0B562EADFC9E}" destId="{9CA1261B-F64F-4BEA-9EDA-60BCF5E77FA0}" srcOrd="1" destOrd="0" presId="urn:microsoft.com/office/officeart/2005/8/layout/process1"/>
     <dgm:cxn modelId="{D04615CD-8F28-40D8-9E65-58E34F49A02B}" type="presParOf" srcId="{FD23943C-F69F-41B2-B5B6-F096FFD28F44}" destId="{804890BE-E469-40AD-A6DA-EAF10793200D}" srcOrd="0" destOrd="0" presId="urn:microsoft.com/office/officeart/2005/8/layout/process1"/>
     <dgm:cxn modelId="{B56DB473-14AC-4F40-891B-FEEFD9BECF69}" type="presParOf" srcId="{FD23943C-F69F-41B2-B5B6-F096FFD28F44}" destId="{92C95CD5-6342-4B0E-AD6D-7F96EADBB8B7}" srcOrd="1" destOrd="0" presId="urn:microsoft.com/office/officeart/2005/8/layout/process1"/>
     <dgm:cxn modelId="{438CDEA0-57B9-4914-A5A3-B01C6AA6A7D0}" type="presParOf" srcId="{92C95CD5-6342-4B0E-AD6D-7F96EADBB8B7}" destId="{6E139D40-34D9-4476-92CB-0EC6FB81290F}" srcOrd="0" destOrd="0" presId="urn:microsoft.com/office/officeart/2005/8/layout/process1"/>
@@ -3471,7 +3723,7 @@
         </a:bodyPr>
         <a:lstStyle/>
         <a:p>
-          <a:pPr marL="0" lvl="0" indent="0" algn="ctr" defTabSz="577850">
+          <a:pPr lvl="0" algn="ctr" defTabSz="577850">
             <a:lnSpc>
               <a:spcPct val="90000"/>
             </a:lnSpc>
@@ -3481,7 +3733,6 @@
             <a:spcAft>
               <a:spcPct val="35000"/>
             </a:spcAft>
-            <a:buNone/>
           </a:pPr>
           <a:r>
             <a:rPr lang="pt-BR" sz="1300" kern="1200" dirty="0"/>
@@ -3544,7 +3795,7 @@
         </a:bodyPr>
         <a:lstStyle/>
         <a:p>
-          <a:pPr marL="0" lvl="0" indent="0" algn="ctr" defTabSz="488950">
+          <a:pPr lvl="0" algn="ctr" defTabSz="488950">
             <a:lnSpc>
               <a:spcPct val="90000"/>
             </a:lnSpc>
@@ -3554,7 +3805,6 @@
             <a:spcAft>
               <a:spcPct val="35000"/>
             </a:spcAft>
-            <a:buNone/>
           </a:pPr>
           <a:endParaRPr lang="pt-BR" sz="1100" kern="1200"/>
         </a:p>
@@ -3674,7 +3924,7 @@
         </a:bodyPr>
         <a:lstStyle/>
         <a:p>
-          <a:pPr marL="0" lvl="0" indent="0" algn="ctr" defTabSz="577850">
+          <a:pPr lvl="0" algn="ctr" defTabSz="577850">
             <a:lnSpc>
               <a:spcPct val="90000"/>
             </a:lnSpc>
@@ -3684,7 +3934,6 @@
             <a:spcAft>
               <a:spcPct val="35000"/>
             </a:spcAft>
-            <a:buNone/>
           </a:pPr>
           <a:r>
             <a:rPr lang="pt-BR" sz="1300" kern="1200" dirty="0"/>
@@ -3747,7 +3996,7 @@
         </a:bodyPr>
         <a:lstStyle/>
         <a:p>
-          <a:pPr marL="0" lvl="0" indent="0" algn="ctr" defTabSz="488950">
+          <a:pPr lvl="0" algn="ctr" defTabSz="488950">
             <a:lnSpc>
               <a:spcPct val="90000"/>
             </a:lnSpc>
@@ -3757,7 +4006,6 @@
             <a:spcAft>
               <a:spcPct val="35000"/>
             </a:spcAft>
-            <a:buNone/>
           </a:pPr>
           <a:endParaRPr lang="pt-BR" sz="1100" kern="1200"/>
         </a:p>
@@ -3877,7 +4125,7 @@
         </a:bodyPr>
         <a:lstStyle/>
         <a:p>
-          <a:pPr marL="0" lvl="0" indent="0" algn="ctr" defTabSz="577850">
+          <a:pPr lvl="0" algn="ctr" defTabSz="577850">
             <a:lnSpc>
               <a:spcPct val="90000"/>
             </a:lnSpc>
@@ -3887,7 +4135,6 @@
             <a:spcAft>
               <a:spcPct val="35000"/>
             </a:spcAft>
-            <a:buNone/>
           </a:pPr>
           <a:r>
             <a:rPr lang="pt-BR" sz="1300" kern="1200" dirty="0"/>
@@ -3955,7 +4202,7 @@
         </a:bodyPr>
         <a:lstStyle/>
         <a:p>
-          <a:pPr marL="0" lvl="0" indent="0" algn="ctr" defTabSz="488950">
+          <a:pPr lvl="0" algn="ctr" defTabSz="488950">
             <a:lnSpc>
               <a:spcPct val="90000"/>
             </a:lnSpc>
@@ -3965,7 +4212,6 @@
             <a:spcAft>
               <a:spcPct val="35000"/>
             </a:spcAft>
-            <a:buNone/>
           </a:pPr>
           <a:endParaRPr lang="pt-BR" sz="1100" kern="1200"/>
         </a:p>
@@ -4085,7 +4331,7 @@
         </a:bodyPr>
         <a:lstStyle/>
         <a:p>
-          <a:pPr marL="0" lvl="0" indent="0" algn="ctr" defTabSz="577850">
+          <a:pPr lvl="0" algn="ctr" defTabSz="577850">
             <a:lnSpc>
               <a:spcPct val="90000"/>
             </a:lnSpc>
@@ -4095,7 +4341,6 @@
             <a:spcAft>
               <a:spcPct val="35000"/>
             </a:spcAft>
-            <a:buNone/>
           </a:pPr>
           <a:r>
             <a:rPr lang="pt-BR" sz="1300" kern="1200" dirty="0"/>
@@ -4158,7 +4403,7 @@
         </a:bodyPr>
         <a:lstStyle/>
         <a:p>
-          <a:pPr marL="0" lvl="0" indent="0" algn="ctr" defTabSz="488950">
+          <a:pPr lvl="0" algn="ctr" defTabSz="488950">
             <a:lnSpc>
               <a:spcPct val="90000"/>
             </a:lnSpc>
@@ -4168,7 +4413,6 @@
             <a:spcAft>
               <a:spcPct val="35000"/>
             </a:spcAft>
-            <a:buNone/>
           </a:pPr>
           <a:endParaRPr lang="pt-BR" sz="1100" kern="1200"/>
         </a:p>
@@ -4288,7 +4532,7 @@
         </a:bodyPr>
         <a:lstStyle/>
         <a:p>
-          <a:pPr marL="0" lvl="0" indent="0" algn="ctr" defTabSz="577850">
+          <a:pPr lvl="0" algn="ctr" defTabSz="577850">
             <a:lnSpc>
               <a:spcPct val="90000"/>
             </a:lnSpc>
@@ -4298,7 +4542,6 @@
             <a:spcAft>
               <a:spcPct val="35000"/>
             </a:spcAft>
-            <a:buNone/>
           </a:pPr>
           <a:r>
             <a:rPr lang="pt-BR" sz="1300" kern="1200" dirty="0"/>
@@ -4379,7 +4622,7 @@
         </a:bodyPr>
         <a:lstStyle/>
         <a:p>
-          <a:pPr marL="0" lvl="0" indent="0" algn="l" defTabSz="1066800">
+          <a:pPr lvl="0" algn="l" defTabSz="1066800">
             <a:lnSpc>
               <a:spcPct val="90000"/>
             </a:lnSpc>
@@ -4389,7 +4632,6 @@
             <a:spcAft>
               <a:spcPct val="35000"/>
             </a:spcAft>
-            <a:buNone/>
           </a:pPr>
           <a:r>
             <a:rPr lang="pt-BR" sz="2400" kern="1200" dirty="0"/>
@@ -4458,7 +4700,7 @@
         </a:bodyPr>
         <a:lstStyle/>
         <a:p>
-          <a:pPr marL="0" lvl="0" indent="0" algn="l" defTabSz="1066800">
+          <a:pPr lvl="0" algn="l" defTabSz="1066800">
             <a:lnSpc>
               <a:spcPct val="90000"/>
             </a:lnSpc>
@@ -4468,7 +4710,6 @@
             <a:spcAft>
               <a:spcPct val="35000"/>
             </a:spcAft>
-            <a:buNone/>
           </a:pPr>
           <a:r>
             <a:rPr lang="pt-BR" sz="2400" kern="1200" dirty="0"/>
@@ -4537,7 +4778,7 @@
         </a:bodyPr>
         <a:lstStyle/>
         <a:p>
-          <a:pPr marL="0" lvl="0" indent="0" algn="l" defTabSz="1066800">
+          <a:pPr lvl="0" algn="l" defTabSz="1066800">
             <a:lnSpc>
               <a:spcPct val="90000"/>
             </a:lnSpc>
@@ -4547,7 +4788,6 @@
             <a:spcAft>
               <a:spcPct val="35000"/>
             </a:spcAft>
-            <a:buNone/>
           </a:pPr>
           <a:r>
             <a:rPr lang="pt-BR" sz="2400" kern="1200" dirty="0"/>
@@ -4619,7 +4859,7 @@
         </a:bodyPr>
         <a:lstStyle/>
         <a:p>
-          <a:pPr marL="0" lvl="0" indent="0" algn="ctr" defTabSz="1600200">
+          <a:pPr lvl="0" algn="ctr" defTabSz="1600200">
             <a:lnSpc>
               <a:spcPct val="90000"/>
             </a:lnSpc>
@@ -4629,7 +4869,6 @@
             <a:spcAft>
               <a:spcPct val="35000"/>
             </a:spcAft>
-            <a:buNone/>
           </a:pPr>
           <a:endParaRPr lang="pt-BR" sz="3600" kern="1200"/>
         </a:p>
@@ -4698,7 +4937,7 @@
         </a:bodyPr>
         <a:lstStyle/>
         <a:p>
-          <a:pPr marL="0" lvl="0" indent="0" algn="ctr" defTabSz="1600200">
+          <a:pPr lvl="0" algn="ctr" defTabSz="1600200">
             <a:lnSpc>
               <a:spcPct val="90000"/>
             </a:lnSpc>
@@ -4708,7 +4947,6 @@
             <a:spcAft>
               <a:spcPct val="35000"/>
             </a:spcAft>
-            <a:buNone/>
           </a:pPr>
           <a:endParaRPr lang="pt-BR" sz="3600" kern="1200"/>
         </a:p>
@@ -4786,7 +5024,7 @@
         </a:bodyPr>
         <a:lstStyle/>
         <a:p>
-          <a:pPr marL="0" lvl="0" indent="0" algn="ctr" defTabSz="800100">
+          <a:pPr lvl="0" algn="ctr" defTabSz="800100">
             <a:lnSpc>
               <a:spcPct val="90000"/>
             </a:lnSpc>
@@ -4796,7 +5034,6 @@
             <a:spcAft>
               <a:spcPct val="35000"/>
             </a:spcAft>
-            <a:buNone/>
           </a:pPr>
           <a:r>
             <a:rPr lang="pt-BR" sz="1800" kern="1200" dirty="0"/>
@@ -4859,7 +5096,7 @@
         </a:bodyPr>
         <a:lstStyle/>
         <a:p>
-          <a:pPr marL="0" lvl="0" indent="0" algn="ctr" defTabSz="622300">
+          <a:pPr lvl="0" algn="ctr" defTabSz="622300">
             <a:lnSpc>
               <a:spcPct val="90000"/>
             </a:lnSpc>
@@ -4869,7 +5106,6 @@
             <a:spcAft>
               <a:spcPct val="35000"/>
             </a:spcAft>
-            <a:buNone/>
           </a:pPr>
           <a:endParaRPr lang="pt-BR" sz="1400" kern="1200"/>
         </a:p>
@@ -4935,7 +5171,7 @@
         </a:bodyPr>
         <a:lstStyle/>
         <a:p>
-          <a:pPr marL="0" lvl="0" indent="0" algn="ctr" defTabSz="800100">
+          <a:pPr lvl="0" algn="ctr" defTabSz="800100">
             <a:lnSpc>
               <a:spcPct val="90000"/>
             </a:lnSpc>
@@ -4945,7 +5181,6 @@
             <a:spcAft>
               <a:spcPct val="35000"/>
             </a:spcAft>
-            <a:buNone/>
           </a:pPr>
           <a:r>
             <a:rPr lang="pt-BR" sz="1800" kern="1200" dirty="0"/>
@@ -5008,7 +5243,7 @@
         </a:bodyPr>
         <a:lstStyle/>
         <a:p>
-          <a:pPr marL="0" lvl="0" indent="0" algn="ctr" defTabSz="622300">
+          <a:pPr lvl="0" algn="ctr" defTabSz="622300">
             <a:lnSpc>
               <a:spcPct val="90000"/>
             </a:lnSpc>
@@ -5018,7 +5253,6 @@
             <a:spcAft>
               <a:spcPct val="35000"/>
             </a:spcAft>
-            <a:buNone/>
           </a:pPr>
           <a:endParaRPr lang="pt-BR" sz="1400" kern="1200"/>
         </a:p>
@@ -5084,7 +5318,7 @@
         </a:bodyPr>
         <a:lstStyle/>
         <a:p>
-          <a:pPr marL="0" lvl="0" indent="0" algn="ctr" defTabSz="800100">
+          <a:pPr lvl="0" algn="ctr" defTabSz="800100">
             <a:lnSpc>
               <a:spcPct val="90000"/>
             </a:lnSpc>
@@ -5094,7 +5328,6 @@
             <a:spcAft>
               <a:spcPct val="35000"/>
             </a:spcAft>
-            <a:buNone/>
           </a:pPr>
           <a:r>
             <a:rPr lang="pt-BR" sz="1800" kern="1200" dirty="0"/>
@@ -5157,7 +5390,7 @@
         </a:bodyPr>
         <a:lstStyle/>
         <a:p>
-          <a:pPr marL="0" lvl="0" indent="0" algn="ctr" defTabSz="622300">
+          <a:pPr lvl="0" algn="ctr" defTabSz="622300">
             <a:lnSpc>
               <a:spcPct val="90000"/>
             </a:lnSpc>
@@ -5167,7 +5400,6 @@
             <a:spcAft>
               <a:spcPct val="35000"/>
             </a:spcAft>
-            <a:buNone/>
           </a:pPr>
           <a:endParaRPr lang="pt-BR" sz="1400" kern="1200"/>
         </a:p>
@@ -5233,7 +5465,7 @@
         </a:bodyPr>
         <a:lstStyle/>
         <a:p>
-          <a:pPr marL="0" lvl="0" indent="0" algn="ctr" defTabSz="800100">
+          <a:pPr lvl="0" algn="ctr" defTabSz="800100">
             <a:lnSpc>
               <a:spcPct val="90000"/>
             </a:lnSpc>
@@ -5243,7 +5475,6 @@
             <a:spcAft>
               <a:spcPct val="35000"/>
             </a:spcAft>
-            <a:buNone/>
           </a:pPr>
           <a:r>
             <a:rPr lang="pt-BR" sz="1800" kern="1200" dirty="0"/>
@@ -5306,7 +5537,7 @@
         </a:bodyPr>
         <a:lstStyle/>
         <a:p>
-          <a:pPr marL="0" lvl="0" indent="0" algn="ctr" defTabSz="622300">
+          <a:pPr lvl="0" algn="ctr" defTabSz="622300">
             <a:lnSpc>
               <a:spcPct val="90000"/>
             </a:lnSpc>
@@ -5316,7 +5547,6 @@
             <a:spcAft>
               <a:spcPct val="35000"/>
             </a:spcAft>
-            <a:buNone/>
           </a:pPr>
           <a:endParaRPr lang="pt-BR" sz="1400" kern="1200"/>
         </a:p>
@@ -5382,7 +5612,7 @@
         </a:bodyPr>
         <a:lstStyle/>
         <a:p>
-          <a:pPr marL="0" lvl="0" indent="0" algn="ctr" defTabSz="800100">
+          <a:pPr lvl="0" algn="ctr" defTabSz="800100">
             <a:lnSpc>
               <a:spcPct val="90000"/>
             </a:lnSpc>
@@ -5392,7 +5622,6 @@
             <a:spcAft>
               <a:spcPct val="35000"/>
             </a:spcAft>
-            <a:buNone/>
           </a:pPr>
           <a:r>
             <a:rPr lang="pt-BR" sz="1800" kern="1200" dirty="0"/>
@@ -10308,7 +10537,7 @@
           <a:p>
             <a:fld id="{9DD0FF0E-39BA-4DB1-BA43-D9AC5DF8E0E1}" type="datetimeFigureOut">
               <a:rPr lang="pt-BR" smtClean="0"/>
-              <a:t>06/10/2019</a:t>
+              <a:t>07/10/2019</a:t>
             </a:fld>
             <a:endParaRPr lang="pt-BR"/>
           </a:p>
@@ -10606,7 +10835,7 @@
           <a:p>
             <a:fld id="{9DD0FF0E-39BA-4DB1-BA43-D9AC5DF8E0E1}" type="datetimeFigureOut">
               <a:rPr lang="pt-BR" smtClean="0"/>
-              <a:t>06/10/2019</a:t>
+              <a:t>07/10/2019</a:t>
             </a:fld>
             <a:endParaRPr lang="pt-BR"/>
           </a:p>
@@ -10798,7 +11027,7 @@
           <a:p>
             <a:fld id="{9DD0FF0E-39BA-4DB1-BA43-D9AC5DF8E0E1}" type="datetimeFigureOut">
               <a:rPr lang="pt-BR" smtClean="0"/>
-              <a:t>06/10/2019</a:t>
+              <a:t>07/10/2019</a:t>
             </a:fld>
             <a:endParaRPr lang="pt-BR"/>
           </a:p>
@@ -11059,7 +11288,7 @@
           <a:p>
             <a:fld id="{9DD0FF0E-39BA-4DB1-BA43-D9AC5DF8E0E1}" type="datetimeFigureOut">
               <a:rPr lang="pt-BR" smtClean="0"/>
-              <a:t>06/10/2019</a:t>
+              <a:t>07/10/2019</a:t>
             </a:fld>
             <a:endParaRPr lang="pt-BR"/>
           </a:p>
@@ -11483,7 +11712,7 @@
           <a:p>
             <a:fld id="{9DD0FF0E-39BA-4DB1-BA43-D9AC5DF8E0E1}" type="datetimeFigureOut">
               <a:rPr lang="pt-BR" smtClean="0"/>
-              <a:t>06/10/2019</a:t>
+              <a:t>07/10/2019</a:t>
             </a:fld>
             <a:endParaRPr lang="pt-BR"/>
           </a:p>
@@ -12020,7 +12249,7 @@
           <a:p>
             <a:fld id="{9DD0FF0E-39BA-4DB1-BA43-D9AC5DF8E0E1}" type="datetimeFigureOut">
               <a:rPr lang="pt-BR" smtClean="0"/>
-              <a:t>06/10/2019</a:t>
+              <a:t>07/10/2019</a:t>
             </a:fld>
             <a:endParaRPr lang="pt-BR"/>
           </a:p>
@@ -12884,7 +13113,7 @@
           <a:p>
             <a:fld id="{9DD0FF0E-39BA-4DB1-BA43-D9AC5DF8E0E1}" type="datetimeFigureOut">
               <a:rPr lang="pt-BR" smtClean="0"/>
-              <a:t>06/10/2019</a:t>
+              <a:t>07/10/2019</a:t>
             </a:fld>
             <a:endParaRPr lang="pt-BR"/>
           </a:p>
@@ -13054,7 +13283,7 @@
           <a:p>
             <a:fld id="{9DD0FF0E-39BA-4DB1-BA43-D9AC5DF8E0E1}" type="datetimeFigureOut">
               <a:rPr lang="pt-BR" smtClean="0"/>
-              <a:t>06/10/2019</a:t>
+              <a:t>07/10/2019</a:t>
             </a:fld>
             <a:endParaRPr lang="pt-BR"/>
           </a:p>
@@ -13238,7 +13467,7 @@
           <a:p>
             <a:fld id="{9DD0FF0E-39BA-4DB1-BA43-D9AC5DF8E0E1}" type="datetimeFigureOut">
               <a:rPr lang="pt-BR" smtClean="0"/>
-              <a:t>06/10/2019</a:t>
+              <a:t>07/10/2019</a:t>
             </a:fld>
             <a:endParaRPr lang="pt-BR"/>
           </a:p>
@@ -13408,7 +13637,7 @@
           <a:p>
             <a:fld id="{9DD0FF0E-39BA-4DB1-BA43-D9AC5DF8E0E1}" type="datetimeFigureOut">
               <a:rPr lang="pt-BR" smtClean="0"/>
-              <a:t>06/10/2019</a:t>
+              <a:t>07/10/2019</a:t>
             </a:fld>
             <a:endParaRPr lang="pt-BR"/>
           </a:p>
@@ -13652,7 +13881,7 @@
           <a:p>
             <a:fld id="{9DD0FF0E-39BA-4DB1-BA43-D9AC5DF8E0E1}" type="datetimeFigureOut">
               <a:rPr lang="pt-BR" smtClean="0"/>
-              <a:t>06/10/2019</a:t>
+              <a:t>07/10/2019</a:t>
             </a:fld>
             <a:endParaRPr lang="pt-BR"/>
           </a:p>
@@ -13888,7 +14117,7 @@
           <a:p>
             <a:fld id="{9DD0FF0E-39BA-4DB1-BA43-D9AC5DF8E0E1}" type="datetimeFigureOut">
               <a:rPr lang="pt-BR" smtClean="0"/>
-              <a:t>06/10/2019</a:t>
+              <a:t>07/10/2019</a:t>
             </a:fld>
             <a:endParaRPr lang="pt-BR"/>
           </a:p>
@@ -14354,7 +14583,7 @@
           <a:p>
             <a:fld id="{9DD0FF0E-39BA-4DB1-BA43-D9AC5DF8E0E1}" type="datetimeFigureOut">
               <a:rPr lang="pt-BR" smtClean="0"/>
-              <a:t>06/10/2019</a:t>
+              <a:t>07/10/2019</a:t>
             </a:fld>
             <a:endParaRPr lang="pt-BR"/>
           </a:p>
@@ -14472,7 +14701,7 @@
           <a:p>
             <a:fld id="{9DD0FF0E-39BA-4DB1-BA43-D9AC5DF8E0E1}" type="datetimeFigureOut">
               <a:rPr lang="pt-BR" smtClean="0"/>
-              <a:t>06/10/2019</a:t>
+              <a:t>07/10/2019</a:t>
             </a:fld>
             <a:endParaRPr lang="pt-BR"/>
           </a:p>
@@ -14567,7 +14796,7 @@
           <a:p>
             <a:fld id="{9DD0FF0E-39BA-4DB1-BA43-D9AC5DF8E0E1}" type="datetimeFigureOut">
               <a:rPr lang="pt-BR" smtClean="0"/>
-              <a:t>06/10/2019</a:t>
+              <a:t>07/10/2019</a:t>
             </a:fld>
             <a:endParaRPr lang="pt-BR"/>
           </a:p>
@@ -14822,7 +15051,7 @@
           <a:p>
             <a:fld id="{9DD0FF0E-39BA-4DB1-BA43-D9AC5DF8E0E1}" type="datetimeFigureOut">
               <a:rPr lang="pt-BR" smtClean="0"/>
-              <a:t>06/10/2019</a:t>
+              <a:t>07/10/2019</a:t>
             </a:fld>
             <a:endParaRPr lang="pt-BR"/>
           </a:p>
@@ -15122,7 +15351,7 @@
           <a:p>
             <a:fld id="{9DD0FF0E-39BA-4DB1-BA43-D9AC5DF8E0E1}" type="datetimeFigureOut">
               <a:rPr lang="pt-BR" smtClean="0"/>
-              <a:t>06/10/2019</a:t>
+              <a:t>07/10/2019</a:t>
             </a:fld>
             <a:endParaRPr lang="pt-BR"/>
           </a:p>
@@ -15356,7 +15585,7 @@
           <a:p>
             <a:fld id="{9DD0FF0E-39BA-4DB1-BA43-D9AC5DF8E0E1}" type="datetimeFigureOut">
               <a:rPr lang="pt-BR" smtClean="0"/>
-              <a:t>06/10/2019</a:t>
+              <a:t>07/10/2019</a:t>
             </a:fld>
             <a:endParaRPr lang="pt-BR"/>
           </a:p>
@@ -16309,7 +16538,15 @@
             </a:pPr>
             <a:r>
               <a:rPr lang="pt-BR" sz="2400" dirty="0"/>
-              <a:t>Cursos ou alguns tipos de conhecimentos são caros as vezes escasso e muitas vezes inacessível para qualquer pessoa.</a:t>
+              <a:t>Cursos ou alguns tipos de conhecimentos são </a:t>
+            </a:r>
+            <a:r>
+              <a:rPr lang="pt-BR" sz="2400" dirty="0" smtClean="0"/>
+              <a:t>caros, </a:t>
+            </a:r>
+            <a:r>
+              <a:rPr lang="pt-BR" sz="2400" dirty="0"/>
+              <a:t>as vezes escasso e muitas vezes inacessível para qualquer pessoa.</a:t>
             </a:r>
           </a:p>
           <a:p>
